--- a/Soutenance_PT.pptx
+++ b/Soutenance_PT.pptx
@@ -7,13 +7,18 @@
   <p:sldIdLst>
     <p:sldId id="264" r:id="rId2"/>
     <p:sldId id="263" r:id="rId3"/>
-    <p:sldId id="257" r:id="rId4"/>
-    <p:sldId id="258" r:id="rId5"/>
-    <p:sldId id="265" r:id="rId6"/>
-    <p:sldId id="259" r:id="rId7"/>
-    <p:sldId id="260" r:id="rId8"/>
-    <p:sldId id="261" r:id="rId9"/>
-    <p:sldId id="262" r:id="rId10"/>
+    <p:sldId id="269" r:id="rId4"/>
+    <p:sldId id="257" r:id="rId5"/>
+    <p:sldId id="258" r:id="rId6"/>
+    <p:sldId id="265" r:id="rId7"/>
+    <p:sldId id="266" r:id="rId8"/>
+    <p:sldId id="267" r:id="rId9"/>
+    <p:sldId id="268" r:id="rId10"/>
+    <p:sldId id="259" r:id="rId11"/>
+    <p:sldId id="270" r:id="rId12"/>
+    <p:sldId id="271" r:id="rId13"/>
+    <p:sldId id="260" r:id="rId14"/>
+    <p:sldId id="261" r:id="rId15"/>
   </p:sldIdLst>
   <p:sldSz cx="12192000" cy="6858000"/>
   <p:notesSz cx="6858000" cy="9144000"/>
@@ -3084,10 +3089,10 @@
             <a:defRPr b="1"/>
           </a:pPr>
           <a:r>
-            <a:rPr lang="fr-FR"/>
+            <a:rPr lang="fr-FR" dirty="0"/>
             <a:t>Développement</a:t>
           </a:r>
-          <a:endParaRPr lang="en-US"/>
+          <a:endParaRPr lang="en-US" dirty="0"/>
         </a:p>
       </dgm:t>
     </dgm:pt>
@@ -3113,80 +3118,6 @@
         </a:p>
       </dgm:t>
     </dgm:pt>
-    <dgm:pt modelId="{696BC5D1-ACDA-4C82-8D24-0350654F7CBD}">
-      <dgm:prSet/>
-      <dgm:spPr/>
-      <dgm:t>
-        <a:bodyPr/>
-        <a:lstStyle/>
-        <a:p>
-          <a:r>
-            <a:rPr lang="fr-FR" dirty="0"/>
-            <a:t>Script SQL de création (Importance first)</a:t>
-          </a:r>
-          <a:endParaRPr lang="en-US" dirty="0"/>
-        </a:p>
-      </dgm:t>
-    </dgm:pt>
-    <dgm:pt modelId="{1FDB791D-E2FC-48F6-84CF-D7626C0A683E}" type="parTrans" cxnId="{80401FFE-27F7-474A-96F5-6652B9321E91}">
-      <dgm:prSet/>
-      <dgm:spPr/>
-      <dgm:t>
-        <a:bodyPr/>
-        <a:lstStyle/>
-        <a:p>
-          <a:endParaRPr lang="en-US"/>
-        </a:p>
-      </dgm:t>
-    </dgm:pt>
-    <dgm:pt modelId="{027E2F46-F65A-4AAF-836F-5B86F0217711}" type="sibTrans" cxnId="{80401FFE-27F7-474A-96F5-6652B9321E91}">
-      <dgm:prSet/>
-      <dgm:spPr/>
-      <dgm:t>
-        <a:bodyPr/>
-        <a:lstStyle/>
-        <a:p>
-          <a:endParaRPr lang="en-US"/>
-        </a:p>
-      </dgm:t>
-    </dgm:pt>
-    <dgm:pt modelId="{E74EF213-DB7C-40D5-B9B4-AAD20BE79AAF}">
-      <dgm:prSet/>
-      <dgm:spPr/>
-      <dgm:t>
-        <a:bodyPr/>
-        <a:lstStyle/>
-        <a:p>
-          <a:r>
-            <a:rPr lang="fr-FR"/>
-            <a:t>Triggers (1 ou 2)</a:t>
-          </a:r>
-          <a:endParaRPr lang="en-US"/>
-        </a:p>
-      </dgm:t>
-    </dgm:pt>
-    <dgm:pt modelId="{F8310E48-CE09-4405-84C6-EF6715CD25DF}" type="parTrans" cxnId="{29F4DDDF-CE0D-4276-9DEF-7D58BA348FFA}">
-      <dgm:prSet/>
-      <dgm:spPr/>
-      <dgm:t>
-        <a:bodyPr/>
-        <a:lstStyle/>
-        <a:p>
-          <a:endParaRPr lang="en-US"/>
-        </a:p>
-      </dgm:t>
-    </dgm:pt>
-    <dgm:pt modelId="{89C346F1-BCED-4E5F-91FD-EA4959AEE06E}" type="sibTrans" cxnId="{29F4DDDF-CE0D-4276-9DEF-7D58BA348FFA}">
-      <dgm:prSet/>
-      <dgm:spPr/>
-      <dgm:t>
-        <a:bodyPr/>
-        <a:lstStyle/>
-        <a:p>
-          <a:endParaRPr lang="en-US"/>
-        </a:p>
-      </dgm:t>
-    </dgm:pt>
     <dgm:pt modelId="{A7AB752F-D5CB-46DE-92C1-7CFC32E6C408}">
       <dgm:prSet/>
       <dgm:spPr/>
@@ -3198,10 +3129,10 @@
             <a:defRPr b="1"/>
           </a:pPr>
           <a:r>
-            <a:rPr lang="fr-FR"/>
-            <a:t>Administration BDD (Je te me le récap : si j’ai oublié appel moi : 0638564511)</a:t>
+            <a:rPr lang="fr-FR" dirty="0"/>
+            <a:t>Administration BDD </a:t>
           </a:r>
-          <a:endParaRPr lang="en-US"/>
+          <a:endParaRPr lang="en-US" dirty="0"/>
         </a:p>
       </dgm:t>
     </dgm:pt>
@@ -3238,10 +3169,10 @@
             <a:defRPr b="1"/>
           </a:pPr>
           <a:r>
-            <a:rPr lang="fr-FR"/>
-            <a:t>Liste rapports et choix technique (Met que des titres pour la plupart des diapo. Il faut juste du visuel on prépare le texte demain, on justifiera les choix technique à c moment là)</a:t>
+            <a:rPr lang="fr-FR" dirty="0"/>
+            <a:t>Liste rapports et choix technique</a:t>
           </a:r>
-          <a:endParaRPr lang="en-US"/>
+          <a:endParaRPr lang="en-US" dirty="0"/>
         </a:p>
       </dgm:t>
     </dgm:pt>
@@ -3267,7 +3198,7 @@
         </a:p>
       </dgm:t>
     </dgm:pt>
-    <dgm:pt modelId="{9D60F9FF-FA88-43CE-89DB-1DD4969EAA92}">
+    <dgm:pt modelId="{229CDEA2-45A6-4B79-BAA1-C15E93FD25B1}">
       <dgm:prSet/>
       <dgm:spPr/>
       <dgm:t>
@@ -3275,56 +3206,25 @@
         <a:lstStyle/>
         <a:p>
           <a:r>
-            <a:rPr lang="fr-FR" dirty="0"/>
-            <a:t>SQL Insertion (</a:t>
+            <a:rPr lang="fr-FR" b="1" dirty="0"/>
+            <a:t>Besoin</a:t>
           </a:r>
-          <a:r>
-            <a:rPr lang="fr-FR" dirty="0" err="1"/>
-            <a:t>exmple</a:t>
-          </a:r>
-          <a:r>
-            <a:rPr lang="fr-FR" dirty="0"/>
-            <a:t>, comme toujours : </a:t>
-          </a:r>
-          <a:r>
-            <a:rPr lang="fr-FR" dirty="0" err="1"/>
-            <a:t>leger</a:t>
-          </a:r>
-          <a:r>
-            <a:rPr lang="fr-FR" dirty="0"/>
-            <a:t> !! Mets un exemple facilement </a:t>
-          </a:r>
-          <a:r>
-            <a:rPr lang="fr-FR" dirty="0" err="1"/>
-            <a:t>expliquable</a:t>
-          </a:r>
-          <a:r>
-            <a:rPr lang="fr-FR" dirty="0"/>
-            <a:t>)</a:t>
-          </a:r>
-          <a:endParaRPr lang="en-US" dirty="0"/>
+          <a:endParaRPr lang="en-GB" b="1" dirty="0"/>
         </a:p>
       </dgm:t>
     </dgm:pt>
-    <dgm:pt modelId="{7FE31EB6-C736-4C04-8F25-F5FEB7C53CCF}" type="sibTrans" cxnId="{8EB17A8A-CA90-4595-9B1E-5638D79B12BA}">
+    <dgm:pt modelId="{6DC63C0B-3B67-42E5-A5E0-47106983DFA6}" type="parTrans" cxnId="{1561EEE1-9EA1-4A1B-844B-D71376600D65}">
+      <dgm:prSet/>
+      <dgm:spPr/>
+    </dgm:pt>
+    <dgm:pt modelId="{D89D5E0C-722E-4676-81C4-CB3F4F262C5B}" type="sibTrans" cxnId="{1561EEE1-9EA1-4A1B-844B-D71376600D65}">
       <dgm:prSet/>
       <dgm:spPr/>
       <dgm:t>
         <a:bodyPr/>
         <a:lstStyle/>
         <a:p>
-          <a:endParaRPr lang="en-US"/>
-        </a:p>
-      </dgm:t>
-    </dgm:pt>
-    <dgm:pt modelId="{3320FAAC-0D58-407B-8633-6EE56D3F4458}" type="parTrans" cxnId="{8EB17A8A-CA90-4595-9B1E-5638D79B12BA}">
-      <dgm:prSet/>
-      <dgm:spPr/>
-      <dgm:t>
-        <a:bodyPr/>
-        <a:lstStyle/>
-        <a:p>
-          <a:endParaRPr lang="en-US"/>
+          <a:endParaRPr lang="en-GB"/>
         </a:p>
       </dgm:t>
     </dgm:pt>
@@ -3344,88 +3244,112 @@
       </dgm:prSet>
       <dgm:spPr/>
     </dgm:pt>
-    <dgm:pt modelId="{BC5FEC21-0FFD-4277-AF80-C89BE1B4D004}" type="pres">
-      <dgm:prSet presAssocID="{68707535-D2FB-41FC-A0BF-BB6D332A5CC0}" presName="FourNodes_1" presStyleLbl="node1" presStyleIdx="0" presStyleCnt="4">
+    <dgm:pt modelId="{824AD2D6-B0C0-419A-923B-6A22D82E798D}" type="pres">
+      <dgm:prSet presAssocID="{68707535-D2FB-41FC-A0BF-BB6D332A5CC0}" presName="FiveNodes_1" presStyleLbl="node1" presStyleIdx="0" presStyleCnt="5">
         <dgm:presLayoutVars>
           <dgm:bulletEnabled val="1"/>
         </dgm:presLayoutVars>
       </dgm:prSet>
       <dgm:spPr/>
     </dgm:pt>
-    <dgm:pt modelId="{0D9C4899-B617-47E5-9039-3FA0E8AEF10C}" type="pres">
-      <dgm:prSet presAssocID="{68707535-D2FB-41FC-A0BF-BB6D332A5CC0}" presName="FourNodes_2" presStyleLbl="node1" presStyleIdx="1" presStyleCnt="4">
+    <dgm:pt modelId="{59F6A9A8-2F21-4C94-BE87-FC80C92EDB7F}" type="pres">
+      <dgm:prSet presAssocID="{68707535-D2FB-41FC-A0BF-BB6D332A5CC0}" presName="FiveNodes_2" presStyleLbl="node1" presStyleIdx="1" presStyleCnt="5">
         <dgm:presLayoutVars>
           <dgm:bulletEnabled val="1"/>
         </dgm:presLayoutVars>
       </dgm:prSet>
       <dgm:spPr/>
     </dgm:pt>
-    <dgm:pt modelId="{CA603819-C92F-469B-B89D-544E42727641}" type="pres">
-      <dgm:prSet presAssocID="{68707535-D2FB-41FC-A0BF-BB6D332A5CC0}" presName="FourNodes_3" presStyleLbl="node1" presStyleIdx="2" presStyleCnt="4">
+    <dgm:pt modelId="{221D55AA-0C7E-4612-894B-45F08F6B0E70}" type="pres">
+      <dgm:prSet presAssocID="{68707535-D2FB-41FC-A0BF-BB6D332A5CC0}" presName="FiveNodes_3" presStyleLbl="node1" presStyleIdx="2" presStyleCnt="5">
         <dgm:presLayoutVars>
           <dgm:bulletEnabled val="1"/>
         </dgm:presLayoutVars>
       </dgm:prSet>
       <dgm:spPr/>
     </dgm:pt>
-    <dgm:pt modelId="{1D3050CA-BB8B-403F-9ED2-C13B474091C7}" type="pres">
-      <dgm:prSet presAssocID="{68707535-D2FB-41FC-A0BF-BB6D332A5CC0}" presName="FourNodes_4" presStyleLbl="node1" presStyleIdx="3" presStyleCnt="4">
+    <dgm:pt modelId="{A683F3B8-2D42-449C-A6E9-47A3F1986571}" type="pres">
+      <dgm:prSet presAssocID="{68707535-D2FB-41FC-A0BF-BB6D332A5CC0}" presName="FiveNodes_4" presStyleLbl="node1" presStyleIdx="3" presStyleCnt="5">
         <dgm:presLayoutVars>
           <dgm:bulletEnabled val="1"/>
         </dgm:presLayoutVars>
       </dgm:prSet>
       <dgm:spPr/>
     </dgm:pt>
-    <dgm:pt modelId="{9B540470-1364-44CD-B5F8-D2733FA60F27}" type="pres">
-      <dgm:prSet presAssocID="{68707535-D2FB-41FC-A0BF-BB6D332A5CC0}" presName="FourConn_1-2" presStyleLbl="fgAccFollowNode1" presStyleIdx="0" presStyleCnt="3">
+    <dgm:pt modelId="{13F6B419-EA49-40E8-BC32-895A6107BB79}" type="pres">
+      <dgm:prSet presAssocID="{68707535-D2FB-41FC-A0BF-BB6D332A5CC0}" presName="FiveNodes_5" presStyleLbl="node1" presStyleIdx="4" presStyleCnt="5">
         <dgm:presLayoutVars>
           <dgm:bulletEnabled val="1"/>
         </dgm:presLayoutVars>
       </dgm:prSet>
       <dgm:spPr/>
     </dgm:pt>
-    <dgm:pt modelId="{03C48735-0941-4DB8-8979-FEFEC6BDB01B}" type="pres">
-      <dgm:prSet presAssocID="{68707535-D2FB-41FC-A0BF-BB6D332A5CC0}" presName="FourConn_2-3" presStyleLbl="fgAccFollowNode1" presStyleIdx="1" presStyleCnt="3">
+    <dgm:pt modelId="{F26F12BC-C5B6-46FF-B43B-2E7599D94424}" type="pres">
+      <dgm:prSet presAssocID="{68707535-D2FB-41FC-A0BF-BB6D332A5CC0}" presName="FiveConn_1-2" presStyleLbl="fgAccFollowNode1" presStyleIdx="0" presStyleCnt="4">
         <dgm:presLayoutVars>
           <dgm:bulletEnabled val="1"/>
         </dgm:presLayoutVars>
       </dgm:prSet>
       <dgm:spPr/>
     </dgm:pt>
-    <dgm:pt modelId="{8FB1C91F-8733-4B63-A3E3-66363CDCEF59}" type="pres">
-      <dgm:prSet presAssocID="{68707535-D2FB-41FC-A0BF-BB6D332A5CC0}" presName="FourConn_3-4" presStyleLbl="fgAccFollowNode1" presStyleIdx="2" presStyleCnt="3">
+    <dgm:pt modelId="{E6078C7D-6144-47D2-8F5E-DF1811A41EC4}" type="pres">
+      <dgm:prSet presAssocID="{68707535-D2FB-41FC-A0BF-BB6D332A5CC0}" presName="FiveConn_2-3" presStyleLbl="fgAccFollowNode1" presStyleIdx="1" presStyleCnt="4">
         <dgm:presLayoutVars>
           <dgm:bulletEnabled val="1"/>
         </dgm:presLayoutVars>
       </dgm:prSet>
       <dgm:spPr/>
     </dgm:pt>
-    <dgm:pt modelId="{9F0EEB42-76C5-454D-8041-B602D3C22909}" type="pres">
-      <dgm:prSet presAssocID="{68707535-D2FB-41FC-A0BF-BB6D332A5CC0}" presName="FourNodes_1_text" presStyleLbl="node1" presStyleIdx="3" presStyleCnt="4">
+    <dgm:pt modelId="{82520793-A16B-4AD0-BF9F-BF31033B4E36}" type="pres">
+      <dgm:prSet presAssocID="{68707535-D2FB-41FC-A0BF-BB6D332A5CC0}" presName="FiveConn_3-4" presStyleLbl="fgAccFollowNode1" presStyleIdx="2" presStyleCnt="4">
         <dgm:presLayoutVars>
           <dgm:bulletEnabled val="1"/>
         </dgm:presLayoutVars>
       </dgm:prSet>
       <dgm:spPr/>
     </dgm:pt>
-    <dgm:pt modelId="{99251FEC-6BD8-4EF2-85A6-7974D0B74220}" type="pres">
-      <dgm:prSet presAssocID="{68707535-D2FB-41FC-A0BF-BB6D332A5CC0}" presName="FourNodes_2_text" presStyleLbl="node1" presStyleIdx="3" presStyleCnt="4">
+    <dgm:pt modelId="{51B8317F-C4D1-465F-8250-E6605C1654AD}" type="pres">
+      <dgm:prSet presAssocID="{68707535-D2FB-41FC-A0BF-BB6D332A5CC0}" presName="FiveConn_4-5" presStyleLbl="fgAccFollowNode1" presStyleIdx="3" presStyleCnt="4">
         <dgm:presLayoutVars>
           <dgm:bulletEnabled val="1"/>
         </dgm:presLayoutVars>
       </dgm:prSet>
       <dgm:spPr/>
     </dgm:pt>
-    <dgm:pt modelId="{B9BB4814-5798-4FE3-B653-55971372D981}" type="pres">
-      <dgm:prSet presAssocID="{68707535-D2FB-41FC-A0BF-BB6D332A5CC0}" presName="FourNodes_3_text" presStyleLbl="node1" presStyleIdx="3" presStyleCnt="4">
+    <dgm:pt modelId="{590D9A6B-D1F1-4C78-AA50-DB538B5FE009}" type="pres">
+      <dgm:prSet presAssocID="{68707535-D2FB-41FC-A0BF-BB6D332A5CC0}" presName="FiveNodes_1_text" presStyleLbl="node1" presStyleIdx="4" presStyleCnt="5">
         <dgm:presLayoutVars>
           <dgm:bulletEnabled val="1"/>
         </dgm:presLayoutVars>
       </dgm:prSet>
       <dgm:spPr/>
     </dgm:pt>
-    <dgm:pt modelId="{6324DB00-E87A-4FFB-B446-FED58F40600B}" type="pres">
-      <dgm:prSet presAssocID="{68707535-D2FB-41FC-A0BF-BB6D332A5CC0}" presName="FourNodes_4_text" presStyleLbl="node1" presStyleIdx="3" presStyleCnt="4">
+    <dgm:pt modelId="{C31D0D7D-A7EE-4407-A1BD-ED687FB7CD36}" type="pres">
+      <dgm:prSet presAssocID="{68707535-D2FB-41FC-A0BF-BB6D332A5CC0}" presName="FiveNodes_2_text" presStyleLbl="node1" presStyleIdx="4" presStyleCnt="5">
+        <dgm:presLayoutVars>
+          <dgm:bulletEnabled val="1"/>
+        </dgm:presLayoutVars>
+      </dgm:prSet>
+      <dgm:spPr/>
+    </dgm:pt>
+    <dgm:pt modelId="{6FEAA83B-98A0-4F8A-B0BB-B6D0BE482E4D}" type="pres">
+      <dgm:prSet presAssocID="{68707535-D2FB-41FC-A0BF-BB6D332A5CC0}" presName="FiveNodes_3_text" presStyleLbl="node1" presStyleIdx="4" presStyleCnt="5">
+        <dgm:presLayoutVars>
+          <dgm:bulletEnabled val="1"/>
+        </dgm:presLayoutVars>
+      </dgm:prSet>
+      <dgm:spPr/>
+    </dgm:pt>
+    <dgm:pt modelId="{2F4B19B7-31E3-4546-A5AF-2A76ADFBA7DB}" type="pres">
+      <dgm:prSet presAssocID="{68707535-D2FB-41FC-A0BF-BB6D332A5CC0}" presName="FiveNodes_4_text" presStyleLbl="node1" presStyleIdx="4" presStyleCnt="5">
+        <dgm:presLayoutVars>
+          <dgm:bulletEnabled val="1"/>
+        </dgm:presLayoutVars>
+      </dgm:prSet>
+      <dgm:spPr/>
+    </dgm:pt>
+    <dgm:pt modelId="{1DB6D1AF-F49A-4321-A305-C4C903E0216F}" type="pres">
+      <dgm:prSet presAssocID="{68707535-D2FB-41FC-A0BF-BB6D332A5CC0}" presName="FiveNodes_5_text" presStyleLbl="node1" presStyleIdx="4" presStyleCnt="5">
         <dgm:presLayoutVars>
           <dgm:bulletEnabled val="1"/>
         </dgm:presLayoutVars>
@@ -3434,43 +3358,41 @@
     </dgm:pt>
   </dgm:ptLst>
   <dgm:cxnLst>
-    <dgm:cxn modelId="{3EA92F33-3E89-4DFA-A868-02B2BCBDEF12}" type="presOf" srcId="{E74EF213-DB7C-40D5-B9B4-AAD20BE79AAF}" destId="{99251FEC-6BD8-4EF2-85A6-7974D0B74220}" srcOrd="1" destOrd="3" presId="urn:microsoft.com/office/officeart/2005/8/layout/vProcess5"/>
-    <dgm:cxn modelId="{C451F533-4A8F-4825-A31C-CF7510DEA2B1}" type="presOf" srcId="{63FB441F-0457-4246-BA57-E176C3ECFF10}" destId="{0D9C4899-B617-47E5-9039-3FA0E8AEF10C}" srcOrd="0" destOrd="0" presId="urn:microsoft.com/office/officeart/2005/8/layout/vProcess5"/>
-    <dgm:cxn modelId="{0B70073D-F91F-499C-A0F0-61A2D0A19574}" srcId="{68707535-D2FB-41FC-A0BF-BB6D332A5CC0}" destId="{281E5259-DDFD-46F6-ADDC-C999E6729CBF}" srcOrd="3" destOrd="0" parTransId="{917898C0-76FC-4658-B994-37D072EC50D7}" sibTransId="{F16BE89C-D205-42F6-812A-393CE6430E5E}"/>
-    <dgm:cxn modelId="{C88B795C-E08B-4342-A019-527D470A76F4}" srcId="{68707535-D2FB-41FC-A0BF-BB6D332A5CC0}" destId="{A7AB752F-D5CB-46DE-92C1-7CFC32E6C408}" srcOrd="2" destOrd="0" parTransId="{37EFB77A-87E3-43C2-A6B8-94F7FE7EE693}" sibTransId="{06B26247-F031-4FCB-9F88-671A84C02CE9}"/>
-    <dgm:cxn modelId="{62FAA761-E32A-4300-AE83-5FE7EBE9463D}" type="presOf" srcId="{92DB22D7-1557-45EF-8906-8D126CB0E656}" destId="{9B540470-1364-44CD-B5F8-D2733FA60F27}" srcOrd="0" destOrd="0" presId="urn:microsoft.com/office/officeart/2005/8/layout/vProcess5"/>
-    <dgm:cxn modelId="{A5A31844-F1E6-4167-8E6F-1F2D6469A2CE}" type="presOf" srcId="{281E5259-DDFD-46F6-ADDC-C999E6729CBF}" destId="{1D3050CA-BB8B-403F-9ED2-C13B474091C7}" srcOrd="0" destOrd="0" presId="urn:microsoft.com/office/officeart/2005/8/layout/vProcess5"/>
-    <dgm:cxn modelId="{26487F48-26A5-4486-9D0F-E9972066AED8}" type="presOf" srcId="{A7AB752F-D5CB-46DE-92C1-7CFC32E6C408}" destId="{B9BB4814-5798-4FE3-B653-55971372D981}" srcOrd="1" destOrd="0" presId="urn:microsoft.com/office/officeart/2005/8/layout/vProcess5"/>
-    <dgm:cxn modelId="{C907214B-3C96-4DFC-958A-79F907AB8098}" type="presOf" srcId="{5F3B789C-CA29-4FDC-9EBD-0D7D26246C00}" destId="{03C48735-0941-4DB8-8979-FEFEC6BDB01B}" srcOrd="0" destOrd="0" presId="urn:microsoft.com/office/officeart/2005/8/layout/vProcess5"/>
-    <dgm:cxn modelId="{9F7A7055-7796-4EDD-9BD6-4F59C8465816}" type="presOf" srcId="{E74EF213-DB7C-40D5-B9B4-AAD20BE79AAF}" destId="{0D9C4899-B617-47E5-9039-3FA0E8AEF10C}" srcOrd="0" destOrd="3" presId="urn:microsoft.com/office/officeart/2005/8/layout/vProcess5"/>
-    <dgm:cxn modelId="{A21A2577-DDAB-4436-8049-A9D1F0F89841}" type="presOf" srcId="{9C78C544-F2D0-458D-AB92-315D0FAE550C}" destId="{9F0EEB42-76C5-454D-8041-B602D3C22909}" srcOrd="1" destOrd="0" presId="urn:microsoft.com/office/officeart/2005/8/layout/vProcess5"/>
-    <dgm:cxn modelId="{1ACB6857-A7EC-4238-A13B-813AC7401F72}" type="presOf" srcId="{9C78C544-F2D0-458D-AB92-315D0FAE550C}" destId="{BC5FEC21-0FFD-4277-AF80-C89BE1B4D004}" srcOrd="0" destOrd="0" presId="urn:microsoft.com/office/officeart/2005/8/layout/vProcess5"/>
-    <dgm:cxn modelId="{E334D97A-F40A-42C1-8F7E-134DE2A35DF5}" type="presOf" srcId="{63FB441F-0457-4246-BA57-E176C3ECFF10}" destId="{99251FEC-6BD8-4EF2-85A6-7974D0B74220}" srcOrd="1" destOrd="0" presId="urn:microsoft.com/office/officeart/2005/8/layout/vProcess5"/>
-    <dgm:cxn modelId="{F4AFCB85-5320-4623-95CA-454E253F0A85}" type="presOf" srcId="{06B26247-F031-4FCB-9F88-671A84C02CE9}" destId="{8FB1C91F-8733-4B63-A3E3-66363CDCEF59}" srcOrd="0" destOrd="0" presId="urn:microsoft.com/office/officeart/2005/8/layout/vProcess5"/>
-    <dgm:cxn modelId="{8EB17A8A-CA90-4595-9B1E-5638D79B12BA}" srcId="{63FB441F-0457-4246-BA57-E176C3ECFF10}" destId="{9D60F9FF-FA88-43CE-89DB-1DD4969EAA92}" srcOrd="1" destOrd="0" parTransId="{3320FAAC-0D58-407B-8633-6EE56D3F4458}" sibTransId="{7FE31EB6-C736-4C04-8F25-F5FEB7C53CCF}"/>
+    <dgm:cxn modelId="{A5A7CE0C-152D-4975-B3FF-58C52236F233}" type="presOf" srcId="{D89D5E0C-722E-4676-81C4-CB3F4F262C5B}" destId="{F26F12BC-C5B6-46FF-B43B-2E7599D94424}" srcOrd="0" destOrd="0" presId="urn:microsoft.com/office/officeart/2005/8/layout/vProcess5"/>
+    <dgm:cxn modelId="{FFA0A31B-F153-46D0-8922-2C9E6DA22941}" type="presOf" srcId="{281E5259-DDFD-46F6-ADDC-C999E6729CBF}" destId="{13F6B419-EA49-40E8-BC32-895A6107BB79}" srcOrd="0" destOrd="0" presId="urn:microsoft.com/office/officeart/2005/8/layout/vProcess5"/>
+    <dgm:cxn modelId="{BC71C01F-0F01-4C94-BD26-B95DCE029E77}" type="presOf" srcId="{A7AB752F-D5CB-46DE-92C1-7CFC32E6C408}" destId="{2F4B19B7-31E3-4546-A5AF-2A76ADFBA7DB}" srcOrd="1" destOrd="0" presId="urn:microsoft.com/office/officeart/2005/8/layout/vProcess5"/>
+    <dgm:cxn modelId="{3FAF9526-DAC5-4952-8901-133B20612F35}" type="presOf" srcId="{281E5259-DDFD-46F6-ADDC-C999E6729CBF}" destId="{1DB6D1AF-F49A-4321-A305-C4C903E0216F}" srcOrd="1" destOrd="0" presId="urn:microsoft.com/office/officeart/2005/8/layout/vProcess5"/>
+    <dgm:cxn modelId="{DFDF593B-6805-471E-B9DF-EA8353F0E967}" type="presOf" srcId="{229CDEA2-45A6-4B79-BAA1-C15E93FD25B1}" destId="{590D9A6B-D1F1-4C78-AA50-DB538B5FE009}" srcOrd="1" destOrd="0" presId="urn:microsoft.com/office/officeart/2005/8/layout/vProcess5"/>
+    <dgm:cxn modelId="{0B70073D-F91F-499C-A0F0-61A2D0A19574}" srcId="{68707535-D2FB-41FC-A0BF-BB6D332A5CC0}" destId="{281E5259-DDFD-46F6-ADDC-C999E6729CBF}" srcOrd="4" destOrd="0" parTransId="{917898C0-76FC-4658-B994-37D072EC50D7}" sibTransId="{F16BE89C-D205-42F6-812A-393CE6430E5E}"/>
+    <dgm:cxn modelId="{C88B795C-E08B-4342-A019-527D470A76F4}" srcId="{68707535-D2FB-41FC-A0BF-BB6D332A5CC0}" destId="{A7AB752F-D5CB-46DE-92C1-7CFC32E6C408}" srcOrd="3" destOrd="0" parTransId="{37EFB77A-87E3-43C2-A6B8-94F7FE7EE693}" sibTransId="{06B26247-F031-4FCB-9F88-671A84C02CE9}"/>
+    <dgm:cxn modelId="{4583576C-0584-4F0A-BE32-C06E27C592EB}" type="presOf" srcId="{92DB22D7-1557-45EF-8906-8D126CB0E656}" destId="{E6078C7D-6144-47D2-8F5E-DF1811A41EC4}" srcOrd="0" destOrd="0" presId="urn:microsoft.com/office/officeart/2005/8/layout/vProcess5"/>
+    <dgm:cxn modelId="{0500AE81-E7BE-4D10-A2F9-87A109F7EA2D}" type="presOf" srcId="{5F3B789C-CA29-4FDC-9EBD-0D7D26246C00}" destId="{82520793-A16B-4AD0-BF9F-BF31033B4E36}" srcOrd="0" destOrd="0" presId="urn:microsoft.com/office/officeart/2005/8/layout/vProcess5"/>
+    <dgm:cxn modelId="{E88EBD89-1FB5-475B-9E72-EDD95D4E574E}" type="presOf" srcId="{63FB441F-0457-4246-BA57-E176C3ECFF10}" destId="{221D55AA-0C7E-4612-894B-45F08F6B0E70}" srcOrd="0" destOrd="0" presId="urn:microsoft.com/office/officeart/2005/8/layout/vProcess5"/>
     <dgm:cxn modelId="{85F3898F-397B-42E5-8539-C2C3873FE2DB}" type="presOf" srcId="{68707535-D2FB-41FC-A0BF-BB6D332A5CC0}" destId="{CAFBDAC7-8EEA-4F4D-8505-F16B830AF75E}" srcOrd="0" destOrd="0" presId="urn:microsoft.com/office/officeart/2005/8/layout/vProcess5"/>
-    <dgm:cxn modelId="{D01DA9A0-7131-4AE8-A075-CBDC733CC468}" srcId="{68707535-D2FB-41FC-A0BF-BB6D332A5CC0}" destId="{63FB441F-0457-4246-BA57-E176C3ECFF10}" srcOrd="1" destOrd="0" parTransId="{736BB6B2-6DFF-4BE1-AFB6-490B3CD52140}" sibTransId="{5F3B789C-CA29-4FDC-9EBD-0D7D26246C00}"/>
-    <dgm:cxn modelId="{B6A499B2-DC96-4210-99CA-28FB05424BD3}" srcId="{68707535-D2FB-41FC-A0BF-BB6D332A5CC0}" destId="{9C78C544-F2D0-458D-AB92-315D0FAE550C}" srcOrd="0" destOrd="0" parTransId="{3D8A5136-C817-4AB9-B05F-4A2A950E2FF2}" sibTransId="{92DB22D7-1557-45EF-8906-8D126CB0E656}"/>
-    <dgm:cxn modelId="{A57F03B4-611C-4961-AD0C-EF87238FDC03}" type="presOf" srcId="{696BC5D1-ACDA-4C82-8D24-0350654F7CBD}" destId="{99251FEC-6BD8-4EF2-85A6-7974D0B74220}" srcOrd="1" destOrd="1" presId="urn:microsoft.com/office/officeart/2005/8/layout/vProcess5"/>
-    <dgm:cxn modelId="{CD18E9B9-CD29-4C6D-B8D5-9C5B9269F210}" type="presOf" srcId="{9D60F9FF-FA88-43CE-89DB-1DD4969EAA92}" destId="{99251FEC-6BD8-4EF2-85A6-7974D0B74220}" srcOrd="1" destOrd="2" presId="urn:microsoft.com/office/officeart/2005/8/layout/vProcess5"/>
-    <dgm:cxn modelId="{26FCE1BD-814F-47EF-8CED-5844D8F18001}" type="presOf" srcId="{A7AB752F-D5CB-46DE-92C1-7CFC32E6C408}" destId="{CA603819-C92F-469B-B89D-544E42727641}" srcOrd="0" destOrd="0" presId="urn:microsoft.com/office/officeart/2005/8/layout/vProcess5"/>
-    <dgm:cxn modelId="{20A6DDC0-63F7-477F-B530-859B05252B19}" type="presOf" srcId="{9D60F9FF-FA88-43CE-89DB-1DD4969EAA92}" destId="{0D9C4899-B617-47E5-9039-3FA0E8AEF10C}" srcOrd="0" destOrd="2" presId="urn:microsoft.com/office/officeart/2005/8/layout/vProcess5"/>
-    <dgm:cxn modelId="{EC38BCD3-A8F8-47E7-8FDD-D26259D6FC64}" type="presOf" srcId="{696BC5D1-ACDA-4C82-8D24-0350654F7CBD}" destId="{0D9C4899-B617-47E5-9039-3FA0E8AEF10C}" srcOrd="0" destOrd="1" presId="urn:microsoft.com/office/officeart/2005/8/layout/vProcess5"/>
-    <dgm:cxn modelId="{29F4DDDF-CE0D-4276-9DEF-7D58BA348FFA}" srcId="{63FB441F-0457-4246-BA57-E176C3ECFF10}" destId="{E74EF213-DB7C-40D5-B9B4-AAD20BE79AAF}" srcOrd="2" destOrd="0" parTransId="{F8310E48-CE09-4405-84C6-EF6715CD25DF}" sibTransId="{89C346F1-BCED-4E5F-91FD-EA4959AEE06E}"/>
-    <dgm:cxn modelId="{BD4139E0-9C6C-4DB0-8F3F-B579EB73A3DD}" type="presOf" srcId="{281E5259-DDFD-46F6-ADDC-C999E6729CBF}" destId="{6324DB00-E87A-4FFB-B446-FED58F40600B}" srcOrd="1" destOrd="0" presId="urn:microsoft.com/office/officeart/2005/8/layout/vProcess5"/>
-    <dgm:cxn modelId="{80401FFE-27F7-474A-96F5-6652B9321E91}" srcId="{63FB441F-0457-4246-BA57-E176C3ECFF10}" destId="{696BC5D1-ACDA-4C82-8D24-0350654F7CBD}" srcOrd="0" destOrd="0" parTransId="{1FDB791D-E2FC-48F6-84CF-D7626C0A683E}" sibTransId="{027E2F46-F65A-4AAF-836F-5B86F0217711}"/>
+    <dgm:cxn modelId="{6900A294-C9D2-4770-B689-7DB7098447CF}" type="presOf" srcId="{9C78C544-F2D0-458D-AB92-315D0FAE550C}" destId="{59F6A9A8-2F21-4C94-BE87-FC80C92EDB7F}" srcOrd="0" destOrd="0" presId="urn:microsoft.com/office/officeart/2005/8/layout/vProcess5"/>
+    <dgm:cxn modelId="{D01DA9A0-7131-4AE8-A075-CBDC733CC468}" srcId="{68707535-D2FB-41FC-A0BF-BB6D332A5CC0}" destId="{63FB441F-0457-4246-BA57-E176C3ECFF10}" srcOrd="2" destOrd="0" parTransId="{736BB6B2-6DFF-4BE1-AFB6-490B3CD52140}" sibTransId="{5F3B789C-CA29-4FDC-9EBD-0D7D26246C00}"/>
+    <dgm:cxn modelId="{BF876DAE-066F-4263-B852-EA2AF541CC6A}" type="presOf" srcId="{A7AB752F-D5CB-46DE-92C1-7CFC32E6C408}" destId="{A683F3B8-2D42-449C-A6E9-47A3F1986571}" srcOrd="0" destOrd="0" presId="urn:microsoft.com/office/officeart/2005/8/layout/vProcess5"/>
+    <dgm:cxn modelId="{B6A499B2-DC96-4210-99CA-28FB05424BD3}" srcId="{68707535-D2FB-41FC-A0BF-BB6D332A5CC0}" destId="{9C78C544-F2D0-458D-AB92-315D0FAE550C}" srcOrd="1" destOrd="0" parTransId="{3D8A5136-C817-4AB9-B05F-4A2A950E2FF2}" sibTransId="{92DB22D7-1557-45EF-8906-8D126CB0E656}"/>
+    <dgm:cxn modelId="{A8F987BE-5F4F-408E-BDCA-A6CE47FB30CD}" type="presOf" srcId="{06B26247-F031-4FCB-9F88-671A84C02CE9}" destId="{51B8317F-C4D1-465F-8250-E6605C1654AD}" srcOrd="0" destOrd="0" presId="urn:microsoft.com/office/officeart/2005/8/layout/vProcess5"/>
+    <dgm:cxn modelId="{6938B3D3-342C-4F94-B07F-BEC7AD9B7BBA}" type="presOf" srcId="{229CDEA2-45A6-4B79-BAA1-C15E93FD25B1}" destId="{824AD2D6-B0C0-419A-923B-6A22D82E798D}" srcOrd="0" destOrd="0" presId="urn:microsoft.com/office/officeart/2005/8/layout/vProcess5"/>
+    <dgm:cxn modelId="{6EC69ED4-0D26-48A8-BB50-DFC8EB59FCC1}" type="presOf" srcId="{9C78C544-F2D0-458D-AB92-315D0FAE550C}" destId="{C31D0D7D-A7EE-4407-A1BD-ED687FB7CD36}" srcOrd="1" destOrd="0" presId="urn:microsoft.com/office/officeart/2005/8/layout/vProcess5"/>
+    <dgm:cxn modelId="{1561EEE1-9EA1-4A1B-844B-D71376600D65}" srcId="{68707535-D2FB-41FC-A0BF-BB6D332A5CC0}" destId="{229CDEA2-45A6-4B79-BAA1-C15E93FD25B1}" srcOrd="0" destOrd="0" parTransId="{6DC63C0B-3B67-42E5-A5E0-47106983DFA6}" sibTransId="{D89D5E0C-722E-4676-81C4-CB3F4F262C5B}"/>
+    <dgm:cxn modelId="{108E4CF8-2DD9-427D-BB43-B71B67CDD1AC}" type="presOf" srcId="{63FB441F-0457-4246-BA57-E176C3ECFF10}" destId="{6FEAA83B-98A0-4F8A-B0BB-B6D0BE482E4D}" srcOrd="1" destOrd="0" presId="urn:microsoft.com/office/officeart/2005/8/layout/vProcess5"/>
     <dgm:cxn modelId="{C0268BE4-545A-4E5A-9BE0-3A775519B4EA}" type="presParOf" srcId="{CAFBDAC7-8EEA-4F4D-8505-F16B830AF75E}" destId="{8D88C7EC-7C80-4898-9507-43A0A752DEC4}" srcOrd="0" destOrd="0" presId="urn:microsoft.com/office/officeart/2005/8/layout/vProcess5"/>
-    <dgm:cxn modelId="{A2830775-F925-4B77-9558-1D5A096FD972}" type="presParOf" srcId="{CAFBDAC7-8EEA-4F4D-8505-F16B830AF75E}" destId="{BC5FEC21-0FFD-4277-AF80-C89BE1B4D004}" srcOrd="1" destOrd="0" presId="urn:microsoft.com/office/officeart/2005/8/layout/vProcess5"/>
-    <dgm:cxn modelId="{12036751-0E9D-4592-9EDC-B2ADBCD24BDA}" type="presParOf" srcId="{CAFBDAC7-8EEA-4F4D-8505-F16B830AF75E}" destId="{0D9C4899-B617-47E5-9039-3FA0E8AEF10C}" srcOrd="2" destOrd="0" presId="urn:microsoft.com/office/officeart/2005/8/layout/vProcess5"/>
-    <dgm:cxn modelId="{95C7AAB4-2CE4-4AD8-B95A-D1EA16159723}" type="presParOf" srcId="{CAFBDAC7-8EEA-4F4D-8505-F16B830AF75E}" destId="{CA603819-C92F-469B-B89D-544E42727641}" srcOrd="3" destOrd="0" presId="urn:microsoft.com/office/officeart/2005/8/layout/vProcess5"/>
-    <dgm:cxn modelId="{2F2B79CF-4BF4-4005-B98F-4269F7C58006}" type="presParOf" srcId="{CAFBDAC7-8EEA-4F4D-8505-F16B830AF75E}" destId="{1D3050CA-BB8B-403F-9ED2-C13B474091C7}" srcOrd="4" destOrd="0" presId="urn:microsoft.com/office/officeart/2005/8/layout/vProcess5"/>
-    <dgm:cxn modelId="{1ACA756D-C134-44E3-8D62-4CA20898DF83}" type="presParOf" srcId="{CAFBDAC7-8EEA-4F4D-8505-F16B830AF75E}" destId="{9B540470-1364-44CD-B5F8-D2733FA60F27}" srcOrd="5" destOrd="0" presId="urn:microsoft.com/office/officeart/2005/8/layout/vProcess5"/>
-    <dgm:cxn modelId="{D41F0FCA-451E-4694-B163-2FB98193B056}" type="presParOf" srcId="{CAFBDAC7-8EEA-4F4D-8505-F16B830AF75E}" destId="{03C48735-0941-4DB8-8979-FEFEC6BDB01B}" srcOrd="6" destOrd="0" presId="urn:microsoft.com/office/officeart/2005/8/layout/vProcess5"/>
-    <dgm:cxn modelId="{1BFC309B-54C7-4388-B974-11DA7717CE15}" type="presParOf" srcId="{CAFBDAC7-8EEA-4F4D-8505-F16B830AF75E}" destId="{8FB1C91F-8733-4B63-A3E3-66363CDCEF59}" srcOrd="7" destOrd="0" presId="urn:microsoft.com/office/officeart/2005/8/layout/vProcess5"/>
-    <dgm:cxn modelId="{02C1B2AC-C7AC-45EF-B182-7ED15A92E81F}" type="presParOf" srcId="{CAFBDAC7-8EEA-4F4D-8505-F16B830AF75E}" destId="{9F0EEB42-76C5-454D-8041-B602D3C22909}" srcOrd="8" destOrd="0" presId="urn:microsoft.com/office/officeart/2005/8/layout/vProcess5"/>
-    <dgm:cxn modelId="{CEDB20F2-8249-431B-A426-6A5191C839D2}" type="presParOf" srcId="{CAFBDAC7-8EEA-4F4D-8505-F16B830AF75E}" destId="{99251FEC-6BD8-4EF2-85A6-7974D0B74220}" srcOrd="9" destOrd="0" presId="urn:microsoft.com/office/officeart/2005/8/layout/vProcess5"/>
-    <dgm:cxn modelId="{CE89BF12-559E-45DE-A937-6699B8A373A5}" type="presParOf" srcId="{CAFBDAC7-8EEA-4F4D-8505-F16B830AF75E}" destId="{B9BB4814-5798-4FE3-B653-55971372D981}" srcOrd="10" destOrd="0" presId="urn:microsoft.com/office/officeart/2005/8/layout/vProcess5"/>
-    <dgm:cxn modelId="{5FE73389-7C1F-4B03-A02E-94E669C74BC1}" type="presParOf" srcId="{CAFBDAC7-8EEA-4F4D-8505-F16B830AF75E}" destId="{6324DB00-E87A-4FFB-B446-FED58F40600B}" srcOrd="11" destOrd="0" presId="urn:microsoft.com/office/officeart/2005/8/layout/vProcess5"/>
+    <dgm:cxn modelId="{AA309533-81DA-4B58-BE07-33EC093ECC4E}" type="presParOf" srcId="{CAFBDAC7-8EEA-4F4D-8505-F16B830AF75E}" destId="{824AD2D6-B0C0-419A-923B-6A22D82E798D}" srcOrd="1" destOrd="0" presId="urn:microsoft.com/office/officeart/2005/8/layout/vProcess5"/>
+    <dgm:cxn modelId="{C0E9AB61-92D5-45E7-81FC-6CD9B4CC3A83}" type="presParOf" srcId="{CAFBDAC7-8EEA-4F4D-8505-F16B830AF75E}" destId="{59F6A9A8-2F21-4C94-BE87-FC80C92EDB7F}" srcOrd="2" destOrd="0" presId="urn:microsoft.com/office/officeart/2005/8/layout/vProcess5"/>
+    <dgm:cxn modelId="{E7F93659-A049-4D29-89A4-955B0FB07491}" type="presParOf" srcId="{CAFBDAC7-8EEA-4F4D-8505-F16B830AF75E}" destId="{221D55AA-0C7E-4612-894B-45F08F6B0E70}" srcOrd="3" destOrd="0" presId="urn:microsoft.com/office/officeart/2005/8/layout/vProcess5"/>
+    <dgm:cxn modelId="{3DCCE7E8-E2D4-4E74-92F2-61672963284E}" type="presParOf" srcId="{CAFBDAC7-8EEA-4F4D-8505-F16B830AF75E}" destId="{A683F3B8-2D42-449C-A6E9-47A3F1986571}" srcOrd="4" destOrd="0" presId="urn:microsoft.com/office/officeart/2005/8/layout/vProcess5"/>
+    <dgm:cxn modelId="{75894CD4-C1F1-45DE-A6C4-7B3FFD18C606}" type="presParOf" srcId="{CAFBDAC7-8EEA-4F4D-8505-F16B830AF75E}" destId="{13F6B419-EA49-40E8-BC32-895A6107BB79}" srcOrd="5" destOrd="0" presId="urn:microsoft.com/office/officeart/2005/8/layout/vProcess5"/>
+    <dgm:cxn modelId="{3CD77393-2EEF-4868-8AF9-750DD5D97F69}" type="presParOf" srcId="{CAFBDAC7-8EEA-4F4D-8505-F16B830AF75E}" destId="{F26F12BC-C5B6-46FF-B43B-2E7599D94424}" srcOrd="6" destOrd="0" presId="urn:microsoft.com/office/officeart/2005/8/layout/vProcess5"/>
+    <dgm:cxn modelId="{63437EA3-D6B8-4140-8924-CD9BE670D5C9}" type="presParOf" srcId="{CAFBDAC7-8EEA-4F4D-8505-F16B830AF75E}" destId="{E6078C7D-6144-47D2-8F5E-DF1811A41EC4}" srcOrd="7" destOrd="0" presId="urn:microsoft.com/office/officeart/2005/8/layout/vProcess5"/>
+    <dgm:cxn modelId="{C74730DE-D1EE-43CB-8177-8D13385E6504}" type="presParOf" srcId="{CAFBDAC7-8EEA-4F4D-8505-F16B830AF75E}" destId="{82520793-A16B-4AD0-BF9F-BF31033B4E36}" srcOrd="8" destOrd="0" presId="urn:microsoft.com/office/officeart/2005/8/layout/vProcess5"/>
+    <dgm:cxn modelId="{04CDDEF6-9245-4AD8-B16A-5147AE6CC2E5}" type="presParOf" srcId="{CAFBDAC7-8EEA-4F4D-8505-F16B830AF75E}" destId="{51B8317F-C4D1-465F-8250-E6605C1654AD}" srcOrd="9" destOrd="0" presId="urn:microsoft.com/office/officeart/2005/8/layout/vProcess5"/>
+    <dgm:cxn modelId="{3252C341-34AB-44A0-B929-091DA3B108CF}" type="presParOf" srcId="{CAFBDAC7-8EEA-4F4D-8505-F16B830AF75E}" destId="{590D9A6B-D1F1-4C78-AA50-DB538B5FE009}" srcOrd="10" destOrd="0" presId="urn:microsoft.com/office/officeart/2005/8/layout/vProcess5"/>
+    <dgm:cxn modelId="{F31F7649-A790-4541-AB6E-991C4BEE8F33}" type="presParOf" srcId="{CAFBDAC7-8EEA-4F4D-8505-F16B830AF75E}" destId="{C31D0D7D-A7EE-4407-A1BD-ED687FB7CD36}" srcOrd="11" destOrd="0" presId="urn:microsoft.com/office/officeart/2005/8/layout/vProcess5"/>
+    <dgm:cxn modelId="{33E29ADB-11B1-4EBC-A123-3451E05F6FD4}" type="presParOf" srcId="{CAFBDAC7-8EEA-4F4D-8505-F16B830AF75E}" destId="{6FEAA83B-98A0-4F8A-B0BB-B6D0BE482E4D}" srcOrd="12" destOrd="0" presId="urn:microsoft.com/office/officeart/2005/8/layout/vProcess5"/>
+    <dgm:cxn modelId="{0E4D2DFE-D8DF-4CA8-94FA-BD2BF2B389FF}" type="presParOf" srcId="{CAFBDAC7-8EEA-4F4D-8505-F16B830AF75E}" destId="{2F4B19B7-31E3-4546-A5AF-2A76ADFBA7DB}" srcOrd="13" destOrd="0" presId="urn:microsoft.com/office/officeart/2005/8/layout/vProcess5"/>
+    <dgm:cxn modelId="{F30D839E-CFE8-48AB-8584-B624A62FFE1D}" type="presParOf" srcId="{CAFBDAC7-8EEA-4F4D-8505-F16B830AF75E}" destId="{1DB6D1AF-F49A-4321-A305-C4C903E0216F}" srcOrd="14" destOrd="0" presId="urn:microsoft.com/office/officeart/2005/8/layout/vProcess5"/>
   </dgm:cxnLst>
   <dgm:bg/>
   <dgm:whole/>
@@ -3486,44 +3408,7 @@
 <dgm:dataModel xmlns:dgm="http://schemas.openxmlformats.org/drawingml/2006/diagram" xmlns:a="http://schemas.openxmlformats.org/drawingml/2006/main">
   <dgm:ptLst>
     <dgm:pt modelId="{044CD578-E6CF-4C71-A0F4-4EC3BE775CBE}" type="doc">
-      <dgm:prSet loTypeId="urn:microsoft.com/office/officeart/2005/8/layout/hierarchy3" loCatId="hierarchy" qsTypeId="urn:microsoft.com/office/officeart/2005/8/quickstyle/simple5" qsCatId="simple" csTypeId="urn:microsoft.com/office/officeart/2005/8/colors/accent2_2" csCatId="accent2"/>
-      <dgm:spPr/>
-      <dgm:t>
-        <a:bodyPr/>
-        <a:lstStyle/>
-        <a:p>
-          <a:endParaRPr lang="en-US"/>
-        </a:p>
-      </dgm:t>
-    </dgm:pt>
-    <dgm:pt modelId="{195CA5B7-0A59-41F9-8C59-5EB828B5F2C0}">
-      <dgm:prSet/>
-      <dgm:spPr/>
-      <dgm:t>
-        <a:bodyPr/>
-        <a:lstStyle/>
-        <a:p>
-          <a:r>
-            <a:rPr lang="fr-FR"/>
-            <a:t>Besoin remplis par la base OLAP (use case)</a:t>
-          </a:r>
-          <a:endParaRPr lang="en-US"/>
-        </a:p>
-      </dgm:t>
-    </dgm:pt>
-    <dgm:pt modelId="{F7A4054E-CA12-42AA-AB27-0DD85BAA5A2F}" type="parTrans" cxnId="{6CDA32D1-19E0-4970-B4AE-2FD248C7ED40}">
-      <dgm:prSet/>
-      <dgm:spPr/>
-      <dgm:t>
-        <a:bodyPr/>
-        <a:lstStyle/>
-        <a:p>
-          <a:endParaRPr lang="en-US"/>
-        </a:p>
-      </dgm:t>
-    </dgm:pt>
-    <dgm:pt modelId="{109ABFDE-A5E0-4D9A-8663-C3BE0FD184C5}" type="sibTrans" cxnId="{6CDA32D1-19E0-4970-B4AE-2FD248C7ED40}">
-      <dgm:prSet/>
+      <dgm:prSet loTypeId="urn:microsoft.com/office/officeart/2005/8/layout/vList2" loCatId="list" qsTypeId="urn:microsoft.com/office/officeart/2005/8/quickstyle/simple4" qsCatId="simple" csTypeId="urn:microsoft.com/office/officeart/2005/8/colors/accent2_2" csCatId="accent2" phldr="1"/>
       <dgm:spPr/>
       <dgm:t>
         <a:bodyPr/>
@@ -3541,10 +3426,10 @@
         <a:lstStyle/>
         <a:p>
           <a:r>
-            <a:rPr lang="fr-FR"/>
-            <a:t>Conception (schéma étoiles/flocon -&gt; constellation dans notre cas)</a:t>
+            <a:rPr lang="fr-FR" dirty="0"/>
+            <a:t>Conception</a:t>
           </a:r>
-          <a:endParaRPr lang="en-US"/>
+          <a:endParaRPr lang="en-US" dirty="0"/>
         </a:p>
       </dgm:t>
     </dgm:pt>
@@ -3607,122 +3492,32 @@
         </a:p>
       </dgm:t>
     </dgm:pt>
-    <dgm:pt modelId="{13BF9D64-2926-4F25-BC47-4C08D017D0D8}">
-      <dgm:prSet/>
-      <dgm:spPr/>
-      <dgm:t>
-        <a:bodyPr/>
-        <a:lstStyle/>
-        <a:p>
-          <a:r>
-            <a:rPr lang="fr-FR"/>
-            <a:t>Alimentation OLTP -&gt; OLAP (flux SSIS à expliquer. Si t’as pas fait pas grave : mais met une diapo pour dire ce qu’on a prévu. FAUT RESTE POSITIF et penser aux solutions)</a:t>
-          </a:r>
-          <a:endParaRPr lang="en-US"/>
-        </a:p>
-      </dgm:t>
-    </dgm:pt>
-    <dgm:pt modelId="{BEB017BF-2EFE-4D8E-B9A4-F75571D2508B}" type="parTrans" cxnId="{7D95A596-BA3B-4493-84ED-D51A90844C53}">
-      <dgm:prSet/>
-      <dgm:spPr/>
-      <dgm:t>
-        <a:bodyPr/>
-        <a:lstStyle/>
-        <a:p>
-          <a:endParaRPr lang="en-US"/>
-        </a:p>
-      </dgm:t>
-    </dgm:pt>
-    <dgm:pt modelId="{A3A0B2CC-6E0C-48C3-B82D-E27D8AFF4C96}" type="sibTrans" cxnId="{7D95A596-BA3B-4493-84ED-D51A90844C53}">
-      <dgm:prSet/>
-      <dgm:spPr/>
-      <dgm:t>
-        <a:bodyPr/>
-        <a:lstStyle/>
-        <a:p>
-          <a:endParaRPr lang="en-US"/>
-        </a:p>
-      </dgm:t>
-    </dgm:pt>
-    <dgm:pt modelId="{8B8F9748-F77E-41E6-9A77-F6362F04064F}" type="pres">
-      <dgm:prSet presAssocID="{044CD578-E6CF-4C71-A0F4-4EC3BE775CBE}" presName="diagram" presStyleCnt="0">
+    <dgm:pt modelId="{06712D3E-EC12-434D-ACCA-B89346390819}" type="pres">
+      <dgm:prSet presAssocID="{044CD578-E6CF-4C71-A0F4-4EC3BE775CBE}" presName="linear" presStyleCnt="0">
         <dgm:presLayoutVars>
-          <dgm:chPref val="1"/>
-          <dgm:dir/>
-          <dgm:animOne val="branch"/>
           <dgm:animLvl val="lvl"/>
-          <dgm:resizeHandles/>
+          <dgm:resizeHandles val="exact"/>
         </dgm:presLayoutVars>
       </dgm:prSet>
       <dgm:spPr/>
     </dgm:pt>
-    <dgm:pt modelId="{16376884-97E4-4D30-9042-2FB285E7B4B0}" type="pres">
-      <dgm:prSet presAssocID="{195CA5B7-0A59-41F9-8C59-5EB828B5F2C0}" presName="root" presStyleCnt="0"/>
+    <dgm:pt modelId="{87D8C354-612E-42EB-998B-1FF39FC6D823}" type="pres">
+      <dgm:prSet presAssocID="{88AEEED7-8CB3-4EA9-BA13-57563440348A}" presName="parentText" presStyleLbl="node1" presStyleIdx="0" presStyleCnt="2">
+        <dgm:presLayoutVars>
+          <dgm:chMax val="0"/>
+          <dgm:bulletEnabled val="1"/>
+        </dgm:presLayoutVars>
+      </dgm:prSet>
       <dgm:spPr/>
     </dgm:pt>
-    <dgm:pt modelId="{8858B84E-6BAC-484F-A319-47349D9996DD}" type="pres">
-      <dgm:prSet presAssocID="{195CA5B7-0A59-41F9-8C59-5EB828B5F2C0}" presName="rootComposite" presStyleCnt="0"/>
+    <dgm:pt modelId="{877D97F9-233E-4F77-A732-BE0538D5B9C0}" type="pres">
+      <dgm:prSet presAssocID="{112C71CB-53BE-4341-B58F-612BD5CEAA7B}" presName="spacer" presStyleCnt="0"/>
       <dgm:spPr/>
     </dgm:pt>
-    <dgm:pt modelId="{B78CEF03-0C92-420B-9738-285E3CB6B554}" type="pres">
-      <dgm:prSet presAssocID="{195CA5B7-0A59-41F9-8C59-5EB828B5F2C0}" presName="rootText" presStyleLbl="node1" presStyleIdx="0" presStyleCnt="3"/>
-      <dgm:spPr/>
-    </dgm:pt>
-    <dgm:pt modelId="{C26B4AB7-BBA9-431A-9ACD-6EE02E021E9F}" type="pres">
-      <dgm:prSet presAssocID="{195CA5B7-0A59-41F9-8C59-5EB828B5F2C0}" presName="rootConnector" presStyleLbl="node1" presStyleIdx="0" presStyleCnt="3"/>
-      <dgm:spPr/>
-    </dgm:pt>
-    <dgm:pt modelId="{4AB5957E-D96F-4B13-8C24-EA72720D79E8}" type="pres">
-      <dgm:prSet presAssocID="{195CA5B7-0A59-41F9-8C59-5EB828B5F2C0}" presName="childShape" presStyleCnt="0"/>
-      <dgm:spPr/>
-    </dgm:pt>
-    <dgm:pt modelId="{0DC26153-F579-4A39-B791-DCADC3EFC82B}" type="pres">
-      <dgm:prSet presAssocID="{88AEEED7-8CB3-4EA9-BA13-57563440348A}" presName="root" presStyleCnt="0"/>
-      <dgm:spPr/>
-    </dgm:pt>
-    <dgm:pt modelId="{EC7AE91B-A841-4F98-8652-5C9259BE7BC6}" type="pres">
-      <dgm:prSet presAssocID="{88AEEED7-8CB3-4EA9-BA13-57563440348A}" presName="rootComposite" presStyleCnt="0"/>
-      <dgm:spPr/>
-    </dgm:pt>
-    <dgm:pt modelId="{2DF2945E-FE9F-4475-811D-D8C63E3FB93D}" type="pres">
-      <dgm:prSet presAssocID="{88AEEED7-8CB3-4EA9-BA13-57563440348A}" presName="rootText" presStyleLbl="node1" presStyleIdx="1" presStyleCnt="3"/>
-      <dgm:spPr/>
-    </dgm:pt>
-    <dgm:pt modelId="{A3E3E331-9480-478B-8DFC-99CD82B31E1D}" type="pres">
-      <dgm:prSet presAssocID="{88AEEED7-8CB3-4EA9-BA13-57563440348A}" presName="rootConnector" presStyleLbl="node1" presStyleIdx="1" presStyleCnt="3"/>
-      <dgm:spPr/>
-    </dgm:pt>
-    <dgm:pt modelId="{BE427D51-E6ED-4808-97F7-16CE2B6942F4}" type="pres">
-      <dgm:prSet presAssocID="{88AEEED7-8CB3-4EA9-BA13-57563440348A}" presName="childShape" presStyleCnt="0"/>
-      <dgm:spPr/>
-    </dgm:pt>
-    <dgm:pt modelId="{342FE19E-AFE8-4DC0-8670-DC13CB43BE81}" type="pres">
-      <dgm:prSet presAssocID="{994D165C-EC72-4CC8-8250-8DB25B399397}" presName="root" presStyleCnt="0"/>
-      <dgm:spPr/>
-    </dgm:pt>
-    <dgm:pt modelId="{20E40B31-0026-4048-B8EC-91376AAF4D3E}" type="pres">
-      <dgm:prSet presAssocID="{994D165C-EC72-4CC8-8250-8DB25B399397}" presName="rootComposite" presStyleCnt="0"/>
-      <dgm:spPr/>
-    </dgm:pt>
-    <dgm:pt modelId="{0F628D86-EACA-4A34-8A25-4DCD35313609}" type="pres">
-      <dgm:prSet presAssocID="{994D165C-EC72-4CC8-8250-8DB25B399397}" presName="rootText" presStyleLbl="node1" presStyleIdx="2" presStyleCnt="3"/>
-      <dgm:spPr/>
-    </dgm:pt>
-    <dgm:pt modelId="{8496B0BC-D77E-43EE-BD00-27C3E345E6D6}" type="pres">
-      <dgm:prSet presAssocID="{994D165C-EC72-4CC8-8250-8DB25B399397}" presName="rootConnector" presStyleLbl="node1" presStyleIdx="2" presStyleCnt="3"/>
-      <dgm:spPr/>
-    </dgm:pt>
-    <dgm:pt modelId="{879C990B-E465-4309-8C8F-659C52D19C29}" type="pres">
-      <dgm:prSet presAssocID="{994D165C-EC72-4CC8-8250-8DB25B399397}" presName="childShape" presStyleCnt="0"/>
-      <dgm:spPr/>
-    </dgm:pt>
-    <dgm:pt modelId="{71BF3C7A-7AA1-42D5-A2D4-74FA94457FF3}" type="pres">
-      <dgm:prSet presAssocID="{BEB017BF-2EFE-4D8E-B9A4-F75571D2508B}" presName="Name13" presStyleLbl="parChTrans1D2" presStyleIdx="0" presStyleCnt="1"/>
-      <dgm:spPr/>
-    </dgm:pt>
-    <dgm:pt modelId="{E59E2ABB-3E7B-49C8-9271-3135126A10CC}" type="pres">
-      <dgm:prSet presAssocID="{13BF9D64-2926-4F25-BC47-4C08D017D0D8}" presName="childText" presStyleLbl="bgAcc1" presStyleIdx="0" presStyleCnt="1">
+    <dgm:pt modelId="{F723FE62-04B9-4AE4-8AF4-AE493505DD57}" type="pres">
+      <dgm:prSet presAssocID="{994D165C-EC72-4CC8-8250-8DB25B399397}" presName="parentText" presStyleLbl="node1" presStyleIdx="1" presStyleCnt="2">
         <dgm:presLayoutVars>
+          <dgm:chMax val="0"/>
           <dgm:bulletEnabled val="1"/>
         </dgm:presLayoutVars>
       </dgm:prSet>
@@ -3730,36 +3525,14 @@
     </dgm:pt>
   </dgm:ptLst>
   <dgm:cxnLst>
-    <dgm:cxn modelId="{BD7EAA20-EF06-48B8-8276-F2A19E193E54}" type="presOf" srcId="{88AEEED7-8CB3-4EA9-BA13-57563440348A}" destId="{2DF2945E-FE9F-4475-811D-D8C63E3FB93D}" srcOrd="0" destOrd="0" presId="urn:microsoft.com/office/officeart/2005/8/layout/hierarchy3"/>
-    <dgm:cxn modelId="{29F55B3A-4D1F-4CAD-8A3E-A8721B99F0CF}" srcId="{044CD578-E6CF-4C71-A0F4-4EC3BE775CBE}" destId="{88AEEED7-8CB3-4EA9-BA13-57563440348A}" srcOrd="1" destOrd="0" parTransId="{0C5B0ADD-09F5-4B38-862C-815F6AB40A4D}" sibTransId="{112C71CB-53BE-4341-B58F-612BD5CEAA7B}"/>
-    <dgm:cxn modelId="{D474026A-90FA-4BBE-8D51-D3093D28DBB6}" type="presOf" srcId="{BEB017BF-2EFE-4D8E-B9A4-F75571D2508B}" destId="{71BF3C7A-7AA1-42D5-A2D4-74FA94457FF3}" srcOrd="0" destOrd="0" presId="urn:microsoft.com/office/officeart/2005/8/layout/hierarchy3"/>
-    <dgm:cxn modelId="{4542D772-9D7B-4908-AE99-9583AA70F69E}" srcId="{044CD578-E6CF-4C71-A0F4-4EC3BE775CBE}" destId="{994D165C-EC72-4CC8-8250-8DB25B399397}" srcOrd="2" destOrd="0" parTransId="{ED402E14-5DB2-4C93-9B5A-5A532F262975}" sibTransId="{D2641183-70A7-4C55-BDEB-D806759450B9}"/>
-    <dgm:cxn modelId="{22725286-BA68-43E1-BD7F-9E9E5824AE0D}" type="presOf" srcId="{994D165C-EC72-4CC8-8250-8DB25B399397}" destId="{8496B0BC-D77E-43EE-BD00-27C3E345E6D6}" srcOrd="1" destOrd="0" presId="urn:microsoft.com/office/officeart/2005/8/layout/hierarchy3"/>
-    <dgm:cxn modelId="{1A3C6694-5383-494F-8012-24A3C02389E3}" type="presOf" srcId="{88AEEED7-8CB3-4EA9-BA13-57563440348A}" destId="{A3E3E331-9480-478B-8DFC-99CD82B31E1D}" srcOrd="1" destOrd="0" presId="urn:microsoft.com/office/officeart/2005/8/layout/hierarchy3"/>
-    <dgm:cxn modelId="{7D95A596-BA3B-4493-84ED-D51A90844C53}" srcId="{994D165C-EC72-4CC8-8250-8DB25B399397}" destId="{13BF9D64-2926-4F25-BC47-4C08D017D0D8}" srcOrd="0" destOrd="0" parTransId="{BEB017BF-2EFE-4D8E-B9A4-F75571D2508B}" sibTransId="{A3A0B2CC-6E0C-48C3-B82D-E27D8AFF4C96}"/>
-    <dgm:cxn modelId="{5D025CA0-3780-4F55-A23E-0AFF70EB1DC0}" type="presOf" srcId="{994D165C-EC72-4CC8-8250-8DB25B399397}" destId="{0F628D86-EACA-4A34-8A25-4DCD35313609}" srcOrd="0" destOrd="0" presId="urn:microsoft.com/office/officeart/2005/8/layout/hierarchy3"/>
-    <dgm:cxn modelId="{3CE6D8B0-D712-4E3D-93FB-612C7EF24370}" type="presOf" srcId="{044CD578-E6CF-4C71-A0F4-4EC3BE775CBE}" destId="{8B8F9748-F77E-41E6-9A77-F6362F04064F}" srcOrd="0" destOrd="0" presId="urn:microsoft.com/office/officeart/2005/8/layout/hierarchy3"/>
-    <dgm:cxn modelId="{D8E386C6-3A63-461C-A2E8-9B64C3DFB8AC}" type="presOf" srcId="{13BF9D64-2926-4F25-BC47-4C08D017D0D8}" destId="{E59E2ABB-3E7B-49C8-9271-3135126A10CC}" srcOrd="0" destOrd="0" presId="urn:microsoft.com/office/officeart/2005/8/layout/hierarchy3"/>
-    <dgm:cxn modelId="{6CDA32D1-19E0-4970-B4AE-2FD248C7ED40}" srcId="{044CD578-E6CF-4C71-A0F4-4EC3BE775CBE}" destId="{195CA5B7-0A59-41F9-8C59-5EB828B5F2C0}" srcOrd="0" destOrd="0" parTransId="{F7A4054E-CA12-42AA-AB27-0DD85BAA5A2F}" sibTransId="{109ABFDE-A5E0-4D9A-8663-C3BE0FD184C5}"/>
-    <dgm:cxn modelId="{0A2EEBEE-9802-4A7C-9D69-49E9B26190CB}" type="presOf" srcId="{195CA5B7-0A59-41F9-8C59-5EB828B5F2C0}" destId="{B78CEF03-0C92-420B-9738-285E3CB6B554}" srcOrd="0" destOrd="0" presId="urn:microsoft.com/office/officeart/2005/8/layout/hierarchy3"/>
-    <dgm:cxn modelId="{5D1685F8-C1B6-402C-9974-3ABDEB4F4C18}" type="presOf" srcId="{195CA5B7-0A59-41F9-8C59-5EB828B5F2C0}" destId="{C26B4AB7-BBA9-431A-9ACD-6EE02E021E9F}" srcOrd="1" destOrd="0" presId="urn:microsoft.com/office/officeart/2005/8/layout/hierarchy3"/>
-    <dgm:cxn modelId="{4C313A6A-A6B4-4F16-A314-606EB3D41AAC}" type="presParOf" srcId="{8B8F9748-F77E-41E6-9A77-F6362F04064F}" destId="{16376884-97E4-4D30-9042-2FB285E7B4B0}" srcOrd="0" destOrd="0" presId="urn:microsoft.com/office/officeart/2005/8/layout/hierarchy3"/>
-    <dgm:cxn modelId="{1EDBF2C3-DBEA-48E0-A655-866F4F4D7D78}" type="presParOf" srcId="{16376884-97E4-4D30-9042-2FB285E7B4B0}" destId="{8858B84E-6BAC-484F-A319-47349D9996DD}" srcOrd="0" destOrd="0" presId="urn:microsoft.com/office/officeart/2005/8/layout/hierarchy3"/>
-    <dgm:cxn modelId="{F20AD7C1-E5BE-4FB6-9A09-08FD84C0CBF2}" type="presParOf" srcId="{8858B84E-6BAC-484F-A319-47349D9996DD}" destId="{B78CEF03-0C92-420B-9738-285E3CB6B554}" srcOrd="0" destOrd="0" presId="urn:microsoft.com/office/officeart/2005/8/layout/hierarchy3"/>
-    <dgm:cxn modelId="{2A0880FD-5E7C-4189-9066-8746AA216091}" type="presParOf" srcId="{8858B84E-6BAC-484F-A319-47349D9996DD}" destId="{C26B4AB7-BBA9-431A-9ACD-6EE02E021E9F}" srcOrd="1" destOrd="0" presId="urn:microsoft.com/office/officeart/2005/8/layout/hierarchy3"/>
-    <dgm:cxn modelId="{2F5973F0-D9B3-49FB-BCD0-CF20CAC4197F}" type="presParOf" srcId="{16376884-97E4-4D30-9042-2FB285E7B4B0}" destId="{4AB5957E-D96F-4B13-8C24-EA72720D79E8}" srcOrd="1" destOrd="0" presId="urn:microsoft.com/office/officeart/2005/8/layout/hierarchy3"/>
-    <dgm:cxn modelId="{C545913A-24B9-4BD2-8EDE-11D97548B027}" type="presParOf" srcId="{8B8F9748-F77E-41E6-9A77-F6362F04064F}" destId="{0DC26153-F579-4A39-B791-DCADC3EFC82B}" srcOrd="1" destOrd="0" presId="urn:microsoft.com/office/officeart/2005/8/layout/hierarchy3"/>
-    <dgm:cxn modelId="{AD7B8472-E111-4B01-AC7F-864CB09DADF8}" type="presParOf" srcId="{0DC26153-F579-4A39-B791-DCADC3EFC82B}" destId="{EC7AE91B-A841-4F98-8652-5C9259BE7BC6}" srcOrd="0" destOrd="0" presId="urn:microsoft.com/office/officeart/2005/8/layout/hierarchy3"/>
-    <dgm:cxn modelId="{90DE89BB-94E1-43EF-82C2-6C9DB550403D}" type="presParOf" srcId="{EC7AE91B-A841-4F98-8652-5C9259BE7BC6}" destId="{2DF2945E-FE9F-4475-811D-D8C63E3FB93D}" srcOrd="0" destOrd="0" presId="urn:microsoft.com/office/officeart/2005/8/layout/hierarchy3"/>
-    <dgm:cxn modelId="{4F0E29CB-9E8C-44B9-A013-3EF3B7718089}" type="presParOf" srcId="{EC7AE91B-A841-4F98-8652-5C9259BE7BC6}" destId="{A3E3E331-9480-478B-8DFC-99CD82B31E1D}" srcOrd="1" destOrd="0" presId="urn:microsoft.com/office/officeart/2005/8/layout/hierarchy3"/>
-    <dgm:cxn modelId="{2733BE61-B2BB-4868-A7E3-2AD9393D5AE9}" type="presParOf" srcId="{0DC26153-F579-4A39-B791-DCADC3EFC82B}" destId="{BE427D51-E6ED-4808-97F7-16CE2B6942F4}" srcOrd="1" destOrd="0" presId="urn:microsoft.com/office/officeart/2005/8/layout/hierarchy3"/>
-    <dgm:cxn modelId="{0CE1EED7-DD01-492C-81A4-274DF4CCCD56}" type="presParOf" srcId="{8B8F9748-F77E-41E6-9A77-F6362F04064F}" destId="{342FE19E-AFE8-4DC0-8670-DC13CB43BE81}" srcOrd="2" destOrd="0" presId="urn:microsoft.com/office/officeart/2005/8/layout/hierarchy3"/>
-    <dgm:cxn modelId="{69C60D3E-77B6-437F-A342-CB217F4138C5}" type="presParOf" srcId="{342FE19E-AFE8-4DC0-8670-DC13CB43BE81}" destId="{20E40B31-0026-4048-B8EC-91376AAF4D3E}" srcOrd="0" destOrd="0" presId="urn:microsoft.com/office/officeart/2005/8/layout/hierarchy3"/>
-    <dgm:cxn modelId="{2A06F84D-36B4-4A68-9DE1-FC1846E75DED}" type="presParOf" srcId="{20E40B31-0026-4048-B8EC-91376AAF4D3E}" destId="{0F628D86-EACA-4A34-8A25-4DCD35313609}" srcOrd="0" destOrd="0" presId="urn:microsoft.com/office/officeart/2005/8/layout/hierarchy3"/>
-    <dgm:cxn modelId="{D9A191F3-1433-46F8-B2DF-EB23B982938F}" type="presParOf" srcId="{20E40B31-0026-4048-B8EC-91376AAF4D3E}" destId="{8496B0BC-D77E-43EE-BD00-27C3E345E6D6}" srcOrd="1" destOrd="0" presId="urn:microsoft.com/office/officeart/2005/8/layout/hierarchy3"/>
-    <dgm:cxn modelId="{37B86BF8-7E88-44C3-AD5B-B39D13CA16EC}" type="presParOf" srcId="{342FE19E-AFE8-4DC0-8670-DC13CB43BE81}" destId="{879C990B-E465-4309-8C8F-659C52D19C29}" srcOrd="1" destOrd="0" presId="urn:microsoft.com/office/officeart/2005/8/layout/hierarchy3"/>
-    <dgm:cxn modelId="{0E3C1218-7FA5-475F-A0C2-A1C8DB43CBD3}" type="presParOf" srcId="{879C990B-E465-4309-8C8F-659C52D19C29}" destId="{71BF3C7A-7AA1-42D5-A2D4-74FA94457FF3}" srcOrd="0" destOrd="0" presId="urn:microsoft.com/office/officeart/2005/8/layout/hierarchy3"/>
-    <dgm:cxn modelId="{DFF59EAA-5A2F-48B3-9341-5F8D6DDDDB74}" type="presParOf" srcId="{879C990B-E465-4309-8C8F-659C52D19C29}" destId="{E59E2ABB-3E7B-49C8-9271-3135126A10CC}" srcOrd="1" destOrd="0" presId="urn:microsoft.com/office/officeart/2005/8/layout/hierarchy3"/>
+    <dgm:cxn modelId="{29F55B3A-4D1F-4CAD-8A3E-A8721B99F0CF}" srcId="{044CD578-E6CF-4C71-A0F4-4EC3BE775CBE}" destId="{88AEEED7-8CB3-4EA9-BA13-57563440348A}" srcOrd="0" destOrd="0" parTransId="{0C5B0ADD-09F5-4B38-862C-815F6AB40A4D}" sibTransId="{112C71CB-53BE-4341-B58F-612BD5CEAA7B}"/>
+    <dgm:cxn modelId="{4542D772-9D7B-4908-AE99-9583AA70F69E}" srcId="{044CD578-E6CF-4C71-A0F4-4EC3BE775CBE}" destId="{994D165C-EC72-4CC8-8250-8DB25B399397}" srcOrd="1" destOrd="0" parTransId="{ED402E14-5DB2-4C93-9B5A-5A532F262975}" sibTransId="{D2641183-70A7-4C55-BDEB-D806759450B9}"/>
+    <dgm:cxn modelId="{C742037C-5459-4996-A016-974735083519}" type="presOf" srcId="{044CD578-E6CF-4C71-A0F4-4EC3BE775CBE}" destId="{06712D3E-EC12-434D-ACCA-B89346390819}" srcOrd="0" destOrd="0" presId="urn:microsoft.com/office/officeart/2005/8/layout/vList2"/>
+    <dgm:cxn modelId="{464580A1-DC21-4541-A99D-F58F5C600AC6}" type="presOf" srcId="{994D165C-EC72-4CC8-8250-8DB25B399397}" destId="{F723FE62-04B9-4AE4-8AF4-AE493505DD57}" srcOrd="0" destOrd="0" presId="urn:microsoft.com/office/officeart/2005/8/layout/vList2"/>
+    <dgm:cxn modelId="{96A4C2BC-9D59-4CE8-A2EC-ECA084C09F4A}" type="presOf" srcId="{88AEEED7-8CB3-4EA9-BA13-57563440348A}" destId="{87D8C354-612E-42EB-998B-1FF39FC6D823}" srcOrd="0" destOrd="0" presId="urn:microsoft.com/office/officeart/2005/8/layout/vList2"/>
+    <dgm:cxn modelId="{BA0F545E-B083-4FCD-AB87-B597EF4AE71D}" type="presParOf" srcId="{06712D3E-EC12-434D-ACCA-B89346390819}" destId="{87D8C354-612E-42EB-998B-1FF39FC6D823}" srcOrd="0" destOrd="0" presId="urn:microsoft.com/office/officeart/2005/8/layout/vList2"/>
+    <dgm:cxn modelId="{240CF5EA-B6ED-4DF2-86F7-0D2C45F8EBE1}" type="presParOf" srcId="{06712D3E-EC12-434D-ACCA-B89346390819}" destId="{877D97F9-233E-4F77-A732-BE0538D5B9C0}" srcOrd="1" destOrd="0" presId="urn:microsoft.com/office/officeart/2005/8/layout/vList2"/>
+    <dgm:cxn modelId="{B78AC65E-6B47-4276-8D8B-FFC306BC99EE}" type="presParOf" srcId="{06712D3E-EC12-434D-ACCA-B89346390819}" destId="{F723FE62-04B9-4AE4-8AF4-AE493505DD57}" srcOrd="2" destOrd="0" presId="urn:microsoft.com/office/officeart/2005/8/layout/vList2"/>
   </dgm:cxnLst>
   <dgm:bg/>
   <dgm:whole/>
@@ -4568,7 +4341,7 @@
       <dsp:cNvGrpSpPr/>
     </dsp:nvGrpSpPr>
     <dsp:grpSpPr/>
-    <dsp:sp modelId="{BC5FEC21-0FFD-4277-AF80-C89BE1B4D004}">
+    <dsp:sp modelId="{824AD2D6-B0C0-419A-923B-6A22D82E798D}">
       <dsp:nvSpPr>
         <dsp:cNvPr id="0" name=""/>
         <dsp:cNvSpPr/>
@@ -4576,7 +4349,7 @@
       <dsp:spPr>
         <a:xfrm>
           <a:off x="0" y="0"/>
-          <a:ext cx="5370841" cy="905256"/>
+          <a:ext cx="5169435" cy="740664"/>
         </a:xfrm>
         <a:prstGeom prst="roundRect">
           <a:avLst>
@@ -4647,12 +4420,12 @@
         </a:fontRef>
       </dsp:style>
       <dsp:txBody>
-        <a:bodyPr spcFirstLastPara="0" vert="horz" wrap="square" lIns="41910" tIns="41910" rIns="41910" bIns="41910" numCol="1" spcCol="1270" anchor="ctr" anchorCtr="0">
+        <a:bodyPr spcFirstLastPara="0" vert="horz" wrap="square" lIns="87630" tIns="87630" rIns="87630" bIns="87630" numCol="1" spcCol="1270" anchor="ctr" anchorCtr="0">
           <a:noAutofit/>
         </a:bodyPr>
         <a:lstStyle/>
         <a:p>
-          <a:pPr marL="0" lvl="0" indent="0" algn="l" defTabSz="488950">
+          <a:pPr marL="0" lvl="0" indent="0" algn="l" defTabSz="1022350">
             <a:lnSpc>
               <a:spcPct val="90000"/>
             </a:lnSpc>
@@ -4663,29 +4436,28 @@
               <a:spcPct val="35000"/>
             </a:spcAft>
             <a:buNone/>
-            <a:defRPr b="1"/>
           </a:pPr>
           <a:r>
-            <a:rPr lang="fr-FR" sz="1100" kern="1200" dirty="0"/>
-            <a:t>Conception MCD,MLD,…</a:t>
+            <a:rPr lang="fr-FR" sz="2300" b="1" kern="1200" dirty="0"/>
+            <a:t>Besoin</a:t>
           </a:r>
-          <a:endParaRPr lang="en-US" sz="1100" kern="1200" dirty="0"/>
+          <a:endParaRPr lang="en-GB" sz="2300" b="1" kern="1200" dirty="0"/>
         </a:p>
       </dsp:txBody>
       <dsp:txXfrm>
-        <a:off x="26514" y="26514"/>
-        <a:ext cx="4317505" cy="852228"/>
+        <a:off x="21693" y="21693"/>
+        <a:ext cx="4283543" cy="697278"/>
       </dsp:txXfrm>
     </dsp:sp>
-    <dsp:sp modelId="{0D9C4899-B617-47E5-9039-3FA0E8AEF10C}">
+    <dsp:sp modelId="{59F6A9A8-2F21-4C94-BE87-FC80C92EDB7F}">
       <dsp:nvSpPr>
         <dsp:cNvPr id="0" name=""/>
         <dsp:cNvSpPr/>
       </dsp:nvSpPr>
       <dsp:spPr>
         <a:xfrm>
-          <a:off x="449807" y="1069848"/>
-          <a:ext cx="5370841" cy="905256"/>
+          <a:off x="386029" y="843534"/>
+          <a:ext cx="5169435" cy="740664"/>
         </a:xfrm>
         <a:prstGeom prst="roundRect">
           <a:avLst>
@@ -4696,9 +4468,9 @@
           <a:gsLst>
             <a:gs pos="0">
               <a:schemeClr val="accent2">
-                <a:hueOff val="-485121"/>
-                <a:satOff val="-27976"/>
-                <a:lumOff val="2876"/>
+                <a:hueOff val="-363841"/>
+                <a:satOff val="-20982"/>
+                <a:lumOff val="2157"/>
                 <a:alphaOff val="0"/>
                 <a:satMod val="103000"/>
                 <a:lumMod val="102000"/>
@@ -4707,9 +4479,9 @@
             </a:gs>
             <a:gs pos="50000">
               <a:schemeClr val="accent2">
-                <a:hueOff val="-485121"/>
-                <a:satOff val="-27976"/>
-                <a:lumOff val="2876"/>
+                <a:hueOff val="-363841"/>
+                <a:satOff val="-20982"/>
+                <a:lumOff val="2157"/>
                 <a:alphaOff val="0"/>
                 <a:satMod val="110000"/>
                 <a:lumMod val="100000"/>
@@ -4718,9 +4490,9 @@
             </a:gs>
             <a:gs pos="100000">
               <a:schemeClr val="accent2">
-                <a:hueOff val="-485121"/>
-                <a:satOff val="-27976"/>
-                <a:lumOff val="2876"/>
+                <a:hueOff val="-363841"/>
+                <a:satOff val="-20982"/>
+                <a:lumOff val="2157"/>
                 <a:alphaOff val="0"/>
                 <a:lumMod val="99000"/>
                 <a:satMod val="120000"/>
@@ -4756,12 +4528,12 @@
         </a:fontRef>
       </dsp:style>
       <dsp:txBody>
-        <a:bodyPr spcFirstLastPara="0" vert="horz" wrap="square" lIns="41910" tIns="41910" rIns="41910" bIns="41910" numCol="1" spcCol="1270" anchor="ctr" anchorCtr="0">
+        <a:bodyPr spcFirstLastPara="0" vert="horz" wrap="square" lIns="87630" tIns="87630" rIns="87630" bIns="87630" numCol="1" spcCol="1270" anchor="ctr" anchorCtr="0">
           <a:noAutofit/>
         </a:bodyPr>
         <a:lstStyle/>
         <a:p>
-          <a:pPr marL="0" lvl="0" indent="0" algn="l" defTabSz="488950">
+          <a:pPr marL="0" lvl="0" indent="0" algn="l" defTabSz="1022350">
             <a:lnSpc>
               <a:spcPct val="90000"/>
             </a:lnSpc>
@@ -4775,107 +4547,26 @@
             <a:defRPr b="1"/>
           </a:pPr>
           <a:r>
-            <a:rPr lang="fr-FR" sz="1100" kern="1200"/>
-            <a:t>Développement</a:t>
+            <a:rPr lang="fr-FR" sz="2300" kern="1200" dirty="0"/>
+            <a:t>Conception MCD,MLD,…</a:t>
           </a:r>
-          <a:endParaRPr lang="en-US" sz="1100" kern="1200"/>
-        </a:p>
-        <a:p>
-          <a:pPr marL="57150" lvl="1" indent="-57150" algn="l" defTabSz="400050">
-            <a:lnSpc>
-              <a:spcPct val="90000"/>
-            </a:lnSpc>
-            <a:spcBef>
-              <a:spcPct val="0"/>
-            </a:spcBef>
-            <a:spcAft>
-              <a:spcPct val="15000"/>
-            </a:spcAft>
-            <a:buChar char="•"/>
-          </a:pPr>
-          <a:r>
-            <a:rPr lang="fr-FR" sz="900" kern="1200" dirty="0"/>
-            <a:t>Script SQL de création (Importance first)</a:t>
-          </a:r>
-          <a:endParaRPr lang="en-US" sz="900" kern="1200" dirty="0"/>
-        </a:p>
-        <a:p>
-          <a:pPr marL="57150" lvl="1" indent="-57150" algn="l" defTabSz="400050">
-            <a:lnSpc>
-              <a:spcPct val="90000"/>
-            </a:lnSpc>
-            <a:spcBef>
-              <a:spcPct val="0"/>
-            </a:spcBef>
-            <a:spcAft>
-              <a:spcPct val="15000"/>
-            </a:spcAft>
-            <a:buChar char="•"/>
-          </a:pPr>
-          <a:r>
-            <a:rPr lang="fr-FR" sz="900" kern="1200" dirty="0"/>
-            <a:t>SQL Insertion (</a:t>
-          </a:r>
-          <a:r>
-            <a:rPr lang="fr-FR" sz="900" kern="1200" dirty="0" err="1"/>
-            <a:t>exmple</a:t>
-          </a:r>
-          <a:r>
-            <a:rPr lang="fr-FR" sz="900" kern="1200" dirty="0"/>
-            <a:t>, comme toujours : </a:t>
-          </a:r>
-          <a:r>
-            <a:rPr lang="fr-FR" sz="900" kern="1200" dirty="0" err="1"/>
-            <a:t>leger</a:t>
-          </a:r>
-          <a:r>
-            <a:rPr lang="fr-FR" sz="900" kern="1200" dirty="0"/>
-            <a:t> !! Mets un exemple facilement </a:t>
-          </a:r>
-          <a:r>
-            <a:rPr lang="fr-FR" sz="900" kern="1200" dirty="0" err="1"/>
-            <a:t>expliquable</a:t>
-          </a:r>
-          <a:r>
-            <a:rPr lang="fr-FR" sz="900" kern="1200" dirty="0"/>
-            <a:t>)</a:t>
-          </a:r>
-          <a:endParaRPr lang="en-US" sz="900" kern="1200" dirty="0"/>
-        </a:p>
-        <a:p>
-          <a:pPr marL="57150" lvl="1" indent="-57150" algn="l" defTabSz="400050">
-            <a:lnSpc>
-              <a:spcPct val="90000"/>
-            </a:lnSpc>
-            <a:spcBef>
-              <a:spcPct val="0"/>
-            </a:spcBef>
-            <a:spcAft>
-              <a:spcPct val="15000"/>
-            </a:spcAft>
-            <a:buChar char="•"/>
-          </a:pPr>
-          <a:r>
-            <a:rPr lang="fr-FR" sz="900" kern="1200"/>
-            <a:t>Triggers (1 ou 2)</a:t>
-          </a:r>
-          <a:endParaRPr lang="en-US" sz="900" kern="1200"/>
+          <a:endParaRPr lang="en-US" sz="2300" kern="1200" dirty="0"/>
         </a:p>
       </dsp:txBody>
       <dsp:txXfrm>
-        <a:off x="476321" y="1096362"/>
-        <a:ext cx="4279589" cy="852228"/>
+        <a:off x="407722" y="865227"/>
+        <a:ext cx="4258588" cy="697277"/>
       </dsp:txXfrm>
     </dsp:sp>
-    <dsp:sp modelId="{CA603819-C92F-469B-B89D-544E42727641}">
+    <dsp:sp modelId="{221D55AA-0C7E-4612-894B-45F08F6B0E70}">
       <dsp:nvSpPr>
         <dsp:cNvPr id="0" name=""/>
         <dsp:cNvSpPr/>
       </dsp:nvSpPr>
       <dsp:spPr>
         <a:xfrm>
-          <a:off x="892902" y="2139696"/>
-          <a:ext cx="5370841" cy="905256"/>
+          <a:off x="772058" y="1687068"/>
+          <a:ext cx="5169435" cy="740664"/>
         </a:xfrm>
         <a:prstGeom prst="roundRect">
           <a:avLst>
@@ -4886,9 +4577,9 @@
           <a:gsLst>
             <a:gs pos="0">
               <a:schemeClr val="accent2">
-                <a:hueOff val="-970242"/>
-                <a:satOff val="-55952"/>
-                <a:lumOff val="5752"/>
+                <a:hueOff val="-727682"/>
+                <a:satOff val="-41964"/>
+                <a:lumOff val="4314"/>
                 <a:alphaOff val="0"/>
                 <a:satMod val="103000"/>
                 <a:lumMod val="102000"/>
@@ -4897,9 +4588,9 @@
             </a:gs>
             <a:gs pos="50000">
               <a:schemeClr val="accent2">
-                <a:hueOff val="-970242"/>
-                <a:satOff val="-55952"/>
-                <a:lumOff val="5752"/>
+                <a:hueOff val="-727682"/>
+                <a:satOff val="-41964"/>
+                <a:lumOff val="4314"/>
                 <a:alphaOff val="0"/>
                 <a:satMod val="110000"/>
                 <a:lumMod val="100000"/>
@@ -4908,9 +4599,9 @@
             </a:gs>
             <a:gs pos="100000">
               <a:schemeClr val="accent2">
-                <a:hueOff val="-970242"/>
-                <a:satOff val="-55952"/>
-                <a:lumOff val="5752"/>
+                <a:hueOff val="-727682"/>
+                <a:satOff val="-41964"/>
+                <a:lumOff val="4314"/>
                 <a:alphaOff val="0"/>
                 <a:lumMod val="99000"/>
                 <a:satMod val="120000"/>
@@ -4946,12 +4637,12 @@
         </a:fontRef>
       </dsp:style>
       <dsp:txBody>
-        <a:bodyPr spcFirstLastPara="0" vert="horz" wrap="square" lIns="41910" tIns="41910" rIns="41910" bIns="41910" numCol="1" spcCol="1270" anchor="ctr" anchorCtr="0">
+        <a:bodyPr spcFirstLastPara="0" vert="horz" wrap="square" lIns="87630" tIns="87630" rIns="87630" bIns="87630" numCol="1" spcCol="1270" anchor="ctr" anchorCtr="0">
           <a:noAutofit/>
         </a:bodyPr>
         <a:lstStyle/>
         <a:p>
-          <a:pPr marL="0" lvl="0" indent="0" algn="l" defTabSz="488950">
+          <a:pPr marL="0" lvl="0" indent="0" algn="l" defTabSz="1022350">
             <a:lnSpc>
               <a:spcPct val="90000"/>
             </a:lnSpc>
@@ -4965,26 +4656,135 @@
             <a:defRPr b="1"/>
           </a:pPr>
           <a:r>
-            <a:rPr lang="fr-FR" sz="1100" kern="1200"/>
-            <a:t>Administration BDD (Je te me le récap : si j’ai oublié appel moi : 0638564511)</a:t>
+            <a:rPr lang="fr-FR" sz="2300" kern="1200" dirty="0"/>
+            <a:t>Développement</a:t>
           </a:r>
-          <a:endParaRPr lang="en-US" sz="1100" kern="1200"/>
+          <a:endParaRPr lang="en-US" sz="2300" kern="1200" dirty="0"/>
         </a:p>
       </dsp:txBody>
       <dsp:txXfrm>
-        <a:off x="919416" y="2166210"/>
-        <a:ext cx="4286302" cy="852228"/>
+        <a:off x="793751" y="1708761"/>
+        <a:ext cx="4258588" cy="697277"/>
       </dsp:txXfrm>
     </dsp:sp>
-    <dsp:sp modelId="{1D3050CA-BB8B-403F-9ED2-C13B474091C7}">
+    <dsp:sp modelId="{A683F3B8-2D42-449C-A6E9-47A3F1986571}">
       <dsp:nvSpPr>
         <dsp:cNvPr id="0" name=""/>
         <dsp:cNvSpPr/>
       </dsp:nvSpPr>
       <dsp:spPr>
         <a:xfrm>
-          <a:off x="1342710" y="3209544"/>
-          <a:ext cx="5370841" cy="905256"/>
+          <a:off x="1158087" y="2530602"/>
+          <a:ext cx="5169435" cy="740664"/>
+        </a:xfrm>
+        <a:prstGeom prst="roundRect">
+          <a:avLst>
+            <a:gd name="adj" fmla="val 10000"/>
+          </a:avLst>
+        </a:prstGeom>
+        <a:gradFill rotWithShape="0">
+          <a:gsLst>
+            <a:gs pos="0">
+              <a:schemeClr val="accent2">
+                <a:hueOff val="-1091522"/>
+                <a:satOff val="-62946"/>
+                <a:lumOff val="6471"/>
+                <a:alphaOff val="0"/>
+                <a:satMod val="103000"/>
+                <a:lumMod val="102000"/>
+                <a:tint val="94000"/>
+              </a:schemeClr>
+            </a:gs>
+            <a:gs pos="50000">
+              <a:schemeClr val="accent2">
+                <a:hueOff val="-1091522"/>
+                <a:satOff val="-62946"/>
+                <a:lumOff val="6471"/>
+                <a:alphaOff val="0"/>
+                <a:satMod val="110000"/>
+                <a:lumMod val="100000"/>
+                <a:shade val="100000"/>
+              </a:schemeClr>
+            </a:gs>
+            <a:gs pos="100000">
+              <a:schemeClr val="accent2">
+                <a:hueOff val="-1091522"/>
+                <a:satOff val="-62946"/>
+                <a:lumOff val="6471"/>
+                <a:alphaOff val="0"/>
+                <a:lumMod val="99000"/>
+                <a:satMod val="120000"/>
+                <a:shade val="78000"/>
+              </a:schemeClr>
+            </a:gs>
+          </a:gsLst>
+          <a:lin ang="5400000" scaled="0"/>
+        </a:gradFill>
+        <a:ln>
+          <a:noFill/>
+        </a:ln>
+        <a:effectLst>
+          <a:outerShdw blurRad="57150" dist="19050" dir="5400000" algn="ctr" rotWithShape="0">
+            <a:srgbClr val="000000">
+              <a:alpha val="63000"/>
+            </a:srgbClr>
+          </a:outerShdw>
+        </a:effectLst>
+      </dsp:spPr>
+      <dsp:style>
+        <a:lnRef idx="0">
+          <a:scrgbClr r="0" g="0" b="0"/>
+        </a:lnRef>
+        <a:fillRef idx="3">
+          <a:scrgbClr r="0" g="0" b="0"/>
+        </a:fillRef>
+        <a:effectRef idx="3">
+          <a:scrgbClr r="0" g="0" b="0"/>
+        </a:effectRef>
+        <a:fontRef idx="minor">
+          <a:schemeClr val="lt1"/>
+        </a:fontRef>
+      </dsp:style>
+      <dsp:txBody>
+        <a:bodyPr spcFirstLastPara="0" vert="horz" wrap="square" lIns="87630" tIns="87630" rIns="87630" bIns="87630" numCol="1" spcCol="1270" anchor="ctr" anchorCtr="0">
+          <a:noAutofit/>
+        </a:bodyPr>
+        <a:lstStyle/>
+        <a:p>
+          <a:pPr marL="0" lvl="0" indent="0" algn="l" defTabSz="1022350">
+            <a:lnSpc>
+              <a:spcPct val="90000"/>
+            </a:lnSpc>
+            <a:spcBef>
+              <a:spcPct val="0"/>
+            </a:spcBef>
+            <a:spcAft>
+              <a:spcPct val="35000"/>
+            </a:spcAft>
+            <a:buNone/>
+            <a:defRPr b="1"/>
+          </a:pPr>
+          <a:r>
+            <a:rPr lang="fr-FR" sz="2300" kern="1200" dirty="0"/>
+            <a:t>Administration BDD </a:t>
+          </a:r>
+          <a:endParaRPr lang="en-US" sz="2300" kern="1200" dirty="0"/>
+        </a:p>
+      </dsp:txBody>
+      <dsp:txXfrm>
+        <a:off x="1179780" y="2552295"/>
+        <a:ext cx="4258588" cy="697278"/>
+      </dsp:txXfrm>
+    </dsp:sp>
+    <dsp:sp modelId="{13F6B419-EA49-40E8-BC32-895A6107BB79}">
+      <dsp:nvSpPr>
+        <dsp:cNvPr id="0" name=""/>
+        <dsp:cNvSpPr/>
+      </dsp:nvSpPr>
+      <dsp:spPr>
+        <a:xfrm>
+          <a:off x="1544116" y="3374136"/>
+          <a:ext cx="5169435" cy="740664"/>
         </a:xfrm>
         <a:prstGeom prst="roundRect">
           <a:avLst>
@@ -5055,12 +4855,12 @@
         </a:fontRef>
       </dsp:style>
       <dsp:txBody>
-        <a:bodyPr spcFirstLastPara="0" vert="horz" wrap="square" lIns="41910" tIns="41910" rIns="41910" bIns="41910" numCol="1" spcCol="1270" anchor="ctr" anchorCtr="0">
+        <a:bodyPr spcFirstLastPara="0" vert="horz" wrap="square" lIns="87630" tIns="87630" rIns="87630" bIns="87630" numCol="1" spcCol="1270" anchor="ctr" anchorCtr="0">
           <a:noAutofit/>
         </a:bodyPr>
         <a:lstStyle/>
         <a:p>
-          <a:pPr marL="0" lvl="0" indent="0" algn="l" defTabSz="488950">
+          <a:pPr marL="0" lvl="0" indent="0" algn="l" defTabSz="1022350">
             <a:lnSpc>
               <a:spcPct val="90000"/>
             </a:lnSpc>
@@ -5074,26 +4874,26 @@
             <a:defRPr b="1"/>
           </a:pPr>
           <a:r>
-            <a:rPr lang="fr-FR" sz="1100" kern="1200"/>
-            <a:t>Liste rapports et choix technique (Met que des titres pour la plupart des diapo. Il faut juste du visuel on prépare le texte demain, on justifiera les choix technique à c moment là)</a:t>
+            <a:rPr lang="fr-FR" sz="2300" kern="1200" dirty="0"/>
+            <a:t>Liste rapports et choix technique</a:t>
           </a:r>
-          <a:endParaRPr lang="en-US" sz="1100" kern="1200"/>
+          <a:endParaRPr lang="en-US" sz="2300" kern="1200" dirty="0"/>
         </a:p>
       </dsp:txBody>
       <dsp:txXfrm>
-        <a:off x="1369224" y="3236058"/>
-        <a:ext cx="4279589" cy="852228"/>
+        <a:off x="1565809" y="3395829"/>
+        <a:ext cx="4258588" cy="697277"/>
       </dsp:txXfrm>
     </dsp:sp>
-    <dsp:sp modelId="{9B540470-1364-44CD-B5F8-D2733FA60F27}">
+    <dsp:sp modelId="{F26F12BC-C5B6-46FF-B43B-2E7599D94424}">
       <dsp:nvSpPr>
         <dsp:cNvPr id="0" name=""/>
         <dsp:cNvSpPr/>
       </dsp:nvSpPr>
       <dsp:spPr>
         <a:xfrm>
-          <a:off x="4782425" y="693343"/>
-          <a:ext cx="588416" cy="588416"/>
+          <a:off x="4688003" y="541096"/>
+          <a:ext cx="481431" cy="481431"/>
         </a:xfrm>
         <a:prstGeom prst="downArrow">
           <a:avLst>
@@ -5140,12 +4940,12 @@
         <a:fontRef idx="minor"/>
       </dsp:style>
       <dsp:txBody>
-        <a:bodyPr spcFirstLastPara="0" vert="horz" wrap="square" lIns="33020" tIns="33020" rIns="33020" bIns="33020" numCol="1" spcCol="1270" anchor="ctr" anchorCtr="0">
+        <a:bodyPr spcFirstLastPara="0" vert="horz" wrap="square" lIns="26670" tIns="26670" rIns="26670" bIns="26670" numCol="1" spcCol="1270" anchor="ctr" anchorCtr="0">
           <a:noAutofit/>
         </a:bodyPr>
         <a:lstStyle/>
         <a:p>
-          <a:pPr marL="0" lvl="0" indent="0" algn="ctr" defTabSz="1155700">
+          <a:pPr marL="0" lvl="0" indent="0" algn="ctr" defTabSz="933450">
             <a:lnSpc>
               <a:spcPct val="90000"/>
             </a:lnSpc>
@@ -5157,23 +4957,23 @@
             </a:spcAft>
             <a:buNone/>
           </a:pPr>
-          <a:endParaRPr lang="en-US" sz="2600" kern="1200"/>
+          <a:endParaRPr lang="en-GB" sz="2100" kern="1200"/>
         </a:p>
       </dsp:txBody>
       <dsp:txXfrm>
-        <a:off x="4914819" y="693343"/>
-        <a:ext cx="323628" cy="442783"/>
+        <a:off x="4796325" y="541096"/>
+        <a:ext cx="264787" cy="362277"/>
       </dsp:txXfrm>
     </dsp:sp>
-    <dsp:sp modelId="{03C48735-0941-4DB8-8979-FEFEC6BDB01B}">
+    <dsp:sp modelId="{E6078C7D-6144-47D2-8F5E-DF1811A41EC4}">
       <dsp:nvSpPr>
         <dsp:cNvPr id="0" name=""/>
         <dsp:cNvSpPr/>
       </dsp:nvSpPr>
       <dsp:spPr>
         <a:xfrm>
-          <a:off x="5232233" y="1763191"/>
-          <a:ext cx="588416" cy="588416"/>
+          <a:off x="5074032" y="1384630"/>
+          <a:ext cx="481431" cy="481431"/>
         </a:xfrm>
         <a:prstGeom prst="downArrow">
           <a:avLst>
@@ -5185,9 +4985,9 @@
           <a:schemeClr val="accent2">
             <a:tint val="40000"/>
             <a:alpha val="90000"/>
-            <a:hueOff val="-424613"/>
-            <a:satOff val="-37673"/>
-            <a:lumOff val="-385"/>
+            <a:hueOff val="-283075"/>
+            <a:satOff val="-25115"/>
+            <a:lumOff val="-256"/>
             <a:alphaOff val="0"/>
           </a:schemeClr>
         </a:solidFill>
@@ -5196,9 +4996,9 @@
             <a:schemeClr val="accent2">
               <a:tint val="40000"/>
               <a:alpha val="90000"/>
-              <a:hueOff val="-424613"/>
-              <a:satOff val="-37673"/>
-              <a:lumOff val="-385"/>
+              <a:hueOff val="-283075"/>
+              <a:satOff val="-25115"/>
+              <a:lumOff val="-256"/>
               <a:alphaOff val="0"/>
             </a:schemeClr>
           </a:solidFill>
@@ -5220,12 +5020,12 @@
         <a:fontRef idx="minor"/>
       </dsp:style>
       <dsp:txBody>
-        <a:bodyPr spcFirstLastPara="0" vert="horz" wrap="square" lIns="33020" tIns="33020" rIns="33020" bIns="33020" numCol="1" spcCol="1270" anchor="ctr" anchorCtr="0">
+        <a:bodyPr spcFirstLastPara="0" vert="horz" wrap="square" lIns="26670" tIns="26670" rIns="26670" bIns="26670" numCol="1" spcCol="1270" anchor="ctr" anchorCtr="0">
           <a:noAutofit/>
         </a:bodyPr>
         <a:lstStyle/>
         <a:p>
-          <a:pPr marL="0" lvl="0" indent="0" algn="ctr" defTabSz="1155700">
+          <a:pPr marL="0" lvl="0" indent="0" algn="ctr" defTabSz="933450">
             <a:lnSpc>
               <a:spcPct val="90000"/>
             </a:lnSpc>
@@ -5237,23 +5037,103 @@
             </a:spcAft>
             <a:buNone/>
           </a:pPr>
-          <a:endParaRPr lang="en-US" sz="2600" kern="1200"/>
+          <a:endParaRPr lang="en-US" sz="2100" kern="1200"/>
         </a:p>
       </dsp:txBody>
       <dsp:txXfrm>
-        <a:off x="5364627" y="1763191"/>
-        <a:ext cx="323628" cy="442783"/>
+        <a:off x="5182354" y="1384630"/>
+        <a:ext cx="264787" cy="362277"/>
       </dsp:txXfrm>
     </dsp:sp>
-    <dsp:sp modelId="{8FB1C91F-8733-4B63-A3E3-66363CDCEF59}">
+    <dsp:sp modelId="{82520793-A16B-4AD0-BF9F-BF31033B4E36}">
       <dsp:nvSpPr>
         <dsp:cNvPr id="0" name=""/>
         <dsp:cNvSpPr/>
       </dsp:nvSpPr>
       <dsp:spPr>
         <a:xfrm>
-          <a:off x="5675327" y="2833039"/>
-          <a:ext cx="588416" cy="588416"/>
+          <a:off x="5460061" y="2215819"/>
+          <a:ext cx="481431" cy="481431"/>
+        </a:xfrm>
+        <a:prstGeom prst="downArrow">
+          <a:avLst>
+            <a:gd name="adj1" fmla="val 55000"/>
+            <a:gd name="adj2" fmla="val 45000"/>
+          </a:avLst>
+        </a:prstGeom>
+        <a:solidFill>
+          <a:schemeClr val="accent2">
+            <a:tint val="40000"/>
+            <a:alpha val="90000"/>
+            <a:hueOff val="-566151"/>
+            <a:satOff val="-50231"/>
+            <a:lumOff val="-513"/>
+            <a:alphaOff val="0"/>
+          </a:schemeClr>
+        </a:solidFill>
+        <a:ln w="6350" cap="flat" cmpd="sng" algn="ctr">
+          <a:solidFill>
+            <a:schemeClr val="accent2">
+              <a:tint val="40000"/>
+              <a:alpha val="90000"/>
+              <a:hueOff val="-566151"/>
+              <a:satOff val="-50231"/>
+              <a:lumOff val="-513"/>
+              <a:alphaOff val="0"/>
+            </a:schemeClr>
+          </a:solidFill>
+          <a:prstDash val="solid"/>
+          <a:miter lim="800000"/>
+        </a:ln>
+        <a:effectLst/>
+      </dsp:spPr>
+      <dsp:style>
+        <a:lnRef idx="1">
+          <a:scrgbClr r="0" g="0" b="0"/>
+        </a:lnRef>
+        <a:fillRef idx="1">
+          <a:scrgbClr r="0" g="0" b="0"/>
+        </a:fillRef>
+        <a:effectRef idx="2">
+          <a:scrgbClr r="0" g="0" b="0"/>
+        </a:effectRef>
+        <a:fontRef idx="minor"/>
+      </dsp:style>
+      <dsp:txBody>
+        <a:bodyPr spcFirstLastPara="0" vert="horz" wrap="square" lIns="26670" tIns="26670" rIns="26670" bIns="26670" numCol="1" spcCol="1270" anchor="ctr" anchorCtr="0">
+          <a:noAutofit/>
+        </a:bodyPr>
+        <a:lstStyle/>
+        <a:p>
+          <a:pPr marL="0" lvl="0" indent="0" algn="ctr" defTabSz="933450">
+            <a:lnSpc>
+              <a:spcPct val="90000"/>
+            </a:lnSpc>
+            <a:spcBef>
+              <a:spcPct val="0"/>
+            </a:spcBef>
+            <a:spcAft>
+              <a:spcPct val="35000"/>
+            </a:spcAft>
+            <a:buNone/>
+          </a:pPr>
+          <a:endParaRPr lang="en-US" sz="2100" kern="1200"/>
+        </a:p>
+      </dsp:txBody>
+      <dsp:txXfrm>
+        <a:off x="5568383" y="2215819"/>
+        <a:ext cx="264787" cy="362277"/>
+      </dsp:txXfrm>
+    </dsp:sp>
+    <dsp:sp modelId="{51B8317F-C4D1-465F-8250-E6605C1654AD}">
+      <dsp:nvSpPr>
+        <dsp:cNvPr id="0" name=""/>
+        <dsp:cNvSpPr/>
+      </dsp:nvSpPr>
+      <dsp:spPr>
+        <a:xfrm>
+          <a:off x="5846091" y="3067583"/>
+          <a:ext cx="481431" cy="481431"/>
         </a:xfrm>
         <a:prstGeom prst="downArrow">
           <a:avLst>
@@ -5300,12 +5180,12 @@
         <a:fontRef idx="minor"/>
       </dsp:style>
       <dsp:txBody>
-        <a:bodyPr spcFirstLastPara="0" vert="horz" wrap="square" lIns="33020" tIns="33020" rIns="33020" bIns="33020" numCol="1" spcCol="1270" anchor="ctr" anchorCtr="0">
+        <a:bodyPr spcFirstLastPara="0" vert="horz" wrap="square" lIns="26670" tIns="26670" rIns="26670" bIns="26670" numCol="1" spcCol="1270" anchor="ctr" anchorCtr="0">
           <a:noAutofit/>
         </a:bodyPr>
         <a:lstStyle/>
         <a:p>
-          <a:pPr marL="0" lvl="0" indent="0" algn="ctr" defTabSz="1155700">
+          <a:pPr marL="0" lvl="0" indent="0" algn="ctr" defTabSz="933450">
             <a:lnSpc>
               <a:spcPct val="90000"/>
             </a:lnSpc>
@@ -5317,12 +5197,12 @@
             </a:spcAft>
             <a:buNone/>
           </a:pPr>
-          <a:endParaRPr lang="en-US" sz="2600" kern="1200"/>
+          <a:endParaRPr lang="en-US" sz="2100" kern="1200"/>
         </a:p>
       </dsp:txBody>
       <dsp:txXfrm>
-        <a:off x="5807721" y="2833039"/>
-        <a:ext cx="323628" cy="442783"/>
+        <a:off x="5954413" y="3067583"/>
+        <a:ext cx="264787" cy="362277"/>
       </dsp:txXfrm>
     </dsp:sp>
   </dsp:spTree>
@@ -5337,20 +5217,18 @@
       <dsp:cNvGrpSpPr/>
     </dsp:nvGrpSpPr>
     <dsp:grpSpPr/>
-    <dsp:sp modelId="{B78CEF03-0C92-420B-9738-285E3CB6B554}">
+    <dsp:sp modelId="{87D8C354-612E-42EB-998B-1FF39FC6D823}">
       <dsp:nvSpPr>
         <dsp:cNvPr id="0" name=""/>
         <dsp:cNvSpPr/>
       </dsp:nvSpPr>
       <dsp:spPr>
         <a:xfrm>
-          <a:off x="819" y="980885"/>
-          <a:ext cx="1917689" cy="958844"/>
+          <a:off x="0" y="516209"/>
+          <a:ext cx="4243589" cy="1079325"/>
         </a:xfrm>
         <a:prstGeom prst="roundRect">
-          <a:avLst>
-            <a:gd name="adj" fmla="val 10000"/>
-          </a:avLst>
+          <a:avLst/>
         </a:prstGeom>
         <a:gradFill rotWithShape="0">
           <a:gsLst>
@@ -5393,13 +5271,7 @@
         <a:ln>
           <a:noFill/>
         </a:ln>
-        <a:effectLst>
-          <a:outerShdw blurRad="57150" dist="19050" dir="5400000" algn="ctr" rotWithShape="0">
-            <a:srgbClr val="000000">
-              <a:alpha val="63000"/>
-            </a:srgbClr>
-          </a:outerShdw>
-        </a:effectLst>
+        <a:effectLst/>
       </dsp:spPr>
       <dsp:style>
         <a:lnRef idx="0">
@@ -5408,7 +5280,7 @@
         <a:fillRef idx="3">
           <a:scrgbClr r="0" g="0" b="0"/>
         </a:fillRef>
-        <a:effectRef idx="3">
+        <a:effectRef idx="2">
           <a:scrgbClr r="0" g="0" b="0"/>
         </a:effectRef>
         <a:fontRef idx="minor">
@@ -5416,12 +5288,12 @@
         </a:fontRef>
       </dsp:style>
       <dsp:txBody>
-        <a:bodyPr spcFirstLastPara="0" vert="horz" wrap="square" lIns="28575" tIns="19050" rIns="28575" bIns="19050" numCol="1" spcCol="1270" anchor="ctr" anchorCtr="0">
+        <a:bodyPr spcFirstLastPara="0" vert="horz" wrap="square" lIns="171450" tIns="171450" rIns="171450" bIns="171450" numCol="1" spcCol="1270" anchor="ctr" anchorCtr="0">
           <a:noAutofit/>
         </a:bodyPr>
         <a:lstStyle/>
         <a:p>
-          <a:pPr marL="0" lvl="0" indent="0" algn="ctr" defTabSz="666750">
+          <a:pPr marL="0" lvl="0" indent="0" algn="l" defTabSz="2000250">
             <a:lnSpc>
               <a:spcPct val="90000"/>
             </a:lnSpc>
@@ -5434,31 +5306,29 @@
             <a:buNone/>
           </a:pPr>
           <a:r>
-            <a:rPr lang="fr-FR" sz="1500" kern="1200"/>
-            <a:t>Besoin remplis par la base OLAP (use case)</a:t>
+            <a:rPr lang="fr-FR" sz="4500" kern="1200" dirty="0"/>
+            <a:t>Conception</a:t>
           </a:r>
-          <a:endParaRPr lang="en-US" sz="1500" kern="1200"/>
+          <a:endParaRPr lang="en-US" sz="4500" kern="1200" dirty="0"/>
         </a:p>
       </dsp:txBody>
       <dsp:txXfrm>
-        <a:off x="28903" y="1008969"/>
-        <a:ext cx="1861521" cy="902676"/>
+        <a:off x="52688" y="568897"/>
+        <a:ext cx="4138213" cy="973949"/>
       </dsp:txXfrm>
     </dsp:sp>
-    <dsp:sp modelId="{2DF2945E-FE9F-4475-811D-D8C63E3FB93D}">
+    <dsp:sp modelId="{F723FE62-04B9-4AE4-8AF4-AE493505DD57}">
       <dsp:nvSpPr>
         <dsp:cNvPr id="0" name=""/>
         <dsp:cNvSpPr/>
       </dsp:nvSpPr>
       <dsp:spPr>
         <a:xfrm>
-          <a:off x="2397931" y="980885"/>
-          <a:ext cx="1917689" cy="958844"/>
+          <a:off x="0" y="1725134"/>
+          <a:ext cx="4243589" cy="1079325"/>
         </a:xfrm>
         <a:prstGeom prst="roundRect">
-          <a:avLst>
-            <a:gd name="adj" fmla="val 10000"/>
-          </a:avLst>
+          <a:avLst/>
         </a:prstGeom>
         <a:gradFill rotWithShape="0">
           <a:gsLst>
@@ -5501,13 +5371,7 @@
         <a:ln>
           <a:noFill/>
         </a:ln>
-        <a:effectLst>
-          <a:outerShdw blurRad="57150" dist="19050" dir="5400000" algn="ctr" rotWithShape="0">
-            <a:srgbClr val="000000">
-              <a:alpha val="63000"/>
-            </a:srgbClr>
-          </a:outerShdw>
-        </a:effectLst>
+        <a:effectLst/>
       </dsp:spPr>
       <dsp:style>
         <a:lnRef idx="0">
@@ -5516,7 +5380,7 @@
         <a:fillRef idx="3">
           <a:scrgbClr r="0" g="0" b="0"/>
         </a:fillRef>
-        <a:effectRef idx="3">
+        <a:effectRef idx="2">
           <a:scrgbClr r="0" g="0" b="0"/>
         </a:effectRef>
         <a:fontRef idx="minor">
@@ -5524,12 +5388,12 @@
         </a:fontRef>
       </dsp:style>
       <dsp:txBody>
-        <a:bodyPr spcFirstLastPara="0" vert="horz" wrap="square" lIns="28575" tIns="19050" rIns="28575" bIns="19050" numCol="1" spcCol="1270" anchor="ctr" anchorCtr="0">
+        <a:bodyPr spcFirstLastPara="0" vert="horz" wrap="square" lIns="171450" tIns="171450" rIns="171450" bIns="171450" numCol="1" spcCol="1270" anchor="ctr" anchorCtr="0">
           <a:noAutofit/>
         </a:bodyPr>
         <a:lstStyle/>
         <a:p>
-          <a:pPr marL="0" lvl="0" indent="0" algn="ctr" defTabSz="666750">
+          <a:pPr marL="0" lvl="0" indent="0" algn="l" defTabSz="2000250">
             <a:lnSpc>
               <a:spcPct val="90000"/>
             </a:lnSpc>
@@ -5542,262 +5406,15 @@
             <a:buNone/>
           </a:pPr>
           <a:r>
-            <a:rPr lang="fr-FR" sz="1500" kern="1200"/>
-            <a:t>Conception (schéma étoiles/flocon -&gt; constellation dans notre cas)</a:t>
+            <a:rPr lang="fr-FR" sz="4500" kern="1200"/>
+            <a:t>Développement</a:t>
           </a:r>
-          <a:endParaRPr lang="en-US" sz="1500" kern="1200"/>
+          <a:endParaRPr lang="en-US" sz="4500" kern="1200"/>
         </a:p>
       </dsp:txBody>
       <dsp:txXfrm>
-        <a:off x="2426015" y="1008969"/>
-        <a:ext cx="1861521" cy="902676"/>
-      </dsp:txXfrm>
-    </dsp:sp>
-    <dsp:sp modelId="{0F628D86-EACA-4A34-8A25-4DCD35313609}">
-      <dsp:nvSpPr>
-        <dsp:cNvPr id="0" name=""/>
-        <dsp:cNvSpPr/>
-      </dsp:nvSpPr>
-      <dsp:spPr>
-        <a:xfrm>
-          <a:off x="4795043" y="980885"/>
-          <a:ext cx="1917689" cy="958844"/>
-        </a:xfrm>
-        <a:prstGeom prst="roundRect">
-          <a:avLst>
-            <a:gd name="adj" fmla="val 10000"/>
-          </a:avLst>
-        </a:prstGeom>
-        <a:gradFill rotWithShape="0">
-          <a:gsLst>
-            <a:gs pos="0">
-              <a:schemeClr val="accent2">
-                <a:hueOff val="0"/>
-                <a:satOff val="0"/>
-                <a:lumOff val="0"/>
-                <a:alphaOff val="0"/>
-                <a:satMod val="103000"/>
-                <a:lumMod val="102000"/>
-                <a:tint val="94000"/>
-              </a:schemeClr>
-            </a:gs>
-            <a:gs pos="50000">
-              <a:schemeClr val="accent2">
-                <a:hueOff val="0"/>
-                <a:satOff val="0"/>
-                <a:lumOff val="0"/>
-                <a:alphaOff val="0"/>
-                <a:satMod val="110000"/>
-                <a:lumMod val="100000"/>
-                <a:shade val="100000"/>
-              </a:schemeClr>
-            </a:gs>
-            <a:gs pos="100000">
-              <a:schemeClr val="accent2">
-                <a:hueOff val="0"/>
-                <a:satOff val="0"/>
-                <a:lumOff val="0"/>
-                <a:alphaOff val="0"/>
-                <a:lumMod val="99000"/>
-                <a:satMod val="120000"/>
-                <a:shade val="78000"/>
-              </a:schemeClr>
-            </a:gs>
-          </a:gsLst>
-          <a:lin ang="5400000" scaled="0"/>
-        </a:gradFill>
-        <a:ln>
-          <a:noFill/>
-        </a:ln>
-        <a:effectLst>
-          <a:outerShdw blurRad="57150" dist="19050" dir="5400000" algn="ctr" rotWithShape="0">
-            <a:srgbClr val="000000">
-              <a:alpha val="63000"/>
-            </a:srgbClr>
-          </a:outerShdw>
-        </a:effectLst>
-      </dsp:spPr>
-      <dsp:style>
-        <a:lnRef idx="0">
-          <a:scrgbClr r="0" g="0" b="0"/>
-        </a:lnRef>
-        <a:fillRef idx="3">
-          <a:scrgbClr r="0" g="0" b="0"/>
-        </a:fillRef>
-        <a:effectRef idx="3">
-          <a:scrgbClr r="0" g="0" b="0"/>
-        </a:effectRef>
-        <a:fontRef idx="minor">
-          <a:schemeClr val="lt1"/>
-        </a:fontRef>
-      </dsp:style>
-      <dsp:txBody>
-        <a:bodyPr spcFirstLastPara="0" vert="horz" wrap="square" lIns="28575" tIns="19050" rIns="28575" bIns="19050" numCol="1" spcCol="1270" anchor="ctr" anchorCtr="0">
-          <a:noAutofit/>
-        </a:bodyPr>
-        <a:lstStyle/>
-        <a:p>
-          <a:pPr marL="0" lvl="0" indent="0" algn="ctr" defTabSz="666750">
-            <a:lnSpc>
-              <a:spcPct val="90000"/>
-            </a:lnSpc>
-            <a:spcBef>
-              <a:spcPct val="0"/>
-            </a:spcBef>
-            <a:spcAft>
-              <a:spcPct val="35000"/>
-            </a:spcAft>
-            <a:buNone/>
-          </a:pPr>
-          <a:r>
-            <a:rPr lang="fr-FR" sz="1500" kern="1200"/>
-            <a:t>Développement</a:t>
-          </a:r>
-          <a:endParaRPr lang="en-US" sz="1500" kern="1200"/>
-        </a:p>
-      </dsp:txBody>
-      <dsp:txXfrm>
-        <a:off x="4823127" y="1008969"/>
-        <a:ext cx="1861521" cy="902676"/>
-      </dsp:txXfrm>
-    </dsp:sp>
-    <dsp:sp modelId="{71BF3C7A-7AA1-42D5-A2D4-74FA94457FF3}">
-      <dsp:nvSpPr>
-        <dsp:cNvPr id="0" name=""/>
-        <dsp:cNvSpPr/>
-      </dsp:nvSpPr>
-      <dsp:spPr>
-        <a:xfrm>
-          <a:off x="4986812" y="1939730"/>
-          <a:ext cx="191768" cy="719133"/>
-        </a:xfrm>
-        <a:custGeom>
-          <a:avLst/>
-          <a:gdLst/>
-          <a:ahLst/>
-          <a:cxnLst/>
-          <a:rect l="0" t="0" r="0" b="0"/>
-          <a:pathLst>
-            <a:path>
-              <a:moveTo>
-                <a:pt x="0" y="0"/>
-              </a:moveTo>
-              <a:lnTo>
-                <a:pt x="0" y="719133"/>
-              </a:lnTo>
-              <a:lnTo>
-                <a:pt x="191768" y="719133"/>
-              </a:lnTo>
-            </a:path>
-          </a:pathLst>
-        </a:custGeom>
-        <a:noFill/>
-        <a:ln w="12700" cap="flat" cmpd="sng" algn="ctr">
-          <a:solidFill>
-            <a:schemeClr val="accent2">
-              <a:shade val="60000"/>
-              <a:hueOff val="0"/>
-              <a:satOff val="0"/>
-              <a:lumOff val="0"/>
-              <a:alphaOff val="0"/>
-            </a:schemeClr>
-          </a:solidFill>
-          <a:prstDash val="solid"/>
-          <a:miter lim="800000"/>
-        </a:ln>
-        <a:effectLst/>
-      </dsp:spPr>
-      <dsp:style>
-        <a:lnRef idx="2">
-          <a:scrgbClr r="0" g="0" b="0"/>
-        </a:lnRef>
-        <a:fillRef idx="0">
-          <a:scrgbClr r="0" g="0" b="0"/>
-        </a:fillRef>
-        <a:effectRef idx="0">
-          <a:scrgbClr r="0" g="0" b="0"/>
-        </a:effectRef>
-        <a:fontRef idx="minor"/>
-      </dsp:style>
-    </dsp:sp>
-    <dsp:sp modelId="{E59E2ABB-3E7B-49C8-9271-3135126A10CC}">
-      <dsp:nvSpPr>
-        <dsp:cNvPr id="0" name=""/>
-        <dsp:cNvSpPr/>
-      </dsp:nvSpPr>
-      <dsp:spPr>
-        <a:xfrm>
-          <a:off x="5178580" y="2179441"/>
-          <a:ext cx="1534151" cy="958844"/>
-        </a:xfrm>
-        <a:prstGeom prst="roundRect">
-          <a:avLst>
-            <a:gd name="adj" fmla="val 10000"/>
-          </a:avLst>
-        </a:prstGeom>
-        <a:solidFill>
-          <a:schemeClr val="lt1">
-            <a:alpha val="90000"/>
-            <a:hueOff val="0"/>
-            <a:satOff val="0"/>
-            <a:lumOff val="0"/>
-            <a:alphaOff val="0"/>
-          </a:schemeClr>
-        </a:solidFill>
-        <a:ln w="6350" cap="flat" cmpd="sng" algn="ctr">
-          <a:solidFill>
-            <a:schemeClr val="accent2">
-              <a:hueOff val="0"/>
-              <a:satOff val="0"/>
-              <a:lumOff val="0"/>
-              <a:alphaOff val="0"/>
-            </a:schemeClr>
-          </a:solidFill>
-          <a:prstDash val="solid"/>
-          <a:miter lim="800000"/>
-        </a:ln>
-        <a:effectLst/>
-      </dsp:spPr>
-      <dsp:style>
-        <a:lnRef idx="1">
-          <a:scrgbClr r="0" g="0" b="0"/>
-        </a:lnRef>
-        <a:fillRef idx="1">
-          <a:scrgbClr r="0" g="0" b="0"/>
-        </a:fillRef>
-        <a:effectRef idx="2">
-          <a:scrgbClr r="0" g="0" b="0"/>
-        </a:effectRef>
-        <a:fontRef idx="minor"/>
-      </dsp:style>
-      <dsp:txBody>
-        <a:bodyPr spcFirstLastPara="0" vert="horz" wrap="square" lIns="17145" tIns="11430" rIns="17145" bIns="11430" numCol="1" spcCol="1270" anchor="ctr" anchorCtr="0">
-          <a:noAutofit/>
-        </a:bodyPr>
-        <a:lstStyle/>
-        <a:p>
-          <a:pPr marL="0" lvl="0" indent="0" algn="ctr" defTabSz="400050">
-            <a:lnSpc>
-              <a:spcPct val="90000"/>
-            </a:lnSpc>
-            <a:spcBef>
-              <a:spcPct val="0"/>
-            </a:spcBef>
-            <a:spcAft>
-              <a:spcPct val="35000"/>
-            </a:spcAft>
-            <a:buNone/>
-          </a:pPr>
-          <a:r>
-            <a:rPr lang="fr-FR" sz="900" kern="1200"/>
-            <a:t>Alimentation OLTP -&gt; OLAP (flux SSIS à expliquer. Si t’as pas fait pas grave : mais met une diapo pour dire ce qu’on a prévu. FAUT RESTE POSITIF et penser aux solutions)</a:t>
-          </a:r>
-          <a:endParaRPr lang="en-US" sz="900" kern="1200"/>
-        </a:p>
-      </dsp:txBody>
-      <dsp:txXfrm>
-        <a:off x="5206664" y="2207525"/>
-        <a:ext cx="1477983" cy="902676"/>
+        <a:off x="52688" y="1777822"/>
+        <a:ext cx="4138213" cy="973949"/>
       </dsp:txXfrm>
     </dsp:sp>
   </dsp:spTree>
@@ -7497,14 +7114,12 @@
 </file>
 
 <file path=ppt/diagrams/layout3.xml><?xml version="1.0" encoding="utf-8"?>
-<dgm:layoutDef xmlns:dgm="http://schemas.openxmlformats.org/drawingml/2006/diagram" xmlns:a="http://schemas.openxmlformats.org/drawingml/2006/main" uniqueId="urn:microsoft.com/office/officeart/2005/8/layout/hierarchy3">
+<dgm:layoutDef xmlns:dgm="http://schemas.openxmlformats.org/drawingml/2006/diagram" xmlns:a="http://schemas.openxmlformats.org/drawingml/2006/main" uniqueId="urn:microsoft.com/office/officeart/2005/8/layout/vList2">
   <dgm:title val=""/>
   <dgm:desc val=""/>
   <dgm:catLst>
-    <dgm:cat type="hierarchy" pri="7000"/>
-    <dgm:cat type="list" pri="23000"/>
-    <dgm:cat type="relationship" pri="15000"/>
-    <dgm:cat type="convert" pri="7000"/>
+    <dgm:cat type="list" pri="3000"/>
+    <dgm:cat type="convert" pri="1000"/>
   </dgm:catLst>
   <dgm:sampData>
     <dgm:dataModel>
@@ -7516,26 +7131,18 @@
         <dgm:pt modelId="11">
           <dgm:prSet phldr="1"/>
         </dgm:pt>
-        <dgm:pt modelId="12">
-          <dgm:prSet phldr="1"/>
-        </dgm:pt>
         <dgm:pt modelId="2">
           <dgm:prSet phldr="1"/>
         </dgm:pt>
         <dgm:pt modelId="21">
           <dgm:prSet phldr="1"/>
         </dgm:pt>
-        <dgm:pt modelId="22">
-          <dgm:prSet phldr="1"/>
-        </dgm:pt>
       </dgm:ptLst>
       <dgm:cxnLst>
         <dgm:cxn modelId="4" srcId="0" destId="1" srcOrd="0" destOrd="0"/>
-        <dgm:cxn modelId="5" srcId="1" destId="11" srcOrd="0" destOrd="0"/>
-        <dgm:cxn modelId="6" srcId="1" destId="12" srcOrd="1" destOrd="0"/>
-        <dgm:cxn modelId="7" srcId="0" destId="2" srcOrd="1" destOrd="0"/>
-        <dgm:cxn modelId="8" srcId="2" destId="21" srcOrd="0" destOrd="0"/>
-        <dgm:cxn modelId="9" srcId="2" destId="22" srcOrd="1" destOrd="0"/>
+        <dgm:cxn modelId="5" srcId="0" destId="2" srcOrd="1" destOrd="0"/>
+        <dgm:cxn modelId="12" srcId="1" destId="11" srcOrd="0" destOrd="0"/>
+        <dgm:cxn modelId="23" srcId="2" destId="21" srcOrd="0" destOrd="0"/>
       </dgm:cxnLst>
       <dgm:bg/>
       <dgm:whole/>
@@ -7546,15 +7153,11 @@
       <dgm:ptLst>
         <dgm:pt modelId="0" type="doc"/>
         <dgm:pt modelId="1"/>
-        <dgm:pt modelId="11"/>
         <dgm:pt modelId="2"/>
-        <dgm:pt modelId="21"/>
       </dgm:ptLst>
       <dgm:cxnLst>
-        <dgm:cxn modelId="4" srcId="0" destId="1" srcOrd="0" destOrd="0"/>
-        <dgm:cxn modelId="5" srcId="0" destId="2" srcOrd="1" destOrd="0"/>
-        <dgm:cxn modelId="13" srcId="1" destId="11" srcOrd="0" destOrd="0"/>
-        <dgm:cxn modelId="23" srcId="2" destId="21" srcOrd="0" destOrd="0"/>
+        <dgm:cxn modelId="3" srcId="0" destId="1" srcOrd="0" destOrd="0"/>
+        <dgm:cxn modelId="4" srcId="0" destId="2" srcOrd="1" destOrd="0"/>
       </dgm:cxnLst>
       <dgm:bg/>
       <dgm:whole/>
@@ -7565,224 +7168,113 @@
       <dgm:ptLst>
         <dgm:pt modelId="0" type="doc"/>
         <dgm:pt modelId="1"/>
-        <dgm:pt modelId="11"/>
         <dgm:pt modelId="2"/>
-        <dgm:pt modelId="21"/>
         <dgm:pt modelId="3"/>
-        <dgm:pt modelId="31"/>
         <dgm:pt modelId="4"/>
-        <dgm:pt modelId="41"/>
       </dgm:ptLst>
       <dgm:cxnLst>
         <dgm:cxn modelId="5" srcId="0" destId="1" srcOrd="0" destOrd="0"/>
         <dgm:cxn modelId="6" srcId="0" destId="2" srcOrd="1" destOrd="0"/>
         <dgm:cxn modelId="7" srcId="0" destId="3" srcOrd="2" destOrd="0"/>
         <dgm:cxn modelId="8" srcId="0" destId="4" srcOrd="3" destOrd="0"/>
-        <dgm:cxn modelId="13" srcId="1" destId="11" srcOrd="0" destOrd="0"/>
-        <dgm:cxn modelId="23" srcId="2" destId="21" srcOrd="0" destOrd="0"/>
-        <dgm:cxn modelId="33" srcId="3" destId="31" srcOrd="0" destOrd="0"/>
-        <dgm:cxn modelId="43" srcId="4" destId="41" srcOrd="0" destOrd="0"/>
       </dgm:cxnLst>
       <dgm:bg/>
       <dgm:whole/>
     </dgm:dataModel>
   </dgm:clrData>
-  <dgm:layoutNode name="diagram">
+  <dgm:layoutNode name="linear">
     <dgm:varLst>
-      <dgm:chPref val="1"/>
-      <dgm:dir/>
-      <dgm:animOne val="branch"/>
       <dgm:animLvl val="lvl"/>
-      <dgm:resizeHandles/>
+      <dgm:resizeHandles val="exact"/>
     </dgm:varLst>
-    <dgm:choose name="Name0">
-      <dgm:if name="Name1" func="var" arg="dir" op="equ" val="norm">
-        <dgm:alg type="hierChild">
-          <dgm:param type="linDir" val="fromL"/>
-        </dgm:alg>
-      </dgm:if>
-      <dgm:else name="Name2">
-        <dgm:alg type="hierChild">
-          <dgm:param type="linDir" val="fromR"/>
-        </dgm:alg>
-      </dgm:else>
-    </dgm:choose>
+    <dgm:alg type="lin">
+      <dgm:param type="linDir" val="fromT"/>
+      <dgm:param type="vertAlign" val="mid"/>
+    </dgm:alg>
     <dgm:shape xmlns:r="http://schemas.openxmlformats.org/officeDocument/2006/relationships" r:blip="">
       <dgm:adjLst/>
     </dgm:shape>
     <dgm:presOf/>
     <dgm:constrLst>
-      <dgm:constr type="primFontSz" for="des" forName="rootText" op="equ" val="65"/>
-      <dgm:constr type="primFontSz" for="des" forName="childText" op="equ" val="65"/>
-      <dgm:constr type="w" for="des" forName="rootComposite" refType="w"/>
-      <dgm:constr type="h" for="des" forName="rootComposite" refType="w" fact="0.5"/>
-      <dgm:constr type="w" for="des" forName="childText" refType="w" refFor="des" refForName="rootComposite" fact="0.8"/>
-      <dgm:constr type="h" for="des" forName="childText" refType="h" refFor="des" refForName="rootComposite"/>
-      <dgm:constr type="sibSp" refType="w" refFor="des" refForName="rootComposite" fact="0.25"/>
-      <dgm:constr type="sibSp" for="des" forName="childShape" refType="h" refFor="des" refForName="childText" fact="0.25"/>
-      <dgm:constr type="sp" for="des" forName="root" refType="h" refFor="des" refForName="childText" fact="0.25"/>
+      <dgm:constr type="w" for="ch" forName="parentText" refType="w"/>
+      <dgm:constr type="h" for="ch" forName="parentText" refType="primFontSz" refFor="ch" refForName="parentText" fact="0.52"/>
+      <dgm:constr type="w" for="ch" forName="childText" refType="w"/>
+      <dgm:constr type="h" for="ch" forName="childText" refType="primFontSz" refFor="ch" refForName="parentText" fact="0.46"/>
+      <dgm:constr type="h" for="ch" forName="parentText" op="equ"/>
+      <dgm:constr type="primFontSz" for="ch" forName="parentText" op="equ" val="65"/>
+      <dgm:constr type="primFontSz" for="ch" forName="childText" refType="primFontSz" refFor="ch" refForName="parentText" op="equ"/>
+      <dgm:constr type="h" for="ch" forName="spacer" refType="primFontSz" refFor="ch" refForName="parentText" fact="0.08"/>
     </dgm:constrLst>
-    <dgm:ruleLst/>
-    <dgm:forEach name="Name3" axis="ch">
-      <dgm:forEach name="Name4" axis="self" ptType="node" cnt="1">
-        <dgm:layoutNode name="root">
-          <dgm:choose name="Name5">
-            <dgm:if name="Name6" func="var" arg="dir" op="equ" val="norm">
-              <dgm:alg type="hierRoot">
-                <dgm:param type="hierAlign" val="tL"/>
-              </dgm:alg>
-            </dgm:if>
-            <dgm:else name="Name7">
-              <dgm:alg type="hierRoot">
-                <dgm:param type="hierAlign" val="tR"/>
-              </dgm:alg>
-            </dgm:else>
-          </dgm:choose>
-          <dgm:shape xmlns:r="http://schemas.openxmlformats.org/officeDocument/2006/relationships" r:blip="">
-            <dgm:adjLst/>
-          </dgm:shape>
-          <dgm:presOf/>
-          <dgm:constrLst>
-            <dgm:constr type="alignOff" val="0.2"/>
-          </dgm:constrLst>
-          <dgm:ruleLst/>
-          <dgm:layoutNode name="rootComposite">
-            <dgm:alg type="composite"/>
-            <dgm:shape xmlns:r="http://schemas.openxmlformats.org/officeDocument/2006/relationships" r:blip="">
+    <dgm:ruleLst>
+      <dgm:rule type="primFontSz" for="ch" forName="parentText" val="5" fact="NaN" max="NaN"/>
+    </dgm:ruleLst>
+    <dgm:forEach name="Name0" axis="ch" ptType="node">
+      <dgm:layoutNode name="parentText" styleLbl="node1">
+        <dgm:varLst>
+          <dgm:chMax val="0"/>
+          <dgm:bulletEnabled val="1"/>
+        </dgm:varLst>
+        <dgm:alg type="tx">
+          <dgm:param type="parTxLTRAlign" val="l"/>
+          <dgm:param type="parTxRTLAlign" val="r"/>
+        </dgm:alg>
+        <dgm:shape xmlns:r="http://schemas.openxmlformats.org/officeDocument/2006/relationships" type="roundRect" r:blip="">
+          <dgm:adjLst/>
+        </dgm:shape>
+        <dgm:presOf axis="self"/>
+        <dgm:constrLst>
+          <dgm:constr type="tMarg" refType="primFontSz" fact="0.3"/>
+          <dgm:constr type="bMarg" refType="primFontSz" fact="0.3"/>
+          <dgm:constr type="lMarg" refType="primFontSz" fact="0.3"/>
+          <dgm:constr type="rMarg" refType="primFontSz" fact="0.3"/>
+        </dgm:constrLst>
+        <dgm:ruleLst>
+          <dgm:rule type="h" val="INF" fact="NaN" max="NaN"/>
+        </dgm:ruleLst>
+      </dgm:layoutNode>
+      <dgm:choose name="Name1">
+        <dgm:if name="Name2" axis="ch" ptType="node" func="cnt" op="gte" val="1">
+          <dgm:layoutNode name="childText" styleLbl="revTx">
+            <dgm:varLst>
+              <dgm:bulletEnabled val="1"/>
+            </dgm:varLst>
+            <dgm:alg type="tx">
+              <dgm:param type="stBulletLvl" val="1"/>
+              <dgm:param type="lnSpAfChP" val="20"/>
+            </dgm:alg>
+            <dgm:shape xmlns:r="http://schemas.openxmlformats.org/officeDocument/2006/relationships" type="rect" r:blip="">
               <dgm:adjLst/>
             </dgm:shape>
-            <dgm:presOf axis="self" ptType="node" cnt="1"/>
-            <dgm:choose name="Name8">
-              <dgm:if name="Name9" func="var" arg="dir" op="equ" val="norm">
-                <dgm:constrLst>
-                  <dgm:constr type="l" for="ch" forName="rootText"/>
-                  <dgm:constr type="t" for="ch" forName="rootText"/>
-                  <dgm:constr type="w" for="ch" forName="rootText" refType="w"/>
-                  <dgm:constr type="h" for="ch" forName="rootText" refType="h"/>
-                  <dgm:constr type="l" for="ch" forName="rootConnector"/>
-                  <dgm:constr type="t" for="ch" forName="rootConnector"/>
-                  <dgm:constr type="w" for="ch" forName="rootConnector" refType="w" refFor="ch" refForName="rootText" fact="0.2"/>
-                  <dgm:constr type="h" for="ch" forName="rootConnector" refType="h" refFor="ch" refForName="rootText"/>
-                </dgm:constrLst>
-              </dgm:if>
-              <dgm:else name="Name10">
-                <dgm:constrLst>
-                  <dgm:constr type="l" for="ch" forName="rootText"/>
-                  <dgm:constr type="t" for="ch" forName="rootText"/>
-                  <dgm:constr type="w" for="ch" forName="rootText" refType="w"/>
-                  <dgm:constr type="h" for="ch" forName="rootText" refType="h"/>
-                  <dgm:constr type="r" for="ch" forName="rootConnector" refType="w"/>
-                  <dgm:constr type="t" for="ch" forName="rootConnector"/>
-                  <dgm:constr type="w" for="ch" forName="rootConnector" refType="w" refFor="ch" refForName="rootText" fact="0.2"/>
-                  <dgm:constr type="h" for="ch" forName="rootConnector" refType="h" refFor="ch" refForName="rootText"/>
-                </dgm:constrLst>
-              </dgm:else>
-            </dgm:choose>
-            <dgm:ruleLst/>
-            <dgm:layoutNode name="rootText" styleLbl="node1">
-              <dgm:alg type="tx"/>
-              <dgm:shape xmlns:r="http://schemas.openxmlformats.org/officeDocument/2006/relationships" type="roundRect" r:blip="">
-                <dgm:adjLst>
-                  <dgm:adj idx="1" val="0.1"/>
-                </dgm:adjLst>
-              </dgm:shape>
-              <dgm:presOf axis="self" ptType="node" cnt="1"/>
-              <dgm:constrLst>
-                <dgm:constr type="tMarg" refType="primFontSz" fact="0.1"/>
-                <dgm:constr type="bMarg" refType="primFontSz" fact="0.1"/>
-                <dgm:constr type="lMarg" refType="primFontSz" fact="0.15"/>
-                <dgm:constr type="rMarg" refType="primFontSz" fact="0.15"/>
-              </dgm:constrLst>
-              <dgm:ruleLst>
-                <dgm:rule type="primFontSz" val="5" fact="NaN" max="NaN"/>
-              </dgm:ruleLst>
-            </dgm:layoutNode>
-            <dgm:layoutNode name="rootConnector" moveWith="rootText">
-              <dgm:alg type="sp"/>
-              <dgm:shape xmlns:r="http://schemas.openxmlformats.org/officeDocument/2006/relationships" type="roundRect" r:blip="" hideGeom="1">
-                <dgm:adjLst>
-                  <dgm:adj idx="1" val="0.1"/>
-                </dgm:adjLst>
-              </dgm:shape>
-              <dgm:presOf axis="self" ptType="node" cnt="1"/>
-              <dgm:constrLst/>
-              <dgm:ruleLst/>
-            </dgm:layoutNode>
+            <dgm:presOf axis="des" ptType="node"/>
+            <dgm:constrLst>
+              <dgm:constr type="tMarg" refType="primFontSz" fact="0.1"/>
+              <dgm:constr type="bMarg" refType="primFontSz" fact="0.1"/>
+              <dgm:constr type="lMarg" refType="w" fact="0.09"/>
+            </dgm:constrLst>
+            <dgm:ruleLst>
+              <dgm:rule type="h" val="INF" fact="NaN" max="NaN"/>
+            </dgm:ruleLst>
           </dgm:layoutNode>
-          <dgm:layoutNode name="childShape">
-            <dgm:alg type="hierChild">
-              <dgm:param type="chAlign" val="l"/>
-              <dgm:param type="linDir" val="fromT"/>
-            </dgm:alg>
-            <dgm:shape xmlns:r="http://schemas.openxmlformats.org/officeDocument/2006/relationships" r:blip="">
-              <dgm:adjLst/>
-            </dgm:shape>
-            <dgm:presOf/>
-            <dgm:constrLst/>
-            <dgm:ruleLst/>
-            <dgm:forEach name="Name11" axis="ch">
-              <dgm:forEach name="Name12" axis="self" ptType="parTrans" cnt="1">
-                <dgm:layoutNode name="Name13">
-                  <dgm:choose name="Name14">
-                    <dgm:if name="Name15" func="var" arg="dir" op="equ" val="norm">
-                      <dgm:alg type="conn">
-                        <dgm:param type="dim" val="1D"/>
-                        <dgm:param type="endSty" val="noArr"/>
-                        <dgm:param type="connRout" val="bend"/>
-                        <dgm:param type="srcNode" val="rootConnector"/>
-                        <dgm:param type="begPts" val="bCtr"/>
-                        <dgm:param type="endPts" val="midL"/>
-                      </dgm:alg>
-                    </dgm:if>
-                    <dgm:else name="Name16">
-                      <dgm:alg type="conn">
-                        <dgm:param type="dim" val="1D"/>
-                        <dgm:param type="endSty" val="noArr"/>
-                        <dgm:param type="connRout" val="bend"/>
-                        <dgm:param type="srcNode" val="rootConnector"/>
-                        <dgm:param type="begPts" val="bCtr"/>
-                        <dgm:param type="endPts" val="midR"/>
-                      </dgm:alg>
-                    </dgm:else>
-                  </dgm:choose>
-                  <dgm:shape xmlns:r="http://schemas.openxmlformats.org/officeDocument/2006/relationships" type="conn" r:blip="">
+        </dgm:if>
+        <dgm:else name="Name3">
+          <dgm:choose name="Name4">
+            <dgm:if name="Name5" axis="par ch" ptType="doc node" func="cnt" op="gte" val="2">
+              <dgm:forEach name="Name6" axis="followSib" ptType="sibTrans" cnt="1">
+                <dgm:layoutNode name="spacer">
+                  <dgm:alg type="sp"/>
+                  <dgm:shape xmlns:r="http://schemas.openxmlformats.org/officeDocument/2006/relationships" r:blip="">
                     <dgm:adjLst/>
                   </dgm:shape>
-                  <dgm:presOf axis="self"/>
-                  <dgm:constrLst>
-                    <dgm:constr type="begPad"/>
-                    <dgm:constr type="endPad"/>
-                  </dgm:constrLst>
+                  <dgm:presOf/>
+                  <dgm:constrLst/>
                   <dgm:ruleLst/>
                 </dgm:layoutNode>
               </dgm:forEach>
-              <dgm:forEach name="Name17" axis="self" ptType="node">
-                <dgm:layoutNode name="childText" styleLbl="bgAcc1">
-                  <dgm:varLst>
-                    <dgm:bulletEnabled val="1"/>
-                  </dgm:varLst>
-                  <dgm:alg type="tx"/>
-                  <dgm:shape xmlns:r="http://schemas.openxmlformats.org/officeDocument/2006/relationships" type="roundRect" r:blip="">
-                    <dgm:adjLst>
-                      <dgm:adj idx="1" val="0.1"/>
-                    </dgm:adjLst>
-                  </dgm:shape>
-                  <dgm:presOf axis="self desOrSelf" ptType="node node" st="1 1" cnt="1 0"/>
-                  <dgm:constrLst>
-                    <dgm:constr type="tMarg" refType="primFontSz" fact="0.1"/>
-                    <dgm:constr type="bMarg" refType="primFontSz" fact="0.1"/>
-                    <dgm:constr type="lMarg" refType="primFontSz" fact="0.15"/>
-                    <dgm:constr type="rMarg" refType="primFontSz" fact="0.15"/>
-                  </dgm:constrLst>
-                  <dgm:ruleLst>
-                    <dgm:rule type="primFontSz" val="5" fact="NaN" max="NaN"/>
-                  </dgm:ruleLst>
-                </dgm:layoutNode>
-              </dgm:forEach>
-            </dgm:forEach>
-          </dgm:layoutNode>
-        </dgm:layoutNode>
-      </dgm:forEach>
+            </dgm:if>
+            <dgm:else name="Name7"/>
+          </dgm:choose>
+        </dgm:else>
+      </dgm:choose>
     </dgm:forEach>
   </dgm:layoutNode>
 </dgm:layoutDef>
@@ -9857,11 +9349,11 @@
 </file>
 
 <file path=ppt/diagrams/quickStyle3.xml><?xml version="1.0" encoding="utf-8"?>
-<dgm:styleDef xmlns:dgm="http://schemas.openxmlformats.org/drawingml/2006/diagram" xmlns:a="http://schemas.openxmlformats.org/drawingml/2006/main" uniqueId="urn:microsoft.com/office/officeart/2005/8/quickstyle/simple5">
+<dgm:styleDef xmlns:dgm="http://schemas.openxmlformats.org/drawingml/2006/diagram" xmlns:a="http://schemas.openxmlformats.org/drawingml/2006/main" uniqueId="urn:microsoft.com/office/officeart/2005/8/quickstyle/simple4">
   <dgm:title val=""/>
   <dgm:desc val=""/>
   <dgm:catLst>
-    <dgm:cat type="simple" pri="10500"/>
+    <dgm:cat type="simple" pri="10400"/>
   </dgm:catLst>
   <dgm:scene3d>
     <a:camera prst="orthographicFront"/>
@@ -9881,7 +9373,7 @@
       <a:fillRef idx="3">
         <a:scrgbClr r="0" g="0" b="0"/>
       </a:fillRef>
-      <a:effectRef idx="3">
+      <a:effectRef idx="2">
         <a:scrgbClr r="0" g="0" b="0"/>
       </a:effectRef>
       <a:fontRef idx="minor">
@@ -9897,13 +9389,13 @@
     <dgm:sp3d/>
     <dgm:txPr/>
     <dgm:style>
-      <a:lnRef idx="0">
+      <a:lnRef idx="1">
         <a:scrgbClr r="0" g="0" b="0"/>
       </a:lnRef>
       <a:fillRef idx="3">
         <a:scrgbClr r="0" g="0" b="0"/>
       </a:fillRef>
-      <a:effectRef idx="3">
+      <a:effectRef idx="2">
         <a:scrgbClr r="0" g="0" b="0"/>
       </a:effectRef>
       <a:fontRef idx="minor">
@@ -9925,7 +9417,7 @@
       <a:fillRef idx="3">
         <a:scrgbClr r="0" g="0" b="0"/>
       </a:fillRef>
-      <a:effectRef idx="3">
+      <a:effectRef idx="0">
         <a:scrgbClr r="0" g="0" b="0"/>
       </a:effectRef>
       <a:fontRef idx="minor">
@@ -9947,7 +9439,7 @@
       <a:fillRef idx="3">
         <a:scrgbClr r="0" g="0" b="0"/>
       </a:fillRef>
-      <a:effectRef idx="3">
+      <a:effectRef idx="2">
         <a:scrgbClr r="0" g="0" b="0"/>
       </a:effectRef>
       <a:fontRef idx="minor">
@@ -9969,7 +9461,7 @@
       <a:fillRef idx="3">
         <a:scrgbClr r="0" g="0" b="0"/>
       </a:fillRef>
-      <a:effectRef idx="3">
+      <a:effectRef idx="2">
         <a:scrgbClr r="0" g="0" b="0"/>
       </a:effectRef>
       <a:fontRef idx="minor">
@@ -9991,7 +9483,7 @@
       <a:fillRef idx="3">
         <a:scrgbClr r="0" g="0" b="0"/>
       </a:fillRef>
-      <a:effectRef idx="3">
+      <a:effectRef idx="2">
         <a:scrgbClr r="0" g="0" b="0"/>
       </a:effectRef>
       <a:fontRef idx="minor">
@@ -10013,7 +9505,7 @@
       <a:fillRef idx="3">
         <a:scrgbClr r="0" g="0" b="0"/>
       </a:fillRef>
-      <a:effectRef idx="3">
+      <a:effectRef idx="2">
         <a:scrgbClr r="0" g="0" b="0"/>
       </a:effectRef>
       <a:fontRef idx="minor">
@@ -10035,7 +9527,7 @@
       <a:fillRef idx="3">
         <a:scrgbClr r="0" g="0" b="0"/>
       </a:fillRef>
-      <a:effectRef idx="3">
+      <a:effectRef idx="2">
         <a:scrgbClr r="0" g="0" b="0"/>
       </a:effectRef>
       <a:fontRef idx="minor">
@@ -10057,7 +9549,7 @@
       <a:fillRef idx="1">
         <a:scrgbClr r="0" g="0" b="0"/>
       </a:fillRef>
-      <a:effectRef idx="3">
+      <a:effectRef idx="2">
         <a:scrgbClr r="0" g="0" b="0"/>
       </a:effectRef>
       <a:fontRef idx="minor"/>
@@ -10077,7 +9569,7 @@
       <a:fillRef idx="1">
         <a:scrgbClr r="0" g="0" b="0"/>
       </a:fillRef>
-      <a:effectRef idx="3">
+      <a:effectRef idx="2">
         <a:scrgbClr r="0" g="0" b="0"/>
       </a:effectRef>
       <a:fontRef idx="minor"/>
@@ -10097,7 +9589,7 @@
       <a:fillRef idx="1">
         <a:scrgbClr r="0" g="0" b="0"/>
       </a:fillRef>
-      <a:effectRef idx="3">
+      <a:effectRef idx="2">
         <a:scrgbClr r="0" g="0" b="0"/>
       </a:effectRef>
       <a:fontRef idx="minor"/>
@@ -10117,7 +9609,7 @@
       <a:fillRef idx="3">
         <a:scrgbClr r="0" g="0" b="0"/>
       </a:fillRef>
-      <a:effectRef idx="3">
+      <a:effectRef idx="2">
         <a:scrgbClr r="0" g="0" b="0"/>
       </a:effectRef>
       <a:fontRef idx="minor">
@@ -10139,7 +9631,7 @@
       <a:fillRef idx="3">
         <a:scrgbClr r="0" g="0" b="0"/>
       </a:fillRef>
-      <a:effectRef idx="3">
+      <a:effectRef idx="2">
         <a:scrgbClr r="0" g="0" b="0"/>
       </a:effectRef>
       <a:fontRef idx="minor">
@@ -10161,7 +9653,7 @@
       <a:fillRef idx="3">
         <a:scrgbClr r="0" g="0" b="0"/>
       </a:fillRef>
-      <a:effectRef idx="3">
+      <a:effectRef idx="2">
         <a:scrgbClr r="0" g="0" b="0"/>
       </a:effectRef>
       <a:fontRef idx="minor">
@@ -10197,10 +9689,10 @@
     <dgm:sp3d/>
     <dgm:txPr/>
     <dgm:style>
-      <a:lnRef idx="1">
+      <a:lnRef idx="2">
         <a:scrgbClr r="0" g="0" b="0"/>
       </a:lnRef>
-      <a:fillRef idx="0">
+      <a:fillRef idx="1">
         <a:scrgbClr r="0" g="0" b="0"/>
       </a:fillRef>
       <a:effectRef idx="1">
@@ -10223,7 +9715,7 @@
       <a:fillRef idx="3">
         <a:scrgbClr r="0" g="0" b="0"/>
       </a:fillRef>
-      <a:effectRef idx="3">
+      <a:effectRef idx="2">
         <a:scrgbClr r="0" g="0" b="0"/>
       </a:effectRef>
       <a:fontRef idx="minor">
@@ -10245,7 +9737,7 @@
       <a:fillRef idx="3">
         <a:scrgbClr r="0" g="0" b="0"/>
       </a:fillRef>
-      <a:effectRef idx="3">
+      <a:effectRef idx="2">
         <a:scrgbClr r="0" g="0" b="0"/>
       </a:effectRef>
       <a:fontRef idx="minor">
@@ -10267,7 +9759,7 @@
       <a:fillRef idx="3">
         <a:scrgbClr r="0" g="0" b="0"/>
       </a:fillRef>
-      <a:effectRef idx="3">
+      <a:effectRef idx="2">
         <a:scrgbClr r="0" g="0" b="0"/>
       </a:effectRef>
       <a:fontRef idx="minor">
@@ -10289,7 +9781,7 @@
       <a:fillRef idx="3">
         <a:scrgbClr r="0" g="0" b="0"/>
       </a:fillRef>
-      <a:effectRef idx="3">
+      <a:effectRef idx="2">
         <a:scrgbClr r="0" g="0" b="0"/>
       </a:effectRef>
       <a:fontRef idx="minor">
@@ -10311,7 +9803,7 @@
       <a:fillRef idx="3">
         <a:scrgbClr r="0" g="0" b="0"/>
       </a:fillRef>
-      <a:effectRef idx="3">
+      <a:effectRef idx="2">
         <a:scrgbClr r="0" g="0" b="0"/>
       </a:effectRef>
       <a:fontRef idx="minor">
@@ -10333,7 +9825,7 @@
       <a:fillRef idx="3">
         <a:scrgbClr r="0" g="0" b="0"/>
       </a:fillRef>
-      <a:effectRef idx="3">
+      <a:effectRef idx="2">
         <a:scrgbClr r="0" g="0" b="0"/>
       </a:effectRef>
       <a:fontRef idx="minor">
@@ -10355,7 +9847,7 @@
       <a:fillRef idx="3">
         <a:scrgbClr r="0" g="0" b="0"/>
       </a:fillRef>
-      <a:effectRef idx="3">
+      <a:effectRef idx="2">
         <a:scrgbClr r="0" g="0" b="0"/>
       </a:effectRef>
       <a:fontRef idx="minor">
@@ -10371,13 +9863,13 @@
     <dgm:sp3d/>
     <dgm:txPr/>
     <dgm:style>
-      <a:lnRef idx="0">
+      <a:lnRef idx="1">
         <a:scrgbClr r="0" g="0" b="0"/>
       </a:lnRef>
       <a:fillRef idx="3">
         <a:scrgbClr r="0" g="0" b="0"/>
       </a:fillRef>
-      <a:effectRef idx="3">
+      <a:effectRef idx="2">
         <a:scrgbClr r="0" g="0" b="0"/>
       </a:effectRef>
       <a:fontRef idx="minor">
@@ -10393,13 +9885,13 @@
     <dgm:sp3d/>
     <dgm:txPr/>
     <dgm:style>
-      <a:lnRef idx="0">
+      <a:lnRef idx="1">
         <a:scrgbClr r="0" g="0" b="0"/>
       </a:lnRef>
       <a:fillRef idx="3">
         <a:scrgbClr r="0" g="0" b="0"/>
       </a:fillRef>
-      <a:effectRef idx="3">
+      <a:effectRef idx="2">
         <a:scrgbClr r="0" g="0" b="0"/>
       </a:effectRef>
       <a:fontRef idx="minor">
@@ -10415,7 +9907,7 @@
     <dgm:sp3d/>
     <dgm:txPr/>
     <dgm:style>
-      <a:lnRef idx="2">
+      <a:lnRef idx="1">
         <a:scrgbClr r="0" g="0" b="0"/>
       </a:lnRef>
       <a:fillRef idx="0">
@@ -10435,7 +9927,7 @@
     <dgm:sp3d/>
     <dgm:txPr/>
     <dgm:style>
-      <a:lnRef idx="2">
+      <a:lnRef idx="1">
         <a:scrgbClr r="0" g="0" b="0"/>
       </a:lnRef>
       <a:fillRef idx="0">
@@ -10455,7 +9947,7 @@
     <dgm:sp3d/>
     <dgm:txPr/>
     <dgm:style>
-      <a:lnRef idx="2">
+      <a:lnRef idx="1">
         <a:scrgbClr r="0" g="0" b="0"/>
       </a:lnRef>
       <a:fillRef idx="0">
@@ -10475,7 +9967,7 @@
     <dgm:sp3d/>
     <dgm:txPr/>
     <dgm:style>
-      <a:lnRef idx="2">
+      <a:lnRef idx="1">
         <a:scrgbClr r="0" g="0" b="0"/>
       </a:lnRef>
       <a:fillRef idx="0">
@@ -10501,7 +9993,7 @@
       <a:fillRef idx="1">
         <a:scrgbClr r="0" g="0" b="0"/>
       </a:fillRef>
-      <a:effectRef idx="2">
+      <a:effectRef idx="0">
         <a:scrgbClr r="0" g="0" b="0"/>
       </a:effectRef>
       <a:fontRef idx="minor"/>
@@ -10521,7 +10013,7 @@
       <a:fillRef idx="1">
         <a:scrgbClr r="0" g="0" b="0"/>
       </a:fillRef>
-      <a:effectRef idx="2">
+      <a:effectRef idx="0">
         <a:scrgbClr r="0" g="0" b="0"/>
       </a:effectRef>
       <a:fontRef idx="minor"/>
@@ -10541,7 +10033,7 @@
       <a:fillRef idx="1">
         <a:scrgbClr r="0" g="0" b="0"/>
       </a:fillRef>
-      <a:effectRef idx="2">
+      <a:effectRef idx="0">
         <a:scrgbClr r="0" g="0" b="0"/>
       </a:effectRef>
       <a:fontRef idx="minor"/>
@@ -10581,7 +10073,7 @@
       <a:fillRef idx="1">
         <a:scrgbClr r="0" g="0" b="0"/>
       </a:fillRef>
-      <a:effectRef idx="2">
+      <a:effectRef idx="0">
         <a:scrgbClr r="0" g="0" b="0"/>
       </a:effectRef>
       <a:fontRef idx="minor"/>
@@ -10601,7 +10093,7 @@
       <a:fillRef idx="1">
         <a:scrgbClr r="0" g="0" b="0"/>
       </a:fillRef>
-      <a:effectRef idx="2">
+      <a:effectRef idx="0">
         <a:scrgbClr r="0" g="0" b="0"/>
       </a:effectRef>
       <a:fontRef idx="minor"/>
@@ -10621,7 +10113,7 @@
       <a:fillRef idx="1">
         <a:scrgbClr r="0" g="0" b="0"/>
       </a:fillRef>
-      <a:effectRef idx="3">
+      <a:effectRef idx="0">
         <a:scrgbClr r="0" g="0" b="0"/>
       </a:effectRef>
       <a:fontRef idx="minor"/>
@@ -10641,7 +10133,7 @@
       <a:fillRef idx="1">
         <a:scrgbClr r="0" g="0" b="0"/>
       </a:fillRef>
-      <a:effectRef idx="3">
+      <a:effectRef idx="0">
         <a:scrgbClr r="0" g="0" b="0"/>
       </a:effectRef>
       <a:fontRef idx="minor"/>
@@ -10661,7 +10153,7 @@
       <a:fillRef idx="1">
         <a:scrgbClr r="0" g="0" b="0"/>
       </a:fillRef>
-      <a:effectRef idx="2">
+      <a:effectRef idx="0">
         <a:scrgbClr r="0" g="0" b="0"/>
       </a:effectRef>
       <a:fontRef idx="minor"/>
@@ -10681,7 +10173,7 @@
       <a:fillRef idx="1">
         <a:scrgbClr r="0" g="0" b="0"/>
       </a:fillRef>
-      <a:effectRef idx="2">
+      <a:effectRef idx="0">
         <a:scrgbClr r="0" g="0" b="0"/>
       </a:effectRef>
       <a:fontRef idx="minor"/>
@@ -10701,7 +10193,7 @@
       <a:fillRef idx="1">
         <a:scrgbClr r="0" g="0" b="0"/>
       </a:fillRef>
-      <a:effectRef idx="2">
+      <a:effectRef idx="0">
         <a:scrgbClr r="0" g="0" b="0"/>
       </a:effectRef>
       <a:fontRef idx="minor"/>
@@ -10721,7 +10213,7 @@
       <a:fillRef idx="1">
         <a:scrgbClr r="0" g="0" b="0"/>
       </a:fillRef>
-      <a:effectRef idx="2">
+      <a:effectRef idx="0">
         <a:scrgbClr r="0" g="0" b="0"/>
       </a:effectRef>
       <a:fontRef idx="minor"/>
@@ -10741,7 +10233,7 @@
       <a:fillRef idx="1">
         <a:scrgbClr r="0" g="0" b="0"/>
       </a:fillRef>
-      <a:effectRef idx="2">
+      <a:effectRef idx="0">
         <a:scrgbClr r="0" g="0" b="0"/>
       </a:effectRef>
       <a:fontRef idx="minor"/>
@@ -10761,7 +10253,7 @@
       <a:fillRef idx="1">
         <a:scrgbClr r="0" g="0" b="0"/>
       </a:fillRef>
-      <a:effectRef idx="2">
+      <a:effectRef idx="0">
         <a:scrgbClr r="0" g="0" b="0"/>
       </a:effectRef>
       <a:fontRef idx="minor"/>
@@ -10781,7 +10273,7 @@
       <a:fillRef idx="1">
         <a:scrgbClr r="0" g="0" b="0"/>
       </a:fillRef>
-      <a:effectRef idx="2">
+      <a:effectRef idx="0">
         <a:scrgbClr r="0" g="0" b="0"/>
       </a:effectRef>
       <a:fontRef idx="minor"/>
@@ -10821,7 +10313,7 @@
       <a:fillRef idx="1">
         <a:scrgbClr r="0" g="0" b="0"/>
       </a:fillRef>
-      <a:effectRef idx="3">
+      <a:effectRef idx="2">
         <a:scrgbClr r="0" g="0" b="0"/>
       </a:effectRef>
       <a:fontRef idx="minor"/>
@@ -10861,7 +10353,7 @@
       <a:fillRef idx="3">
         <a:scrgbClr r="0" g="0" b="0"/>
       </a:fillRef>
-      <a:effectRef idx="3">
+      <a:effectRef idx="2">
         <a:scrgbClr r="0" g="0" b="0"/>
       </a:effectRef>
       <a:fontRef idx="minor"/>
@@ -14859,7 +14351,7 @@
 </p:sld>
 </file>
 
-<file path=ppt/slides/slide2.xml><?xml version="1.0" encoding="utf-8"?>
+<file path=ppt/slides/slide10.xml><?xml version="1.0" encoding="utf-8"?>
 <p:sld xmlns:a="http://schemas.openxmlformats.org/drawingml/2006/main" xmlns:r="http://schemas.openxmlformats.org/officeDocument/2006/relationships" xmlns:p="http://schemas.openxmlformats.org/presentationml/2006/main">
   <p:cSld>
     <p:bg>
@@ -14886,2823 +14378,10 @@
       </p:grpSpPr>
       <p:sp useBgFill="1">
         <p:nvSpPr>
-          <p:cNvPr id="62" name="Rectangle 61">
+          <p:cNvPr id="22" name="Rectangle 21">
             <a:extLst>
               <a:ext uri="{FF2B5EF4-FFF2-40B4-BE49-F238E27FC236}">
-                <a16:creationId xmlns:a16="http://schemas.microsoft.com/office/drawing/2014/main" id="{2C61293E-6EBE-43EF-A52C-9BEBFD7679D4}"/>
-              </a:ext>
-              <a:ext uri="{C183D7F6-B498-43B3-948B-1728B52AA6E4}">
-                <adec:decorative xmlns:adec="http://schemas.microsoft.com/office/drawing/2017/decorative" val="1"/>
-              </a:ext>
-            </a:extLst>
-          </p:cNvPr>
-          <p:cNvSpPr>
-            <a:spLocks noGrp="1" noRot="1" noChangeAspect="1" noMove="1" noResize="1" noEditPoints="1" noAdjustHandles="1" noChangeArrowheads="1" noChangeShapeType="1" noTextEdit="1"/>
-          </p:cNvSpPr>
-          <p:nvPr>
-            <p:extLst>
-              <p:ext uri="{386F3935-93C4-4BCD-93E2-E3B085C9AB24}">
-                <p16:designElem xmlns:p16="http://schemas.microsoft.com/office/powerpoint/2015/main" val="1"/>
-              </p:ext>
-            </p:extLst>
-          </p:nvPr>
-        </p:nvSpPr>
-        <p:spPr>
-          <a:xfrm>
-            <a:off x="0" y="0"/>
-            <a:ext cx="12188952" cy="6858000"/>
-          </a:xfrm>
-          <a:prstGeom prst="rect">
-            <a:avLst/>
-          </a:prstGeom>
-          <a:ln>
-            <a:noFill/>
-          </a:ln>
-        </p:spPr>
-        <p:style>
-          <a:lnRef idx="2">
-            <a:schemeClr val="accent1">
-              <a:shade val="50000"/>
-            </a:schemeClr>
-          </a:lnRef>
-          <a:fillRef idx="1">
-            <a:schemeClr val="accent1"/>
-          </a:fillRef>
-          <a:effectRef idx="0">
-            <a:schemeClr val="accent1"/>
-          </a:effectRef>
-          <a:fontRef idx="minor">
-            <a:schemeClr val="lt1"/>
-          </a:fontRef>
-        </p:style>
-        <p:txBody>
-          <a:bodyPr rtlCol="0" anchor="ctr"/>
-          <a:lstStyle/>
-          <a:p>
-            <a:pPr algn="ctr"/>
-            <a:endParaRPr lang="en-US"/>
-          </a:p>
-        </p:txBody>
-      </p:sp>
-      <p:sp>
-        <p:nvSpPr>
-          <p:cNvPr id="2" name="Titre 1">
-            <a:extLst>
-              <a:ext uri="{FF2B5EF4-FFF2-40B4-BE49-F238E27FC236}">
-                <a16:creationId xmlns:a16="http://schemas.microsoft.com/office/drawing/2014/main" id="{1BFAC92D-C3C8-0029-CB85-17E8CC49ECBE}"/>
-              </a:ext>
-            </a:extLst>
-          </p:cNvPr>
-          <p:cNvSpPr>
-            <a:spLocks noGrp="1"/>
-          </p:cNvSpPr>
-          <p:nvPr>
-            <p:ph type="title"/>
-          </p:nvPr>
-        </p:nvSpPr>
-        <p:spPr>
-          <a:xfrm>
-            <a:off x="5297762" y="329184"/>
-            <a:ext cx="6251110" cy="1783080"/>
-          </a:xfrm>
-        </p:spPr>
-        <p:txBody>
-          <a:bodyPr anchor="b">
-            <a:normAutofit/>
-          </a:bodyPr>
-          <a:lstStyle/>
-          <a:p>
-            <a:r>
-              <a:rPr lang="fr-FR" sz="5400"/>
-              <a:t>Sommaire</a:t>
-            </a:r>
-            <a:endParaRPr lang="en-GB" sz="5400"/>
-          </a:p>
-        </p:txBody>
-      </p:sp>
-      <p:pic>
-        <p:nvPicPr>
-          <p:cNvPr id="4" name="Picture 4">
-            <a:extLst>
-              <a:ext uri="{FF2B5EF4-FFF2-40B4-BE49-F238E27FC236}">
-                <a16:creationId xmlns:a16="http://schemas.microsoft.com/office/drawing/2014/main" id="{2BE4EED5-5361-9745-6F35-77051066F7DC}"/>
-              </a:ext>
-            </a:extLst>
-          </p:cNvPr>
-          <p:cNvPicPr>
-            <a:picLocks noChangeAspect="1"/>
-          </p:cNvPicPr>
-          <p:nvPr/>
-        </p:nvPicPr>
-        <p:blipFill rotWithShape="1">
-          <a:blip r:embed="rId2"/>
-          <a:srcRect l="10405" r="45962" b="1"/>
-          <a:stretch/>
-        </p:blipFill>
-        <p:spPr>
-          <a:xfrm>
-            <a:off x="1" y="10"/>
-            <a:ext cx="4657344" cy="6857990"/>
-          </a:xfrm>
-          <a:custGeom>
-            <a:avLst/>
-            <a:gdLst/>
-            <a:ahLst/>
-            <a:cxnLst/>
-            <a:rect l="l" t="t" r="r" b="b"/>
-            <a:pathLst>
-              <a:path w="4657344" h="6858000">
-                <a:moveTo>
-                  <a:pt x="0" y="0"/>
-                </a:moveTo>
-                <a:lnTo>
-                  <a:pt x="3429755" y="0"/>
-                </a:lnTo>
-                <a:lnTo>
-                  <a:pt x="3526016" y="148742"/>
-                </a:lnTo>
-                <a:cubicBezTo>
-                  <a:pt x="3657740" y="365513"/>
-                  <a:pt x="3777402" y="589569"/>
-                  <a:pt x="3886489" y="819975"/>
-                </a:cubicBezTo>
-                <a:cubicBezTo>
-                  <a:pt x="3891856" y="833492"/>
-                  <a:pt x="3900663" y="845393"/>
-                  <a:pt x="3912049" y="854514"/>
-                </a:cubicBezTo>
-                <a:cubicBezTo>
-                  <a:pt x="3897352" y="819849"/>
-                  <a:pt x="3883037" y="784928"/>
-                  <a:pt x="3868083" y="750263"/>
-                </a:cubicBezTo>
-                <a:cubicBezTo>
-                  <a:pt x="3806989" y="608712"/>
-                  <a:pt x="3742478" y="469145"/>
-                  <a:pt x="3674155" y="331786"/>
-                </a:cubicBezTo>
-                <a:lnTo>
-                  <a:pt x="3496656" y="0"/>
-                </a:lnTo>
-                <a:lnTo>
-                  <a:pt x="3554371" y="0"/>
-                </a:lnTo>
-                <a:lnTo>
-                  <a:pt x="3661621" y="196614"/>
-                </a:lnTo>
-                <a:cubicBezTo>
-                  <a:pt x="3856899" y="573253"/>
-                  <a:pt x="4021071" y="966066"/>
-                  <a:pt x="4161279" y="1371196"/>
-                </a:cubicBezTo>
-                <a:cubicBezTo>
-                  <a:pt x="4379525" y="2007265"/>
-                  <a:pt x="4530141" y="2664286"/>
-                  <a:pt x="4610660" y="3331516"/>
-                </a:cubicBezTo>
-                <a:cubicBezTo>
-                  <a:pt x="4652837" y="3672965"/>
-                  <a:pt x="4671625" y="4013908"/>
-                  <a:pt x="4645040" y="4357388"/>
-                </a:cubicBezTo>
-                <a:cubicBezTo>
-                  <a:pt x="4613599" y="4758899"/>
-                  <a:pt x="4566181" y="5157998"/>
-                  <a:pt x="4485789" y="5552906"/>
-                </a:cubicBezTo>
-                <a:cubicBezTo>
-                  <a:pt x="4397121" y="5988893"/>
-                  <a:pt x="4276748" y="6414594"/>
-                  <a:pt x="4117769" y="6828295"/>
-                </a:cubicBezTo>
-                <a:lnTo>
-                  <a:pt x="4105288" y="6858000"/>
-                </a:lnTo>
-                <a:lnTo>
-                  <a:pt x="4052520" y="6858000"/>
-                </a:lnTo>
-                <a:lnTo>
-                  <a:pt x="4059369" y="6841549"/>
-                </a:lnTo>
-                <a:cubicBezTo>
-                  <a:pt x="4147276" y="6614016"/>
-                  <a:pt x="4224193" y="6380817"/>
-                  <a:pt x="4291518" y="6142729"/>
-                </a:cubicBezTo>
-                <a:cubicBezTo>
-                  <a:pt x="4350055" y="5935370"/>
-                  <a:pt x="4393256" y="5723695"/>
-                  <a:pt x="4443357" y="5513923"/>
-                </a:cubicBezTo>
-                <a:cubicBezTo>
-                  <a:pt x="4444541" y="5502788"/>
-                  <a:pt x="4445137" y="5491601"/>
-                  <a:pt x="4445146" y="5480401"/>
-                </a:cubicBezTo>
-                <a:cubicBezTo>
-                  <a:pt x="4408465" y="5607635"/>
-                  <a:pt x="4379196" y="5719759"/>
-                  <a:pt x="4344559" y="5830359"/>
-                </a:cubicBezTo>
-                <a:cubicBezTo>
-                  <a:pt x="4254261" y="6118381"/>
-                  <a:pt x="4150112" y="6398531"/>
-                  <a:pt x="4031702" y="6670527"/>
-                </a:cubicBezTo>
-                <a:lnTo>
-                  <a:pt x="3943824" y="6858000"/>
-                </a:lnTo>
-                <a:lnTo>
-                  <a:pt x="0" y="6858000"/>
-                </a:lnTo>
-                <a:close/>
-              </a:path>
-            </a:pathLst>
-          </a:custGeom>
-        </p:spPr>
-      </p:pic>
-      <p:sp>
-        <p:nvSpPr>
-          <p:cNvPr id="64" name="sketchy line">
-            <a:extLst>
-              <a:ext uri="{FF2B5EF4-FFF2-40B4-BE49-F238E27FC236}">
-                <a16:creationId xmlns:a16="http://schemas.microsoft.com/office/drawing/2014/main" id="{21540236-BFD5-4A9D-8840-4703E7F76825}"/>
-              </a:ext>
-              <a:ext uri="{C183D7F6-B498-43B3-948B-1728B52AA6E4}">
-                <adec:decorative xmlns:adec="http://schemas.microsoft.com/office/drawing/2017/decorative" val="1"/>
-              </a:ext>
-            </a:extLst>
-          </p:cNvPr>
-          <p:cNvSpPr>
-            <a:spLocks noGrp="1" noRot="1" noChangeAspect="1" noMove="1" noResize="1" noEditPoints="1" noAdjustHandles="1" noChangeArrowheads="1" noChangeShapeType="1" noTextEdit="1"/>
-          </p:cNvSpPr>
-          <p:nvPr>
-            <p:extLst>
-              <p:ext uri="{386F3935-93C4-4BCD-93E2-E3B085C9AB24}">
-                <p16:designElem xmlns:p16="http://schemas.microsoft.com/office/powerpoint/2015/main" val="1"/>
-              </p:ext>
-            </p:extLst>
-          </p:nvPr>
-        </p:nvSpPr>
-        <p:spPr>
-          <a:xfrm>
-            <a:off x="5297762" y="2374947"/>
-            <a:ext cx="4243589" cy="18288"/>
-          </a:xfrm>
-          <a:custGeom>
-            <a:avLst/>
-            <a:gdLst>
-              <a:gd name="connsiteX0" fmla="*/ 0 w 4243589"/>
-              <a:gd name="connsiteY0" fmla="*/ 0 h 18288"/>
-              <a:gd name="connsiteX1" fmla="*/ 478919 w 4243589"/>
-              <a:gd name="connsiteY1" fmla="*/ 0 h 18288"/>
-              <a:gd name="connsiteX2" fmla="*/ 957839 w 4243589"/>
-              <a:gd name="connsiteY2" fmla="*/ 0 h 18288"/>
-              <a:gd name="connsiteX3" fmla="*/ 1521630 w 4243589"/>
-              <a:gd name="connsiteY3" fmla="*/ 0 h 18288"/>
-              <a:gd name="connsiteX4" fmla="*/ 2212729 w 4243589"/>
-              <a:gd name="connsiteY4" fmla="*/ 0 h 18288"/>
-              <a:gd name="connsiteX5" fmla="*/ 2734084 w 4243589"/>
-              <a:gd name="connsiteY5" fmla="*/ 0 h 18288"/>
-              <a:gd name="connsiteX6" fmla="*/ 3255439 w 4243589"/>
-              <a:gd name="connsiteY6" fmla="*/ 0 h 18288"/>
-              <a:gd name="connsiteX7" fmla="*/ 4243589 w 4243589"/>
-              <a:gd name="connsiteY7" fmla="*/ 0 h 18288"/>
-              <a:gd name="connsiteX8" fmla="*/ 4243589 w 4243589"/>
-              <a:gd name="connsiteY8" fmla="*/ 18288 h 18288"/>
-              <a:gd name="connsiteX9" fmla="*/ 3594926 w 4243589"/>
-              <a:gd name="connsiteY9" fmla="*/ 18288 h 18288"/>
-              <a:gd name="connsiteX10" fmla="*/ 3073571 w 4243589"/>
-              <a:gd name="connsiteY10" fmla="*/ 18288 h 18288"/>
-              <a:gd name="connsiteX11" fmla="*/ 2552216 w 4243589"/>
-              <a:gd name="connsiteY11" fmla="*/ 18288 h 18288"/>
-              <a:gd name="connsiteX12" fmla="*/ 1903553 w 4243589"/>
-              <a:gd name="connsiteY12" fmla="*/ 18288 h 18288"/>
-              <a:gd name="connsiteX13" fmla="*/ 1212454 w 4243589"/>
-              <a:gd name="connsiteY13" fmla="*/ 18288 h 18288"/>
-              <a:gd name="connsiteX14" fmla="*/ 733535 w 4243589"/>
-              <a:gd name="connsiteY14" fmla="*/ 18288 h 18288"/>
-              <a:gd name="connsiteX15" fmla="*/ 0 w 4243589"/>
-              <a:gd name="connsiteY15" fmla="*/ 18288 h 18288"/>
-              <a:gd name="connsiteX16" fmla="*/ 0 w 4243589"/>
-              <a:gd name="connsiteY16" fmla="*/ 0 h 18288"/>
-            </a:gdLst>
-            <a:ahLst/>
-            <a:cxnLst>
-              <a:cxn ang="0">
-                <a:pos x="connsiteX0" y="connsiteY0"/>
-              </a:cxn>
-              <a:cxn ang="0">
-                <a:pos x="connsiteX1" y="connsiteY1"/>
-              </a:cxn>
-              <a:cxn ang="0">
-                <a:pos x="connsiteX2" y="connsiteY2"/>
-              </a:cxn>
-              <a:cxn ang="0">
-                <a:pos x="connsiteX3" y="connsiteY3"/>
-              </a:cxn>
-              <a:cxn ang="0">
-                <a:pos x="connsiteX4" y="connsiteY4"/>
-              </a:cxn>
-              <a:cxn ang="0">
-                <a:pos x="connsiteX5" y="connsiteY5"/>
-              </a:cxn>
-              <a:cxn ang="0">
-                <a:pos x="connsiteX6" y="connsiteY6"/>
-              </a:cxn>
-              <a:cxn ang="0">
-                <a:pos x="connsiteX7" y="connsiteY7"/>
-              </a:cxn>
-              <a:cxn ang="0">
-                <a:pos x="connsiteX8" y="connsiteY8"/>
-              </a:cxn>
-              <a:cxn ang="0">
-                <a:pos x="connsiteX9" y="connsiteY9"/>
-              </a:cxn>
-              <a:cxn ang="0">
-                <a:pos x="connsiteX10" y="connsiteY10"/>
-              </a:cxn>
-              <a:cxn ang="0">
-                <a:pos x="connsiteX11" y="connsiteY11"/>
-              </a:cxn>
-              <a:cxn ang="0">
-                <a:pos x="connsiteX12" y="connsiteY12"/>
-              </a:cxn>
-              <a:cxn ang="0">
-                <a:pos x="connsiteX13" y="connsiteY13"/>
-              </a:cxn>
-              <a:cxn ang="0">
-                <a:pos x="connsiteX14" y="connsiteY14"/>
-              </a:cxn>
-              <a:cxn ang="0">
-                <a:pos x="connsiteX15" y="connsiteY15"/>
-              </a:cxn>
-              <a:cxn ang="0">
-                <a:pos x="connsiteX16" y="connsiteY16"/>
-              </a:cxn>
-            </a:cxnLst>
-            <a:rect l="l" t="t" r="r" b="b"/>
-            <a:pathLst>
-              <a:path w="4243589" h="18288" fill="none" extrusionOk="0">
-                <a:moveTo>
-                  <a:pt x="0" y="0"/>
-                </a:moveTo>
-                <a:cubicBezTo>
-                  <a:pt x="213395" y="-21006"/>
-                  <a:pt x="307421" y="-18116"/>
-                  <a:pt x="478919" y="0"/>
-                </a:cubicBezTo>
-                <a:cubicBezTo>
-                  <a:pt x="650417" y="18116"/>
-                  <a:pt x="831092" y="-21237"/>
-                  <a:pt x="957839" y="0"/>
-                </a:cubicBezTo>
-                <a:cubicBezTo>
-                  <a:pt x="1084586" y="21237"/>
-                  <a:pt x="1301682" y="25124"/>
-                  <a:pt x="1521630" y="0"/>
-                </a:cubicBezTo>
-                <a:cubicBezTo>
-                  <a:pt x="1741578" y="-25124"/>
-                  <a:pt x="1970269" y="-29139"/>
-                  <a:pt x="2212729" y="0"/>
-                </a:cubicBezTo>
-                <a:cubicBezTo>
-                  <a:pt x="2455189" y="29139"/>
-                  <a:pt x="2558847" y="-4796"/>
-                  <a:pt x="2734084" y="0"/>
-                </a:cubicBezTo>
-                <a:cubicBezTo>
-                  <a:pt x="2909321" y="4796"/>
-                  <a:pt x="3097217" y="-13409"/>
-                  <a:pt x="3255439" y="0"/>
-                </a:cubicBezTo>
-                <a:cubicBezTo>
-                  <a:pt x="3413662" y="13409"/>
-                  <a:pt x="3979999" y="-10121"/>
-                  <a:pt x="4243589" y="0"/>
-                </a:cubicBezTo>
-                <a:cubicBezTo>
-                  <a:pt x="4244484" y="8974"/>
-                  <a:pt x="4243043" y="9359"/>
-                  <a:pt x="4243589" y="18288"/>
-                </a:cubicBezTo>
-                <a:cubicBezTo>
-                  <a:pt x="4058777" y="31246"/>
-                  <a:pt x="3910348" y="3158"/>
-                  <a:pt x="3594926" y="18288"/>
-                </a:cubicBezTo>
-                <a:cubicBezTo>
-                  <a:pt x="3279504" y="33418"/>
-                  <a:pt x="3319955" y="-3977"/>
-                  <a:pt x="3073571" y="18288"/>
-                </a:cubicBezTo>
-                <a:cubicBezTo>
-                  <a:pt x="2827187" y="40553"/>
-                  <a:pt x="2767387" y="1863"/>
-                  <a:pt x="2552216" y="18288"/>
-                </a:cubicBezTo>
-                <a:cubicBezTo>
-                  <a:pt x="2337046" y="34713"/>
-                  <a:pt x="2181871" y="19527"/>
-                  <a:pt x="1903553" y="18288"/>
-                </a:cubicBezTo>
-                <a:cubicBezTo>
-                  <a:pt x="1625235" y="17049"/>
-                  <a:pt x="1557672" y="24174"/>
-                  <a:pt x="1212454" y="18288"/>
-                </a:cubicBezTo>
-                <a:cubicBezTo>
-                  <a:pt x="867236" y="12402"/>
-                  <a:pt x="874382" y="15627"/>
-                  <a:pt x="733535" y="18288"/>
-                </a:cubicBezTo>
-                <a:cubicBezTo>
-                  <a:pt x="592688" y="20949"/>
-                  <a:pt x="183477" y="14753"/>
-                  <a:pt x="0" y="18288"/>
-                </a:cubicBezTo>
-                <a:cubicBezTo>
-                  <a:pt x="-229" y="14222"/>
-                  <a:pt x="509" y="5816"/>
-                  <a:pt x="0" y="0"/>
-                </a:cubicBezTo>
-                <a:close/>
-              </a:path>
-              <a:path w="4243589" h="18288" stroke="0" extrusionOk="0">
-                <a:moveTo>
-                  <a:pt x="0" y="0"/>
-                </a:moveTo>
-                <a:cubicBezTo>
-                  <a:pt x="143690" y="16630"/>
-                  <a:pt x="266667" y="14847"/>
-                  <a:pt x="521355" y="0"/>
-                </a:cubicBezTo>
-                <a:cubicBezTo>
-                  <a:pt x="776043" y="-14847"/>
-                  <a:pt x="814491" y="-17363"/>
-                  <a:pt x="1000275" y="0"/>
-                </a:cubicBezTo>
-                <a:cubicBezTo>
-                  <a:pt x="1186059" y="17363"/>
-                  <a:pt x="1352504" y="-23507"/>
-                  <a:pt x="1521630" y="0"/>
-                </a:cubicBezTo>
-                <a:cubicBezTo>
-                  <a:pt x="1690756" y="23507"/>
-                  <a:pt x="1889525" y="5871"/>
-                  <a:pt x="2127857" y="0"/>
-                </a:cubicBezTo>
-                <a:cubicBezTo>
-                  <a:pt x="2366189" y="-5871"/>
-                  <a:pt x="2620628" y="-27997"/>
-                  <a:pt x="2776520" y="0"/>
-                </a:cubicBezTo>
-                <a:cubicBezTo>
-                  <a:pt x="2932412" y="27997"/>
-                  <a:pt x="3131683" y="-25073"/>
-                  <a:pt x="3467618" y="0"/>
-                </a:cubicBezTo>
-                <a:cubicBezTo>
-                  <a:pt x="3803553" y="25073"/>
-                  <a:pt x="4017371" y="3071"/>
-                  <a:pt x="4243589" y="0"/>
-                </a:cubicBezTo>
-                <a:cubicBezTo>
-                  <a:pt x="4243134" y="6162"/>
-                  <a:pt x="4243492" y="11775"/>
-                  <a:pt x="4243589" y="18288"/>
-                </a:cubicBezTo>
-                <a:cubicBezTo>
-                  <a:pt x="4017834" y="-5779"/>
-                  <a:pt x="3834586" y="13376"/>
-                  <a:pt x="3594926" y="18288"/>
-                </a:cubicBezTo>
-                <a:cubicBezTo>
-                  <a:pt x="3355266" y="23200"/>
-                  <a:pt x="3204179" y="2869"/>
-                  <a:pt x="2903827" y="18288"/>
-                </a:cubicBezTo>
-                <a:cubicBezTo>
-                  <a:pt x="2603475" y="33707"/>
-                  <a:pt x="2526187" y="46187"/>
-                  <a:pt x="2212729" y="18288"/>
-                </a:cubicBezTo>
-                <a:cubicBezTo>
-                  <a:pt x="1899271" y="-9611"/>
-                  <a:pt x="1966289" y="29692"/>
-                  <a:pt x="1733809" y="18288"/>
-                </a:cubicBezTo>
-                <a:cubicBezTo>
-                  <a:pt x="1501329" y="6884"/>
-                  <a:pt x="1343612" y="12492"/>
-                  <a:pt x="1085146" y="18288"/>
-                </a:cubicBezTo>
-                <a:cubicBezTo>
-                  <a:pt x="826680" y="24084"/>
-                  <a:pt x="778184" y="35607"/>
-                  <a:pt x="521355" y="18288"/>
-                </a:cubicBezTo>
-                <a:cubicBezTo>
-                  <a:pt x="264526" y="969"/>
-                  <a:pt x="120277" y="4268"/>
-                  <a:pt x="0" y="18288"/>
-                </a:cubicBezTo>
-                <a:cubicBezTo>
-                  <a:pt x="766" y="10800"/>
-                  <a:pt x="-457" y="8180"/>
-                  <a:pt x="0" y="0"/>
-                </a:cubicBezTo>
-                <a:close/>
-              </a:path>
-            </a:pathLst>
-          </a:custGeom>
-          <a:solidFill>
-            <a:schemeClr val="accent2"/>
-          </a:solidFill>
-          <a:ln w="44450" cap="rnd">
-            <a:solidFill>
-              <a:schemeClr val="accent2"/>
-            </a:solidFill>
-            <a:round/>
-            <a:extLst>
-              <a:ext uri="{C807C97D-BFC1-408E-A445-0C87EB9F89A2}">
-                <ask:lineSketchStyleProps xmlns:ask="http://schemas.microsoft.com/office/drawing/2018/sketchyshapes" sd="2727557108">
-                  <a:prstGeom prst="rect">
-                    <a:avLst/>
-                  </a:prstGeom>
-                  <ask:type>
-                    <ask:lineSketchFreehand/>
-                  </ask:type>
-                </ask:lineSketchStyleProps>
-              </a:ext>
-            </a:extLst>
-          </a:ln>
-        </p:spPr>
-        <p:style>
-          <a:lnRef idx="2">
-            <a:schemeClr val="accent1">
-              <a:shade val="50000"/>
-            </a:schemeClr>
-          </a:lnRef>
-          <a:fillRef idx="1">
-            <a:schemeClr val="accent1"/>
-          </a:fillRef>
-          <a:effectRef idx="0">
-            <a:schemeClr val="accent1"/>
-          </a:effectRef>
-          <a:fontRef idx="minor">
-            <a:schemeClr val="lt1"/>
-          </a:fontRef>
-        </p:style>
-        <p:txBody>
-          <a:bodyPr rtlCol="0" anchor="ctr"/>
-          <a:lstStyle/>
-          <a:p>
-            <a:pPr algn="ctr"/>
-            <a:endParaRPr lang="en-US"/>
-          </a:p>
-        </p:txBody>
-      </p:sp>
-      <p:graphicFrame>
-        <p:nvGraphicFramePr>
-          <p:cNvPr id="5" name="Espace réservé du contenu 2">
-            <a:extLst>
-              <a:ext uri="{FF2B5EF4-FFF2-40B4-BE49-F238E27FC236}">
-                <a16:creationId xmlns:a16="http://schemas.microsoft.com/office/drawing/2014/main" id="{593DF6DF-3D74-2C0D-9E79-2D2D85554B9E}"/>
-              </a:ext>
-            </a:extLst>
-          </p:cNvPr>
-          <p:cNvGraphicFramePr>
-            <a:graphicFrameLocks noGrp="1"/>
-          </p:cNvGraphicFramePr>
-          <p:nvPr>
-            <p:ph idx="1"/>
-            <p:extLst>
-              <p:ext uri="{D42A27DB-BD31-4B8C-83A1-F6EECF244321}">
-                <p14:modId xmlns:p14="http://schemas.microsoft.com/office/powerpoint/2010/main" val="382595464"/>
-              </p:ext>
-            </p:extLst>
-          </p:nvPr>
-        </p:nvGraphicFramePr>
-        <p:xfrm>
-          <a:off x="5297762" y="2706624"/>
-          <a:ext cx="6251110" cy="3483864"/>
-        </p:xfrm>
-        <a:graphic>
-          <a:graphicData uri="http://schemas.openxmlformats.org/drawingml/2006/diagram">
-            <dgm:relIds xmlns:dgm="http://schemas.openxmlformats.org/drawingml/2006/diagram" xmlns:r="http://schemas.openxmlformats.org/officeDocument/2006/relationships" r:dm="rId3" r:lo="rId4" r:qs="rId5" r:cs="rId6"/>
-          </a:graphicData>
-        </a:graphic>
-      </p:graphicFrame>
-    </p:spTree>
-    <p:extLst>
-      <p:ext uri="{BB962C8B-B14F-4D97-AF65-F5344CB8AC3E}">
-        <p14:creationId xmlns:p14="http://schemas.microsoft.com/office/powerpoint/2010/main" val="2654662807"/>
-      </p:ext>
-    </p:extLst>
-  </p:cSld>
-  <p:clrMapOvr>
-    <a:masterClrMapping/>
-  </p:clrMapOvr>
-</p:sld>
-</file>
-
-<file path=ppt/slides/slide3.xml><?xml version="1.0" encoding="utf-8"?>
-<p:sld xmlns:a="http://schemas.openxmlformats.org/drawingml/2006/main" xmlns:r="http://schemas.openxmlformats.org/officeDocument/2006/relationships" xmlns:p="http://schemas.openxmlformats.org/presentationml/2006/main">
-  <p:cSld>
-    <p:bg>
-      <p:bgPr>
-        <a:solidFill>
-          <a:schemeClr val="bg1"/>
-        </a:solidFill>
-        <a:effectLst/>
-      </p:bgPr>
-    </p:bg>
-    <p:spTree>
-      <p:nvGrpSpPr>
-        <p:cNvPr id="1" name=""/>
-        <p:cNvGrpSpPr/>
-        <p:nvPr/>
-      </p:nvGrpSpPr>
-      <p:grpSpPr>
-        <a:xfrm>
-          <a:off x="0" y="0"/>
-          <a:ext cx="0" cy="0"/>
-          <a:chOff x="0" y="0"/>
-          <a:chExt cx="0" cy="0"/>
-        </a:xfrm>
-      </p:grpSpPr>
-      <p:sp useBgFill="1">
-        <p:nvSpPr>
-          <p:cNvPr id="8" name="Rectangle 7">
-            <a:extLst>
-              <a:ext uri="{FF2B5EF4-FFF2-40B4-BE49-F238E27FC236}">
-                <a16:creationId xmlns:a16="http://schemas.microsoft.com/office/drawing/2014/main" id="{907EF6B7-1338-4443-8C46-6A318D952DFD}"/>
-              </a:ext>
-              <a:ext uri="{C183D7F6-B498-43B3-948B-1728B52AA6E4}">
-                <adec:decorative xmlns:adec="http://schemas.microsoft.com/office/drawing/2017/decorative" val="1"/>
-              </a:ext>
-            </a:extLst>
-          </p:cNvPr>
-          <p:cNvSpPr>
-            <a:spLocks noGrp="1" noRot="1" noChangeAspect="1" noMove="1" noResize="1" noEditPoints="1" noAdjustHandles="1" noChangeArrowheads="1" noChangeShapeType="1" noTextEdit="1"/>
-          </p:cNvSpPr>
-          <p:nvPr>
-            <p:extLst>
-              <p:ext uri="{386F3935-93C4-4BCD-93E2-E3B085C9AB24}">
-                <p16:designElem xmlns:p16="http://schemas.microsoft.com/office/powerpoint/2015/main" val="1"/>
-              </p:ext>
-            </p:extLst>
-          </p:nvPr>
-        </p:nvSpPr>
-        <p:spPr>
-          <a:xfrm>
-            <a:off x="3048" y="0"/>
-            <a:ext cx="12188952" cy="6858000"/>
-          </a:xfrm>
-          <a:prstGeom prst="rect">
-            <a:avLst/>
-          </a:prstGeom>
-          <a:ln>
-            <a:noFill/>
-          </a:ln>
-        </p:spPr>
-        <p:style>
-          <a:lnRef idx="2">
-            <a:schemeClr val="accent1">
-              <a:shade val="50000"/>
-            </a:schemeClr>
-          </a:lnRef>
-          <a:fillRef idx="1">
-            <a:schemeClr val="accent1"/>
-          </a:fillRef>
-          <a:effectRef idx="0">
-            <a:schemeClr val="accent1"/>
-          </a:effectRef>
-          <a:fontRef idx="minor">
-            <a:schemeClr val="lt1"/>
-          </a:fontRef>
-        </p:style>
-        <p:txBody>
-          <a:bodyPr rtlCol="0" anchor="ctr"/>
-          <a:lstStyle/>
-          <a:p>
-            <a:pPr algn="ctr"/>
-            <a:endParaRPr lang="en-US"/>
-          </a:p>
-        </p:txBody>
-      </p:sp>
-      <p:sp>
-        <p:nvSpPr>
-          <p:cNvPr id="10" name="Freeform: Shape 9">
-            <a:extLst>
-              <a:ext uri="{FF2B5EF4-FFF2-40B4-BE49-F238E27FC236}">
-                <a16:creationId xmlns:a16="http://schemas.microsoft.com/office/drawing/2014/main" id="{DAAE4CDD-124C-4DCF-9584-B6033B545DD5}"/>
-              </a:ext>
-              <a:ext uri="{C183D7F6-B498-43B3-948B-1728B52AA6E4}">
-                <adec:decorative xmlns:adec="http://schemas.microsoft.com/office/drawing/2017/decorative" val="1"/>
-              </a:ext>
-            </a:extLst>
-          </p:cNvPr>
-          <p:cNvSpPr>
-            <a:spLocks noGrp="1" noRot="1" noChangeAspect="1" noMove="1" noResize="1" noEditPoints="1" noAdjustHandles="1" noChangeArrowheads="1" noChangeShapeType="1" noTextEdit="1"/>
-          </p:cNvSpPr>
-          <p:nvPr>
-            <p:extLst>
-              <p:ext uri="{386F3935-93C4-4BCD-93E2-E3B085C9AB24}">
-                <p16:designElem xmlns:p16="http://schemas.microsoft.com/office/powerpoint/2015/main" val="1"/>
-              </p:ext>
-            </p:extLst>
-          </p:nvPr>
-        </p:nvSpPr>
-        <p:spPr>
-          <a:xfrm>
-            <a:off x="1" y="0"/>
-            <a:ext cx="4167271" cy="6858000"/>
-          </a:xfrm>
-          <a:custGeom>
-            <a:avLst/>
-            <a:gdLst>
-              <a:gd name="connsiteX0" fmla="*/ 0 w 4167271"/>
-              <a:gd name="connsiteY0" fmla="*/ 0 h 6858000"/>
-              <a:gd name="connsiteX1" fmla="*/ 2259550 w 4167271"/>
-              <a:gd name="connsiteY1" fmla="*/ 0 h 6858000"/>
-              <a:gd name="connsiteX2" fmla="*/ 2387803 w 4167271"/>
-              <a:gd name="connsiteY2" fmla="*/ 82222 h 6858000"/>
-              <a:gd name="connsiteX3" fmla="*/ 4167271 w 4167271"/>
-              <a:gd name="connsiteY3" fmla="*/ 3429000 h 6858000"/>
-              <a:gd name="connsiteX4" fmla="*/ 2387803 w 4167271"/>
-              <a:gd name="connsiteY4" fmla="*/ 6775779 h 6858000"/>
-              <a:gd name="connsiteX5" fmla="*/ 2259550 w 4167271"/>
-              <a:gd name="connsiteY5" fmla="*/ 6858000 h 6858000"/>
-              <a:gd name="connsiteX6" fmla="*/ 0 w 4167271"/>
-              <a:gd name="connsiteY6" fmla="*/ 6858000 h 6858000"/>
-            </a:gdLst>
-            <a:ahLst/>
-            <a:cxnLst>
-              <a:cxn ang="0">
-                <a:pos x="connsiteX0" y="connsiteY0"/>
-              </a:cxn>
-              <a:cxn ang="0">
-                <a:pos x="connsiteX1" y="connsiteY1"/>
-              </a:cxn>
-              <a:cxn ang="0">
-                <a:pos x="connsiteX2" y="connsiteY2"/>
-              </a:cxn>
-              <a:cxn ang="0">
-                <a:pos x="connsiteX3" y="connsiteY3"/>
-              </a:cxn>
-              <a:cxn ang="0">
-                <a:pos x="connsiteX4" y="connsiteY4"/>
-              </a:cxn>
-              <a:cxn ang="0">
-                <a:pos x="connsiteX5" y="connsiteY5"/>
-              </a:cxn>
-              <a:cxn ang="0">
-                <a:pos x="connsiteX6" y="connsiteY6"/>
-              </a:cxn>
-            </a:cxnLst>
-            <a:rect l="l" t="t" r="r" b="b"/>
-            <a:pathLst>
-              <a:path w="4167271" h="6858000">
-                <a:moveTo>
-                  <a:pt x="0" y="0"/>
-                </a:moveTo>
-                <a:lnTo>
-                  <a:pt x="2259550" y="0"/>
-                </a:lnTo>
-                <a:lnTo>
-                  <a:pt x="2387803" y="82222"/>
-                </a:lnTo>
-                <a:cubicBezTo>
-                  <a:pt x="3461407" y="807534"/>
-                  <a:pt x="4167271" y="2035835"/>
-                  <a:pt x="4167271" y="3429000"/>
-                </a:cubicBezTo>
-                <a:cubicBezTo>
-                  <a:pt x="4167271" y="4822165"/>
-                  <a:pt x="3461407" y="6050467"/>
-                  <a:pt x="2387803" y="6775779"/>
-                </a:cubicBezTo>
-                <a:lnTo>
-                  <a:pt x="2259550" y="6858000"/>
-                </a:lnTo>
-                <a:lnTo>
-                  <a:pt x="0" y="6858000"/>
-                </a:lnTo>
-                <a:close/>
-              </a:path>
-            </a:pathLst>
-          </a:custGeom>
-          <a:solidFill>
-            <a:schemeClr val="accent2"/>
-          </a:solidFill>
-          <a:ln>
-            <a:noFill/>
-          </a:ln>
-        </p:spPr>
-        <p:style>
-          <a:lnRef idx="2">
-            <a:schemeClr val="accent1">
-              <a:shade val="50000"/>
-            </a:schemeClr>
-          </a:lnRef>
-          <a:fillRef idx="1">
-            <a:schemeClr val="accent1"/>
-          </a:fillRef>
-          <a:effectRef idx="0">
-            <a:schemeClr val="accent1"/>
-          </a:effectRef>
-          <a:fontRef idx="minor">
-            <a:schemeClr val="lt1"/>
-          </a:fontRef>
-        </p:style>
-        <p:txBody>
-          <a:bodyPr rtlCol="0" anchor="ctr"/>
-          <a:lstStyle/>
-          <a:p>
-            <a:pPr algn="ctr"/>
-            <a:endParaRPr lang="en-US"/>
-          </a:p>
-        </p:txBody>
-      </p:sp>
-      <p:sp>
-        <p:nvSpPr>
-          <p:cNvPr id="2" name="Titre 1">
-            <a:extLst>
-              <a:ext uri="{FF2B5EF4-FFF2-40B4-BE49-F238E27FC236}">
-                <a16:creationId xmlns:a16="http://schemas.microsoft.com/office/drawing/2014/main" id="{E298FAF4-3ED3-4AB9-AEAA-1EE7A676FE0B}"/>
-              </a:ext>
-            </a:extLst>
-          </p:cNvPr>
-          <p:cNvSpPr>
-            <a:spLocks noGrp="1"/>
-          </p:cNvSpPr>
-          <p:nvPr>
-            <p:ph type="title"/>
-          </p:nvPr>
-        </p:nvSpPr>
-        <p:spPr>
-          <a:xfrm>
-            <a:off x="686834" y="1153572"/>
-            <a:ext cx="3200400" cy="4461163"/>
-          </a:xfrm>
-        </p:spPr>
-        <p:txBody>
-          <a:bodyPr>
-            <a:normAutofit/>
-          </a:bodyPr>
-          <a:lstStyle/>
-          <a:p>
-            <a:r>
-              <a:rPr lang="fr-FR" dirty="0">
-                <a:solidFill>
-                  <a:srgbClr val="FFFFFF"/>
-                </a:solidFill>
-              </a:rPr>
-              <a:t>Besoin</a:t>
-            </a:r>
-          </a:p>
-        </p:txBody>
-      </p:sp>
-      <p:sp>
-        <p:nvSpPr>
-          <p:cNvPr id="12" name="Arc 11">
-            <a:extLst>
-              <a:ext uri="{FF2B5EF4-FFF2-40B4-BE49-F238E27FC236}">
-                <a16:creationId xmlns:a16="http://schemas.microsoft.com/office/drawing/2014/main" id="{081E4A58-353D-44AE-B2FC-2A74E2E400F7}"/>
-              </a:ext>
-              <a:ext uri="{C183D7F6-B498-43B3-948B-1728B52AA6E4}">
-                <adec:decorative xmlns:adec="http://schemas.microsoft.com/office/drawing/2017/decorative" val="1"/>
-              </a:ext>
-            </a:extLst>
-          </p:cNvPr>
-          <p:cNvSpPr>
-            <a:spLocks noGrp="1" noRot="1" noChangeAspect="1" noMove="1" noResize="1" noEditPoints="1" noAdjustHandles="1" noChangeArrowheads="1" noChangeShapeType="1" noTextEdit="1"/>
-          </p:cNvSpPr>
-          <p:nvPr>
-            <p:extLst>
-              <p:ext uri="{386F3935-93C4-4BCD-93E2-E3B085C9AB24}">
-                <p16:designElem xmlns:p16="http://schemas.microsoft.com/office/powerpoint/2015/main" val="1"/>
-              </p:ext>
-            </p:extLst>
-          </p:nvPr>
-        </p:nvSpPr>
-        <p:spPr>
-          <a:xfrm flipV="1">
-            <a:off x="7550402" y="2455479"/>
-            <a:ext cx="4083433" cy="4083433"/>
-          </a:xfrm>
-          <a:prstGeom prst="arc">
-            <a:avLst/>
-          </a:prstGeom>
-          <a:ln w="127000" cap="rnd">
-            <a:solidFill>
-              <a:schemeClr val="accent4"/>
-            </a:solidFill>
-            <a:prstDash val="dash"/>
-          </a:ln>
-        </p:spPr>
-        <p:style>
-          <a:lnRef idx="1">
-            <a:schemeClr val="accent1"/>
-          </a:lnRef>
-          <a:fillRef idx="0">
-            <a:schemeClr val="accent1"/>
-          </a:fillRef>
-          <a:effectRef idx="0">
-            <a:schemeClr val="accent1"/>
-          </a:effectRef>
-          <a:fontRef idx="minor">
-            <a:schemeClr val="tx1"/>
-          </a:fontRef>
-        </p:style>
-        <p:txBody>
-          <a:bodyPr rtlCol="0" anchor="ctr"/>
-          <a:lstStyle/>
-          <a:p>
-            <a:pPr algn="ctr"/>
-            <a:endParaRPr lang="en-US" dirty="0"/>
-          </a:p>
-        </p:txBody>
-      </p:sp>
-      <p:sp>
-        <p:nvSpPr>
-          <p:cNvPr id="3" name="Espace réservé du contenu 2">
-            <a:extLst>
-              <a:ext uri="{FF2B5EF4-FFF2-40B4-BE49-F238E27FC236}">
-                <a16:creationId xmlns:a16="http://schemas.microsoft.com/office/drawing/2014/main" id="{2F130D4F-A779-4716-919B-61752EAA8953}"/>
-              </a:ext>
-            </a:extLst>
-          </p:cNvPr>
-          <p:cNvSpPr>
-            <a:spLocks noGrp="1"/>
-          </p:cNvSpPr>
-          <p:nvPr>
-            <p:ph idx="1"/>
-          </p:nvPr>
-        </p:nvSpPr>
-        <p:spPr>
-          <a:xfrm>
-            <a:off x="4447308" y="591344"/>
-            <a:ext cx="6906491" cy="5585619"/>
-          </a:xfrm>
-        </p:spPr>
-        <p:txBody>
-          <a:bodyPr anchor="ctr">
-            <a:normAutofit/>
-          </a:bodyPr>
-          <a:lstStyle/>
-          <a:p>
-            <a:endParaRPr lang="fr-FR"/>
-          </a:p>
-        </p:txBody>
-      </p:sp>
-    </p:spTree>
-    <p:extLst>
-      <p:ext uri="{BB962C8B-B14F-4D97-AF65-F5344CB8AC3E}">
-        <p14:creationId xmlns:p14="http://schemas.microsoft.com/office/powerpoint/2010/main" val="3252611891"/>
-      </p:ext>
-    </p:extLst>
-  </p:cSld>
-  <p:clrMapOvr>
-    <a:masterClrMapping/>
-  </p:clrMapOvr>
-</p:sld>
-</file>
-
-<file path=ppt/slides/slide4.xml><?xml version="1.0" encoding="utf-8"?>
-<p:sld xmlns:a="http://schemas.openxmlformats.org/drawingml/2006/main" xmlns:r="http://schemas.openxmlformats.org/officeDocument/2006/relationships" xmlns:p="http://schemas.openxmlformats.org/presentationml/2006/main">
-  <p:cSld>
-    <p:bg>
-      <p:bgPr>
-        <a:solidFill>
-          <a:schemeClr val="bg1"/>
-        </a:solidFill>
-        <a:effectLst/>
-      </p:bgPr>
-    </p:bg>
-    <p:spTree>
-      <p:nvGrpSpPr>
-        <p:cNvPr id="1" name=""/>
-        <p:cNvGrpSpPr/>
-        <p:nvPr/>
-      </p:nvGrpSpPr>
-      <p:grpSpPr>
-        <a:xfrm>
-          <a:off x="0" y="0"/>
-          <a:ext cx="0" cy="0"/>
-          <a:chOff x="0" y="0"/>
-          <a:chExt cx="0" cy="0"/>
-        </a:xfrm>
-      </p:grpSpPr>
-      <p:sp useBgFill="1">
-        <p:nvSpPr>
-          <p:cNvPr id="34" name="Rectangle 33">
-            <a:extLst>
-              <a:ext uri="{FF2B5EF4-FFF2-40B4-BE49-F238E27FC236}">
-                <a16:creationId xmlns:a16="http://schemas.microsoft.com/office/drawing/2014/main" id="{A6D37EE4-EA1B-46EE-A54B-5233C63C9695}"/>
-              </a:ext>
-              <a:ext uri="{C183D7F6-B498-43B3-948B-1728B52AA6E4}">
-                <adec:decorative xmlns:adec="http://schemas.microsoft.com/office/drawing/2017/decorative" val="1"/>
-              </a:ext>
-            </a:extLst>
-          </p:cNvPr>
-          <p:cNvSpPr>
-            <a:spLocks noGrp="1" noRot="1" noChangeAspect="1" noMove="1" noResize="1" noEditPoints="1" noAdjustHandles="1" noChangeArrowheads="1" noChangeShapeType="1" noTextEdit="1"/>
-          </p:cNvSpPr>
-          <p:nvPr>
-            <p:extLst>
-              <p:ext uri="{386F3935-93C4-4BCD-93E2-E3B085C9AB24}">
-                <p16:designElem xmlns:p16="http://schemas.microsoft.com/office/powerpoint/2015/main" val="1"/>
-              </p:ext>
-            </p:extLst>
-          </p:nvPr>
-        </p:nvSpPr>
-        <p:spPr>
-          <a:xfrm>
-            <a:off x="0" y="0"/>
-            <a:ext cx="12188952" cy="6858000"/>
-          </a:xfrm>
-          <a:prstGeom prst="rect">
-            <a:avLst/>
-          </a:prstGeom>
-          <a:ln>
-            <a:noFill/>
-          </a:ln>
-        </p:spPr>
-        <p:style>
-          <a:lnRef idx="2">
-            <a:schemeClr val="accent1">
-              <a:shade val="50000"/>
-            </a:schemeClr>
-          </a:lnRef>
-          <a:fillRef idx="1">
-            <a:schemeClr val="accent1"/>
-          </a:fillRef>
-          <a:effectRef idx="0">
-            <a:schemeClr val="accent1"/>
-          </a:effectRef>
-          <a:fontRef idx="minor">
-            <a:schemeClr val="lt1"/>
-          </a:fontRef>
-        </p:style>
-        <p:txBody>
-          <a:bodyPr rtlCol="0" anchor="ctr"/>
-          <a:lstStyle/>
-          <a:p>
-            <a:pPr algn="ctr"/>
-            <a:endParaRPr lang="en-US"/>
-          </a:p>
-        </p:txBody>
-      </p:sp>
-      <p:sp>
-        <p:nvSpPr>
-          <p:cNvPr id="2" name="Titre 1">
-            <a:extLst>
-              <a:ext uri="{FF2B5EF4-FFF2-40B4-BE49-F238E27FC236}">
-                <a16:creationId xmlns:a16="http://schemas.microsoft.com/office/drawing/2014/main" id="{E1956F6B-A2FB-4BEB-9469-65FC8E39F583}"/>
-              </a:ext>
-            </a:extLst>
-          </p:cNvPr>
-          <p:cNvSpPr>
-            <a:spLocks noGrp="1"/>
-          </p:cNvSpPr>
-          <p:nvPr>
-            <p:ph type="title"/>
-          </p:nvPr>
-        </p:nvSpPr>
-        <p:spPr>
-          <a:xfrm>
-            <a:off x="572493" y="238539"/>
-            <a:ext cx="11047013" cy="1434415"/>
-          </a:xfrm>
-        </p:spPr>
-        <p:txBody>
-          <a:bodyPr anchor="b">
-            <a:normAutofit/>
-          </a:bodyPr>
-          <a:lstStyle/>
-          <a:p>
-            <a:r>
-              <a:rPr lang="fr-FR" sz="5400"/>
-              <a:t>Base de données OLTP</a:t>
-            </a:r>
-          </a:p>
-        </p:txBody>
-      </p:sp>
-      <p:sp>
-        <p:nvSpPr>
-          <p:cNvPr id="36" name="sketch line">
-            <a:extLst>
-              <a:ext uri="{FF2B5EF4-FFF2-40B4-BE49-F238E27FC236}">
-                <a16:creationId xmlns:a16="http://schemas.microsoft.com/office/drawing/2014/main" id="{927D5270-6648-4CC1-8F78-48BE299CAC25}"/>
-              </a:ext>
-              <a:ext uri="{C183D7F6-B498-43B3-948B-1728B52AA6E4}">
-                <adec:decorative xmlns:adec="http://schemas.microsoft.com/office/drawing/2017/decorative" val="1"/>
-              </a:ext>
-            </a:extLst>
-          </p:cNvPr>
-          <p:cNvSpPr>
-            <a:spLocks noGrp="1" noRot="1" noChangeAspect="1" noMove="1" noResize="1" noEditPoints="1" noAdjustHandles="1" noChangeArrowheads="1" noChangeShapeType="1" noTextEdit="1"/>
-          </p:cNvSpPr>
-          <p:nvPr>
-            <p:extLst>
-              <p:ext uri="{386F3935-93C4-4BCD-93E2-E3B085C9AB24}">
-                <p16:designElem xmlns:p16="http://schemas.microsoft.com/office/powerpoint/2015/main" val="1"/>
-              </p:ext>
-            </p:extLst>
-          </p:nvPr>
-        </p:nvSpPr>
-        <p:spPr>
-          <a:xfrm>
-            <a:off x="572493" y="1767709"/>
-            <a:ext cx="10972800" cy="18288"/>
-          </a:xfrm>
-          <a:custGeom>
-            <a:avLst/>
-            <a:gdLst>
-              <a:gd name="connsiteX0" fmla="*/ 0 w 10972800"/>
-              <a:gd name="connsiteY0" fmla="*/ 0 h 18288"/>
-              <a:gd name="connsiteX1" fmla="*/ 356616 w 10972800"/>
-              <a:gd name="connsiteY1" fmla="*/ 0 h 18288"/>
-              <a:gd name="connsiteX2" fmla="*/ 1042416 w 10972800"/>
-              <a:gd name="connsiteY2" fmla="*/ 0 h 18288"/>
-              <a:gd name="connsiteX3" fmla="*/ 1947672 w 10972800"/>
-              <a:gd name="connsiteY3" fmla="*/ 0 h 18288"/>
-              <a:gd name="connsiteX4" fmla="*/ 2633472 w 10972800"/>
-              <a:gd name="connsiteY4" fmla="*/ 0 h 18288"/>
-              <a:gd name="connsiteX5" fmla="*/ 2990088 w 10972800"/>
-              <a:gd name="connsiteY5" fmla="*/ 0 h 18288"/>
-              <a:gd name="connsiteX6" fmla="*/ 3456432 w 10972800"/>
-              <a:gd name="connsiteY6" fmla="*/ 0 h 18288"/>
-              <a:gd name="connsiteX7" fmla="*/ 4361688 w 10972800"/>
-              <a:gd name="connsiteY7" fmla="*/ 0 h 18288"/>
-              <a:gd name="connsiteX8" fmla="*/ 5266944 w 10972800"/>
-              <a:gd name="connsiteY8" fmla="*/ 0 h 18288"/>
-              <a:gd name="connsiteX9" fmla="*/ 6172200 w 10972800"/>
-              <a:gd name="connsiteY9" fmla="*/ 0 h 18288"/>
-              <a:gd name="connsiteX10" fmla="*/ 6528816 w 10972800"/>
-              <a:gd name="connsiteY10" fmla="*/ 0 h 18288"/>
-              <a:gd name="connsiteX11" fmla="*/ 7214616 w 10972800"/>
-              <a:gd name="connsiteY11" fmla="*/ 0 h 18288"/>
-              <a:gd name="connsiteX12" fmla="*/ 7790688 w 10972800"/>
-              <a:gd name="connsiteY12" fmla="*/ 0 h 18288"/>
-              <a:gd name="connsiteX13" fmla="*/ 8147304 w 10972800"/>
-              <a:gd name="connsiteY13" fmla="*/ 0 h 18288"/>
-              <a:gd name="connsiteX14" fmla="*/ 9052560 w 10972800"/>
-              <a:gd name="connsiteY14" fmla="*/ 0 h 18288"/>
-              <a:gd name="connsiteX15" fmla="*/ 9409176 w 10972800"/>
-              <a:gd name="connsiteY15" fmla="*/ 0 h 18288"/>
-              <a:gd name="connsiteX16" fmla="*/ 9765792 w 10972800"/>
-              <a:gd name="connsiteY16" fmla="*/ 0 h 18288"/>
-              <a:gd name="connsiteX17" fmla="*/ 10341864 w 10972800"/>
-              <a:gd name="connsiteY17" fmla="*/ 0 h 18288"/>
-              <a:gd name="connsiteX18" fmla="*/ 10972800 w 10972800"/>
-              <a:gd name="connsiteY18" fmla="*/ 0 h 18288"/>
-              <a:gd name="connsiteX19" fmla="*/ 10972800 w 10972800"/>
-              <a:gd name="connsiteY19" fmla="*/ 18288 h 18288"/>
-              <a:gd name="connsiteX20" fmla="*/ 10177272 w 10972800"/>
-              <a:gd name="connsiteY20" fmla="*/ 18288 h 18288"/>
-              <a:gd name="connsiteX21" fmla="*/ 9820656 w 10972800"/>
-              <a:gd name="connsiteY21" fmla="*/ 18288 h 18288"/>
-              <a:gd name="connsiteX22" fmla="*/ 9464040 w 10972800"/>
-              <a:gd name="connsiteY22" fmla="*/ 18288 h 18288"/>
-              <a:gd name="connsiteX23" fmla="*/ 8778240 w 10972800"/>
-              <a:gd name="connsiteY23" fmla="*/ 18288 h 18288"/>
-              <a:gd name="connsiteX24" fmla="*/ 8421624 w 10972800"/>
-              <a:gd name="connsiteY24" fmla="*/ 18288 h 18288"/>
-              <a:gd name="connsiteX25" fmla="*/ 7735824 w 10972800"/>
-              <a:gd name="connsiteY25" fmla="*/ 18288 h 18288"/>
-              <a:gd name="connsiteX26" fmla="*/ 6940296 w 10972800"/>
-              <a:gd name="connsiteY26" fmla="*/ 18288 h 18288"/>
-              <a:gd name="connsiteX27" fmla="*/ 6254496 w 10972800"/>
-              <a:gd name="connsiteY27" fmla="*/ 18288 h 18288"/>
-              <a:gd name="connsiteX28" fmla="*/ 5458968 w 10972800"/>
-              <a:gd name="connsiteY28" fmla="*/ 18288 h 18288"/>
-              <a:gd name="connsiteX29" fmla="*/ 4663440 w 10972800"/>
-              <a:gd name="connsiteY29" fmla="*/ 18288 h 18288"/>
-              <a:gd name="connsiteX30" fmla="*/ 4306824 w 10972800"/>
-              <a:gd name="connsiteY30" fmla="*/ 18288 h 18288"/>
-              <a:gd name="connsiteX31" fmla="*/ 3840480 w 10972800"/>
-              <a:gd name="connsiteY31" fmla="*/ 18288 h 18288"/>
-              <a:gd name="connsiteX32" fmla="*/ 3264408 w 10972800"/>
-              <a:gd name="connsiteY32" fmla="*/ 18288 h 18288"/>
-              <a:gd name="connsiteX33" fmla="*/ 2578608 w 10972800"/>
-              <a:gd name="connsiteY33" fmla="*/ 18288 h 18288"/>
-              <a:gd name="connsiteX34" fmla="*/ 1673352 w 10972800"/>
-              <a:gd name="connsiteY34" fmla="*/ 18288 h 18288"/>
-              <a:gd name="connsiteX35" fmla="*/ 877824 w 10972800"/>
-              <a:gd name="connsiteY35" fmla="*/ 18288 h 18288"/>
-              <a:gd name="connsiteX36" fmla="*/ 0 w 10972800"/>
-              <a:gd name="connsiteY36" fmla="*/ 18288 h 18288"/>
-              <a:gd name="connsiteX37" fmla="*/ 0 w 10972800"/>
-              <a:gd name="connsiteY37" fmla="*/ 0 h 18288"/>
-            </a:gdLst>
-            <a:ahLst/>
-            <a:cxnLst>
-              <a:cxn ang="0">
-                <a:pos x="connsiteX0" y="connsiteY0"/>
-              </a:cxn>
-              <a:cxn ang="0">
-                <a:pos x="connsiteX1" y="connsiteY1"/>
-              </a:cxn>
-              <a:cxn ang="0">
-                <a:pos x="connsiteX2" y="connsiteY2"/>
-              </a:cxn>
-              <a:cxn ang="0">
-                <a:pos x="connsiteX3" y="connsiteY3"/>
-              </a:cxn>
-              <a:cxn ang="0">
-                <a:pos x="connsiteX4" y="connsiteY4"/>
-              </a:cxn>
-              <a:cxn ang="0">
-                <a:pos x="connsiteX5" y="connsiteY5"/>
-              </a:cxn>
-              <a:cxn ang="0">
-                <a:pos x="connsiteX6" y="connsiteY6"/>
-              </a:cxn>
-              <a:cxn ang="0">
-                <a:pos x="connsiteX7" y="connsiteY7"/>
-              </a:cxn>
-              <a:cxn ang="0">
-                <a:pos x="connsiteX8" y="connsiteY8"/>
-              </a:cxn>
-              <a:cxn ang="0">
-                <a:pos x="connsiteX9" y="connsiteY9"/>
-              </a:cxn>
-              <a:cxn ang="0">
-                <a:pos x="connsiteX10" y="connsiteY10"/>
-              </a:cxn>
-              <a:cxn ang="0">
-                <a:pos x="connsiteX11" y="connsiteY11"/>
-              </a:cxn>
-              <a:cxn ang="0">
-                <a:pos x="connsiteX12" y="connsiteY12"/>
-              </a:cxn>
-              <a:cxn ang="0">
-                <a:pos x="connsiteX13" y="connsiteY13"/>
-              </a:cxn>
-              <a:cxn ang="0">
-                <a:pos x="connsiteX14" y="connsiteY14"/>
-              </a:cxn>
-              <a:cxn ang="0">
-                <a:pos x="connsiteX15" y="connsiteY15"/>
-              </a:cxn>
-              <a:cxn ang="0">
-                <a:pos x="connsiteX16" y="connsiteY16"/>
-              </a:cxn>
-              <a:cxn ang="0">
-                <a:pos x="connsiteX17" y="connsiteY17"/>
-              </a:cxn>
-              <a:cxn ang="0">
-                <a:pos x="connsiteX18" y="connsiteY18"/>
-              </a:cxn>
-              <a:cxn ang="0">
-                <a:pos x="connsiteX19" y="connsiteY19"/>
-              </a:cxn>
-              <a:cxn ang="0">
-                <a:pos x="connsiteX20" y="connsiteY20"/>
-              </a:cxn>
-              <a:cxn ang="0">
-                <a:pos x="connsiteX21" y="connsiteY21"/>
-              </a:cxn>
-              <a:cxn ang="0">
-                <a:pos x="connsiteX22" y="connsiteY22"/>
-              </a:cxn>
-              <a:cxn ang="0">
-                <a:pos x="connsiteX23" y="connsiteY23"/>
-              </a:cxn>
-              <a:cxn ang="0">
-                <a:pos x="connsiteX24" y="connsiteY24"/>
-              </a:cxn>
-              <a:cxn ang="0">
-                <a:pos x="connsiteX25" y="connsiteY25"/>
-              </a:cxn>
-              <a:cxn ang="0">
-                <a:pos x="connsiteX26" y="connsiteY26"/>
-              </a:cxn>
-              <a:cxn ang="0">
-                <a:pos x="connsiteX27" y="connsiteY27"/>
-              </a:cxn>
-              <a:cxn ang="0">
-                <a:pos x="connsiteX28" y="connsiteY28"/>
-              </a:cxn>
-              <a:cxn ang="0">
-                <a:pos x="connsiteX29" y="connsiteY29"/>
-              </a:cxn>
-              <a:cxn ang="0">
-                <a:pos x="connsiteX30" y="connsiteY30"/>
-              </a:cxn>
-              <a:cxn ang="0">
-                <a:pos x="connsiteX31" y="connsiteY31"/>
-              </a:cxn>
-              <a:cxn ang="0">
-                <a:pos x="connsiteX32" y="connsiteY32"/>
-              </a:cxn>
-              <a:cxn ang="0">
-                <a:pos x="connsiteX33" y="connsiteY33"/>
-              </a:cxn>
-              <a:cxn ang="0">
-                <a:pos x="connsiteX34" y="connsiteY34"/>
-              </a:cxn>
-              <a:cxn ang="0">
-                <a:pos x="connsiteX35" y="connsiteY35"/>
-              </a:cxn>
-              <a:cxn ang="0">
-                <a:pos x="connsiteX36" y="connsiteY36"/>
-              </a:cxn>
-              <a:cxn ang="0">
-                <a:pos x="connsiteX37" y="connsiteY37"/>
-              </a:cxn>
-            </a:cxnLst>
-            <a:rect l="l" t="t" r="r" b="b"/>
-            <a:pathLst>
-              <a:path w="10972800" h="18288" fill="none" extrusionOk="0">
-                <a:moveTo>
-                  <a:pt x="0" y="0"/>
-                </a:moveTo>
-                <a:cubicBezTo>
-                  <a:pt x="165916" y="-1866"/>
-                  <a:pt x="188720" y="13756"/>
-                  <a:pt x="356616" y="0"/>
-                </a:cubicBezTo>
-                <a:cubicBezTo>
-                  <a:pt x="524512" y="-13756"/>
-                  <a:pt x="734781" y="8922"/>
-                  <a:pt x="1042416" y="0"/>
-                </a:cubicBezTo>
-                <a:cubicBezTo>
-                  <a:pt x="1350051" y="-8922"/>
-                  <a:pt x="1595982" y="-26315"/>
-                  <a:pt x="1947672" y="0"/>
-                </a:cubicBezTo>
-                <a:cubicBezTo>
-                  <a:pt x="2299362" y="26315"/>
-                  <a:pt x="2292691" y="-19526"/>
-                  <a:pt x="2633472" y="0"/>
-                </a:cubicBezTo>
-                <a:cubicBezTo>
-                  <a:pt x="2974253" y="19526"/>
-                  <a:pt x="2857309" y="10773"/>
-                  <a:pt x="2990088" y="0"/>
-                </a:cubicBezTo>
-                <a:cubicBezTo>
-                  <a:pt x="3122867" y="-10773"/>
-                  <a:pt x="3359343" y="7194"/>
-                  <a:pt x="3456432" y="0"/>
-                </a:cubicBezTo>
-                <a:cubicBezTo>
-                  <a:pt x="3553521" y="-7194"/>
-                  <a:pt x="4136258" y="5108"/>
-                  <a:pt x="4361688" y="0"/>
-                </a:cubicBezTo>
-                <a:cubicBezTo>
-                  <a:pt x="4587118" y="-5108"/>
-                  <a:pt x="4992424" y="-42958"/>
-                  <a:pt x="5266944" y="0"/>
-                </a:cubicBezTo>
-                <a:cubicBezTo>
-                  <a:pt x="5541464" y="42958"/>
-                  <a:pt x="5882966" y="-3430"/>
-                  <a:pt x="6172200" y="0"/>
-                </a:cubicBezTo>
-                <a:cubicBezTo>
-                  <a:pt x="6461434" y="3430"/>
-                  <a:pt x="6432127" y="6688"/>
-                  <a:pt x="6528816" y="0"/>
-                </a:cubicBezTo>
-                <a:cubicBezTo>
-                  <a:pt x="6625505" y="-6688"/>
-                  <a:pt x="6916805" y="-436"/>
-                  <a:pt x="7214616" y="0"/>
-                </a:cubicBezTo>
-                <a:cubicBezTo>
-                  <a:pt x="7512427" y="436"/>
-                  <a:pt x="7626159" y="-6909"/>
-                  <a:pt x="7790688" y="0"/>
-                </a:cubicBezTo>
-                <a:cubicBezTo>
-                  <a:pt x="7955217" y="6909"/>
-                  <a:pt x="8048891" y="15307"/>
-                  <a:pt x="8147304" y="0"/>
-                </a:cubicBezTo>
-                <a:cubicBezTo>
-                  <a:pt x="8245717" y="-15307"/>
-                  <a:pt x="8645618" y="-11734"/>
-                  <a:pt x="9052560" y="0"/>
-                </a:cubicBezTo>
-                <a:cubicBezTo>
-                  <a:pt x="9459502" y="11734"/>
-                  <a:pt x="9320584" y="8388"/>
-                  <a:pt x="9409176" y="0"/>
-                </a:cubicBezTo>
-                <a:cubicBezTo>
-                  <a:pt x="9497768" y="-8388"/>
-                  <a:pt x="9644192" y="8379"/>
-                  <a:pt x="9765792" y="0"/>
-                </a:cubicBezTo>
-                <a:cubicBezTo>
-                  <a:pt x="9887392" y="-8379"/>
-                  <a:pt x="10105220" y="-12663"/>
-                  <a:pt x="10341864" y="0"/>
-                </a:cubicBezTo>
-                <a:cubicBezTo>
-                  <a:pt x="10578508" y="12663"/>
-                  <a:pt x="10773103" y="-5786"/>
-                  <a:pt x="10972800" y="0"/>
-                </a:cubicBezTo>
-                <a:cubicBezTo>
-                  <a:pt x="10972146" y="8818"/>
-                  <a:pt x="10972240" y="13823"/>
-                  <a:pt x="10972800" y="18288"/>
-                </a:cubicBezTo>
-                <a:cubicBezTo>
-                  <a:pt x="10588778" y="31598"/>
-                  <a:pt x="10543381" y="-12698"/>
-                  <a:pt x="10177272" y="18288"/>
-                </a:cubicBezTo>
-                <a:cubicBezTo>
-                  <a:pt x="9811163" y="49274"/>
-                  <a:pt x="9996817" y="25662"/>
-                  <a:pt x="9820656" y="18288"/>
-                </a:cubicBezTo>
-                <a:cubicBezTo>
-                  <a:pt x="9644495" y="10914"/>
-                  <a:pt x="9607007" y="31631"/>
-                  <a:pt x="9464040" y="18288"/>
-                </a:cubicBezTo>
-                <a:cubicBezTo>
-                  <a:pt x="9321073" y="4945"/>
-                  <a:pt x="9114189" y="28940"/>
-                  <a:pt x="8778240" y="18288"/>
-                </a:cubicBezTo>
-                <a:cubicBezTo>
-                  <a:pt x="8442291" y="7636"/>
-                  <a:pt x="8594763" y="987"/>
-                  <a:pt x="8421624" y="18288"/>
-                </a:cubicBezTo>
-                <a:cubicBezTo>
-                  <a:pt x="8248485" y="35589"/>
-                  <a:pt x="7929515" y="37573"/>
-                  <a:pt x="7735824" y="18288"/>
-                </a:cubicBezTo>
-                <a:cubicBezTo>
-                  <a:pt x="7542133" y="-997"/>
-                  <a:pt x="7252504" y="33858"/>
-                  <a:pt x="6940296" y="18288"/>
-                </a:cubicBezTo>
-                <a:cubicBezTo>
-                  <a:pt x="6628088" y="2718"/>
-                  <a:pt x="6528503" y="48389"/>
-                  <a:pt x="6254496" y="18288"/>
-                </a:cubicBezTo>
-                <a:cubicBezTo>
-                  <a:pt x="5980489" y="-11813"/>
-                  <a:pt x="5695784" y="-3740"/>
-                  <a:pt x="5458968" y="18288"/>
-                </a:cubicBezTo>
-                <a:cubicBezTo>
-                  <a:pt x="5222152" y="40316"/>
-                  <a:pt x="5010751" y="19095"/>
-                  <a:pt x="4663440" y="18288"/>
-                </a:cubicBezTo>
-                <a:cubicBezTo>
-                  <a:pt x="4316129" y="17481"/>
-                  <a:pt x="4425552" y="1606"/>
-                  <a:pt x="4306824" y="18288"/>
-                </a:cubicBezTo>
-                <a:cubicBezTo>
-                  <a:pt x="4188096" y="34970"/>
-                  <a:pt x="3941535" y="7481"/>
-                  <a:pt x="3840480" y="18288"/>
-                </a:cubicBezTo>
-                <a:cubicBezTo>
-                  <a:pt x="3739425" y="29095"/>
-                  <a:pt x="3402388" y="17641"/>
-                  <a:pt x="3264408" y="18288"/>
-                </a:cubicBezTo>
-                <a:cubicBezTo>
-                  <a:pt x="3126428" y="18935"/>
-                  <a:pt x="2776779" y="9983"/>
-                  <a:pt x="2578608" y="18288"/>
-                </a:cubicBezTo>
-                <a:cubicBezTo>
-                  <a:pt x="2380437" y="26593"/>
-                  <a:pt x="1909468" y="25818"/>
-                  <a:pt x="1673352" y="18288"/>
-                </a:cubicBezTo>
-                <a:cubicBezTo>
-                  <a:pt x="1437236" y="10758"/>
-                  <a:pt x="1131180" y="49884"/>
-                  <a:pt x="877824" y="18288"/>
-                </a:cubicBezTo>
-                <a:cubicBezTo>
-                  <a:pt x="624468" y="-13308"/>
-                  <a:pt x="206753" y="2195"/>
-                  <a:pt x="0" y="18288"/>
-                </a:cubicBezTo>
-                <a:cubicBezTo>
-                  <a:pt x="313" y="10654"/>
-                  <a:pt x="-263" y="4056"/>
-                  <a:pt x="0" y="0"/>
-                </a:cubicBezTo>
-                <a:close/>
-              </a:path>
-              <a:path w="10972800" h="18288" stroke="0" extrusionOk="0">
-                <a:moveTo>
-                  <a:pt x="0" y="0"/>
-                </a:moveTo>
-                <a:cubicBezTo>
-                  <a:pt x="164017" y="-17675"/>
-                  <a:pt x="309425" y="9913"/>
-                  <a:pt x="466344" y="0"/>
-                </a:cubicBezTo>
-                <a:cubicBezTo>
-                  <a:pt x="623263" y="-9913"/>
-                  <a:pt x="659300" y="-14524"/>
-                  <a:pt x="822960" y="0"/>
-                </a:cubicBezTo>
-                <a:cubicBezTo>
-                  <a:pt x="986620" y="14524"/>
-                  <a:pt x="1105222" y="-16481"/>
-                  <a:pt x="1289304" y="0"/>
-                </a:cubicBezTo>
-                <a:cubicBezTo>
-                  <a:pt x="1473386" y="16481"/>
-                  <a:pt x="1693223" y="26161"/>
-                  <a:pt x="1975104" y="0"/>
-                </a:cubicBezTo>
-                <a:cubicBezTo>
-                  <a:pt x="2256985" y="-26161"/>
-                  <a:pt x="2435781" y="23061"/>
-                  <a:pt x="2770632" y="0"/>
-                </a:cubicBezTo>
-                <a:cubicBezTo>
-                  <a:pt x="3105483" y="-23061"/>
-                  <a:pt x="3247479" y="-44011"/>
-                  <a:pt x="3675888" y="0"/>
-                </a:cubicBezTo>
-                <a:cubicBezTo>
-                  <a:pt x="4104297" y="44011"/>
-                  <a:pt x="4280918" y="4017"/>
-                  <a:pt x="4581144" y="0"/>
-                </a:cubicBezTo>
-                <a:cubicBezTo>
-                  <a:pt x="4881370" y="-4017"/>
-                  <a:pt x="5021699" y="-11889"/>
-                  <a:pt x="5157216" y="0"/>
-                </a:cubicBezTo>
-                <a:cubicBezTo>
-                  <a:pt x="5292733" y="11889"/>
-                  <a:pt x="5603398" y="-17698"/>
-                  <a:pt x="5952744" y="0"/>
-                </a:cubicBezTo>
-                <a:cubicBezTo>
-                  <a:pt x="6302090" y="17698"/>
-                  <a:pt x="6353093" y="-11909"/>
-                  <a:pt x="6638544" y="0"/>
-                </a:cubicBezTo>
-                <a:cubicBezTo>
-                  <a:pt x="6923995" y="11909"/>
-                  <a:pt x="7053404" y="21630"/>
-                  <a:pt x="7214616" y="0"/>
-                </a:cubicBezTo>
-                <a:cubicBezTo>
-                  <a:pt x="7375828" y="-21630"/>
-                  <a:pt x="7837963" y="3886"/>
-                  <a:pt x="8010144" y="0"/>
-                </a:cubicBezTo>
-                <a:cubicBezTo>
-                  <a:pt x="8182325" y="-3886"/>
-                  <a:pt x="8224183" y="16009"/>
-                  <a:pt x="8366760" y="0"/>
-                </a:cubicBezTo>
-                <a:cubicBezTo>
-                  <a:pt x="8509337" y="-16009"/>
-                  <a:pt x="8687920" y="-5720"/>
-                  <a:pt x="8942832" y="0"/>
-                </a:cubicBezTo>
-                <a:cubicBezTo>
-                  <a:pt x="9197744" y="5720"/>
-                  <a:pt x="9368437" y="20479"/>
-                  <a:pt x="9628632" y="0"/>
-                </a:cubicBezTo>
-                <a:cubicBezTo>
-                  <a:pt x="9888827" y="-20479"/>
-                  <a:pt x="10560858" y="-20746"/>
-                  <a:pt x="10972800" y="0"/>
-                </a:cubicBezTo>
-                <a:cubicBezTo>
-                  <a:pt x="10972186" y="5722"/>
-                  <a:pt x="10972980" y="12495"/>
-                  <a:pt x="10972800" y="18288"/>
-                </a:cubicBezTo>
-                <a:cubicBezTo>
-                  <a:pt x="10786146" y="12536"/>
-                  <a:pt x="10623717" y="14033"/>
-                  <a:pt x="10506456" y="18288"/>
-                </a:cubicBezTo>
-                <a:cubicBezTo>
-                  <a:pt x="10389195" y="22543"/>
-                  <a:pt x="10296178" y="20107"/>
-                  <a:pt x="10149840" y="18288"/>
-                </a:cubicBezTo>
-                <a:cubicBezTo>
-                  <a:pt x="10003502" y="16469"/>
-                  <a:pt x="9767530" y="28891"/>
-                  <a:pt x="9464040" y="18288"/>
-                </a:cubicBezTo>
-                <a:cubicBezTo>
-                  <a:pt x="9160550" y="7685"/>
-                  <a:pt x="9229050" y="2659"/>
-                  <a:pt x="8997696" y="18288"/>
-                </a:cubicBezTo>
-                <a:cubicBezTo>
-                  <a:pt x="8766342" y="33917"/>
-                  <a:pt x="8340136" y="34864"/>
-                  <a:pt x="8092440" y="18288"/>
-                </a:cubicBezTo>
-                <a:cubicBezTo>
-                  <a:pt x="7844744" y="1712"/>
-                  <a:pt x="7863720" y="27405"/>
-                  <a:pt x="7735824" y="18288"/>
-                </a:cubicBezTo>
-                <a:cubicBezTo>
-                  <a:pt x="7607928" y="9171"/>
-                  <a:pt x="7323619" y="461"/>
-                  <a:pt x="7050024" y="18288"/>
-                </a:cubicBezTo>
-                <a:cubicBezTo>
-                  <a:pt x="6776429" y="36115"/>
-                  <a:pt x="6787899" y="28206"/>
-                  <a:pt x="6693408" y="18288"/>
-                </a:cubicBezTo>
-                <a:cubicBezTo>
-                  <a:pt x="6598917" y="8370"/>
-                  <a:pt x="6395231" y="19114"/>
-                  <a:pt x="6227064" y="18288"/>
-                </a:cubicBezTo>
-                <a:cubicBezTo>
-                  <a:pt x="6058897" y="17462"/>
-                  <a:pt x="5618582" y="1091"/>
-                  <a:pt x="5431536" y="18288"/>
-                </a:cubicBezTo>
-                <a:cubicBezTo>
-                  <a:pt x="5244490" y="35485"/>
-                  <a:pt x="4729797" y="-9650"/>
-                  <a:pt x="4526280" y="18288"/>
-                </a:cubicBezTo>
-                <a:cubicBezTo>
-                  <a:pt x="4322763" y="46226"/>
-                  <a:pt x="4216797" y="756"/>
-                  <a:pt x="4059936" y="18288"/>
-                </a:cubicBezTo>
-                <a:cubicBezTo>
-                  <a:pt x="3903075" y="35820"/>
-                  <a:pt x="3537912" y="42098"/>
-                  <a:pt x="3374136" y="18288"/>
-                </a:cubicBezTo>
-                <a:cubicBezTo>
-                  <a:pt x="3210360" y="-5522"/>
-                  <a:pt x="3126842" y="39135"/>
-                  <a:pt x="2907792" y="18288"/>
-                </a:cubicBezTo>
-                <a:cubicBezTo>
-                  <a:pt x="2688742" y="-2559"/>
-                  <a:pt x="2490436" y="34100"/>
-                  <a:pt x="2112264" y="18288"/>
-                </a:cubicBezTo>
-                <a:cubicBezTo>
-                  <a:pt x="1734092" y="2476"/>
-                  <a:pt x="1744622" y="-7274"/>
-                  <a:pt x="1536192" y="18288"/>
-                </a:cubicBezTo>
-                <a:cubicBezTo>
-                  <a:pt x="1327762" y="43850"/>
-                  <a:pt x="1189025" y="6435"/>
-                  <a:pt x="1069848" y="18288"/>
-                </a:cubicBezTo>
-                <a:cubicBezTo>
-                  <a:pt x="950671" y="30141"/>
-                  <a:pt x="858345" y="33684"/>
-                  <a:pt x="713232" y="18288"/>
-                </a:cubicBezTo>
-                <a:cubicBezTo>
-                  <a:pt x="568119" y="2892"/>
-                  <a:pt x="250292" y="5410"/>
-                  <a:pt x="0" y="18288"/>
-                </a:cubicBezTo>
-                <a:cubicBezTo>
-                  <a:pt x="465" y="13062"/>
-                  <a:pt x="-894" y="9029"/>
-                  <a:pt x="0" y="0"/>
-                </a:cubicBezTo>
-                <a:close/>
-              </a:path>
-            </a:pathLst>
-          </a:custGeom>
-          <a:solidFill>
-            <a:schemeClr val="accent2">
-              <a:alpha val="75000"/>
-            </a:schemeClr>
-          </a:solidFill>
-          <a:ln w="44450" cap="rnd">
-            <a:solidFill>
-              <a:schemeClr val="accent2">
-                <a:alpha val="75000"/>
-              </a:schemeClr>
-            </a:solidFill>
-            <a:round/>
-            <a:extLst>
-              <a:ext uri="{C807C97D-BFC1-408E-A445-0C87EB9F89A2}">
-                <ask:lineSketchStyleProps xmlns:ask="http://schemas.microsoft.com/office/drawing/2018/sketchyshapes" sd="2727557108">
-                  <a:prstGeom prst="rect">
-                    <a:avLst/>
-                  </a:prstGeom>
-                  <ask:type>
-                    <ask:lineSketchFreehand/>
-                  </ask:type>
-                </ask:lineSketchStyleProps>
-              </a:ext>
-            </a:extLst>
-          </a:ln>
-        </p:spPr>
-        <p:style>
-          <a:lnRef idx="2">
-            <a:schemeClr val="accent1">
-              <a:shade val="50000"/>
-            </a:schemeClr>
-          </a:lnRef>
-          <a:fillRef idx="1">
-            <a:schemeClr val="accent1"/>
-          </a:fillRef>
-          <a:effectRef idx="0">
-            <a:schemeClr val="accent1"/>
-          </a:effectRef>
-          <a:fontRef idx="minor">
-            <a:schemeClr val="lt1"/>
-          </a:fontRef>
-        </p:style>
-        <p:txBody>
-          <a:bodyPr rtlCol="0" anchor="ctr"/>
-          <a:lstStyle/>
-          <a:p>
-            <a:pPr algn="ctr"/>
-            <a:endParaRPr lang="en-US"/>
-          </a:p>
-        </p:txBody>
-      </p:sp>
-      <p:pic>
-        <p:nvPicPr>
-          <p:cNvPr id="6" name="Picture 5" descr="Une image contenant bleu, capture d’écran, Bleu électrique, léger&#10;&#10;Description générée automatiquement">
-            <a:extLst>
-              <a:ext uri="{FF2B5EF4-FFF2-40B4-BE49-F238E27FC236}">
-                <a16:creationId xmlns:a16="http://schemas.microsoft.com/office/drawing/2014/main" id="{3B60AA80-CC07-8FB8-2289-5991C2BD6FBD}"/>
-              </a:ext>
-            </a:extLst>
-          </p:cNvPr>
-          <p:cNvPicPr>
-            <a:picLocks noChangeAspect="1"/>
-          </p:cNvPicPr>
-          <p:nvPr/>
-        </p:nvPicPr>
-        <p:blipFill rotWithShape="1">
-          <a:blip r:embed="rId2"/>
-          <a:srcRect l="26676" r="24780"/>
-          <a:stretch/>
-        </p:blipFill>
-        <p:spPr>
-          <a:xfrm>
-            <a:off x="572492" y="2002056"/>
-            <a:ext cx="3943849" cy="4184060"/>
-          </a:xfrm>
-          <a:custGeom>
-            <a:avLst/>
-            <a:gdLst/>
-            <a:ahLst/>
-            <a:cxnLst/>
-            <a:rect l="l" t="t" r="r" b="b"/>
-            <a:pathLst>
-              <a:path w="3807743" h="6307845">
-                <a:moveTo>
-                  <a:pt x="723201" y="386"/>
-                </a:moveTo>
-                <a:cubicBezTo>
-                  <a:pt x="853884" y="-4204"/>
-                  <a:pt x="1013493" y="33912"/>
-                  <a:pt x="1176100" y="22622"/>
-                </a:cubicBezTo>
-                <a:cubicBezTo>
-                  <a:pt x="1230302" y="18859"/>
-                  <a:pt x="1281736" y="20622"/>
-                  <a:pt x="1331852" y="24473"/>
-                </a:cubicBezTo>
-                <a:lnTo>
-                  <a:pt x="1439547" y="34944"/>
-                </a:lnTo>
-                <a:lnTo>
-                  <a:pt x="1484197" y="36226"/>
-                </a:lnTo>
-                <a:cubicBezTo>
-                  <a:pt x="1535166" y="35421"/>
-                  <a:pt x="1586369" y="31625"/>
-                  <a:pt x="1636625" y="22622"/>
-                </a:cubicBezTo>
-                <a:cubicBezTo>
-                  <a:pt x="1686882" y="13619"/>
-                  <a:pt x="1729837" y="10653"/>
-                  <a:pt x="1768740" y="10885"/>
-                </a:cubicBezTo>
-                <a:lnTo>
-                  <a:pt x="1829538" y="15086"/>
-                </a:lnTo>
-                <a:lnTo>
-                  <a:pt x="1869968" y="7996"/>
-                </a:lnTo>
-                <a:cubicBezTo>
-                  <a:pt x="1953577" y="-31"/>
-                  <a:pt x="2036989" y="9808"/>
-                  <a:pt x="2112925" y="20118"/>
-                </a:cubicBezTo>
-                <a:lnTo>
-                  <a:pt x="2119331" y="20977"/>
-                </a:lnTo>
-                <a:lnTo>
-                  <a:pt x="2221855" y="13374"/>
-                </a:lnTo>
-                <a:cubicBezTo>
-                  <a:pt x="2261207" y="12845"/>
-                  <a:pt x="2298379" y="14359"/>
-                  <a:pt x="2333484" y="16393"/>
-                </a:cubicBezTo>
-                <a:lnTo>
-                  <a:pt x="2372613" y="18812"/>
-                </a:lnTo>
-                <a:lnTo>
-                  <a:pt x="2404945" y="9387"/>
-                </a:lnTo>
-                <a:cubicBezTo>
-                  <a:pt x="2452532" y="1754"/>
-                  <a:pt x="2506192" y="9333"/>
-                  <a:pt x="2561622" y="17814"/>
-                </a:cubicBezTo>
-                <a:lnTo>
-                  <a:pt x="2583950" y="20591"/>
-                </a:lnTo>
-                <a:lnTo>
-                  <a:pt x="2643527" y="20319"/>
-                </a:lnTo>
-                <a:cubicBezTo>
-                  <a:pt x="2669677" y="20426"/>
-                  <a:pt x="2697963" y="20717"/>
-                  <a:pt x="2727392" y="21103"/>
-                </a:cubicBezTo>
-                <a:lnTo>
-                  <a:pt x="2786908" y="21989"/>
-                </a:lnTo>
-                <a:lnTo>
-                  <a:pt x="2846459" y="13267"/>
-                </a:lnTo>
-                <a:cubicBezTo>
-                  <a:pt x="2896401" y="10176"/>
-                  <a:pt x="2960607" y="12733"/>
-                  <a:pt x="3036361" y="17072"/>
-                </a:cubicBezTo>
-                <a:lnTo>
-                  <a:pt x="3129100" y="22671"/>
-                </a:lnTo>
-                <a:lnTo>
-                  <a:pt x="3130653" y="22622"/>
-                </a:lnTo>
-                <a:cubicBezTo>
-                  <a:pt x="3178874" y="19804"/>
-                  <a:pt x="3260845" y="26231"/>
-                  <a:pt x="3352422" y="32691"/>
-                </a:cubicBezTo>
-                <a:lnTo>
-                  <a:pt x="3362608" y="33356"/>
-                </a:lnTo>
-                <a:lnTo>
-                  <a:pt x="3446036" y="35579"/>
-                </a:lnTo>
-                <a:cubicBezTo>
-                  <a:pt x="3550323" y="36566"/>
-                  <a:pt x="3662083" y="33535"/>
-                  <a:pt x="3778601" y="22622"/>
-                </a:cubicBezTo>
-                <a:cubicBezTo>
-                  <a:pt x="3793981" y="243672"/>
-                  <a:pt x="3764152" y="318695"/>
-                  <a:pt x="3778601" y="467157"/>
-                </a:cubicBezTo>
-                <a:cubicBezTo>
-                  <a:pt x="3790077" y="557563"/>
-                  <a:pt x="3783697" y="684218"/>
-                  <a:pt x="3777639" y="811856"/>
-                </a:cubicBezTo>
-                <a:lnTo>
-                  <a:pt x="3773760" y="922625"/>
-                </a:lnTo>
-                <a:lnTo>
-                  <a:pt x="3778601" y="974384"/>
-                </a:lnTo>
-                <a:cubicBezTo>
-                  <a:pt x="3785784" y="1003717"/>
-                  <a:pt x="3785160" y="1041120"/>
-                  <a:pt x="3781239" y="1085904"/>
-                </a:cubicBezTo>
-                <a:lnTo>
-                  <a:pt x="3776107" y="1132519"/>
-                </a:lnTo>
-                <a:lnTo>
-                  <a:pt x="3778601" y="1162456"/>
-                </a:lnTo>
-                <a:cubicBezTo>
-                  <a:pt x="3791360" y="1256797"/>
-                  <a:pt x="3774958" y="1367020"/>
-                  <a:pt x="3763568" y="1469787"/>
-                </a:cubicBezTo>
-                <a:lnTo>
-                  <a:pt x="3758806" y="1520515"/>
-                </a:lnTo>
-                <a:lnTo>
-                  <a:pt x="3760417" y="1549437"/>
-                </a:lnTo>
-                <a:cubicBezTo>
-                  <a:pt x="3764298" y="1588133"/>
-                  <a:pt x="3770171" y="1628243"/>
-                  <a:pt x="3778601" y="1669683"/>
-                </a:cubicBezTo>
-                <a:cubicBezTo>
-                  <a:pt x="3846039" y="2001203"/>
-                  <a:pt x="3774784" y="2142285"/>
-                  <a:pt x="3778601" y="2364982"/>
-                </a:cubicBezTo>
-                <a:lnTo>
-                  <a:pt x="3776565" y="2406088"/>
-                </a:lnTo>
-                <a:lnTo>
-                  <a:pt x="3778601" y="2427673"/>
-                </a:lnTo>
-                <a:cubicBezTo>
-                  <a:pt x="3821357" y="2695960"/>
-                  <a:pt x="3735684" y="2699438"/>
-                  <a:pt x="3778601" y="2809517"/>
-                </a:cubicBezTo>
-                <a:cubicBezTo>
-                  <a:pt x="3789330" y="2837037"/>
-                  <a:pt x="3791666" y="2872927"/>
-                  <a:pt x="3789892" y="2914654"/>
-                </a:cubicBezTo>
-                <a:lnTo>
-                  <a:pt x="3784971" y="2966248"/>
-                </a:lnTo>
-                <a:lnTo>
-                  <a:pt x="3796722" y="3024078"/>
-                </a:lnTo>
-                <a:cubicBezTo>
-                  <a:pt x="3809238" y="3115139"/>
-                  <a:pt x="3806232" y="3210898"/>
-                  <a:pt x="3799338" y="3302850"/>
-                </a:cubicBezTo>
-                <a:lnTo>
-                  <a:pt x="3787405" y="3438354"/>
-                </a:lnTo>
-                <a:lnTo>
-                  <a:pt x="3790719" y="3460532"/>
-                </a:lnTo>
-                <a:cubicBezTo>
-                  <a:pt x="3797323" y="3541872"/>
-                  <a:pt x="3789007" y="3624193"/>
-                  <a:pt x="3780361" y="3709762"/>
-                </a:cubicBezTo>
-                <a:lnTo>
-                  <a:pt x="3780169" y="3712283"/>
-                </a:lnTo>
-                <a:lnTo>
-                  <a:pt x="3781239" y="3768266"/>
-                </a:lnTo>
-                <a:cubicBezTo>
-                  <a:pt x="3780994" y="3815588"/>
-                  <a:pt x="3779902" y="3863939"/>
-                  <a:pt x="3778794" y="3912511"/>
-                </a:cubicBezTo>
-                <a:lnTo>
-                  <a:pt x="3776324" y="4054010"/>
-                </a:lnTo>
-                <a:lnTo>
-                  <a:pt x="3778601" y="4074733"/>
-                </a:lnTo>
-                <a:cubicBezTo>
-                  <a:pt x="3822365" y="4336760"/>
-                  <a:pt x="3765189" y="4482586"/>
-                  <a:pt x="3778601" y="4644650"/>
-                </a:cubicBezTo>
-                <a:cubicBezTo>
-                  <a:pt x="3781954" y="4685166"/>
-                  <a:pt x="3782850" y="4718916"/>
-                  <a:pt x="3782504" y="4749344"/>
-                </a:cubicBezTo>
-                <a:lnTo>
-                  <a:pt x="3780512" y="4796832"/>
-                </a:lnTo>
-                <a:lnTo>
-                  <a:pt x="3786260" y="4877451"/>
-                </a:lnTo>
-                <a:cubicBezTo>
-                  <a:pt x="3786165" y="4918212"/>
-                  <a:pt x="3784020" y="4964155"/>
-                  <a:pt x="3781623" y="5015963"/>
-                </a:cubicBezTo>
-                <a:lnTo>
-                  <a:pt x="3779076" y="5087925"/>
-                </a:lnTo>
-                <a:lnTo>
-                  <a:pt x="3779599" y="5155456"/>
-                </a:lnTo>
-                <a:lnTo>
-                  <a:pt x="3775907" y="5219073"/>
-                </a:lnTo>
-                <a:lnTo>
-                  <a:pt x="3778601" y="5402640"/>
-                </a:lnTo>
-                <a:cubicBezTo>
-                  <a:pt x="3780494" y="5441637"/>
-                  <a:pt x="3781680" y="5475146"/>
-                  <a:pt x="3782335" y="5504141"/>
-                </a:cubicBezTo>
-                <a:lnTo>
-                  <a:pt x="3782798" y="5566951"/>
-                </a:lnTo>
-                <a:lnTo>
-                  <a:pt x="3786885" y="5599303"/>
-                </a:lnTo>
-                <a:cubicBezTo>
-                  <a:pt x="3799534" y="5776838"/>
-                  <a:pt x="3769350" y="6111156"/>
-                  <a:pt x="3778601" y="6291711"/>
-                </a:cubicBezTo>
-                <a:cubicBezTo>
-                  <a:pt x="3687392" y="6306733"/>
-                  <a:pt x="3632350" y="6304889"/>
-                  <a:pt x="3574752" y="6300212"/>
-                </a:cubicBezTo>
-                <a:lnTo>
-                  <a:pt x="3545837" y="6297718"/>
-                </a:lnTo>
-                <a:lnTo>
-                  <a:pt x="3527963" y="6296834"/>
-                </a:lnTo>
-                <a:cubicBezTo>
-                  <a:pt x="3482151" y="6294419"/>
-                  <a:pt x="3430025" y="6291672"/>
-                  <a:pt x="3355561" y="6291711"/>
-                </a:cubicBezTo>
-                <a:cubicBezTo>
-                  <a:pt x="3304843" y="6293555"/>
-                  <a:pt x="3262749" y="6292377"/>
-                  <a:pt x="3225711" y="6290098"/>
-                </a:cubicBezTo>
-                <a:lnTo>
-                  <a:pt x="3218247" y="6289525"/>
-                </a:lnTo>
-                <a:lnTo>
-                  <a:pt x="3198550" y="6289212"/>
-                </a:lnTo>
-                <a:cubicBezTo>
-                  <a:pt x="3144315" y="6287803"/>
-                  <a:pt x="3088976" y="6286105"/>
-                  <a:pt x="3034921" y="6284968"/>
-                </a:cubicBezTo>
-                <a:lnTo>
-                  <a:pt x="2973802" y="6284626"/>
-                </a:lnTo>
-                <a:lnTo>
-                  <a:pt x="2932520" y="6291711"/>
-                </a:lnTo>
-                <a:cubicBezTo>
-                  <a:pt x="2893699" y="6300111"/>
-                  <a:pt x="2847670" y="6301992"/>
-                  <a:pt x="2797581" y="6300669"/>
-                </a:cubicBezTo>
-                <a:lnTo>
-                  <a:pt x="2672392" y="6292599"/>
-                </a:lnTo>
-                <a:lnTo>
-                  <a:pt x="2629726" y="6293120"/>
-                </a:lnTo>
-                <a:lnTo>
-                  <a:pt x="2540544" y="6284698"/>
-                </a:lnTo>
-                <a:lnTo>
-                  <a:pt x="2473475" y="6280786"/>
-                </a:lnTo>
-                <a:cubicBezTo>
-                  <a:pt x="2419724" y="6279900"/>
-                  <a:pt x="2368202" y="6282437"/>
-                  <a:pt x="2322057" y="6291711"/>
-                </a:cubicBezTo>
-                <a:cubicBezTo>
-                  <a:pt x="2275912" y="6300985"/>
-                  <a:pt x="2236301" y="6305003"/>
-                  <a:pt x="2199195" y="6305968"/>
-                </a:cubicBezTo>
-                <a:lnTo>
-                  <a:pt x="2094190" y="6302012"/>
-                </a:lnTo>
-                <a:lnTo>
-                  <a:pt x="2029724" y="6307766"/>
-                </a:lnTo>
-                <a:cubicBezTo>
-                  <a:pt x="1971866" y="6308389"/>
-                  <a:pt x="1916420" y="6305265"/>
-                  <a:pt x="1864312" y="6301339"/>
-                </a:cubicBezTo>
-                <a:lnTo>
-                  <a:pt x="1761307" y="6293375"/>
-                </a:lnTo>
-                <a:lnTo>
-                  <a:pt x="1745972" y="6293782"/>
-                </a:lnTo>
-                <a:cubicBezTo>
-                  <a:pt x="1699734" y="6294177"/>
-                  <a:pt x="1664143" y="6292827"/>
-                  <a:pt x="1633352" y="6291083"/>
-                </a:cubicBezTo>
-                <a:lnTo>
-                  <a:pt x="1621369" y="6290324"/>
-                </a:lnTo>
-                <a:lnTo>
-                  <a:pt x="1599140" y="6291711"/>
-                </a:lnTo>
-                <a:cubicBezTo>
-                  <a:pt x="1564093" y="6296354"/>
-                  <a:pt x="1527169" y="6296254"/>
-                  <a:pt x="1488567" y="6294097"/>
-                </a:cubicBezTo>
-                <a:lnTo>
-                  <a:pt x="1429716" y="6289243"/>
-                </a:lnTo>
-                <a:lnTo>
-                  <a:pt x="1401008" y="6291711"/>
-                </a:lnTo>
-                <a:cubicBezTo>
-                  <a:pt x="1314301" y="6301163"/>
-                  <a:pt x="1222976" y="6299856"/>
-                  <a:pt x="1127367" y="6296839"/>
-                </a:cubicBezTo>
-                <a:lnTo>
-                  <a:pt x="1062601" y="6295730"/>
-                </a:lnTo>
-                <a:lnTo>
-                  <a:pt x="964991" y="6305909"/>
-                </a:lnTo>
-                <a:cubicBezTo>
-                  <a:pt x="833250" y="6307778"/>
-                  <a:pt x="714190" y="6280255"/>
-                  <a:pt x="603122" y="6291711"/>
-                </a:cubicBezTo>
-                <a:cubicBezTo>
-                  <a:pt x="455032" y="6306986"/>
-                  <a:pt x="261206" y="6260346"/>
-                  <a:pt x="30143" y="6291711"/>
-                </a:cubicBezTo>
-                <a:cubicBezTo>
-                  <a:pt x="-1198" y="6167281"/>
-                  <a:pt x="7291" y="6044138"/>
-                  <a:pt x="19371" y="5934598"/>
-                </a:cubicBezTo>
-                <a:lnTo>
-                  <a:pt x="33559" y="5801663"/>
-                </a:lnTo>
-                <a:lnTo>
-                  <a:pt x="30143" y="5784485"/>
-                </a:lnTo>
-                <a:cubicBezTo>
-                  <a:pt x="7257" y="5691455"/>
-                  <a:pt x="7506" y="5585492"/>
-                  <a:pt x="13352" y="5476692"/>
-                </a:cubicBezTo>
-                <a:lnTo>
-                  <a:pt x="21882" y="5346809"/>
-                </a:lnTo>
-                <a:lnTo>
-                  <a:pt x="22064" y="5339439"/>
-                </a:lnTo>
-                <a:lnTo>
-                  <a:pt x="29601" y="5166357"/>
-                </a:lnTo>
-                <a:lnTo>
-                  <a:pt x="30143" y="5151877"/>
-                </a:lnTo>
-                <a:cubicBezTo>
-                  <a:pt x="30018" y="5125783"/>
-                  <a:pt x="30111" y="5102484"/>
-                  <a:pt x="30346" y="5081409"/>
-                </a:cubicBezTo>
-                <a:lnTo>
-                  <a:pt x="30433" y="5076663"/>
-                </a:lnTo>
-                <a:lnTo>
-                  <a:pt x="30143" y="4963804"/>
-                </a:lnTo>
-                <a:cubicBezTo>
-                  <a:pt x="27040" y="4910138"/>
-                  <a:pt x="27067" y="4856021"/>
-                  <a:pt x="28459" y="4800989"/>
-                </a:cubicBezTo>
-                <a:lnTo>
-                  <a:pt x="30399" y="4750796"/>
-                </a:lnTo>
-                <a:lnTo>
-                  <a:pt x="31514" y="4666872"/>
-                </a:lnTo>
-                <a:lnTo>
-                  <a:pt x="34697" y="4639551"/>
-                </a:lnTo>
-                <a:lnTo>
-                  <a:pt x="34963" y="4632686"/>
-                </a:lnTo>
-                <a:cubicBezTo>
-                  <a:pt x="37318" y="4575362"/>
-                  <a:pt x="39271" y="4516661"/>
-                  <a:pt x="39056" y="4456118"/>
-                </a:cubicBezTo>
-                <a:lnTo>
-                  <a:pt x="36996" y="4412759"/>
-                </a:lnTo>
-                <a:lnTo>
-                  <a:pt x="30143" y="4388188"/>
-                </a:lnTo>
-                <a:cubicBezTo>
-                  <a:pt x="7389" y="4328002"/>
-                  <a:pt x="11492" y="4256950"/>
-                  <a:pt x="19232" y="4188739"/>
-                </a:cubicBezTo>
-                <a:lnTo>
-                  <a:pt x="23985" y="4147809"/>
-                </a:lnTo>
-                <a:lnTo>
-                  <a:pt x="23690" y="4087290"/>
-                </a:lnTo>
-                <a:lnTo>
-                  <a:pt x="29097" y="3984687"/>
-                </a:lnTo>
-                <a:lnTo>
-                  <a:pt x="28035" y="3962690"/>
-                </a:lnTo>
-                <a:cubicBezTo>
-                  <a:pt x="28525" y="3945828"/>
-                  <a:pt x="30052" y="3926691"/>
-                  <a:pt x="32148" y="3905387"/>
-                </a:cubicBezTo>
-                <a:lnTo>
-                  <a:pt x="34754" y="3881032"/>
-                </a:lnTo>
-                <a:lnTo>
-                  <a:pt x="39206" y="3802233"/>
-                </a:lnTo>
-                <a:cubicBezTo>
-                  <a:pt x="39778" y="3763353"/>
-                  <a:pt x="37619" y="3728800"/>
-                  <a:pt x="30143" y="3698588"/>
-                </a:cubicBezTo>
-                <a:cubicBezTo>
-                  <a:pt x="7714" y="3607954"/>
-                  <a:pt x="33117" y="3482508"/>
-                  <a:pt x="36579" y="3365983"/>
-                </a:cubicBezTo>
-                <a:lnTo>
-                  <a:pt x="36510" y="3356621"/>
-                </a:lnTo>
-                <a:lnTo>
-                  <a:pt x="30143" y="3311044"/>
-                </a:lnTo>
-                <a:cubicBezTo>
-                  <a:pt x="14271" y="3224157"/>
-                  <a:pt x="11445" y="3149243"/>
-                  <a:pt x="14856" y="3082749"/>
-                </a:cubicBezTo>
-                <a:lnTo>
-                  <a:pt x="22229" y="3005366"/>
-                </a:lnTo>
-                <a:lnTo>
-                  <a:pt x="27244" y="2895198"/>
-                </a:lnTo>
-                <a:cubicBezTo>
-                  <a:pt x="29143" y="2848776"/>
-                  <a:pt x="30527" y="2799531"/>
-                  <a:pt x="30143" y="2746826"/>
-                </a:cubicBezTo>
-                <a:lnTo>
-                  <a:pt x="36784" y="2638240"/>
-                </a:lnTo>
-                <a:lnTo>
-                  <a:pt x="30143" y="2615745"/>
-                </a:lnTo>
-                <a:cubicBezTo>
-                  <a:pt x="-20952" y="2495890"/>
-                  <a:pt x="17898" y="2340273"/>
-                  <a:pt x="37923" y="2201958"/>
-                </a:cubicBezTo>
-                <a:lnTo>
-                  <a:pt x="42734" y="2158379"/>
-                </a:lnTo>
-                <a:lnTo>
-                  <a:pt x="30143" y="2114218"/>
-                </a:lnTo>
-                <a:cubicBezTo>
-                  <a:pt x="2269" y="2040950"/>
-                  <a:pt x="-2735" y="1972014"/>
-                  <a:pt x="1162" y="1906697"/>
-                </a:cubicBezTo>
-                <a:lnTo>
-                  <a:pt x="6289" y="1854885"/>
-                </a:lnTo>
-                <a:lnTo>
-                  <a:pt x="8053" y="1809168"/>
-                </a:lnTo>
-                <a:cubicBezTo>
-                  <a:pt x="9832" y="1790244"/>
-                  <a:pt x="12470" y="1771472"/>
-                  <a:pt x="15415" y="1752867"/>
-                </a:cubicBezTo>
-                <a:lnTo>
-                  <a:pt x="30925" y="1652561"/>
-                </a:lnTo>
-                <a:lnTo>
-                  <a:pt x="30143" y="1606992"/>
-                </a:lnTo>
-                <a:cubicBezTo>
-                  <a:pt x="28397" y="1588584"/>
-                  <a:pt x="27931" y="1568665"/>
-                  <a:pt x="28348" y="1547550"/>
-                </a:cubicBezTo>
-                <a:lnTo>
-                  <a:pt x="29206" y="1531212"/>
-                </a:lnTo>
-                <a:lnTo>
-                  <a:pt x="23637" y="1487282"/>
-                </a:lnTo>
-                <a:cubicBezTo>
-                  <a:pt x="16479" y="1367166"/>
-                  <a:pt x="59638" y="1246041"/>
-                  <a:pt x="30143" y="1156757"/>
-                </a:cubicBezTo>
-                <a:cubicBezTo>
-                  <a:pt x="21716" y="1131248"/>
-                  <a:pt x="18318" y="1090735"/>
-                  <a:pt x="17757" y="1041370"/>
-                </a:cubicBezTo>
-                <a:lnTo>
-                  <a:pt x="18463" y="985697"/>
-                </a:lnTo>
-                <a:lnTo>
-                  <a:pt x="16239" y="975915"/>
-                </a:lnTo>
-                <a:cubicBezTo>
-                  <a:pt x="13541" y="957312"/>
-                  <a:pt x="12597" y="940330"/>
-                  <a:pt x="12862" y="924477"/>
-                </a:cubicBezTo>
-                <a:lnTo>
-                  <a:pt x="23640" y="845857"/>
-                </a:lnTo>
-                <a:lnTo>
-                  <a:pt x="30907" y="688163"/>
-                </a:lnTo>
-                <a:lnTo>
-                  <a:pt x="31375" y="662715"/>
-                </a:lnTo>
-                <a:lnTo>
-                  <a:pt x="30143" y="655230"/>
-                </a:lnTo>
-                <a:cubicBezTo>
-                  <a:pt x="20345" y="615334"/>
-                  <a:pt x="17924" y="569960"/>
-                  <a:pt x="19185" y="520814"/>
-                </a:cubicBezTo>
-                <a:lnTo>
-                  <a:pt x="26662" y="415314"/>
-                </a:lnTo>
-                <a:lnTo>
-                  <a:pt x="25635" y="383217"/>
-                </a:lnTo>
-                <a:cubicBezTo>
-                  <a:pt x="25461" y="243905"/>
-                  <a:pt x="35455" y="113017"/>
-                  <a:pt x="30143" y="22622"/>
-                </a:cubicBezTo>
-                <a:cubicBezTo>
-                  <a:pt x="90096" y="13526"/>
-                  <a:pt x="146841" y="12585"/>
-                  <a:pt x="200495" y="15390"/>
-                </a:cubicBezTo>
-                <a:lnTo>
-                  <a:pt x="324102" y="27794"/>
-                </a:lnTo>
-                <a:lnTo>
-                  <a:pt x="329634" y="27979"/>
-                </a:lnTo>
-                <a:cubicBezTo>
-                  <a:pt x="398332" y="30204"/>
-                  <a:pt x="468106" y="31425"/>
-                  <a:pt x="551798" y="27886"/>
-                </a:cubicBezTo>
-                <a:lnTo>
-                  <a:pt x="592464" y="25476"/>
-                </a:lnTo>
-                <a:lnTo>
-                  <a:pt x="603122" y="22622"/>
-                </a:lnTo>
-                <a:cubicBezTo>
-                  <a:pt x="639294" y="8191"/>
-                  <a:pt x="679641" y="1916"/>
-                  <a:pt x="723201" y="386"/>
-                </a:cubicBezTo>
-                <a:close/>
-              </a:path>
-            </a:pathLst>
-          </a:custGeom>
-        </p:spPr>
-      </p:pic>
-      <p:graphicFrame>
-        <p:nvGraphicFramePr>
-          <p:cNvPr id="5" name="Espace réservé du contenu 2">
-            <a:extLst>
-              <a:ext uri="{FF2B5EF4-FFF2-40B4-BE49-F238E27FC236}">
-                <a16:creationId xmlns:a16="http://schemas.microsoft.com/office/drawing/2014/main" id="{E715A39E-1491-2AE4-A642-A2680E656838}"/>
-              </a:ext>
-            </a:extLst>
-          </p:cNvPr>
-          <p:cNvGraphicFramePr>
-            <a:graphicFrameLocks noGrp="1"/>
-          </p:cNvGraphicFramePr>
-          <p:nvPr>
-            <p:ph idx="1"/>
-            <p:extLst>
-              <p:ext uri="{D42A27DB-BD31-4B8C-83A1-F6EECF244321}">
-                <p14:modId xmlns:p14="http://schemas.microsoft.com/office/powerpoint/2010/main" val="754983151"/>
-              </p:ext>
-            </p:extLst>
-          </p:nvPr>
-        </p:nvGraphicFramePr>
-        <p:xfrm>
-          <a:off x="4905955" y="2071316"/>
-          <a:ext cx="6713552" cy="4114800"/>
-        </p:xfrm>
-        <a:graphic>
-          <a:graphicData uri="http://schemas.openxmlformats.org/drawingml/2006/diagram">
-            <dgm:relIds xmlns:dgm="http://schemas.openxmlformats.org/drawingml/2006/diagram" xmlns:r="http://schemas.openxmlformats.org/officeDocument/2006/relationships" r:dm="rId3" r:lo="rId4" r:qs="rId5" r:cs="rId6"/>
-          </a:graphicData>
-        </a:graphic>
-      </p:graphicFrame>
-    </p:spTree>
-    <p:extLst>
-      <p:ext uri="{BB962C8B-B14F-4D97-AF65-F5344CB8AC3E}">
-        <p14:creationId xmlns:p14="http://schemas.microsoft.com/office/powerpoint/2010/main" val="4045867368"/>
-      </p:ext>
-    </p:extLst>
-  </p:cSld>
-  <p:clrMapOvr>
-    <a:masterClrMapping/>
-  </p:clrMapOvr>
-</p:sld>
-</file>
-
-<file path=ppt/slides/slide5.xml><?xml version="1.0" encoding="utf-8"?>
-<p:sld xmlns:a="http://schemas.openxmlformats.org/drawingml/2006/main" xmlns:r="http://schemas.openxmlformats.org/officeDocument/2006/relationships" xmlns:p="http://schemas.openxmlformats.org/presentationml/2006/main">
-  <p:cSld>
-    <p:spTree>
-      <p:nvGrpSpPr>
-        <p:cNvPr id="1" name=""/>
-        <p:cNvGrpSpPr/>
-        <p:nvPr/>
-      </p:nvGrpSpPr>
-      <p:grpSpPr>
-        <a:xfrm>
-          <a:off x="0" y="0"/>
-          <a:ext cx="0" cy="0"/>
-          <a:chOff x="0" y="0"/>
-          <a:chExt cx="0" cy="0"/>
-        </a:xfrm>
-      </p:grpSpPr>
-      <p:sp>
-        <p:nvSpPr>
-          <p:cNvPr id="2" name="Titre 1">
-            <a:extLst>
-              <a:ext uri="{FF2B5EF4-FFF2-40B4-BE49-F238E27FC236}">
-                <a16:creationId xmlns:a16="http://schemas.microsoft.com/office/drawing/2014/main" id="{552FCD1E-5A4C-EC49-27A3-C3CC036EB23B}"/>
-              </a:ext>
-            </a:extLst>
-          </p:cNvPr>
-          <p:cNvSpPr>
-            <a:spLocks noGrp="1"/>
-          </p:cNvSpPr>
-          <p:nvPr>
-            <p:ph type="title"/>
-          </p:nvPr>
-        </p:nvSpPr>
-        <p:spPr/>
-        <p:txBody>
-          <a:bodyPr/>
-          <a:lstStyle/>
-          <a:p>
-            <a:r>
-              <a:rPr lang="fr-FR" dirty="0"/>
-              <a:t>Conception</a:t>
-            </a:r>
-            <a:endParaRPr lang="en-GB" dirty="0"/>
-          </a:p>
-        </p:txBody>
-      </p:sp>
-      <p:sp>
-        <p:nvSpPr>
-          <p:cNvPr id="3" name="Espace réservé du contenu 2">
-            <a:extLst>
-              <a:ext uri="{FF2B5EF4-FFF2-40B4-BE49-F238E27FC236}">
-                <a16:creationId xmlns:a16="http://schemas.microsoft.com/office/drawing/2014/main" id="{F164FEE1-EC24-6B35-57DA-3ADFA47971B2}"/>
-              </a:ext>
-            </a:extLst>
-          </p:cNvPr>
-          <p:cNvSpPr>
-            <a:spLocks noGrp="1"/>
-          </p:cNvSpPr>
-          <p:nvPr>
-            <p:ph idx="1"/>
-          </p:nvPr>
-        </p:nvSpPr>
-        <p:spPr>
-          <a:xfrm>
-            <a:off x="6531989" y="1690688"/>
-            <a:ext cx="5044126" cy="4351338"/>
-          </a:xfrm>
-        </p:spPr>
-        <p:txBody>
-          <a:bodyPr/>
-          <a:lstStyle/>
-          <a:p>
-            <a:pPr marL="0" indent="0">
-              <a:buNone/>
-            </a:pPr>
-            <a:r>
-              <a:rPr lang="fr-FR" dirty="0"/>
-              <a:t>MLD</a:t>
-            </a:r>
-            <a:endParaRPr lang="en-GB" dirty="0"/>
-          </a:p>
-        </p:txBody>
-      </p:sp>
-      <p:sp>
-        <p:nvSpPr>
-          <p:cNvPr id="4" name="Espace réservé du contenu 2">
-            <a:extLst>
-              <a:ext uri="{FF2B5EF4-FFF2-40B4-BE49-F238E27FC236}">
-                <a16:creationId xmlns:a16="http://schemas.microsoft.com/office/drawing/2014/main" id="{47153AFB-29DE-7F21-4CED-0AB6423AE9BA}"/>
-              </a:ext>
-            </a:extLst>
-          </p:cNvPr>
-          <p:cNvSpPr txBox="1">
-            <a:spLocks/>
-          </p:cNvSpPr>
-          <p:nvPr/>
-        </p:nvSpPr>
-        <p:spPr>
-          <a:xfrm>
-            <a:off x="990600" y="1978025"/>
-            <a:ext cx="5044126" cy="4351338"/>
-          </a:xfrm>
-          <a:prstGeom prst="rect">
-            <a:avLst/>
-          </a:prstGeom>
-        </p:spPr>
-        <p:txBody>
-          <a:bodyPr vert="horz" lIns="91440" tIns="45720" rIns="91440" bIns="45720" rtlCol="0">
-            <a:normAutofit/>
-          </a:bodyPr>
-          <a:lstStyle>
-            <a:lvl1pPr marL="228600" indent="-228600" algn="l" defTabSz="914400" rtl="0" eaLnBrk="1" latinLnBrk="0" hangingPunct="1">
-              <a:lnSpc>
-                <a:spcPct val="90000"/>
-              </a:lnSpc>
-              <a:spcBef>
-                <a:spcPts val="1000"/>
-              </a:spcBef>
-              <a:buFont typeface="Arial" panose="020B0604020202020204" pitchFamily="34" charset="0"/>
-              <a:buChar char="•"/>
-              <a:defRPr sz="2800" kern="1200">
-                <a:solidFill>
-                  <a:schemeClr val="tx1"/>
-                </a:solidFill>
-                <a:latin typeface="+mn-lt"/>
-                <a:ea typeface="+mn-ea"/>
-                <a:cs typeface="+mn-cs"/>
-              </a:defRPr>
-            </a:lvl1pPr>
-            <a:lvl2pPr marL="685800" indent="-228600" algn="l" defTabSz="914400" rtl="0" eaLnBrk="1" latinLnBrk="0" hangingPunct="1">
-              <a:lnSpc>
-                <a:spcPct val="90000"/>
-              </a:lnSpc>
-              <a:spcBef>
-                <a:spcPts val="500"/>
-              </a:spcBef>
-              <a:buFont typeface="Arial" panose="020B0604020202020204" pitchFamily="34" charset="0"/>
-              <a:buChar char="•"/>
-              <a:defRPr sz="2400" kern="1200">
-                <a:solidFill>
-                  <a:schemeClr val="tx1"/>
-                </a:solidFill>
-                <a:latin typeface="+mn-lt"/>
-                <a:ea typeface="+mn-ea"/>
-                <a:cs typeface="+mn-cs"/>
-              </a:defRPr>
-            </a:lvl2pPr>
-            <a:lvl3pPr marL="1143000" indent="-228600" algn="l" defTabSz="914400" rtl="0" eaLnBrk="1" latinLnBrk="0" hangingPunct="1">
-              <a:lnSpc>
-                <a:spcPct val="90000"/>
-              </a:lnSpc>
-              <a:spcBef>
-                <a:spcPts val="500"/>
-              </a:spcBef>
-              <a:buFont typeface="Arial" panose="020B0604020202020204" pitchFamily="34" charset="0"/>
-              <a:buChar char="•"/>
-              <a:defRPr sz="2000" kern="1200">
-                <a:solidFill>
-                  <a:schemeClr val="tx1"/>
-                </a:solidFill>
-                <a:latin typeface="+mn-lt"/>
-                <a:ea typeface="+mn-ea"/>
-                <a:cs typeface="+mn-cs"/>
-              </a:defRPr>
-            </a:lvl3pPr>
-            <a:lvl4pPr marL="1600200" indent="-228600" algn="l" defTabSz="914400" rtl="0" eaLnBrk="1" latinLnBrk="0" hangingPunct="1">
-              <a:lnSpc>
-                <a:spcPct val="90000"/>
-              </a:lnSpc>
-              <a:spcBef>
-                <a:spcPts val="500"/>
-              </a:spcBef>
-              <a:buFont typeface="Arial" panose="020B0604020202020204" pitchFamily="34" charset="0"/>
-              <a:buChar char="•"/>
-              <a:defRPr sz="1800" kern="1200">
-                <a:solidFill>
-                  <a:schemeClr val="tx1"/>
-                </a:solidFill>
-                <a:latin typeface="+mn-lt"/>
-                <a:ea typeface="+mn-ea"/>
-                <a:cs typeface="+mn-cs"/>
-              </a:defRPr>
-            </a:lvl4pPr>
-            <a:lvl5pPr marL="2057400" indent="-228600" algn="l" defTabSz="914400" rtl="0" eaLnBrk="1" latinLnBrk="0" hangingPunct="1">
-              <a:lnSpc>
-                <a:spcPct val="90000"/>
-              </a:lnSpc>
-              <a:spcBef>
-                <a:spcPts val="500"/>
-              </a:spcBef>
-              <a:buFont typeface="Arial" panose="020B0604020202020204" pitchFamily="34" charset="0"/>
-              <a:buChar char="•"/>
-              <a:defRPr sz="1800" kern="1200">
-                <a:solidFill>
-                  <a:schemeClr val="tx1"/>
-                </a:solidFill>
-                <a:latin typeface="+mn-lt"/>
-                <a:ea typeface="+mn-ea"/>
-                <a:cs typeface="+mn-cs"/>
-              </a:defRPr>
-            </a:lvl5pPr>
-            <a:lvl6pPr marL="2514600" indent="-228600" algn="l" defTabSz="914400" rtl="0" eaLnBrk="1" latinLnBrk="0" hangingPunct="1">
-              <a:lnSpc>
-                <a:spcPct val="90000"/>
-              </a:lnSpc>
-              <a:spcBef>
-                <a:spcPts val="500"/>
-              </a:spcBef>
-              <a:buFont typeface="Arial" panose="020B0604020202020204" pitchFamily="34" charset="0"/>
-              <a:buChar char="•"/>
-              <a:defRPr sz="1800" kern="1200">
-                <a:solidFill>
-                  <a:schemeClr val="tx1"/>
-                </a:solidFill>
-                <a:latin typeface="+mn-lt"/>
-                <a:ea typeface="+mn-ea"/>
-                <a:cs typeface="+mn-cs"/>
-              </a:defRPr>
-            </a:lvl6pPr>
-            <a:lvl7pPr marL="2971800" indent="-228600" algn="l" defTabSz="914400" rtl="0" eaLnBrk="1" latinLnBrk="0" hangingPunct="1">
-              <a:lnSpc>
-                <a:spcPct val="90000"/>
-              </a:lnSpc>
-              <a:spcBef>
-                <a:spcPts val="500"/>
-              </a:spcBef>
-              <a:buFont typeface="Arial" panose="020B0604020202020204" pitchFamily="34" charset="0"/>
-              <a:buChar char="•"/>
-              <a:defRPr sz="1800" kern="1200">
-                <a:solidFill>
-                  <a:schemeClr val="tx1"/>
-                </a:solidFill>
-                <a:latin typeface="+mn-lt"/>
-                <a:ea typeface="+mn-ea"/>
-                <a:cs typeface="+mn-cs"/>
-              </a:defRPr>
-            </a:lvl7pPr>
-            <a:lvl8pPr marL="3429000" indent="-228600" algn="l" defTabSz="914400" rtl="0" eaLnBrk="1" latinLnBrk="0" hangingPunct="1">
-              <a:lnSpc>
-                <a:spcPct val="90000"/>
-              </a:lnSpc>
-              <a:spcBef>
-                <a:spcPts val="500"/>
-              </a:spcBef>
-              <a:buFont typeface="Arial" panose="020B0604020202020204" pitchFamily="34" charset="0"/>
-              <a:buChar char="•"/>
-              <a:defRPr sz="1800" kern="1200">
-                <a:solidFill>
-                  <a:schemeClr val="tx1"/>
-                </a:solidFill>
-                <a:latin typeface="+mn-lt"/>
-                <a:ea typeface="+mn-ea"/>
-                <a:cs typeface="+mn-cs"/>
-              </a:defRPr>
-            </a:lvl8pPr>
-            <a:lvl9pPr marL="3886200" indent="-228600" algn="l" defTabSz="914400" rtl="0" eaLnBrk="1" latinLnBrk="0" hangingPunct="1">
-              <a:lnSpc>
-                <a:spcPct val="90000"/>
-              </a:lnSpc>
-              <a:spcBef>
-                <a:spcPts val="500"/>
-              </a:spcBef>
-              <a:buFont typeface="Arial" panose="020B0604020202020204" pitchFamily="34" charset="0"/>
-              <a:buChar char="•"/>
-              <a:defRPr sz="1800" kern="1200">
-                <a:solidFill>
-                  <a:schemeClr val="tx1"/>
-                </a:solidFill>
-                <a:latin typeface="+mn-lt"/>
-                <a:ea typeface="+mn-ea"/>
-                <a:cs typeface="+mn-cs"/>
-              </a:defRPr>
-            </a:lvl9pPr>
-          </a:lstStyle>
-          <a:p>
-            <a:pPr marL="0" indent="0">
-              <a:buFont typeface="Arial" panose="020B0604020202020204" pitchFamily="34" charset="0"/>
-              <a:buNone/>
-            </a:pPr>
-            <a:r>
-              <a:rPr lang="fr-FR"/>
-              <a:t>MCD</a:t>
-            </a:r>
-            <a:endParaRPr lang="en-GB" dirty="0"/>
-          </a:p>
-        </p:txBody>
-      </p:sp>
-    </p:spTree>
-    <p:extLst>
-      <p:ext uri="{BB962C8B-B14F-4D97-AF65-F5344CB8AC3E}">
-        <p14:creationId xmlns:p14="http://schemas.microsoft.com/office/powerpoint/2010/main" val="3680708648"/>
-      </p:ext>
-    </p:extLst>
-  </p:cSld>
-  <p:clrMapOvr>
-    <a:masterClrMapping/>
-  </p:clrMapOvr>
-</p:sld>
-</file>
-
-<file path=ppt/slides/slide6.xml><?xml version="1.0" encoding="utf-8"?>
-<p:sld xmlns:a="http://schemas.openxmlformats.org/drawingml/2006/main" xmlns:r="http://schemas.openxmlformats.org/officeDocument/2006/relationships" xmlns:p="http://schemas.openxmlformats.org/presentationml/2006/main">
-  <p:cSld>
-    <p:bg>
-      <p:bgPr>
-        <a:solidFill>
-          <a:schemeClr val="bg1"/>
-        </a:solidFill>
-        <a:effectLst/>
-      </p:bgPr>
-    </p:bg>
-    <p:spTree>
-      <p:nvGrpSpPr>
-        <p:cNvPr id="1" name=""/>
-        <p:cNvGrpSpPr/>
-        <p:nvPr/>
-      </p:nvGrpSpPr>
-      <p:grpSpPr>
-        <a:xfrm>
-          <a:off x="0" y="0"/>
-          <a:ext cx="0" cy="0"/>
-          <a:chOff x="0" y="0"/>
-          <a:chExt cx="0" cy="0"/>
-        </a:xfrm>
-      </p:grpSpPr>
-      <p:sp useBgFill="1">
-        <p:nvSpPr>
-          <p:cNvPr id="15" name="Rectangle 14">
-            <a:extLst>
-              <a:ext uri="{FF2B5EF4-FFF2-40B4-BE49-F238E27FC236}">
-                <a16:creationId xmlns:a16="http://schemas.microsoft.com/office/drawing/2014/main" id="{45D37F4E-DDB4-456B-97E0-9937730A039F}"/>
+                <a16:creationId xmlns:a16="http://schemas.microsoft.com/office/drawing/2014/main" id="{F13C74B1-5B17-4795-BED0-7140497B445A}"/>
               </a:ext>
               <a:ext uri="{C183D7F6-B498-43B3-948B-1728B52AA6E4}">
                 <adec:decorative xmlns:adec="http://schemas.microsoft.com/office/drawing/2017/decorative" val="1"/>
@@ -17775,8 +14454,8 @@
         </p:nvSpPr>
         <p:spPr>
           <a:xfrm>
-            <a:off x="572493" y="238539"/>
-            <a:ext cx="11018520" cy="1434415"/>
+            <a:off x="640080" y="325369"/>
+            <a:ext cx="4368602" cy="1956841"/>
           </a:xfrm>
         </p:spPr>
         <p:txBody>
@@ -17794,10 +14473,10 @@
       </p:sp>
       <p:sp>
         <p:nvSpPr>
-          <p:cNvPr id="17" name="sketchy line">
+          <p:cNvPr id="24" name="sketchy line">
             <a:extLst>
               <a:ext uri="{FF2B5EF4-FFF2-40B4-BE49-F238E27FC236}">
-                <a16:creationId xmlns:a16="http://schemas.microsoft.com/office/drawing/2014/main" id="{B2DD41CD-8F47-4F56-AD12-4E2FF7696987}"/>
+                <a16:creationId xmlns:a16="http://schemas.microsoft.com/office/drawing/2014/main" id="{D4974D33-8DC5-464E-8C6D-BE58F0669C17}"/>
               </a:ext>
               <a:ext uri="{C183D7F6-B498-43B3-948B-1728B52AA6E4}">
                 <adec:decorative xmlns:adec="http://schemas.microsoft.com/office/drawing/2017/decorative" val="1"/>
@@ -17817,88 +14496,38 @@
         </p:nvSpPr>
         <p:spPr>
           <a:xfrm>
-            <a:off x="572493" y="1681544"/>
-            <a:ext cx="10972800" cy="18288"/>
+            <a:off x="640080" y="2586994"/>
+            <a:ext cx="3474720" cy="18288"/>
           </a:xfrm>
           <a:custGeom>
             <a:avLst/>
             <a:gdLst>
-              <a:gd name="connsiteX0" fmla="*/ 0 w 10972800"/>
+              <a:gd name="connsiteX0" fmla="*/ 0 w 3474720"/>
               <a:gd name="connsiteY0" fmla="*/ 0 h 18288"/>
-              <a:gd name="connsiteX1" fmla="*/ 356616 w 10972800"/>
+              <a:gd name="connsiteX1" fmla="*/ 694944 w 3474720"/>
               <a:gd name="connsiteY1" fmla="*/ 0 h 18288"/>
-              <a:gd name="connsiteX2" fmla="*/ 1042416 w 10972800"/>
+              <a:gd name="connsiteX2" fmla="*/ 1355141 w 3474720"/>
               <a:gd name="connsiteY2" fmla="*/ 0 h 18288"/>
-              <a:gd name="connsiteX3" fmla="*/ 1947672 w 10972800"/>
+              <a:gd name="connsiteX3" fmla="*/ 2015338 w 3474720"/>
               <a:gd name="connsiteY3" fmla="*/ 0 h 18288"/>
-              <a:gd name="connsiteX4" fmla="*/ 2633472 w 10972800"/>
+              <a:gd name="connsiteX4" fmla="*/ 2779776 w 3474720"/>
               <a:gd name="connsiteY4" fmla="*/ 0 h 18288"/>
-              <a:gd name="connsiteX5" fmla="*/ 2990088 w 10972800"/>
+              <a:gd name="connsiteX5" fmla="*/ 3474720 w 3474720"/>
               <a:gd name="connsiteY5" fmla="*/ 0 h 18288"/>
-              <a:gd name="connsiteX6" fmla="*/ 3456432 w 10972800"/>
-              <a:gd name="connsiteY6" fmla="*/ 0 h 18288"/>
-              <a:gd name="connsiteX7" fmla="*/ 4361688 w 10972800"/>
-              <a:gd name="connsiteY7" fmla="*/ 0 h 18288"/>
-              <a:gd name="connsiteX8" fmla="*/ 5266944 w 10972800"/>
-              <a:gd name="connsiteY8" fmla="*/ 0 h 18288"/>
-              <a:gd name="connsiteX9" fmla="*/ 6172200 w 10972800"/>
-              <a:gd name="connsiteY9" fmla="*/ 0 h 18288"/>
-              <a:gd name="connsiteX10" fmla="*/ 6528816 w 10972800"/>
-              <a:gd name="connsiteY10" fmla="*/ 0 h 18288"/>
-              <a:gd name="connsiteX11" fmla="*/ 7214616 w 10972800"/>
-              <a:gd name="connsiteY11" fmla="*/ 0 h 18288"/>
-              <a:gd name="connsiteX12" fmla="*/ 7790688 w 10972800"/>
+              <a:gd name="connsiteX6" fmla="*/ 3474720 w 3474720"/>
+              <a:gd name="connsiteY6" fmla="*/ 18288 h 18288"/>
+              <a:gd name="connsiteX7" fmla="*/ 2779776 w 3474720"/>
+              <a:gd name="connsiteY7" fmla="*/ 18288 h 18288"/>
+              <a:gd name="connsiteX8" fmla="*/ 2189074 w 3474720"/>
+              <a:gd name="connsiteY8" fmla="*/ 18288 h 18288"/>
+              <a:gd name="connsiteX9" fmla="*/ 1528877 w 3474720"/>
+              <a:gd name="connsiteY9" fmla="*/ 18288 h 18288"/>
+              <a:gd name="connsiteX10" fmla="*/ 868680 w 3474720"/>
+              <a:gd name="connsiteY10" fmla="*/ 18288 h 18288"/>
+              <a:gd name="connsiteX11" fmla="*/ 0 w 3474720"/>
+              <a:gd name="connsiteY11" fmla="*/ 18288 h 18288"/>
+              <a:gd name="connsiteX12" fmla="*/ 0 w 3474720"/>
               <a:gd name="connsiteY12" fmla="*/ 0 h 18288"/>
-              <a:gd name="connsiteX13" fmla="*/ 8147304 w 10972800"/>
-              <a:gd name="connsiteY13" fmla="*/ 0 h 18288"/>
-              <a:gd name="connsiteX14" fmla="*/ 9052560 w 10972800"/>
-              <a:gd name="connsiteY14" fmla="*/ 0 h 18288"/>
-              <a:gd name="connsiteX15" fmla="*/ 9409176 w 10972800"/>
-              <a:gd name="connsiteY15" fmla="*/ 0 h 18288"/>
-              <a:gd name="connsiteX16" fmla="*/ 9765792 w 10972800"/>
-              <a:gd name="connsiteY16" fmla="*/ 0 h 18288"/>
-              <a:gd name="connsiteX17" fmla="*/ 10341864 w 10972800"/>
-              <a:gd name="connsiteY17" fmla="*/ 0 h 18288"/>
-              <a:gd name="connsiteX18" fmla="*/ 10972800 w 10972800"/>
-              <a:gd name="connsiteY18" fmla="*/ 0 h 18288"/>
-              <a:gd name="connsiteX19" fmla="*/ 10972800 w 10972800"/>
-              <a:gd name="connsiteY19" fmla="*/ 18288 h 18288"/>
-              <a:gd name="connsiteX20" fmla="*/ 10177272 w 10972800"/>
-              <a:gd name="connsiteY20" fmla="*/ 18288 h 18288"/>
-              <a:gd name="connsiteX21" fmla="*/ 9820656 w 10972800"/>
-              <a:gd name="connsiteY21" fmla="*/ 18288 h 18288"/>
-              <a:gd name="connsiteX22" fmla="*/ 9464040 w 10972800"/>
-              <a:gd name="connsiteY22" fmla="*/ 18288 h 18288"/>
-              <a:gd name="connsiteX23" fmla="*/ 8778240 w 10972800"/>
-              <a:gd name="connsiteY23" fmla="*/ 18288 h 18288"/>
-              <a:gd name="connsiteX24" fmla="*/ 8421624 w 10972800"/>
-              <a:gd name="connsiteY24" fmla="*/ 18288 h 18288"/>
-              <a:gd name="connsiteX25" fmla="*/ 7735824 w 10972800"/>
-              <a:gd name="connsiteY25" fmla="*/ 18288 h 18288"/>
-              <a:gd name="connsiteX26" fmla="*/ 6940296 w 10972800"/>
-              <a:gd name="connsiteY26" fmla="*/ 18288 h 18288"/>
-              <a:gd name="connsiteX27" fmla="*/ 6254496 w 10972800"/>
-              <a:gd name="connsiteY27" fmla="*/ 18288 h 18288"/>
-              <a:gd name="connsiteX28" fmla="*/ 5458968 w 10972800"/>
-              <a:gd name="connsiteY28" fmla="*/ 18288 h 18288"/>
-              <a:gd name="connsiteX29" fmla="*/ 4663440 w 10972800"/>
-              <a:gd name="connsiteY29" fmla="*/ 18288 h 18288"/>
-              <a:gd name="connsiteX30" fmla="*/ 4306824 w 10972800"/>
-              <a:gd name="connsiteY30" fmla="*/ 18288 h 18288"/>
-              <a:gd name="connsiteX31" fmla="*/ 3840480 w 10972800"/>
-              <a:gd name="connsiteY31" fmla="*/ 18288 h 18288"/>
-              <a:gd name="connsiteX32" fmla="*/ 3264408 w 10972800"/>
-              <a:gd name="connsiteY32" fmla="*/ 18288 h 18288"/>
-              <a:gd name="connsiteX33" fmla="*/ 2578608 w 10972800"/>
-              <a:gd name="connsiteY33" fmla="*/ 18288 h 18288"/>
-              <a:gd name="connsiteX34" fmla="*/ 1673352 w 10972800"/>
-              <a:gd name="connsiteY34" fmla="*/ 18288 h 18288"/>
-              <a:gd name="connsiteX35" fmla="*/ 877824 w 10972800"/>
-              <a:gd name="connsiteY35" fmla="*/ 18288 h 18288"/>
-              <a:gd name="connsiteX36" fmla="*/ 0 w 10972800"/>
-              <a:gd name="connsiteY36" fmla="*/ 18288 h 18288"/>
-              <a:gd name="connsiteX37" fmla="*/ 0 w 10972800"/>
-              <a:gd name="connsiteY37" fmla="*/ 0 h 18288"/>
             </a:gdLst>
             <a:ahLst/>
             <a:cxnLst>
@@ -17941,462 +14570,137 @@
               <a:cxn ang="0">
                 <a:pos x="connsiteX12" y="connsiteY12"/>
               </a:cxn>
-              <a:cxn ang="0">
-                <a:pos x="connsiteX13" y="connsiteY13"/>
-              </a:cxn>
-              <a:cxn ang="0">
-                <a:pos x="connsiteX14" y="connsiteY14"/>
-              </a:cxn>
-              <a:cxn ang="0">
-                <a:pos x="connsiteX15" y="connsiteY15"/>
-              </a:cxn>
-              <a:cxn ang="0">
-                <a:pos x="connsiteX16" y="connsiteY16"/>
-              </a:cxn>
-              <a:cxn ang="0">
-                <a:pos x="connsiteX17" y="connsiteY17"/>
-              </a:cxn>
-              <a:cxn ang="0">
-                <a:pos x="connsiteX18" y="connsiteY18"/>
-              </a:cxn>
-              <a:cxn ang="0">
-                <a:pos x="connsiteX19" y="connsiteY19"/>
-              </a:cxn>
-              <a:cxn ang="0">
-                <a:pos x="connsiteX20" y="connsiteY20"/>
-              </a:cxn>
-              <a:cxn ang="0">
-                <a:pos x="connsiteX21" y="connsiteY21"/>
-              </a:cxn>
-              <a:cxn ang="0">
-                <a:pos x="connsiteX22" y="connsiteY22"/>
-              </a:cxn>
-              <a:cxn ang="0">
-                <a:pos x="connsiteX23" y="connsiteY23"/>
-              </a:cxn>
-              <a:cxn ang="0">
-                <a:pos x="connsiteX24" y="connsiteY24"/>
-              </a:cxn>
-              <a:cxn ang="0">
-                <a:pos x="connsiteX25" y="connsiteY25"/>
-              </a:cxn>
-              <a:cxn ang="0">
-                <a:pos x="connsiteX26" y="connsiteY26"/>
-              </a:cxn>
-              <a:cxn ang="0">
-                <a:pos x="connsiteX27" y="connsiteY27"/>
-              </a:cxn>
-              <a:cxn ang="0">
-                <a:pos x="connsiteX28" y="connsiteY28"/>
-              </a:cxn>
-              <a:cxn ang="0">
-                <a:pos x="connsiteX29" y="connsiteY29"/>
-              </a:cxn>
-              <a:cxn ang="0">
-                <a:pos x="connsiteX30" y="connsiteY30"/>
-              </a:cxn>
-              <a:cxn ang="0">
-                <a:pos x="connsiteX31" y="connsiteY31"/>
-              </a:cxn>
-              <a:cxn ang="0">
-                <a:pos x="connsiteX32" y="connsiteY32"/>
-              </a:cxn>
-              <a:cxn ang="0">
-                <a:pos x="connsiteX33" y="connsiteY33"/>
-              </a:cxn>
-              <a:cxn ang="0">
-                <a:pos x="connsiteX34" y="connsiteY34"/>
-              </a:cxn>
-              <a:cxn ang="0">
-                <a:pos x="connsiteX35" y="connsiteY35"/>
-              </a:cxn>
-              <a:cxn ang="0">
-                <a:pos x="connsiteX36" y="connsiteY36"/>
-              </a:cxn>
-              <a:cxn ang="0">
-                <a:pos x="connsiteX37" y="connsiteY37"/>
-              </a:cxn>
             </a:cxnLst>
             <a:rect l="l" t="t" r="r" b="b"/>
             <a:pathLst>
-              <a:path w="10972800" h="18288" fill="none" extrusionOk="0">
+              <a:path w="3474720" h="18288" fill="none" extrusionOk="0">
                 <a:moveTo>
                   <a:pt x="0" y="0"/>
                 </a:moveTo>
                 <a:cubicBezTo>
-                  <a:pt x="165916" y="-1866"/>
-                  <a:pt x="188720" y="13756"/>
-                  <a:pt x="356616" y="0"/>
-                </a:cubicBezTo>
-                <a:cubicBezTo>
-                  <a:pt x="524512" y="-13756"/>
-                  <a:pt x="734781" y="8922"/>
-                  <a:pt x="1042416" y="0"/>
-                </a:cubicBezTo>
-                <a:cubicBezTo>
-                  <a:pt x="1350051" y="-8922"/>
-                  <a:pt x="1595982" y="-26315"/>
-                  <a:pt x="1947672" y="0"/>
-                </a:cubicBezTo>
-                <a:cubicBezTo>
-                  <a:pt x="2299362" y="26315"/>
-                  <a:pt x="2292691" y="-19526"/>
-                  <a:pt x="2633472" y="0"/>
-                </a:cubicBezTo>
-                <a:cubicBezTo>
-                  <a:pt x="2974253" y="19526"/>
-                  <a:pt x="2857309" y="10773"/>
-                  <a:pt x="2990088" y="0"/>
-                </a:cubicBezTo>
-                <a:cubicBezTo>
-                  <a:pt x="3122867" y="-10773"/>
-                  <a:pt x="3359343" y="7194"/>
-                  <a:pt x="3456432" y="0"/>
-                </a:cubicBezTo>
-                <a:cubicBezTo>
-                  <a:pt x="3553521" y="-7194"/>
-                  <a:pt x="4136258" y="5108"/>
-                  <a:pt x="4361688" y="0"/>
-                </a:cubicBezTo>
-                <a:cubicBezTo>
-                  <a:pt x="4587118" y="-5108"/>
-                  <a:pt x="4992424" y="-42958"/>
-                  <a:pt x="5266944" y="0"/>
-                </a:cubicBezTo>
-                <a:cubicBezTo>
-                  <a:pt x="5541464" y="42958"/>
-                  <a:pt x="5882966" y="-3430"/>
-                  <a:pt x="6172200" y="0"/>
-                </a:cubicBezTo>
-                <a:cubicBezTo>
-                  <a:pt x="6461434" y="3430"/>
-                  <a:pt x="6432127" y="6688"/>
-                  <a:pt x="6528816" y="0"/>
-                </a:cubicBezTo>
-                <a:cubicBezTo>
-                  <a:pt x="6625505" y="-6688"/>
-                  <a:pt x="6916805" y="-436"/>
-                  <a:pt x="7214616" y="0"/>
-                </a:cubicBezTo>
-                <a:cubicBezTo>
-                  <a:pt x="7512427" y="436"/>
-                  <a:pt x="7626159" y="-6909"/>
-                  <a:pt x="7790688" y="0"/>
-                </a:cubicBezTo>
-                <a:cubicBezTo>
-                  <a:pt x="7955217" y="6909"/>
-                  <a:pt x="8048891" y="15307"/>
-                  <a:pt x="8147304" y="0"/>
-                </a:cubicBezTo>
-                <a:cubicBezTo>
-                  <a:pt x="8245717" y="-15307"/>
-                  <a:pt x="8645618" y="-11734"/>
-                  <a:pt x="9052560" y="0"/>
-                </a:cubicBezTo>
-                <a:cubicBezTo>
-                  <a:pt x="9459502" y="11734"/>
-                  <a:pt x="9320584" y="8388"/>
-                  <a:pt x="9409176" y="0"/>
-                </a:cubicBezTo>
-                <a:cubicBezTo>
-                  <a:pt x="9497768" y="-8388"/>
-                  <a:pt x="9644192" y="8379"/>
-                  <a:pt x="9765792" y="0"/>
-                </a:cubicBezTo>
-                <a:cubicBezTo>
-                  <a:pt x="9887392" y="-8379"/>
-                  <a:pt x="10105220" y="-12663"/>
-                  <a:pt x="10341864" y="0"/>
-                </a:cubicBezTo>
-                <a:cubicBezTo>
-                  <a:pt x="10578508" y="12663"/>
-                  <a:pt x="10773103" y="-5786"/>
-                  <a:pt x="10972800" y="0"/>
-                </a:cubicBezTo>
-                <a:cubicBezTo>
-                  <a:pt x="10972146" y="8818"/>
-                  <a:pt x="10972240" y="13823"/>
-                  <a:pt x="10972800" y="18288"/>
-                </a:cubicBezTo>
-                <a:cubicBezTo>
-                  <a:pt x="10588778" y="31598"/>
-                  <a:pt x="10543381" y="-12698"/>
-                  <a:pt x="10177272" y="18288"/>
-                </a:cubicBezTo>
-                <a:cubicBezTo>
-                  <a:pt x="9811163" y="49274"/>
-                  <a:pt x="9996817" y="25662"/>
-                  <a:pt x="9820656" y="18288"/>
-                </a:cubicBezTo>
-                <a:cubicBezTo>
-                  <a:pt x="9644495" y="10914"/>
-                  <a:pt x="9607007" y="31631"/>
-                  <a:pt x="9464040" y="18288"/>
-                </a:cubicBezTo>
-                <a:cubicBezTo>
-                  <a:pt x="9321073" y="4945"/>
-                  <a:pt x="9114189" y="28940"/>
-                  <a:pt x="8778240" y="18288"/>
-                </a:cubicBezTo>
-                <a:cubicBezTo>
-                  <a:pt x="8442291" y="7636"/>
-                  <a:pt x="8594763" y="987"/>
-                  <a:pt x="8421624" y="18288"/>
-                </a:cubicBezTo>
-                <a:cubicBezTo>
-                  <a:pt x="8248485" y="35589"/>
-                  <a:pt x="7929515" y="37573"/>
-                  <a:pt x="7735824" y="18288"/>
-                </a:cubicBezTo>
-                <a:cubicBezTo>
-                  <a:pt x="7542133" y="-997"/>
-                  <a:pt x="7252504" y="33858"/>
-                  <a:pt x="6940296" y="18288"/>
-                </a:cubicBezTo>
-                <a:cubicBezTo>
-                  <a:pt x="6628088" y="2718"/>
-                  <a:pt x="6528503" y="48389"/>
-                  <a:pt x="6254496" y="18288"/>
-                </a:cubicBezTo>
-                <a:cubicBezTo>
-                  <a:pt x="5980489" y="-11813"/>
-                  <a:pt x="5695784" y="-3740"/>
-                  <a:pt x="5458968" y="18288"/>
-                </a:cubicBezTo>
-                <a:cubicBezTo>
-                  <a:pt x="5222152" y="40316"/>
-                  <a:pt x="5010751" y="19095"/>
-                  <a:pt x="4663440" y="18288"/>
-                </a:cubicBezTo>
-                <a:cubicBezTo>
-                  <a:pt x="4316129" y="17481"/>
-                  <a:pt x="4425552" y="1606"/>
-                  <a:pt x="4306824" y="18288"/>
-                </a:cubicBezTo>
-                <a:cubicBezTo>
-                  <a:pt x="4188096" y="34970"/>
-                  <a:pt x="3941535" y="7481"/>
-                  <a:pt x="3840480" y="18288"/>
-                </a:cubicBezTo>
-                <a:cubicBezTo>
-                  <a:pt x="3739425" y="29095"/>
-                  <a:pt x="3402388" y="17641"/>
-                  <a:pt x="3264408" y="18288"/>
-                </a:cubicBezTo>
-                <a:cubicBezTo>
-                  <a:pt x="3126428" y="18935"/>
-                  <a:pt x="2776779" y="9983"/>
-                  <a:pt x="2578608" y="18288"/>
-                </a:cubicBezTo>
-                <a:cubicBezTo>
-                  <a:pt x="2380437" y="26593"/>
-                  <a:pt x="1909468" y="25818"/>
-                  <a:pt x="1673352" y="18288"/>
-                </a:cubicBezTo>
-                <a:cubicBezTo>
-                  <a:pt x="1437236" y="10758"/>
-                  <a:pt x="1131180" y="49884"/>
-                  <a:pt x="877824" y="18288"/>
-                </a:cubicBezTo>
-                <a:cubicBezTo>
-                  <a:pt x="624468" y="-13308"/>
-                  <a:pt x="206753" y="2195"/>
+                  <a:pt x="224454" y="-14544"/>
+                  <a:pt x="495407" y="26540"/>
+                  <a:pt x="694944" y="0"/>
+                </a:cubicBezTo>
+                <a:cubicBezTo>
+                  <a:pt x="894481" y="-26540"/>
+                  <a:pt x="1130063" y="24713"/>
+                  <a:pt x="1355141" y="0"/>
+                </a:cubicBezTo>
+                <a:cubicBezTo>
+                  <a:pt x="1580219" y="-24713"/>
+                  <a:pt x="1820099" y="26695"/>
+                  <a:pt x="2015338" y="0"/>
+                </a:cubicBezTo>
+                <a:cubicBezTo>
+                  <a:pt x="2210577" y="-26695"/>
+                  <a:pt x="2402045" y="165"/>
+                  <a:pt x="2779776" y="0"/>
+                </a:cubicBezTo>
+                <a:cubicBezTo>
+                  <a:pt x="3157507" y="-165"/>
+                  <a:pt x="3286859" y="-15571"/>
+                  <a:pt x="3474720" y="0"/>
+                </a:cubicBezTo>
+                <a:cubicBezTo>
+                  <a:pt x="3474286" y="7551"/>
+                  <a:pt x="3474253" y="9822"/>
+                  <a:pt x="3474720" y="18288"/>
+                </a:cubicBezTo>
+                <a:cubicBezTo>
+                  <a:pt x="3233904" y="29845"/>
+                  <a:pt x="2945134" y="-5256"/>
+                  <a:pt x="2779776" y="18288"/>
+                </a:cubicBezTo>
+                <a:cubicBezTo>
+                  <a:pt x="2614418" y="41832"/>
+                  <a:pt x="2339768" y="22709"/>
+                  <a:pt x="2189074" y="18288"/>
+                </a:cubicBezTo>
+                <a:cubicBezTo>
+                  <a:pt x="2038380" y="13867"/>
+                  <a:pt x="1817434" y="-4947"/>
+                  <a:pt x="1528877" y="18288"/>
+                </a:cubicBezTo>
+                <a:cubicBezTo>
+                  <a:pt x="1240320" y="41523"/>
+                  <a:pt x="1042447" y="37198"/>
+                  <a:pt x="868680" y="18288"/>
+                </a:cubicBezTo>
+                <a:cubicBezTo>
+                  <a:pt x="694913" y="-622"/>
+                  <a:pt x="233232" y="44909"/>
                   <a:pt x="0" y="18288"/>
                 </a:cubicBezTo>
                 <a:cubicBezTo>
-                  <a:pt x="313" y="10654"/>
-                  <a:pt x="-263" y="4056"/>
+                  <a:pt x="60" y="11696"/>
+                  <a:pt x="66" y="3758"/>
                   <a:pt x="0" y="0"/>
                 </a:cubicBezTo>
                 <a:close/>
               </a:path>
-              <a:path w="10972800" h="18288" stroke="0" extrusionOk="0">
+              <a:path w="3474720" h="18288" stroke="0" extrusionOk="0">
                 <a:moveTo>
                   <a:pt x="0" y="0"/>
                 </a:moveTo>
                 <a:cubicBezTo>
-                  <a:pt x="164017" y="-17675"/>
-                  <a:pt x="309425" y="9913"/>
-                  <a:pt x="466344" y="0"/>
-                </a:cubicBezTo>
-                <a:cubicBezTo>
-                  <a:pt x="623263" y="-9913"/>
-                  <a:pt x="659300" y="-14524"/>
-                  <a:pt x="822960" y="0"/>
-                </a:cubicBezTo>
-                <a:cubicBezTo>
-                  <a:pt x="986620" y="14524"/>
-                  <a:pt x="1105222" y="-16481"/>
-                  <a:pt x="1289304" y="0"/>
-                </a:cubicBezTo>
-                <a:cubicBezTo>
-                  <a:pt x="1473386" y="16481"/>
-                  <a:pt x="1693223" y="26161"/>
-                  <a:pt x="1975104" y="0"/>
-                </a:cubicBezTo>
-                <a:cubicBezTo>
-                  <a:pt x="2256985" y="-26161"/>
-                  <a:pt x="2435781" y="23061"/>
-                  <a:pt x="2770632" y="0"/>
-                </a:cubicBezTo>
-                <a:cubicBezTo>
-                  <a:pt x="3105483" y="-23061"/>
-                  <a:pt x="3247479" y="-44011"/>
-                  <a:pt x="3675888" y="0"/>
-                </a:cubicBezTo>
-                <a:cubicBezTo>
-                  <a:pt x="4104297" y="44011"/>
-                  <a:pt x="4280918" y="4017"/>
-                  <a:pt x="4581144" y="0"/>
-                </a:cubicBezTo>
-                <a:cubicBezTo>
-                  <a:pt x="4881370" y="-4017"/>
-                  <a:pt x="5021699" y="-11889"/>
-                  <a:pt x="5157216" y="0"/>
-                </a:cubicBezTo>
-                <a:cubicBezTo>
-                  <a:pt x="5292733" y="11889"/>
-                  <a:pt x="5603398" y="-17698"/>
-                  <a:pt x="5952744" y="0"/>
-                </a:cubicBezTo>
-                <a:cubicBezTo>
-                  <a:pt x="6302090" y="17698"/>
-                  <a:pt x="6353093" y="-11909"/>
-                  <a:pt x="6638544" y="0"/>
-                </a:cubicBezTo>
-                <a:cubicBezTo>
-                  <a:pt x="6923995" y="11909"/>
-                  <a:pt x="7053404" y="21630"/>
-                  <a:pt x="7214616" y="0"/>
-                </a:cubicBezTo>
-                <a:cubicBezTo>
-                  <a:pt x="7375828" y="-21630"/>
-                  <a:pt x="7837963" y="3886"/>
-                  <a:pt x="8010144" y="0"/>
-                </a:cubicBezTo>
-                <a:cubicBezTo>
-                  <a:pt x="8182325" y="-3886"/>
-                  <a:pt x="8224183" y="16009"/>
-                  <a:pt x="8366760" y="0"/>
-                </a:cubicBezTo>
-                <a:cubicBezTo>
-                  <a:pt x="8509337" y="-16009"/>
-                  <a:pt x="8687920" y="-5720"/>
-                  <a:pt x="8942832" y="0"/>
-                </a:cubicBezTo>
-                <a:cubicBezTo>
-                  <a:pt x="9197744" y="5720"/>
-                  <a:pt x="9368437" y="20479"/>
-                  <a:pt x="9628632" y="0"/>
-                </a:cubicBezTo>
-                <a:cubicBezTo>
-                  <a:pt x="9888827" y="-20479"/>
-                  <a:pt x="10560858" y="-20746"/>
-                  <a:pt x="10972800" y="0"/>
-                </a:cubicBezTo>
-                <a:cubicBezTo>
-                  <a:pt x="10972186" y="5722"/>
-                  <a:pt x="10972980" y="12495"/>
-                  <a:pt x="10972800" y="18288"/>
-                </a:cubicBezTo>
-                <a:cubicBezTo>
-                  <a:pt x="10786146" y="12536"/>
-                  <a:pt x="10623717" y="14033"/>
-                  <a:pt x="10506456" y="18288"/>
-                </a:cubicBezTo>
-                <a:cubicBezTo>
-                  <a:pt x="10389195" y="22543"/>
-                  <a:pt x="10296178" y="20107"/>
-                  <a:pt x="10149840" y="18288"/>
-                </a:cubicBezTo>
-                <a:cubicBezTo>
-                  <a:pt x="10003502" y="16469"/>
-                  <a:pt x="9767530" y="28891"/>
-                  <a:pt x="9464040" y="18288"/>
-                </a:cubicBezTo>
-                <a:cubicBezTo>
-                  <a:pt x="9160550" y="7685"/>
-                  <a:pt x="9229050" y="2659"/>
-                  <a:pt x="8997696" y="18288"/>
-                </a:cubicBezTo>
-                <a:cubicBezTo>
-                  <a:pt x="8766342" y="33917"/>
-                  <a:pt x="8340136" y="34864"/>
-                  <a:pt x="8092440" y="18288"/>
-                </a:cubicBezTo>
-                <a:cubicBezTo>
-                  <a:pt x="7844744" y="1712"/>
-                  <a:pt x="7863720" y="27405"/>
-                  <a:pt x="7735824" y="18288"/>
-                </a:cubicBezTo>
-                <a:cubicBezTo>
-                  <a:pt x="7607928" y="9171"/>
-                  <a:pt x="7323619" y="461"/>
-                  <a:pt x="7050024" y="18288"/>
-                </a:cubicBezTo>
-                <a:cubicBezTo>
-                  <a:pt x="6776429" y="36115"/>
-                  <a:pt x="6787899" y="28206"/>
-                  <a:pt x="6693408" y="18288"/>
-                </a:cubicBezTo>
-                <a:cubicBezTo>
-                  <a:pt x="6598917" y="8370"/>
-                  <a:pt x="6395231" y="19114"/>
-                  <a:pt x="6227064" y="18288"/>
-                </a:cubicBezTo>
-                <a:cubicBezTo>
-                  <a:pt x="6058897" y="17462"/>
-                  <a:pt x="5618582" y="1091"/>
-                  <a:pt x="5431536" y="18288"/>
-                </a:cubicBezTo>
-                <a:cubicBezTo>
-                  <a:pt x="5244490" y="35485"/>
-                  <a:pt x="4729797" y="-9650"/>
-                  <a:pt x="4526280" y="18288"/>
-                </a:cubicBezTo>
-                <a:cubicBezTo>
-                  <a:pt x="4322763" y="46226"/>
-                  <a:pt x="4216797" y="756"/>
-                  <a:pt x="4059936" y="18288"/>
-                </a:cubicBezTo>
-                <a:cubicBezTo>
-                  <a:pt x="3903075" y="35820"/>
-                  <a:pt x="3537912" y="42098"/>
-                  <a:pt x="3374136" y="18288"/>
-                </a:cubicBezTo>
-                <a:cubicBezTo>
-                  <a:pt x="3210360" y="-5522"/>
-                  <a:pt x="3126842" y="39135"/>
-                  <a:pt x="2907792" y="18288"/>
-                </a:cubicBezTo>
-                <a:cubicBezTo>
-                  <a:pt x="2688742" y="-2559"/>
-                  <a:pt x="2490436" y="34100"/>
-                  <a:pt x="2112264" y="18288"/>
-                </a:cubicBezTo>
-                <a:cubicBezTo>
-                  <a:pt x="1734092" y="2476"/>
-                  <a:pt x="1744622" y="-7274"/>
-                  <a:pt x="1536192" y="18288"/>
-                </a:cubicBezTo>
-                <a:cubicBezTo>
-                  <a:pt x="1327762" y="43850"/>
-                  <a:pt x="1189025" y="6435"/>
-                  <a:pt x="1069848" y="18288"/>
-                </a:cubicBezTo>
-                <a:cubicBezTo>
-                  <a:pt x="950671" y="30141"/>
-                  <a:pt x="858345" y="33684"/>
-                  <a:pt x="713232" y="18288"/>
-                </a:cubicBezTo>
-                <a:cubicBezTo>
-                  <a:pt x="568119" y="2892"/>
-                  <a:pt x="250292" y="5410"/>
+                  <a:pt x="202328" y="-14716"/>
+                  <a:pt x="332722" y="-11499"/>
+                  <a:pt x="625450" y="0"/>
+                </a:cubicBezTo>
+                <a:cubicBezTo>
+                  <a:pt x="918178" y="11499"/>
+                  <a:pt x="1096688" y="5123"/>
+                  <a:pt x="1389888" y="0"/>
+                </a:cubicBezTo>
+                <a:cubicBezTo>
+                  <a:pt x="1683088" y="-5123"/>
+                  <a:pt x="1835981" y="-14038"/>
+                  <a:pt x="1980590" y="0"/>
+                </a:cubicBezTo>
+                <a:cubicBezTo>
+                  <a:pt x="2125199" y="14038"/>
+                  <a:pt x="2396099" y="-7203"/>
+                  <a:pt x="2571293" y="0"/>
+                </a:cubicBezTo>
+                <a:cubicBezTo>
+                  <a:pt x="2746487" y="7203"/>
+                  <a:pt x="3041609" y="-12036"/>
+                  <a:pt x="3474720" y="0"/>
+                </a:cubicBezTo>
+                <a:cubicBezTo>
+                  <a:pt x="3474638" y="4406"/>
+                  <a:pt x="3474631" y="9982"/>
+                  <a:pt x="3474720" y="18288"/>
+                </a:cubicBezTo>
+                <a:cubicBezTo>
+                  <a:pt x="3324873" y="21876"/>
+                  <a:pt x="3136771" y="12587"/>
+                  <a:pt x="2814523" y="18288"/>
+                </a:cubicBezTo>
+                <a:cubicBezTo>
+                  <a:pt x="2492275" y="23989"/>
+                  <a:pt x="2294402" y="47111"/>
+                  <a:pt x="2154326" y="18288"/>
+                </a:cubicBezTo>
+                <a:cubicBezTo>
+                  <a:pt x="2014250" y="-10535"/>
+                  <a:pt x="1820317" y="33903"/>
+                  <a:pt x="1494130" y="18288"/>
+                </a:cubicBezTo>
+                <a:cubicBezTo>
+                  <a:pt x="1167943" y="2673"/>
+                  <a:pt x="948432" y="14868"/>
+                  <a:pt x="729691" y="18288"/>
+                </a:cubicBezTo>
+                <a:cubicBezTo>
+                  <a:pt x="510950" y="21708"/>
+                  <a:pt x="264032" y="24354"/>
                   <a:pt x="0" y="18288"/>
                 </a:cubicBezTo>
                 <a:cubicBezTo>
-                  <a:pt x="465" y="13062"/>
-                  <a:pt x="-894" y="9029"/>
+                  <a:pt x="189" y="14288"/>
+                  <a:pt x="-703" y="3747"/>
                   <a:pt x="0" y="0"/>
                 </a:cubicBezTo>
                 <a:close/>
@@ -18404,20 +14708,16 @@
             </a:pathLst>
           </a:custGeom>
           <a:solidFill>
-            <a:schemeClr val="accent2">
-              <a:alpha val="75000"/>
-            </a:schemeClr>
+            <a:schemeClr val="accent2"/>
           </a:solidFill>
           <a:ln w="44450" cap="rnd">
             <a:solidFill>
-              <a:schemeClr val="accent2">
-                <a:alpha val="75000"/>
-              </a:schemeClr>
+              <a:schemeClr val="accent2"/>
             </a:solidFill>
             <a:round/>
             <a:extLst>
               <a:ext uri="{C807C97D-BFC1-408E-A445-0C87EB9F89A2}">
-                <ask:lineSketchStyleProps xmlns:ask="http://schemas.microsoft.com/office/drawing/2018/sketchyshapes" sd="2727557108">
+                <ask:lineSketchStyleProps xmlns:ask="http://schemas.microsoft.com/office/drawing/2018/sketchyshapes" sd="2863741219">
                   <a:prstGeom prst="rect">
                     <a:avLst/>
                   </a:prstGeom>
@@ -18470,17 +14770,129 @@
         </p:nvPicPr>
         <p:blipFill rotWithShape="1">
           <a:blip r:embed="rId2"/>
-          <a:srcRect l="27013" r="20316" b="2"/>
+          <a:srcRect l="25891" r="19193"/>
           <a:stretch/>
         </p:blipFill>
         <p:spPr>
           <a:xfrm>
-            <a:off x="7675658" y="2093976"/>
-            <a:ext cx="3941064" cy="4096512"/>
+            <a:off x="5311702" y="10"/>
+            <a:ext cx="6878775" cy="6857990"/>
           </a:xfrm>
-          <a:prstGeom prst="rect">
+          <a:custGeom>
             <a:avLst/>
-          </a:prstGeom>
+            <a:gdLst/>
+            <a:ahLst/>
+            <a:cxnLst/>
+            <a:rect l="l" t="t" r="r" b="b"/>
+            <a:pathLst>
+              <a:path w="6878775" h="6858000">
+                <a:moveTo>
+                  <a:pt x="1102973" y="0"/>
+                </a:moveTo>
+                <a:lnTo>
+                  <a:pt x="1160688" y="0"/>
+                </a:lnTo>
+                <a:lnTo>
+                  <a:pt x="983189" y="331786"/>
+                </a:lnTo>
+                <a:cubicBezTo>
+                  <a:pt x="914866" y="469145"/>
+                  <a:pt x="850355" y="608712"/>
+                  <a:pt x="789261" y="750263"/>
+                </a:cubicBezTo>
+                <a:cubicBezTo>
+                  <a:pt x="774307" y="784928"/>
+                  <a:pt x="759992" y="819849"/>
+                  <a:pt x="745295" y="854514"/>
+                </a:cubicBezTo>
+                <a:cubicBezTo>
+                  <a:pt x="756682" y="845393"/>
+                  <a:pt x="765489" y="833492"/>
+                  <a:pt x="770857" y="819975"/>
+                </a:cubicBezTo>
+                <a:cubicBezTo>
+                  <a:pt x="879943" y="589569"/>
+                  <a:pt x="999605" y="365513"/>
+                  <a:pt x="1131329" y="148742"/>
+                </a:cubicBezTo>
+                <a:lnTo>
+                  <a:pt x="1227589" y="0"/>
+                </a:lnTo>
+                <a:lnTo>
+                  <a:pt x="6878775" y="0"/>
+                </a:lnTo>
+                <a:lnTo>
+                  <a:pt x="6878775" y="6858000"/>
+                </a:lnTo>
+                <a:lnTo>
+                  <a:pt x="713521" y="6858000"/>
+                </a:lnTo>
+                <a:lnTo>
+                  <a:pt x="625642" y="6670527"/>
+                </a:lnTo>
+                <a:cubicBezTo>
+                  <a:pt x="507232" y="6398531"/>
+                  <a:pt x="403083" y="6118381"/>
+                  <a:pt x="312785" y="5830359"/>
+                </a:cubicBezTo>
+                <a:cubicBezTo>
+                  <a:pt x="278149" y="5719759"/>
+                  <a:pt x="248879" y="5607635"/>
+                  <a:pt x="212198" y="5480401"/>
+                </a:cubicBezTo>
+                <a:cubicBezTo>
+                  <a:pt x="212208" y="5491601"/>
+                  <a:pt x="212803" y="5502788"/>
+                  <a:pt x="213988" y="5513923"/>
+                </a:cubicBezTo>
+                <a:cubicBezTo>
+                  <a:pt x="264089" y="5723695"/>
+                  <a:pt x="307290" y="5935370"/>
+                  <a:pt x="365826" y="6142729"/>
+                </a:cubicBezTo>
+                <a:cubicBezTo>
+                  <a:pt x="433152" y="6380817"/>
+                  <a:pt x="510068" y="6614016"/>
+                  <a:pt x="597975" y="6841549"/>
+                </a:cubicBezTo>
+                <a:lnTo>
+                  <a:pt x="604824" y="6858000"/>
+                </a:lnTo>
+                <a:lnTo>
+                  <a:pt x="552056" y="6858000"/>
+                </a:lnTo>
+                <a:lnTo>
+                  <a:pt x="539576" y="6828295"/>
+                </a:lnTo>
+                <a:cubicBezTo>
+                  <a:pt x="380597" y="6414594"/>
+                  <a:pt x="260223" y="5988893"/>
+                  <a:pt x="171555" y="5552906"/>
+                </a:cubicBezTo>
+                <a:cubicBezTo>
+                  <a:pt x="91163" y="5157998"/>
+                  <a:pt x="43746" y="4758899"/>
+                  <a:pt x="12305" y="4357388"/>
+                </a:cubicBezTo>
+                <a:cubicBezTo>
+                  <a:pt x="-14281" y="4013908"/>
+                  <a:pt x="4507" y="3672965"/>
+                  <a:pt x="46684" y="3331516"/>
+                </a:cubicBezTo>
+                <a:cubicBezTo>
+                  <a:pt x="127203" y="2664286"/>
+                  <a:pt x="277819" y="2007265"/>
+                  <a:pt x="496065" y="1371196"/>
+                </a:cubicBezTo>
+                <a:cubicBezTo>
+                  <a:pt x="636273" y="966066"/>
+                  <a:pt x="800445" y="573253"/>
+                  <a:pt x="995723" y="196614"/>
+                </a:cubicBezTo>
+                <a:close/>
+              </a:path>
+            </a:pathLst>
+          </a:custGeom>
         </p:spPr>
       </p:pic>
       <p:graphicFrame>
@@ -18499,14 +14911,14 @@
             <p:ph idx="1"/>
             <p:extLst>
               <p:ext uri="{D42A27DB-BD31-4B8C-83A1-F6EECF244321}">
-                <p14:modId xmlns:p14="http://schemas.microsoft.com/office/powerpoint/2010/main" val="2205390962"/>
+                <p14:modId xmlns:p14="http://schemas.microsoft.com/office/powerpoint/2010/main" val="3968636389"/>
               </p:ext>
             </p:extLst>
           </p:nvPr>
         </p:nvGraphicFramePr>
         <p:xfrm>
-          <a:off x="572493" y="2071316"/>
-          <a:ext cx="6713552" cy="4119172"/>
+          <a:off x="640080" y="2872899"/>
+          <a:ext cx="4243589" cy="3320668"/>
         </p:xfrm>
         <a:graphic>
           <a:graphicData uri="http://schemas.openxmlformats.org/drawingml/2006/diagram">
@@ -18527,7 +14939,189 @@
 </p:sld>
 </file>
 
-<file path=ppt/slides/slide7.xml><?xml version="1.0" encoding="utf-8"?>
+<file path=ppt/slides/slide11.xml><?xml version="1.0" encoding="utf-8"?>
+<p:sld xmlns:a="http://schemas.openxmlformats.org/drawingml/2006/main" xmlns:r="http://schemas.openxmlformats.org/officeDocument/2006/relationships" xmlns:p="http://schemas.openxmlformats.org/presentationml/2006/main">
+  <p:cSld>
+    <p:spTree>
+      <p:nvGrpSpPr>
+        <p:cNvPr id="1" name=""/>
+        <p:cNvGrpSpPr/>
+        <p:nvPr/>
+      </p:nvGrpSpPr>
+      <p:grpSpPr>
+        <a:xfrm>
+          <a:off x="0" y="0"/>
+          <a:ext cx="0" cy="0"/>
+          <a:chOff x="0" y="0"/>
+          <a:chExt cx="0" cy="0"/>
+        </a:xfrm>
+      </p:grpSpPr>
+      <p:sp>
+        <p:nvSpPr>
+          <p:cNvPr id="2" name="Titre 1">
+            <a:extLst>
+              <a:ext uri="{FF2B5EF4-FFF2-40B4-BE49-F238E27FC236}">
+                <a16:creationId xmlns:a16="http://schemas.microsoft.com/office/drawing/2014/main" id="{812C0BD0-01E4-F55F-B2E2-2115856274E8}"/>
+              </a:ext>
+            </a:extLst>
+          </p:cNvPr>
+          <p:cNvSpPr>
+            <a:spLocks noGrp="1"/>
+          </p:cNvSpPr>
+          <p:nvPr>
+            <p:ph type="title"/>
+          </p:nvPr>
+        </p:nvSpPr>
+        <p:spPr/>
+        <p:txBody>
+          <a:bodyPr/>
+          <a:lstStyle/>
+          <a:p>
+            <a:r>
+              <a:rPr lang="fr-FR" dirty="0"/>
+              <a:t>Conception</a:t>
+            </a:r>
+            <a:endParaRPr lang="en-GB" dirty="0"/>
+          </a:p>
+        </p:txBody>
+      </p:sp>
+      <p:sp>
+        <p:nvSpPr>
+          <p:cNvPr id="3" name="Espace réservé du contenu 2">
+            <a:extLst>
+              <a:ext uri="{FF2B5EF4-FFF2-40B4-BE49-F238E27FC236}">
+                <a16:creationId xmlns:a16="http://schemas.microsoft.com/office/drawing/2014/main" id="{360062DA-0D22-C5F2-45CD-89B359AA39CA}"/>
+              </a:ext>
+            </a:extLst>
+          </p:cNvPr>
+          <p:cNvSpPr>
+            <a:spLocks noGrp="1"/>
+          </p:cNvSpPr>
+          <p:nvPr>
+            <p:ph idx="1"/>
+          </p:nvPr>
+        </p:nvSpPr>
+        <p:spPr/>
+        <p:txBody>
+          <a:bodyPr/>
+          <a:lstStyle/>
+          <a:p>
+            <a:r>
+              <a:rPr lang="fr-FR" dirty="0"/>
+              <a:t>(schéma étoiles/flocon -&gt; constellation dans notre cas)</a:t>
+            </a:r>
+            <a:endParaRPr lang="en-GB" dirty="0"/>
+          </a:p>
+          <a:p>
+            <a:endParaRPr lang="en-GB" dirty="0"/>
+          </a:p>
+        </p:txBody>
+      </p:sp>
+    </p:spTree>
+    <p:extLst>
+      <p:ext uri="{BB962C8B-B14F-4D97-AF65-F5344CB8AC3E}">
+        <p14:creationId xmlns:p14="http://schemas.microsoft.com/office/powerpoint/2010/main" val="28938470"/>
+      </p:ext>
+    </p:extLst>
+  </p:cSld>
+  <p:clrMapOvr>
+    <a:masterClrMapping/>
+  </p:clrMapOvr>
+</p:sld>
+</file>
+
+<file path=ppt/slides/slide12.xml><?xml version="1.0" encoding="utf-8"?>
+<p:sld xmlns:a="http://schemas.openxmlformats.org/drawingml/2006/main" xmlns:r="http://schemas.openxmlformats.org/officeDocument/2006/relationships" xmlns:p="http://schemas.openxmlformats.org/presentationml/2006/main">
+  <p:cSld>
+    <p:spTree>
+      <p:nvGrpSpPr>
+        <p:cNvPr id="1" name=""/>
+        <p:cNvGrpSpPr/>
+        <p:nvPr/>
+      </p:nvGrpSpPr>
+      <p:grpSpPr>
+        <a:xfrm>
+          <a:off x="0" y="0"/>
+          <a:ext cx="0" cy="0"/>
+          <a:chOff x="0" y="0"/>
+          <a:chExt cx="0" cy="0"/>
+        </a:xfrm>
+      </p:grpSpPr>
+      <p:sp>
+        <p:nvSpPr>
+          <p:cNvPr id="2" name="Titre 1">
+            <a:extLst>
+              <a:ext uri="{FF2B5EF4-FFF2-40B4-BE49-F238E27FC236}">
+                <a16:creationId xmlns:a16="http://schemas.microsoft.com/office/drawing/2014/main" id="{812C0BD0-01E4-F55F-B2E2-2115856274E8}"/>
+              </a:ext>
+            </a:extLst>
+          </p:cNvPr>
+          <p:cNvSpPr>
+            <a:spLocks noGrp="1"/>
+          </p:cNvSpPr>
+          <p:nvPr>
+            <p:ph type="title"/>
+          </p:nvPr>
+        </p:nvSpPr>
+        <p:spPr/>
+        <p:txBody>
+          <a:bodyPr/>
+          <a:lstStyle/>
+          <a:p>
+            <a:r>
+              <a:rPr lang="fr-FR" dirty="0" err="1"/>
+              <a:t>Developpement</a:t>
+            </a:r>
+            <a:endParaRPr lang="en-GB" dirty="0"/>
+          </a:p>
+        </p:txBody>
+      </p:sp>
+      <p:sp>
+        <p:nvSpPr>
+          <p:cNvPr id="3" name="Espace réservé du contenu 2">
+            <a:extLst>
+              <a:ext uri="{FF2B5EF4-FFF2-40B4-BE49-F238E27FC236}">
+                <a16:creationId xmlns:a16="http://schemas.microsoft.com/office/drawing/2014/main" id="{360062DA-0D22-C5F2-45CD-89B359AA39CA}"/>
+              </a:ext>
+            </a:extLst>
+          </p:cNvPr>
+          <p:cNvSpPr>
+            <a:spLocks noGrp="1"/>
+          </p:cNvSpPr>
+          <p:nvPr>
+            <p:ph idx="1"/>
+          </p:nvPr>
+        </p:nvSpPr>
+        <p:spPr/>
+        <p:txBody>
+          <a:bodyPr/>
+          <a:lstStyle/>
+          <a:p>
+            <a:r>
+              <a:rPr lang="fr-FR" dirty="0"/>
+              <a:t>Alimentation OLTP -&gt; OLAP (flux SSIS à expliquer. Si t’as pas fait pas grave : mais met une diapo pour dire ce qu’on a prévu. FAUT RESTE POSITIF et penser aux solutions</a:t>
+            </a:r>
+            <a:endParaRPr lang="en-GB" dirty="0"/>
+          </a:p>
+          <a:p>
+            <a:endParaRPr lang="en-GB" dirty="0"/>
+          </a:p>
+        </p:txBody>
+      </p:sp>
+    </p:spTree>
+    <p:extLst>
+      <p:ext uri="{BB962C8B-B14F-4D97-AF65-F5344CB8AC3E}">
+        <p14:creationId xmlns:p14="http://schemas.microsoft.com/office/powerpoint/2010/main" val="3713338216"/>
+      </p:ext>
+    </p:extLst>
+  </p:cSld>
+  <p:clrMapOvr>
+    <a:masterClrMapping/>
+  </p:clrMapOvr>
+</p:sld>
+</file>
+
+<file path=ppt/slides/slide13.xml><?xml version="1.0" encoding="utf-8"?>
 <p:sld xmlns:a="http://schemas.openxmlformats.org/drawingml/2006/main" xmlns:r="http://schemas.openxmlformats.org/officeDocument/2006/relationships" xmlns:p="http://schemas.openxmlformats.org/presentationml/2006/main">
   <p:cSld>
     <p:bg>
@@ -19065,7 +15659,7 @@
 </p:sld>
 </file>
 
-<file path=ppt/slides/slide8.xml><?xml version="1.0" encoding="utf-8"?>
+<file path=ppt/slides/slide14.xml><?xml version="1.0" encoding="utf-8"?>
 <p:sld xmlns:a="http://schemas.openxmlformats.org/drawingml/2006/main" xmlns:r="http://schemas.openxmlformats.org/officeDocument/2006/relationships" xmlns:p="http://schemas.openxmlformats.org/presentationml/2006/main">
   <p:cSld>
     <p:bg>
@@ -19448,12 +16042,12 @@
             <a:pPr lvl="1"/>
             <a:r>
               <a:rPr lang="fr-FR" dirty="0"/>
-              <a:t>Problèmes d’estimation des temps : insertions des données sous estimé, de même pour le CUBE</a:t>
+              <a:t>Problèmes d’estimation des temps : insertions des données sous-estimé, de même pour le CUBE</a:t>
             </a:r>
           </a:p>
           <a:p>
             <a:pPr lvl="1"/>
-            <a:endParaRPr lang="fr-FR"/>
+            <a:endParaRPr lang="fr-FR" dirty="0"/>
           </a:p>
           <a:p>
             <a:pPr lvl="1"/>
@@ -19473,6 +16067,3351 @@
     <p:extLst>
       <p:ext uri="{BB962C8B-B14F-4D97-AF65-F5344CB8AC3E}">
         <p14:creationId xmlns:p14="http://schemas.microsoft.com/office/powerpoint/2010/main" val="1137461289"/>
+      </p:ext>
+    </p:extLst>
+  </p:cSld>
+  <p:clrMapOvr>
+    <a:masterClrMapping/>
+  </p:clrMapOvr>
+</p:sld>
+</file>
+
+<file path=ppt/slides/slide2.xml><?xml version="1.0" encoding="utf-8"?>
+<p:sld xmlns:a="http://schemas.openxmlformats.org/drawingml/2006/main" xmlns:r="http://schemas.openxmlformats.org/officeDocument/2006/relationships" xmlns:p="http://schemas.openxmlformats.org/presentationml/2006/main">
+  <p:cSld>
+    <p:bg>
+      <p:bgPr>
+        <a:solidFill>
+          <a:schemeClr val="bg1"/>
+        </a:solidFill>
+        <a:effectLst/>
+      </p:bgPr>
+    </p:bg>
+    <p:spTree>
+      <p:nvGrpSpPr>
+        <p:cNvPr id="1" name=""/>
+        <p:cNvGrpSpPr/>
+        <p:nvPr/>
+      </p:nvGrpSpPr>
+      <p:grpSpPr>
+        <a:xfrm>
+          <a:off x="0" y="0"/>
+          <a:ext cx="0" cy="0"/>
+          <a:chOff x="0" y="0"/>
+          <a:chExt cx="0" cy="0"/>
+        </a:xfrm>
+      </p:grpSpPr>
+      <p:sp useBgFill="1">
+        <p:nvSpPr>
+          <p:cNvPr id="62" name="Rectangle 61">
+            <a:extLst>
+              <a:ext uri="{FF2B5EF4-FFF2-40B4-BE49-F238E27FC236}">
+                <a16:creationId xmlns:a16="http://schemas.microsoft.com/office/drawing/2014/main" id="{2C61293E-6EBE-43EF-A52C-9BEBFD7679D4}"/>
+              </a:ext>
+              <a:ext uri="{C183D7F6-B498-43B3-948B-1728B52AA6E4}">
+                <adec:decorative xmlns:adec="http://schemas.microsoft.com/office/drawing/2017/decorative" val="1"/>
+              </a:ext>
+            </a:extLst>
+          </p:cNvPr>
+          <p:cNvSpPr>
+            <a:spLocks noGrp="1" noRot="1" noChangeAspect="1" noMove="1" noResize="1" noEditPoints="1" noAdjustHandles="1" noChangeArrowheads="1" noChangeShapeType="1" noTextEdit="1"/>
+          </p:cNvSpPr>
+          <p:nvPr>
+            <p:extLst>
+              <p:ext uri="{386F3935-93C4-4BCD-93E2-E3B085C9AB24}">
+                <p16:designElem xmlns:p16="http://schemas.microsoft.com/office/powerpoint/2015/main" val="1"/>
+              </p:ext>
+            </p:extLst>
+          </p:nvPr>
+        </p:nvSpPr>
+        <p:spPr>
+          <a:xfrm>
+            <a:off x="0" y="0"/>
+            <a:ext cx="12188952" cy="6858000"/>
+          </a:xfrm>
+          <a:prstGeom prst="rect">
+            <a:avLst/>
+          </a:prstGeom>
+          <a:ln>
+            <a:noFill/>
+          </a:ln>
+        </p:spPr>
+        <p:style>
+          <a:lnRef idx="2">
+            <a:schemeClr val="accent1">
+              <a:shade val="50000"/>
+            </a:schemeClr>
+          </a:lnRef>
+          <a:fillRef idx="1">
+            <a:schemeClr val="accent1"/>
+          </a:fillRef>
+          <a:effectRef idx="0">
+            <a:schemeClr val="accent1"/>
+          </a:effectRef>
+          <a:fontRef idx="minor">
+            <a:schemeClr val="lt1"/>
+          </a:fontRef>
+        </p:style>
+        <p:txBody>
+          <a:bodyPr rtlCol="0" anchor="ctr"/>
+          <a:lstStyle/>
+          <a:p>
+            <a:pPr algn="ctr"/>
+            <a:endParaRPr lang="en-US"/>
+          </a:p>
+        </p:txBody>
+      </p:sp>
+      <p:sp>
+        <p:nvSpPr>
+          <p:cNvPr id="2" name="Titre 1">
+            <a:extLst>
+              <a:ext uri="{FF2B5EF4-FFF2-40B4-BE49-F238E27FC236}">
+                <a16:creationId xmlns:a16="http://schemas.microsoft.com/office/drawing/2014/main" id="{1BFAC92D-C3C8-0029-CB85-17E8CC49ECBE}"/>
+              </a:ext>
+            </a:extLst>
+          </p:cNvPr>
+          <p:cNvSpPr>
+            <a:spLocks noGrp="1"/>
+          </p:cNvSpPr>
+          <p:nvPr>
+            <p:ph type="title"/>
+          </p:nvPr>
+        </p:nvSpPr>
+        <p:spPr>
+          <a:xfrm>
+            <a:off x="5297762" y="329184"/>
+            <a:ext cx="6251110" cy="1783080"/>
+          </a:xfrm>
+        </p:spPr>
+        <p:txBody>
+          <a:bodyPr anchor="b">
+            <a:normAutofit/>
+          </a:bodyPr>
+          <a:lstStyle/>
+          <a:p>
+            <a:r>
+              <a:rPr lang="fr-FR" sz="5400"/>
+              <a:t>Sommaire</a:t>
+            </a:r>
+            <a:endParaRPr lang="en-GB" sz="5400"/>
+          </a:p>
+        </p:txBody>
+      </p:sp>
+      <p:pic>
+        <p:nvPicPr>
+          <p:cNvPr id="4" name="Picture 4">
+            <a:extLst>
+              <a:ext uri="{FF2B5EF4-FFF2-40B4-BE49-F238E27FC236}">
+                <a16:creationId xmlns:a16="http://schemas.microsoft.com/office/drawing/2014/main" id="{2BE4EED5-5361-9745-6F35-77051066F7DC}"/>
+              </a:ext>
+            </a:extLst>
+          </p:cNvPr>
+          <p:cNvPicPr>
+            <a:picLocks noChangeAspect="1"/>
+          </p:cNvPicPr>
+          <p:nvPr/>
+        </p:nvPicPr>
+        <p:blipFill rotWithShape="1">
+          <a:blip r:embed="rId2"/>
+          <a:srcRect l="10405" r="45962" b="1"/>
+          <a:stretch/>
+        </p:blipFill>
+        <p:spPr>
+          <a:xfrm>
+            <a:off x="1" y="10"/>
+            <a:ext cx="4657344" cy="6857990"/>
+          </a:xfrm>
+          <a:custGeom>
+            <a:avLst/>
+            <a:gdLst/>
+            <a:ahLst/>
+            <a:cxnLst/>
+            <a:rect l="l" t="t" r="r" b="b"/>
+            <a:pathLst>
+              <a:path w="4657344" h="6858000">
+                <a:moveTo>
+                  <a:pt x="0" y="0"/>
+                </a:moveTo>
+                <a:lnTo>
+                  <a:pt x="3429755" y="0"/>
+                </a:lnTo>
+                <a:lnTo>
+                  <a:pt x="3526016" y="148742"/>
+                </a:lnTo>
+                <a:cubicBezTo>
+                  <a:pt x="3657740" y="365513"/>
+                  <a:pt x="3777402" y="589569"/>
+                  <a:pt x="3886489" y="819975"/>
+                </a:cubicBezTo>
+                <a:cubicBezTo>
+                  <a:pt x="3891856" y="833492"/>
+                  <a:pt x="3900663" y="845393"/>
+                  <a:pt x="3912049" y="854514"/>
+                </a:cubicBezTo>
+                <a:cubicBezTo>
+                  <a:pt x="3897352" y="819849"/>
+                  <a:pt x="3883037" y="784928"/>
+                  <a:pt x="3868083" y="750263"/>
+                </a:cubicBezTo>
+                <a:cubicBezTo>
+                  <a:pt x="3806989" y="608712"/>
+                  <a:pt x="3742478" y="469145"/>
+                  <a:pt x="3674155" y="331786"/>
+                </a:cubicBezTo>
+                <a:lnTo>
+                  <a:pt x="3496656" y="0"/>
+                </a:lnTo>
+                <a:lnTo>
+                  <a:pt x="3554371" y="0"/>
+                </a:lnTo>
+                <a:lnTo>
+                  <a:pt x="3661621" y="196614"/>
+                </a:lnTo>
+                <a:cubicBezTo>
+                  <a:pt x="3856899" y="573253"/>
+                  <a:pt x="4021071" y="966066"/>
+                  <a:pt x="4161279" y="1371196"/>
+                </a:cubicBezTo>
+                <a:cubicBezTo>
+                  <a:pt x="4379525" y="2007265"/>
+                  <a:pt x="4530141" y="2664286"/>
+                  <a:pt x="4610660" y="3331516"/>
+                </a:cubicBezTo>
+                <a:cubicBezTo>
+                  <a:pt x="4652837" y="3672965"/>
+                  <a:pt x="4671625" y="4013908"/>
+                  <a:pt x="4645040" y="4357388"/>
+                </a:cubicBezTo>
+                <a:cubicBezTo>
+                  <a:pt x="4613599" y="4758899"/>
+                  <a:pt x="4566181" y="5157998"/>
+                  <a:pt x="4485789" y="5552906"/>
+                </a:cubicBezTo>
+                <a:cubicBezTo>
+                  <a:pt x="4397121" y="5988893"/>
+                  <a:pt x="4276748" y="6414594"/>
+                  <a:pt x="4117769" y="6828295"/>
+                </a:cubicBezTo>
+                <a:lnTo>
+                  <a:pt x="4105288" y="6858000"/>
+                </a:lnTo>
+                <a:lnTo>
+                  <a:pt x="4052520" y="6858000"/>
+                </a:lnTo>
+                <a:lnTo>
+                  <a:pt x="4059369" y="6841549"/>
+                </a:lnTo>
+                <a:cubicBezTo>
+                  <a:pt x="4147276" y="6614016"/>
+                  <a:pt x="4224193" y="6380817"/>
+                  <a:pt x="4291518" y="6142729"/>
+                </a:cubicBezTo>
+                <a:cubicBezTo>
+                  <a:pt x="4350055" y="5935370"/>
+                  <a:pt x="4393256" y="5723695"/>
+                  <a:pt x="4443357" y="5513923"/>
+                </a:cubicBezTo>
+                <a:cubicBezTo>
+                  <a:pt x="4444541" y="5502788"/>
+                  <a:pt x="4445137" y="5491601"/>
+                  <a:pt x="4445146" y="5480401"/>
+                </a:cubicBezTo>
+                <a:cubicBezTo>
+                  <a:pt x="4408465" y="5607635"/>
+                  <a:pt x="4379196" y="5719759"/>
+                  <a:pt x="4344559" y="5830359"/>
+                </a:cubicBezTo>
+                <a:cubicBezTo>
+                  <a:pt x="4254261" y="6118381"/>
+                  <a:pt x="4150112" y="6398531"/>
+                  <a:pt x="4031702" y="6670527"/>
+                </a:cubicBezTo>
+                <a:lnTo>
+                  <a:pt x="3943824" y="6858000"/>
+                </a:lnTo>
+                <a:lnTo>
+                  <a:pt x="0" y="6858000"/>
+                </a:lnTo>
+                <a:close/>
+              </a:path>
+            </a:pathLst>
+          </a:custGeom>
+        </p:spPr>
+      </p:pic>
+      <p:sp>
+        <p:nvSpPr>
+          <p:cNvPr id="64" name="sketchy line">
+            <a:extLst>
+              <a:ext uri="{FF2B5EF4-FFF2-40B4-BE49-F238E27FC236}">
+                <a16:creationId xmlns:a16="http://schemas.microsoft.com/office/drawing/2014/main" id="{21540236-BFD5-4A9D-8840-4703E7F76825}"/>
+              </a:ext>
+              <a:ext uri="{C183D7F6-B498-43B3-948B-1728B52AA6E4}">
+                <adec:decorative xmlns:adec="http://schemas.microsoft.com/office/drawing/2017/decorative" val="1"/>
+              </a:ext>
+            </a:extLst>
+          </p:cNvPr>
+          <p:cNvSpPr>
+            <a:spLocks noGrp="1" noRot="1" noChangeAspect="1" noMove="1" noResize="1" noEditPoints="1" noAdjustHandles="1" noChangeArrowheads="1" noChangeShapeType="1" noTextEdit="1"/>
+          </p:cNvSpPr>
+          <p:nvPr>
+            <p:extLst>
+              <p:ext uri="{386F3935-93C4-4BCD-93E2-E3B085C9AB24}">
+                <p16:designElem xmlns:p16="http://schemas.microsoft.com/office/powerpoint/2015/main" val="1"/>
+              </p:ext>
+            </p:extLst>
+          </p:nvPr>
+        </p:nvSpPr>
+        <p:spPr>
+          <a:xfrm>
+            <a:off x="5297762" y="2374947"/>
+            <a:ext cx="4243589" cy="18288"/>
+          </a:xfrm>
+          <a:custGeom>
+            <a:avLst/>
+            <a:gdLst>
+              <a:gd name="connsiteX0" fmla="*/ 0 w 4243589"/>
+              <a:gd name="connsiteY0" fmla="*/ 0 h 18288"/>
+              <a:gd name="connsiteX1" fmla="*/ 478919 w 4243589"/>
+              <a:gd name="connsiteY1" fmla="*/ 0 h 18288"/>
+              <a:gd name="connsiteX2" fmla="*/ 957839 w 4243589"/>
+              <a:gd name="connsiteY2" fmla="*/ 0 h 18288"/>
+              <a:gd name="connsiteX3" fmla="*/ 1521630 w 4243589"/>
+              <a:gd name="connsiteY3" fmla="*/ 0 h 18288"/>
+              <a:gd name="connsiteX4" fmla="*/ 2212729 w 4243589"/>
+              <a:gd name="connsiteY4" fmla="*/ 0 h 18288"/>
+              <a:gd name="connsiteX5" fmla="*/ 2734084 w 4243589"/>
+              <a:gd name="connsiteY5" fmla="*/ 0 h 18288"/>
+              <a:gd name="connsiteX6" fmla="*/ 3255439 w 4243589"/>
+              <a:gd name="connsiteY6" fmla="*/ 0 h 18288"/>
+              <a:gd name="connsiteX7" fmla="*/ 4243589 w 4243589"/>
+              <a:gd name="connsiteY7" fmla="*/ 0 h 18288"/>
+              <a:gd name="connsiteX8" fmla="*/ 4243589 w 4243589"/>
+              <a:gd name="connsiteY8" fmla="*/ 18288 h 18288"/>
+              <a:gd name="connsiteX9" fmla="*/ 3594926 w 4243589"/>
+              <a:gd name="connsiteY9" fmla="*/ 18288 h 18288"/>
+              <a:gd name="connsiteX10" fmla="*/ 3073571 w 4243589"/>
+              <a:gd name="connsiteY10" fmla="*/ 18288 h 18288"/>
+              <a:gd name="connsiteX11" fmla="*/ 2552216 w 4243589"/>
+              <a:gd name="connsiteY11" fmla="*/ 18288 h 18288"/>
+              <a:gd name="connsiteX12" fmla="*/ 1903553 w 4243589"/>
+              <a:gd name="connsiteY12" fmla="*/ 18288 h 18288"/>
+              <a:gd name="connsiteX13" fmla="*/ 1212454 w 4243589"/>
+              <a:gd name="connsiteY13" fmla="*/ 18288 h 18288"/>
+              <a:gd name="connsiteX14" fmla="*/ 733535 w 4243589"/>
+              <a:gd name="connsiteY14" fmla="*/ 18288 h 18288"/>
+              <a:gd name="connsiteX15" fmla="*/ 0 w 4243589"/>
+              <a:gd name="connsiteY15" fmla="*/ 18288 h 18288"/>
+              <a:gd name="connsiteX16" fmla="*/ 0 w 4243589"/>
+              <a:gd name="connsiteY16" fmla="*/ 0 h 18288"/>
+            </a:gdLst>
+            <a:ahLst/>
+            <a:cxnLst>
+              <a:cxn ang="0">
+                <a:pos x="connsiteX0" y="connsiteY0"/>
+              </a:cxn>
+              <a:cxn ang="0">
+                <a:pos x="connsiteX1" y="connsiteY1"/>
+              </a:cxn>
+              <a:cxn ang="0">
+                <a:pos x="connsiteX2" y="connsiteY2"/>
+              </a:cxn>
+              <a:cxn ang="0">
+                <a:pos x="connsiteX3" y="connsiteY3"/>
+              </a:cxn>
+              <a:cxn ang="0">
+                <a:pos x="connsiteX4" y="connsiteY4"/>
+              </a:cxn>
+              <a:cxn ang="0">
+                <a:pos x="connsiteX5" y="connsiteY5"/>
+              </a:cxn>
+              <a:cxn ang="0">
+                <a:pos x="connsiteX6" y="connsiteY6"/>
+              </a:cxn>
+              <a:cxn ang="0">
+                <a:pos x="connsiteX7" y="connsiteY7"/>
+              </a:cxn>
+              <a:cxn ang="0">
+                <a:pos x="connsiteX8" y="connsiteY8"/>
+              </a:cxn>
+              <a:cxn ang="0">
+                <a:pos x="connsiteX9" y="connsiteY9"/>
+              </a:cxn>
+              <a:cxn ang="0">
+                <a:pos x="connsiteX10" y="connsiteY10"/>
+              </a:cxn>
+              <a:cxn ang="0">
+                <a:pos x="connsiteX11" y="connsiteY11"/>
+              </a:cxn>
+              <a:cxn ang="0">
+                <a:pos x="connsiteX12" y="connsiteY12"/>
+              </a:cxn>
+              <a:cxn ang="0">
+                <a:pos x="connsiteX13" y="connsiteY13"/>
+              </a:cxn>
+              <a:cxn ang="0">
+                <a:pos x="connsiteX14" y="connsiteY14"/>
+              </a:cxn>
+              <a:cxn ang="0">
+                <a:pos x="connsiteX15" y="connsiteY15"/>
+              </a:cxn>
+              <a:cxn ang="0">
+                <a:pos x="connsiteX16" y="connsiteY16"/>
+              </a:cxn>
+            </a:cxnLst>
+            <a:rect l="l" t="t" r="r" b="b"/>
+            <a:pathLst>
+              <a:path w="4243589" h="18288" fill="none" extrusionOk="0">
+                <a:moveTo>
+                  <a:pt x="0" y="0"/>
+                </a:moveTo>
+                <a:cubicBezTo>
+                  <a:pt x="213395" y="-21006"/>
+                  <a:pt x="307421" y="-18116"/>
+                  <a:pt x="478919" y="0"/>
+                </a:cubicBezTo>
+                <a:cubicBezTo>
+                  <a:pt x="650417" y="18116"/>
+                  <a:pt x="831092" y="-21237"/>
+                  <a:pt x="957839" y="0"/>
+                </a:cubicBezTo>
+                <a:cubicBezTo>
+                  <a:pt x="1084586" y="21237"/>
+                  <a:pt x="1301682" y="25124"/>
+                  <a:pt x="1521630" y="0"/>
+                </a:cubicBezTo>
+                <a:cubicBezTo>
+                  <a:pt x="1741578" y="-25124"/>
+                  <a:pt x="1970269" y="-29139"/>
+                  <a:pt x="2212729" y="0"/>
+                </a:cubicBezTo>
+                <a:cubicBezTo>
+                  <a:pt x="2455189" y="29139"/>
+                  <a:pt x="2558847" y="-4796"/>
+                  <a:pt x="2734084" y="0"/>
+                </a:cubicBezTo>
+                <a:cubicBezTo>
+                  <a:pt x="2909321" y="4796"/>
+                  <a:pt x="3097217" y="-13409"/>
+                  <a:pt x="3255439" y="0"/>
+                </a:cubicBezTo>
+                <a:cubicBezTo>
+                  <a:pt x="3413662" y="13409"/>
+                  <a:pt x="3979999" y="-10121"/>
+                  <a:pt x="4243589" y="0"/>
+                </a:cubicBezTo>
+                <a:cubicBezTo>
+                  <a:pt x="4244484" y="8974"/>
+                  <a:pt x="4243043" y="9359"/>
+                  <a:pt x="4243589" y="18288"/>
+                </a:cubicBezTo>
+                <a:cubicBezTo>
+                  <a:pt x="4058777" y="31246"/>
+                  <a:pt x="3910348" y="3158"/>
+                  <a:pt x="3594926" y="18288"/>
+                </a:cubicBezTo>
+                <a:cubicBezTo>
+                  <a:pt x="3279504" y="33418"/>
+                  <a:pt x="3319955" y="-3977"/>
+                  <a:pt x="3073571" y="18288"/>
+                </a:cubicBezTo>
+                <a:cubicBezTo>
+                  <a:pt x="2827187" y="40553"/>
+                  <a:pt x="2767387" y="1863"/>
+                  <a:pt x="2552216" y="18288"/>
+                </a:cubicBezTo>
+                <a:cubicBezTo>
+                  <a:pt x="2337046" y="34713"/>
+                  <a:pt x="2181871" y="19527"/>
+                  <a:pt x="1903553" y="18288"/>
+                </a:cubicBezTo>
+                <a:cubicBezTo>
+                  <a:pt x="1625235" y="17049"/>
+                  <a:pt x="1557672" y="24174"/>
+                  <a:pt x="1212454" y="18288"/>
+                </a:cubicBezTo>
+                <a:cubicBezTo>
+                  <a:pt x="867236" y="12402"/>
+                  <a:pt x="874382" y="15627"/>
+                  <a:pt x="733535" y="18288"/>
+                </a:cubicBezTo>
+                <a:cubicBezTo>
+                  <a:pt x="592688" y="20949"/>
+                  <a:pt x="183477" y="14753"/>
+                  <a:pt x="0" y="18288"/>
+                </a:cubicBezTo>
+                <a:cubicBezTo>
+                  <a:pt x="-229" y="14222"/>
+                  <a:pt x="509" y="5816"/>
+                  <a:pt x="0" y="0"/>
+                </a:cubicBezTo>
+                <a:close/>
+              </a:path>
+              <a:path w="4243589" h="18288" stroke="0" extrusionOk="0">
+                <a:moveTo>
+                  <a:pt x="0" y="0"/>
+                </a:moveTo>
+                <a:cubicBezTo>
+                  <a:pt x="143690" y="16630"/>
+                  <a:pt x="266667" y="14847"/>
+                  <a:pt x="521355" y="0"/>
+                </a:cubicBezTo>
+                <a:cubicBezTo>
+                  <a:pt x="776043" y="-14847"/>
+                  <a:pt x="814491" y="-17363"/>
+                  <a:pt x="1000275" y="0"/>
+                </a:cubicBezTo>
+                <a:cubicBezTo>
+                  <a:pt x="1186059" y="17363"/>
+                  <a:pt x="1352504" y="-23507"/>
+                  <a:pt x="1521630" y="0"/>
+                </a:cubicBezTo>
+                <a:cubicBezTo>
+                  <a:pt x="1690756" y="23507"/>
+                  <a:pt x="1889525" y="5871"/>
+                  <a:pt x="2127857" y="0"/>
+                </a:cubicBezTo>
+                <a:cubicBezTo>
+                  <a:pt x="2366189" y="-5871"/>
+                  <a:pt x="2620628" y="-27997"/>
+                  <a:pt x="2776520" y="0"/>
+                </a:cubicBezTo>
+                <a:cubicBezTo>
+                  <a:pt x="2932412" y="27997"/>
+                  <a:pt x="3131683" y="-25073"/>
+                  <a:pt x="3467618" y="0"/>
+                </a:cubicBezTo>
+                <a:cubicBezTo>
+                  <a:pt x="3803553" y="25073"/>
+                  <a:pt x="4017371" y="3071"/>
+                  <a:pt x="4243589" y="0"/>
+                </a:cubicBezTo>
+                <a:cubicBezTo>
+                  <a:pt x="4243134" y="6162"/>
+                  <a:pt x="4243492" y="11775"/>
+                  <a:pt x="4243589" y="18288"/>
+                </a:cubicBezTo>
+                <a:cubicBezTo>
+                  <a:pt x="4017834" y="-5779"/>
+                  <a:pt x="3834586" y="13376"/>
+                  <a:pt x="3594926" y="18288"/>
+                </a:cubicBezTo>
+                <a:cubicBezTo>
+                  <a:pt x="3355266" y="23200"/>
+                  <a:pt x="3204179" y="2869"/>
+                  <a:pt x="2903827" y="18288"/>
+                </a:cubicBezTo>
+                <a:cubicBezTo>
+                  <a:pt x="2603475" y="33707"/>
+                  <a:pt x="2526187" y="46187"/>
+                  <a:pt x="2212729" y="18288"/>
+                </a:cubicBezTo>
+                <a:cubicBezTo>
+                  <a:pt x="1899271" y="-9611"/>
+                  <a:pt x="1966289" y="29692"/>
+                  <a:pt x="1733809" y="18288"/>
+                </a:cubicBezTo>
+                <a:cubicBezTo>
+                  <a:pt x="1501329" y="6884"/>
+                  <a:pt x="1343612" y="12492"/>
+                  <a:pt x="1085146" y="18288"/>
+                </a:cubicBezTo>
+                <a:cubicBezTo>
+                  <a:pt x="826680" y="24084"/>
+                  <a:pt x="778184" y="35607"/>
+                  <a:pt x="521355" y="18288"/>
+                </a:cubicBezTo>
+                <a:cubicBezTo>
+                  <a:pt x="264526" y="969"/>
+                  <a:pt x="120277" y="4268"/>
+                  <a:pt x="0" y="18288"/>
+                </a:cubicBezTo>
+                <a:cubicBezTo>
+                  <a:pt x="766" y="10800"/>
+                  <a:pt x="-457" y="8180"/>
+                  <a:pt x="0" y="0"/>
+                </a:cubicBezTo>
+                <a:close/>
+              </a:path>
+            </a:pathLst>
+          </a:custGeom>
+          <a:solidFill>
+            <a:schemeClr val="accent2"/>
+          </a:solidFill>
+          <a:ln w="44450" cap="rnd">
+            <a:solidFill>
+              <a:schemeClr val="accent2"/>
+            </a:solidFill>
+            <a:round/>
+            <a:extLst>
+              <a:ext uri="{C807C97D-BFC1-408E-A445-0C87EB9F89A2}">
+                <ask:lineSketchStyleProps xmlns:ask="http://schemas.microsoft.com/office/drawing/2018/sketchyshapes" sd="2727557108">
+                  <a:prstGeom prst="rect">
+                    <a:avLst/>
+                  </a:prstGeom>
+                  <ask:type>
+                    <ask:lineSketchFreehand/>
+                  </ask:type>
+                </ask:lineSketchStyleProps>
+              </a:ext>
+            </a:extLst>
+          </a:ln>
+        </p:spPr>
+        <p:style>
+          <a:lnRef idx="2">
+            <a:schemeClr val="accent1">
+              <a:shade val="50000"/>
+            </a:schemeClr>
+          </a:lnRef>
+          <a:fillRef idx="1">
+            <a:schemeClr val="accent1"/>
+          </a:fillRef>
+          <a:effectRef idx="0">
+            <a:schemeClr val="accent1"/>
+          </a:effectRef>
+          <a:fontRef idx="minor">
+            <a:schemeClr val="lt1"/>
+          </a:fontRef>
+        </p:style>
+        <p:txBody>
+          <a:bodyPr rtlCol="0" anchor="ctr"/>
+          <a:lstStyle/>
+          <a:p>
+            <a:pPr algn="ctr"/>
+            <a:endParaRPr lang="en-US"/>
+          </a:p>
+        </p:txBody>
+      </p:sp>
+      <p:graphicFrame>
+        <p:nvGraphicFramePr>
+          <p:cNvPr id="5" name="Espace réservé du contenu 2">
+            <a:extLst>
+              <a:ext uri="{FF2B5EF4-FFF2-40B4-BE49-F238E27FC236}">
+                <a16:creationId xmlns:a16="http://schemas.microsoft.com/office/drawing/2014/main" id="{593DF6DF-3D74-2C0D-9E79-2D2D85554B9E}"/>
+              </a:ext>
+            </a:extLst>
+          </p:cNvPr>
+          <p:cNvGraphicFramePr>
+            <a:graphicFrameLocks noGrp="1"/>
+          </p:cNvGraphicFramePr>
+          <p:nvPr>
+            <p:ph idx="1"/>
+            <p:extLst>
+              <p:ext uri="{D42A27DB-BD31-4B8C-83A1-F6EECF244321}">
+                <p14:modId xmlns:p14="http://schemas.microsoft.com/office/powerpoint/2010/main" val="382595464"/>
+              </p:ext>
+            </p:extLst>
+          </p:nvPr>
+        </p:nvGraphicFramePr>
+        <p:xfrm>
+          <a:off x="5297762" y="2706624"/>
+          <a:ext cx="6251110" cy="3483864"/>
+        </p:xfrm>
+        <a:graphic>
+          <a:graphicData uri="http://schemas.openxmlformats.org/drawingml/2006/diagram">
+            <dgm:relIds xmlns:dgm="http://schemas.openxmlformats.org/drawingml/2006/diagram" xmlns:r="http://schemas.openxmlformats.org/officeDocument/2006/relationships" r:dm="rId3" r:lo="rId4" r:qs="rId5" r:cs="rId6"/>
+          </a:graphicData>
+        </a:graphic>
+      </p:graphicFrame>
+    </p:spTree>
+    <p:extLst>
+      <p:ext uri="{BB962C8B-B14F-4D97-AF65-F5344CB8AC3E}">
+        <p14:creationId xmlns:p14="http://schemas.microsoft.com/office/powerpoint/2010/main" val="2654662807"/>
+      </p:ext>
+    </p:extLst>
+  </p:cSld>
+  <p:clrMapOvr>
+    <a:masterClrMapping/>
+  </p:clrMapOvr>
+</p:sld>
+</file>
+
+<file path=ppt/slides/slide3.xml><?xml version="1.0" encoding="utf-8"?>
+<p:sld xmlns:a="http://schemas.openxmlformats.org/drawingml/2006/main" xmlns:r="http://schemas.openxmlformats.org/officeDocument/2006/relationships" xmlns:p="http://schemas.openxmlformats.org/presentationml/2006/main">
+  <p:cSld>
+    <p:bg>
+      <p:bgPr>
+        <a:solidFill>
+          <a:schemeClr val="bg1"/>
+        </a:solidFill>
+        <a:effectLst/>
+      </p:bgPr>
+    </p:bg>
+    <p:spTree>
+      <p:nvGrpSpPr>
+        <p:cNvPr id="1" name=""/>
+        <p:cNvGrpSpPr/>
+        <p:nvPr/>
+      </p:nvGrpSpPr>
+      <p:grpSpPr>
+        <a:xfrm>
+          <a:off x="0" y="0"/>
+          <a:ext cx="0" cy="0"/>
+          <a:chOff x="0" y="0"/>
+          <a:chExt cx="0" cy="0"/>
+        </a:xfrm>
+      </p:grpSpPr>
+      <p:sp useBgFill="1">
+        <p:nvSpPr>
+          <p:cNvPr id="8" name="Rectangle 7">
+            <a:extLst>
+              <a:ext uri="{FF2B5EF4-FFF2-40B4-BE49-F238E27FC236}">
+                <a16:creationId xmlns:a16="http://schemas.microsoft.com/office/drawing/2014/main" id="{907EF6B7-1338-4443-8C46-6A318D952DFD}"/>
+              </a:ext>
+              <a:ext uri="{C183D7F6-B498-43B3-948B-1728B52AA6E4}">
+                <adec:decorative xmlns:adec="http://schemas.microsoft.com/office/drawing/2017/decorative" val="1"/>
+              </a:ext>
+            </a:extLst>
+          </p:cNvPr>
+          <p:cNvSpPr>
+            <a:spLocks noGrp="1" noRot="1" noChangeAspect="1" noMove="1" noResize="1" noEditPoints="1" noAdjustHandles="1" noChangeArrowheads="1" noChangeShapeType="1" noTextEdit="1"/>
+          </p:cNvSpPr>
+          <p:nvPr>
+            <p:extLst>
+              <p:ext uri="{386F3935-93C4-4BCD-93E2-E3B085C9AB24}">
+                <p16:designElem xmlns:p16="http://schemas.microsoft.com/office/powerpoint/2015/main" val="1"/>
+              </p:ext>
+            </p:extLst>
+          </p:nvPr>
+        </p:nvSpPr>
+        <p:spPr>
+          <a:xfrm>
+            <a:off x="3048" y="0"/>
+            <a:ext cx="12188952" cy="6858000"/>
+          </a:xfrm>
+          <a:prstGeom prst="rect">
+            <a:avLst/>
+          </a:prstGeom>
+          <a:ln>
+            <a:noFill/>
+          </a:ln>
+        </p:spPr>
+        <p:style>
+          <a:lnRef idx="2">
+            <a:schemeClr val="accent1">
+              <a:shade val="50000"/>
+            </a:schemeClr>
+          </a:lnRef>
+          <a:fillRef idx="1">
+            <a:schemeClr val="accent1"/>
+          </a:fillRef>
+          <a:effectRef idx="0">
+            <a:schemeClr val="accent1"/>
+          </a:effectRef>
+          <a:fontRef idx="minor">
+            <a:schemeClr val="lt1"/>
+          </a:fontRef>
+        </p:style>
+        <p:txBody>
+          <a:bodyPr rtlCol="0" anchor="ctr"/>
+          <a:lstStyle/>
+          <a:p>
+            <a:pPr algn="ctr"/>
+            <a:endParaRPr lang="en-US"/>
+          </a:p>
+        </p:txBody>
+      </p:sp>
+      <p:sp>
+        <p:nvSpPr>
+          <p:cNvPr id="10" name="Freeform: Shape 9">
+            <a:extLst>
+              <a:ext uri="{FF2B5EF4-FFF2-40B4-BE49-F238E27FC236}">
+                <a16:creationId xmlns:a16="http://schemas.microsoft.com/office/drawing/2014/main" id="{DAAE4CDD-124C-4DCF-9584-B6033B545DD5}"/>
+              </a:ext>
+              <a:ext uri="{C183D7F6-B498-43B3-948B-1728B52AA6E4}">
+                <adec:decorative xmlns:adec="http://schemas.microsoft.com/office/drawing/2017/decorative" val="1"/>
+              </a:ext>
+            </a:extLst>
+          </p:cNvPr>
+          <p:cNvSpPr>
+            <a:spLocks noGrp="1" noRot="1" noChangeAspect="1" noMove="1" noResize="1" noEditPoints="1" noAdjustHandles="1" noChangeArrowheads="1" noChangeShapeType="1" noTextEdit="1"/>
+          </p:cNvSpPr>
+          <p:nvPr>
+            <p:extLst>
+              <p:ext uri="{386F3935-93C4-4BCD-93E2-E3B085C9AB24}">
+                <p16:designElem xmlns:p16="http://schemas.microsoft.com/office/powerpoint/2015/main" val="1"/>
+              </p:ext>
+            </p:extLst>
+          </p:nvPr>
+        </p:nvSpPr>
+        <p:spPr>
+          <a:xfrm>
+            <a:off x="1" y="0"/>
+            <a:ext cx="4167271" cy="6858000"/>
+          </a:xfrm>
+          <a:custGeom>
+            <a:avLst/>
+            <a:gdLst>
+              <a:gd name="connsiteX0" fmla="*/ 0 w 4167271"/>
+              <a:gd name="connsiteY0" fmla="*/ 0 h 6858000"/>
+              <a:gd name="connsiteX1" fmla="*/ 2259550 w 4167271"/>
+              <a:gd name="connsiteY1" fmla="*/ 0 h 6858000"/>
+              <a:gd name="connsiteX2" fmla="*/ 2387803 w 4167271"/>
+              <a:gd name="connsiteY2" fmla="*/ 82222 h 6858000"/>
+              <a:gd name="connsiteX3" fmla="*/ 4167271 w 4167271"/>
+              <a:gd name="connsiteY3" fmla="*/ 3429000 h 6858000"/>
+              <a:gd name="connsiteX4" fmla="*/ 2387803 w 4167271"/>
+              <a:gd name="connsiteY4" fmla="*/ 6775779 h 6858000"/>
+              <a:gd name="connsiteX5" fmla="*/ 2259550 w 4167271"/>
+              <a:gd name="connsiteY5" fmla="*/ 6858000 h 6858000"/>
+              <a:gd name="connsiteX6" fmla="*/ 0 w 4167271"/>
+              <a:gd name="connsiteY6" fmla="*/ 6858000 h 6858000"/>
+            </a:gdLst>
+            <a:ahLst/>
+            <a:cxnLst>
+              <a:cxn ang="0">
+                <a:pos x="connsiteX0" y="connsiteY0"/>
+              </a:cxn>
+              <a:cxn ang="0">
+                <a:pos x="connsiteX1" y="connsiteY1"/>
+              </a:cxn>
+              <a:cxn ang="0">
+                <a:pos x="connsiteX2" y="connsiteY2"/>
+              </a:cxn>
+              <a:cxn ang="0">
+                <a:pos x="connsiteX3" y="connsiteY3"/>
+              </a:cxn>
+              <a:cxn ang="0">
+                <a:pos x="connsiteX4" y="connsiteY4"/>
+              </a:cxn>
+              <a:cxn ang="0">
+                <a:pos x="connsiteX5" y="connsiteY5"/>
+              </a:cxn>
+              <a:cxn ang="0">
+                <a:pos x="connsiteX6" y="connsiteY6"/>
+              </a:cxn>
+            </a:cxnLst>
+            <a:rect l="l" t="t" r="r" b="b"/>
+            <a:pathLst>
+              <a:path w="4167271" h="6858000">
+                <a:moveTo>
+                  <a:pt x="0" y="0"/>
+                </a:moveTo>
+                <a:lnTo>
+                  <a:pt x="2259550" y="0"/>
+                </a:lnTo>
+                <a:lnTo>
+                  <a:pt x="2387803" y="82222"/>
+                </a:lnTo>
+                <a:cubicBezTo>
+                  <a:pt x="3461407" y="807534"/>
+                  <a:pt x="4167271" y="2035835"/>
+                  <a:pt x="4167271" y="3429000"/>
+                </a:cubicBezTo>
+                <a:cubicBezTo>
+                  <a:pt x="4167271" y="4822165"/>
+                  <a:pt x="3461407" y="6050467"/>
+                  <a:pt x="2387803" y="6775779"/>
+                </a:cubicBezTo>
+                <a:lnTo>
+                  <a:pt x="2259550" y="6858000"/>
+                </a:lnTo>
+                <a:lnTo>
+                  <a:pt x="0" y="6858000"/>
+                </a:lnTo>
+                <a:close/>
+              </a:path>
+            </a:pathLst>
+          </a:custGeom>
+          <a:solidFill>
+            <a:schemeClr val="accent2"/>
+          </a:solidFill>
+          <a:ln>
+            <a:noFill/>
+          </a:ln>
+        </p:spPr>
+        <p:style>
+          <a:lnRef idx="2">
+            <a:schemeClr val="accent1">
+              <a:shade val="50000"/>
+            </a:schemeClr>
+          </a:lnRef>
+          <a:fillRef idx="1">
+            <a:schemeClr val="accent1"/>
+          </a:fillRef>
+          <a:effectRef idx="0">
+            <a:schemeClr val="accent1"/>
+          </a:effectRef>
+          <a:fontRef idx="minor">
+            <a:schemeClr val="lt1"/>
+          </a:fontRef>
+        </p:style>
+        <p:txBody>
+          <a:bodyPr rtlCol="0" anchor="ctr"/>
+          <a:lstStyle/>
+          <a:p>
+            <a:pPr algn="ctr"/>
+            <a:endParaRPr lang="en-US"/>
+          </a:p>
+        </p:txBody>
+      </p:sp>
+      <p:sp>
+        <p:nvSpPr>
+          <p:cNvPr id="2" name="Titre 1">
+            <a:extLst>
+              <a:ext uri="{FF2B5EF4-FFF2-40B4-BE49-F238E27FC236}">
+                <a16:creationId xmlns:a16="http://schemas.microsoft.com/office/drawing/2014/main" id="{E298FAF4-3ED3-4AB9-AEAA-1EE7A676FE0B}"/>
+              </a:ext>
+            </a:extLst>
+          </p:cNvPr>
+          <p:cNvSpPr>
+            <a:spLocks noGrp="1"/>
+          </p:cNvSpPr>
+          <p:nvPr>
+            <p:ph type="title"/>
+          </p:nvPr>
+        </p:nvSpPr>
+        <p:spPr>
+          <a:xfrm>
+            <a:off x="686834" y="1153572"/>
+            <a:ext cx="3200400" cy="4461163"/>
+          </a:xfrm>
+        </p:spPr>
+        <p:txBody>
+          <a:bodyPr>
+            <a:normAutofit/>
+          </a:bodyPr>
+          <a:lstStyle/>
+          <a:p>
+            <a:r>
+              <a:rPr lang="fr-FR" dirty="0">
+                <a:solidFill>
+                  <a:srgbClr val="FFFFFF"/>
+                </a:solidFill>
+              </a:rPr>
+              <a:t>Contexte</a:t>
+            </a:r>
+          </a:p>
+        </p:txBody>
+      </p:sp>
+      <p:sp>
+        <p:nvSpPr>
+          <p:cNvPr id="12" name="Arc 11">
+            <a:extLst>
+              <a:ext uri="{FF2B5EF4-FFF2-40B4-BE49-F238E27FC236}">
+                <a16:creationId xmlns:a16="http://schemas.microsoft.com/office/drawing/2014/main" id="{081E4A58-353D-44AE-B2FC-2A74E2E400F7}"/>
+              </a:ext>
+              <a:ext uri="{C183D7F6-B498-43B3-948B-1728B52AA6E4}">
+                <adec:decorative xmlns:adec="http://schemas.microsoft.com/office/drawing/2017/decorative" val="1"/>
+              </a:ext>
+            </a:extLst>
+          </p:cNvPr>
+          <p:cNvSpPr>
+            <a:spLocks noGrp="1" noRot="1" noChangeAspect="1" noMove="1" noResize="1" noEditPoints="1" noAdjustHandles="1" noChangeArrowheads="1" noChangeShapeType="1" noTextEdit="1"/>
+          </p:cNvSpPr>
+          <p:nvPr>
+            <p:extLst>
+              <p:ext uri="{386F3935-93C4-4BCD-93E2-E3B085C9AB24}">
+                <p16:designElem xmlns:p16="http://schemas.microsoft.com/office/powerpoint/2015/main" val="1"/>
+              </p:ext>
+            </p:extLst>
+          </p:nvPr>
+        </p:nvSpPr>
+        <p:spPr>
+          <a:xfrm flipV="1">
+            <a:off x="7550402" y="2455479"/>
+            <a:ext cx="4083433" cy="4083433"/>
+          </a:xfrm>
+          <a:prstGeom prst="arc">
+            <a:avLst/>
+          </a:prstGeom>
+          <a:ln w="127000" cap="rnd">
+            <a:solidFill>
+              <a:schemeClr val="accent4"/>
+            </a:solidFill>
+            <a:prstDash val="dash"/>
+          </a:ln>
+        </p:spPr>
+        <p:style>
+          <a:lnRef idx="1">
+            <a:schemeClr val="accent1"/>
+          </a:lnRef>
+          <a:fillRef idx="0">
+            <a:schemeClr val="accent1"/>
+          </a:fillRef>
+          <a:effectRef idx="0">
+            <a:schemeClr val="accent1"/>
+          </a:effectRef>
+          <a:fontRef idx="minor">
+            <a:schemeClr val="tx1"/>
+          </a:fontRef>
+        </p:style>
+        <p:txBody>
+          <a:bodyPr rtlCol="0" anchor="ctr"/>
+          <a:lstStyle/>
+          <a:p>
+            <a:pPr algn="ctr"/>
+            <a:endParaRPr lang="en-US" dirty="0"/>
+          </a:p>
+        </p:txBody>
+      </p:sp>
+      <p:sp>
+        <p:nvSpPr>
+          <p:cNvPr id="3" name="Espace réservé du contenu 2">
+            <a:extLst>
+              <a:ext uri="{FF2B5EF4-FFF2-40B4-BE49-F238E27FC236}">
+                <a16:creationId xmlns:a16="http://schemas.microsoft.com/office/drawing/2014/main" id="{2F130D4F-A779-4716-919B-61752EAA8953}"/>
+              </a:ext>
+            </a:extLst>
+          </p:cNvPr>
+          <p:cNvSpPr>
+            <a:spLocks noGrp="1"/>
+          </p:cNvSpPr>
+          <p:nvPr>
+            <p:ph idx="1"/>
+          </p:nvPr>
+        </p:nvSpPr>
+        <p:spPr>
+          <a:xfrm>
+            <a:off x="4447308" y="591344"/>
+            <a:ext cx="6906491" cy="5585619"/>
+          </a:xfrm>
+        </p:spPr>
+        <p:txBody>
+          <a:bodyPr anchor="ctr">
+            <a:normAutofit/>
+          </a:bodyPr>
+          <a:lstStyle/>
+          <a:p>
+            <a:endParaRPr lang="fr-FR"/>
+          </a:p>
+        </p:txBody>
+      </p:sp>
+    </p:spTree>
+    <p:extLst>
+      <p:ext uri="{BB962C8B-B14F-4D97-AF65-F5344CB8AC3E}">
+        <p14:creationId xmlns:p14="http://schemas.microsoft.com/office/powerpoint/2010/main" val="2869674166"/>
+      </p:ext>
+    </p:extLst>
+  </p:cSld>
+  <p:clrMapOvr>
+    <a:masterClrMapping/>
+  </p:clrMapOvr>
+</p:sld>
+</file>
+
+<file path=ppt/slides/slide4.xml><?xml version="1.0" encoding="utf-8"?>
+<p:sld xmlns:a="http://schemas.openxmlformats.org/drawingml/2006/main" xmlns:r="http://schemas.openxmlformats.org/officeDocument/2006/relationships" xmlns:p="http://schemas.openxmlformats.org/presentationml/2006/main">
+  <p:cSld>
+    <p:bg>
+      <p:bgPr>
+        <a:solidFill>
+          <a:schemeClr val="bg1"/>
+        </a:solidFill>
+        <a:effectLst/>
+      </p:bgPr>
+    </p:bg>
+    <p:spTree>
+      <p:nvGrpSpPr>
+        <p:cNvPr id="1" name=""/>
+        <p:cNvGrpSpPr/>
+        <p:nvPr/>
+      </p:nvGrpSpPr>
+      <p:grpSpPr>
+        <a:xfrm>
+          <a:off x="0" y="0"/>
+          <a:ext cx="0" cy="0"/>
+          <a:chOff x="0" y="0"/>
+          <a:chExt cx="0" cy="0"/>
+        </a:xfrm>
+      </p:grpSpPr>
+      <p:sp useBgFill="1">
+        <p:nvSpPr>
+          <p:cNvPr id="8" name="Rectangle 7">
+            <a:extLst>
+              <a:ext uri="{FF2B5EF4-FFF2-40B4-BE49-F238E27FC236}">
+                <a16:creationId xmlns:a16="http://schemas.microsoft.com/office/drawing/2014/main" id="{907EF6B7-1338-4443-8C46-6A318D952DFD}"/>
+              </a:ext>
+              <a:ext uri="{C183D7F6-B498-43B3-948B-1728B52AA6E4}">
+                <adec:decorative xmlns:adec="http://schemas.microsoft.com/office/drawing/2017/decorative" val="1"/>
+              </a:ext>
+            </a:extLst>
+          </p:cNvPr>
+          <p:cNvSpPr>
+            <a:spLocks noGrp="1" noRot="1" noChangeAspect="1" noMove="1" noResize="1" noEditPoints="1" noAdjustHandles="1" noChangeArrowheads="1" noChangeShapeType="1" noTextEdit="1"/>
+          </p:cNvSpPr>
+          <p:nvPr>
+            <p:extLst>
+              <p:ext uri="{386F3935-93C4-4BCD-93E2-E3B085C9AB24}">
+                <p16:designElem xmlns:p16="http://schemas.microsoft.com/office/powerpoint/2015/main" val="1"/>
+              </p:ext>
+            </p:extLst>
+          </p:nvPr>
+        </p:nvSpPr>
+        <p:spPr>
+          <a:xfrm>
+            <a:off x="3048" y="0"/>
+            <a:ext cx="12188952" cy="6858000"/>
+          </a:xfrm>
+          <a:prstGeom prst="rect">
+            <a:avLst/>
+          </a:prstGeom>
+          <a:ln>
+            <a:noFill/>
+          </a:ln>
+        </p:spPr>
+        <p:style>
+          <a:lnRef idx="2">
+            <a:schemeClr val="accent1">
+              <a:shade val="50000"/>
+            </a:schemeClr>
+          </a:lnRef>
+          <a:fillRef idx="1">
+            <a:schemeClr val="accent1"/>
+          </a:fillRef>
+          <a:effectRef idx="0">
+            <a:schemeClr val="accent1"/>
+          </a:effectRef>
+          <a:fontRef idx="minor">
+            <a:schemeClr val="lt1"/>
+          </a:fontRef>
+        </p:style>
+        <p:txBody>
+          <a:bodyPr rtlCol="0" anchor="ctr"/>
+          <a:lstStyle/>
+          <a:p>
+            <a:pPr algn="ctr"/>
+            <a:endParaRPr lang="en-US"/>
+          </a:p>
+        </p:txBody>
+      </p:sp>
+      <p:sp>
+        <p:nvSpPr>
+          <p:cNvPr id="10" name="Freeform: Shape 9">
+            <a:extLst>
+              <a:ext uri="{FF2B5EF4-FFF2-40B4-BE49-F238E27FC236}">
+                <a16:creationId xmlns:a16="http://schemas.microsoft.com/office/drawing/2014/main" id="{DAAE4CDD-124C-4DCF-9584-B6033B545DD5}"/>
+              </a:ext>
+              <a:ext uri="{C183D7F6-B498-43B3-948B-1728B52AA6E4}">
+                <adec:decorative xmlns:adec="http://schemas.microsoft.com/office/drawing/2017/decorative" val="1"/>
+              </a:ext>
+            </a:extLst>
+          </p:cNvPr>
+          <p:cNvSpPr>
+            <a:spLocks noGrp="1" noRot="1" noChangeAspect="1" noMove="1" noResize="1" noEditPoints="1" noAdjustHandles="1" noChangeArrowheads="1" noChangeShapeType="1" noTextEdit="1"/>
+          </p:cNvSpPr>
+          <p:nvPr>
+            <p:extLst>
+              <p:ext uri="{386F3935-93C4-4BCD-93E2-E3B085C9AB24}">
+                <p16:designElem xmlns:p16="http://schemas.microsoft.com/office/powerpoint/2015/main" val="1"/>
+              </p:ext>
+            </p:extLst>
+          </p:nvPr>
+        </p:nvSpPr>
+        <p:spPr>
+          <a:xfrm>
+            <a:off x="1" y="0"/>
+            <a:ext cx="4167271" cy="6858000"/>
+          </a:xfrm>
+          <a:custGeom>
+            <a:avLst/>
+            <a:gdLst>
+              <a:gd name="connsiteX0" fmla="*/ 0 w 4167271"/>
+              <a:gd name="connsiteY0" fmla="*/ 0 h 6858000"/>
+              <a:gd name="connsiteX1" fmla="*/ 2259550 w 4167271"/>
+              <a:gd name="connsiteY1" fmla="*/ 0 h 6858000"/>
+              <a:gd name="connsiteX2" fmla="*/ 2387803 w 4167271"/>
+              <a:gd name="connsiteY2" fmla="*/ 82222 h 6858000"/>
+              <a:gd name="connsiteX3" fmla="*/ 4167271 w 4167271"/>
+              <a:gd name="connsiteY3" fmla="*/ 3429000 h 6858000"/>
+              <a:gd name="connsiteX4" fmla="*/ 2387803 w 4167271"/>
+              <a:gd name="connsiteY4" fmla="*/ 6775779 h 6858000"/>
+              <a:gd name="connsiteX5" fmla="*/ 2259550 w 4167271"/>
+              <a:gd name="connsiteY5" fmla="*/ 6858000 h 6858000"/>
+              <a:gd name="connsiteX6" fmla="*/ 0 w 4167271"/>
+              <a:gd name="connsiteY6" fmla="*/ 6858000 h 6858000"/>
+            </a:gdLst>
+            <a:ahLst/>
+            <a:cxnLst>
+              <a:cxn ang="0">
+                <a:pos x="connsiteX0" y="connsiteY0"/>
+              </a:cxn>
+              <a:cxn ang="0">
+                <a:pos x="connsiteX1" y="connsiteY1"/>
+              </a:cxn>
+              <a:cxn ang="0">
+                <a:pos x="connsiteX2" y="connsiteY2"/>
+              </a:cxn>
+              <a:cxn ang="0">
+                <a:pos x="connsiteX3" y="connsiteY3"/>
+              </a:cxn>
+              <a:cxn ang="0">
+                <a:pos x="connsiteX4" y="connsiteY4"/>
+              </a:cxn>
+              <a:cxn ang="0">
+                <a:pos x="connsiteX5" y="connsiteY5"/>
+              </a:cxn>
+              <a:cxn ang="0">
+                <a:pos x="connsiteX6" y="connsiteY6"/>
+              </a:cxn>
+            </a:cxnLst>
+            <a:rect l="l" t="t" r="r" b="b"/>
+            <a:pathLst>
+              <a:path w="4167271" h="6858000">
+                <a:moveTo>
+                  <a:pt x="0" y="0"/>
+                </a:moveTo>
+                <a:lnTo>
+                  <a:pt x="2259550" y="0"/>
+                </a:lnTo>
+                <a:lnTo>
+                  <a:pt x="2387803" y="82222"/>
+                </a:lnTo>
+                <a:cubicBezTo>
+                  <a:pt x="3461407" y="807534"/>
+                  <a:pt x="4167271" y="2035835"/>
+                  <a:pt x="4167271" y="3429000"/>
+                </a:cubicBezTo>
+                <a:cubicBezTo>
+                  <a:pt x="4167271" y="4822165"/>
+                  <a:pt x="3461407" y="6050467"/>
+                  <a:pt x="2387803" y="6775779"/>
+                </a:cubicBezTo>
+                <a:lnTo>
+                  <a:pt x="2259550" y="6858000"/>
+                </a:lnTo>
+                <a:lnTo>
+                  <a:pt x="0" y="6858000"/>
+                </a:lnTo>
+                <a:close/>
+              </a:path>
+            </a:pathLst>
+          </a:custGeom>
+          <a:solidFill>
+            <a:schemeClr val="accent2"/>
+          </a:solidFill>
+          <a:ln>
+            <a:noFill/>
+          </a:ln>
+        </p:spPr>
+        <p:style>
+          <a:lnRef idx="2">
+            <a:schemeClr val="accent1">
+              <a:shade val="50000"/>
+            </a:schemeClr>
+          </a:lnRef>
+          <a:fillRef idx="1">
+            <a:schemeClr val="accent1"/>
+          </a:fillRef>
+          <a:effectRef idx="0">
+            <a:schemeClr val="accent1"/>
+          </a:effectRef>
+          <a:fontRef idx="minor">
+            <a:schemeClr val="lt1"/>
+          </a:fontRef>
+        </p:style>
+        <p:txBody>
+          <a:bodyPr rtlCol="0" anchor="ctr"/>
+          <a:lstStyle/>
+          <a:p>
+            <a:pPr algn="ctr"/>
+            <a:endParaRPr lang="en-US"/>
+          </a:p>
+        </p:txBody>
+      </p:sp>
+      <p:sp>
+        <p:nvSpPr>
+          <p:cNvPr id="2" name="Titre 1">
+            <a:extLst>
+              <a:ext uri="{FF2B5EF4-FFF2-40B4-BE49-F238E27FC236}">
+                <a16:creationId xmlns:a16="http://schemas.microsoft.com/office/drawing/2014/main" id="{E298FAF4-3ED3-4AB9-AEAA-1EE7A676FE0B}"/>
+              </a:ext>
+            </a:extLst>
+          </p:cNvPr>
+          <p:cNvSpPr>
+            <a:spLocks noGrp="1"/>
+          </p:cNvSpPr>
+          <p:nvPr>
+            <p:ph type="title"/>
+          </p:nvPr>
+        </p:nvSpPr>
+        <p:spPr>
+          <a:xfrm>
+            <a:off x="686834" y="1153572"/>
+            <a:ext cx="3200400" cy="4461163"/>
+          </a:xfrm>
+        </p:spPr>
+        <p:txBody>
+          <a:bodyPr>
+            <a:normAutofit/>
+          </a:bodyPr>
+          <a:lstStyle/>
+          <a:p>
+            <a:r>
+              <a:rPr lang="fr-FR" dirty="0">
+                <a:solidFill>
+                  <a:srgbClr val="FFFFFF"/>
+                </a:solidFill>
+              </a:rPr>
+              <a:t>Besoin</a:t>
+            </a:r>
+          </a:p>
+        </p:txBody>
+      </p:sp>
+      <p:sp>
+        <p:nvSpPr>
+          <p:cNvPr id="12" name="Arc 11">
+            <a:extLst>
+              <a:ext uri="{FF2B5EF4-FFF2-40B4-BE49-F238E27FC236}">
+                <a16:creationId xmlns:a16="http://schemas.microsoft.com/office/drawing/2014/main" id="{081E4A58-353D-44AE-B2FC-2A74E2E400F7}"/>
+              </a:ext>
+              <a:ext uri="{C183D7F6-B498-43B3-948B-1728B52AA6E4}">
+                <adec:decorative xmlns:adec="http://schemas.microsoft.com/office/drawing/2017/decorative" val="1"/>
+              </a:ext>
+            </a:extLst>
+          </p:cNvPr>
+          <p:cNvSpPr>
+            <a:spLocks noGrp="1" noRot="1" noChangeAspect="1" noMove="1" noResize="1" noEditPoints="1" noAdjustHandles="1" noChangeArrowheads="1" noChangeShapeType="1" noTextEdit="1"/>
+          </p:cNvSpPr>
+          <p:nvPr>
+            <p:extLst>
+              <p:ext uri="{386F3935-93C4-4BCD-93E2-E3B085C9AB24}">
+                <p16:designElem xmlns:p16="http://schemas.microsoft.com/office/powerpoint/2015/main" val="1"/>
+              </p:ext>
+            </p:extLst>
+          </p:nvPr>
+        </p:nvSpPr>
+        <p:spPr>
+          <a:xfrm flipV="1">
+            <a:off x="7550402" y="2455479"/>
+            <a:ext cx="4083433" cy="4083433"/>
+          </a:xfrm>
+          <a:prstGeom prst="arc">
+            <a:avLst/>
+          </a:prstGeom>
+          <a:ln w="127000" cap="rnd">
+            <a:solidFill>
+              <a:schemeClr val="accent4"/>
+            </a:solidFill>
+            <a:prstDash val="dash"/>
+          </a:ln>
+        </p:spPr>
+        <p:style>
+          <a:lnRef idx="1">
+            <a:schemeClr val="accent1"/>
+          </a:lnRef>
+          <a:fillRef idx="0">
+            <a:schemeClr val="accent1"/>
+          </a:fillRef>
+          <a:effectRef idx="0">
+            <a:schemeClr val="accent1"/>
+          </a:effectRef>
+          <a:fontRef idx="minor">
+            <a:schemeClr val="tx1"/>
+          </a:fontRef>
+        </p:style>
+        <p:txBody>
+          <a:bodyPr rtlCol="0" anchor="ctr"/>
+          <a:lstStyle/>
+          <a:p>
+            <a:pPr algn="ctr"/>
+            <a:endParaRPr lang="en-US" dirty="0"/>
+          </a:p>
+        </p:txBody>
+      </p:sp>
+      <p:sp>
+        <p:nvSpPr>
+          <p:cNvPr id="3" name="Espace réservé du contenu 2">
+            <a:extLst>
+              <a:ext uri="{FF2B5EF4-FFF2-40B4-BE49-F238E27FC236}">
+                <a16:creationId xmlns:a16="http://schemas.microsoft.com/office/drawing/2014/main" id="{2F130D4F-A779-4716-919B-61752EAA8953}"/>
+              </a:ext>
+            </a:extLst>
+          </p:cNvPr>
+          <p:cNvSpPr>
+            <a:spLocks noGrp="1"/>
+          </p:cNvSpPr>
+          <p:nvPr>
+            <p:ph idx="1"/>
+          </p:nvPr>
+        </p:nvSpPr>
+        <p:spPr>
+          <a:xfrm>
+            <a:off x="4447308" y="591344"/>
+            <a:ext cx="6906491" cy="5585619"/>
+          </a:xfrm>
+        </p:spPr>
+        <p:txBody>
+          <a:bodyPr anchor="ctr">
+            <a:normAutofit/>
+          </a:bodyPr>
+          <a:lstStyle/>
+          <a:p>
+            <a:endParaRPr lang="fr-FR"/>
+          </a:p>
+        </p:txBody>
+      </p:sp>
+    </p:spTree>
+    <p:extLst>
+      <p:ext uri="{BB962C8B-B14F-4D97-AF65-F5344CB8AC3E}">
+        <p14:creationId xmlns:p14="http://schemas.microsoft.com/office/powerpoint/2010/main" val="3252611891"/>
+      </p:ext>
+    </p:extLst>
+  </p:cSld>
+  <p:clrMapOvr>
+    <a:masterClrMapping/>
+  </p:clrMapOvr>
+</p:sld>
+</file>
+
+<file path=ppt/slides/slide5.xml><?xml version="1.0" encoding="utf-8"?>
+<p:sld xmlns:a="http://schemas.openxmlformats.org/drawingml/2006/main" xmlns:r="http://schemas.openxmlformats.org/officeDocument/2006/relationships" xmlns:p="http://schemas.openxmlformats.org/presentationml/2006/main">
+  <p:cSld>
+    <p:bg>
+      <p:bgPr>
+        <a:solidFill>
+          <a:schemeClr val="bg1"/>
+        </a:solidFill>
+        <a:effectLst/>
+      </p:bgPr>
+    </p:bg>
+    <p:spTree>
+      <p:nvGrpSpPr>
+        <p:cNvPr id="1" name=""/>
+        <p:cNvGrpSpPr/>
+        <p:nvPr/>
+      </p:nvGrpSpPr>
+      <p:grpSpPr>
+        <a:xfrm>
+          <a:off x="0" y="0"/>
+          <a:ext cx="0" cy="0"/>
+          <a:chOff x="0" y="0"/>
+          <a:chExt cx="0" cy="0"/>
+        </a:xfrm>
+      </p:grpSpPr>
+      <p:sp useBgFill="1">
+        <p:nvSpPr>
+          <p:cNvPr id="34" name="Rectangle 33">
+            <a:extLst>
+              <a:ext uri="{FF2B5EF4-FFF2-40B4-BE49-F238E27FC236}">
+                <a16:creationId xmlns:a16="http://schemas.microsoft.com/office/drawing/2014/main" id="{A6D37EE4-EA1B-46EE-A54B-5233C63C9695}"/>
+              </a:ext>
+              <a:ext uri="{C183D7F6-B498-43B3-948B-1728B52AA6E4}">
+                <adec:decorative xmlns:adec="http://schemas.microsoft.com/office/drawing/2017/decorative" val="1"/>
+              </a:ext>
+            </a:extLst>
+          </p:cNvPr>
+          <p:cNvSpPr>
+            <a:spLocks noGrp="1" noRot="1" noChangeAspect="1" noMove="1" noResize="1" noEditPoints="1" noAdjustHandles="1" noChangeArrowheads="1" noChangeShapeType="1" noTextEdit="1"/>
+          </p:cNvSpPr>
+          <p:nvPr>
+            <p:extLst>
+              <p:ext uri="{386F3935-93C4-4BCD-93E2-E3B085C9AB24}">
+                <p16:designElem xmlns:p16="http://schemas.microsoft.com/office/powerpoint/2015/main" val="1"/>
+              </p:ext>
+            </p:extLst>
+          </p:nvPr>
+        </p:nvSpPr>
+        <p:spPr>
+          <a:xfrm>
+            <a:off x="0" y="0"/>
+            <a:ext cx="12188952" cy="6858000"/>
+          </a:xfrm>
+          <a:prstGeom prst="rect">
+            <a:avLst/>
+          </a:prstGeom>
+          <a:ln>
+            <a:noFill/>
+          </a:ln>
+        </p:spPr>
+        <p:style>
+          <a:lnRef idx="2">
+            <a:schemeClr val="accent1">
+              <a:shade val="50000"/>
+            </a:schemeClr>
+          </a:lnRef>
+          <a:fillRef idx="1">
+            <a:schemeClr val="accent1"/>
+          </a:fillRef>
+          <a:effectRef idx="0">
+            <a:schemeClr val="accent1"/>
+          </a:effectRef>
+          <a:fontRef idx="minor">
+            <a:schemeClr val="lt1"/>
+          </a:fontRef>
+        </p:style>
+        <p:txBody>
+          <a:bodyPr rtlCol="0" anchor="ctr"/>
+          <a:lstStyle/>
+          <a:p>
+            <a:pPr algn="ctr"/>
+            <a:endParaRPr lang="en-US"/>
+          </a:p>
+        </p:txBody>
+      </p:sp>
+      <p:sp>
+        <p:nvSpPr>
+          <p:cNvPr id="2" name="Titre 1">
+            <a:extLst>
+              <a:ext uri="{FF2B5EF4-FFF2-40B4-BE49-F238E27FC236}">
+                <a16:creationId xmlns:a16="http://schemas.microsoft.com/office/drawing/2014/main" id="{E1956F6B-A2FB-4BEB-9469-65FC8E39F583}"/>
+              </a:ext>
+            </a:extLst>
+          </p:cNvPr>
+          <p:cNvSpPr>
+            <a:spLocks noGrp="1"/>
+          </p:cNvSpPr>
+          <p:nvPr>
+            <p:ph type="title"/>
+          </p:nvPr>
+        </p:nvSpPr>
+        <p:spPr>
+          <a:xfrm>
+            <a:off x="572493" y="238539"/>
+            <a:ext cx="11047013" cy="1434415"/>
+          </a:xfrm>
+        </p:spPr>
+        <p:txBody>
+          <a:bodyPr anchor="b">
+            <a:normAutofit/>
+          </a:bodyPr>
+          <a:lstStyle/>
+          <a:p>
+            <a:r>
+              <a:rPr lang="fr-FR" sz="5400"/>
+              <a:t>Base de données OLTP</a:t>
+            </a:r>
+          </a:p>
+        </p:txBody>
+      </p:sp>
+      <p:sp>
+        <p:nvSpPr>
+          <p:cNvPr id="36" name="sketch line">
+            <a:extLst>
+              <a:ext uri="{FF2B5EF4-FFF2-40B4-BE49-F238E27FC236}">
+                <a16:creationId xmlns:a16="http://schemas.microsoft.com/office/drawing/2014/main" id="{927D5270-6648-4CC1-8F78-48BE299CAC25}"/>
+              </a:ext>
+              <a:ext uri="{C183D7F6-B498-43B3-948B-1728B52AA6E4}">
+                <adec:decorative xmlns:adec="http://schemas.microsoft.com/office/drawing/2017/decorative" val="1"/>
+              </a:ext>
+            </a:extLst>
+          </p:cNvPr>
+          <p:cNvSpPr>
+            <a:spLocks noGrp="1" noRot="1" noChangeAspect="1" noMove="1" noResize="1" noEditPoints="1" noAdjustHandles="1" noChangeArrowheads="1" noChangeShapeType="1" noTextEdit="1"/>
+          </p:cNvSpPr>
+          <p:nvPr>
+            <p:extLst>
+              <p:ext uri="{386F3935-93C4-4BCD-93E2-E3B085C9AB24}">
+                <p16:designElem xmlns:p16="http://schemas.microsoft.com/office/powerpoint/2015/main" val="1"/>
+              </p:ext>
+            </p:extLst>
+          </p:nvPr>
+        </p:nvSpPr>
+        <p:spPr>
+          <a:xfrm>
+            <a:off x="572493" y="1767709"/>
+            <a:ext cx="10972800" cy="18288"/>
+          </a:xfrm>
+          <a:custGeom>
+            <a:avLst/>
+            <a:gdLst>
+              <a:gd name="connsiteX0" fmla="*/ 0 w 10972800"/>
+              <a:gd name="connsiteY0" fmla="*/ 0 h 18288"/>
+              <a:gd name="connsiteX1" fmla="*/ 356616 w 10972800"/>
+              <a:gd name="connsiteY1" fmla="*/ 0 h 18288"/>
+              <a:gd name="connsiteX2" fmla="*/ 1042416 w 10972800"/>
+              <a:gd name="connsiteY2" fmla="*/ 0 h 18288"/>
+              <a:gd name="connsiteX3" fmla="*/ 1947672 w 10972800"/>
+              <a:gd name="connsiteY3" fmla="*/ 0 h 18288"/>
+              <a:gd name="connsiteX4" fmla="*/ 2633472 w 10972800"/>
+              <a:gd name="connsiteY4" fmla="*/ 0 h 18288"/>
+              <a:gd name="connsiteX5" fmla="*/ 2990088 w 10972800"/>
+              <a:gd name="connsiteY5" fmla="*/ 0 h 18288"/>
+              <a:gd name="connsiteX6" fmla="*/ 3456432 w 10972800"/>
+              <a:gd name="connsiteY6" fmla="*/ 0 h 18288"/>
+              <a:gd name="connsiteX7" fmla="*/ 4361688 w 10972800"/>
+              <a:gd name="connsiteY7" fmla="*/ 0 h 18288"/>
+              <a:gd name="connsiteX8" fmla="*/ 5266944 w 10972800"/>
+              <a:gd name="connsiteY8" fmla="*/ 0 h 18288"/>
+              <a:gd name="connsiteX9" fmla="*/ 6172200 w 10972800"/>
+              <a:gd name="connsiteY9" fmla="*/ 0 h 18288"/>
+              <a:gd name="connsiteX10" fmla="*/ 6528816 w 10972800"/>
+              <a:gd name="connsiteY10" fmla="*/ 0 h 18288"/>
+              <a:gd name="connsiteX11" fmla="*/ 7214616 w 10972800"/>
+              <a:gd name="connsiteY11" fmla="*/ 0 h 18288"/>
+              <a:gd name="connsiteX12" fmla="*/ 7790688 w 10972800"/>
+              <a:gd name="connsiteY12" fmla="*/ 0 h 18288"/>
+              <a:gd name="connsiteX13" fmla="*/ 8147304 w 10972800"/>
+              <a:gd name="connsiteY13" fmla="*/ 0 h 18288"/>
+              <a:gd name="connsiteX14" fmla="*/ 9052560 w 10972800"/>
+              <a:gd name="connsiteY14" fmla="*/ 0 h 18288"/>
+              <a:gd name="connsiteX15" fmla="*/ 9409176 w 10972800"/>
+              <a:gd name="connsiteY15" fmla="*/ 0 h 18288"/>
+              <a:gd name="connsiteX16" fmla="*/ 9765792 w 10972800"/>
+              <a:gd name="connsiteY16" fmla="*/ 0 h 18288"/>
+              <a:gd name="connsiteX17" fmla="*/ 10341864 w 10972800"/>
+              <a:gd name="connsiteY17" fmla="*/ 0 h 18288"/>
+              <a:gd name="connsiteX18" fmla="*/ 10972800 w 10972800"/>
+              <a:gd name="connsiteY18" fmla="*/ 0 h 18288"/>
+              <a:gd name="connsiteX19" fmla="*/ 10972800 w 10972800"/>
+              <a:gd name="connsiteY19" fmla="*/ 18288 h 18288"/>
+              <a:gd name="connsiteX20" fmla="*/ 10177272 w 10972800"/>
+              <a:gd name="connsiteY20" fmla="*/ 18288 h 18288"/>
+              <a:gd name="connsiteX21" fmla="*/ 9820656 w 10972800"/>
+              <a:gd name="connsiteY21" fmla="*/ 18288 h 18288"/>
+              <a:gd name="connsiteX22" fmla="*/ 9464040 w 10972800"/>
+              <a:gd name="connsiteY22" fmla="*/ 18288 h 18288"/>
+              <a:gd name="connsiteX23" fmla="*/ 8778240 w 10972800"/>
+              <a:gd name="connsiteY23" fmla="*/ 18288 h 18288"/>
+              <a:gd name="connsiteX24" fmla="*/ 8421624 w 10972800"/>
+              <a:gd name="connsiteY24" fmla="*/ 18288 h 18288"/>
+              <a:gd name="connsiteX25" fmla="*/ 7735824 w 10972800"/>
+              <a:gd name="connsiteY25" fmla="*/ 18288 h 18288"/>
+              <a:gd name="connsiteX26" fmla="*/ 6940296 w 10972800"/>
+              <a:gd name="connsiteY26" fmla="*/ 18288 h 18288"/>
+              <a:gd name="connsiteX27" fmla="*/ 6254496 w 10972800"/>
+              <a:gd name="connsiteY27" fmla="*/ 18288 h 18288"/>
+              <a:gd name="connsiteX28" fmla="*/ 5458968 w 10972800"/>
+              <a:gd name="connsiteY28" fmla="*/ 18288 h 18288"/>
+              <a:gd name="connsiteX29" fmla="*/ 4663440 w 10972800"/>
+              <a:gd name="connsiteY29" fmla="*/ 18288 h 18288"/>
+              <a:gd name="connsiteX30" fmla="*/ 4306824 w 10972800"/>
+              <a:gd name="connsiteY30" fmla="*/ 18288 h 18288"/>
+              <a:gd name="connsiteX31" fmla="*/ 3840480 w 10972800"/>
+              <a:gd name="connsiteY31" fmla="*/ 18288 h 18288"/>
+              <a:gd name="connsiteX32" fmla="*/ 3264408 w 10972800"/>
+              <a:gd name="connsiteY32" fmla="*/ 18288 h 18288"/>
+              <a:gd name="connsiteX33" fmla="*/ 2578608 w 10972800"/>
+              <a:gd name="connsiteY33" fmla="*/ 18288 h 18288"/>
+              <a:gd name="connsiteX34" fmla="*/ 1673352 w 10972800"/>
+              <a:gd name="connsiteY34" fmla="*/ 18288 h 18288"/>
+              <a:gd name="connsiteX35" fmla="*/ 877824 w 10972800"/>
+              <a:gd name="connsiteY35" fmla="*/ 18288 h 18288"/>
+              <a:gd name="connsiteX36" fmla="*/ 0 w 10972800"/>
+              <a:gd name="connsiteY36" fmla="*/ 18288 h 18288"/>
+              <a:gd name="connsiteX37" fmla="*/ 0 w 10972800"/>
+              <a:gd name="connsiteY37" fmla="*/ 0 h 18288"/>
+            </a:gdLst>
+            <a:ahLst/>
+            <a:cxnLst>
+              <a:cxn ang="0">
+                <a:pos x="connsiteX0" y="connsiteY0"/>
+              </a:cxn>
+              <a:cxn ang="0">
+                <a:pos x="connsiteX1" y="connsiteY1"/>
+              </a:cxn>
+              <a:cxn ang="0">
+                <a:pos x="connsiteX2" y="connsiteY2"/>
+              </a:cxn>
+              <a:cxn ang="0">
+                <a:pos x="connsiteX3" y="connsiteY3"/>
+              </a:cxn>
+              <a:cxn ang="0">
+                <a:pos x="connsiteX4" y="connsiteY4"/>
+              </a:cxn>
+              <a:cxn ang="0">
+                <a:pos x="connsiteX5" y="connsiteY5"/>
+              </a:cxn>
+              <a:cxn ang="0">
+                <a:pos x="connsiteX6" y="connsiteY6"/>
+              </a:cxn>
+              <a:cxn ang="0">
+                <a:pos x="connsiteX7" y="connsiteY7"/>
+              </a:cxn>
+              <a:cxn ang="0">
+                <a:pos x="connsiteX8" y="connsiteY8"/>
+              </a:cxn>
+              <a:cxn ang="0">
+                <a:pos x="connsiteX9" y="connsiteY9"/>
+              </a:cxn>
+              <a:cxn ang="0">
+                <a:pos x="connsiteX10" y="connsiteY10"/>
+              </a:cxn>
+              <a:cxn ang="0">
+                <a:pos x="connsiteX11" y="connsiteY11"/>
+              </a:cxn>
+              <a:cxn ang="0">
+                <a:pos x="connsiteX12" y="connsiteY12"/>
+              </a:cxn>
+              <a:cxn ang="0">
+                <a:pos x="connsiteX13" y="connsiteY13"/>
+              </a:cxn>
+              <a:cxn ang="0">
+                <a:pos x="connsiteX14" y="connsiteY14"/>
+              </a:cxn>
+              <a:cxn ang="0">
+                <a:pos x="connsiteX15" y="connsiteY15"/>
+              </a:cxn>
+              <a:cxn ang="0">
+                <a:pos x="connsiteX16" y="connsiteY16"/>
+              </a:cxn>
+              <a:cxn ang="0">
+                <a:pos x="connsiteX17" y="connsiteY17"/>
+              </a:cxn>
+              <a:cxn ang="0">
+                <a:pos x="connsiteX18" y="connsiteY18"/>
+              </a:cxn>
+              <a:cxn ang="0">
+                <a:pos x="connsiteX19" y="connsiteY19"/>
+              </a:cxn>
+              <a:cxn ang="0">
+                <a:pos x="connsiteX20" y="connsiteY20"/>
+              </a:cxn>
+              <a:cxn ang="0">
+                <a:pos x="connsiteX21" y="connsiteY21"/>
+              </a:cxn>
+              <a:cxn ang="0">
+                <a:pos x="connsiteX22" y="connsiteY22"/>
+              </a:cxn>
+              <a:cxn ang="0">
+                <a:pos x="connsiteX23" y="connsiteY23"/>
+              </a:cxn>
+              <a:cxn ang="0">
+                <a:pos x="connsiteX24" y="connsiteY24"/>
+              </a:cxn>
+              <a:cxn ang="0">
+                <a:pos x="connsiteX25" y="connsiteY25"/>
+              </a:cxn>
+              <a:cxn ang="0">
+                <a:pos x="connsiteX26" y="connsiteY26"/>
+              </a:cxn>
+              <a:cxn ang="0">
+                <a:pos x="connsiteX27" y="connsiteY27"/>
+              </a:cxn>
+              <a:cxn ang="0">
+                <a:pos x="connsiteX28" y="connsiteY28"/>
+              </a:cxn>
+              <a:cxn ang="0">
+                <a:pos x="connsiteX29" y="connsiteY29"/>
+              </a:cxn>
+              <a:cxn ang="0">
+                <a:pos x="connsiteX30" y="connsiteY30"/>
+              </a:cxn>
+              <a:cxn ang="0">
+                <a:pos x="connsiteX31" y="connsiteY31"/>
+              </a:cxn>
+              <a:cxn ang="0">
+                <a:pos x="connsiteX32" y="connsiteY32"/>
+              </a:cxn>
+              <a:cxn ang="0">
+                <a:pos x="connsiteX33" y="connsiteY33"/>
+              </a:cxn>
+              <a:cxn ang="0">
+                <a:pos x="connsiteX34" y="connsiteY34"/>
+              </a:cxn>
+              <a:cxn ang="0">
+                <a:pos x="connsiteX35" y="connsiteY35"/>
+              </a:cxn>
+              <a:cxn ang="0">
+                <a:pos x="connsiteX36" y="connsiteY36"/>
+              </a:cxn>
+              <a:cxn ang="0">
+                <a:pos x="connsiteX37" y="connsiteY37"/>
+              </a:cxn>
+            </a:cxnLst>
+            <a:rect l="l" t="t" r="r" b="b"/>
+            <a:pathLst>
+              <a:path w="10972800" h="18288" fill="none" extrusionOk="0">
+                <a:moveTo>
+                  <a:pt x="0" y="0"/>
+                </a:moveTo>
+                <a:cubicBezTo>
+                  <a:pt x="165916" y="-1866"/>
+                  <a:pt x="188720" y="13756"/>
+                  <a:pt x="356616" y="0"/>
+                </a:cubicBezTo>
+                <a:cubicBezTo>
+                  <a:pt x="524512" y="-13756"/>
+                  <a:pt x="734781" y="8922"/>
+                  <a:pt x="1042416" y="0"/>
+                </a:cubicBezTo>
+                <a:cubicBezTo>
+                  <a:pt x="1350051" y="-8922"/>
+                  <a:pt x="1595982" y="-26315"/>
+                  <a:pt x="1947672" y="0"/>
+                </a:cubicBezTo>
+                <a:cubicBezTo>
+                  <a:pt x="2299362" y="26315"/>
+                  <a:pt x="2292691" y="-19526"/>
+                  <a:pt x="2633472" y="0"/>
+                </a:cubicBezTo>
+                <a:cubicBezTo>
+                  <a:pt x="2974253" y="19526"/>
+                  <a:pt x="2857309" y="10773"/>
+                  <a:pt x="2990088" y="0"/>
+                </a:cubicBezTo>
+                <a:cubicBezTo>
+                  <a:pt x="3122867" y="-10773"/>
+                  <a:pt x="3359343" y="7194"/>
+                  <a:pt x="3456432" y="0"/>
+                </a:cubicBezTo>
+                <a:cubicBezTo>
+                  <a:pt x="3553521" y="-7194"/>
+                  <a:pt x="4136258" y="5108"/>
+                  <a:pt x="4361688" y="0"/>
+                </a:cubicBezTo>
+                <a:cubicBezTo>
+                  <a:pt x="4587118" y="-5108"/>
+                  <a:pt x="4992424" y="-42958"/>
+                  <a:pt x="5266944" y="0"/>
+                </a:cubicBezTo>
+                <a:cubicBezTo>
+                  <a:pt x="5541464" y="42958"/>
+                  <a:pt x="5882966" y="-3430"/>
+                  <a:pt x="6172200" y="0"/>
+                </a:cubicBezTo>
+                <a:cubicBezTo>
+                  <a:pt x="6461434" y="3430"/>
+                  <a:pt x="6432127" y="6688"/>
+                  <a:pt x="6528816" y="0"/>
+                </a:cubicBezTo>
+                <a:cubicBezTo>
+                  <a:pt x="6625505" y="-6688"/>
+                  <a:pt x="6916805" y="-436"/>
+                  <a:pt x="7214616" y="0"/>
+                </a:cubicBezTo>
+                <a:cubicBezTo>
+                  <a:pt x="7512427" y="436"/>
+                  <a:pt x="7626159" y="-6909"/>
+                  <a:pt x="7790688" y="0"/>
+                </a:cubicBezTo>
+                <a:cubicBezTo>
+                  <a:pt x="7955217" y="6909"/>
+                  <a:pt x="8048891" y="15307"/>
+                  <a:pt x="8147304" y="0"/>
+                </a:cubicBezTo>
+                <a:cubicBezTo>
+                  <a:pt x="8245717" y="-15307"/>
+                  <a:pt x="8645618" y="-11734"/>
+                  <a:pt x="9052560" y="0"/>
+                </a:cubicBezTo>
+                <a:cubicBezTo>
+                  <a:pt x="9459502" y="11734"/>
+                  <a:pt x="9320584" y="8388"/>
+                  <a:pt x="9409176" y="0"/>
+                </a:cubicBezTo>
+                <a:cubicBezTo>
+                  <a:pt x="9497768" y="-8388"/>
+                  <a:pt x="9644192" y="8379"/>
+                  <a:pt x="9765792" y="0"/>
+                </a:cubicBezTo>
+                <a:cubicBezTo>
+                  <a:pt x="9887392" y="-8379"/>
+                  <a:pt x="10105220" y="-12663"/>
+                  <a:pt x="10341864" y="0"/>
+                </a:cubicBezTo>
+                <a:cubicBezTo>
+                  <a:pt x="10578508" y="12663"/>
+                  <a:pt x="10773103" y="-5786"/>
+                  <a:pt x="10972800" y="0"/>
+                </a:cubicBezTo>
+                <a:cubicBezTo>
+                  <a:pt x="10972146" y="8818"/>
+                  <a:pt x="10972240" y="13823"/>
+                  <a:pt x="10972800" y="18288"/>
+                </a:cubicBezTo>
+                <a:cubicBezTo>
+                  <a:pt x="10588778" y="31598"/>
+                  <a:pt x="10543381" y="-12698"/>
+                  <a:pt x="10177272" y="18288"/>
+                </a:cubicBezTo>
+                <a:cubicBezTo>
+                  <a:pt x="9811163" y="49274"/>
+                  <a:pt x="9996817" y="25662"/>
+                  <a:pt x="9820656" y="18288"/>
+                </a:cubicBezTo>
+                <a:cubicBezTo>
+                  <a:pt x="9644495" y="10914"/>
+                  <a:pt x="9607007" y="31631"/>
+                  <a:pt x="9464040" y="18288"/>
+                </a:cubicBezTo>
+                <a:cubicBezTo>
+                  <a:pt x="9321073" y="4945"/>
+                  <a:pt x="9114189" y="28940"/>
+                  <a:pt x="8778240" y="18288"/>
+                </a:cubicBezTo>
+                <a:cubicBezTo>
+                  <a:pt x="8442291" y="7636"/>
+                  <a:pt x="8594763" y="987"/>
+                  <a:pt x="8421624" y="18288"/>
+                </a:cubicBezTo>
+                <a:cubicBezTo>
+                  <a:pt x="8248485" y="35589"/>
+                  <a:pt x="7929515" y="37573"/>
+                  <a:pt x="7735824" y="18288"/>
+                </a:cubicBezTo>
+                <a:cubicBezTo>
+                  <a:pt x="7542133" y="-997"/>
+                  <a:pt x="7252504" y="33858"/>
+                  <a:pt x="6940296" y="18288"/>
+                </a:cubicBezTo>
+                <a:cubicBezTo>
+                  <a:pt x="6628088" y="2718"/>
+                  <a:pt x="6528503" y="48389"/>
+                  <a:pt x="6254496" y="18288"/>
+                </a:cubicBezTo>
+                <a:cubicBezTo>
+                  <a:pt x="5980489" y="-11813"/>
+                  <a:pt x="5695784" y="-3740"/>
+                  <a:pt x="5458968" y="18288"/>
+                </a:cubicBezTo>
+                <a:cubicBezTo>
+                  <a:pt x="5222152" y="40316"/>
+                  <a:pt x="5010751" y="19095"/>
+                  <a:pt x="4663440" y="18288"/>
+                </a:cubicBezTo>
+                <a:cubicBezTo>
+                  <a:pt x="4316129" y="17481"/>
+                  <a:pt x="4425552" y="1606"/>
+                  <a:pt x="4306824" y="18288"/>
+                </a:cubicBezTo>
+                <a:cubicBezTo>
+                  <a:pt x="4188096" y="34970"/>
+                  <a:pt x="3941535" y="7481"/>
+                  <a:pt x="3840480" y="18288"/>
+                </a:cubicBezTo>
+                <a:cubicBezTo>
+                  <a:pt x="3739425" y="29095"/>
+                  <a:pt x="3402388" y="17641"/>
+                  <a:pt x="3264408" y="18288"/>
+                </a:cubicBezTo>
+                <a:cubicBezTo>
+                  <a:pt x="3126428" y="18935"/>
+                  <a:pt x="2776779" y="9983"/>
+                  <a:pt x="2578608" y="18288"/>
+                </a:cubicBezTo>
+                <a:cubicBezTo>
+                  <a:pt x="2380437" y="26593"/>
+                  <a:pt x="1909468" y="25818"/>
+                  <a:pt x="1673352" y="18288"/>
+                </a:cubicBezTo>
+                <a:cubicBezTo>
+                  <a:pt x="1437236" y="10758"/>
+                  <a:pt x="1131180" y="49884"/>
+                  <a:pt x="877824" y="18288"/>
+                </a:cubicBezTo>
+                <a:cubicBezTo>
+                  <a:pt x="624468" y="-13308"/>
+                  <a:pt x="206753" y="2195"/>
+                  <a:pt x="0" y="18288"/>
+                </a:cubicBezTo>
+                <a:cubicBezTo>
+                  <a:pt x="313" y="10654"/>
+                  <a:pt x="-263" y="4056"/>
+                  <a:pt x="0" y="0"/>
+                </a:cubicBezTo>
+                <a:close/>
+              </a:path>
+              <a:path w="10972800" h="18288" stroke="0" extrusionOk="0">
+                <a:moveTo>
+                  <a:pt x="0" y="0"/>
+                </a:moveTo>
+                <a:cubicBezTo>
+                  <a:pt x="164017" y="-17675"/>
+                  <a:pt x="309425" y="9913"/>
+                  <a:pt x="466344" y="0"/>
+                </a:cubicBezTo>
+                <a:cubicBezTo>
+                  <a:pt x="623263" y="-9913"/>
+                  <a:pt x="659300" y="-14524"/>
+                  <a:pt x="822960" y="0"/>
+                </a:cubicBezTo>
+                <a:cubicBezTo>
+                  <a:pt x="986620" y="14524"/>
+                  <a:pt x="1105222" y="-16481"/>
+                  <a:pt x="1289304" y="0"/>
+                </a:cubicBezTo>
+                <a:cubicBezTo>
+                  <a:pt x="1473386" y="16481"/>
+                  <a:pt x="1693223" y="26161"/>
+                  <a:pt x="1975104" y="0"/>
+                </a:cubicBezTo>
+                <a:cubicBezTo>
+                  <a:pt x="2256985" y="-26161"/>
+                  <a:pt x="2435781" y="23061"/>
+                  <a:pt x="2770632" y="0"/>
+                </a:cubicBezTo>
+                <a:cubicBezTo>
+                  <a:pt x="3105483" y="-23061"/>
+                  <a:pt x="3247479" y="-44011"/>
+                  <a:pt x="3675888" y="0"/>
+                </a:cubicBezTo>
+                <a:cubicBezTo>
+                  <a:pt x="4104297" y="44011"/>
+                  <a:pt x="4280918" y="4017"/>
+                  <a:pt x="4581144" y="0"/>
+                </a:cubicBezTo>
+                <a:cubicBezTo>
+                  <a:pt x="4881370" y="-4017"/>
+                  <a:pt x="5021699" y="-11889"/>
+                  <a:pt x="5157216" y="0"/>
+                </a:cubicBezTo>
+                <a:cubicBezTo>
+                  <a:pt x="5292733" y="11889"/>
+                  <a:pt x="5603398" y="-17698"/>
+                  <a:pt x="5952744" y="0"/>
+                </a:cubicBezTo>
+                <a:cubicBezTo>
+                  <a:pt x="6302090" y="17698"/>
+                  <a:pt x="6353093" y="-11909"/>
+                  <a:pt x="6638544" y="0"/>
+                </a:cubicBezTo>
+                <a:cubicBezTo>
+                  <a:pt x="6923995" y="11909"/>
+                  <a:pt x="7053404" y="21630"/>
+                  <a:pt x="7214616" y="0"/>
+                </a:cubicBezTo>
+                <a:cubicBezTo>
+                  <a:pt x="7375828" y="-21630"/>
+                  <a:pt x="7837963" y="3886"/>
+                  <a:pt x="8010144" y="0"/>
+                </a:cubicBezTo>
+                <a:cubicBezTo>
+                  <a:pt x="8182325" y="-3886"/>
+                  <a:pt x="8224183" y="16009"/>
+                  <a:pt x="8366760" y="0"/>
+                </a:cubicBezTo>
+                <a:cubicBezTo>
+                  <a:pt x="8509337" y="-16009"/>
+                  <a:pt x="8687920" y="-5720"/>
+                  <a:pt x="8942832" y="0"/>
+                </a:cubicBezTo>
+                <a:cubicBezTo>
+                  <a:pt x="9197744" y="5720"/>
+                  <a:pt x="9368437" y="20479"/>
+                  <a:pt x="9628632" y="0"/>
+                </a:cubicBezTo>
+                <a:cubicBezTo>
+                  <a:pt x="9888827" y="-20479"/>
+                  <a:pt x="10560858" y="-20746"/>
+                  <a:pt x="10972800" y="0"/>
+                </a:cubicBezTo>
+                <a:cubicBezTo>
+                  <a:pt x="10972186" y="5722"/>
+                  <a:pt x="10972980" y="12495"/>
+                  <a:pt x="10972800" y="18288"/>
+                </a:cubicBezTo>
+                <a:cubicBezTo>
+                  <a:pt x="10786146" y="12536"/>
+                  <a:pt x="10623717" y="14033"/>
+                  <a:pt x="10506456" y="18288"/>
+                </a:cubicBezTo>
+                <a:cubicBezTo>
+                  <a:pt x="10389195" y="22543"/>
+                  <a:pt x="10296178" y="20107"/>
+                  <a:pt x="10149840" y="18288"/>
+                </a:cubicBezTo>
+                <a:cubicBezTo>
+                  <a:pt x="10003502" y="16469"/>
+                  <a:pt x="9767530" y="28891"/>
+                  <a:pt x="9464040" y="18288"/>
+                </a:cubicBezTo>
+                <a:cubicBezTo>
+                  <a:pt x="9160550" y="7685"/>
+                  <a:pt x="9229050" y="2659"/>
+                  <a:pt x="8997696" y="18288"/>
+                </a:cubicBezTo>
+                <a:cubicBezTo>
+                  <a:pt x="8766342" y="33917"/>
+                  <a:pt x="8340136" y="34864"/>
+                  <a:pt x="8092440" y="18288"/>
+                </a:cubicBezTo>
+                <a:cubicBezTo>
+                  <a:pt x="7844744" y="1712"/>
+                  <a:pt x="7863720" y="27405"/>
+                  <a:pt x="7735824" y="18288"/>
+                </a:cubicBezTo>
+                <a:cubicBezTo>
+                  <a:pt x="7607928" y="9171"/>
+                  <a:pt x="7323619" y="461"/>
+                  <a:pt x="7050024" y="18288"/>
+                </a:cubicBezTo>
+                <a:cubicBezTo>
+                  <a:pt x="6776429" y="36115"/>
+                  <a:pt x="6787899" y="28206"/>
+                  <a:pt x="6693408" y="18288"/>
+                </a:cubicBezTo>
+                <a:cubicBezTo>
+                  <a:pt x="6598917" y="8370"/>
+                  <a:pt x="6395231" y="19114"/>
+                  <a:pt x="6227064" y="18288"/>
+                </a:cubicBezTo>
+                <a:cubicBezTo>
+                  <a:pt x="6058897" y="17462"/>
+                  <a:pt x="5618582" y="1091"/>
+                  <a:pt x="5431536" y="18288"/>
+                </a:cubicBezTo>
+                <a:cubicBezTo>
+                  <a:pt x="5244490" y="35485"/>
+                  <a:pt x="4729797" y="-9650"/>
+                  <a:pt x="4526280" y="18288"/>
+                </a:cubicBezTo>
+                <a:cubicBezTo>
+                  <a:pt x="4322763" y="46226"/>
+                  <a:pt x="4216797" y="756"/>
+                  <a:pt x="4059936" y="18288"/>
+                </a:cubicBezTo>
+                <a:cubicBezTo>
+                  <a:pt x="3903075" y="35820"/>
+                  <a:pt x="3537912" y="42098"/>
+                  <a:pt x="3374136" y="18288"/>
+                </a:cubicBezTo>
+                <a:cubicBezTo>
+                  <a:pt x="3210360" y="-5522"/>
+                  <a:pt x="3126842" y="39135"/>
+                  <a:pt x="2907792" y="18288"/>
+                </a:cubicBezTo>
+                <a:cubicBezTo>
+                  <a:pt x="2688742" y="-2559"/>
+                  <a:pt x="2490436" y="34100"/>
+                  <a:pt x="2112264" y="18288"/>
+                </a:cubicBezTo>
+                <a:cubicBezTo>
+                  <a:pt x="1734092" y="2476"/>
+                  <a:pt x="1744622" y="-7274"/>
+                  <a:pt x="1536192" y="18288"/>
+                </a:cubicBezTo>
+                <a:cubicBezTo>
+                  <a:pt x="1327762" y="43850"/>
+                  <a:pt x="1189025" y="6435"/>
+                  <a:pt x="1069848" y="18288"/>
+                </a:cubicBezTo>
+                <a:cubicBezTo>
+                  <a:pt x="950671" y="30141"/>
+                  <a:pt x="858345" y="33684"/>
+                  <a:pt x="713232" y="18288"/>
+                </a:cubicBezTo>
+                <a:cubicBezTo>
+                  <a:pt x="568119" y="2892"/>
+                  <a:pt x="250292" y="5410"/>
+                  <a:pt x="0" y="18288"/>
+                </a:cubicBezTo>
+                <a:cubicBezTo>
+                  <a:pt x="465" y="13062"/>
+                  <a:pt x="-894" y="9029"/>
+                  <a:pt x="0" y="0"/>
+                </a:cubicBezTo>
+                <a:close/>
+              </a:path>
+            </a:pathLst>
+          </a:custGeom>
+          <a:solidFill>
+            <a:schemeClr val="accent2">
+              <a:alpha val="75000"/>
+            </a:schemeClr>
+          </a:solidFill>
+          <a:ln w="44450" cap="rnd">
+            <a:solidFill>
+              <a:schemeClr val="accent2">
+                <a:alpha val="75000"/>
+              </a:schemeClr>
+            </a:solidFill>
+            <a:round/>
+            <a:extLst>
+              <a:ext uri="{C807C97D-BFC1-408E-A445-0C87EB9F89A2}">
+                <ask:lineSketchStyleProps xmlns:ask="http://schemas.microsoft.com/office/drawing/2018/sketchyshapes" sd="2727557108">
+                  <a:prstGeom prst="rect">
+                    <a:avLst/>
+                  </a:prstGeom>
+                  <ask:type>
+                    <ask:lineSketchFreehand/>
+                  </ask:type>
+                </ask:lineSketchStyleProps>
+              </a:ext>
+            </a:extLst>
+          </a:ln>
+        </p:spPr>
+        <p:style>
+          <a:lnRef idx="2">
+            <a:schemeClr val="accent1">
+              <a:shade val="50000"/>
+            </a:schemeClr>
+          </a:lnRef>
+          <a:fillRef idx="1">
+            <a:schemeClr val="accent1"/>
+          </a:fillRef>
+          <a:effectRef idx="0">
+            <a:schemeClr val="accent1"/>
+          </a:effectRef>
+          <a:fontRef idx="minor">
+            <a:schemeClr val="lt1"/>
+          </a:fontRef>
+        </p:style>
+        <p:txBody>
+          <a:bodyPr rtlCol="0" anchor="ctr"/>
+          <a:lstStyle/>
+          <a:p>
+            <a:pPr algn="ctr"/>
+            <a:endParaRPr lang="en-US"/>
+          </a:p>
+        </p:txBody>
+      </p:sp>
+      <p:pic>
+        <p:nvPicPr>
+          <p:cNvPr id="6" name="Picture 5" descr="Une image contenant bleu, capture d’écran, Bleu électrique, léger&#10;&#10;Description générée automatiquement">
+            <a:extLst>
+              <a:ext uri="{FF2B5EF4-FFF2-40B4-BE49-F238E27FC236}">
+                <a16:creationId xmlns:a16="http://schemas.microsoft.com/office/drawing/2014/main" id="{3B60AA80-CC07-8FB8-2289-5991C2BD6FBD}"/>
+              </a:ext>
+            </a:extLst>
+          </p:cNvPr>
+          <p:cNvPicPr>
+            <a:picLocks noChangeAspect="1"/>
+          </p:cNvPicPr>
+          <p:nvPr/>
+        </p:nvPicPr>
+        <p:blipFill rotWithShape="1">
+          <a:blip r:embed="rId2"/>
+          <a:srcRect l="26676" r="24780"/>
+          <a:stretch/>
+        </p:blipFill>
+        <p:spPr>
+          <a:xfrm>
+            <a:off x="572492" y="2002056"/>
+            <a:ext cx="3943849" cy="4184060"/>
+          </a:xfrm>
+          <a:custGeom>
+            <a:avLst/>
+            <a:gdLst/>
+            <a:ahLst/>
+            <a:cxnLst/>
+            <a:rect l="l" t="t" r="r" b="b"/>
+            <a:pathLst>
+              <a:path w="3807743" h="6307845">
+                <a:moveTo>
+                  <a:pt x="723201" y="386"/>
+                </a:moveTo>
+                <a:cubicBezTo>
+                  <a:pt x="853884" y="-4204"/>
+                  <a:pt x="1013493" y="33912"/>
+                  <a:pt x="1176100" y="22622"/>
+                </a:cubicBezTo>
+                <a:cubicBezTo>
+                  <a:pt x="1230302" y="18859"/>
+                  <a:pt x="1281736" y="20622"/>
+                  <a:pt x="1331852" y="24473"/>
+                </a:cubicBezTo>
+                <a:lnTo>
+                  <a:pt x="1439547" y="34944"/>
+                </a:lnTo>
+                <a:lnTo>
+                  <a:pt x="1484197" y="36226"/>
+                </a:lnTo>
+                <a:cubicBezTo>
+                  <a:pt x="1535166" y="35421"/>
+                  <a:pt x="1586369" y="31625"/>
+                  <a:pt x="1636625" y="22622"/>
+                </a:cubicBezTo>
+                <a:cubicBezTo>
+                  <a:pt x="1686882" y="13619"/>
+                  <a:pt x="1729837" y="10653"/>
+                  <a:pt x="1768740" y="10885"/>
+                </a:cubicBezTo>
+                <a:lnTo>
+                  <a:pt x="1829538" y="15086"/>
+                </a:lnTo>
+                <a:lnTo>
+                  <a:pt x="1869968" y="7996"/>
+                </a:lnTo>
+                <a:cubicBezTo>
+                  <a:pt x="1953577" y="-31"/>
+                  <a:pt x="2036989" y="9808"/>
+                  <a:pt x="2112925" y="20118"/>
+                </a:cubicBezTo>
+                <a:lnTo>
+                  <a:pt x="2119331" y="20977"/>
+                </a:lnTo>
+                <a:lnTo>
+                  <a:pt x="2221855" y="13374"/>
+                </a:lnTo>
+                <a:cubicBezTo>
+                  <a:pt x="2261207" y="12845"/>
+                  <a:pt x="2298379" y="14359"/>
+                  <a:pt x="2333484" y="16393"/>
+                </a:cubicBezTo>
+                <a:lnTo>
+                  <a:pt x="2372613" y="18812"/>
+                </a:lnTo>
+                <a:lnTo>
+                  <a:pt x="2404945" y="9387"/>
+                </a:lnTo>
+                <a:cubicBezTo>
+                  <a:pt x="2452532" y="1754"/>
+                  <a:pt x="2506192" y="9333"/>
+                  <a:pt x="2561622" y="17814"/>
+                </a:cubicBezTo>
+                <a:lnTo>
+                  <a:pt x="2583950" y="20591"/>
+                </a:lnTo>
+                <a:lnTo>
+                  <a:pt x="2643527" y="20319"/>
+                </a:lnTo>
+                <a:cubicBezTo>
+                  <a:pt x="2669677" y="20426"/>
+                  <a:pt x="2697963" y="20717"/>
+                  <a:pt x="2727392" y="21103"/>
+                </a:cubicBezTo>
+                <a:lnTo>
+                  <a:pt x="2786908" y="21989"/>
+                </a:lnTo>
+                <a:lnTo>
+                  <a:pt x="2846459" y="13267"/>
+                </a:lnTo>
+                <a:cubicBezTo>
+                  <a:pt x="2896401" y="10176"/>
+                  <a:pt x="2960607" y="12733"/>
+                  <a:pt x="3036361" y="17072"/>
+                </a:cubicBezTo>
+                <a:lnTo>
+                  <a:pt x="3129100" y="22671"/>
+                </a:lnTo>
+                <a:lnTo>
+                  <a:pt x="3130653" y="22622"/>
+                </a:lnTo>
+                <a:cubicBezTo>
+                  <a:pt x="3178874" y="19804"/>
+                  <a:pt x="3260845" y="26231"/>
+                  <a:pt x="3352422" y="32691"/>
+                </a:cubicBezTo>
+                <a:lnTo>
+                  <a:pt x="3362608" y="33356"/>
+                </a:lnTo>
+                <a:lnTo>
+                  <a:pt x="3446036" y="35579"/>
+                </a:lnTo>
+                <a:cubicBezTo>
+                  <a:pt x="3550323" y="36566"/>
+                  <a:pt x="3662083" y="33535"/>
+                  <a:pt x="3778601" y="22622"/>
+                </a:cubicBezTo>
+                <a:cubicBezTo>
+                  <a:pt x="3793981" y="243672"/>
+                  <a:pt x="3764152" y="318695"/>
+                  <a:pt x="3778601" y="467157"/>
+                </a:cubicBezTo>
+                <a:cubicBezTo>
+                  <a:pt x="3790077" y="557563"/>
+                  <a:pt x="3783697" y="684218"/>
+                  <a:pt x="3777639" y="811856"/>
+                </a:cubicBezTo>
+                <a:lnTo>
+                  <a:pt x="3773760" y="922625"/>
+                </a:lnTo>
+                <a:lnTo>
+                  <a:pt x="3778601" y="974384"/>
+                </a:lnTo>
+                <a:cubicBezTo>
+                  <a:pt x="3785784" y="1003717"/>
+                  <a:pt x="3785160" y="1041120"/>
+                  <a:pt x="3781239" y="1085904"/>
+                </a:cubicBezTo>
+                <a:lnTo>
+                  <a:pt x="3776107" y="1132519"/>
+                </a:lnTo>
+                <a:lnTo>
+                  <a:pt x="3778601" y="1162456"/>
+                </a:lnTo>
+                <a:cubicBezTo>
+                  <a:pt x="3791360" y="1256797"/>
+                  <a:pt x="3774958" y="1367020"/>
+                  <a:pt x="3763568" y="1469787"/>
+                </a:cubicBezTo>
+                <a:lnTo>
+                  <a:pt x="3758806" y="1520515"/>
+                </a:lnTo>
+                <a:lnTo>
+                  <a:pt x="3760417" y="1549437"/>
+                </a:lnTo>
+                <a:cubicBezTo>
+                  <a:pt x="3764298" y="1588133"/>
+                  <a:pt x="3770171" y="1628243"/>
+                  <a:pt x="3778601" y="1669683"/>
+                </a:cubicBezTo>
+                <a:cubicBezTo>
+                  <a:pt x="3846039" y="2001203"/>
+                  <a:pt x="3774784" y="2142285"/>
+                  <a:pt x="3778601" y="2364982"/>
+                </a:cubicBezTo>
+                <a:lnTo>
+                  <a:pt x="3776565" y="2406088"/>
+                </a:lnTo>
+                <a:lnTo>
+                  <a:pt x="3778601" y="2427673"/>
+                </a:lnTo>
+                <a:cubicBezTo>
+                  <a:pt x="3821357" y="2695960"/>
+                  <a:pt x="3735684" y="2699438"/>
+                  <a:pt x="3778601" y="2809517"/>
+                </a:cubicBezTo>
+                <a:cubicBezTo>
+                  <a:pt x="3789330" y="2837037"/>
+                  <a:pt x="3791666" y="2872927"/>
+                  <a:pt x="3789892" y="2914654"/>
+                </a:cubicBezTo>
+                <a:lnTo>
+                  <a:pt x="3784971" y="2966248"/>
+                </a:lnTo>
+                <a:lnTo>
+                  <a:pt x="3796722" y="3024078"/>
+                </a:lnTo>
+                <a:cubicBezTo>
+                  <a:pt x="3809238" y="3115139"/>
+                  <a:pt x="3806232" y="3210898"/>
+                  <a:pt x="3799338" y="3302850"/>
+                </a:cubicBezTo>
+                <a:lnTo>
+                  <a:pt x="3787405" y="3438354"/>
+                </a:lnTo>
+                <a:lnTo>
+                  <a:pt x="3790719" y="3460532"/>
+                </a:lnTo>
+                <a:cubicBezTo>
+                  <a:pt x="3797323" y="3541872"/>
+                  <a:pt x="3789007" y="3624193"/>
+                  <a:pt x="3780361" y="3709762"/>
+                </a:cubicBezTo>
+                <a:lnTo>
+                  <a:pt x="3780169" y="3712283"/>
+                </a:lnTo>
+                <a:lnTo>
+                  <a:pt x="3781239" y="3768266"/>
+                </a:lnTo>
+                <a:cubicBezTo>
+                  <a:pt x="3780994" y="3815588"/>
+                  <a:pt x="3779902" y="3863939"/>
+                  <a:pt x="3778794" y="3912511"/>
+                </a:cubicBezTo>
+                <a:lnTo>
+                  <a:pt x="3776324" y="4054010"/>
+                </a:lnTo>
+                <a:lnTo>
+                  <a:pt x="3778601" y="4074733"/>
+                </a:lnTo>
+                <a:cubicBezTo>
+                  <a:pt x="3822365" y="4336760"/>
+                  <a:pt x="3765189" y="4482586"/>
+                  <a:pt x="3778601" y="4644650"/>
+                </a:cubicBezTo>
+                <a:cubicBezTo>
+                  <a:pt x="3781954" y="4685166"/>
+                  <a:pt x="3782850" y="4718916"/>
+                  <a:pt x="3782504" y="4749344"/>
+                </a:cubicBezTo>
+                <a:lnTo>
+                  <a:pt x="3780512" y="4796832"/>
+                </a:lnTo>
+                <a:lnTo>
+                  <a:pt x="3786260" y="4877451"/>
+                </a:lnTo>
+                <a:cubicBezTo>
+                  <a:pt x="3786165" y="4918212"/>
+                  <a:pt x="3784020" y="4964155"/>
+                  <a:pt x="3781623" y="5015963"/>
+                </a:cubicBezTo>
+                <a:lnTo>
+                  <a:pt x="3779076" y="5087925"/>
+                </a:lnTo>
+                <a:lnTo>
+                  <a:pt x="3779599" y="5155456"/>
+                </a:lnTo>
+                <a:lnTo>
+                  <a:pt x="3775907" y="5219073"/>
+                </a:lnTo>
+                <a:lnTo>
+                  <a:pt x="3778601" y="5402640"/>
+                </a:lnTo>
+                <a:cubicBezTo>
+                  <a:pt x="3780494" y="5441637"/>
+                  <a:pt x="3781680" y="5475146"/>
+                  <a:pt x="3782335" y="5504141"/>
+                </a:cubicBezTo>
+                <a:lnTo>
+                  <a:pt x="3782798" y="5566951"/>
+                </a:lnTo>
+                <a:lnTo>
+                  <a:pt x="3786885" y="5599303"/>
+                </a:lnTo>
+                <a:cubicBezTo>
+                  <a:pt x="3799534" y="5776838"/>
+                  <a:pt x="3769350" y="6111156"/>
+                  <a:pt x="3778601" y="6291711"/>
+                </a:cubicBezTo>
+                <a:cubicBezTo>
+                  <a:pt x="3687392" y="6306733"/>
+                  <a:pt x="3632350" y="6304889"/>
+                  <a:pt x="3574752" y="6300212"/>
+                </a:cubicBezTo>
+                <a:lnTo>
+                  <a:pt x="3545837" y="6297718"/>
+                </a:lnTo>
+                <a:lnTo>
+                  <a:pt x="3527963" y="6296834"/>
+                </a:lnTo>
+                <a:cubicBezTo>
+                  <a:pt x="3482151" y="6294419"/>
+                  <a:pt x="3430025" y="6291672"/>
+                  <a:pt x="3355561" y="6291711"/>
+                </a:cubicBezTo>
+                <a:cubicBezTo>
+                  <a:pt x="3304843" y="6293555"/>
+                  <a:pt x="3262749" y="6292377"/>
+                  <a:pt x="3225711" y="6290098"/>
+                </a:cubicBezTo>
+                <a:lnTo>
+                  <a:pt x="3218247" y="6289525"/>
+                </a:lnTo>
+                <a:lnTo>
+                  <a:pt x="3198550" y="6289212"/>
+                </a:lnTo>
+                <a:cubicBezTo>
+                  <a:pt x="3144315" y="6287803"/>
+                  <a:pt x="3088976" y="6286105"/>
+                  <a:pt x="3034921" y="6284968"/>
+                </a:cubicBezTo>
+                <a:lnTo>
+                  <a:pt x="2973802" y="6284626"/>
+                </a:lnTo>
+                <a:lnTo>
+                  <a:pt x="2932520" y="6291711"/>
+                </a:lnTo>
+                <a:cubicBezTo>
+                  <a:pt x="2893699" y="6300111"/>
+                  <a:pt x="2847670" y="6301992"/>
+                  <a:pt x="2797581" y="6300669"/>
+                </a:cubicBezTo>
+                <a:lnTo>
+                  <a:pt x="2672392" y="6292599"/>
+                </a:lnTo>
+                <a:lnTo>
+                  <a:pt x="2629726" y="6293120"/>
+                </a:lnTo>
+                <a:lnTo>
+                  <a:pt x="2540544" y="6284698"/>
+                </a:lnTo>
+                <a:lnTo>
+                  <a:pt x="2473475" y="6280786"/>
+                </a:lnTo>
+                <a:cubicBezTo>
+                  <a:pt x="2419724" y="6279900"/>
+                  <a:pt x="2368202" y="6282437"/>
+                  <a:pt x="2322057" y="6291711"/>
+                </a:cubicBezTo>
+                <a:cubicBezTo>
+                  <a:pt x="2275912" y="6300985"/>
+                  <a:pt x="2236301" y="6305003"/>
+                  <a:pt x="2199195" y="6305968"/>
+                </a:cubicBezTo>
+                <a:lnTo>
+                  <a:pt x="2094190" y="6302012"/>
+                </a:lnTo>
+                <a:lnTo>
+                  <a:pt x="2029724" y="6307766"/>
+                </a:lnTo>
+                <a:cubicBezTo>
+                  <a:pt x="1971866" y="6308389"/>
+                  <a:pt x="1916420" y="6305265"/>
+                  <a:pt x="1864312" y="6301339"/>
+                </a:cubicBezTo>
+                <a:lnTo>
+                  <a:pt x="1761307" y="6293375"/>
+                </a:lnTo>
+                <a:lnTo>
+                  <a:pt x="1745972" y="6293782"/>
+                </a:lnTo>
+                <a:cubicBezTo>
+                  <a:pt x="1699734" y="6294177"/>
+                  <a:pt x="1664143" y="6292827"/>
+                  <a:pt x="1633352" y="6291083"/>
+                </a:cubicBezTo>
+                <a:lnTo>
+                  <a:pt x="1621369" y="6290324"/>
+                </a:lnTo>
+                <a:lnTo>
+                  <a:pt x="1599140" y="6291711"/>
+                </a:lnTo>
+                <a:cubicBezTo>
+                  <a:pt x="1564093" y="6296354"/>
+                  <a:pt x="1527169" y="6296254"/>
+                  <a:pt x="1488567" y="6294097"/>
+                </a:cubicBezTo>
+                <a:lnTo>
+                  <a:pt x="1429716" y="6289243"/>
+                </a:lnTo>
+                <a:lnTo>
+                  <a:pt x="1401008" y="6291711"/>
+                </a:lnTo>
+                <a:cubicBezTo>
+                  <a:pt x="1314301" y="6301163"/>
+                  <a:pt x="1222976" y="6299856"/>
+                  <a:pt x="1127367" y="6296839"/>
+                </a:cubicBezTo>
+                <a:lnTo>
+                  <a:pt x="1062601" y="6295730"/>
+                </a:lnTo>
+                <a:lnTo>
+                  <a:pt x="964991" y="6305909"/>
+                </a:lnTo>
+                <a:cubicBezTo>
+                  <a:pt x="833250" y="6307778"/>
+                  <a:pt x="714190" y="6280255"/>
+                  <a:pt x="603122" y="6291711"/>
+                </a:cubicBezTo>
+                <a:cubicBezTo>
+                  <a:pt x="455032" y="6306986"/>
+                  <a:pt x="261206" y="6260346"/>
+                  <a:pt x="30143" y="6291711"/>
+                </a:cubicBezTo>
+                <a:cubicBezTo>
+                  <a:pt x="-1198" y="6167281"/>
+                  <a:pt x="7291" y="6044138"/>
+                  <a:pt x="19371" y="5934598"/>
+                </a:cubicBezTo>
+                <a:lnTo>
+                  <a:pt x="33559" y="5801663"/>
+                </a:lnTo>
+                <a:lnTo>
+                  <a:pt x="30143" y="5784485"/>
+                </a:lnTo>
+                <a:cubicBezTo>
+                  <a:pt x="7257" y="5691455"/>
+                  <a:pt x="7506" y="5585492"/>
+                  <a:pt x="13352" y="5476692"/>
+                </a:cubicBezTo>
+                <a:lnTo>
+                  <a:pt x="21882" y="5346809"/>
+                </a:lnTo>
+                <a:lnTo>
+                  <a:pt x="22064" y="5339439"/>
+                </a:lnTo>
+                <a:lnTo>
+                  <a:pt x="29601" y="5166357"/>
+                </a:lnTo>
+                <a:lnTo>
+                  <a:pt x="30143" y="5151877"/>
+                </a:lnTo>
+                <a:cubicBezTo>
+                  <a:pt x="30018" y="5125783"/>
+                  <a:pt x="30111" y="5102484"/>
+                  <a:pt x="30346" y="5081409"/>
+                </a:cubicBezTo>
+                <a:lnTo>
+                  <a:pt x="30433" y="5076663"/>
+                </a:lnTo>
+                <a:lnTo>
+                  <a:pt x="30143" y="4963804"/>
+                </a:lnTo>
+                <a:cubicBezTo>
+                  <a:pt x="27040" y="4910138"/>
+                  <a:pt x="27067" y="4856021"/>
+                  <a:pt x="28459" y="4800989"/>
+                </a:cubicBezTo>
+                <a:lnTo>
+                  <a:pt x="30399" y="4750796"/>
+                </a:lnTo>
+                <a:lnTo>
+                  <a:pt x="31514" y="4666872"/>
+                </a:lnTo>
+                <a:lnTo>
+                  <a:pt x="34697" y="4639551"/>
+                </a:lnTo>
+                <a:lnTo>
+                  <a:pt x="34963" y="4632686"/>
+                </a:lnTo>
+                <a:cubicBezTo>
+                  <a:pt x="37318" y="4575362"/>
+                  <a:pt x="39271" y="4516661"/>
+                  <a:pt x="39056" y="4456118"/>
+                </a:cubicBezTo>
+                <a:lnTo>
+                  <a:pt x="36996" y="4412759"/>
+                </a:lnTo>
+                <a:lnTo>
+                  <a:pt x="30143" y="4388188"/>
+                </a:lnTo>
+                <a:cubicBezTo>
+                  <a:pt x="7389" y="4328002"/>
+                  <a:pt x="11492" y="4256950"/>
+                  <a:pt x="19232" y="4188739"/>
+                </a:cubicBezTo>
+                <a:lnTo>
+                  <a:pt x="23985" y="4147809"/>
+                </a:lnTo>
+                <a:lnTo>
+                  <a:pt x="23690" y="4087290"/>
+                </a:lnTo>
+                <a:lnTo>
+                  <a:pt x="29097" y="3984687"/>
+                </a:lnTo>
+                <a:lnTo>
+                  <a:pt x="28035" y="3962690"/>
+                </a:lnTo>
+                <a:cubicBezTo>
+                  <a:pt x="28525" y="3945828"/>
+                  <a:pt x="30052" y="3926691"/>
+                  <a:pt x="32148" y="3905387"/>
+                </a:cubicBezTo>
+                <a:lnTo>
+                  <a:pt x="34754" y="3881032"/>
+                </a:lnTo>
+                <a:lnTo>
+                  <a:pt x="39206" y="3802233"/>
+                </a:lnTo>
+                <a:cubicBezTo>
+                  <a:pt x="39778" y="3763353"/>
+                  <a:pt x="37619" y="3728800"/>
+                  <a:pt x="30143" y="3698588"/>
+                </a:cubicBezTo>
+                <a:cubicBezTo>
+                  <a:pt x="7714" y="3607954"/>
+                  <a:pt x="33117" y="3482508"/>
+                  <a:pt x="36579" y="3365983"/>
+                </a:cubicBezTo>
+                <a:lnTo>
+                  <a:pt x="36510" y="3356621"/>
+                </a:lnTo>
+                <a:lnTo>
+                  <a:pt x="30143" y="3311044"/>
+                </a:lnTo>
+                <a:cubicBezTo>
+                  <a:pt x="14271" y="3224157"/>
+                  <a:pt x="11445" y="3149243"/>
+                  <a:pt x="14856" y="3082749"/>
+                </a:cubicBezTo>
+                <a:lnTo>
+                  <a:pt x="22229" y="3005366"/>
+                </a:lnTo>
+                <a:lnTo>
+                  <a:pt x="27244" y="2895198"/>
+                </a:lnTo>
+                <a:cubicBezTo>
+                  <a:pt x="29143" y="2848776"/>
+                  <a:pt x="30527" y="2799531"/>
+                  <a:pt x="30143" y="2746826"/>
+                </a:cubicBezTo>
+                <a:lnTo>
+                  <a:pt x="36784" y="2638240"/>
+                </a:lnTo>
+                <a:lnTo>
+                  <a:pt x="30143" y="2615745"/>
+                </a:lnTo>
+                <a:cubicBezTo>
+                  <a:pt x="-20952" y="2495890"/>
+                  <a:pt x="17898" y="2340273"/>
+                  <a:pt x="37923" y="2201958"/>
+                </a:cubicBezTo>
+                <a:lnTo>
+                  <a:pt x="42734" y="2158379"/>
+                </a:lnTo>
+                <a:lnTo>
+                  <a:pt x="30143" y="2114218"/>
+                </a:lnTo>
+                <a:cubicBezTo>
+                  <a:pt x="2269" y="2040950"/>
+                  <a:pt x="-2735" y="1972014"/>
+                  <a:pt x="1162" y="1906697"/>
+                </a:cubicBezTo>
+                <a:lnTo>
+                  <a:pt x="6289" y="1854885"/>
+                </a:lnTo>
+                <a:lnTo>
+                  <a:pt x="8053" y="1809168"/>
+                </a:lnTo>
+                <a:cubicBezTo>
+                  <a:pt x="9832" y="1790244"/>
+                  <a:pt x="12470" y="1771472"/>
+                  <a:pt x="15415" y="1752867"/>
+                </a:cubicBezTo>
+                <a:lnTo>
+                  <a:pt x="30925" y="1652561"/>
+                </a:lnTo>
+                <a:lnTo>
+                  <a:pt x="30143" y="1606992"/>
+                </a:lnTo>
+                <a:cubicBezTo>
+                  <a:pt x="28397" y="1588584"/>
+                  <a:pt x="27931" y="1568665"/>
+                  <a:pt x="28348" y="1547550"/>
+                </a:cubicBezTo>
+                <a:lnTo>
+                  <a:pt x="29206" y="1531212"/>
+                </a:lnTo>
+                <a:lnTo>
+                  <a:pt x="23637" y="1487282"/>
+                </a:lnTo>
+                <a:cubicBezTo>
+                  <a:pt x="16479" y="1367166"/>
+                  <a:pt x="59638" y="1246041"/>
+                  <a:pt x="30143" y="1156757"/>
+                </a:cubicBezTo>
+                <a:cubicBezTo>
+                  <a:pt x="21716" y="1131248"/>
+                  <a:pt x="18318" y="1090735"/>
+                  <a:pt x="17757" y="1041370"/>
+                </a:cubicBezTo>
+                <a:lnTo>
+                  <a:pt x="18463" y="985697"/>
+                </a:lnTo>
+                <a:lnTo>
+                  <a:pt x="16239" y="975915"/>
+                </a:lnTo>
+                <a:cubicBezTo>
+                  <a:pt x="13541" y="957312"/>
+                  <a:pt x="12597" y="940330"/>
+                  <a:pt x="12862" y="924477"/>
+                </a:cubicBezTo>
+                <a:lnTo>
+                  <a:pt x="23640" y="845857"/>
+                </a:lnTo>
+                <a:lnTo>
+                  <a:pt x="30907" y="688163"/>
+                </a:lnTo>
+                <a:lnTo>
+                  <a:pt x="31375" y="662715"/>
+                </a:lnTo>
+                <a:lnTo>
+                  <a:pt x="30143" y="655230"/>
+                </a:lnTo>
+                <a:cubicBezTo>
+                  <a:pt x="20345" y="615334"/>
+                  <a:pt x="17924" y="569960"/>
+                  <a:pt x="19185" y="520814"/>
+                </a:cubicBezTo>
+                <a:lnTo>
+                  <a:pt x="26662" y="415314"/>
+                </a:lnTo>
+                <a:lnTo>
+                  <a:pt x="25635" y="383217"/>
+                </a:lnTo>
+                <a:cubicBezTo>
+                  <a:pt x="25461" y="243905"/>
+                  <a:pt x="35455" y="113017"/>
+                  <a:pt x="30143" y="22622"/>
+                </a:cubicBezTo>
+                <a:cubicBezTo>
+                  <a:pt x="90096" y="13526"/>
+                  <a:pt x="146841" y="12585"/>
+                  <a:pt x="200495" y="15390"/>
+                </a:cubicBezTo>
+                <a:lnTo>
+                  <a:pt x="324102" y="27794"/>
+                </a:lnTo>
+                <a:lnTo>
+                  <a:pt x="329634" y="27979"/>
+                </a:lnTo>
+                <a:cubicBezTo>
+                  <a:pt x="398332" y="30204"/>
+                  <a:pt x="468106" y="31425"/>
+                  <a:pt x="551798" y="27886"/>
+                </a:cubicBezTo>
+                <a:lnTo>
+                  <a:pt x="592464" y="25476"/>
+                </a:lnTo>
+                <a:lnTo>
+                  <a:pt x="603122" y="22622"/>
+                </a:lnTo>
+                <a:cubicBezTo>
+                  <a:pt x="639294" y="8191"/>
+                  <a:pt x="679641" y="1916"/>
+                  <a:pt x="723201" y="386"/>
+                </a:cubicBezTo>
+                <a:close/>
+              </a:path>
+            </a:pathLst>
+          </a:custGeom>
+        </p:spPr>
+      </p:pic>
+      <p:graphicFrame>
+        <p:nvGraphicFramePr>
+          <p:cNvPr id="5" name="Espace réservé du contenu 2">
+            <a:extLst>
+              <a:ext uri="{FF2B5EF4-FFF2-40B4-BE49-F238E27FC236}">
+                <a16:creationId xmlns:a16="http://schemas.microsoft.com/office/drawing/2014/main" id="{E715A39E-1491-2AE4-A642-A2680E656838}"/>
+              </a:ext>
+            </a:extLst>
+          </p:cNvPr>
+          <p:cNvGraphicFramePr>
+            <a:graphicFrameLocks noGrp="1"/>
+          </p:cNvGraphicFramePr>
+          <p:nvPr>
+            <p:ph idx="1"/>
+            <p:extLst>
+              <p:ext uri="{D42A27DB-BD31-4B8C-83A1-F6EECF244321}">
+                <p14:modId xmlns:p14="http://schemas.microsoft.com/office/powerpoint/2010/main" val="2924098798"/>
+              </p:ext>
+            </p:extLst>
+          </p:nvPr>
+        </p:nvGraphicFramePr>
+        <p:xfrm>
+          <a:off x="4905955" y="2071316"/>
+          <a:ext cx="6713552" cy="4114800"/>
+        </p:xfrm>
+        <a:graphic>
+          <a:graphicData uri="http://schemas.openxmlformats.org/drawingml/2006/diagram">
+            <dgm:relIds xmlns:dgm="http://schemas.openxmlformats.org/drawingml/2006/diagram" xmlns:r="http://schemas.openxmlformats.org/officeDocument/2006/relationships" r:dm="rId3" r:lo="rId4" r:qs="rId5" r:cs="rId6"/>
+          </a:graphicData>
+        </a:graphic>
+      </p:graphicFrame>
+    </p:spTree>
+    <p:extLst>
+      <p:ext uri="{BB962C8B-B14F-4D97-AF65-F5344CB8AC3E}">
+        <p14:creationId xmlns:p14="http://schemas.microsoft.com/office/powerpoint/2010/main" val="4045867368"/>
+      </p:ext>
+    </p:extLst>
+  </p:cSld>
+  <p:clrMapOvr>
+    <a:masterClrMapping/>
+  </p:clrMapOvr>
+</p:sld>
+</file>
+
+<file path=ppt/slides/slide6.xml><?xml version="1.0" encoding="utf-8"?>
+<p:sld xmlns:a="http://schemas.openxmlformats.org/drawingml/2006/main" xmlns:r="http://schemas.openxmlformats.org/officeDocument/2006/relationships" xmlns:p="http://schemas.openxmlformats.org/presentationml/2006/main">
+  <p:cSld>
+    <p:spTree>
+      <p:nvGrpSpPr>
+        <p:cNvPr id="1" name=""/>
+        <p:cNvGrpSpPr/>
+        <p:nvPr/>
+      </p:nvGrpSpPr>
+      <p:grpSpPr>
+        <a:xfrm>
+          <a:off x="0" y="0"/>
+          <a:ext cx="0" cy="0"/>
+          <a:chOff x="0" y="0"/>
+          <a:chExt cx="0" cy="0"/>
+        </a:xfrm>
+      </p:grpSpPr>
+      <p:sp>
+        <p:nvSpPr>
+          <p:cNvPr id="2" name="Titre 1">
+            <a:extLst>
+              <a:ext uri="{FF2B5EF4-FFF2-40B4-BE49-F238E27FC236}">
+                <a16:creationId xmlns:a16="http://schemas.microsoft.com/office/drawing/2014/main" id="{552FCD1E-5A4C-EC49-27A3-C3CC036EB23B}"/>
+              </a:ext>
+            </a:extLst>
+          </p:cNvPr>
+          <p:cNvSpPr>
+            <a:spLocks noGrp="1"/>
+          </p:cNvSpPr>
+          <p:nvPr>
+            <p:ph type="title"/>
+          </p:nvPr>
+        </p:nvSpPr>
+        <p:spPr/>
+        <p:txBody>
+          <a:bodyPr/>
+          <a:lstStyle/>
+          <a:p>
+            <a:r>
+              <a:rPr lang="fr-FR" dirty="0"/>
+              <a:t>Conception</a:t>
+            </a:r>
+            <a:endParaRPr lang="en-GB" dirty="0"/>
+          </a:p>
+        </p:txBody>
+      </p:sp>
+      <p:sp>
+        <p:nvSpPr>
+          <p:cNvPr id="3" name="Espace réservé du contenu 2">
+            <a:extLst>
+              <a:ext uri="{FF2B5EF4-FFF2-40B4-BE49-F238E27FC236}">
+                <a16:creationId xmlns:a16="http://schemas.microsoft.com/office/drawing/2014/main" id="{F164FEE1-EC24-6B35-57DA-3ADFA47971B2}"/>
+              </a:ext>
+            </a:extLst>
+          </p:cNvPr>
+          <p:cNvSpPr>
+            <a:spLocks noGrp="1"/>
+          </p:cNvSpPr>
+          <p:nvPr>
+            <p:ph idx="1"/>
+          </p:nvPr>
+        </p:nvSpPr>
+        <p:spPr>
+          <a:xfrm>
+            <a:off x="6531989" y="1690688"/>
+            <a:ext cx="5044126" cy="4351338"/>
+          </a:xfrm>
+        </p:spPr>
+        <p:txBody>
+          <a:bodyPr/>
+          <a:lstStyle/>
+          <a:p>
+            <a:pPr marL="0" indent="0">
+              <a:buNone/>
+            </a:pPr>
+            <a:r>
+              <a:rPr lang="fr-FR" dirty="0"/>
+              <a:t>MLD</a:t>
+            </a:r>
+            <a:endParaRPr lang="en-GB" dirty="0"/>
+          </a:p>
+        </p:txBody>
+      </p:sp>
+      <p:sp>
+        <p:nvSpPr>
+          <p:cNvPr id="4" name="Espace réservé du contenu 2">
+            <a:extLst>
+              <a:ext uri="{FF2B5EF4-FFF2-40B4-BE49-F238E27FC236}">
+                <a16:creationId xmlns:a16="http://schemas.microsoft.com/office/drawing/2014/main" id="{47153AFB-29DE-7F21-4CED-0AB6423AE9BA}"/>
+              </a:ext>
+            </a:extLst>
+          </p:cNvPr>
+          <p:cNvSpPr txBox="1">
+            <a:spLocks/>
+          </p:cNvSpPr>
+          <p:nvPr/>
+        </p:nvSpPr>
+        <p:spPr>
+          <a:xfrm>
+            <a:off x="990600" y="1978025"/>
+            <a:ext cx="5044126" cy="4351338"/>
+          </a:xfrm>
+          <a:prstGeom prst="rect">
+            <a:avLst/>
+          </a:prstGeom>
+        </p:spPr>
+        <p:txBody>
+          <a:bodyPr vert="horz" lIns="91440" tIns="45720" rIns="91440" bIns="45720" rtlCol="0">
+            <a:normAutofit/>
+          </a:bodyPr>
+          <a:lstStyle>
+            <a:lvl1pPr marL="228600" indent="-228600" algn="l" defTabSz="914400" rtl="0" eaLnBrk="1" latinLnBrk="0" hangingPunct="1">
+              <a:lnSpc>
+                <a:spcPct val="90000"/>
+              </a:lnSpc>
+              <a:spcBef>
+                <a:spcPts val="1000"/>
+              </a:spcBef>
+              <a:buFont typeface="Arial" panose="020B0604020202020204" pitchFamily="34" charset="0"/>
+              <a:buChar char="•"/>
+              <a:defRPr sz="2800" kern="1200">
+                <a:solidFill>
+                  <a:schemeClr val="tx1"/>
+                </a:solidFill>
+                <a:latin typeface="+mn-lt"/>
+                <a:ea typeface="+mn-ea"/>
+                <a:cs typeface="+mn-cs"/>
+              </a:defRPr>
+            </a:lvl1pPr>
+            <a:lvl2pPr marL="685800" indent="-228600" algn="l" defTabSz="914400" rtl="0" eaLnBrk="1" latinLnBrk="0" hangingPunct="1">
+              <a:lnSpc>
+                <a:spcPct val="90000"/>
+              </a:lnSpc>
+              <a:spcBef>
+                <a:spcPts val="500"/>
+              </a:spcBef>
+              <a:buFont typeface="Arial" panose="020B0604020202020204" pitchFamily="34" charset="0"/>
+              <a:buChar char="•"/>
+              <a:defRPr sz="2400" kern="1200">
+                <a:solidFill>
+                  <a:schemeClr val="tx1"/>
+                </a:solidFill>
+                <a:latin typeface="+mn-lt"/>
+                <a:ea typeface="+mn-ea"/>
+                <a:cs typeface="+mn-cs"/>
+              </a:defRPr>
+            </a:lvl2pPr>
+            <a:lvl3pPr marL="1143000" indent="-228600" algn="l" defTabSz="914400" rtl="0" eaLnBrk="1" latinLnBrk="0" hangingPunct="1">
+              <a:lnSpc>
+                <a:spcPct val="90000"/>
+              </a:lnSpc>
+              <a:spcBef>
+                <a:spcPts val="500"/>
+              </a:spcBef>
+              <a:buFont typeface="Arial" panose="020B0604020202020204" pitchFamily="34" charset="0"/>
+              <a:buChar char="•"/>
+              <a:defRPr sz="2000" kern="1200">
+                <a:solidFill>
+                  <a:schemeClr val="tx1"/>
+                </a:solidFill>
+                <a:latin typeface="+mn-lt"/>
+                <a:ea typeface="+mn-ea"/>
+                <a:cs typeface="+mn-cs"/>
+              </a:defRPr>
+            </a:lvl3pPr>
+            <a:lvl4pPr marL="1600200" indent="-228600" algn="l" defTabSz="914400" rtl="0" eaLnBrk="1" latinLnBrk="0" hangingPunct="1">
+              <a:lnSpc>
+                <a:spcPct val="90000"/>
+              </a:lnSpc>
+              <a:spcBef>
+                <a:spcPts val="500"/>
+              </a:spcBef>
+              <a:buFont typeface="Arial" panose="020B0604020202020204" pitchFamily="34" charset="0"/>
+              <a:buChar char="•"/>
+              <a:defRPr sz="1800" kern="1200">
+                <a:solidFill>
+                  <a:schemeClr val="tx1"/>
+                </a:solidFill>
+                <a:latin typeface="+mn-lt"/>
+                <a:ea typeface="+mn-ea"/>
+                <a:cs typeface="+mn-cs"/>
+              </a:defRPr>
+            </a:lvl4pPr>
+            <a:lvl5pPr marL="2057400" indent="-228600" algn="l" defTabSz="914400" rtl="0" eaLnBrk="1" latinLnBrk="0" hangingPunct="1">
+              <a:lnSpc>
+                <a:spcPct val="90000"/>
+              </a:lnSpc>
+              <a:spcBef>
+                <a:spcPts val="500"/>
+              </a:spcBef>
+              <a:buFont typeface="Arial" panose="020B0604020202020204" pitchFamily="34" charset="0"/>
+              <a:buChar char="•"/>
+              <a:defRPr sz="1800" kern="1200">
+                <a:solidFill>
+                  <a:schemeClr val="tx1"/>
+                </a:solidFill>
+                <a:latin typeface="+mn-lt"/>
+                <a:ea typeface="+mn-ea"/>
+                <a:cs typeface="+mn-cs"/>
+              </a:defRPr>
+            </a:lvl5pPr>
+            <a:lvl6pPr marL="2514600" indent="-228600" algn="l" defTabSz="914400" rtl="0" eaLnBrk="1" latinLnBrk="0" hangingPunct="1">
+              <a:lnSpc>
+                <a:spcPct val="90000"/>
+              </a:lnSpc>
+              <a:spcBef>
+                <a:spcPts val="500"/>
+              </a:spcBef>
+              <a:buFont typeface="Arial" panose="020B0604020202020204" pitchFamily="34" charset="0"/>
+              <a:buChar char="•"/>
+              <a:defRPr sz="1800" kern="1200">
+                <a:solidFill>
+                  <a:schemeClr val="tx1"/>
+                </a:solidFill>
+                <a:latin typeface="+mn-lt"/>
+                <a:ea typeface="+mn-ea"/>
+                <a:cs typeface="+mn-cs"/>
+              </a:defRPr>
+            </a:lvl6pPr>
+            <a:lvl7pPr marL="2971800" indent="-228600" algn="l" defTabSz="914400" rtl="0" eaLnBrk="1" latinLnBrk="0" hangingPunct="1">
+              <a:lnSpc>
+                <a:spcPct val="90000"/>
+              </a:lnSpc>
+              <a:spcBef>
+                <a:spcPts val="500"/>
+              </a:spcBef>
+              <a:buFont typeface="Arial" panose="020B0604020202020204" pitchFamily="34" charset="0"/>
+              <a:buChar char="•"/>
+              <a:defRPr sz="1800" kern="1200">
+                <a:solidFill>
+                  <a:schemeClr val="tx1"/>
+                </a:solidFill>
+                <a:latin typeface="+mn-lt"/>
+                <a:ea typeface="+mn-ea"/>
+                <a:cs typeface="+mn-cs"/>
+              </a:defRPr>
+            </a:lvl7pPr>
+            <a:lvl8pPr marL="3429000" indent="-228600" algn="l" defTabSz="914400" rtl="0" eaLnBrk="1" latinLnBrk="0" hangingPunct="1">
+              <a:lnSpc>
+                <a:spcPct val="90000"/>
+              </a:lnSpc>
+              <a:spcBef>
+                <a:spcPts val="500"/>
+              </a:spcBef>
+              <a:buFont typeface="Arial" panose="020B0604020202020204" pitchFamily="34" charset="0"/>
+              <a:buChar char="•"/>
+              <a:defRPr sz="1800" kern="1200">
+                <a:solidFill>
+                  <a:schemeClr val="tx1"/>
+                </a:solidFill>
+                <a:latin typeface="+mn-lt"/>
+                <a:ea typeface="+mn-ea"/>
+                <a:cs typeface="+mn-cs"/>
+              </a:defRPr>
+            </a:lvl8pPr>
+            <a:lvl9pPr marL="3886200" indent="-228600" algn="l" defTabSz="914400" rtl="0" eaLnBrk="1" latinLnBrk="0" hangingPunct="1">
+              <a:lnSpc>
+                <a:spcPct val="90000"/>
+              </a:lnSpc>
+              <a:spcBef>
+                <a:spcPts val="500"/>
+              </a:spcBef>
+              <a:buFont typeface="Arial" panose="020B0604020202020204" pitchFamily="34" charset="0"/>
+              <a:buChar char="•"/>
+              <a:defRPr sz="1800" kern="1200">
+                <a:solidFill>
+                  <a:schemeClr val="tx1"/>
+                </a:solidFill>
+                <a:latin typeface="+mn-lt"/>
+                <a:ea typeface="+mn-ea"/>
+                <a:cs typeface="+mn-cs"/>
+              </a:defRPr>
+            </a:lvl9pPr>
+          </a:lstStyle>
+          <a:p>
+            <a:pPr marL="0" indent="0">
+              <a:buFont typeface="Arial" panose="020B0604020202020204" pitchFamily="34" charset="0"/>
+              <a:buNone/>
+            </a:pPr>
+            <a:r>
+              <a:rPr lang="fr-FR"/>
+              <a:t>MCD</a:t>
+            </a:r>
+            <a:endParaRPr lang="en-GB" dirty="0"/>
+          </a:p>
+        </p:txBody>
+      </p:sp>
+    </p:spTree>
+    <p:extLst>
+      <p:ext uri="{BB962C8B-B14F-4D97-AF65-F5344CB8AC3E}">
+        <p14:creationId xmlns:p14="http://schemas.microsoft.com/office/powerpoint/2010/main" val="3680708648"/>
+      </p:ext>
+    </p:extLst>
+  </p:cSld>
+  <p:clrMapOvr>
+    <a:masterClrMapping/>
+  </p:clrMapOvr>
+</p:sld>
+</file>
+
+<file path=ppt/slides/slide7.xml><?xml version="1.0" encoding="utf-8"?>
+<p:sld xmlns:a="http://schemas.openxmlformats.org/drawingml/2006/main" xmlns:r="http://schemas.openxmlformats.org/officeDocument/2006/relationships" xmlns:p="http://schemas.openxmlformats.org/presentationml/2006/main">
+  <p:cSld>
+    <p:spTree>
+      <p:nvGrpSpPr>
+        <p:cNvPr id="1" name=""/>
+        <p:cNvGrpSpPr/>
+        <p:nvPr/>
+      </p:nvGrpSpPr>
+      <p:grpSpPr>
+        <a:xfrm>
+          <a:off x="0" y="0"/>
+          <a:ext cx="0" cy="0"/>
+          <a:chOff x="0" y="0"/>
+          <a:chExt cx="0" cy="0"/>
+        </a:xfrm>
+      </p:grpSpPr>
+      <p:sp>
+        <p:nvSpPr>
+          <p:cNvPr id="2" name="Titre 1">
+            <a:extLst>
+              <a:ext uri="{FF2B5EF4-FFF2-40B4-BE49-F238E27FC236}">
+                <a16:creationId xmlns:a16="http://schemas.microsoft.com/office/drawing/2014/main" id="{A9D3BC35-4DDC-856F-9C64-F81B58BB0C98}"/>
+              </a:ext>
+            </a:extLst>
+          </p:cNvPr>
+          <p:cNvSpPr>
+            <a:spLocks noGrp="1"/>
+          </p:cNvSpPr>
+          <p:nvPr>
+            <p:ph type="title"/>
+          </p:nvPr>
+        </p:nvSpPr>
+        <p:spPr/>
+        <p:txBody>
+          <a:bodyPr/>
+          <a:lstStyle/>
+          <a:p>
+            <a:r>
+              <a:rPr lang="fr-FR" dirty="0"/>
+              <a:t>Développement</a:t>
+            </a:r>
+            <a:endParaRPr lang="en-GB" dirty="0"/>
+          </a:p>
+        </p:txBody>
+      </p:sp>
+      <p:sp>
+        <p:nvSpPr>
+          <p:cNvPr id="3" name="Espace réservé du contenu 2">
+            <a:extLst>
+              <a:ext uri="{FF2B5EF4-FFF2-40B4-BE49-F238E27FC236}">
+                <a16:creationId xmlns:a16="http://schemas.microsoft.com/office/drawing/2014/main" id="{43987A32-7E6B-264F-487B-C0C07B600E84}"/>
+              </a:ext>
+            </a:extLst>
+          </p:cNvPr>
+          <p:cNvSpPr>
+            <a:spLocks noGrp="1"/>
+          </p:cNvSpPr>
+          <p:nvPr>
+            <p:ph idx="1"/>
+          </p:nvPr>
+        </p:nvSpPr>
+        <p:spPr/>
+        <p:txBody>
+          <a:bodyPr/>
+          <a:lstStyle/>
+          <a:p>
+            <a:endParaRPr lang="en-GB"/>
+          </a:p>
+        </p:txBody>
+      </p:sp>
+    </p:spTree>
+    <p:extLst>
+      <p:ext uri="{BB962C8B-B14F-4D97-AF65-F5344CB8AC3E}">
+        <p14:creationId xmlns:p14="http://schemas.microsoft.com/office/powerpoint/2010/main" val="3508954317"/>
+      </p:ext>
+    </p:extLst>
+  </p:cSld>
+  <p:clrMapOvr>
+    <a:masterClrMapping/>
+  </p:clrMapOvr>
+</p:sld>
+</file>
+
+<file path=ppt/slides/slide8.xml><?xml version="1.0" encoding="utf-8"?>
+<p:sld xmlns:a="http://schemas.openxmlformats.org/drawingml/2006/main" xmlns:r="http://schemas.openxmlformats.org/officeDocument/2006/relationships" xmlns:p="http://schemas.openxmlformats.org/presentationml/2006/main">
+  <p:cSld>
+    <p:spTree>
+      <p:nvGrpSpPr>
+        <p:cNvPr id="1" name=""/>
+        <p:cNvGrpSpPr/>
+        <p:nvPr/>
+      </p:nvGrpSpPr>
+      <p:grpSpPr>
+        <a:xfrm>
+          <a:off x="0" y="0"/>
+          <a:ext cx="0" cy="0"/>
+          <a:chOff x="0" y="0"/>
+          <a:chExt cx="0" cy="0"/>
+        </a:xfrm>
+      </p:grpSpPr>
+      <p:sp>
+        <p:nvSpPr>
+          <p:cNvPr id="2" name="Titre 1">
+            <a:extLst>
+              <a:ext uri="{FF2B5EF4-FFF2-40B4-BE49-F238E27FC236}">
+                <a16:creationId xmlns:a16="http://schemas.microsoft.com/office/drawing/2014/main" id="{A9D3BC35-4DDC-856F-9C64-F81B58BB0C98}"/>
+              </a:ext>
+            </a:extLst>
+          </p:cNvPr>
+          <p:cNvSpPr>
+            <a:spLocks noGrp="1"/>
+          </p:cNvSpPr>
+          <p:nvPr>
+            <p:ph type="title"/>
+          </p:nvPr>
+        </p:nvSpPr>
+        <p:spPr/>
+        <p:txBody>
+          <a:bodyPr/>
+          <a:lstStyle/>
+          <a:p>
+            <a:r>
+              <a:rPr lang="fr-FR" dirty="0"/>
+              <a:t>Administration BDD</a:t>
+            </a:r>
+            <a:endParaRPr lang="en-GB" dirty="0"/>
+          </a:p>
+        </p:txBody>
+      </p:sp>
+      <p:sp>
+        <p:nvSpPr>
+          <p:cNvPr id="3" name="Espace réservé du contenu 2">
+            <a:extLst>
+              <a:ext uri="{FF2B5EF4-FFF2-40B4-BE49-F238E27FC236}">
+                <a16:creationId xmlns:a16="http://schemas.microsoft.com/office/drawing/2014/main" id="{43987A32-7E6B-264F-487B-C0C07B600E84}"/>
+              </a:ext>
+            </a:extLst>
+          </p:cNvPr>
+          <p:cNvSpPr>
+            <a:spLocks noGrp="1"/>
+          </p:cNvSpPr>
+          <p:nvPr>
+            <p:ph idx="1"/>
+          </p:nvPr>
+        </p:nvSpPr>
+        <p:spPr/>
+        <p:txBody>
+          <a:bodyPr/>
+          <a:lstStyle/>
+          <a:p>
+            <a:endParaRPr lang="en-GB"/>
+          </a:p>
+        </p:txBody>
+      </p:sp>
+    </p:spTree>
+    <p:extLst>
+      <p:ext uri="{BB962C8B-B14F-4D97-AF65-F5344CB8AC3E}">
+        <p14:creationId xmlns:p14="http://schemas.microsoft.com/office/powerpoint/2010/main" val="480694132"/>
       </p:ext>
     </p:extLst>
   </p:cSld>
@@ -19504,7 +19443,7 @@
           <p:cNvPr id="2" name="Titre 1">
             <a:extLst>
               <a:ext uri="{FF2B5EF4-FFF2-40B4-BE49-F238E27FC236}">
-                <a16:creationId xmlns:a16="http://schemas.microsoft.com/office/drawing/2014/main" id="{A7AC9A97-37B3-497B-976F-E4C411CF4402}"/>
+                <a16:creationId xmlns:a16="http://schemas.microsoft.com/office/drawing/2014/main" id="{812C0BD0-01E4-F55F-B2E2-2115856274E8}"/>
               </a:ext>
             </a:extLst>
           </p:cNvPr>
@@ -19520,7 +19459,11 @@
           <a:bodyPr/>
           <a:lstStyle/>
           <a:p>
-            <a:endParaRPr lang="fr-FR"/>
+            <a:r>
+              <a:rPr lang="fr-FR" dirty="0"/>
+              <a:t>Liste rapport et choix technique</a:t>
+            </a:r>
+            <a:endParaRPr lang="en-GB" dirty="0"/>
           </a:p>
         </p:txBody>
       </p:sp>
@@ -19529,7 +19472,7 @@
           <p:cNvPr id="3" name="Espace réservé du contenu 2">
             <a:extLst>
               <a:ext uri="{FF2B5EF4-FFF2-40B4-BE49-F238E27FC236}">
-                <a16:creationId xmlns:a16="http://schemas.microsoft.com/office/drawing/2014/main" id="{CB4943B0-F20D-4CAA-81E4-30A6852830ED}"/>
+                <a16:creationId xmlns:a16="http://schemas.microsoft.com/office/drawing/2014/main" id="{360062DA-0D22-C5F2-45CD-89B359AA39CA}"/>
               </a:ext>
             </a:extLst>
           </p:cNvPr>
@@ -19545,14 +19488,14 @@
           <a:bodyPr/>
           <a:lstStyle/>
           <a:p>
-            <a:endParaRPr lang="fr-FR"/>
+            <a:endParaRPr lang="en-GB"/>
           </a:p>
         </p:txBody>
       </p:sp>
     </p:spTree>
     <p:extLst>
       <p:ext uri="{BB962C8B-B14F-4D97-AF65-F5344CB8AC3E}">
-        <p14:creationId xmlns:p14="http://schemas.microsoft.com/office/powerpoint/2010/main" val="2142319783"/>
+        <p14:creationId xmlns:p14="http://schemas.microsoft.com/office/powerpoint/2010/main" val="4048880964"/>
       </p:ext>
     </p:extLst>
   </p:cSld>

--- a/Soutenance_PT.pptx
+++ b/Soutenance_PT.pptx
@@ -9,16 +9,20 @@
     <p:sldId id="263" r:id="rId3"/>
     <p:sldId id="269" r:id="rId4"/>
     <p:sldId id="257" r:id="rId5"/>
-    <p:sldId id="258" r:id="rId6"/>
-    <p:sldId id="265" r:id="rId7"/>
-    <p:sldId id="266" r:id="rId8"/>
-    <p:sldId id="267" r:id="rId9"/>
-    <p:sldId id="268" r:id="rId10"/>
-    <p:sldId id="259" r:id="rId11"/>
-    <p:sldId id="270" r:id="rId12"/>
-    <p:sldId id="271" r:id="rId13"/>
-    <p:sldId id="260" r:id="rId14"/>
-    <p:sldId id="261" r:id="rId15"/>
+    <p:sldId id="272" r:id="rId6"/>
+    <p:sldId id="258" r:id="rId7"/>
+    <p:sldId id="265" r:id="rId8"/>
+    <p:sldId id="266" r:id="rId9"/>
+    <p:sldId id="267" r:id="rId10"/>
+    <p:sldId id="275" r:id="rId11"/>
+    <p:sldId id="273" r:id="rId12"/>
+    <p:sldId id="274" r:id="rId13"/>
+    <p:sldId id="268" r:id="rId14"/>
+    <p:sldId id="259" r:id="rId15"/>
+    <p:sldId id="270" r:id="rId16"/>
+    <p:sldId id="271" r:id="rId17"/>
+    <p:sldId id="260" r:id="rId18"/>
+    <p:sldId id="261" r:id="rId19"/>
   </p:sldIdLst>
   <p:sldSz cx="12192000" cy="6858000"/>
   <p:notesSz cx="6858000" cy="9144000"/>
@@ -2846,6 +2850,42 @@
         </a:p>
       </dgm:t>
     </dgm:pt>
+    <dgm:pt modelId="{5B6768C2-F209-4632-9DC3-3BC9B3370137}">
+      <dgm:prSet/>
+      <dgm:spPr/>
+      <dgm:t>
+        <a:bodyPr/>
+        <a:lstStyle/>
+        <a:p>
+          <a:r>
+            <a:rPr lang="fr-FR" dirty="0"/>
+            <a:t>Organisation</a:t>
+          </a:r>
+        </a:p>
+      </dgm:t>
+    </dgm:pt>
+    <dgm:pt modelId="{71B5A452-7D45-4A0F-B5FF-2C3355E9398E}" type="parTrans" cxnId="{D7A841AF-6509-4544-8510-A4CA644E7A83}">
+      <dgm:prSet/>
+      <dgm:spPr/>
+      <dgm:t>
+        <a:bodyPr/>
+        <a:lstStyle/>
+        <a:p>
+          <a:endParaRPr lang="fr-FR"/>
+        </a:p>
+      </dgm:t>
+    </dgm:pt>
+    <dgm:pt modelId="{944932A1-FD3E-4366-B699-E8A84B35DEA2}" type="sibTrans" cxnId="{D7A841AF-6509-4544-8510-A4CA644E7A83}">
+      <dgm:prSet/>
+      <dgm:spPr/>
+      <dgm:t>
+        <a:bodyPr/>
+        <a:lstStyle/>
+        <a:p>
+          <a:endParaRPr lang="fr-FR"/>
+        </a:p>
+      </dgm:t>
+    </dgm:pt>
     <dgm:pt modelId="{B1B4AFA5-BF6E-4DD5-B75F-21D9F86AE5FD}" type="pres">
       <dgm:prSet presAssocID="{91E44337-F7B0-4E96-8343-4B1A57913487}" presName="vert0" presStyleCnt="0">
         <dgm:presLayoutVars>
@@ -2857,7 +2897,7 @@
       <dgm:spPr/>
     </dgm:pt>
     <dgm:pt modelId="{2DCDDAFC-E0E3-4E30-BAC1-0C677BB9370C}" type="pres">
-      <dgm:prSet presAssocID="{C98F4E9C-BF1E-40B0-B9E4-C459AF0851A5}" presName="thickLine" presStyleLbl="alignNode1" presStyleIdx="0" presStyleCnt="7"/>
+      <dgm:prSet presAssocID="{C98F4E9C-BF1E-40B0-B9E4-C459AF0851A5}" presName="thickLine" presStyleLbl="alignNode1" presStyleIdx="0" presStyleCnt="8"/>
       <dgm:spPr/>
     </dgm:pt>
     <dgm:pt modelId="{B77A74A1-C76D-48D5-AC26-71A1B8726B7E}" type="pres">
@@ -2865,15 +2905,31 @@
       <dgm:spPr/>
     </dgm:pt>
     <dgm:pt modelId="{F9FF8D73-6281-4492-A15C-E36ABFE781F6}" type="pres">
-      <dgm:prSet presAssocID="{C98F4E9C-BF1E-40B0-B9E4-C459AF0851A5}" presName="tx1" presStyleLbl="revTx" presStyleIdx="0" presStyleCnt="7"/>
+      <dgm:prSet presAssocID="{C98F4E9C-BF1E-40B0-B9E4-C459AF0851A5}" presName="tx1" presStyleLbl="revTx" presStyleIdx="0" presStyleCnt="8"/>
       <dgm:spPr/>
     </dgm:pt>
     <dgm:pt modelId="{CDF9EFA8-0027-4D88-951E-2CCFB8ABDBB0}" type="pres">
       <dgm:prSet presAssocID="{C98F4E9C-BF1E-40B0-B9E4-C459AF0851A5}" presName="vert1" presStyleCnt="0"/>
       <dgm:spPr/>
     </dgm:pt>
+    <dgm:pt modelId="{ADF5C716-D12D-40C0-9E00-CC68FF3D523A}" type="pres">
+      <dgm:prSet presAssocID="{5B6768C2-F209-4632-9DC3-3BC9B3370137}" presName="thickLine" presStyleLbl="alignNode1" presStyleIdx="1" presStyleCnt="8"/>
+      <dgm:spPr/>
+    </dgm:pt>
+    <dgm:pt modelId="{5FEAB074-5A24-4084-AA4D-92D1407B3C14}" type="pres">
+      <dgm:prSet presAssocID="{5B6768C2-F209-4632-9DC3-3BC9B3370137}" presName="horz1" presStyleCnt="0"/>
+      <dgm:spPr/>
+    </dgm:pt>
+    <dgm:pt modelId="{0875E1DF-C9AF-4AE7-A85C-0A178D029004}" type="pres">
+      <dgm:prSet presAssocID="{5B6768C2-F209-4632-9DC3-3BC9B3370137}" presName="tx1" presStyleLbl="revTx" presStyleIdx="1" presStyleCnt="8"/>
+      <dgm:spPr/>
+    </dgm:pt>
+    <dgm:pt modelId="{BD252E0F-9573-4423-8F40-3D362329ADA7}" type="pres">
+      <dgm:prSet presAssocID="{5B6768C2-F209-4632-9DC3-3BC9B3370137}" presName="vert1" presStyleCnt="0"/>
+      <dgm:spPr/>
+    </dgm:pt>
     <dgm:pt modelId="{90BF2EC2-F639-4C08-800A-EE7F05E3CCC7}" type="pres">
-      <dgm:prSet presAssocID="{D8A0FD0E-6265-4178-BDE6-43732B857A60}" presName="thickLine" presStyleLbl="alignNode1" presStyleIdx="1" presStyleCnt="7"/>
+      <dgm:prSet presAssocID="{D8A0FD0E-6265-4178-BDE6-43732B857A60}" presName="thickLine" presStyleLbl="alignNode1" presStyleIdx="2" presStyleCnt="8"/>
       <dgm:spPr/>
     </dgm:pt>
     <dgm:pt modelId="{7B5E51B1-CE28-431C-B4F5-D1606F2DA5E2}" type="pres">
@@ -2881,7 +2937,7 @@
       <dgm:spPr/>
     </dgm:pt>
     <dgm:pt modelId="{CD6D2800-573D-45A0-9E2B-94AD0B0C0352}" type="pres">
-      <dgm:prSet presAssocID="{D8A0FD0E-6265-4178-BDE6-43732B857A60}" presName="tx1" presStyleLbl="revTx" presStyleIdx="1" presStyleCnt="7"/>
+      <dgm:prSet presAssocID="{D8A0FD0E-6265-4178-BDE6-43732B857A60}" presName="tx1" presStyleLbl="revTx" presStyleIdx="2" presStyleCnt="8"/>
       <dgm:spPr/>
     </dgm:pt>
     <dgm:pt modelId="{22D3FDF2-91BC-4E8F-956F-638257D8ED0D}" type="pres">
@@ -2889,7 +2945,7 @@
       <dgm:spPr/>
     </dgm:pt>
     <dgm:pt modelId="{06B8224B-32F4-4C0E-BA92-8A7B19426516}" type="pres">
-      <dgm:prSet presAssocID="{7AFF16B1-996B-4C95-8A74-3DA1AE322173}" presName="thickLine" presStyleLbl="alignNode1" presStyleIdx="2" presStyleCnt="7"/>
+      <dgm:prSet presAssocID="{7AFF16B1-996B-4C95-8A74-3DA1AE322173}" presName="thickLine" presStyleLbl="alignNode1" presStyleIdx="3" presStyleCnt="8"/>
       <dgm:spPr/>
     </dgm:pt>
     <dgm:pt modelId="{6C6933E4-999E-40DB-9FF7-52684C75A035}" type="pres">
@@ -2897,7 +2953,7 @@
       <dgm:spPr/>
     </dgm:pt>
     <dgm:pt modelId="{EC1BD309-9047-4CF6-9501-FE2160B8CC7D}" type="pres">
-      <dgm:prSet presAssocID="{7AFF16B1-996B-4C95-8A74-3DA1AE322173}" presName="tx1" presStyleLbl="revTx" presStyleIdx="2" presStyleCnt="7"/>
+      <dgm:prSet presAssocID="{7AFF16B1-996B-4C95-8A74-3DA1AE322173}" presName="tx1" presStyleLbl="revTx" presStyleIdx="3" presStyleCnt="8"/>
       <dgm:spPr/>
     </dgm:pt>
     <dgm:pt modelId="{EAD5A70C-AFB1-4378-B34A-44BD3DBA5D08}" type="pres">
@@ -2905,7 +2961,7 @@
       <dgm:spPr/>
     </dgm:pt>
     <dgm:pt modelId="{08DCA1EC-6FDD-438B-B6AB-3ACAF1B28244}" type="pres">
-      <dgm:prSet presAssocID="{0CA60C97-733F-4A27-9EA1-33EEECF4C093}" presName="thickLine" presStyleLbl="alignNode1" presStyleIdx="3" presStyleCnt="7"/>
+      <dgm:prSet presAssocID="{0CA60C97-733F-4A27-9EA1-33EEECF4C093}" presName="thickLine" presStyleLbl="alignNode1" presStyleIdx="4" presStyleCnt="8"/>
       <dgm:spPr/>
     </dgm:pt>
     <dgm:pt modelId="{5F54C4EC-AA16-4083-B70D-83CE34634A2B}" type="pres">
@@ -2913,7 +2969,7 @@
       <dgm:spPr/>
     </dgm:pt>
     <dgm:pt modelId="{397F8DD0-BE9E-4D83-B62F-6D237E444A50}" type="pres">
-      <dgm:prSet presAssocID="{0CA60C97-733F-4A27-9EA1-33EEECF4C093}" presName="tx1" presStyleLbl="revTx" presStyleIdx="3" presStyleCnt="7"/>
+      <dgm:prSet presAssocID="{0CA60C97-733F-4A27-9EA1-33EEECF4C093}" presName="tx1" presStyleLbl="revTx" presStyleIdx="4" presStyleCnt="8"/>
       <dgm:spPr/>
     </dgm:pt>
     <dgm:pt modelId="{6F6A4737-DFEE-4545-8E46-DE6411B27BBD}" type="pres">
@@ -2921,7 +2977,7 @@
       <dgm:spPr/>
     </dgm:pt>
     <dgm:pt modelId="{4BFE59ED-523D-4E21-AC3C-4B8744BCC63C}" type="pres">
-      <dgm:prSet presAssocID="{2695DA4D-1FF6-4CD9-9431-CD664D66F26E}" presName="thickLine" presStyleLbl="alignNode1" presStyleIdx="4" presStyleCnt="7"/>
+      <dgm:prSet presAssocID="{2695DA4D-1FF6-4CD9-9431-CD664D66F26E}" presName="thickLine" presStyleLbl="alignNode1" presStyleIdx="5" presStyleCnt="8"/>
       <dgm:spPr/>
     </dgm:pt>
     <dgm:pt modelId="{7DE1053E-1766-44E5-B3E7-E7CB30737836}" type="pres">
@@ -2929,7 +2985,7 @@
       <dgm:spPr/>
     </dgm:pt>
     <dgm:pt modelId="{25E28051-8A0D-4AEF-9661-1CC840493B46}" type="pres">
-      <dgm:prSet presAssocID="{2695DA4D-1FF6-4CD9-9431-CD664D66F26E}" presName="tx1" presStyleLbl="revTx" presStyleIdx="4" presStyleCnt="7"/>
+      <dgm:prSet presAssocID="{2695DA4D-1FF6-4CD9-9431-CD664D66F26E}" presName="tx1" presStyleLbl="revTx" presStyleIdx="5" presStyleCnt="8"/>
       <dgm:spPr/>
     </dgm:pt>
     <dgm:pt modelId="{0E40FF42-2746-4FE7-BC91-B581A5520B97}" type="pres">
@@ -2937,7 +2993,7 @@
       <dgm:spPr/>
     </dgm:pt>
     <dgm:pt modelId="{87AA8874-EFDA-4FFB-B73A-677D1B7127DE}" type="pres">
-      <dgm:prSet presAssocID="{8D9D3835-F3A1-4054-B877-622111A47183}" presName="thickLine" presStyleLbl="alignNode1" presStyleIdx="5" presStyleCnt="7"/>
+      <dgm:prSet presAssocID="{8D9D3835-F3A1-4054-B877-622111A47183}" presName="thickLine" presStyleLbl="alignNode1" presStyleIdx="6" presStyleCnt="8"/>
       <dgm:spPr/>
     </dgm:pt>
     <dgm:pt modelId="{2E6600D1-6D30-4D28-92C2-4ADF7FE579BC}" type="pres">
@@ -2945,7 +3001,7 @@
       <dgm:spPr/>
     </dgm:pt>
     <dgm:pt modelId="{1484B636-2BBD-4EFA-B006-04726D2B649B}" type="pres">
-      <dgm:prSet presAssocID="{8D9D3835-F3A1-4054-B877-622111A47183}" presName="tx1" presStyleLbl="revTx" presStyleIdx="5" presStyleCnt="7"/>
+      <dgm:prSet presAssocID="{8D9D3835-F3A1-4054-B877-622111A47183}" presName="tx1" presStyleLbl="revTx" presStyleIdx="6" presStyleCnt="8"/>
       <dgm:spPr/>
     </dgm:pt>
     <dgm:pt modelId="{392F6AE0-33B6-4A70-BBE4-A53840D85FB0}" type="pres">
@@ -2953,7 +3009,7 @@
       <dgm:spPr/>
     </dgm:pt>
     <dgm:pt modelId="{4FB4B6DB-25A1-44E2-B4FC-45B871970C96}" type="pres">
-      <dgm:prSet presAssocID="{93DE55A9-6846-4D0A-A014-DD0F34DFF078}" presName="thickLine" presStyleLbl="alignNode1" presStyleIdx="6" presStyleCnt="7"/>
+      <dgm:prSet presAssocID="{93DE55A9-6846-4D0A-A014-DD0F34DFF078}" presName="thickLine" presStyleLbl="alignNode1" presStyleIdx="7" presStyleCnt="8"/>
       <dgm:spPr/>
     </dgm:pt>
     <dgm:pt modelId="{4BAC8BA6-24B0-48BD-8E12-8A84472081B2}" type="pres">
@@ -2961,7 +3017,7 @@
       <dgm:spPr/>
     </dgm:pt>
     <dgm:pt modelId="{F714641B-0906-4DDD-8386-FD696572A793}" type="pres">
-      <dgm:prSet presAssocID="{93DE55A9-6846-4D0A-A014-DD0F34DFF078}" presName="tx1" presStyleLbl="revTx" presStyleIdx="6" presStyleCnt="7"/>
+      <dgm:prSet presAssocID="{93DE55A9-6846-4D0A-A014-DD0F34DFF078}" presName="tx1" presStyleLbl="revTx" presStyleIdx="7" presStyleCnt="8"/>
       <dgm:spPr/>
     </dgm:pt>
     <dgm:pt modelId="{BE69CF3A-0CD7-46EC-B799-A1080695268B}" type="pres">
@@ -2974,43 +3030,49 @@
     <dgm:cxn modelId="{2E55B808-E405-4AF7-9D32-5634823AF6AA}" type="presOf" srcId="{C98F4E9C-BF1E-40B0-B9E4-C459AF0851A5}" destId="{F9FF8D73-6281-4492-A15C-E36ABFE781F6}" srcOrd="0" destOrd="0" presId="urn:microsoft.com/office/officeart/2008/layout/LinedList"/>
     <dgm:cxn modelId="{05894C0C-E759-46B4-B080-89236308FF53}" type="presOf" srcId="{91E44337-F7B0-4E96-8343-4B1A57913487}" destId="{B1B4AFA5-BF6E-4DD5-B75F-21D9F86AE5FD}" srcOrd="0" destOrd="0" presId="urn:microsoft.com/office/officeart/2008/layout/LinedList"/>
     <dgm:cxn modelId="{AF0BD612-633C-4435-A115-25D055468FEF}" type="presOf" srcId="{D8A0FD0E-6265-4178-BDE6-43732B857A60}" destId="{CD6D2800-573D-45A0-9E2B-94AD0B0C0352}" srcOrd="0" destOrd="0" presId="urn:microsoft.com/office/officeart/2008/layout/LinedList"/>
-    <dgm:cxn modelId="{ACCC701C-8A5B-4F9D-92D0-A9E4EE2A89D3}" srcId="{91E44337-F7B0-4E96-8343-4B1A57913487}" destId="{7AFF16B1-996B-4C95-8A74-3DA1AE322173}" srcOrd="2" destOrd="0" parTransId="{55142E57-FDD0-4E3E-A0B2-AD7BD13BAB39}" sibTransId="{F6C8EFDE-3798-4F57-B3B3-E95CCB90486D}"/>
-    <dgm:cxn modelId="{EC14D943-E1C3-4B2A-8B21-6F56F4F5C29C}" srcId="{91E44337-F7B0-4E96-8343-4B1A57913487}" destId="{D8A0FD0E-6265-4178-BDE6-43732B857A60}" srcOrd="1" destOrd="0" parTransId="{B053AF35-2CFF-44AC-B510-18560DB24B6D}" sibTransId="{99307457-75D2-4BDD-B000-5AAE822F7F69}"/>
-    <dgm:cxn modelId="{BD90E349-6AFC-4B03-910B-F3A246EF5582}" srcId="{91E44337-F7B0-4E96-8343-4B1A57913487}" destId="{93DE55A9-6846-4D0A-A014-DD0F34DFF078}" srcOrd="6" destOrd="0" parTransId="{A192AAFF-19AF-4294-8F70-D0D4E2E6B825}" sibTransId="{FD8542D2-0653-4692-A1C7-4587ECF60232}"/>
-    <dgm:cxn modelId="{F97E0E74-F49B-42A0-BEC0-0FC431BA07AA}" srcId="{91E44337-F7B0-4E96-8343-4B1A57913487}" destId="{0CA60C97-733F-4A27-9EA1-33EEECF4C093}" srcOrd="3" destOrd="0" parTransId="{B86AEBB3-265F-423B-A6D4-C071E4AF2A1A}" sibTransId="{F8F58BC0-3496-44E6-BFCA-2AAEB895C2A2}"/>
-    <dgm:cxn modelId="{2C34D383-AE35-4447-8720-405902865E8A}" srcId="{91E44337-F7B0-4E96-8343-4B1A57913487}" destId="{8D9D3835-F3A1-4054-B877-622111A47183}" srcOrd="5" destOrd="0" parTransId="{CF81E7BA-CF03-4220-89AE-9B282DBC2988}" sibTransId="{3DD7A963-FDE4-409B-A2CC-BEB9C393370B}"/>
+    <dgm:cxn modelId="{ACCC701C-8A5B-4F9D-92D0-A9E4EE2A89D3}" srcId="{91E44337-F7B0-4E96-8343-4B1A57913487}" destId="{7AFF16B1-996B-4C95-8A74-3DA1AE322173}" srcOrd="3" destOrd="0" parTransId="{55142E57-FDD0-4E3E-A0B2-AD7BD13BAB39}" sibTransId="{F6C8EFDE-3798-4F57-B3B3-E95CCB90486D}"/>
+    <dgm:cxn modelId="{83A3C661-A794-4589-B9EE-ACE044113E70}" type="presOf" srcId="{5B6768C2-F209-4632-9DC3-3BC9B3370137}" destId="{0875E1DF-C9AF-4AE7-A85C-0A178D029004}" srcOrd="0" destOrd="0" presId="urn:microsoft.com/office/officeart/2008/layout/LinedList"/>
+    <dgm:cxn modelId="{EC14D943-E1C3-4B2A-8B21-6F56F4F5C29C}" srcId="{91E44337-F7B0-4E96-8343-4B1A57913487}" destId="{D8A0FD0E-6265-4178-BDE6-43732B857A60}" srcOrd="2" destOrd="0" parTransId="{B053AF35-2CFF-44AC-B510-18560DB24B6D}" sibTransId="{99307457-75D2-4BDD-B000-5AAE822F7F69}"/>
+    <dgm:cxn modelId="{BD90E349-6AFC-4B03-910B-F3A246EF5582}" srcId="{91E44337-F7B0-4E96-8343-4B1A57913487}" destId="{93DE55A9-6846-4D0A-A014-DD0F34DFF078}" srcOrd="7" destOrd="0" parTransId="{A192AAFF-19AF-4294-8F70-D0D4E2E6B825}" sibTransId="{FD8542D2-0653-4692-A1C7-4587ECF60232}"/>
+    <dgm:cxn modelId="{F97E0E74-F49B-42A0-BEC0-0FC431BA07AA}" srcId="{91E44337-F7B0-4E96-8343-4B1A57913487}" destId="{0CA60C97-733F-4A27-9EA1-33EEECF4C093}" srcOrd="4" destOrd="0" parTransId="{B86AEBB3-265F-423B-A6D4-C071E4AF2A1A}" sibTransId="{F8F58BC0-3496-44E6-BFCA-2AAEB895C2A2}"/>
+    <dgm:cxn modelId="{2C34D383-AE35-4447-8720-405902865E8A}" srcId="{91E44337-F7B0-4E96-8343-4B1A57913487}" destId="{8D9D3835-F3A1-4054-B877-622111A47183}" srcOrd="6" destOrd="0" parTransId="{CF81E7BA-CF03-4220-89AE-9B282DBC2988}" sibTransId="{3DD7A963-FDE4-409B-A2CC-BEB9C393370B}"/>
     <dgm:cxn modelId="{7FE2C794-EF28-4090-9E3F-9EC9A0EE0E49}" srcId="{91E44337-F7B0-4E96-8343-4B1A57913487}" destId="{C98F4E9C-BF1E-40B0-B9E4-C459AF0851A5}" srcOrd="0" destOrd="0" parTransId="{3BF5B52E-0A61-41C6-BDBF-70AC930E48DD}" sibTransId="{81741186-31A4-4941-ABE9-94EBD0835F0F}"/>
     <dgm:cxn modelId="{310B6598-6675-498F-B283-C5FB0EADB7FE}" type="presOf" srcId="{93DE55A9-6846-4D0A-A014-DD0F34DFF078}" destId="{F714641B-0906-4DDD-8386-FD696572A793}" srcOrd="0" destOrd="0" presId="urn:microsoft.com/office/officeart/2008/layout/LinedList"/>
     <dgm:cxn modelId="{2773EFA8-1BA1-4787-969B-792EA7E49AA2}" type="presOf" srcId="{8D9D3835-F3A1-4054-B877-622111A47183}" destId="{1484B636-2BBD-4EFA-B006-04726D2B649B}" srcOrd="0" destOrd="0" presId="urn:microsoft.com/office/officeart/2008/layout/LinedList"/>
     <dgm:cxn modelId="{9A7456AA-DA28-4265-B58D-0AE28B73AD9B}" type="presOf" srcId="{0CA60C97-733F-4A27-9EA1-33EEECF4C093}" destId="{397F8DD0-BE9E-4D83-B62F-6D237E444A50}" srcOrd="0" destOrd="0" presId="urn:microsoft.com/office/officeart/2008/layout/LinedList"/>
-    <dgm:cxn modelId="{3491ADB6-89B6-4A76-BC9B-1EE0C46C2517}" srcId="{91E44337-F7B0-4E96-8343-4B1A57913487}" destId="{2695DA4D-1FF6-4CD9-9431-CD664D66F26E}" srcOrd="4" destOrd="0" parTransId="{623ECB63-BBF3-4C3B-A6FC-40260883FA5C}" sibTransId="{309F1F70-EB0D-4E39-8821-56797CF4531D}"/>
+    <dgm:cxn modelId="{D7A841AF-6509-4544-8510-A4CA644E7A83}" srcId="{91E44337-F7B0-4E96-8343-4B1A57913487}" destId="{5B6768C2-F209-4632-9DC3-3BC9B3370137}" srcOrd="1" destOrd="0" parTransId="{71B5A452-7D45-4A0F-B5FF-2C3355E9398E}" sibTransId="{944932A1-FD3E-4366-B699-E8A84B35DEA2}"/>
+    <dgm:cxn modelId="{3491ADB6-89B6-4A76-BC9B-1EE0C46C2517}" srcId="{91E44337-F7B0-4E96-8343-4B1A57913487}" destId="{2695DA4D-1FF6-4CD9-9431-CD664D66F26E}" srcOrd="5" destOrd="0" parTransId="{623ECB63-BBF3-4C3B-A6FC-40260883FA5C}" sibTransId="{309F1F70-EB0D-4E39-8821-56797CF4531D}"/>
     <dgm:cxn modelId="{7C190ED8-5D06-4CC0-942B-75E3CDDE321A}" type="presOf" srcId="{2695DA4D-1FF6-4CD9-9431-CD664D66F26E}" destId="{25E28051-8A0D-4AEF-9661-1CC840493B46}" srcOrd="0" destOrd="0" presId="urn:microsoft.com/office/officeart/2008/layout/LinedList"/>
     <dgm:cxn modelId="{A6489424-237C-43E4-A2ED-F0B0DF53158D}" type="presParOf" srcId="{B1B4AFA5-BF6E-4DD5-B75F-21D9F86AE5FD}" destId="{2DCDDAFC-E0E3-4E30-BAC1-0C677BB9370C}" srcOrd="0" destOrd="0" presId="urn:microsoft.com/office/officeart/2008/layout/LinedList"/>
     <dgm:cxn modelId="{1E3A4812-F2AB-4338-93E5-436BE0DBEEAC}" type="presParOf" srcId="{B1B4AFA5-BF6E-4DD5-B75F-21D9F86AE5FD}" destId="{B77A74A1-C76D-48D5-AC26-71A1B8726B7E}" srcOrd="1" destOrd="0" presId="urn:microsoft.com/office/officeart/2008/layout/LinedList"/>
     <dgm:cxn modelId="{B6B0DC8B-E6A8-45BD-AB7F-733D91E7CBC6}" type="presParOf" srcId="{B77A74A1-C76D-48D5-AC26-71A1B8726B7E}" destId="{F9FF8D73-6281-4492-A15C-E36ABFE781F6}" srcOrd="0" destOrd="0" presId="urn:microsoft.com/office/officeart/2008/layout/LinedList"/>
     <dgm:cxn modelId="{9D135BC0-67C2-4BD7-BB35-5B3D1A181EBD}" type="presParOf" srcId="{B77A74A1-C76D-48D5-AC26-71A1B8726B7E}" destId="{CDF9EFA8-0027-4D88-951E-2CCFB8ABDBB0}" srcOrd="1" destOrd="0" presId="urn:microsoft.com/office/officeart/2008/layout/LinedList"/>
-    <dgm:cxn modelId="{6D342A6C-1FEC-4B0F-BA4C-E71957527C1F}" type="presParOf" srcId="{B1B4AFA5-BF6E-4DD5-B75F-21D9F86AE5FD}" destId="{90BF2EC2-F639-4C08-800A-EE7F05E3CCC7}" srcOrd="2" destOrd="0" presId="urn:microsoft.com/office/officeart/2008/layout/LinedList"/>
-    <dgm:cxn modelId="{AEC99868-4D33-4561-BCCF-0D12B9330BEF}" type="presParOf" srcId="{B1B4AFA5-BF6E-4DD5-B75F-21D9F86AE5FD}" destId="{7B5E51B1-CE28-431C-B4F5-D1606F2DA5E2}" srcOrd="3" destOrd="0" presId="urn:microsoft.com/office/officeart/2008/layout/LinedList"/>
+    <dgm:cxn modelId="{89318BB7-6024-46E7-99D8-F81EF8BA2E03}" type="presParOf" srcId="{B1B4AFA5-BF6E-4DD5-B75F-21D9F86AE5FD}" destId="{ADF5C716-D12D-40C0-9E00-CC68FF3D523A}" srcOrd="2" destOrd="0" presId="urn:microsoft.com/office/officeart/2008/layout/LinedList"/>
+    <dgm:cxn modelId="{8F604970-0627-4B0A-897A-B027548E4F72}" type="presParOf" srcId="{B1B4AFA5-BF6E-4DD5-B75F-21D9F86AE5FD}" destId="{5FEAB074-5A24-4084-AA4D-92D1407B3C14}" srcOrd="3" destOrd="0" presId="urn:microsoft.com/office/officeart/2008/layout/LinedList"/>
+    <dgm:cxn modelId="{EFD9F93D-F7E0-4696-8039-C1E8641C57F0}" type="presParOf" srcId="{5FEAB074-5A24-4084-AA4D-92D1407B3C14}" destId="{0875E1DF-C9AF-4AE7-A85C-0A178D029004}" srcOrd="0" destOrd="0" presId="urn:microsoft.com/office/officeart/2008/layout/LinedList"/>
+    <dgm:cxn modelId="{57AE1427-7BC0-4542-8417-DC41135843FE}" type="presParOf" srcId="{5FEAB074-5A24-4084-AA4D-92D1407B3C14}" destId="{BD252E0F-9573-4423-8F40-3D362329ADA7}" srcOrd="1" destOrd="0" presId="urn:microsoft.com/office/officeart/2008/layout/LinedList"/>
+    <dgm:cxn modelId="{6D342A6C-1FEC-4B0F-BA4C-E71957527C1F}" type="presParOf" srcId="{B1B4AFA5-BF6E-4DD5-B75F-21D9F86AE5FD}" destId="{90BF2EC2-F639-4C08-800A-EE7F05E3CCC7}" srcOrd="4" destOrd="0" presId="urn:microsoft.com/office/officeart/2008/layout/LinedList"/>
+    <dgm:cxn modelId="{AEC99868-4D33-4561-BCCF-0D12B9330BEF}" type="presParOf" srcId="{B1B4AFA5-BF6E-4DD5-B75F-21D9F86AE5FD}" destId="{7B5E51B1-CE28-431C-B4F5-D1606F2DA5E2}" srcOrd="5" destOrd="0" presId="urn:microsoft.com/office/officeart/2008/layout/LinedList"/>
     <dgm:cxn modelId="{F756BD55-4BCE-497B-A9A4-1FBF7EFD1E50}" type="presParOf" srcId="{7B5E51B1-CE28-431C-B4F5-D1606F2DA5E2}" destId="{CD6D2800-573D-45A0-9E2B-94AD0B0C0352}" srcOrd="0" destOrd="0" presId="urn:microsoft.com/office/officeart/2008/layout/LinedList"/>
     <dgm:cxn modelId="{0E4F2243-CCF5-4787-84F3-E9F8CE269AEA}" type="presParOf" srcId="{7B5E51B1-CE28-431C-B4F5-D1606F2DA5E2}" destId="{22D3FDF2-91BC-4E8F-956F-638257D8ED0D}" srcOrd="1" destOrd="0" presId="urn:microsoft.com/office/officeart/2008/layout/LinedList"/>
-    <dgm:cxn modelId="{0B9275A0-630F-40D9-8294-E506E43F22AD}" type="presParOf" srcId="{B1B4AFA5-BF6E-4DD5-B75F-21D9F86AE5FD}" destId="{06B8224B-32F4-4C0E-BA92-8A7B19426516}" srcOrd="4" destOrd="0" presId="urn:microsoft.com/office/officeart/2008/layout/LinedList"/>
-    <dgm:cxn modelId="{50743938-4F3E-46C2-BBBE-030A80E69B3F}" type="presParOf" srcId="{B1B4AFA5-BF6E-4DD5-B75F-21D9F86AE5FD}" destId="{6C6933E4-999E-40DB-9FF7-52684C75A035}" srcOrd="5" destOrd="0" presId="urn:microsoft.com/office/officeart/2008/layout/LinedList"/>
+    <dgm:cxn modelId="{0B9275A0-630F-40D9-8294-E506E43F22AD}" type="presParOf" srcId="{B1B4AFA5-BF6E-4DD5-B75F-21D9F86AE5FD}" destId="{06B8224B-32F4-4C0E-BA92-8A7B19426516}" srcOrd="6" destOrd="0" presId="urn:microsoft.com/office/officeart/2008/layout/LinedList"/>
+    <dgm:cxn modelId="{50743938-4F3E-46C2-BBBE-030A80E69B3F}" type="presParOf" srcId="{B1B4AFA5-BF6E-4DD5-B75F-21D9F86AE5FD}" destId="{6C6933E4-999E-40DB-9FF7-52684C75A035}" srcOrd="7" destOrd="0" presId="urn:microsoft.com/office/officeart/2008/layout/LinedList"/>
     <dgm:cxn modelId="{2D921D31-2F41-486B-8F82-8CF3E7125593}" type="presParOf" srcId="{6C6933E4-999E-40DB-9FF7-52684C75A035}" destId="{EC1BD309-9047-4CF6-9501-FE2160B8CC7D}" srcOrd="0" destOrd="0" presId="urn:microsoft.com/office/officeart/2008/layout/LinedList"/>
     <dgm:cxn modelId="{820AC3C8-9FEA-4123-8042-36C3917371DD}" type="presParOf" srcId="{6C6933E4-999E-40DB-9FF7-52684C75A035}" destId="{EAD5A70C-AFB1-4378-B34A-44BD3DBA5D08}" srcOrd="1" destOrd="0" presId="urn:microsoft.com/office/officeart/2008/layout/LinedList"/>
-    <dgm:cxn modelId="{2AA4CCF3-9AED-4218-AC95-419AE5C47889}" type="presParOf" srcId="{B1B4AFA5-BF6E-4DD5-B75F-21D9F86AE5FD}" destId="{08DCA1EC-6FDD-438B-B6AB-3ACAF1B28244}" srcOrd="6" destOrd="0" presId="urn:microsoft.com/office/officeart/2008/layout/LinedList"/>
-    <dgm:cxn modelId="{FE34ADA4-818E-4671-9605-6ED8114609CB}" type="presParOf" srcId="{B1B4AFA5-BF6E-4DD5-B75F-21D9F86AE5FD}" destId="{5F54C4EC-AA16-4083-B70D-83CE34634A2B}" srcOrd="7" destOrd="0" presId="urn:microsoft.com/office/officeart/2008/layout/LinedList"/>
+    <dgm:cxn modelId="{2AA4CCF3-9AED-4218-AC95-419AE5C47889}" type="presParOf" srcId="{B1B4AFA5-BF6E-4DD5-B75F-21D9F86AE5FD}" destId="{08DCA1EC-6FDD-438B-B6AB-3ACAF1B28244}" srcOrd="8" destOrd="0" presId="urn:microsoft.com/office/officeart/2008/layout/LinedList"/>
+    <dgm:cxn modelId="{FE34ADA4-818E-4671-9605-6ED8114609CB}" type="presParOf" srcId="{B1B4AFA5-BF6E-4DD5-B75F-21D9F86AE5FD}" destId="{5F54C4EC-AA16-4083-B70D-83CE34634A2B}" srcOrd="9" destOrd="0" presId="urn:microsoft.com/office/officeart/2008/layout/LinedList"/>
     <dgm:cxn modelId="{370ABD51-22EA-4F03-8E17-B0DFF3970F2D}" type="presParOf" srcId="{5F54C4EC-AA16-4083-B70D-83CE34634A2B}" destId="{397F8DD0-BE9E-4D83-B62F-6D237E444A50}" srcOrd="0" destOrd="0" presId="urn:microsoft.com/office/officeart/2008/layout/LinedList"/>
     <dgm:cxn modelId="{E339B50C-A984-4D3D-B84E-40AE1A873F2C}" type="presParOf" srcId="{5F54C4EC-AA16-4083-B70D-83CE34634A2B}" destId="{6F6A4737-DFEE-4545-8E46-DE6411B27BBD}" srcOrd="1" destOrd="0" presId="urn:microsoft.com/office/officeart/2008/layout/LinedList"/>
-    <dgm:cxn modelId="{DE224AB0-931E-45DD-9C88-3A4F7CB69A3E}" type="presParOf" srcId="{B1B4AFA5-BF6E-4DD5-B75F-21D9F86AE5FD}" destId="{4BFE59ED-523D-4E21-AC3C-4B8744BCC63C}" srcOrd="8" destOrd="0" presId="urn:microsoft.com/office/officeart/2008/layout/LinedList"/>
-    <dgm:cxn modelId="{D33061FA-372A-4D15-B9A8-04188EBEA50C}" type="presParOf" srcId="{B1B4AFA5-BF6E-4DD5-B75F-21D9F86AE5FD}" destId="{7DE1053E-1766-44E5-B3E7-E7CB30737836}" srcOrd="9" destOrd="0" presId="urn:microsoft.com/office/officeart/2008/layout/LinedList"/>
+    <dgm:cxn modelId="{DE224AB0-931E-45DD-9C88-3A4F7CB69A3E}" type="presParOf" srcId="{B1B4AFA5-BF6E-4DD5-B75F-21D9F86AE5FD}" destId="{4BFE59ED-523D-4E21-AC3C-4B8744BCC63C}" srcOrd="10" destOrd="0" presId="urn:microsoft.com/office/officeart/2008/layout/LinedList"/>
+    <dgm:cxn modelId="{D33061FA-372A-4D15-B9A8-04188EBEA50C}" type="presParOf" srcId="{B1B4AFA5-BF6E-4DD5-B75F-21D9F86AE5FD}" destId="{7DE1053E-1766-44E5-B3E7-E7CB30737836}" srcOrd="11" destOrd="0" presId="urn:microsoft.com/office/officeart/2008/layout/LinedList"/>
     <dgm:cxn modelId="{6ECF885F-B274-424B-AE28-31FAE781BC06}" type="presParOf" srcId="{7DE1053E-1766-44E5-B3E7-E7CB30737836}" destId="{25E28051-8A0D-4AEF-9661-1CC840493B46}" srcOrd="0" destOrd="0" presId="urn:microsoft.com/office/officeart/2008/layout/LinedList"/>
     <dgm:cxn modelId="{6B61250D-FABF-4B2B-9C5D-8688D8C15B04}" type="presParOf" srcId="{7DE1053E-1766-44E5-B3E7-E7CB30737836}" destId="{0E40FF42-2746-4FE7-BC91-B581A5520B97}" srcOrd="1" destOrd="0" presId="urn:microsoft.com/office/officeart/2008/layout/LinedList"/>
-    <dgm:cxn modelId="{6055B9A7-6F30-406A-BC01-5EC95E803628}" type="presParOf" srcId="{B1B4AFA5-BF6E-4DD5-B75F-21D9F86AE5FD}" destId="{87AA8874-EFDA-4FFB-B73A-677D1B7127DE}" srcOrd="10" destOrd="0" presId="urn:microsoft.com/office/officeart/2008/layout/LinedList"/>
-    <dgm:cxn modelId="{5D5010C0-4E52-45CC-91F2-3449311EFD06}" type="presParOf" srcId="{B1B4AFA5-BF6E-4DD5-B75F-21D9F86AE5FD}" destId="{2E6600D1-6D30-4D28-92C2-4ADF7FE579BC}" srcOrd="11" destOrd="0" presId="urn:microsoft.com/office/officeart/2008/layout/LinedList"/>
+    <dgm:cxn modelId="{6055B9A7-6F30-406A-BC01-5EC95E803628}" type="presParOf" srcId="{B1B4AFA5-BF6E-4DD5-B75F-21D9F86AE5FD}" destId="{87AA8874-EFDA-4FFB-B73A-677D1B7127DE}" srcOrd="12" destOrd="0" presId="urn:microsoft.com/office/officeart/2008/layout/LinedList"/>
+    <dgm:cxn modelId="{5D5010C0-4E52-45CC-91F2-3449311EFD06}" type="presParOf" srcId="{B1B4AFA5-BF6E-4DD5-B75F-21D9F86AE5FD}" destId="{2E6600D1-6D30-4D28-92C2-4ADF7FE579BC}" srcOrd="13" destOrd="0" presId="urn:microsoft.com/office/officeart/2008/layout/LinedList"/>
     <dgm:cxn modelId="{8365A0AF-C745-4AD9-80DD-8AAACD221B8D}" type="presParOf" srcId="{2E6600D1-6D30-4D28-92C2-4ADF7FE579BC}" destId="{1484B636-2BBD-4EFA-B006-04726D2B649B}" srcOrd="0" destOrd="0" presId="urn:microsoft.com/office/officeart/2008/layout/LinedList"/>
     <dgm:cxn modelId="{4F78FF39-9A44-4DB6-A907-E6B21426767B}" type="presParOf" srcId="{2E6600D1-6D30-4D28-92C2-4ADF7FE579BC}" destId="{392F6AE0-33B6-4A70-BBE4-A53840D85FB0}" srcOrd="1" destOrd="0" presId="urn:microsoft.com/office/officeart/2008/layout/LinedList"/>
-    <dgm:cxn modelId="{12FC7A22-8A9F-481F-987D-D86B0BE8DCDC}" type="presParOf" srcId="{B1B4AFA5-BF6E-4DD5-B75F-21D9F86AE5FD}" destId="{4FB4B6DB-25A1-44E2-B4FC-45B871970C96}" srcOrd="12" destOrd="0" presId="urn:microsoft.com/office/officeart/2008/layout/LinedList"/>
-    <dgm:cxn modelId="{B9C45B42-EA2D-4F80-833B-4A6FB1AD66D8}" type="presParOf" srcId="{B1B4AFA5-BF6E-4DD5-B75F-21D9F86AE5FD}" destId="{4BAC8BA6-24B0-48BD-8E12-8A84472081B2}" srcOrd="13" destOrd="0" presId="urn:microsoft.com/office/officeart/2008/layout/LinedList"/>
+    <dgm:cxn modelId="{12FC7A22-8A9F-481F-987D-D86B0BE8DCDC}" type="presParOf" srcId="{B1B4AFA5-BF6E-4DD5-B75F-21D9F86AE5FD}" destId="{4FB4B6DB-25A1-44E2-B4FC-45B871970C96}" srcOrd="14" destOrd="0" presId="urn:microsoft.com/office/officeart/2008/layout/LinedList"/>
+    <dgm:cxn modelId="{B9C45B42-EA2D-4F80-833B-4A6FB1AD66D8}" type="presParOf" srcId="{B1B4AFA5-BF6E-4DD5-B75F-21D9F86AE5FD}" destId="{4BAC8BA6-24B0-48BD-8E12-8A84472081B2}" srcOrd="15" destOrd="0" presId="urn:microsoft.com/office/officeart/2008/layout/LinedList"/>
     <dgm:cxn modelId="{AA46048B-07D8-406E-8562-5F5E98619A32}" type="presParOf" srcId="{4BAC8BA6-24B0-48BD-8E12-8A84472081B2}" destId="{F714641B-0906-4DDD-8386-FD696572A793}" srcOrd="0" destOrd="0" presId="urn:microsoft.com/office/officeart/2008/layout/LinedList"/>
     <dgm:cxn modelId="{D3EB85CB-3509-483A-948D-1A9A4CC025A4}" type="presParOf" srcId="{4BAC8BA6-24B0-48BD-8E12-8A84472081B2}" destId="{BE69CF3A-0CD7-46EC-B799-A1080695268B}" srcOrd="1" destOrd="0" presId="urn:microsoft.com/office/officeart/2008/layout/LinedList"/>
   </dgm:cxnLst>
@@ -3050,7 +3112,7 @@
           </a:pPr>
           <a:r>
             <a:rPr lang="fr-FR" dirty="0"/>
-            <a:t>Conception MCD,MLD,…</a:t>
+            <a:t>Conception MCD,MLD</a:t>
           </a:r>
           <a:endParaRPr lang="en-US" dirty="0"/>
         </a:p>
@@ -3559,7 +3621,7 @@
       </dsp:nvSpPr>
       <dsp:spPr>
         <a:xfrm>
-          <a:off x="0" y="425"/>
+          <a:off x="0" y="0"/>
           <a:ext cx="6251110" cy="0"/>
         </a:xfrm>
         <a:prstGeom prst="line">
@@ -3609,8 +3671,8 @@
       </dsp:nvSpPr>
       <dsp:spPr>
         <a:xfrm>
-          <a:off x="0" y="425"/>
-          <a:ext cx="6251110" cy="497573"/>
+          <a:off x="0" y="0"/>
+          <a:ext cx="6251110" cy="435482"/>
         </a:xfrm>
         <a:prstGeom prst="rect">
           <a:avLst/>
@@ -3634,12 +3696,12 @@
         <a:fontRef idx="minor"/>
       </dsp:style>
       <dsp:txBody>
-        <a:bodyPr spcFirstLastPara="0" vert="horz" wrap="square" lIns="87630" tIns="87630" rIns="87630" bIns="87630" numCol="1" spcCol="1270" anchor="t" anchorCtr="0">
+        <a:bodyPr spcFirstLastPara="0" vert="horz" wrap="square" lIns="76200" tIns="76200" rIns="76200" bIns="76200" numCol="1" spcCol="1270" anchor="t" anchorCtr="0">
           <a:noAutofit/>
         </a:bodyPr>
         <a:lstStyle/>
         <a:p>
-          <a:pPr marL="0" lvl="0" indent="0" algn="l" defTabSz="1022350">
+          <a:pPr marL="0" lvl="0" indent="0" algn="l" defTabSz="889000">
             <a:lnSpc>
               <a:spcPct val="90000"/>
             </a:lnSpc>
@@ -3652,25 +3714,25 @@
             <a:buNone/>
           </a:pPr>
           <a:r>
-            <a:rPr lang="fr-FR" sz="2300" kern="1200" dirty="0"/>
+            <a:rPr lang="fr-FR" sz="2000" kern="1200" dirty="0"/>
             <a:t>Contexte</a:t>
           </a:r>
-          <a:endParaRPr lang="en-GB" sz="2300" kern="1200" dirty="0"/>
+          <a:endParaRPr lang="en-GB" sz="2000" kern="1200" dirty="0"/>
         </a:p>
       </dsp:txBody>
       <dsp:txXfrm>
-        <a:off x="0" y="425"/>
-        <a:ext cx="6251110" cy="497573"/>
+        <a:off x="0" y="0"/>
+        <a:ext cx="6251110" cy="435482"/>
       </dsp:txXfrm>
     </dsp:sp>
-    <dsp:sp modelId="{90BF2EC2-F639-4C08-800A-EE7F05E3CCC7}">
+    <dsp:sp modelId="{ADF5C716-D12D-40C0-9E00-CC68FF3D523A}">
       <dsp:nvSpPr>
         <dsp:cNvPr id="0" name=""/>
         <dsp:cNvSpPr/>
       </dsp:nvSpPr>
       <dsp:spPr>
         <a:xfrm>
-          <a:off x="0" y="497998"/>
+          <a:off x="0" y="435483"/>
           <a:ext cx="6251110" cy="0"/>
         </a:xfrm>
         <a:prstGeom prst="line">
@@ -3713,15 +3775,15 @@
         </a:fontRef>
       </dsp:style>
     </dsp:sp>
-    <dsp:sp modelId="{CD6D2800-573D-45A0-9E2B-94AD0B0C0352}">
+    <dsp:sp modelId="{0875E1DF-C9AF-4AE7-A85C-0A178D029004}">
       <dsp:nvSpPr>
         <dsp:cNvPr id="0" name=""/>
         <dsp:cNvSpPr/>
       </dsp:nvSpPr>
       <dsp:spPr>
         <a:xfrm>
-          <a:off x="0" y="497998"/>
-          <a:ext cx="6251110" cy="497573"/>
+          <a:off x="0" y="435482"/>
+          <a:ext cx="6251110" cy="435482"/>
         </a:xfrm>
         <a:prstGeom prst="rect">
           <a:avLst/>
@@ -3745,12 +3807,12 @@
         <a:fontRef idx="minor"/>
       </dsp:style>
       <dsp:txBody>
-        <a:bodyPr spcFirstLastPara="0" vert="horz" wrap="square" lIns="87630" tIns="87630" rIns="87630" bIns="87630" numCol="1" spcCol="1270" anchor="t" anchorCtr="0">
+        <a:bodyPr spcFirstLastPara="0" vert="horz" wrap="square" lIns="76200" tIns="76200" rIns="76200" bIns="76200" numCol="1" spcCol="1270" anchor="t" anchorCtr="0">
           <a:noAutofit/>
         </a:bodyPr>
         <a:lstStyle/>
         <a:p>
-          <a:pPr marL="0" lvl="0" indent="0" algn="l" defTabSz="1022350">
+          <a:pPr marL="0" lvl="0" indent="0" algn="l" defTabSz="889000">
             <a:lnSpc>
               <a:spcPct val="90000"/>
             </a:lnSpc>
@@ -3763,25 +3825,24 @@
             <a:buNone/>
           </a:pPr>
           <a:r>
-            <a:rPr lang="fr-FR" sz="2300" kern="1200" dirty="0"/>
-            <a:t>Description du besoin</a:t>
+            <a:rPr lang="fr-FR" sz="2000" kern="1200" dirty="0"/>
+            <a:t>Organisation</a:t>
           </a:r>
-          <a:endParaRPr lang="en-US" sz="2300" kern="1200" dirty="0"/>
         </a:p>
       </dsp:txBody>
       <dsp:txXfrm>
-        <a:off x="0" y="497998"/>
-        <a:ext cx="6251110" cy="497573"/>
+        <a:off x="0" y="435482"/>
+        <a:ext cx="6251110" cy="435482"/>
       </dsp:txXfrm>
     </dsp:sp>
-    <dsp:sp modelId="{06B8224B-32F4-4C0E-BA92-8A7B19426516}">
+    <dsp:sp modelId="{90BF2EC2-F639-4C08-800A-EE7F05E3CCC7}">
       <dsp:nvSpPr>
         <dsp:cNvPr id="0" name=""/>
         <dsp:cNvSpPr/>
       </dsp:nvSpPr>
       <dsp:spPr>
         <a:xfrm>
-          <a:off x="0" y="995571"/>
+          <a:off x="0" y="870966"/>
           <a:ext cx="6251110" cy="0"/>
         </a:xfrm>
         <a:prstGeom prst="line">
@@ -3824,15 +3885,15 @@
         </a:fontRef>
       </dsp:style>
     </dsp:sp>
-    <dsp:sp modelId="{EC1BD309-9047-4CF6-9501-FE2160B8CC7D}">
+    <dsp:sp modelId="{CD6D2800-573D-45A0-9E2B-94AD0B0C0352}">
       <dsp:nvSpPr>
         <dsp:cNvPr id="0" name=""/>
         <dsp:cNvSpPr/>
       </dsp:nvSpPr>
       <dsp:spPr>
         <a:xfrm>
-          <a:off x="0" y="995571"/>
-          <a:ext cx="6251110" cy="497573"/>
+          <a:off x="0" y="870965"/>
+          <a:ext cx="6251110" cy="435482"/>
         </a:xfrm>
         <a:prstGeom prst="rect">
           <a:avLst/>
@@ -3856,12 +3917,12 @@
         <a:fontRef idx="minor"/>
       </dsp:style>
       <dsp:txBody>
-        <a:bodyPr spcFirstLastPara="0" vert="horz" wrap="square" lIns="87630" tIns="87630" rIns="87630" bIns="87630" numCol="1" spcCol="1270" anchor="t" anchorCtr="0">
+        <a:bodyPr spcFirstLastPara="0" vert="horz" wrap="square" lIns="76200" tIns="76200" rIns="76200" bIns="76200" numCol="1" spcCol="1270" anchor="t" anchorCtr="0">
           <a:noAutofit/>
         </a:bodyPr>
         <a:lstStyle/>
         <a:p>
-          <a:pPr marL="0" lvl="0" indent="0" algn="l" defTabSz="1022350">
+          <a:pPr marL="0" lvl="0" indent="0" algn="l" defTabSz="889000">
             <a:lnSpc>
               <a:spcPct val="90000"/>
             </a:lnSpc>
@@ -3874,25 +3935,25 @@
             <a:buNone/>
           </a:pPr>
           <a:r>
-            <a:rPr lang="fr-FR" sz="2300" kern="1200" dirty="0"/>
-            <a:t>Base de données OLTP</a:t>
+            <a:rPr lang="fr-FR" sz="2000" kern="1200" dirty="0"/>
+            <a:t>Description du besoin</a:t>
           </a:r>
-          <a:endParaRPr lang="en-US" sz="2300" kern="1200" dirty="0"/>
+          <a:endParaRPr lang="en-US" sz="2000" kern="1200" dirty="0"/>
         </a:p>
       </dsp:txBody>
       <dsp:txXfrm>
-        <a:off x="0" y="995571"/>
-        <a:ext cx="6251110" cy="497573"/>
+        <a:off x="0" y="870965"/>
+        <a:ext cx="6251110" cy="435482"/>
       </dsp:txXfrm>
     </dsp:sp>
-    <dsp:sp modelId="{08DCA1EC-6FDD-438B-B6AB-3ACAF1B28244}">
+    <dsp:sp modelId="{06B8224B-32F4-4C0E-BA92-8A7B19426516}">
       <dsp:nvSpPr>
         <dsp:cNvPr id="0" name=""/>
         <dsp:cNvSpPr/>
       </dsp:nvSpPr>
       <dsp:spPr>
         <a:xfrm>
-          <a:off x="0" y="1493145"/>
+          <a:off x="0" y="1306448"/>
           <a:ext cx="6251110" cy="0"/>
         </a:xfrm>
         <a:prstGeom prst="line">
@@ -3935,15 +3996,15 @@
         </a:fontRef>
       </dsp:style>
     </dsp:sp>
-    <dsp:sp modelId="{397F8DD0-BE9E-4D83-B62F-6D237E444A50}">
+    <dsp:sp modelId="{EC1BD309-9047-4CF6-9501-FE2160B8CC7D}">
       <dsp:nvSpPr>
         <dsp:cNvPr id="0" name=""/>
         <dsp:cNvSpPr/>
       </dsp:nvSpPr>
       <dsp:spPr>
         <a:xfrm>
-          <a:off x="0" y="1493145"/>
-          <a:ext cx="6251110" cy="497573"/>
+          <a:off x="0" y="1306448"/>
+          <a:ext cx="6251110" cy="435482"/>
         </a:xfrm>
         <a:prstGeom prst="rect">
           <a:avLst/>
@@ -3967,12 +4028,12 @@
         <a:fontRef idx="minor"/>
       </dsp:style>
       <dsp:txBody>
-        <a:bodyPr spcFirstLastPara="0" vert="horz" wrap="square" lIns="87630" tIns="87630" rIns="87630" bIns="87630" numCol="1" spcCol="1270" anchor="t" anchorCtr="0">
+        <a:bodyPr spcFirstLastPara="0" vert="horz" wrap="square" lIns="76200" tIns="76200" rIns="76200" bIns="76200" numCol="1" spcCol="1270" anchor="t" anchorCtr="0">
           <a:noAutofit/>
         </a:bodyPr>
         <a:lstStyle/>
         <a:p>
-          <a:pPr marL="0" lvl="0" indent="0" algn="l" defTabSz="1022350">
+          <a:pPr marL="0" lvl="0" indent="0" algn="l" defTabSz="889000">
             <a:lnSpc>
               <a:spcPct val="90000"/>
             </a:lnSpc>
@@ -3985,25 +4046,25 @@
             <a:buNone/>
           </a:pPr>
           <a:r>
-            <a:rPr lang="fr-FR" sz="2300" kern="1200"/>
-            <a:t>Base de données OLAP</a:t>
+            <a:rPr lang="fr-FR" sz="2000" kern="1200" dirty="0"/>
+            <a:t>Base de données OLTP</a:t>
           </a:r>
-          <a:endParaRPr lang="en-US" sz="2300" kern="1200"/>
+          <a:endParaRPr lang="en-US" sz="2000" kern="1200" dirty="0"/>
         </a:p>
       </dsp:txBody>
       <dsp:txXfrm>
-        <a:off x="0" y="1493145"/>
-        <a:ext cx="6251110" cy="497573"/>
+        <a:off x="0" y="1306448"/>
+        <a:ext cx="6251110" cy="435482"/>
       </dsp:txXfrm>
     </dsp:sp>
-    <dsp:sp modelId="{4BFE59ED-523D-4E21-AC3C-4B8744BCC63C}">
+    <dsp:sp modelId="{08DCA1EC-6FDD-438B-B6AB-3ACAF1B28244}">
       <dsp:nvSpPr>
         <dsp:cNvPr id="0" name=""/>
         <dsp:cNvSpPr/>
       </dsp:nvSpPr>
       <dsp:spPr>
         <a:xfrm>
-          <a:off x="0" y="1990718"/>
+          <a:off x="0" y="1741932"/>
           <a:ext cx="6251110" cy="0"/>
         </a:xfrm>
         <a:prstGeom prst="line">
@@ -4046,15 +4107,15 @@
         </a:fontRef>
       </dsp:style>
     </dsp:sp>
-    <dsp:sp modelId="{25E28051-8A0D-4AEF-9661-1CC840493B46}">
+    <dsp:sp modelId="{397F8DD0-BE9E-4D83-B62F-6D237E444A50}">
       <dsp:nvSpPr>
         <dsp:cNvPr id="0" name=""/>
         <dsp:cNvSpPr/>
       </dsp:nvSpPr>
       <dsp:spPr>
         <a:xfrm>
-          <a:off x="0" y="1990718"/>
-          <a:ext cx="6251110" cy="497573"/>
+          <a:off x="0" y="1741931"/>
+          <a:ext cx="6251110" cy="435482"/>
         </a:xfrm>
         <a:prstGeom prst="rect">
           <a:avLst/>
@@ -4078,12 +4139,12 @@
         <a:fontRef idx="minor"/>
       </dsp:style>
       <dsp:txBody>
-        <a:bodyPr spcFirstLastPara="0" vert="horz" wrap="square" lIns="87630" tIns="87630" rIns="87630" bIns="87630" numCol="1" spcCol="1270" anchor="t" anchorCtr="0">
+        <a:bodyPr spcFirstLastPara="0" vert="horz" wrap="square" lIns="76200" tIns="76200" rIns="76200" bIns="76200" numCol="1" spcCol="1270" anchor="t" anchorCtr="0">
           <a:noAutofit/>
         </a:bodyPr>
         <a:lstStyle/>
         <a:p>
-          <a:pPr marL="0" lvl="0" indent="0" algn="l" defTabSz="1022350">
+          <a:pPr marL="0" lvl="0" indent="0" algn="l" defTabSz="889000">
             <a:lnSpc>
               <a:spcPct val="90000"/>
             </a:lnSpc>
@@ -4096,25 +4157,25 @@
             <a:buNone/>
           </a:pPr>
           <a:r>
-            <a:rPr lang="fr-FR" sz="2300" kern="1200"/>
-            <a:t>Méthode Agile</a:t>
+            <a:rPr lang="fr-FR" sz="2000" kern="1200"/>
+            <a:t>Base de données OLAP</a:t>
           </a:r>
-          <a:endParaRPr lang="en-US" sz="2300" kern="1200"/>
+          <a:endParaRPr lang="en-US" sz="2000" kern="1200"/>
         </a:p>
       </dsp:txBody>
       <dsp:txXfrm>
-        <a:off x="0" y="1990718"/>
-        <a:ext cx="6251110" cy="497573"/>
+        <a:off x="0" y="1741931"/>
+        <a:ext cx="6251110" cy="435482"/>
       </dsp:txXfrm>
     </dsp:sp>
-    <dsp:sp modelId="{87AA8874-EFDA-4FFB-B73A-677D1B7127DE}">
+    <dsp:sp modelId="{4BFE59ED-523D-4E21-AC3C-4B8744BCC63C}">
       <dsp:nvSpPr>
         <dsp:cNvPr id="0" name=""/>
         <dsp:cNvSpPr/>
       </dsp:nvSpPr>
       <dsp:spPr>
         <a:xfrm>
-          <a:off x="0" y="2488292"/>
+          <a:off x="0" y="2177414"/>
           <a:ext cx="6251110" cy="0"/>
         </a:xfrm>
         <a:prstGeom prst="line">
@@ -4157,15 +4218,15 @@
         </a:fontRef>
       </dsp:style>
     </dsp:sp>
-    <dsp:sp modelId="{1484B636-2BBD-4EFA-B006-04726D2B649B}">
+    <dsp:sp modelId="{25E28051-8A0D-4AEF-9661-1CC840493B46}">
       <dsp:nvSpPr>
         <dsp:cNvPr id="0" name=""/>
         <dsp:cNvSpPr/>
       </dsp:nvSpPr>
       <dsp:spPr>
         <a:xfrm>
-          <a:off x="0" y="2488292"/>
-          <a:ext cx="6251110" cy="497573"/>
+          <a:off x="0" y="2177414"/>
+          <a:ext cx="6251110" cy="435482"/>
         </a:xfrm>
         <a:prstGeom prst="rect">
           <a:avLst/>
@@ -4189,12 +4250,12 @@
         <a:fontRef idx="minor"/>
       </dsp:style>
       <dsp:txBody>
-        <a:bodyPr spcFirstLastPara="0" vert="horz" wrap="square" lIns="87630" tIns="87630" rIns="87630" bIns="87630" numCol="1" spcCol="1270" anchor="t" anchorCtr="0">
+        <a:bodyPr spcFirstLastPara="0" vert="horz" wrap="square" lIns="76200" tIns="76200" rIns="76200" bIns="76200" numCol="1" spcCol="1270" anchor="t" anchorCtr="0">
           <a:noAutofit/>
         </a:bodyPr>
         <a:lstStyle/>
         <a:p>
-          <a:pPr marL="0" lvl="0" indent="0" algn="l" defTabSz="1022350">
+          <a:pPr marL="0" lvl="0" indent="0" algn="l" defTabSz="889000">
             <a:lnSpc>
               <a:spcPct val="90000"/>
             </a:lnSpc>
@@ -4207,25 +4268,25 @@
             <a:buNone/>
           </a:pPr>
           <a:r>
-            <a:rPr lang="fr-FR" sz="2300" kern="1200"/>
-            <a:t>Bilan personnel</a:t>
+            <a:rPr lang="fr-FR" sz="2000" kern="1200"/>
+            <a:t>Méthode Agile</a:t>
           </a:r>
-          <a:endParaRPr lang="en-US" sz="2300" kern="1200"/>
+          <a:endParaRPr lang="en-US" sz="2000" kern="1200"/>
         </a:p>
       </dsp:txBody>
       <dsp:txXfrm>
-        <a:off x="0" y="2488292"/>
-        <a:ext cx="6251110" cy="497573"/>
+        <a:off x="0" y="2177414"/>
+        <a:ext cx="6251110" cy="435482"/>
       </dsp:txXfrm>
     </dsp:sp>
-    <dsp:sp modelId="{4FB4B6DB-25A1-44E2-B4FC-45B871970C96}">
+    <dsp:sp modelId="{87AA8874-EFDA-4FFB-B73A-677D1B7127DE}">
       <dsp:nvSpPr>
         <dsp:cNvPr id="0" name=""/>
         <dsp:cNvSpPr/>
       </dsp:nvSpPr>
       <dsp:spPr>
         <a:xfrm>
-          <a:off x="0" y="2985865"/>
+          <a:off x="0" y="2612897"/>
           <a:ext cx="6251110" cy="0"/>
         </a:xfrm>
         <a:prstGeom prst="line">
@@ -4268,15 +4329,15 @@
         </a:fontRef>
       </dsp:style>
     </dsp:sp>
-    <dsp:sp modelId="{F714641B-0906-4DDD-8386-FD696572A793}">
+    <dsp:sp modelId="{1484B636-2BBD-4EFA-B006-04726D2B649B}">
       <dsp:nvSpPr>
         <dsp:cNvPr id="0" name=""/>
         <dsp:cNvSpPr/>
       </dsp:nvSpPr>
       <dsp:spPr>
         <a:xfrm>
-          <a:off x="0" y="2985865"/>
-          <a:ext cx="6251110" cy="497573"/>
+          <a:off x="0" y="2612897"/>
+          <a:ext cx="6251110" cy="435482"/>
         </a:xfrm>
         <a:prstGeom prst="rect">
           <a:avLst/>
@@ -4300,12 +4361,12 @@
         <a:fontRef idx="minor"/>
       </dsp:style>
       <dsp:txBody>
-        <a:bodyPr spcFirstLastPara="0" vert="horz" wrap="square" lIns="87630" tIns="87630" rIns="87630" bIns="87630" numCol="1" spcCol="1270" anchor="t" anchorCtr="0">
+        <a:bodyPr spcFirstLastPara="0" vert="horz" wrap="square" lIns="76200" tIns="76200" rIns="76200" bIns="76200" numCol="1" spcCol="1270" anchor="t" anchorCtr="0">
           <a:noAutofit/>
         </a:bodyPr>
         <a:lstStyle/>
         <a:p>
-          <a:pPr marL="0" lvl="0" indent="0" algn="l" defTabSz="1022350">
+          <a:pPr marL="0" lvl="0" indent="0" algn="l" defTabSz="889000">
             <a:lnSpc>
               <a:spcPct val="90000"/>
             </a:lnSpc>
@@ -4318,15 +4379,126 @@
             <a:buNone/>
           </a:pPr>
           <a:r>
-            <a:rPr lang="fr-FR" sz="2300" kern="1200"/>
-            <a:t>Bilan du groupe</a:t>
+            <a:rPr lang="fr-FR" sz="2000" kern="1200"/>
+            <a:t>Bilan personnel</a:t>
           </a:r>
-          <a:endParaRPr lang="en-US" sz="2300" kern="1200"/>
+          <a:endParaRPr lang="en-US" sz="2000" kern="1200"/>
         </a:p>
       </dsp:txBody>
       <dsp:txXfrm>
-        <a:off x="0" y="2985865"/>
-        <a:ext cx="6251110" cy="497573"/>
+        <a:off x="0" y="2612897"/>
+        <a:ext cx="6251110" cy="435482"/>
+      </dsp:txXfrm>
+    </dsp:sp>
+    <dsp:sp modelId="{4FB4B6DB-25A1-44E2-B4FC-45B871970C96}">
+      <dsp:nvSpPr>
+        <dsp:cNvPr id="0" name=""/>
+        <dsp:cNvSpPr/>
+      </dsp:nvSpPr>
+      <dsp:spPr>
+        <a:xfrm>
+          <a:off x="0" y="3048380"/>
+          <a:ext cx="6251110" cy="0"/>
+        </a:xfrm>
+        <a:prstGeom prst="line">
+          <a:avLst/>
+        </a:prstGeom>
+        <a:solidFill>
+          <a:schemeClr val="accent4">
+            <a:hueOff val="0"/>
+            <a:satOff val="0"/>
+            <a:lumOff val="0"/>
+            <a:alphaOff val="0"/>
+          </a:schemeClr>
+        </a:solidFill>
+        <a:ln w="12700" cap="flat" cmpd="sng" algn="ctr">
+          <a:solidFill>
+            <a:schemeClr val="accent4">
+              <a:hueOff val="0"/>
+              <a:satOff val="0"/>
+              <a:lumOff val="0"/>
+              <a:alphaOff val="0"/>
+            </a:schemeClr>
+          </a:solidFill>
+          <a:prstDash val="solid"/>
+          <a:miter lim="800000"/>
+        </a:ln>
+        <a:effectLst/>
+      </dsp:spPr>
+      <dsp:style>
+        <a:lnRef idx="2">
+          <a:scrgbClr r="0" g="0" b="0"/>
+        </a:lnRef>
+        <a:fillRef idx="1">
+          <a:scrgbClr r="0" g="0" b="0"/>
+        </a:fillRef>
+        <a:effectRef idx="0">
+          <a:scrgbClr r="0" g="0" b="0"/>
+        </a:effectRef>
+        <a:fontRef idx="minor">
+          <a:schemeClr val="lt1"/>
+        </a:fontRef>
+      </dsp:style>
+    </dsp:sp>
+    <dsp:sp modelId="{F714641B-0906-4DDD-8386-FD696572A793}">
+      <dsp:nvSpPr>
+        <dsp:cNvPr id="0" name=""/>
+        <dsp:cNvSpPr/>
+      </dsp:nvSpPr>
+      <dsp:spPr>
+        <a:xfrm>
+          <a:off x="0" y="3048380"/>
+          <a:ext cx="6251110" cy="435482"/>
+        </a:xfrm>
+        <a:prstGeom prst="rect">
+          <a:avLst/>
+        </a:prstGeom>
+        <a:noFill/>
+        <a:ln>
+          <a:noFill/>
+        </a:ln>
+        <a:effectLst/>
+      </dsp:spPr>
+      <dsp:style>
+        <a:lnRef idx="0">
+          <a:scrgbClr r="0" g="0" b="0"/>
+        </a:lnRef>
+        <a:fillRef idx="0">
+          <a:scrgbClr r="0" g="0" b="0"/>
+        </a:fillRef>
+        <a:effectRef idx="0">
+          <a:scrgbClr r="0" g="0" b="0"/>
+        </a:effectRef>
+        <a:fontRef idx="minor"/>
+      </dsp:style>
+      <dsp:txBody>
+        <a:bodyPr spcFirstLastPara="0" vert="horz" wrap="square" lIns="76200" tIns="76200" rIns="76200" bIns="76200" numCol="1" spcCol="1270" anchor="t" anchorCtr="0">
+          <a:noAutofit/>
+        </a:bodyPr>
+        <a:lstStyle/>
+        <a:p>
+          <a:pPr marL="0" lvl="0" indent="0" algn="l" defTabSz="889000">
+            <a:lnSpc>
+              <a:spcPct val="90000"/>
+            </a:lnSpc>
+            <a:spcBef>
+              <a:spcPct val="0"/>
+            </a:spcBef>
+            <a:spcAft>
+              <a:spcPct val="35000"/>
+            </a:spcAft>
+            <a:buNone/>
+          </a:pPr>
+          <a:r>
+            <a:rPr lang="fr-FR" sz="2000" kern="1200"/>
+            <a:t>Bilan du groupe</a:t>
+          </a:r>
+          <a:endParaRPr lang="en-US" sz="2000" kern="1200"/>
+        </a:p>
+      </dsp:txBody>
+      <dsp:txXfrm>
+        <a:off x="0" y="3048380"/>
+        <a:ext cx="6251110" cy="435482"/>
       </dsp:txXfrm>
     </dsp:sp>
   </dsp:spTree>
@@ -4548,7 +4720,7 @@
           </a:pPr>
           <a:r>
             <a:rPr lang="fr-FR" sz="2300" kern="1200" dirty="0"/>
-            <a:t>Conception MCD,MLD,…</a:t>
+            <a:t>Conception MCD,MLD</a:t>
           </a:r>
           <a:endParaRPr lang="en-US" sz="2300" kern="1200" dirty="0"/>
         </a:p>
@@ -10529,7 +10701,7 @@
           <a:p>
             <a:fld id="{556EE886-49DE-4CB8-AF35-F15D5A7C32B5}" type="datetimeFigureOut">
               <a:rPr lang="fr-FR" smtClean="0"/>
-              <a:t>06/07/2023</a:t>
+              <a:t>07/07/2023</a:t>
             </a:fld>
             <a:endParaRPr lang="fr-FR"/>
           </a:p>
@@ -10727,7 +10899,7 @@
           <a:p>
             <a:fld id="{556EE886-49DE-4CB8-AF35-F15D5A7C32B5}" type="datetimeFigureOut">
               <a:rPr lang="fr-FR" smtClean="0"/>
-              <a:t>06/07/2023</a:t>
+              <a:t>07/07/2023</a:t>
             </a:fld>
             <a:endParaRPr lang="fr-FR"/>
           </a:p>
@@ -10935,7 +11107,7 @@
           <a:p>
             <a:fld id="{556EE886-49DE-4CB8-AF35-F15D5A7C32B5}" type="datetimeFigureOut">
               <a:rPr lang="fr-FR" smtClean="0"/>
-              <a:t>06/07/2023</a:t>
+              <a:t>07/07/2023</a:t>
             </a:fld>
             <a:endParaRPr lang="fr-FR"/>
           </a:p>
@@ -11133,7 +11305,7 @@
           <a:p>
             <a:fld id="{556EE886-49DE-4CB8-AF35-F15D5A7C32B5}" type="datetimeFigureOut">
               <a:rPr lang="fr-FR" smtClean="0"/>
-              <a:t>06/07/2023</a:t>
+              <a:t>07/07/2023</a:t>
             </a:fld>
             <a:endParaRPr lang="fr-FR"/>
           </a:p>
@@ -11408,7 +11580,7 @@
           <a:p>
             <a:fld id="{556EE886-49DE-4CB8-AF35-F15D5A7C32B5}" type="datetimeFigureOut">
               <a:rPr lang="fr-FR" smtClean="0"/>
-              <a:t>06/07/2023</a:t>
+              <a:t>07/07/2023</a:t>
             </a:fld>
             <a:endParaRPr lang="fr-FR"/>
           </a:p>
@@ -11673,7 +11845,7 @@
           <a:p>
             <a:fld id="{556EE886-49DE-4CB8-AF35-F15D5A7C32B5}" type="datetimeFigureOut">
               <a:rPr lang="fr-FR" smtClean="0"/>
-              <a:t>06/07/2023</a:t>
+              <a:t>07/07/2023</a:t>
             </a:fld>
             <a:endParaRPr lang="fr-FR"/>
           </a:p>
@@ -12085,7 +12257,7 @@
           <a:p>
             <a:fld id="{556EE886-49DE-4CB8-AF35-F15D5A7C32B5}" type="datetimeFigureOut">
               <a:rPr lang="fr-FR" smtClean="0"/>
-              <a:t>06/07/2023</a:t>
+              <a:t>07/07/2023</a:t>
             </a:fld>
             <a:endParaRPr lang="fr-FR"/>
           </a:p>
@@ -12226,7 +12398,7 @@
           <a:p>
             <a:fld id="{556EE886-49DE-4CB8-AF35-F15D5A7C32B5}" type="datetimeFigureOut">
               <a:rPr lang="fr-FR" smtClean="0"/>
-              <a:t>06/07/2023</a:t>
+              <a:t>07/07/2023</a:t>
             </a:fld>
             <a:endParaRPr lang="fr-FR"/>
           </a:p>
@@ -12339,7 +12511,7 @@
           <a:p>
             <a:fld id="{556EE886-49DE-4CB8-AF35-F15D5A7C32B5}" type="datetimeFigureOut">
               <a:rPr lang="fr-FR" smtClean="0"/>
-              <a:t>06/07/2023</a:t>
+              <a:t>07/07/2023</a:t>
             </a:fld>
             <a:endParaRPr lang="fr-FR"/>
           </a:p>
@@ -12650,7 +12822,7 @@
           <a:p>
             <a:fld id="{556EE886-49DE-4CB8-AF35-F15D5A7C32B5}" type="datetimeFigureOut">
               <a:rPr lang="fr-FR" smtClean="0"/>
-              <a:t>06/07/2023</a:t>
+              <a:t>07/07/2023</a:t>
             </a:fld>
             <a:endParaRPr lang="fr-FR"/>
           </a:p>
@@ -12938,7 +13110,7 @@
           <a:p>
             <a:fld id="{556EE886-49DE-4CB8-AF35-F15D5A7C32B5}" type="datetimeFigureOut">
               <a:rPr lang="fr-FR" smtClean="0"/>
-              <a:t>06/07/2023</a:t>
+              <a:t>07/07/2023</a:t>
             </a:fld>
             <a:endParaRPr lang="fr-FR"/>
           </a:p>
@@ -13179,7 +13351,7 @@
           <a:p>
             <a:fld id="{556EE886-49DE-4CB8-AF35-F15D5A7C32B5}" type="datetimeFigureOut">
               <a:rPr lang="fr-FR" smtClean="0"/>
-              <a:t>06/07/2023</a:t>
+              <a:t>07/07/2023</a:t>
             </a:fld>
             <a:endParaRPr lang="fr-FR"/>
           </a:p>
@@ -14378,6 +14550,1688 @@
       </p:grpSpPr>
       <p:sp useBgFill="1">
         <p:nvSpPr>
+          <p:cNvPr id="71" name="Rectangle 70">
+            <a:extLst>
+              <a:ext uri="{FF2B5EF4-FFF2-40B4-BE49-F238E27FC236}">
+                <a16:creationId xmlns:a16="http://schemas.microsoft.com/office/drawing/2014/main" id="{C59AB4C8-9178-4F7A-8404-6890510B5917}"/>
+              </a:ext>
+              <a:ext uri="{C183D7F6-B498-43B3-948B-1728B52AA6E4}">
+                <adec:decorative xmlns:adec="http://schemas.microsoft.com/office/drawing/2017/decorative" val="1"/>
+              </a:ext>
+            </a:extLst>
+          </p:cNvPr>
+          <p:cNvSpPr>
+            <a:spLocks noGrp="1" noRot="1" noChangeAspect="1" noMove="1" noResize="1" noEditPoints="1" noAdjustHandles="1" noChangeArrowheads="1" noChangeShapeType="1" noTextEdit="1"/>
+          </p:cNvSpPr>
+          <p:nvPr>
+            <p:extLst>
+              <p:ext uri="{386F3935-93C4-4BCD-93E2-E3B085C9AB24}">
+                <p16:designElem xmlns:p16="http://schemas.microsoft.com/office/powerpoint/2015/main" val="1"/>
+              </p:ext>
+            </p:extLst>
+          </p:nvPr>
+        </p:nvSpPr>
+        <p:spPr>
+          <a:xfrm>
+            <a:off x="0" y="0"/>
+            <a:ext cx="12192000" cy="6858000"/>
+          </a:xfrm>
+          <a:prstGeom prst="rect">
+            <a:avLst/>
+          </a:prstGeom>
+          <a:ln>
+            <a:noFill/>
+          </a:ln>
+        </p:spPr>
+        <p:style>
+          <a:lnRef idx="2">
+            <a:schemeClr val="accent1">
+              <a:shade val="50000"/>
+            </a:schemeClr>
+          </a:lnRef>
+          <a:fillRef idx="1">
+            <a:schemeClr val="accent1"/>
+          </a:fillRef>
+          <a:effectRef idx="0">
+            <a:schemeClr val="accent1"/>
+          </a:effectRef>
+          <a:fontRef idx="minor">
+            <a:schemeClr val="lt1"/>
+          </a:fontRef>
+        </p:style>
+        <p:txBody>
+          <a:bodyPr rtlCol="0" anchor="ctr"/>
+          <a:lstStyle/>
+          <a:p>
+            <a:pPr algn="ctr"/>
+            <a:endParaRPr lang="en-US" dirty="0"/>
+          </a:p>
+        </p:txBody>
+      </p:sp>
+      <p:sp>
+        <p:nvSpPr>
+          <p:cNvPr id="2" name="Titre 1">
+            <a:extLst>
+              <a:ext uri="{FF2B5EF4-FFF2-40B4-BE49-F238E27FC236}">
+                <a16:creationId xmlns:a16="http://schemas.microsoft.com/office/drawing/2014/main" id="{A9D3BC35-4DDC-856F-9C64-F81B58BB0C98}"/>
+              </a:ext>
+            </a:extLst>
+          </p:cNvPr>
+          <p:cNvSpPr>
+            <a:spLocks noGrp="1"/>
+          </p:cNvSpPr>
+          <p:nvPr>
+            <p:ph type="title"/>
+          </p:nvPr>
+        </p:nvSpPr>
+        <p:spPr>
+          <a:xfrm>
+            <a:off x="638881" y="457201"/>
+            <a:ext cx="10909640" cy="1832654"/>
+          </a:xfrm>
+        </p:spPr>
+        <p:txBody>
+          <a:bodyPr vert="horz" lIns="91440" tIns="45720" rIns="91440" bIns="45720" rtlCol="0" anchor="b">
+            <a:normAutofit/>
+          </a:bodyPr>
+          <a:lstStyle/>
+          <a:p>
+            <a:pPr algn="ctr"/>
+            <a:r>
+              <a:rPr lang="en-US" sz="6600" kern="1200" dirty="0">
+                <a:solidFill>
+                  <a:schemeClr val="tx1"/>
+                </a:solidFill>
+                <a:latin typeface="+mj-lt"/>
+                <a:ea typeface="+mj-ea"/>
+                <a:cs typeface="+mj-cs"/>
+              </a:rPr>
+              <a:t>Administration BDD Suite</a:t>
+            </a:r>
+          </a:p>
+        </p:txBody>
+      </p:sp>
+      <p:sp>
+        <p:nvSpPr>
+          <p:cNvPr id="73" name="sketch line">
+            <a:extLst>
+              <a:ext uri="{FF2B5EF4-FFF2-40B4-BE49-F238E27FC236}">
+                <a16:creationId xmlns:a16="http://schemas.microsoft.com/office/drawing/2014/main" id="{4CFDFB37-4BC7-42C6-915D-A6609139BFE7}"/>
+              </a:ext>
+              <a:ext uri="{C183D7F6-B498-43B3-948B-1728B52AA6E4}">
+                <adec:decorative xmlns:adec="http://schemas.microsoft.com/office/drawing/2017/decorative" val="1"/>
+              </a:ext>
+            </a:extLst>
+          </p:cNvPr>
+          <p:cNvSpPr>
+            <a:spLocks noGrp="1" noRot="1" noChangeAspect="1" noMove="1" noResize="1" noEditPoints="1" noAdjustHandles="1" noChangeArrowheads="1" noChangeShapeType="1" noTextEdit="1"/>
+          </p:cNvSpPr>
+          <p:nvPr>
+            <p:extLst>
+              <p:ext uri="{386F3935-93C4-4BCD-93E2-E3B085C9AB24}">
+                <p16:designElem xmlns:p16="http://schemas.microsoft.com/office/powerpoint/2015/main" val="1"/>
+              </p:ext>
+            </p:extLst>
+          </p:nvPr>
+        </p:nvSpPr>
+        <p:spPr>
+          <a:xfrm>
+            <a:off x="3807702" y="2343912"/>
+            <a:ext cx="4572000" cy="18288"/>
+          </a:xfrm>
+          <a:custGeom>
+            <a:avLst/>
+            <a:gdLst>
+              <a:gd name="connsiteX0" fmla="*/ 0 w 4572000"/>
+              <a:gd name="connsiteY0" fmla="*/ 0 h 18288"/>
+              <a:gd name="connsiteX1" fmla="*/ 515983 w 4572000"/>
+              <a:gd name="connsiteY1" fmla="*/ 0 h 18288"/>
+              <a:gd name="connsiteX2" fmla="*/ 1031966 w 4572000"/>
+              <a:gd name="connsiteY2" fmla="*/ 0 h 18288"/>
+              <a:gd name="connsiteX3" fmla="*/ 1639389 w 4572000"/>
+              <a:gd name="connsiteY3" fmla="*/ 0 h 18288"/>
+              <a:gd name="connsiteX4" fmla="*/ 2383971 w 4572000"/>
+              <a:gd name="connsiteY4" fmla="*/ 0 h 18288"/>
+              <a:gd name="connsiteX5" fmla="*/ 2945674 w 4572000"/>
+              <a:gd name="connsiteY5" fmla="*/ 0 h 18288"/>
+              <a:gd name="connsiteX6" fmla="*/ 3507377 w 4572000"/>
+              <a:gd name="connsiteY6" fmla="*/ 0 h 18288"/>
+              <a:gd name="connsiteX7" fmla="*/ 4572000 w 4572000"/>
+              <a:gd name="connsiteY7" fmla="*/ 0 h 18288"/>
+              <a:gd name="connsiteX8" fmla="*/ 4572000 w 4572000"/>
+              <a:gd name="connsiteY8" fmla="*/ 18288 h 18288"/>
+              <a:gd name="connsiteX9" fmla="*/ 3873137 w 4572000"/>
+              <a:gd name="connsiteY9" fmla="*/ 18288 h 18288"/>
+              <a:gd name="connsiteX10" fmla="*/ 3311434 w 4572000"/>
+              <a:gd name="connsiteY10" fmla="*/ 18288 h 18288"/>
+              <a:gd name="connsiteX11" fmla="*/ 2749731 w 4572000"/>
+              <a:gd name="connsiteY11" fmla="*/ 18288 h 18288"/>
+              <a:gd name="connsiteX12" fmla="*/ 2050869 w 4572000"/>
+              <a:gd name="connsiteY12" fmla="*/ 18288 h 18288"/>
+              <a:gd name="connsiteX13" fmla="*/ 1306286 w 4572000"/>
+              <a:gd name="connsiteY13" fmla="*/ 18288 h 18288"/>
+              <a:gd name="connsiteX14" fmla="*/ 790303 w 4572000"/>
+              <a:gd name="connsiteY14" fmla="*/ 18288 h 18288"/>
+              <a:gd name="connsiteX15" fmla="*/ 0 w 4572000"/>
+              <a:gd name="connsiteY15" fmla="*/ 18288 h 18288"/>
+              <a:gd name="connsiteX16" fmla="*/ 0 w 4572000"/>
+              <a:gd name="connsiteY16" fmla="*/ 0 h 18288"/>
+            </a:gdLst>
+            <a:ahLst/>
+            <a:cxnLst>
+              <a:cxn ang="0">
+                <a:pos x="connsiteX0" y="connsiteY0"/>
+              </a:cxn>
+              <a:cxn ang="0">
+                <a:pos x="connsiteX1" y="connsiteY1"/>
+              </a:cxn>
+              <a:cxn ang="0">
+                <a:pos x="connsiteX2" y="connsiteY2"/>
+              </a:cxn>
+              <a:cxn ang="0">
+                <a:pos x="connsiteX3" y="connsiteY3"/>
+              </a:cxn>
+              <a:cxn ang="0">
+                <a:pos x="connsiteX4" y="connsiteY4"/>
+              </a:cxn>
+              <a:cxn ang="0">
+                <a:pos x="connsiteX5" y="connsiteY5"/>
+              </a:cxn>
+              <a:cxn ang="0">
+                <a:pos x="connsiteX6" y="connsiteY6"/>
+              </a:cxn>
+              <a:cxn ang="0">
+                <a:pos x="connsiteX7" y="connsiteY7"/>
+              </a:cxn>
+              <a:cxn ang="0">
+                <a:pos x="connsiteX8" y="connsiteY8"/>
+              </a:cxn>
+              <a:cxn ang="0">
+                <a:pos x="connsiteX9" y="connsiteY9"/>
+              </a:cxn>
+              <a:cxn ang="0">
+                <a:pos x="connsiteX10" y="connsiteY10"/>
+              </a:cxn>
+              <a:cxn ang="0">
+                <a:pos x="connsiteX11" y="connsiteY11"/>
+              </a:cxn>
+              <a:cxn ang="0">
+                <a:pos x="connsiteX12" y="connsiteY12"/>
+              </a:cxn>
+              <a:cxn ang="0">
+                <a:pos x="connsiteX13" y="connsiteY13"/>
+              </a:cxn>
+              <a:cxn ang="0">
+                <a:pos x="connsiteX14" y="connsiteY14"/>
+              </a:cxn>
+              <a:cxn ang="0">
+                <a:pos x="connsiteX15" y="connsiteY15"/>
+              </a:cxn>
+              <a:cxn ang="0">
+                <a:pos x="connsiteX16" y="connsiteY16"/>
+              </a:cxn>
+            </a:cxnLst>
+            <a:rect l="l" t="t" r="r" b="b"/>
+            <a:pathLst>
+              <a:path w="4572000" h="18288" fill="none" extrusionOk="0">
+                <a:moveTo>
+                  <a:pt x="0" y="0"/>
+                </a:moveTo>
+                <a:cubicBezTo>
+                  <a:pt x="105156" y="-20963"/>
+                  <a:pt x="340432" y="822"/>
+                  <a:pt x="515983" y="0"/>
+                </a:cubicBezTo>
+                <a:cubicBezTo>
+                  <a:pt x="691534" y="-822"/>
+                  <a:pt x="850679" y="16479"/>
+                  <a:pt x="1031966" y="0"/>
+                </a:cubicBezTo>
+                <a:cubicBezTo>
+                  <a:pt x="1213253" y="-16479"/>
+                  <a:pt x="1443646" y="-18730"/>
+                  <a:pt x="1639389" y="0"/>
+                </a:cubicBezTo>
+                <a:cubicBezTo>
+                  <a:pt x="1835132" y="18730"/>
+                  <a:pt x="2159975" y="18531"/>
+                  <a:pt x="2383971" y="0"/>
+                </a:cubicBezTo>
+                <a:cubicBezTo>
+                  <a:pt x="2607967" y="-18531"/>
+                  <a:pt x="2719096" y="-12030"/>
+                  <a:pt x="2945674" y="0"/>
+                </a:cubicBezTo>
+                <a:cubicBezTo>
+                  <a:pt x="3172252" y="12030"/>
+                  <a:pt x="3269167" y="27666"/>
+                  <a:pt x="3507377" y="0"/>
+                </a:cubicBezTo>
+                <a:cubicBezTo>
+                  <a:pt x="3745587" y="-27666"/>
+                  <a:pt x="4116741" y="18705"/>
+                  <a:pt x="4572000" y="0"/>
+                </a:cubicBezTo>
+                <a:cubicBezTo>
+                  <a:pt x="4572895" y="8974"/>
+                  <a:pt x="4571454" y="9359"/>
+                  <a:pt x="4572000" y="18288"/>
+                </a:cubicBezTo>
+                <a:cubicBezTo>
+                  <a:pt x="4374698" y="3942"/>
+                  <a:pt x="4098874" y="-11042"/>
+                  <a:pt x="3873137" y="18288"/>
+                </a:cubicBezTo>
+                <a:cubicBezTo>
+                  <a:pt x="3647400" y="47618"/>
+                  <a:pt x="3517055" y="5421"/>
+                  <a:pt x="3311434" y="18288"/>
+                </a:cubicBezTo>
+                <a:cubicBezTo>
+                  <a:pt x="3105813" y="31155"/>
+                  <a:pt x="3025168" y="17856"/>
+                  <a:pt x="2749731" y="18288"/>
+                </a:cubicBezTo>
+                <a:cubicBezTo>
+                  <a:pt x="2474294" y="18720"/>
+                  <a:pt x="2291766" y="-14168"/>
+                  <a:pt x="2050869" y="18288"/>
+                </a:cubicBezTo>
+                <a:cubicBezTo>
+                  <a:pt x="1809972" y="50744"/>
+                  <a:pt x="1540276" y="46798"/>
+                  <a:pt x="1306286" y="18288"/>
+                </a:cubicBezTo>
+                <a:cubicBezTo>
+                  <a:pt x="1072296" y="-10222"/>
+                  <a:pt x="972445" y="19645"/>
+                  <a:pt x="790303" y="18288"/>
+                </a:cubicBezTo>
+                <a:cubicBezTo>
+                  <a:pt x="608161" y="16931"/>
+                  <a:pt x="200981" y="8241"/>
+                  <a:pt x="0" y="18288"/>
+                </a:cubicBezTo>
+                <a:cubicBezTo>
+                  <a:pt x="-229" y="14222"/>
+                  <a:pt x="509" y="5816"/>
+                  <a:pt x="0" y="0"/>
+                </a:cubicBezTo>
+                <a:close/>
+              </a:path>
+              <a:path w="4572000" h="18288" stroke="0" extrusionOk="0">
+                <a:moveTo>
+                  <a:pt x="0" y="0"/>
+                </a:moveTo>
+                <a:cubicBezTo>
+                  <a:pt x="143285" y="-9565"/>
+                  <a:pt x="327959" y="-11498"/>
+                  <a:pt x="561703" y="0"/>
+                </a:cubicBezTo>
+                <a:cubicBezTo>
+                  <a:pt x="795447" y="11498"/>
+                  <a:pt x="838260" y="18255"/>
+                  <a:pt x="1077686" y="0"/>
+                </a:cubicBezTo>
+                <a:cubicBezTo>
+                  <a:pt x="1317112" y="-18255"/>
+                  <a:pt x="1437472" y="23514"/>
+                  <a:pt x="1639389" y="0"/>
+                </a:cubicBezTo>
+                <a:cubicBezTo>
+                  <a:pt x="1841306" y="-23514"/>
+                  <a:pt x="2037142" y="-12551"/>
+                  <a:pt x="2292531" y="0"/>
+                </a:cubicBezTo>
+                <a:cubicBezTo>
+                  <a:pt x="2547920" y="12551"/>
+                  <a:pt x="2810436" y="-20352"/>
+                  <a:pt x="2991394" y="0"/>
+                </a:cubicBezTo>
+                <a:cubicBezTo>
+                  <a:pt x="3172352" y="20352"/>
+                  <a:pt x="3530025" y="-13347"/>
+                  <a:pt x="3735977" y="0"/>
+                </a:cubicBezTo>
+                <a:cubicBezTo>
+                  <a:pt x="3941929" y="13347"/>
+                  <a:pt x="4161497" y="34086"/>
+                  <a:pt x="4572000" y="0"/>
+                </a:cubicBezTo>
+                <a:cubicBezTo>
+                  <a:pt x="4571545" y="6162"/>
+                  <a:pt x="4571903" y="11775"/>
+                  <a:pt x="4572000" y="18288"/>
+                </a:cubicBezTo>
+                <a:cubicBezTo>
+                  <a:pt x="4228040" y="36490"/>
+                  <a:pt x="4199736" y="42557"/>
+                  <a:pt x="3873137" y="18288"/>
+                </a:cubicBezTo>
+                <a:cubicBezTo>
+                  <a:pt x="3546538" y="-5981"/>
+                  <a:pt x="3472124" y="16809"/>
+                  <a:pt x="3128554" y="18288"/>
+                </a:cubicBezTo>
+                <a:cubicBezTo>
+                  <a:pt x="2784984" y="19767"/>
+                  <a:pt x="2735896" y="-17781"/>
+                  <a:pt x="2383971" y="18288"/>
+                </a:cubicBezTo>
+                <a:cubicBezTo>
+                  <a:pt x="2032046" y="54357"/>
+                  <a:pt x="2019324" y="2920"/>
+                  <a:pt x="1867989" y="18288"/>
+                </a:cubicBezTo>
+                <a:cubicBezTo>
+                  <a:pt x="1716654" y="33656"/>
+                  <a:pt x="1418675" y="32575"/>
+                  <a:pt x="1169126" y="18288"/>
+                </a:cubicBezTo>
+                <a:cubicBezTo>
+                  <a:pt x="919577" y="4001"/>
+                  <a:pt x="798537" y="16165"/>
+                  <a:pt x="561703" y="18288"/>
+                </a:cubicBezTo>
+                <a:cubicBezTo>
+                  <a:pt x="324869" y="20411"/>
+                  <a:pt x="221395" y="-912"/>
+                  <a:pt x="0" y="18288"/>
+                </a:cubicBezTo>
+                <a:cubicBezTo>
+                  <a:pt x="766" y="10800"/>
+                  <a:pt x="-457" y="8180"/>
+                  <a:pt x="0" y="0"/>
+                </a:cubicBezTo>
+                <a:close/>
+              </a:path>
+            </a:pathLst>
+          </a:custGeom>
+          <a:solidFill>
+            <a:schemeClr val="accent2"/>
+          </a:solidFill>
+          <a:ln w="41275" cap="rnd">
+            <a:solidFill>
+              <a:schemeClr val="accent2"/>
+            </a:solidFill>
+            <a:round/>
+            <a:extLst>
+              <a:ext uri="{C807C97D-BFC1-408E-A445-0C87EB9F89A2}">
+                <ask:lineSketchStyleProps xmlns:ask="http://schemas.microsoft.com/office/drawing/2018/sketchyshapes" sd="2727557108">
+                  <a:prstGeom prst="rect">
+                    <a:avLst/>
+                  </a:prstGeom>
+                  <ask:type>
+                    <ask:lineSketchFreehand/>
+                  </ask:type>
+                </ask:lineSketchStyleProps>
+              </a:ext>
+            </a:extLst>
+          </a:ln>
+        </p:spPr>
+        <p:style>
+          <a:lnRef idx="2">
+            <a:schemeClr val="accent1">
+              <a:shade val="50000"/>
+            </a:schemeClr>
+          </a:lnRef>
+          <a:fillRef idx="1">
+            <a:schemeClr val="accent1"/>
+          </a:fillRef>
+          <a:effectRef idx="0">
+            <a:schemeClr val="accent1"/>
+          </a:effectRef>
+          <a:fontRef idx="minor">
+            <a:schemeClr val="lt1"/>
+          </a:fontRef>
+        </p:style>
+        <p:txBody>
+          <a:bodyPr rtlCol="0" anchor="ctr"/>
+          <a:lstStyle/>
+          <a:p>
+            <a:pPr algn="ctr"/>
+            <a:endParaRPr lang="en-US"/>
+          </a:p>
+        </p:txBody>
+      </p:sp>
+      <p:pic>
+        <p:nvPicPr>
+          <p:cNvPr id="3" name="Image 2" descr="Une image contenant capture d’écran, texte, Police&#10;&#10;Description générée automatiquement">
+            <a:extLst>
+              <a:ext uri="{FF2B5EF4-FFF2-40B4-BE49-F238E27FC236}">
+                <a16:creationId xmlns:a16="http://schemas.microsoft.com/office/drawing/2014/main" id="{FB4FA6C7-FBD4-B936-20C0-6BD7298F4BD9}"/>
+              </a:ext>
+            </a:extLst>
+          </p:cNvPr>
+          <p:cNvPicPr>
+            <a:picLocks noChangeAspect="1"/>
+          </p:cNvPicPr>
+          <p:nvPr/>
+        </p:nvPicPr>
+        <p:blipFill>
+          <a:blip r:embed="rId2">
+            <a:extLst>
+              <a:ext uri="{28A0092B-C50C-407E-A947-70E740481C1C}">
+                <a14:useLocalDpi xmlns:a14="http://schemas.microsoft.com/office/drawing/2010/main" val="0"/>
+              </a:ext>
+            </a:extLst>
+          </a:blip>
+          <a:stretch>
+            <a:fillRect/>
+          </a:stretch>
+        </p:blipFill>
+        <p:spPr>
+          <a:xfrm>
+            <a:off x="320040" y="3939391"/>
+            <a:ext cx="11548872" cy="1472481"/>
+          </a:xfrm>
+          <a:prstGeom prst="rect">
+            <a:avLst/>
+          </a:prstGeom>
+        </p:spPr>
+      </p:pic>
+    </p:spTree>
+    <p:extLst>
+      <p:ext uri="{BB962C8B-B14F-4D97-AF65-F5344CB8AC3E}">
+        <p14:creationId xmlns:p14="http://schemas.microsoft.com/office/powerpoint/2010/main" val="1278029793"/>
+      </p:ext>
+    </p:extLst>
+  </p:cSld>
+  <p:clrMapOvr>
+    <a:masterClrMapping/>
+  </p:clrMapOvr>
+  <p:timing>
+    <p:tnLst>
+      <p:par>
+        <p:cTn id="1" dur="indefinite" restart="never" nodeType="tmRoot">
+          <p:childTnLst>
+            <p:seq concurrent="1" nextAc="seek">
+              <p:cTn id="2" dur="indefinite" nodeType="mainSeq">
+                <p:childTnLst>
+                  <p:par>
+                    <p:cTn id="3" fill="hold">
+                      <p:stCondLst>
+                        <p:cond delay="indefinite"/>
+                        <p:cond evt="onBegin" delay="0">
+                          <p:tn val="2"/>
+                        </p:cond>
+                      </p:stCondLst>
+                      <p:childTnLst>
+                        <p:par>
+                          <p:cTn id="4" fill="hold">
+                            <p:stCondLst>
+                              <p:cond delay="0"/>
+                            </p:stCondLst>
+                            <p:childTnLst>
+                              <p:par>
+                                <p:cTn id="5" presetID="10" presetClass="entr" presetSubtype="0" fill="hold" grpId="0" nodeType="withEffect">
+                                  <p:stCondLst>
+                                    <p:cond delay="1000"/>
+                                  </p:stCondLst>
+                                  <p:iterate>
+                                    <p:tmPct val="10000"/>
+                                  </p:iterate>
+                                  <p:childTnLst>
+                                    <p:set>
+                                      <p:cBhvr>
+                                        <p:cTn id="6" dur="1" fill="hold">
+                                          <p:stCondLst>
+                                            <p:cond delay="0"/>
+                                          </p:stCondLst>
+                                        </p:cTn>
+                                        <p:tgtEl>
+                                          <p:spTgt spid="2"/>
+                                        </p:tgtEl>
+                                        <p:attrNameLst>
+                                          <p:attrName>style.visibility</p:attrName>
+                                        </p:attrNameLst>
+                                      </p:cBhvr>
+                                      <p:to>
+                                        <p:strVal val="visible"/>
+                                      </p:to>
+                                    </p:set>
+                                    <p:animEffect transition="in" filter="fade">
+                                      <p:cBhvr>
+                                        <p:cTn id="7" dur="700"/>
+                                        <p:tgtEl>
+                                          <p:spTgt spid="2"/>
+                                        </p:tgtEl>
+                                      </p:cBhvr>
+                                    </p:animEffect>
+                                  </p:childTnLst>
+                                </p:cTn>
+                              </p:par>
+                            </p:childTnLst>
+                          </p:cTn>
+                        </p:par>
+                      </p:childTnLst>
+                    </p:cTn>
+                  </p:par>
+                </p:childTnLst>
+              </p:cTn>
+              <p:prevCondLst>
+                <p:cond evt="onPrev" delay="0">
+                  <p:tgtEl>
+                    <p:sldTgt/>
+                  </p:tgtEl>
+                </p:cond>
+              </p:prevCondLst>
+              <p:nextCondLst>
+                <p:cond evt="onNext" delay="0">
+                  <p:tgtEl>
+                    <p:sldTgt/>
+                  </p:tgtEl>
+                </p:cond>
+              </p:nextCondLst>
+            </p:seq>
+          </p:childTnLst>
+        </p:cTn>
+      </p:par>
+    </p:tnLst>
+    <p:bldLst>
+      <p:bldP spid="2" grpId="0"/>
+    </p:bldLst>
+  </p:timing>
+</p:sld>
+</file>
+
+<file path=ppt/slides/slide11.xml><?xml version="1.0" encoding="utf-8"?>
+<p:sld xmlns:a="http://schemas.openxmlformats.org/drawingml/2006/main" xmlns:r="http://schemas.openxmlformats.org/officeDocument/2006/relationships" xmlns:p="http://schemas.openxmlformats.org/presentationml/2006/main">
+  <p:cSld>
+    <p:bg>
+      <p:bgPr>
+        <a:solidFill>
+          <a:schemeClr val="bg1"/>
+        </a:solidFill>
+        <a:effectLst/>
+      </p:bgPr>
+    </p:bg>
+    <p:spTree>
+      <p:nvGrpSpPr>
+        <p:cNvPr id="1" name=""/>
+        <p:cNvGrpSpPr/>
+        <p:nvPr/>
+      </p:nvGrpSpPr>
+      <p:grpSpPr>
+        <a:xfrm>
+          <a:off x="0" y="0"/>
+          <a:ext cx="0" cy="0"/>
+          <a:chOff x="0" y="0"/>
+          <a:chExt cx="0" cy="0"/>
+        </a:xfrm>
+      </p:grpSpPr>
+      <p:sp useBgFill="1">
+        <p:nvSpPr>
+          <p:cNvPr id="72" name="Rectangle 71">
+            <a:extLst>
+              <a:ext uri="{FF2B5EF4-FFF2-40B4-BE49-F238E27FC236}">
+                <a16:creationId xmlns:a16="http://schemas.microsoft.com/office/drawing/2014/main" id="{88263A24-0C1F-4677-B43C-4AE14E276B27}"/>
+              </a:ext>
+              <a:ext uri="{C183D7F6-B498-43B3-948B-1728B52AA6E4}">
+                <adec:decorative xmlns:adec="http://schemas.microsoft.com/office/drawing/2017/decorative" val="1"/>
+              </a:ext>
+            </a:extLst>
+          </p:cNvPr>
+          <p:cNvSpPr>
+            <a:spLocks noGrp="1" noRot="1" noChangeAspect="1" noMove="1" noResize="1" noEditPoints="1" noAdjustHandles="1" noChangeArrowheads="1" noChangeShapeType="1" noTextEdit="1"/>
+          </p:cNvSpPr>
+          <p:nvPr>
+            <p:extLst>
+              <p:ext uri="{386F3935-93C4-4BCD-93E2-E3B085C9AB24}">
+                <p16:designElem xmlns:p16="http://schemas.microsoft.com/office/powerpoint/2015/main" val="1"/>
+              </p:ext>
+            </p:extLst>
+          </p:nvPr>
+        </p:nvSpPr>
+        <p:spPr>
+          <a:xfrm>
+            <a:off x="0" y="0"/>
+            <a:ext cx="12192000" cy="6858000"/>
+          </a:xfrm>
+          <a:prstGeom prst="rect">
+            <a:avLst/>
+          </a:prstGeom>
+          <a:ln>
+            <a:noFill/>
+          </a:ln>
+        </p:spPr>
+        <p:style>
+          <a:lnRef idx="2">
+            <a:schemeClr val="accent1">
+              <a:shade val="50000"/>
+            </a:schemeClr>
+          </a:lnRef>
+          <a:fillRef idx="1">
+            <a:schemeClr val="accent1"/>
+          </a:fillRef>
+          <a:effectRef idx="0">
+            <a:schemeClr val="accent1"/>
+          </a:effectRef>
+          <a:fontRef idx="minor">
+            <a:schemeClr val="lt1"/>
+          </a:fontRef>
+        </p:style>
+        <p:txBody>
+          <a:bodyPr rtlCol="0" anchor="ctr"/>
+          <a:lstStyle/>
+          <a:p>
+            <a:pPr algn="ctr"/>
+            <a:endParaRPr lang="en-US"/>
+          </a:p>
+        </p:txBody>
+      </p:sp>
+      <p:sp useBgFill="1">
+        <p:nvSpPr>
+          <p:cNvPr id="74" name="Rectangle 73">
+            <a:extLst>
+              <a:ext uri="{FF2B5EF4-FFF2-40B4-BE49-F238E27FC236}">
+                <a16:creationId xmlns:a16="http://schemas.microsoft.com/office/drawing/2014/main" id="{0ADDB668-2CA4-4D2B-9C34-3487CA330BA8}"/>
+              </a:ext>
+              <a:ext uri="{C183D7F6-B498-43B3-948B-1728B52AA6E4}">
+                <adec:decorative xmlns:adec="http://schemas.microsoft.com/office/drawing/2017/decorative" val="1"/>
+              </a:ext>
+            </a:extLst>
+          </p:cNvPr>
+          <p:cNvSpPr>
+            <a:spLocks noGrp="1" noRot="1" noChangeAspect="1" noMove="1" noResize="1" noEditPoints="1" noAdjustHandles="1" noChangeArrowheads="1" noChangeShapeType="1" noTextEdit="1"/>
+          </p:cNvSpPr>
+          <p:nvPr>
+            <p:extLst>
+              <p:ext uri="{386F3935-93C4-4BCD-93E2-E3B085C9AB24}">
+                <p16:designElem xmlns:p16="http://schemas.microsoft.com/office/powerpoint/2015/main" val="1"/>
+              </p:ext>
+            </p:extLst>
+          </p:nvPr>
+        </p:nvSpPr>
+        <p:spPr>
+          <a:xfrm>
+            <a:off x="551553" y="304802"/>
+            <a:ext cx="11097349" cy="1573149"/>
+          </a:xfrm>
+          <a:prstGeom prst="rect">
+            <a:avLst/>
+          </a:prstGeom>
+          <a:ln w="12700">
+            <a:solidFill>
+              <a:srgbClr val="DEDEDE"/>
+            </a:solidFill>
+          </a:ln>
+          <a:effectLst>
+            <a:outerShdw blurRad="50800" dist="38100" dir="2700000" algn="tl" rotWithShape="0">
+              <a:schemeClr val="bg2">
+                <a:lumMod val="85000"/>
+                <a:alpha val="50000"/>
+              </a:schemeClr>
+            </a:outerShdw>
+          </a:effectLst>
+        </p:spPr>
+        <p:style>
+          <a:lnRef idx="2">
+            <a:schemeClr val="accent1">
+              <a:shade val="50000"/>
+            </a:schemeClr>
+          </a:lnRef>
+          <a:fillRef idx="1">
+            <a:schemeClr val="accent1"/>
+          </a:fillRef>
+          <a:effectRef idx="0">
+            <a:schemeClr val="accent1"/>
+          </a:effectRef>
+          <a:fontRef idx="minor">
+            <a:schemeClr val="lt1"/>
+          </a:fontRef>
+        </p:style>
+        <p:txBody>
+          <a:bodyPr rtlCol="0" anchor="ctr"/>
+          <a:lstStyle/>
+          <a:p>
+            <a:pPr marL="0" marR="0" lvl="0" indent="0" algn="ctr" defTabSz="914400" rtl="0" eaLnBrk="1" fontAlgn="auto" latinLnBrk="0" hangingPunct="1">
+              <a:lnSpc>
+                <a:spcPct val="100000"/>
+              </a:lnSpc>
+              <a:spcBef>
+                <a:spcPts val="0"/>
+              </a:spcBef>
+              <a:spcAft>
+                <a:spcPts val="0"/>
+              </a:spcAft>
+              <a:buClrTx/>
+              <a:buSzTx/>
+              <a:buFontTx/>
+              <a:buNone/>
+              <a:tabLst/>
+              <a:defRPr/>
+            </a:pPr>
+            <a:endParaRPr kumimoji="0" lang="en-US" sz="1800" b="0" i="0" u="none" strike="noStrike" kern="1200" cap="none" spc="0" normalizeH="0" baseline="0" noProof="0">
+              <a:ln>
+                <a:noFill/>
+              </a:ln>
+              <a:solidFill>
+                <a:prstClr val="white"/>
+              </a:solidFill>
+              <a:effectLst/>
+              <a:uLnTx/>
+              <a:uFillTx/>
+              <a:latin typeface="Calibri" panose="020F0502020204030204"/>
+              <a:ea typeface="+mn-ea"/>
+              <a:cs typeface="+mn-cs"/>
+            </a:endParaRPr>
+          </a:p>
+        </p:txBody>
+      </p:sp>
+      <p:sp>
+        <p:nvSpPr>
+          <p:cNvPr id="2" name="Titre 1">
+            <a:extLst>
+              <a:ext uri="{FF2B5EF4-FFF2-40B4-BE49-F238E27FC236}">
+                <a16:creationId xmlns:a16="http://schemas.microsoft.com/office/drawing/2014/main" id="{A9D3BC35-4DDC-856F-9C64-F81B58BB0C98}"/>
+              </a:ext>
+            </a:extLst>
+          </p:cNvPr>
+          <p:cNvSpPr>
+            <a:spLocks noGrp="1"/>
+          </p:cNvSpPr>
+          <p:nvPr>
+            <p:ph type="title"/>
+          </p:nvPr>
+        </p:nvSpPr>
+        <p:spPr>
+          <a:xfrm>
+            <a:off x="868680" y="405575"/>
+            <a:ext cx="5001768" cy="1371600"/>
+          </a:xfrm>
+        </p:spPr>
+        <p:txBody>
+          <a:bodyPr vert="horz" lIns="91440" tIns="45720" rIns="91440" bIns="45720" rtlCol="0" anchor="ctr">
+            <a:normAutofit/>
+          </a:bodyPr>
+          <a:lstStyle/>
+          <a:p>
+            <a:r>
+              <a:rPr lang="en-US" sz="3600" dirty="0"/>
+              <a:t>Administration BDD Suite</a:t>
+            </a:r>
+          </a:p>
+        </p:txBody>
+      </p:sp>
+      <p:sp>
+        <p:nvSpPr>
+          <p:cNvPr id="76" name="Rectangle 75">
+            <a:extLst>
+              <a:ext uri="{FF2B5EF4-FFF2-40B4-BE49-F238E27FC236}">
+                <a16:creationId xmlns:a16="http://schemas.microsoft.com/office/drawing/2014/main" id="{2568BC19-F052-4108-93E1-6A3D1DEC072F}"/>
+              </a:ext>
+              <a:ext uri="{C183D7F6-B498-43B3-948B-1728B52AA6E4}">
+                <adec:decorative xmlns:adec="http://schemas.microsoft.com/office/drawing/2017/decorative" val="1"/>
+              </a:ext>
+            </a:extLst>
+          </p:cNvPr>
+          <p:cNvSpPr>
+            <a:spLocks noGrp="1" noRot="1" noChangeAspect="1" noMove="1" noResize="1" noEditPoints="1" noAdjustHandles="1" noChangeArrowheads="1" noChangeShapeType="1" noTextEdit="1"/>
+          </p:cNvSpPr>
+          <p:nvPr>
+            <p:extLst>
+              <p:ext uri="{386F3935-93C4-4BCD-93E2-E3B085C9AB24}">
+                <p16:designElem xmlns:p16="http://schemas.microsoft.com/office/powerpoint/2015/main" val="1"/>
+              </p:ext>
+            </p:extLst>
+          </p:nvPr>
+        </p:nvSpPr>
+        <p:spPr>
+          <a:xfrm>
+            <a:off x="494784" y="764424"/>
+            <a:ext cx="128016" cy="653903"/>
+          </a:xfrm>
+          <a:prstGeom prst="rect">
+            <a:avLst/>
+          </a:prstGeom>
+          <a:solidFill>
+            <a:schemeClr val="accent2"/>
+          </a:solidFill>
+          <a:ln>
+            <a:noFill/>
+          </a:ln>
+        </p:spPr>
+        <p:style>
+          <a:lnRef idx="2">
+            <a:schemeClr val="accent1">
+              <a:shade val="50000"/>
+            </a:schemeClr>
+          </a:lnRef>
+          <a:fillRef idx="1">
+            <a:schemeClr val="accent1"/>
+          </a:fillRef>
+          <a:effectRef idx="0">
+            <a:schemeClr val="accent1"/>
+          </a:effectRef>
+          <a:fontRef idx="minor">
+            <a:schemeClr val="lt1"/>
+          </a:fontRef>
+        </p:style>
+        <p:txBody>
+          <a:bodyPr rtlCol="0" anchor="ctr"/>
+          <a:lstStyle/>
+          <a:p>
+            <a:pPr marL="0" marR="0" lvl="0" indent="0" algn="ctr" defTabSz="914400" rtl="0" eaLnBrk="1" fontAlgn="auto" latinLnBrk="0" hangingPunct="1">
+              <a:lnSpc>
+                <a:spcPct val="100000"/>
+              </a:lnSpc>
+              <a:spcBef>
+                <a:spcPts val="0"/>
+              </a:spcBef>
+              <a:spcAft>
+                <a:spcPts val="0"/>
+              </a:spcAft>
+              <a:buClrTx/>
+              <a:buSzTx/>
+              <a:buFontTx/>
+              <a:buNone/>
+              <a:tabLst/>
+              <a:defRPr/>
+            </a:pPr>
+            <a:endParaRPr kumimoji="0" lang="en-US" sz="1800" b="0" i="0" u="none" strike="noStrike" kern="1200" cap="none" spc="0" normalizeH="0" baseline="0" noProof="0">
+              <a:ln>
+                <a:noFill/>
+              </a:ln>
+              <a:solidFill>
+                <a:prstClr val="white"/>
+              </a:solidFill>
+              <a:effectLst/>
+              <a:uLnTx/>
+              <a:uFillTx/>
+              <a:latin typeface="Calibri" panose="020F0502020204030204"/>
+              <a:ea typeface="+mn-ea"/>
+              <a:cs typeface="+mn-cs"/>
+            </a:endParaRPr>
+          </a:p>
+        </p:txBody>
+      </p:sp>
+      <p:sp>
+        <p:nvSpPr>
+          <p:cNvPr id="78" name="Rectangle 77">
+            <a:extLst>
+              <a:ext uri="{FF2B5EF4-FFF2-40B4-BE49-F238E27FC236}">
+                <a16:creationId xmlns:a16="http://schemas.microsoft.com/office/drawing/2014/main" id="{D5FD337D-4D6B-4C8B-B6F5-121097E09881}"/>
+              </a:ext>
+              <a:ext uri="{C183D7F6-B498-43B3-948B-1728B52AA6E4}">
+                <adec:decorative xmlns:adec="http://schemas.microsoft.com/office/drawing/2017/decorative" val="1"/>
+              </a:ext>
+            </a:extLst>
+          </p:cNvPr>
+          <p:cNvSpPr>
+            <a:spLocks noGrp="1" noRot="1" noChangeAspect="1" noMove="1" noResize="1" noEditPoints="1" noAdjustHandles="1" noChangeArrowheads="1" noChangeShapeType="1" noTextEdit="1"/>
+          </p:cNvSpPr>
+          <p:nvPr>
+            <p:extLst>
+              <p:ext uri="{386F3935-93C4-4BCD-93E2-E3B085C9AB24}">
+                <p16:designElem xmlns:p16="http://schemas.microsoft.com/office/powerpoint/2015/main" val="1"/>
+              </p:ext>
+            </p:extLst>
+          </p:nvPr>
+        </p:nvSpPr>
+        <p:spPr>
+          <a:xfrm rot="5400000">
+            <a:off x="5586984" y="1071836"/>
+            <a:ext cx="1021458" cy="9144"/>
+          </a:xfrm>
+          <a:prstGeom prst="rect">
+            <a:avLst/>
+          </a:prstGeom>
+          <a:solidFill>
+            <a:srgbClr val="D5D5D5"/>
+          </a:solidFill>
+          <a:ln w="3175">
+            <a:noFill/>
+          </a:ln>
+          <a:effectLst/>
+        </p:spPr>
+        <p:style>
+          <a:lnRef idx="2">
+            <a:schemeClr val="accent1">
+              <a:shade val="50000"/>
+            </a:schemeClr>
+          </a:lnRef>
+          <a:fillRef idx="1">
+            <a:schemeClr val="accent1"/>
+          </a:fillRef>
+          <a:effectRef idx="0">
+            <a:schemeClr val="accent1"/>
+          </a:effectRef>
+          <a:fontRef idx="minor">
+            <a:schemeClr val="lt1"/>
+          </a:fontRef>
+        </p:style>
+        <p:txBody>
+          <a:bodyPr rtlCol="0" anchor="ctr"/>
+          <a:lstStyle/>
+          <a:p>
+            <a:pPr marL="0" marR="0" lvl="0" indent="0" algn="ctr" defTabSz="914400" rtl="0" eaLnBrk="1" fontAlgn="auto" latinLnBrk="0" hangingPunct="1">
+              <a:lnSpc>
+                <a:spcPct val="100000"/>
+              </a:lnSpc>
+              <a:spcBef>
+                <a:spcPts val="0"/>
+              </a:spcBef>
+              <a:spcAft>
+                <a:spcPts val="0"/>
+              </a:spcAft>
+              <a:buClrTx/>
+              <a:buSzTx/>
+              <a:buFontTx/>
+              <a:buNone/>
+              <a:tabLst/>
+              <a:defRPr/>
+            </a:pPr>
+            <a:endParaRPr kumimoji="0" lang="en-US" sz="1800" b="0" i="0" u="none" strike="noStrike" kern="1200" cap="none" spc="0" normalizeH="0" baseline="0" noProof="0">
+              <a:ln>
+                <a:noFill/>
+              </a:ln>
+              <a:solidFill>
+                <a:prstClr val="white"/>
+              </a:solidFill>
+              <a:effectLst/>
+              <a:uLnTx/>
+              <a:uFillTx/>
+              <a:latin typeface="Calibri" panose="020F0502020204030204"/>
+              <a:ea typeface="+mn-ea"/>
+              <a:cs typeface="+mn-cs"/>
+            </a:endParaRPr>
+          </a:p>
+        </p:txBody>
+      </p:sp>
+      <p:pic>
+        <p:nvPicPr>
+          <p:cNvPr id="6" name="Image 5" descr="Une image contenant texte, capture d’écran, Police&#10;&#10;Description générée automatiquement">
+            <a:extLst>
+              <a:ext uri="{FF2B5EF4-FFF2-40B4-BE49-F238E27FC236}">
+                <a16:creationId xmlns:a16="http://schemas.microsoft.com/office/drawing/2014/main" id="{1469805F-4D0A-9158-81EE-EC8AA3C865CC}"/>
+              </a:ext>
+            </a:extLst>
+          </p:cNvPr>
+          <p:cNvPicPr>
+            <a:picLocks noChangeAspect="1"/>
+          </p:cNvPicPr>
+          <p:nvPr/>
+        </p:nvPicPr>
+        <p:blipFill>
+          <a:blip r:embed="rId2">
+            <a:extLst>
+              <a:ext uri="{28A0092B-C50C-407E-A947-70E740481C1C}">
+                <a14:useLocalDpi xmlns:a14="http://schemas.microsoft.com/office/drawing/2010/main" val="0"/>
+              </a:ext>
+            </a:extLst>
+          </a:blip>
+          <a:stretch>
+            <a:fillRect/>
+          </a:stretch>
+        </p:blipFill>
+        <p:spPr>
+          <a:xfrm>
+            <a:off x="549058" y="2353172"/>
+            <a:ext cx="5431536" cy="3682086"/>
+          </a:xfrm>
+          <a:prstGeom prst="rect">
+            <a:avLst/>
+          </a:prstGeom>
+        </p:spPr>
+      </p:pic>
+      <p:pic>
+        <p:nvPicPr>
+          <p:cNvPr id="4" name="Image 3" descr="Une image contenant texte, capture d’écran, Police&#10;&#10;Description générée automatiquement">
+            <a:extLst>
+              <a:ext uri="{FF2B5EF4-FFF2-40B4-BE49-F238E27FC236}">
+                <a16:creationId xmlns:a16="http://schemas.microsoft.com/office/drawing/2014/main" id="{B7BC7125-42E1-E5D7-BEA7-9BE74A52AF15}"/>
+              </a:ext>
+            </a:extLst>
+          </p:cNvPr>
+          <p:cNvPicPr>
+            <a:picLocks noChangeAspect="1"/>
+          </p:cNvPicPr>
+          <p:nvPr/>
+        </p:nvPicPr>
+        <p:blipFill>
+          <a:blip r:embed="rId3">
+            <a:extLst>
+              <a:ext uri="{28A0092B-C50C-407E-A947-70E740481C1C}">
+                <a14:useLocalDpi xmlns:a14="http://schemas.microsoft.com/office/drawing/2010/main" val="0"/>
+              </a:ext>
+            </a:extLst>
+          </a:blip>
+          <a:stretch>
+            <a:fillRect/>
+          </a:stretch>
+        </p:blipFill>
+        <p:spPr>
+          <a:xfrm>
+            <a:off x="6211408" y="2416805"/>
+            <a:ext cx="5431536" cy="3544792"/>
+          </a:xfrm>
+          <a:prstGeom prst="rect">
+            <a:avLst/>
+          </a:prstGeom>
+        </p:spPr>
+      </p:pic>
+    </p:spTree>
+    <p:extLst>
+      <p:ext uri="{BB962C8B-B14F-4D97-AF65-F5344CB8AC3E}">
+        <p14:creationId xmlns:p14="http://schemas.microsoft.com/office/powerpoint/2010/main" val="2289779350"/>
+      </p:ext>
+    </p:extLst>
+  </p:cSld>
+  <p:clrMapOvr>
+    <a:masterClrMapping/>
+  </p:clrMapOvr>
+  <p:timing>
+    <p:tnLst>
+      <p:par>
+        <p:cTn id="1" dur="indefinite" restart="never" nodeType="tmRoot">
+          <p:childTnLst>
+            <p:seq concurrent="1" nextAc="seek">
+              <p:cTn id="2" dur="indefinite" nodeType="mainSeq">
+                <p:childTnLst>
+                  <p:par>
+                    <p:cTn id="3" fill="hold">
+                      <p:stCondLst>
+                        <p:cond delay="indefinite"/>
+                        <p:cond evt="onBegin" delay="0">
+                          <p:tn val="2"/>
+                        </p:cond>
+                      </p:stCondLst>
+                      <p:childTnLst>
+                        <p:par>
+                          <p:cTn id="4" fill="hold">
+                            <p:stCondLst>
+                              <p:cond delay="0"/>
+                            </p:stCondLst>
+                            <p:childTnLst>
+                              <p:par>
+                                <p:cTn id="5" presetID="10" presetClass="entr" presetSubtype="0" fill="hold" grpId="0" nodeType="withEffect">
+                                  <p:stCondLst>
+                                    <p:cond delay="1000"/>
+                                  </p:stCondLst>
+                                  <p:iterate>
+                                    <p:tmPct val="10000"/>
+                                  </p:iterate>
+                                  <p:childTnLst>
+                                    <p:set>
+                                      <p:cBhvr>
+                                        <p:cTn id="6" dur="1" fill="hold">
+                                          <p:stCondLst>
+                                            <p:cond delay="0"/>
+                                          </p:stCondLst>
+                                        </p:cTn>
+                                        <p:tgtEl>
+                                          <p:spTgt spid="2"/>
+                                        </p:tgtEl>
+                                        <p:attrNameLst>
+                                          <p:attrName>style.visibility</p:attrName>
+                                        </p:attrNameLst>
+                                      </p:cBhvr>
+                                      <p:to>
+                                        <p:strVal val="visible"/>
+                                      </p:to>
+                                    </p:set>
+                                    <p:animEffect transition="in" filter="fade">
+                                      <p:cBhvr>
+                                        <p:cTn id="7" dur="700"/>
+                                        <p:tgtEl>
+                                          <p:spTgt spid="2"/>
+                                        </p:tgtEl>
+                                      </p:cBhvr>
+                                    </p:animEffect>
+                                  </p:childTnLst>
+                                </p:cTn>
+                              </p:par>
+                            </p:childTnLst>
+                          </p:cTn>
+                        </p:par>
+                      </p:childTnLst>
+                    </p:cTn>
+                  </p:par>
+                </p:childTnLst>
+              </p:cTn>
+              <p:prevCondLst>
+                <p:cond evt="onPrev" delay="0">
+                  <p:tgtEl>
+                    <p:sldTgt/>
+                  </p:tgtEl>
+                </p:cond>
+              </p:prevCondLst>
+              <p:nextCondLst>
+                <p:cond evt="onNext" delay="0">
+                  <p:tgtEl>
+                    <p:sldTgt/>
+                  </p:tgtEl>
+                </p:cond>
+              </p:nextCondLst>
+            </p:seq>
+          </p:childTnLst>
+        </p:cTn>
+      </p:par>
+    </p:tnLst>
+    <p:bldLst>
+      <p:bldP spid="2" grpId="0"/>
+    </p:bldLst>
+  </p:timing>
+</p:sld>
+</file>
+
+<file path=ppt/slides/slide12.xml><?xml version="1.0" encoding="utf-8"?>
+<p:sld xmlns:a="http://schemas.openxmlformats.org/drawingml/2006/main" xmlns:r="http://schemas.openxmlformats.org/officeDocument/2006/relationships" xmlns:p="http://schemas.openxmlformats.org/presentationml/2006/main">
+  <p:cSld>
+    <p:bg>
+      <p:bgPr>
+        <a:solidFill>
+          <a:schemeClr val="bg1"/>
+        </a:solidFill>
+        <a:effectLst/>
+      </p:bgPr>
+    </p:bg>
+    <p:spTree>
+      <p:nvGrpSpPr>
+        <p:cNvPr id="1" name=""/>
+        <p:cNvGrpSpPr/>
+        <p:nvPr/>
+      </p:nvGrpSpPr>
+      <p:grpSpPr>
+        <a:xfrm>
+          <a:off x="0" y="0"/>
+          <a:ext cx="0" cy="0"/>
+          <a:chOff x="0" y="0"/>
+          <a:chExt cx="0" cy="0"/>
+        </a:xfrm>
+      </p:grpSpPr>
+      <p:sp useBgFill="1">
+        <p:nvSpPr>
+          <p:cNvPr id="83" name="Rectangle 82">
+            <a:extLst>
+              <a:ext uri="{FF2B5EF4-FFF2-40B4-BE49-F238E27FC236}">
+                <a16:creationId xmlns:a16="http://schemas.microsoft.com/office/drawing/2014/main" id="{16F48AD3-C8B3-4F74-B546-F12937F7DD9F}"/>
+              </a:ext>
+              <a:ext uri="{C183D7F6-B498-43B3-948B-1728B52AA6E4}">
+                <adec:decorative xmlns:adec="http://schemas.microsoft.com/office/drawing/2017/decorative" val="1"/>
+              </a:ext>
+            </a:extLst>
+          </p:cNvPr>
+          <p:cNvSpPr>
+            <a:spLocks noGrp="1" noRot="1" noChangeAspect="1" noMove="1" noResize="1" noEditPoints="1" noAdjustHandles="1" noChangeArrowheads="1" noChangeShapeType="1" noTextEdit="1"/>
+          </p:cNvSpPr>
+          <p:nvPr>
+            <p:extLst>
+              <p:ext uri="{386F3935-93C4-4BCD-93E2-E3B085C9AB24}">
+                <p16:designElem xmlns:p16="http://schemas.microsoft.com/office/powerpoint/2015/main" val="1"/>
+              </p:ext>
+            </p:extLst>
+          </p:nvPr>
+        </p:nvSpPr>
+        <p:spPr>
+          <a:xfrm>
+            <a:off x="0" y="0"/>
+            <a:ext cx="12192000" cy="6858000"/>
+          </a:xfrm>
+          <a:prstGeom prst="rect">
+            <a:avLst/>
+          </a:prstGeom>
+          <a:ln>
+            <a:noFill/>
+          </a:ln>
+        </p:spPr>
+        <p:style>
+          <a:lnRef idx="2">
+            <a:schemeClr val="accent1">
+              <a:shade val="50000"/>
+            </a:schemeClr>
+          </a:lnRef>
+          <a:fillRef idx="1">
+            <a:schemeClr val="accent1"/>
+          </a:fillRef>
+          <a:effectRef idx="0">
+            <a:schemeClr val="accent1"/>
+          </a:effectRef>
+          <a:fontRef idx="minor">
+            <a:schemeClr val="lt1"/>
+          </a:fontRef>
+        </p:style>
+        <p:txBody>
+          <a:bodyPr rtlCol="0" anchor="ctr"/>
+          <a:lstStyle/>
+          <a:p>
+            <a:pPr algn="ctr"/>
+            <a:endParaRPr lang="en-US"/>
+          </a:p>
+        </p:txBody>
+      </p:sp>
+      <p:sp>
+        <p:nvSpPr>
+          <p:cNvPr id="2" name="Titre 1">
+            <a:extLst>
+              <a:ext uri="{FF2B5EF4-FFF2-40B4-BE49-F238E27FC236}">
+                <a16:creationId xmlns:a16="http://schemas.microsoft.com/office/drawing/2014/main" id="{A9D3BC35-4DDC-856F-9C64-F81B58BB0C98}"/>
+              </a:ext>
+            </a:extLst>
+          </p:cNvPr>
+          <p:cNvSpPr>
+            <a:spLocks noGrp="1"/>
+          </p:cNvSpPr>
+          <p:nvPr>
+            <p:ph type="title"/>
+          </p:nvPr>
+        </p:nvSpPr>
+        <p:spPr>
+          <a:xfrm>
+            <a:off x="7848600" y="1122363"/>
+            <a:ext cx="4023360" cy="3204134"/>
+          </a:xfrm>
+        </p:spPr>
+        <p:txBody>
+          <a:bodyPr vert="horz" lIns="91440" tIns="45720" rIns="91440" bIns="45720" rtlCol="0" anchor="b">
+            <a:normAutofit/>
+          </a:bodyPr>
+          <a:lstStyle/>
+          <a:p>
+            <a:r>
+              <a:rPr lang="en-US" sz="4800" kern="1200" dirty="0">
+                <a:solidFill>
+                  <a:schemeClr val="tx1"/>
+                </a:solidFill>
+                <a:latin typeface="+mj-lt"/>
+                <a:ea typeface="+mj-ea"/>
+                <a:cs typeface="+mj-cs"/>
+              </a:rPr>
+              <a:t>Administration BDD Suite</a:t>
+            </a:r>
+          </a:p>
+        </p:txBody>
+      </p:sp>
+      <p:pic>
+        <p:nvPicPr>
+          <p:cNvPr id="16" name="Image 15" descr="Une image contenant texte, capture d’écran, Police&#10;&#10;Description générée automatiquement">
+            <a:extLst>
+              <a:ext uri="{FF2B5EF4-FFF2-40B4-BE49-F238E27FC236}">
+                <a16:creationId xmlns:a16="http://schemas.microsoft.com/office/drawing/2014/main" id="{E82F5BDD-2F50-9440-DD3E-8B7C7690A43C}"/>
+              </a:ext>
+            </a:extLst>
+          </p:cNvPr>
+          <p:cNvPicPr>
+            <a:picLocks noChangeAspect="1"/>
+          </p:cNvPicPr>
+          <p:nvPr/>
+        </p:nvPicPr>
+        <p:blipFill>
+          <a:blip r:embed="rId2">
+            <a:extLst>
+              <a:ext uri="{28A0092B-C50C-407E-A947-70E740481C1C}">
+                <a14:useLocalDpi xmlns:a14="http://schemas.microsoft.com/office/drawing/2010/main" val="0"/>
+              </a:ext>
+            </a:extLst>
+          </a:blip>
+          <a:stretch>
+            <a:fillRect/>
+          </a:stretch>
+        </p:blipFill>
+        <p:spPr>
+          <a:xfrm>
+            <a:off x="336251" y="625683"/>
+            <a:ext cx="7015108" cy="5454246"/>
+          </a:xfrm>
+          <a:prstGeom prst="rect">
+            <a:avLst/>
+          </a:prstGeom>
+        </p:spPr>
+      </p:pic>
+      <p:sp>
+        <p:nvSpPr>
+          <p:cNvPr id="85" name="Rectangle 84">
+            <a:extLst>
+              <a:ext uri="{FF2B5EF4-FFF2-40B4-BE49-F238E27FC236}">
+                <a16:creationId xmlns:a16="http://schemas.microsoft.com/office/drawing/2014/main" id="{AF2F604E-43BE-4DC3-B983-E071523364F8}"/>
+              </a:ext>
+              <a:ext uri="{C183D7F6-B498-43B3-948B-1728B52AA6E4}">
+                <adec:decorative xmlns:adec="http://schemas.microsoft.com/office/drawing/2017/decorative" val="1"/>
+              </a:ext>
+            </a:extLst>
+          </p:cNvPr>
+          <p:cNvSpPr>
+            <a:spLocks noGrp="1" noRot="1" noChangeAspect="1" noMove="1" noResize="1" noEditPoints="1" noAdjustHandles="1" noChangeArrowheads="1" noChangeShapeType="1" noTextEdit="1"/>
+          </p:cNvSpPr>
+          <p:nvPr>
+            <p:extLst>
+              <p:ext uri="{386F3935-93C4-4BCD-93E2-E3B085C9AB24}">
+                <p16:designElem xmlns:p16="http://schemas.microsoft.com/office/powerpoint/2015/main" val="1"/>
+              </p:ext>
+            </p:extLst>
+          </p:nvPr>
+        </p:nvSpPr>
+        <p:spPr>
+          <a:xfrm rot="5400000">
+            <a:off x="8130540" y="346791"/>
+            <a:ext cx="146304" cy="704088"/>
+          </a:xfrm>
+          <a:prstGeom prst="rect">
+            <a:avLst/>
+          </a:prstGeom>
+          <a:solidFill>
+            <a:schemeClr val="accent2"/>
+          </a:solidFill>
+          <a:ln>
+            <a:noFill/>
+          </a:ln>
+        </p:spPr>
+        <p:style>
+          <a:lnRef idx="2">
+            <a:schemeClr val="accent1">
+              <a:shade val="50000"/>
+            </a:schemeClr>
+          </a:lnRef>
+          <a:fillRef idx="1">
+            <a:schemeClr val="accent1"/>
+          </a:fillRef>
+          <a:effectRef idx="0">
+            <a:schemeClr val="accent1"/>
+          </a:effectRef>
+          <a:fontRef idx="minor">
+            <a:schemeClr val="lt1"/>
+          </a:fontRef>
+        </p:style>
+        <p:txBody>
+          <a:bodyPr rtlCol="0" anchor="ctr"/>
+          <a:lstStyle/>
+          <a:p>
+            <a:pPr algn="ctr"/>
+            <a:endParaRPr lang="en-US">
+              <a:solidFill>
+                <a:prstClr val="white"/>
+              </a:solidFill>
+              <a:latin typeface="Calibri" panose="020F0502020204030204"/>
+            </a:endParaRPr>
+          </a:p>
+        </p:txBody>
+      </p:sp>
+      <p:sp>
+        <p:nvSpPr>
+          <p:cNvPr id="87" name="Rectangle 86">
+            <a:extLst>
+              <a:ext uri="{FF2B5EF4-FFF2-40B4-BE49-F238E27FC236}">
+                <a16:creationId xmlns:a16="http://schemas.microsoft.com/office/drawing/2014/main" id="{08C9B587-E65E-4B52-B37C-ABEBB6E87928}"/>
+              </a:ext>
+              <a:ext uri="{C183D7F6-B498-43B3-948B-1728B52AA6E4}">
+                <adec:decorative xmlns:adec="http://schemas.microsoft.com/office/drawing/2017/decorative" val="1"/>
+              </a:ext>
+            </a:extLst>
+          </p:cNvPr>
+          <p:cNvSpPr>
+            <a:spLocks noGrp="1" noRot="1" noChangeAspect="1" noMove="1" noResize="1" noEditPoints="1" noAdjustHandles="1" noChangeArrowheads="1" noChangeShapeType="1" noTextEdit="1"/>
+          </p:cNvSpPr>
+          <p:nvPr>
+            <p:extLst>
+              <p:ext uri="{386F3935-93C4-4BCD-93E2-E3B085C9AB24}">
+                <p16:designElem xmlns:p16="http://schemas.microsoft.com/office/powerpoint/2015/main" val="1"/>
+              </p:ext>
+            </p:extLst>
+          </p:nvPr>
+        </p:nvSpPr>
+        <p:spPr>
+          <a:xfrm>
+            <a:off x="7851648" y="4546920"/>
+            <a:ext cx="4023360" cy="18288"/>
+          </a:xfrm>
+          <a:prstGeom prst="rect">
+            <a:avLst/>
+          </a:prstGeom>
+          <a:solidFill>
+            <a:srgbClr val="D5D5D5"/>
+          </a:solidFill>
+          <a:ln w="3175">
+            <a:noFill/>
+          </a:ln>
+          <a:effectLst/>
+        </p:spPr>
+        <p:style>
+          <a:lnRef idx="2">
+            <a:schemeClr val="accent1">
+              <a:shade val="50000"/>
+            </a:schemeClr>
+          </a:lnRef>
+          <a:fillRef idx="1">
+            <a:schemeClr val="accent1"/>
+          </a:fillRef>
+          <a:effectRef idx="0">
+            <a:schemeClr val="accent1"/>
+          </a:effectRef>
+          <a:fontRef idx="minor">
+            <a:schemeClr val="lt1"/>
+          </a:fontRef>
+        </p:style>
+        <p:txBody>
+          <a:bodyPr rtlCol="0" anchor="ctr"/>
+          <a:lstStyle/>
+          <a:p>
+            <a:pPr algn="ctr"/>
+            <a:endParaRPr lang="en-US">
+              <a:solidFill>
+                <a:prstClr val="white"/>
+              </a:solidFill>
+              <a:latin typeface="Calibri" panose="020F0502020204030204"/>
+            </a:endParaRPr>
+          </a:p>
+        </p:txBody>
+      </p:sp>
+    </p:spTree>
+    <p:extLst>
+      <p:ext uri="{BB962C8B-B14F-4D97-AF65-F5344CB8AC3E}">
+        <p14:creationId xmlns:p14="http://schemas.microsoft.com/office/powerpoint/2010/main" val="687409676"/>
+      </p:ext>
+    </p:extLst>
+  </p:cSld>
+  <p:clrMapOvr>
+    <a:masterClrMapping/>
+  </p:clrMapOvr>
+  <p:timing>
+    <p:tnLst>
+      <p:par>
+        <p:cTn id="1" dur="indefinite" restart="never" nodeType="tmRoot">
+          <p:childTnLst>
+            <p:seq concurrent="1" nextAc="seek">
+              <p:cTn id="2" dur="indefinite" nodeType="mainSeq">
+                <p:childTnLst>
+                  <p:par>
+                    <p:cTn id="3" fill="hold">
+                      <p:stCondLst>
+                        <p:cond delay="indefinite"/>
+                        <p:cond evt="onBegin" delay="0">
+                          <p:tn val="2"/>
+                        </p:cond>
+                      </p:stCondLst>
+                      <p:childTnLst>
+                        <p:par>
+                          <p:cTn id="4" fill="hold">
+                            <p:stCondLst>
+                              <p:cond delay="0"/>
+                            </p:stCondLst>
+                            <p:childTnLst>
+                              <p:par>
+                                <p:cTn id="5" presetID="10" presetClass="entr" presetSubtype="0" fill="hold" grpId="0" nodeType="withEffect">
+                                  <p:stCondLst>
+                                    <p:cond delay="1000"/>
+                                  </p:stCondLst>
+                                  <p:iterate>
+                                    <p:tmPct val="10000"/>
+                                  </p:iterate>
+                                  <p:childTnLst>
+                                    <p:set>
+                                      <p:cBhvr>
+                                        <p:cTn id="6" dur="1" fill="hold">
+                                          <p:stCondLst>
+                                            <p:cond delay="0"/>
+                                          </p:stCondLst>
+                                        </p:cTn>
+                                        <p:tgtEl>
+                                          <p:spTgt spid="2"/>
+                                        </p:tgtEl>
+                                        <p:attrNameLst>
+                                          <p:attrName>style.visibility</p:attrName>
+                                        </p:attrNameLst>
+                                      </p:cBhvr>
+                                      <p:to>
+                                        <p:strVal val="visible"/>
+                                      </p:to>
+                                    </p:set>
+                                    <p:animEffect transition="in" filter="fade">
+                                      <p:cBhvr>
+                                        <p:cTn id="7" dur="700"/>
+                                        <p:tgtEl>
+                                          <p:spTgt spid="2"/>
+                                        </p:tgtEl>
+                                      </p:cBhvr>
+                                    </p:animEffect>
+                                  </p:childTnLst>
+                                </p:cTn>
+                              </p:par>
+                            </p:childTnLst>
+                          </p:cTn>
+                        </p:par>
+                      </p:childTnLst>
+                    </p:cTn>
+                  </p:par>
+                </p:childTnLst>
+              </p:cTn>
+              <p:prevCondLst>
+                <p:cond evt="onPrev" delay="0">
+                  <p:tgtEl>
+                    <p:sldTgt/>
+                  </p:tgtEl>
+                </p:cond>
+              </p:prevCondLst>
+              <p:nextCondLst>
+                <p:cond evt="onNext" delay="0">
+                  <p:tgtEl>
+                    <p:sldTgt/>
+                  </p:tgtEl>
+                </p:cond>
+              </p:nextCondLst>
+            </p:seq>
+          </p:childTnLst>
+        </p:cTn>
+      </p:par>
+    </p:tnLst>
+    <p:bldLst>
+      <p:bldP spid="2" grpId="0"/>
+    </p:bldLst>
+  </p:timing>
+</p:sld>
+</file>
+
+<file path=ppt/slides/slide13.xml><?xml version="1.0" encoding="utf-8"?>
+<p:sld xmlns:a="http://schemas.openxmlformats.org/drawingml/2006/main" xmlns:r="http://schemas.openxmlformats.org/officeDocument/2006/relationships" xmlns:p="http://schemas.openxmlformats.org/presentationml/2006/main">
+  <p:cSld>
+    <p:spTree>
+      <p:nvGrpSpPr>
+        <p:cNvPr id="1" name=""/>
+        <p:cNvGrpSpPr/>
+        <p:nvPr/>
+      </p:nvGrpSpPr>
+      <p:grpSpPr>
+        <a:xfrm>
+          <a:off x="0" y="0"/>
+          <a:ext cx="0" cy="0"/>
+          <a:chOff x="0" y="0"/>
+          <a:chExt cx="0" cy="0"/>
+        </a:xfrm>
+      </p:grpSpPr>
+      <p:sp>
+        <p:nvSpPr>
+          <p:cNvPr id="2" name="Titre 1">
+            <a:extLst>
+              <a:ext uri="{FF2B5EF4-FFF2-40B4-BE49-F238E27FC236}">
+                <a16:creationId xmlns:a16="http://schemas.microsoft.com/office/drawing/2014/main" id="{812C0BD0-01E4-F55F-B2E2-2115856274E8}"/>
+              </a:ext>
+            </a:extLst>
+          </p:cNvPr>
+          <p:cNvSpPr>
+            <a:spLocks noGrp="1"/>
+          </p:cNvSpPr>
+          <p:nvPr>
+            <p:ph type="title"/>
+          </p:nvPr>
+        </p:nvSpPr>
+        <p:spPr/>
+        <p:txBody>
+          <a:bodyPr/>
+          <a:lstStyle/>
+          <a:p>
+            <a:r>
+              <a:rPr lang="fr-FR" dirty="0"/>
+              <a:t>Liste rapport et choix technique</a:t>
+            </a:r>
+            <a:endParaRPr lang="en-GB" dirty="0"/>
+          </a:p>
+        </p:txBody>
+      </p:sp>
+      <p:sp>
+        <p:nvSpPr>
+          <p:cNvPr id="3" name="Espace réservé du contenu 2">
+            <a:extLst>
+              <a:ext uri="{FF2B5EF4-FFF2-40B4-BE49-F238E27FC236}">
+                <a16:creationId xmlns:a16="http://schemas.microsoft.com/office/drawing/2014/main" id="{360062DA-0D22-C5F2-45CD-89B359AA39CA}"/>
+              </a:ext>
+            </a:extLst>
+          </p:cNvPr>
+          <p:cNvSpPr>
+            <a:spLocks noGrp="1"/>
+          </p:cNvSpPr>
+          <p:nvPr>
+            <p:ph idx="1"/>
+          </p:nvPr>
+        </p:nvSpPr>
+        <p:spPr/>
+        <p:txBody>
+          <a:bodyPr/>
+          <a:lstStyle/>
+          <a:p>
+            <a:endParaRPr lang="en-GB" dirty="0"/>
+          </a:p>
+        </p:txBody>
+      </p:sp>
+    </p:spTree>
+    <p:extLst>
+      <p:ext uri="{BB962C8B-B14F-4D97-AF65-F5344CB8AC3E}">
+        <p14:creationId xmlns:p14="http://schemas.microsoft.com/office/powerpoint/2010/main" val="4048880964"/>
+      </p:ext>
+    </p:extLst>
+  </p:cSld>
+  <p:clrMapOvr>
+    <a:masterClrMapping/>
+  </p:clrMapOvr>
+</p:sld>
+</file>
+
+<file path=ppt/slides/slide14.xml><?xml version="1.0" encoding="utf-8"?>
+<p:sld xmlns:a="http://schemas.openxmlformats.org/drawingml/2006/main" xmlns:r="http://schemas.openxmlformats.org/officeDocument/2006/relationships" xmlns:p="http://schemas.openxmlformats.org/presentationml/2006/main">
+  <p:cSld>
+    <p:bg>
+      <p:bgPr>
+        <a:solidFill>
+          <a:schemeClr val="bg1"/>
+        </a:solidFill>
+        <a:effectLst/>
+      </p:bgPr>
+    </p:bg>
+    <p:spTree>
+      <p:nvGrpSpPr>
+        <p:cNvPr id="1" name=""/>
+        <p:cNvGrpSpPr/>
+        <p:nvPr/>
+      </p:nvGrpSpPr>
+      <p:grpSpPr>
+        <a:xfrm>
+          <a:off x="0" y="0"/>
+          <a:ext cx="0" cy="0"/>
+          <a:chOff x="0" y="0"/>
+          <a:chExt cx="0" cy="0"/>
+        </a:xfrm>
+      </p:grpSpPr>
+      <p:sp useBgFill="1">
+        <p:nvSpPr>
           <p:cNvPr id="22" name="Rectangle 21">
             <a:extLst>
               <a:ext uri="{FF2B5EF4-FFF2-40B4-BE49-F238E27FC236}">
@@ -14939,7 +16793,7 @@
 </p:sld>
 </file>
 
-<file path=ppt/slides/slide11.xml><?xml version="1.0" encoding="utf-8"?>
+<file path=ppt/slides/slide15.xml><?xml version="1.0" encoding="utf-8"?>
 <p:sld xmlns:a="http://schemas.openxmlformats.org/drawingml/2006/main" xmlns:r="http://schemas.openxmlformats.org/officeDocument/2006/relationships" xmlns:p="http://schemas.openxmlformats.org/presentationml/2006/main">
   <p:cSld>
     <p:spTree>
@@ -15030,7 +16884,7 @@
 </p:sld>
 </file>
 
-<file path=ppt/slides/slide12.xml><?xml version="1.0" encoding="utf-8"?>
+<file path=ppt/slides/slide16.xml><?xml version="1.0" encoding="utf-8"?>
 <p:sld xmlns:a="http://schemas.openxmlformats.org/drawingml/2006/main" xmlns:r="http://schemas.openxmlformats.org/officeDocument/2006/relationships" xmlns:p="http://schemas.openxmlformats.org/presentationml/2006/main">
   <p:cSld>
     <p:spTree>
@@ -15121,7 +16975,7 @@
 </p:sld>
 </file>
 
-<file path=ppt/slides/slide13.xml><?xml version="1.0" encoding="utf-8"?>
+<file path=ppt/slides/slide17.xml><?xml version="1.0" encoding="utf-8"?>
 <p:sld xmlns:a="http://schemas.openxmlformats.org/drawingml/2006/main" xmlns:r="http://schemas.openxmlformats.org/officeDocument/2006/relationships" xmlns:p="http://schemas.openxmlformats.org/presentationml/2006/main">
   <p:cSld>
     <p:bg>
@@ -15548,7 +17402,7 @@
           <a:lstStyle/>
           <a:p>
             <a:r>
-              <a:rPr lang="fr-FR" sz="1700"/>
+              <a:rPr lang="fr-FR" sz="1700" dirty="0"/>
               <a:t>Rappel des histoires réalisées, celles en cours, celles à terminer</a:t>
             </a:r>
           </a:p>
@@ -15659,7 +17513,7 @@
 </p:sld>
 </file>
 
-<file path=ppt/slides/slide14.xml><?xml version="1.0" encoding="utf-8"?>
+<file path=ppt/slides/slide18.xml><?xml version="1.0" encoding="utf-8"?>
 <p:sld xmlns:a="http://schemas.openxmlformats.org/drawingml/2006/main" xmlns:r="http://schemas.openxmlformats.org/officeDocument/2006/relationships" xmlns:p="http://schemas.openxmlformats.org/presentationml/2006/main">
   <p:cSld>
     <p:bg>
@@ -16697,7 +18551,7 @@
             <p:ph idx="1"/>
             <p:extLst>
               <p:ext uri="{D42A27DB-BD31-4B8C-83A1-F6EECF244321}">
-                <p14:modId xmlns:p14="http://schemas.microsoft.com/office/powerpoint/2010/main" val="382595464"/>
+                <p14:modId xmlns:p14="http://schemas.microsoft.com/office/powerpoint/2010/main" val="2388587128"/>
               </p:ext>
             </p:extLst>
           </p:nvPr>
@@ -16752,10 +18606,10 @@
       </p:grpSpPr>
       <p:sp useBgFill="1">
         <p:nvSpPr>
-          <p:cNvPr id="8" name="Rectangle 7">
+          <p:cNvPr id="18" name="Rectangle 17">
             <a:extLst>
               <a:ext uri="{FF2B5EF4-FFF2-40B4-BE49-F238E27FC236}">
-                <a16:creationId xmlns:a16="http://schemas.microsoft.com/office/drawing/2014/main" id="{907EF6B7-1338-4443-8C46-6A318D952DFD}"/>
+                <a16:creationId xmlns:a16="http://schemas.microsoft.com/office/drawing/2014/main" id="{F13C74B1-5B17-4795-BED0-7140497B445A}"/>
               </a:ext>
               <a:ext uri="{C183D7F6-B498-43B3-948B-1728B52AA6E4}">
                 <adec:decorative xmlns:adec="http://schemas.microsoft.com/office/drawing/2017/decorative" val="1"/>
@@ -16775,146 +18629,12 @@
         </p:nvSpPr>
         <p:spPr>
           <a:xfrm>
-            <a:off x="3048" y="0"/>
+            <a:off x="0" y="0"/>
             <a:ext cx="12188952" cy="6858000"/>
           </a:xfrm>
           <a:prstGeom prst="rect">
             <a:avLst/>
           </a:prstGeom>
-          <a:ln>
-            <a:noFill/>
-          </a:ln>
-        </p:spPr>
-        <p:style>
-          <a:lnRef idx="2">
-            <a:schemeClr val="accent1">
-              <a:shade val="50000"/>
-            </a:schemeClr>
-          </a:lnRef>
-          <a:fillRef idx="1">
-            <a:schemeClr val="accent1"/>
-          </a:fillRef>
-          <a:effectRef idx="0">
-            <a:schemeClr val="accent1"/>
-          </a:effectRef>
-          <a:fontRef idx="minor">
-            <a:schemeClr val="lt1"/>
-          </a:fontRef>
-        </p:style>
-        <p:txBody>
-          <a:bodyPr rtlCol="0" anchor="ctr"/>
-          <a:lstStyle/>
-          <a:p>
-            <a:pPr algn="ctr"/>
-            <a:endParaRPr lang="en-US"/>
-          </a:p>
-        </p:txBody>
-      </p:sp>
-      <p:sp>
-        <p:nvSpPr>
-          <p:cNvPr id="10" name="Freeform: Shape 9">
-            <a:extLst>
-              <a:ext uri="{FF2B5EF4-FFF2-40B4-BE49-F238E27FC236}">
-                <a16:creationId xmlns:a16="http://schemas.microsoft.com/office/drawing/2014/main" id="{DAAE4CDD-124C-4DCF-9584-B6033B545DD5}"/>
-              </a:ext>
-              <a:ext uri="{C183D7F6-B498-43B3-948B-1728B52AA6E4}">
-                <adec:decorative xmlns:adec="http://schemas.microsoft.com/office/drawing/2017/decorative" val="1"/>
-              </a:ext>
-            </a:extLst>
-          </p:cNvPr>
-          <p:cNvSpPr>
-            <a:spLocks noGrp="1" noRot="1" noChangeAspect="1" noMove="1" noResize="1" noEditPoints="1" noAdjustHandles="1" noChangeArrowheads="1" noChangeShapeType="1" noTextEdit="1"/>
-          </p:cNvSpPr>
-          <p:nvPr>
-            <p:extLst>
-              <p:ext uri="{386F3935-93C4-4BCD-93E2-E3B085C9AB24}">
-                <p16:designElem xmlns:p16="http://schemas.microsoft.com/office/powerpoint/2015/main" val="1"/>
-              </p:ext>
-            </p:extLst>
-          </p:nvPr>
-        </p:nvSpPr>
-        <p:spPr>
-          <a:xfrm>
-            <a:off x="1" y="0"/>
-            <a:ext cx="4167271" cy="6858000"/>
-          </a:xfrm>
-          <a:custGeom>
-            <a:avLst/>
-            <a:gdLst>
-              <a:gd name="connsiteX0" fmla="*/ 0 w 4167271"/>
-              <a:gd name="connsiteY0" fmla="*/ 0 h 6858000"/>
-              <a:gd name="connsiteX1" fmla="*/ 2259550 w 4167271"/>
-              <a:gd name="connsiteY1" fmla="*/ 0 h 6858000"/>
-              <a:gd name="connsiteX2" fmla="*/ 2387803 w 4167271"/>
-              <a:gd name="connsiteY2" fmla="*/ 82222 h 6858000"/>
-              <a:gd name="connsiteX3" fmla="*/ 4167271 w 4167271"/>
-              <a:gd name="connsiteY3" fmla="*/ 3429000 h 6858000"/>
-              <a:gd name="connsiteX4" fmla="*/ 2387803 w 4167271"/>
-              <a:gd name="connsiteY4" fmla="*/ 6775779 h 6858000"/>
-              <a:gd name="connsiteX5" fmla="*/ 2259550 w 4167271"/>
-              <a:gd name="connsiteY5" fmla="*/ 6858000 h 6858000"/>
-              <a:gd name="connsiteX6" fmla="*/ 0 w 4167271"/>
-              <a:gd name="connsiteY6" fmla="*/ 6858000 h 6858000"/>
-            </a:gdLst>
-            <a:ahLst/>
-            <a:cxnLst>
-              <a:cxn ang="0">
-                <a:pos x="connsiteX0" y="connsiteY0"/>
-              </a:cxn>
-              <a:cxn ang="0">
-                <a:pos x="connsiteX1" y="connsiteY1"/>
-              </a:cxn>
-              <a:cxn ang="0">
-                <a:pos x="connsiteX2" y="connsiteY2"/>
-              </a:cxn>
-              <a:cxn ang="0">
-                <a:pos x="connsiteX3" y="connsiteY3"/>
-              </a:cxn>
-              <a:cxn ang="0">
-                <a:pos x="connsiteX4" y="connsiteY4"/>
-              </a:cxn>
-              <a:cxn ang="0">
-                <a:pos x="connsiteX5" y="connsiteY5"/>
-              </a:cxn>
-              <a:cxn ang="0">
-                <a:pos x="connsiteX6" y="connsiteY6"/>
-              </a:cxn>
-            </a:cxnLst>
-            <a:rect l="l" t="t" r="r" b="b"/>
-            <a:pathLst>
-              <a:path w="4167271" h="6858000">
-                <a:moveTo>
-                  <a:pt x="0" y="0"/>
-                </a:moveTo>
-                <a:lnTo>
-                  <a:pt x="2259550" y="0"/>
-                </a:lnTo>
-                <a:lnTo>
-                  <a:pt x="2387803" y="82222"/>
-                </a:lnTo>
-                <a:cubicBezTo>
-                  <a:pt x="3461407" y="807534"/>
-                  <a:pt x="4167271" y="2035835"/>
-                  <a:pt x="4167271" y="3429000"/>
-                </a:cubicBezTo>
-                <a:cubicBezTo>
-                  <a:pt x="4167271" y="4822165"/>
-                  <a:pt x="3461407" y="6050467"/>
-                  <a:pt x="2387803" y="6775779"/>
-                </a:cubicBezTo>
-                <a:lnTo>
-                  <a:pt x="2259550" y="6858000"/>
-                </a:lnTo>
-                <a:lnTo>
-                  <a:pt x="0" y="6858000"/>
-                </a:lnTo>
-                <a:close/>
-              </a:path>
-            </a:pathLst>
-          </a:custGeom>
-          <a:solidFill>
-            <a:schemeClr val="accent2"/>
-          </a:solidFill>
           <a:ln>
             <a:noFill/>
           </a:ln>
@@ -16962,22 +18682,18 @@
         </p:nvSpPr>
         <p:spPr>
           <a:xfrm>
-            <a:off x="686834" y="1153572"/>
-            <a:ext cx="3200400" cy="4461163"/>
+            <a:off x="640080" y="325369"/>
+            <a:ext cx="4368602" cy="1956841"/>
           </a:xfrm>
         </p:spPr>
         <p:txBody>
-          <a:bodyPr>
+          <a:bodyPr anchor="b">
             <a:normAutofit/>
           </a:bodyPr>
           <a:lstStyle/>
           <a:p>
             <a:r>
-              <a:rPr lang="fr-FR" dirty="0">
-                <a:solidFill>
-                  <a:srgbClr val="FFFFFF"/>
-                </a:solidFill>
-              </a:rPr>
+              <a:rPr lang="fr-FR" sz="5400"/>
               <a:t>Contexte</a:t>
             </a:r>
           </a:p>
@@ -16985,10 +18701,10 @@
       </p:sp>
       <p:sp>
         <p:nvSpPr>
-          <p:cNvPr id="12" name="Arc 11">
+          <p:cNvPr id="20" name="sketchy line">
             <a:extLst>
               <a:ext uri="{FF2B5EF4-FFF2-40B4-BE49-F238E27FC236}">
-                <a16:creationId xmlns:a16="http://schemas.microsoft.com/office/drawing/2014/main" id="{081E4A58-353D-44AE-B2FC-2A74E2E400F7}"/>
+                <a16:creationId xmlns:a16="http://schemas.microsoft.com/office/drawing/2014/main" id="{D4974D33-8DC5-464E-8C6D-BE58F0669C17}"/>
               </a:ext>
               <a:ext uri="{C183D7F6-B498-43B3-948B-1728B52AA6E4}">
                 <adec:decorative xmlns:adec="http://schemas.microsoft.com/office/drawing/2017/decorative" val="1"/>
@@ -17007,32 +18723,254 @@
           </p:nvPr>
         </p:nvSpPr>
         <p:spPr>
-          <a:xfrm flipV="1">
-            <a:off x="7550402" y="2455479"/>
-            <a:ext cx="4083433" cy="4083433"/>
+          <a:xfrm>
+            <a:off x="640080" y="2586994"/>
+            <a:ext cx="3474720" cy="18288"/>
           </a:xfrm>
-          <a:prstGeom prst="arc">
+          <a:custGeom>
             <a:avLst/>
-          </a:prstGeom>
-          <a:ln w="127000" cap="rnd">
+            <a:gdLst>
+              <a:gd name="connsiteX0" fmla="*/ 0 w 3474720"/>
+              <a:gd name="connsiteY0" fmla="*/ 0 h 18288"/>
+              <a:gd name="connsiteX1" fmla="*/ 694944 w 3474720"/>
+              <a:gd name="connsiteY1" fmla="*/ 0 h 18288"/>
+              <a:gd name="connsiteX2" fmla="*/ 1355141 w 3474720"/>
+              <a:gd name="connsiteY2" fmla="*/ 0 h 18288"/>
+              <a:gd name="connsiteX3" fmla="*/ 2015338 w 3474720"/>
+              <a:gd name="connsiteY3" fmla="*/ 0 h 18288"/>
+              <a:gd name="connsiteX4" fmla="*/ 2779776 w 3474720"/>
+              <a:gd name="connsiteY4" fmla="*/ 0 h 18288"/>
+              <a:gd name="connsiteX5" fmla="*/ 3474720 w 3474720"/>
+              <a:gd name="connsiteY5" fmla="*/ 0 h 18288"/>
+              <a:gd name="connsiteX6" fmla="*/ 3474720 w 3474720"/>
+              <a:gd name="connsiteY6" fmla="*/ 18288 h 18288"/>
+              <a:gd name="connsiteX7" fmla="*/ 2779776 w 3474720"/>
+              <a:gd name="connsiteY7" fmla="*/ 18288 h 18288"/>
+              <a:gd name="connsiteX8" fmla="*/ 2189074 w 3474720"/>
+              <a:gd name="connsiteY8" fmla="*/ 18288 h 18288"/>
+              <a:gd name="connsiteX9" fmla="*/ 1528877 w 3474720"/>
+              <a:gd name="connsiteY9" fmla="*/ 18288 h 18288"/>
+              <a:gd name="connsiteX10" fmla="*/ 868680 w 3474720"/>
+              <a:gd name="connsiteY10" fmla="*/ 18288 h 18288"/>
+              <a:gd name="connsiteX11" fmla="*/ 0 w 3474720"/>
+              <a:gd name="connsiteY11" fmla="*/ 18288 h 18288"/>
+              <a:gd name="connsiteX12" fmla="*/ 0 w 3474720"/>
+              <a:gd name="connsiteY12" fmla="*/ 0 h 18288"/>
+            </a:gdLst>
+            <a:ahLst/>
+            <a:cxnLst>
+              <a:cxn ang="0">
+                <a:pos x="connsiteX0" y="connsiteY0"/>
+              </a:cxn>
+              <a:cxn ang="0">
+                <a:pos x="connsiteX1" y="connsiteY1"/>
+              </a:cxn>
+              <a:cxn ang="0">
+                <a:pos x="connsiteX2" y="connsiteY2"/>
+              </a:cxn>
+              <a:cxn ang="0">
+                <a:pos x="connsiteX3" y="connsiteY3"/>
+              </a:cxn>
+              <a:cxn ang="0">
+                <a:pos x="connsiteX4" y="connsiteY4"/>
+              </a:cxn>
+              <a:cxn ang="0">
+                <a:pos x="connsiteX5" y="connsiteY5"/>
+              </a:cxn>
+              <a:cxn ang="0">
+                <a:pos x="connsiteX6" y="connsiteY6"/>
+              </a:cxn>
+              <a:cxn ang="0">
+                <a:pos x="connsiteX7" y="connsiteY7"/>
+              </a:cxn>
+              <a:cxn ang="0">
+                <a:pos x="connsiteX8" y="connsiteY8"/>
+              </a:cxn>
+              <a:cxn ang="0">
+                <a:pos x="connsiteX9" y="connsiteY9"/>
+              </a:cxn>
+              <a:cxn ang="0">
+                <a:pos x="connsiteX10" y="connsiteY10"/>
+              </a:cxn>
+              <a:cxn ang="0">
+                <a:pos x="connsiteX11" y="connsiteY11"/>
+              </a:cxn>
+              <a:cxn ang="0">
+                <a:pos x="connsiteX12" y="connsiteY12"/>
+              </a:cxn>
+            </a:cxnLst>
+            <a:rect l="l" t="t" r="r" b="b"/>
+            <a:pathLst>
+              <a:path w="3474720" h="18288" fill="none" extrusionOk="0">
+                <a:moveTo>
+                  <a:pt x="0" y="0"/>
+                </a:moveTo>
+                <a:cubicBezTo>
+                  <a:pt x="224454" y="-14544"/>
+                  <a:pt x="495407" y="26540"/>
+                  <a:pt x="694944" y="0"/>
+                </a:cubicBezTo>
+                <a:cubicBezTo>
+                  <a:pt x="894481" y="-26540"/>
+                  <a:pt x="1130063" y="24713"/>
+                  <a:pt x="1355141" y="0"/>
+                </a:cubicBezTo>
+                <a:cubicBezTo>
+                  <a:pt x="1580219" y="-24713"/>
+                  <a:pt x="1820099" y="26695"/>
+                  <a:pt x="2015338" y="0"/>
+                </a:cubicBezTo>
+                <a:cubicBezTo>
+                  <a:pt x="2210577" y="-26695"/>
+                  <a:pt x="2402045" y="165"/>
+                  <a:pt x="2779776" y="0"/>
+                </a:cubicBezTo>
+                <a:cubicBezTo>
+                  <a:pt x="3157507" y="-165"/>
+                  <a:pt x="3286859" y="-15571"/>
+                  <a:pt x="3474720" y="0"/>
+                </a:cubicBezTo>
+                <a:cubicBezTo>
+                  <a:pt x="3474286" y="7551"/>
+                  <a:pt x="3474253" y="9822"/>
+                  <a:pt x="3474720" y="18288"/>
+                </a:cubicBezTo>
+                <a:cubicBezTo>
+                  <a:pt x="3233904" y="29845"/>
+                  <a:pt x="2945134" y="-5256"/>
+                  <a:pt x="2779776" y="18288"/>
+                </a:cubicBezTo>
+                <a:cubicBezTo>
+                  <a:pt x="2614418" y="41832"/>
+                  <a:pt x="2339768" y="22709"/>
+                  <a:pt x="2189074" y="18288"/>
+                </a:cubicBezTo>
+                <a:cubicBezTo>
+                  <a:pt x="2038380" y="13867"/>
+                  <a:pt x="1817434" y="-4947"/>
+                  <a:pt x="1528877" y="18288"/>
+                </a:cubicBezTo>
+                <a:cubicBezTo>
+                  <a:pt x="1240320" y="41523"/>
+                  <a:pt x="1042447" y="37198"/>
+                  <a:pt x="868680" y="18288"/>
+                </a:cubicBezTo>
+                <a:cubicBezTo>
+                  <a:pt x="694913" y="-622"/>
+                  <a:pt x="233232" y="44909"/>
+                  <a:pt x="0" y="18288"/>
+                </a:cubicBezTo>
+                <a:cubicBezTo>
+                  <a:pt x="60" y="11696"/>
+                  <a:pt x="66" y="3758"/>
+                  <a:pt x="0" y="0"/>
+                </a:cubicBezTo>
+                <a:close/>
+              </a:path>
+              <a:path w="3474720" h="18288" stroke="0" extrusionOk="0">
+                <a:moveTo>
+                  <a:pt x="0" y="0"/>
+                </a:moveTo>
+                <a:cubicBezTo>
+                  <a:pt x="202328" y="-14716"/>
+                  <a:pt x="332722" y="-11499"/>
+                  <a:pt x="625450" y="0"/>
+                </a:cubicBezTo>
+                <a:cubicBezTo>
+                  <a:pt x="918178" y="11499"/>
+                  <a:pt x="1096688" y="5123"/>
+                  <a:pt x="1389888" y="0"/>
+                </a:cubicBezTo>
+                <a:cubicBezTo>
+                  <a:pt x="1683088" y="-5123"/>
+                  <a:pt x="1835981" y="-14038"/>
+                  <a:pt x="1980590" y="0"/>
+                </a:cubicBezTo>
+                <a:cubicBezTo>
+                  <a:pt x="2125199" y="14038"/>
+                  <a:pt x="2396099" y="-7203"/>
+                  <a:pt x="2571293" y="0"/>
+                </a:cubicBezTo>
+                <a:cubicBezTo>
+                  <a:pt x="2746487" y="7203"/>
+                  <a:pt x="3041609" y="-12036"/>
+                  <a:pt x="3474720" y="0"/>
+                </a:cubicBezTo>
+                <a:cubicBezTo>
+                  <a:pt x="3474638" y="4406"/>
+                  <a:pt x="3474631" y="9982"/>
+                  <a:pt x="3474720" y="18288"/>
+                </a:cubicBezTo>
+                <a:cubicBezTo>
+                  <a:pt x="3324873" y="21876"/>
+                  <a:pt x="3136771" y="12587"/>
+                  <a:pt x="2814523" y="18288"/>
+                </a:cubicBezTo>
+                <a:cubicBezTo>
+                  <a:pt x="2492275" y="23989"/>
+                  <a:pt x="2294402" y="47111"/>
+                  <a:pt x="2154326" y="18288"/>
+                </a:cubicBezTo>
+                <a:cubicBezTo>
+                  <a:pt x="2014250" y="-10535"/>
+                  <a:pt x="1820317" y="33903"/>
+                  <a:pt x="1494130" y="18288"/>
+                </a:cubicBezTo>
+                <a:cubicBezTo>
+                  <a:pt x="1167943" y="2673"/>
+                  <a:pt x="948432" y="14868"/>
+                  <a:pt x="729691" y="18288"/>
+                </a:cubicBezTo>
+                <a:cubicBezTo>
+                  <a:pt x="510950" y="21708"/>
+                  <a:pt x="264032" y="24354"/>
+                  <a:pt x="0" y="18288"/>
+                </a:cubicBezTo>
+                <a:cubicBezTo>
+                  <a:pt x="189" y="14288"/>
+                  <a:pt x="-703" y="3747"/>
+                  <a:pt x="0" y="0"/>
+                </a:cubicBezTo>
+                <a:close/>
+              </a:path>
+            </a:pathLst>
+          </a:custGeom>
+          <a:solidFill>
+            <a:schemeClr val="accent2"/>
+          </a:solidFill>
+          <a:ln w="44450" cap="rnd">
             <a:solidFill>
-              <a:schemeClr val="accent4"/>
+              <a:schemeClr val="accent2"/>
             </a:solidFill>
-            <a:prstDash val="dash"/>
+            <a:round/>
+            <a:extLst>
+              <a:ext uri="{C807C97D-BFC1-408E-A445-0C87EB9F89A2}">
+                <ask:lineSketchStyleProps xmlns:ask="http://schemas.microsoft.com/office/drawing/2018/sketchyshapes" sd="2863741219">
+                  <a:prstGeom prst="rect">
+                    <a:avLst/>
+                  </a:prstGeom>
+                  <ask:type>
+                    <ask:lineSketchFreehand/>
+                  </ask:type>
+                </ask:lineSketchStyleProps>
+              </a:ext>
+            </a:extLst>
           </a:ln>
         </p:spPr>
         <p:style>
-          <a:lnRef idx="1">
-            <a:schemeClr val="accent1"/>
+          <a:lnRef idx="2">
+            <a:schemeClr val="accent1">
+              <a:shade val="50000"/>
+            </a:schemeClr>
           </a:lnRef>
-          <a:fillRef idx="0">
+          <a:fillRef idx="1">
             <a:schemeClr val="accent1"/>
           </a:fillRef>
           <a:effectRef idx="0">
             <a:schemeClr val="accent1"/>
           </a:effectRef>
           <a:fontRef idx="minor">
-            <a:schemeClr val="tx1"/>
+            <a:schemeClr val="lt1"/>
           </a:fontRef>
         </p:style>
         <p:txBody>
@@ -17040,13 +18978,13 @@
           <a:lstStyle/>
           <a:p>
             <a:pPr algn="ctr"/>
-            <a:endParaRPr lang="en-US" dirty="0"/>
+            <a:endParaRPr lang="en-US"/>
           </a:p>
         </p:txBody>
       </p:sp>
       <p:sp>
         <p:nvSpPr>
-          <p:cNvPr id="3" name="Espace réservé du contenu 2">
+          <p:cNvPr id="21" name="Espace réservé du contenu 2">
             <a:extLst>
               <a:ext uri="{FF2B5EF4-FFF2-40B4-BE49-F238E27FC236}">
                 <a16:creationId xmlns:a16="http://schemas.microsoft.com/office/drawing/2014/main" id="{2F130D4F-A779-4716-919B-61752EAA8953}"/>
@@ -17062,20 +19000,188 @@
         </p:nvSpPr>
         <p:spPr>
           <a:xfrm>
-            <a:off x="4447308" y="591344"/>
-            <a:ext cx="6906491" cy="5585619"/>
+            <a:off x="640080" y="2872899"/>
+            <a:ext cx="4243589" cy="3320668"/>
           </a:xfrm>
         </p:spPr>
         <p:txBody>
-          <a:bodyPr anchor="ctr">
+          <a:bodyPr>
             <a:normAutofit/>
           </a:bodyPr>
           <a:lstStyle/>
           <a:p>
-            <a:endParaRPr lang="fr-FR"/>
+            <a:r>
+              <a:rPr lang="fr-FR" sz="2200"/>
+              <a:t>Projet Niloc</a:t>
+            </a:r>
+          </a:p>
+          <a:p>
+            <a:r>
+              <a:rPr lang="fr-FR" sz="2200"/>
+              <a:t>Etablissement use case</a:t>
+            </a:r>
+          </a:p>
+          <a:p>
+            <a:r>
+              <a:rPr lang="fr-FR" sz="2200"/>
+              <a:t>Etablissement cahier des charges</a:t>
+            </a:r>
+          </a:p>
+          <a:p>
+            <a:r>
+              <a:rPr lang="fr-FR" sz="2200"/>
+              <a:t>Développement de la base</a:t>
+            </a:r>
+          </a:p>
+          <a:p>
+            <a:r>
+              <a:rPr lang="fr-FR" sz="2200"/>
+              <a:t>Développement de la BI</a:t>
+            </a:r>
           </a:p>
         </p:txBody>
       </p:sp>
+      <p:pic>
+        <p:nvPicPr>
+          <p:cNvPr id="22" name="Picture 13" descr="Graphique sur un document avec stylet">
+            <a:extLst>
+              <a:ext uri="{FF2B5EF4-FFF2-40B4-BE49-F238E27FC236}">
+                <a16:creationId xmlns:a16="http://schemas.microsoft.com/office/drawing/2014/main" id="{95D9A4D8-A5B3-9BE7-7272-87681904AE92}"/>
+              </a:ext>
+            </a:extLst>
+          </p:cNvPr>
+          <p:cNvPicPr>
+            <a:picLocks noChangeAspect="1"/>
+          </p:cNvPicPr>
+          <p:nvPr/>
+        </p:nvPicPr>
+        <p:blipFill rotWithShape="1">
+          <a:blip r:embed="rId2"/>
+          <a:srcRect l="23385" r="9662" b="-1"/>
+          <a:stretch/>
+        </p:blipFill>
+        <p:spPr>
+          <a:xfrm>
+            <a:off x="5311702" y="10"/>
+            <a:ext cx="6878775" cy="6857990"/>
+          </a:xfrm>
+          <a:custGeom>
+            <a:avLst/>
+            <a:gdLst/>
+            <a:ahLst/>
+            <a:cxnLst/>
+            <a:rect l="l" t="t" r="r" b="b"/>
+            <a:pathLst>
+              <a:path w="6878775" h="6858000">
+                <a:moveTo>
+                  <a:pt x="1102973" y="0"/>
+                </a:moveTo>
+                <a:lnTo>
+                  <a:pt x="1160688" y="0"/>
+                </a:lnTo>
+                <a:lnTo>
+                  <a:pt x="983189" y="331786"/>
+                </a:lnTo>
+                <a:cubicBezTo>
+                  <a:pt x="914866" y="469145"/>
+                  <a:pt x="850355" y="608712"/>
+                  <a:pt x="789261" y="750263"/>
+                </a:cubicBezTo>
+                <a:cubicBezTo>
+                  <a:pt x="774307" y="784928"/>
+                  <a:pt x="759992" y="819849"/>
+                  <a:pt x="745295" y="854514"/>
+                </a:cubicBezTo>
+                <a:cubicBezTo>
+                  <a:pt x="756682" y="845393"/>
+                  <a:pt x="765489" y="833492"/>
+                  <a:pt x="770857" y="819975"/>
+                </a:cubicBezTo>
+                <a:cubicBezTo>
+                  <a:pt x="879943" y="589569"/>
+                  <a:pt x="999605" y="365513"/>
+                  <a:pt x="1131329" y="148742"/>
+                </a:cubicBezTo>
+                <a:lnTo>
+                  <a:pt x="1227589" y="0"/>
+                </a:lnTo>
+                <a:lnTo>
+                  <a:pt x="6878775" y="0"/>
+                </a:lnTo>
+                <a:lnTo>
+                  <a:pt x="6878775" y="6858000"/>
+                </a:lnTo>
+                <a:lnTo>
+                  <a:pt x="713521" y="6858000"/>
+                </a:lnTo>
+                <a:lnTo>
+                  <a:pt x="625642" y="6670527"/>
+                </a:lnTo>
+                <a:cubicBezTo>
+                  <a:pt x="507232" y="6398531"/>
+                  <a:pt x="403083" y="6118381"/>
+                  <a:pt x="312785" y="5830359"/>
+                </a:cubicBezTo>
+                <a:cubicBezTo>
+                  <a:pt x="278149" y="5719759"/>
+                  <a:pt x="248879" y="5607635"/>
+                  <a:pt x="212198" y="5480401"/>
+                </a:cubicBezTo>
+                <a:cubicBezTo>
+                  <a:pt x="212208" y="5491601"/>
+                  <a:pt x="212803" y="5502788"/>
+                  <a:pt x="213988" y="5513923"/>
+                </a:cubicBezTo>
+                <a:cubicBezTo>
+                  <a:pt x="264089" y="5723695"/>
+                  <a:pt x="307290" y="5935370"/>
+                  <a:pt x="365826" y="6142729"/>
+                </a:cubicBezTo>
+                <a:cubicBezTo>
+                  <a:pt x="433152" y="6380817"/>
+                  <a:pt x="510068" y="6614016"/>
+                  <a:pt x="597975" y="6841549"/>
+                </a:cubicBezTo>
+                <a:lnTo>
+                  <a:pt x="604824" y="6858000"/>
+                </a:lnTo>
+                <a:lnTo>
+                  <a:pt x="552056" y="6858000"/>
+                </a:lnTo>
+                <a:lnTo>
+                  <a:pt x="539576" y="6828295"/>
+                </a:lnTo>
+                <a:cubicBezTo>
+                  <a:pt x="380597" y="6414594"/>
+                  <a:pt x="260223" y="5988893"/>
+                  <a:pt x="171555" y="5552906"/>
+                </a:cubicBezTo>
+                <a:cubicBezTo>
+                  <a:pt x="91163" y="5157998"/>
+                  <a:pt x="43746" y="4758899"/>
+                  <a:pt x="12305" y="4357388"/>
+                </a:cubicBezTo>
+                <a:cubicBezTo>
+                  <a:pt x="-14281" y="4013908"/>
+                  <a:pt x="4507" y="3672965"/>
+                  <a:pt x="46684" y="3331516"/>
+                </a:cubicBezTo>
+                <a:cubicBezTo>
+                  <a:pt x="127203" y="2664286"/>
+                  <a:pt x="277819" y="2007265"/>
+                  <a:pt x="496065" y="1371196"/>
+                </a:cubicBezTo>
+                <a:cubicBezTo>
+                  <a:pt x="636273" y="966066"/>
+                  <a:pt x="800445" y="573253"/>
+                  <a:pt x="995723" y="196614"/>
+                </a:cubicBezTo>
+                <a:close/>
+              </a:path>
+            </a:pathLst>
+          </a:custGeom>
+        </p:spPr>
+      </p:pic>
     </p:spTree>
     <p:extLst>
       <p:ext uri="{BB962C8B-B14F-4D97-AF65-F5344CB8AC3E}">
@@ -17436,7 +19542,7 @@
           </a:bodyPr>
           <a:lstStyle/>
           <a:p>
-            <a:endParaRPr lang="fr-FR"/>
+            <a:endParaRPr lang="fr-FR" dirty="0"/>
           </a:p>
         </p:txBody>
       </p:sp>
@@ -17454,6 +19560,453 @@
 </file>
 
 <file path=ppt/slides/slide5.xml><?xml version="1.0" encoding="utf-8"?>
+<p:sld xmlns:a="http://schemas.openxmlformats.org/drawingml/2006/main" xmlns:r="http://schemas.openxmlformats.org/officeDocument/2006/relationships" xmlns:p="http://schemas.openxmlformats.org/presentationml/2006/main">
+  <p:cSld>
+    <p:bg>
+      <p:bgPr>
+        <a:solidFill>
+          <a:schemeClr val="bg1"/>
+        </a:solidFill>
+        <a:effectLst/>
+      </p:bgPr>
+    </p:bg>
+    <p:spTree>
+      <p:nvGrpSpPr>
+        <p:cNvPr id="1" name=""/>
+        <p:cNvGrpSpPr/>
+        <p:nvPr/>
+      </p:nvGrpSpPr>
+      <p:grpSpPr>
+        <a:xfrm>
+          <a:off x="0" y="0"/>
+          <a:ext cx="0" cy="0"/>
+          <a:chOff x="0" y="0"/>
+          <a:chExt cx="0" cy="0"/>
+        </a:xfrm>
+      </p:grpSpPr>
+      <p:sp useBgFill="1">
+        <p:nvSpPr>
+          <p:cNvPr id="19" name="Rectangle 18">
+            <a:extLst>
+              <a:ext uri="{FF2B5EF4-FFF2-40B4-BE49-F238E27FC236}">
+                <a16:creationId xmlns:a16="http://schemas.microsoft.com/office/drawing/2014/main" id="{2550BE34-C2B8-49B8-8519-67A8CAD51AE9}"/>
+              </a:ext>
+              <a:ext uri="{C183D7F6-B498-43B3-948B-1728B52AA6E4}">
+                <adec:decorative xmlns:adec="http://schemas.microsoft.com/office/drawing/2017/decorative" val="1"/>
+              </a:ext>
+            </a:extLst>
+          </p:cNvPr>
+          <p:cNvSpPr>
+            <a:spLocks noGrp="1" noRot="1" noChangeAspect="1" noMove="1" noResize="1" noEditPoints="1" noAdjustHandles="1" noChangeArrowheads="1" noChangeShapeType="1" noTextEdit="1"/>
+          </p:cNvSpPr>
+          <p:nvPr>
+            <p:extLst>
+              <p:ext uri="{386F3935-93C4-4BCD-93E2-E3B085C9AB24}">
+                <p16:designElem xmlns:p16="http://schemas.microsoft.com/office/powerpoint/2015/main" val="1"/>
+              </p:ext>
+            </p:extLst>
+          </p:nvPr>
+        </p:nvSpPr>
+        <p:spPr>
+          <a:xfrm>
+            <a:off x="0" y="0"/>
+            <a:ext cx="12192000" cy="6858000"/>
+          </a:xfrm>
+          <a:prstGeom prst="rect">
+            <a:avLst/>
+          </a:prstGeom>
+          <a:ln>
+            <a:noFill/>
+          </a:ln>
+        </p:spPr>
+        <p:style>
+          <a:lnRef idx="2">
+            <a:schemeClr val="accent1">
+              <a:shade val="50000"/>
+            </a:schemeClr>
+          </a:lnRef>
+          <a:fillRef idx="1">
+            <a:schemeClr val="accent1"/>
+          </a:fillRef>
+          <a:effectRef idx="0">
+            <a:schemeClr val="accent1"/>
+          </a:effectRef>
+          <a:fontRef idx="minor">
+            <a:schemeClr val="lt1"/>
+          </a:fontRef>
+        </p:style>
+        <p:txBody>
+          <a:bodyPr rtlCol="0" anchor="ctr"/>
+          <a:lstStyle/>
+          <a:p>
+            <a:pPr algn="ctr"/>
+            <a:endParaRPr lang="en-US"/>
+          </a:p>
+        </p:txBody>
+      </p:sp>
+      <p:sp useBgFill="1">
+        <p:nvSpPr>
+          <p:cNvPr id="21" name="Rectangle 20">
+            <a:extLst>
+              <a:ext uri="{FF2B5EF4-FFF2-40B4-BE49-F238E27FC236}">
+                <a16:creationId xmlns:a16="http://schemas.microsoft.com/office/drawing/2014/main" id="{A7457DD9-5A45-400A-AB4B-4B4EDECA25F1}"/>
+              </a:ext>
+              <a:ext uri="{C183D7F6-B498-43B3-948B-1728B52AA6E4}">
+                <adec:decorative xmlns:adec="http://schemas.microsoft.com/office/drawing/2017/decorative" val="1"/>
+              </a:ext>
+            </a:extLst>
+          </p:cNvPr>
+          <p:cNvSpPr>
+            <a:spLocks noGrp="1" noRot="1" noChangeAspect="1" noMove="1" noResize="1" noEditPoints="1" noAdjustHandles="1" noChangeArrowheads="1" noChangeShapeType="1" noTextEdit="1"/>
+          </p:cNvSpPr>
+          <p:nvPr>
+            <p:extLst>
+              <p:ext uri="{386F3935-93C4-4BCD-93E2-E3B085C9AB24}">
+                <p16:designElem xmlns:p16="http://schemas.microsoft.com/office/powerpoint/2015/main" val="1"/>
+              </p:ext>
+            </p:extLst>
+          </p:nvPr>
+        </p:nvSpPr>
+        <p:spPr>
+          <a:xfrm>
+            <a:off x="554416" y="365125"/>
+            <a:ext cx="11167447" cy="2089317"/>
+          </a:xfrm>
+          <a:prstGeom prst="rect">
+            <a:avLst/>
+          </a:prstGeom>
+          <a:ln w="12700">
+            <a:solidFill>
+              <a:srgbClr val="DEDEDE"/>
+            </a:solidFill>
+          </a:ln>
+          <a:effectLst>
+            <a:outerShdw blurRad="50800" dist="38100" dir="2700000" algn="tl" rotWithShape="0">
+              <a:schemeClr val="bg2">
+                <a:lumMod val="85000"/>
+                <a:alpha val="50000"/>
+              </a:schemeClr>
+            </a:outerShdw>
+          </a:effectLst>
+        </p:spPr>
+        <p:style>
+          <a:lnRef idx="2">
+            <a:schemeClr val="accent1">
+              <a:shade val="50000"/>
+            </a:schemeClr>
+          </a:lnRef>
+          <a:fillRef idx="1">
+            <a:schemeClr val="accent1"/>
+          </a:fillRef>
+          <a:effectRef idx="0">
+            <a:schemeClr val="accent1"/>
+          </a:effectRef>
+          <a:fontRef idx="minor">
+            <a:schemeClr val="lt1"/>
+          </a:fontRef>
+        </p:style>
+        <p:txBody>
+          <a:bodyPr rtlCol="0" anchor="ctr"/>
+          <a:lstStyle/>
+          <a:p>
+            <a:pPr marL="0" marR="0" lvl="0" indent="0" algn="ctr" defTabSz="914400" rtl="0" eaLnBrk="1" fontAlgn="auto" latinLnBrk="0" hangingPunct="1">
+              <a:lnSpc>
+                <a:spcPct val="100000"/>
+              </a:lnSpc>
+              <a:spcBef>
+                <a:spcPts val="0"/>
+              </a:spcBef>
+              <a:spcAft>
+                <a:spcPts val="0"/>
+              </a:spcAft>
+              <a:buClrTx/>
+              <a:buSzTx/>
+              <a:buFontTx/>
+              <a:buNone/>
+              <a:tabLst/>
+              <a:defRPr/>
+            </a:pPr>
+            <a:endParaRPr kumimoji="0" lang="en-US" sz="1800" b="0" i="0" u="none" strike="noStrike" kern="1200" cap="none" spc="0" normalizeH="0" baseline="0" noProof="0">
+              <a:ln>
+                <a:noFill/>
+              </a:ln>
+              <a:solidFill>
+                <a:prstClr val="white"/>
+              </a:solidFill>
+              <a:effectLst/>
+              <a:uLnTx/>
+              <a:uFillTx/>
+              <a:latin typeface="Calibri" panose="020F0502020204030204"/>
+              <a:ea typeface="+mn-ea"/>
+              <a:cs typeface="+mn-cs"/>
+            </a:endParaRPr>
+          </a:p>
+        </p:txBody>
+      </p:sp>
+      <p:sp>
+        <p:nvSpPr>
+          <p:cNvPr id="2" name="Titre 1">
+            <a:extLst>
+              <a:ext uri="{FF2B5EF4-FFF2-40B4-BE49-F238E27FC236}">
+                <a16:creationId xmlns:a16="http://schemas.microsoft.com/office/drawing/2014/main" id="{E298FAF4-3ED3-4AB9-AEAA-1EE7A676FE0B}"/>
+              </a:ext>
+            </a:extLst>
+          </p:cNvPr>
+          <p:cNvSpPr>
+            <a:spLocks noGrp="1"/>
+          </p:cNvSpPr>
+          <p:nvPr>
+            <p:ph type="title"/>
+          </p:nvPr>
+        </p:nvSpPr>
+        <p:spPr>
+          <a:xfrm>
+            <a:off x="1046746" y="586822"/>
+            <a:ext cx="3560252" cy="1645920"/>
+          </a:xfrm>
+        </p:spPr>
+        <p:txBody>
+          <a:bodyPr>
+            <a:normAutofit/>
+          </a:bodyPr>
+          <a:lstStyle/>
+          <a:p>
+            <a:r>
+              <a:rPr lang="fr-FR" sz="3200"/>
+              <a:t>Organisation</a:t>
+            </a:r>
+          </a:p>
+        </p:txBody>
+      </p:sp>
+      <p:sp>
+        <p:nvSpPr>
+          <p:cNvPr id="23" name="Rectangle 22">
+            <a:extLst>
+              <a:ext uri="{FF2B5EF4-FFF2-40B4-BE49-F238E27FC236}">
+                <a16:creationId xmlns:a16="http://schemas.microsoft.com/office/drawing/2014/main" id="{441CF7D6-A660-431A-B0BB-140A0D5556B6}"/>
+              </a:ext>
+              <a:ext uri="{C183D7F6-B498-43B3-948B-1728B52AA6E4}">
+                <adec:decorative xmlns:adec="http://schemas.microsoft.com/office/drawing/2017/decorative" val="1"/>
+              </a:ext>
+            </a:extLst>
+          </p:cNvPr>
+          <p:cNvSpPr>
+            <a:spLocks noGrp="1" noRot="1" noChangeAspect="1" noMove="1" noResize="1" noEditPoints="1" noAdjustHandles="1" noChangeArrowheads="1" noChangeShapeType="1" noTextEdit="1"/>
+          </p:cNvSpPr>
+          <p:nvPr>
+            <p:extLst>
+              <p:ext uri="{386F3935-93C4-4BCD-93E2-E3B085C9AB24}">
+                <p16:designElem xmlns:p16="http://schemas.microsoft.com/office/powerpoint/2015/main" val="1"/>
+              </p:ext>
+            </p:extLst>
+          </p:nvPr>
+        </p:nvSpPr>
+        <p:spPr>
+          <a:xfrm>
+            <a:off x="490408" y="1057739"/>
+            <a:ext cx="128016" cy="704088"/>
+          </a:xfrm>
+          <a:prstGeom prst="rect">
+            <a:avLst/>
+          </a:prstGeom>
+          <a:solidFill>
+            <a:schemeClr val="accent2"/>
+          </a:solidFill>
+          <a:ln>
+            <a:noFill/>
+          </a:ln>
+        </p:spPr>
+        <p:style>
+          <a:lnRef idx="2">
+            <a:schemeClr val="accent1">
+              <a:shade val="50000"/>
+            </a:schemeClr>
+          </a:lnRef>
+          <a:fillRef idx="1">
+            <a:schemeClr val="accent1"/>
+          </a:fillRef>
+          <a:effectRef idx="0">
+            <a:schemeClr val="accent1"/>
+          </a:effectRef>
+          <a:fontRef idx="minor">
+            <a:schemeClr val="lt1"/>
+          </a:fontRef>
+        </p:style>
+        <p:txBody>
+          <a:bodyPr rtlCol="0" anchor="ctr"/>
+          <a:lstStyle/>
+          <a:p>
+            <a:pPr algn="ctr"/>
+            <a:endParaRPr lang="en-US" dirty="0">
+              <a:solidFill>
+                <a:prstClr val="white"/>
+              </a:solidFill>
+              <a:latin typeface="Calibri" panose="020F0502020204030204"/>
+            </a:endParaRPr>
+          </a:p>
+        </p:txBody>
+      </p:sp>
+      <p:sp>
+        <p:nvSpPr>
+          <p:cNvPr id="25" name="Rectangle 24">
+            <a:extLst>
+              <a:ext uri="{FF2B5EF4-FFF2-40B4-BE49-F238E27FC236}">
+                <a16:creationId xmlns:a16="http://schemas.microsoft.com/office/drawing/2014/main" id="{0570A85B-3810-4F95-97B0-CBF4CCDB381C}"/>
+              </a:ext>
+              <a:ext uri="{C183D7F6-B498-43B3-948B-1728B52AA6E4}">
+                <adec:decorative xmlns:adec="http://schemas.microsoft.com/office/drawing/2017/decorative" val="1"/>
+              </a:ext>
+            </a:extLst>
+          </p:cNvPr>
+          <p:cNvSpPr>
+            <a:spLocks noGrp="1" noRot="1" noChangeAspect="1" noMove="1" noResize="1" noEditPoints="1" noAdjustHandles="1" noChangeArrowheads="1" noChangeShapeType="1" noTextEdit="1"/>
+          </p:cNvSpPr>
+          <p:nvPr>
+            <p:extLst>
+              <p:ext uri="{386F3935-93C4-4BCD-93E2-E3B085C9AB24}">
+                <p16:designElem xmlns:p16="http://schemas.microsoft.com/office/powerpoint/2015/main" val="1"/>
+              </p:ext>
+            </p:extLst>
+          </p:nvPr>
+        </p:nvSpPr>
+        <p:spPr>
+          <a:xfrm rot="5400000">
+            <a:off x="4243541" y="1400638"/>
+            <a:ext cx="1463040" cy="18288"/>
+          </a:xfrm>
+          <a:prstGeom prst="rect">
+            <a:avLst/>
+          </a:prstGeom>
+          <a:solidFill>
+            <a:srgbClr val="D5D5D5"/>
+          </a:solidFill>
+          <a:ln w="3175">
+            <a:noFill/>
+          </a:ln>
+          <a:effectLst/>
+        </p:spPr>
+        <p:style>
+          <a:lnRef idx="2">
+            <a:schemeClr val="accent1">
+              <a:shade val="50000"/>
+            </a:schemeClr>
+          </a:lnRef>
+          <a:fillRef idx="1">
+            <a:schemeClr val="accent1"/>
+          </a:fillRef>
+          <a:effectRef idx="0">
+            <a:schemeClr val="accent1"/>
+          </a:effectRef>
+          <a:fontRef idx="minor">
+            <a:schemeClr val="lt1"/>
+          </a:fontRef>
+        </p:style>
+        <p:txBody>
+          <a:bodyPr rtlCol="0" anchor="ctr"/>
+          <a:lstStyle/>
+          <a:p>
+            <a:pPr algn="ctr"/>
+            <a:endParaRPr lang="en-US">
+              <a:solidFill>
+                <a:prstClr val="white"/>
+              </a:solidFill>
+              <a:latin typeface="Calibri" panose="020F0502020204030204"/>
+            </a:endParaRPr>
+          </a:p>
+        </p:txBody>
+      </p:sp>
+      <p:sp>
+        <p:nvSpPr>
+          <p:cNvPr id="16" name="Content Placeholder 15">
+            <a:extLst>
+              <a:ext uri="{FF2B5EF4-FFF2-40B4-BE49-F238E27FC236}">
+                <a16:creationId xmlns:a16="http://schemas.microsoft.com/office/drawing/2014/main" id="{D39F0E59-7945-2153-AF68-1A8C9F882EF2}"/>
+              </a:ext>
+            </a:extLst>
+          </p:cNvPr>
+          <p:cNvSpPr>
+            <a:spLocks noGrp="1"/>
+          </p:cNvSpPr>
+          <p:nvPr>
+            <p:ph idx="1"/>
+          </p:nvPr>
+        </p:nvSpPr>
+        <p:spPr>
+          <a:xfrm>
+            <a:off x="5351164" y="586822"/>
+            <a:ext cx="6002636" cy="1645920"/>
+          </a:xfrm>
+        </p:spPr>
+        <p:txBody>
+          <a:bodyPr anchor="ctr">
+            <a:normAutofit/>
+          </a:bodyPr>
+          <a:lstStyle/>
+          <a:p>
+            <a:pPr marL="0" indent="0">
+              <a:buNone/>
+            </a:pPr>
+            <a:r>
+              <a:rPr lang="en-US" sz="3600" dirty="0" err="1"/>
+              <a:t>Digramme</a:t>
+            </a:r>
+            <a:r>
+              <a:rPr lang="en-US" sz="3600" dirty="0"/>
+              <a:t> de GANT</a:t>
+            </a:r>
+          </a:p>
+        </p:txBody>
+      </p:sp>
+      <p:pic>
+        <p:nvPicPr>
+          <p:cNvPr id="4" name="Espace réservé du contenu 3" descr="Une image contenant ligne, texte, Tracé, Parallèle&#10;&#10;Description générée automatiquement">
+            <a:extLst>
+              <a:ext uri="{FF2B5EF4-FFF2-40B4-BE49-F238E27FC236}">
+                <a16:creationId xmlns:a16="http://schemas.microsoft.com/office/drawing/2014/main" id="{89A9CEFD-C870-ADA7-8FE7-6211F2F9212E}"/>
+              </a:ext>
+            </a:extLst>
+          </p:cNvPr>
+          <p:cNvPicPr>
+            <a:picLocks noChangeAspect="1"/>
+          </p:cNvPicPr>
+          <p:nvPr/>
+        </p:nvPicPr>
+        <p:blipFill>
+          <a:blip r:embed="rId2">
+            <a:extLst>
+              <a:ext uri="{28A0092B-C50C-407E-A947-70E740481C1C}">
+                <a14:useLocalDpi xmlns:a14="http://schemas.microsoft.com/office/drawing/2010/main" val="0"/>
+              </a:ext>
+            </a:extLst>
+          </a:blip>
+          <a:stretch>
+            <a:fillRect/>
+          </a:stretch>
+        </p:blipFill>
+        <p:spPr>
+          <a:xfrm>
+            <a:off x="557784" y="3401374"/>
+            <a:ext cx="11164824" cy="2149228"/>
+          </a:xfrm>
+          <a:prstGeom prst="rect">
+            <a:avLst/>
+          </a:prstGeom>
+        </p:spPr>
+      </p:pic>
+    </p:spTree>
+    <p:extLst>
+      <p:ext uri="{BB962C8B-B14F-4D97-AF65-F5344CB8AC3E}">
+        <p14:creationId xmlns:p14="http://schemas.microsoft.com/office/powerpoint/2010/main" val="3362696210"/>
+      </p:ext>
+    </p:extLst>
+  </p:cSld>
+  <p:clrMapOvr>
+    <a:masterClrMapping/>
+  </p:clrMapOvr>
+</p:sld>
+</file>
+
+<file path=ppt/slides/slide6.xml><?xml version="1.0" encoding="utf-8"?>
 <p:sld xmlns:a="http://schemas.openxmlformats.org/drawingml/2006/main" xmlns:r="http://schemas.openxmlformats.org/officeDocument/2006/relationships" xmlns:p="http://schemas.openxmlformats.org/presentationml/2006/main">
   <p:cSld>
     <p:bg>
@@ -18925,7 +21478,7 @@
             <p:ph idx="1"/>
             <p:extLst>
               <p:ext uri="{D42A27DB-BD31-4B8C-83A1-F6EECF244321}">
-                <p14:modId xmlns:p14="http://schemas.microsoft.com/office/powerpoint/2010/main" val="2924098798"/>
+                <p14:modId xmlns:p14="http://schemas.microsoft.com/office/powerpoint/2010/main" val="3961316213"/>
               </p:ext>
             </p:extLst>
           </p:nvPr>
@@ -18953,9 +21506,17 @@
 </p:sld>
 </file>
 
-<file path=ppt/slides/slide6.xml><?xml version="1.0" encoding="utf-8"?>
+<file path=ppt/slides/slide7.xml><?xml version="1.0" encoding="utf-8"?>
 <p:sld xmlns:a="http://schemas.openxmlformats.org/drawingml/2006/main" xmlns:r="http://schemas.openxmlformats.org/officeDocument/2006/relationships" xmlns:p="http://schemas.openxmlformats.org/presentationml/2006/main">
   <p:cSld>
+    <p:bg>
+      <p:bgPr>
+        <a:solidFill>
+          <a:schemeClr val="bg1"/>
+        </a:solidFill>
+        <a:effectLst/>
+      </p:bgPr>
+    </p:bg>
     <p:spTree>
       <p:nvGrpSpPr>
         <p:cNvPr id="1" name=""/>
@@ -18970,6 +21531,289 @@
           <a:chExt cx="0" cy="0"/>
         </a:xfrm>
       </p:grpSpPr>
+      <p:sp useBgFill="1">
+        <p:nvSpPr>
+          <p:cNvPr id="45" name="Rectangle 31">
+            <a:extLst>
+              <a:ext uri="{FF2B5EF4-FFF2-40B4-BE49-F238E27FC236}">
+                <a16:creationId xmlns:a16="http://schemas.microsoft.com/office/drawing/2014/main" id="{149FB5C3-7336-4FE0-A30C-CC0A3646D499}"/>
+              </a:ext>
+              <a:ext uri="{C183D7F6-B498-43B3-948B-1728B52AA6E4}">
+                <adec:decorative xmlns:adec="http://schemas.microsoft.com/office/drawing/2017/decorative" val="1"/>
+              </a:ext>
+            </a:extLst>
+          </p:cNvPr>
+          <p:cNvSpPr>
+            <a:spLocks noGrp="1" noRot="1" noChangeAspect="1" noMove="1" noResize="1" noEditPoints="1" noAdjustHandles="1" noChangeArrowheads="1" noChangeShapeType="1" noTextEdit="1"/>
+          </p:cNvSpPr>
+          <p:nvPr>
+            <p:extLst>
+              <p:ext uri="{386F3935-93C4-4BCD-93E2-E3B085C9AB24}">
+                <p16:designElem xmlns:p16="http://schemas.microsoft.com/office/powerpoint/2015/main" val="1"/>
+              </p:ext>
+            </p:extLst>
+          </p:nvPr>
+        </p:nvSpPr>
+        <p:spPr>
+          <a:xfrm>
+            <a:off x="0" y="0"/>
+            <a:ext cx="12191999" cy="6857365"/>
+          </a:xfrm>
+          <a:prstGeom prst="rect">
+            <a:avLst/>
+          </a:prstGeom>
+          <a:ln>
+            <a:noFill/>
+          </a:ln>
+        </p:spPr>
+        <p:style>
+          <a:lnRef idx="2">
+            <a:schemeClr val="accent1">
+              <a:shade val="50000"/>
+            </a:schemeClr>
+          </a:lnRef>
+          <a:fillRef idx="1">
+            <a:schemeClr val="accent1"/>
+          </a:fillRef>
+          <a:effectRef idx="0">
+            <a:schemeClr val="accent1"/>
+          </a:effectRef>
+          <a:fontRef idx="minor">
+            <a:schemeClr val="lt1"/>
+          </a:fontRef>
+        </p:style>
+        <p:txBody>
+          <a:bodyPr rtlCol="0" anchor="ctr"/>
+          <a:lstStyle/>
+          <a:p>
+            <a:pPr algn="ctr"/>
+            <a:endParaRPr lang="en-US"/>
+          </a:p>
+        </p:txBody>
+      </p:sp>
+      <p:grpSp>
+        <p:nvGrpSpPr>
+          <p:cNvPr id="34" name="Group 33">
+            <a:extLst>
+              <a:ext uri="{FF2B5EF4-FFF2-40B4-BE49-F238E27FC236}">
+                <a16:creationId xmlns:a16="http://schemas.microsoft.com/office/drawing/2014/main" id="{19A6B5CE-CB1D-48EE-8B43-E952235C8371}"/>
+              </a:ext>
+              <a:ext uri="{C183D7F6-B498-43B3-948B-1728B52AA6E4}">
+                <adec:decorative xmlns:adec="http://schemas.microsoft.com/office/drawing/2017/decorative" val="1"/>
+              </a:ext>
+            </a:extLst>
+          </p:cNvPr>
+          <p:cNvGrpSpPr>
+            <a:grpSpLocks noGrp="1" noUngrp="1" noRot="1" noChangeAspect="1" noMove="1" noResize="1"/>
+          </p:cNvGrpSpPr>
+          <p:nvPr>
+            <p:extLst>
+              <p:ext uri="{386F3935-93C4-4BCD-93E2-E3B085C9AB24}">
+                <p16:designElem xmlns:p16="http://schemas.microsoft.com/office/powerpoint/2015/main" val="1"/>
+              </p:ext>
+            </p:extLst>
+          </p:nvPr>
+        </p:nvGrpSpPr>
+        <p:grpSpPr>
+          <a:xfrm rot="5400000">
+            <a:off x="-2340441" y="2666183"/>
+            <a:ext cx="5860051" cy="527712"/>
+            <a:chOff x="6081624" y="1998368"/>
+            <a:chExt cx="5613457" cy="782175"/>
+          </a:xfrm>
+          <a:solidFill>
+            <a:schemeClr val="accent4"/>
+          </a:solidFill>
+        </p:grpSpPr>
+        <p:sp>
+          <p:nvSpPr>
+            <p:cNvPr id="46" name="Rectangle 34">
+              <a:extLst>
+                <a:ext uri="{FF2B5EF4-FFF2-40B4-BE49-F238E27FC236}">
+                  <a16:creationId xmlns:a16="http://schemas.microsoft.com/office/drawing/2014/main" id="{E3F3EAA5-4E15-400B-BBA3-82B3F49A2178}"/>
+                </a:ext>
+                <a:ext uri="{C183D7F6-B498-43B3-948B-1728B52AA6E4}">
+                  <adec:decorative xmlns:adec="http://schemas.microsoft.com/office/drawing/2017/decorative" val="1"/>
+                </a:ext>
+              </a:extLst>
+            </p:cNvPr>
+            <p:cNvSpPr/>
+            <p:nvPr>
+              <p:extLst>
+                <p:ext uri="{386F3935-93C4-4BCD-93E2-E3B085C9AB24}">
+                  <p16:designElem xmlns:p16="http://schemas.microsoft.com/office/powerpoint/2015/main" val="1"/>
+                </p:ext>
+              </p:extLst>
+            </p:nvPr>
+          </p:nvSpPr>
+          <p:spPr>
+            <a:xfrm rot="5400000">
+              <a:off x="11228040" y="2313027"/>
+              <a:ext cx="781700" cy="152382"/>
+            </a:xfrm>
+            <a:prstGeom prst="rect">
+              <a:avLst/>
+            </a:prstGeom>
+            <a:grpFill/>
+            <a:ln>
+              <a:noFill/>
+            </a:ln>
+          </p:spPr>
+          <p:style>
+            <a:lnRef idx="2">
+              <a:schemeClr val="accent1">
+                <a:shade val="50000"/>
+              </a:schemeClr>
+            </a:lnRef>
+            <a:fillRef idx="1">
+              <a:schemeClr val="accent1"/>
+            </a:fillRef>
+            <a:effectRef idx="0">
+              <a:schemeClr val="accent1"/>
+            </a:effectRef>
+            <a:fontRef idx="minor">
+              <a:schemeClr val="lt1"/>
+            </a:fontRef>
+          </p:style>
+          <p:txBody>
+            <a:bodyPr rtlCol="0" anchor="ctr"/>
+            <a:lstStyle/>
+            <a:p>
+              <a:pPr algn="ctr"/>
+              <a:endParaRPr lang="en-US"/>
+            </a:p>
+          </p:txBody>
+        </p:sp>
+        <p:sp>
+          <p:nvSpPr>
+            <p:cNvPr id="47" name="Rectangle 35">
+              <a:extLst>
+                <a:ext uri="{FF2B5EF4-FFF2-40B4-BE49-F238E27FC236}">
+                  <a16:creationId xmlns:a16="http://schemas.microsoft.com/office/drawing/2014/main" id="{72BA2E40-BE9B-4C54-9CDD-40EE804CCE64}"/>
+                </a:ext>
+                <a:ext uri="{C183D7F6-B498-43B3-948B-1728B52AA6E4}">
+                  <adec:decorative xmlns:adec="http://schemas.microsoft.com/office/drawing/2017/decorative" val="1"/>
+                </a:ext>
+              </a:extLst>
+            </p:cNvPr>
+            <p:cNvSpPr/>
+            <p:nvPr>
+              <p:extLst>
+                <p:ext uri="{386F3935-93C4-4BCD-93E2-E3B085C9AB24}">
+                  <p16:designElem xmlns:p16="http://schemas.microsoft.com/office/powerpoint/2015/main" val="1"/>
+                </p:ext>
+              </p:extLst>
+            </p:nvPr>
+          </p:nvSpPr>
+          <p:spPr>
+            <a:xfrm flipH="1" flipV="1">
+              <a:off x="6081624" y="1998844"/>
+              <a:ext cx="5372968" cy="781699"/>
+            </a:xfrm>
+            <a:prstGeom prst="rect">
+              <a:avLst/>
+            </a:prstGeom>
+            <a:grpFill/>
+            <a:ln>
+              <a:noFill/>
+            </a:ln>
+          </p:spPr>
+          <p:style>
+            <a:lnRef idx="2">
+              <a:schemeClr val="accent1">
+                <a:shade val="50000"/>
+              </a:schemeClr>
+            </a:lnRef>
+            <a:fillRef idx="1">
+              <a:schemeClr val="accent1"/>
+            </a:fillRef>
+            <a:effectRef idx="0">
+              <a:schemeClr val="accent1"/>
+            </a:effectRef>
+            <a:fontRef idx="minor">
+              <a:schemeClr val="lt1"/>
+            </a:fontRef>
+          </p:style>
+          <p:txBody>
+            <a:bodyPr rtlCol="0" anchor="ctr"/>
+            <a:lstStyle/>
+            <a:p>
+              <a:pPr algn="ctr"/>
+              <a:endParaRPr lang="en-US"/>
+            </a:p>
+          </p:txBody>
+        </p:sp>
+      </p:grpSp>
+      <p:sp>
+        <p:nvSpPr>
+          <p:cNvPr id="48" name="Rectangle 37">
+            <a:extLst>
+              <a:ext uri="{FF2B5EF4-FFF2-40B4-BE49-F238E27FC236}">
+                <a16:creationId xmlns:a16="http://schemas.microsoft.com/office/drawing/2014/main" id="{0DA909B4-15FF-46A6-8A7F-7AEF977FE9ED}"/>
+              </a:ext>
+              <a:ext uri="{C183D7F6-B498-43B3-948B-1728B52AA6E4}">
+                <adec:decorative xmlns:adec="http://schemas.microsoft.com/office/drawing/2017/decorative" val="1"/>
+              </a:ext>
+            </a:extLst>
+          </p:cNvPr>
+          <p:cNvSpPr>
+            <a:spLocks noGrp="1" noRot="1" noChangeAspect="1" noMove="1" noResize="1" noEditPoints="1" noAdjustHandles="1" noChangeArrowheads="1" noChangeShapeType="1" noTextEdit="1"/>
+          </p:cNvSpPr>
+          <p:nvPr>
+            <p:extLst>
+              <p:ext uri="{386F3935-93C4-4BCD-93E2-E3B085C9AB24}">
+                <p16:designElem xmlns:p16="http://schemas.microsoft.com/office/powerpoint/2015/main" val="1"/>
+              </p:ext>
+            </p:extLst>
+          </p:nvPr>
+        </p:nvSpPr>
+        <p:spPr>
+          <a:xfrm>
+            <a:off x="579528" y="517897"/>
+            <a:ext cx="11111729" cy="5857966"/>
+          </a:xfrm>
+          <a:prstGeom prst="rect">
+            <a:avLst/>
+          </a:prstGeom>
+          <a:solidFill>
+            <a:schemeClr val="bg1"/>
+          </a:solidFill>
+          <a:ln>
+            <a:noFill/>
+          </a:ln>
+          <a:effectLst>
+            <a:outerShdw blurRad="139700" dist="127000" dir="5400000" algn="t" rotWithShape="0">
+              <a:prstClr val="black">
+                <a:alpha val="15000"/>
+              </a:prstClr>
+            </a:outerShdw>
+          </a:effectLst>
+        </p:spPr>
+        <p:style>
+          <a:lnRef idx="2">
+            <a:schemeClr val="accent1">
+              <a:shade val="50000"/>
+            </a:schemeClr>
+          </a:lnRef>
+          <a:fillRef idx="1">
+            <a:schemeClr val="accent1"/>
+          </a:fillRef>
+          <a:effectRef idx="0">
+            <a:schemeClr val="accent1"/>
+          </a:effectRef>
+          <a:fontRef idx="minor">
+            <a:schemeClr val="lt1"/>
+          </a:fontRef>
+        </p:style>
+        <p:txBody>
+          <a:bodyPr rtlCol="0" anchor="ctr"/>
+          <a:lstStyle/>
+          <a:p>
+            <a:pPr algn="ctr"/>
+            <a:endParaRPr lang="en-US"/>
+          </a:p>
+        </p:txBody>
+      </p:sp>
       <p:sp>
         <p:nvSpPr>
           <p:cNvPr id="2" name="Titre 1">
@@ -18986,53 +21830,85 @@
             <p:ph type="title"/>
           </p:nvPr>
         </p:nvSpPr>
-        <p:spPr/>
+        <p:spPr>
+          <a:xfrm>
+            <a:off x="1057025" y="922644"/>
+            <a:ext cx="5040285" cy="1169585"/>
+          </a:xfrm>
+        </p:spPr>
         <p:txBody>
-          <a:bodyPr/>
+          <a:bodyPr vert="horz" lIns="91440" tIns="45720" rIns="91440" bIns="45720" rtlCol="0" anchor="b">
+            <a:normAutofit/>
+          </a:bodyPr>
           <a:lstStyle/>
           <a:p>
             <a:r>
-              <a:rPr lang="fr-FR" dirty="0"/>
+              <a:rPr lang="en-US" sz="4000"/>
               <a:t>Conception</a:t>
             </a:r>
-            <a:endParaRPr lang="en-GB" dirty="0"/>
           </a:p>
         </p:txBody>
       </p:sp>
       <p:sp>
         <p:nvSpPr>
-          <p:cNvPr id="3" name="Espace réservé du contenu 2">
+          <p:cNvPr id="49" name="Rectangle 39">
             <a:extLst>
               <a:ext uri="{FF2B5EF4-FFF2-40B4-BE49-F238E27FC236}">
-                <a16:creationId xmlns:a16="http://schemas.microsoft.com/office/drawing/2014/main" id="{F164FEE1-EC24-6B35-57DA-3ADFA47971B2}"/>
+                <a16:creationId xmlns:a16="http://schemas.microsoft.com/office/drawing/2014/main" id="{1382A32C-5B0C-4B1C-A074-76C6DBCC9F87}"/>
+              </a:ext>
+              <a:ext uri="{C183D7F6-B498-43B3-948B-1728B52AA6E4}">
+                <adec:decorative xmlns:adec="http://schemas.microsoft.com/office/drawing/2017/decorative" val="1"/>
               </a:ext>
             </a:extLst>
           </p:cNvPr>
           <p:cNvSpPr>
-            <a:spLocks noGrp="1"/>
+            <a:spLocks noGrp="1" noRot="1" noChangeAspect="1" noMove="1" noResize="1" noEditPoints="1" noAdjustHandles="1" noChangeArrowheads="1" noChangeShapeType="1" noTextEdit="1"/>
           </p:cNvSpPr>
           <p:nvPr>
-            <p:ph idx="1"/>
+            <p:extLst>
+              <p:ext uri="{386F3935-93C4-4BCD-93E2-E3B085C9AB24}">
+                <p16:designElem xmlns:p16="http://schemas.microsoft.com/office/powerpoint/2015/main" val="1"/>
+              </p:ext>
+            </p:extLst>
           </p:nvPr>
         </p:nvSpPr>
         <p:spPr>
-          <a:xfrm>
-            <a:off x="6531989" y="1690688"/>
-            <a:ext cx="5044126" cy="4351338"/>
+          <a:xfrm flipH="1">
+            <a:off x="1055714" y="2263365"/>
+            <a:ext cx="4937760" cy="27432"/>
           </a:xfrm>
+          <a:prstGeom prst="rect">
+            <a:avLst/>
+          </a:prstGeom>
+          <a:solidFill>
+            <a:schemeClr val="accent4"/>
+          </a:solidFill>
+          <a:ln>
+            <a:noFill/>
+          </a:ln>
         </p:spPr>
+        <p:style>
+          <a:lnRef idx="2">
+            <a:schemeClr val="accent1">
+              <a:shade val="50000"/>
+            </a:schemeClr>
+          </a:lnRef>
+          <a:fillRef idx="1">
+            <a:schemeClr val="accent1"/>
+          </a:fillRef>
+          <a:effectRef idx="0">
+            <a:schemeClr val="accent1"/>
+          </a:effectRef>
+          <a:fontRef idx="minor">
+            <a:schemeClr val="lt1"/>
+          </a:fontRef>
+        </p:style>
         <p:txBody>
-          <a:bodyPr/>
+          <a:bodyPr rtlCol="0" anchor="ctr"/>
           <a:lstStyle/>
           <a:p>
-            <a:pPr marL="0" indent="0">
-              <a:buNone/>
-            </a:pPr>
-            <a:r>
-              <a:rPr lang="fr-FR" dirty="0"/>
-              <a:t>MLD</a:t>
-            </a:r>
-            <a:endParaRPr lang="en-GB" dirty="0"/>
+            <a:pPr algn="ctr"/>
+            <a:endParaRPr lang="en-US"/>
           </a:p>
         </p:txBody>
       </p:sp>
@@ -19052,15 +21928,15 @@
         </p:nvSpPr>
         <p:spPr>
           <a:xfrm>
-            <a:off x="990600" y="1978025"/>
-            <a:ext cx="5044126" cy="4351338"/>
+            <a:off x="1169014" y="4083797"/>
+            <a:ext cx="5040285" cy="966813"/>
           </a:xfrm>
           <a:prstGeom prst="rect">
             <a:avLst/>
           </a:prstGeom>
         </p:spPr>
         <p:txBody>
-          <a:bodyPr vert="horz" lIns="91440" tIns="45720" rIns="91440" bIns="45720" rtlCol="0">
+          <a:bodyPr vert="horz" lIns="91440" tIns="45720" rIns="91440" bIns="45720" rtlCol="0" anchor="ctr">
             <a:normAutofit/>
           </a:bodyPr>
           <a:lstStyle>
@@ -19229,14 +22105,286 @@
           </a:lstStyle>
           <a:p>
             <a:pPr marL="0" indent="0">
-              <a:buFont typeface="Arial" panose="020B0604020202020204" pitchFamily="34" charset="0"/>
               <a:buNone/>
             </a:pPr>
             <a:r>
-              <a:rPr lang="fr-FR"/>
+              <a:rPr lang="en-US" sz="4000" dirty="0"/>
               <a:t>MCD</a:t>
             </a:r>
-            <a:endParaRPr lang="en-GB" dirty="0"/>
+          </a:p>
+        </p:txBody>
+      </p:sp>
+      <p:pic>
+        <p:nvPicPr>
+          <p:cNvPr id="8" name="Image 7" descr="Une image contenant texte, diagramme, capture d’écran, Parallèle&#10;&#10;Description générée automatiquement">
+            <a:extLst>
+              <a:ext uri="{FF2B5EF4-FFF2-40B4-BE49-F238E27FC236}">
+                <a16:creationId xmlns:a16="http://schemas.microsoft.com/office/drawing/2014/main" id="{A0B32D54-EF5A-B0C7-CBC2-7A9614FF343D}"/>
+              </a:ext>
+            </a:extLst>
+          </p:cNvPr>
+          <p:cNvPicPr>
+            <a:picLocks noChangeAspect="1"/>
+          </p:cNvPicPr>
+          <p:nvPr/>
+        </p:nvPicPr>
+        <p:blipFill>
+          <a:blip r:embed="rId2">
+            <a:extLst>
+              <a:ext uri="{28A0092B-C50C-407E-A947-70E740481C1C}">
+                <a14:useLocalDpi xmlns:a14="http://schemas.microsoft.com/office/drawing/2010/main" val="0"/>
+              </a:ext>
+            </a:extLst>
+          </a:blip>
+          <a:stretch>
+            <a:fillRect/>
+          </a:stretch>
+        </p:blipFill>
+        <p:spPr>
+          <a:xfrm>
+            <a:off x="6946667" y="857864"/>
+            <a:ext cx="4389120" cy="2414015"/>
+          </a:xfrm>
+          <a:prstGeom prst="rect">
+            <a:avLst/>
+          </a:prstGeom>
+        </p:spPr>
+      </p:pic>
+      <p:pic>
+        <p:nvPicPr>
+          <p:cNvPr id="6" name="Image 5" descr="Une image contenant texte, capture d’écran, Police, diagramme&#10;&#10;Description générée automatiquement">
+            <a:extLst>
+              <a:ext uri="{FF2B5EF4-FFF2-40B4-BE49-F238E27FC236}">
+                <a16:creationId xmlns:a16="http://schemas.microsoft.com/office/drawing/2014/main" id="{9E5CD660-CB2A-AB82-7505-1271E8C11D43}"/>
+              </a:ext>
+            </a:extLst>
+          </p:cNvPr>
+          <p:cNvPicPr>
+            <a:picLocks noChangeAspect="1"/>
+          </p:cNvPicPr>
+          <p:nvPr/>
+        </p:nvPicPr>
+        <p:blipFill>
+          <a:blip r:embed="rId3">
+            <a:extLst>
+              <a:ext uri="{28A0092B-C50C-407E-A947-70E740481C1C}">
+                <a14:useLocalDpi xmlns:a14="http://schemas.microsoft.com/office/drawing/2010/main" val="0"/>
+              </a:ext>
+            </a:extLst>
+          </a:blip>
+          <a:stretch>
+            <a:fillRect/>
+          </a:stretch>
+        </p:blipFill>
+        <p:spPr>
+          <a:xfrm>
+            <a:off x="6946667" y="3795813"/>
+            <a:ext cx="4389120" cy="2139695"/>
+          </a:xfrm>
+          <a:prstGeom prst="rect">
+            <a:avLst/>
+          </a:prstGeom>
+        </p:spPr>
+      </p:pic>
+      <p:sp>
+        <p:nvSpPr>
+          <p:cNvPr id="11" name="Espace réservé du contenu 2">
+            <a:extLst>
+              <a:ext uri="{FF2B5EF4-FFF2-40B4-BE49-F238E27FC236}">
+                <a16:creationId xmlns:a16="http://schemas.microsoft.com/office/drawing/2014/main" id="{3F5C287E-1F77-E25C-0B26-A2E00B7B9F96}"/>
+              </a:ext>
+            </a:extLst>
+          </p:cNvPr>
+          <p:cNvSpPr txBox="1">
+            <a:spLocks/>
+          </p:cNvSpPr>
+          <p:nvPr/>
+        </p:nvSpPr>
+        <p:spPr>
+          <a:xfrm>
+            <a:off x="1169015" y="2684541"/>
+            <a:ext cx="5040285" cy="966813"/>
+          </a:xfrm>
+          <a:prstGeom prst="rect">
+            <a:avLst/>
+          </a:prstGeom>
+        </p:spPr>
+        <p:txBody>
+          <a:bodyPr vert="horz" lIns="91440" tIns="45720" rIns="91440" bIns="45720" rtlCol="0" anchor="ctr">
+            <a:normAutofit/>
+          </a:bodyPr>
+          <a:lstStyle>
+            <a:lvl1pPr marL="228600" indent="-228600" algn="l" defTabSz="914400" rtl="0" eaLnBrk="1" latinLnBrk="0" hangingPunct="1">
+              <a:lnSpc>
+                <a:spcPct val="90000"/>
+              </a:lnSpc>
+              <a:spcBef>
+                <a:spcPts val="1000"/>
+              </a:spcBef>
+              <a:buFont typeface="Arial" panose="020B0604020202020204" pitchFamily="34" charset="0"/>
+              <a:buChar char="•"/>
+              <a:defRPr sz="2800" kern="1200">
+                <a:solidFill>
+                  <a:schemeClr val="tx1"/>
+                </a:solidFill>
+                <a:latin typeface="+mn-lt"/>
+                <a:ea typeface="+mn-ea"/>
+                <a:cs typeface="+mn-cs"/>
+              </a:defRPr>
+            </a:lvl1pPr>
+            <a:lvl2pPr marL="685800" indent="-228600" algn="l" defTabSz="914400" rtl="0" eaLnBrk="1" latinLnBrk="0" hangingPunct="1">
+              <a:lnSpc>
+                <a:spcPct val="90000"/>
+              </a:lnSpc>
+              <a:spcBef>
+                <a:spcPts val="500"/>
+              </a:spcBef>
+              <a:buFont typeface="Arial" panose="020B0604020202020204" pitchFamily="34" charset="0"/>
+              <a:buChar char="•"/>
+              <a:defRPr sz="2400" kern="1200">
+                <a:solidFill>
+                  <a:schemeClr val="tx1"/>
+                </a:solidFill>
+                <a:latin typeface="+mn-lt"/>
+                <a:ea typeface="+mn-ea"/>
+                <a:cs typeface="+mn-cs"/>
+              </a:defRPr>
+            </a:lvl2pPr>
+            <a:lvl3pPr marL="1143000" indent="-228600" algn="l" defTabSz="914400" rtl="0" eaLnBrk="1" latinLnBrk="0" hangingPunct="1">
+              <a:lnSpc>
+                <a:spcPct val="90000"/>
+              </a:lnSpc>
+              <a:spcBef>
+                <a:spcPts val="500"/>
+              </a:spcBef>
+              <a:buFont typeface="Arial" panose="020B0604020202020204" pitchFamily="34" charset="0"/>
+              <a:buChar char="•"/>
+              <a:defRPr sz="2000" kern="1200">
+                <a:solidFill>
+                  <a:schemeClr val="tx1"/>
+                </a:solidFill>
+                <a:latin typeface="+mn-lt"/>
+                <a:ea typeface="+mn-ea"/>
+                <a:cs typeface="+mn-cs"/>
+              </a:defRPr>
+            </a:lvl3pPr>
+            <a:lvl4pPr marL="1600200" indent="-228600" algn="l" defTabSz="914400" rtl="0" eaLnBrk="1" latinLnBrk="0" hangingPunct="1">
+              <a:lnSpc>
+                <a:spcPct val="90000"/>
+              </a:lnSpc>
+              <a:spcBef>
+                <a:spcPts val="500"/>
+              </a:spcBef>
+              <a:buFont typeface="Arial" panose="020B0604020202020204" pitchFamily="34" charset="0"/>
+              <a:buChar char="•"/>
+              <a:defRPr sz="1800" kern="1200">
+                <a:solidFill>
+                  <a:schemeClr val="tx1"/>
+                </a:solidFill>
+                <a:latin typeface="+mn-lt"/>
+                <a:ea typeface="+mn-ea"/>
+                <a:cs typeface="+mn-cs"/>
+              </a:defRPr>
+            </a:lvl4pPr>
+            <a:lvl5pPr marL="2057400" indent="-228600" algn="l" defTabSz="914400" rtl="0" eaLnBrk="1" latinLnBrk="0" hangingPunct="1">
+              <a:lnSpc>
+                <a:spcPct val="90000"/>
+              </a:lnSpc>
+              <a:spcBef>
+                <a:spcPts val="500"/>
+              </a:spcBef>
+              <a:buFont typeface="Arial" panose="020B0604020202020204" pitchFamily="34" charset="0"/>
+              <a:buChar char="•"/>
+              <a:defRPr sz="1800" kern="1200">
+                <a:solidFill>
+                  <a:schemeClr val="tx1"/>
+                </a:solidFill>
+                <a:latin typeface="+mn-lt"/>
+                <a:ea typeface="+mn-ea"/>
+                <a:cs typeface="+mn-cs"/>
+              </a:defRPr>
+            </a:lvl5pPr>
+            <a:lvl6pPr marL="2514600" indent="-228600" algn="l" defTabSz="914400" rtl="0" eaLnBrk="1" latinLnBrk="0" hangingPunct="1">
+              <a:lnSpc>
+                <a:spcPct val="90000"/>
+              </a:lnSpc>
+              <a:spcBef>
+                <a:spcPts val="500"/>
+              </a:spcBef>
+              <a:buFont typeface="Arial" panose="020B0604020202020204" pitchFamily="34" charset="0"/>
+              <a:buChar char="•"/>
+              <a:defRPr sz="1800" kern="1200">
+                <a:solidFill>
+                  <a:schemeClr val="tx1"/>
+                </a:solidFill>
+                <a:latin typeface="+mn-lt"/>
+                <a:ea typeface="+mn-ea"/>
+                <a:cs typeface="+mn-cs"/>
+              </a:defRPr>
+            </a:lvl6pPr>
+            <a:lvl7pPr marL="2971800" indent="-228600" algn="l" defTabSz="914400" rtl="0" eaLnBrk="1" latinLnBrk="0" hangingPunct="1">
+              <a:lnSpc>
+                <a:spcPct val="90000"/>
+              </a:lnSpc>
+              <a:spcBef>
+                <a:spcPts val="500"/>
+              </a:spcBef>
+              <a:buFont typeface="Arial" panose="020B0604020202020204" pitchFamily="34" charset="0"/>
+              <a:buChar char="•"/>
+              <a:defRPr sz="1800" kern="1200">
+                <a:solidFill>
+                  <a:schemeClr val="tx1"/>
+                </a:solidFill>
+                <a:latin typeface="+mn-lt"/>
+                <a:ea typeface="+mn-ea"/>
+                <a:cs typeface="+mn-cs"/>
+              </a:defRPr>
+            </a:lvl7pPr>
+            <a:lvl8pPr marL="3429000" indent="-228600" algn="l" defTabSz="914400" rtl="0" eaLnBrk="1" latinLnBrk="0" hangingPunct="1">
+              <a:lnSpc>
+                <a:spcPct val="90000"/>
+              </a:lnSpc>
+              <a:spcBef>
+                <a:spcPts val="500"/>
+              </a:spcBef>
+              <a:buFont typeface="Arial" panose="020B0604020202020204" pitchFamily="34" charset="0"/>
+              <a:buChar char="•"/>
+              <a:defRPr sz="1800" kern="1200">
+                <a:solidFill>
+                  <a:schemeClr val="tx1"/>
+                </a:solidFill>
+                <a:latin typeface="+mn-lt"/>
+                <a:ea typeface="+mn-ea"/>
+                <a:cs typeface="+mn-cs"/>
+              </a:defRPr>
+            </a:lvl8pPr>
+            <a:lvl9pPr marL="3886200" indent="-228600" algn="l" defTabSz="914400" rtl="0" eaLnBrk="1" latinLnBrk="0" hangingPunct="1">
+              <a:lnSpc>
+                <a:spcPct val="90000"/>
+              </a:lnSpc>
+              <a:spcBef>
+                <a:spcPts val="500"/>
+              </a:spcBef>
+              <a:buFont typeface="Arial" panose="020B0604020202020204" pitchFamily="34" charset="0"/>
+              <a:buChar char="•"/>
+              <a:defRPr sz="1800" kern="1200">
+                <a:solidFill>
+                  <a:schemeClr val="tx1"/>
+                </a:solidFill>
+                <a:latin typeface="+mn-lt"/>
+                <a:ea typeface="+mn-ea"/>
+                <a:cs typeface="+mn-cs"/>
+              </a:defRPr>
+            </a:lvl9pPr>
+          </a:lstStyle>
+          <a:p>
+            <a:pPr marL="0" indent="0">
+              <a:buNone/>
+            </a:pPr>
+            <a:r>
+              <a:rPr lang="en-US" sz="3600" dirty="0"/>
+              <a:t>MLD</a:t>
+            </a:r>
           </a:p>
         </p:txBody>
       </p:sp>
@@ -19253,9 +22401,17 @@
 </p:sld>
 </file>
 
-<file path=ppt/slides/slide7.xml><?xml version="1.0" encoding="utf-8"?>
+<file path=ppt/slides/slide8.xml><?xml version="1.0" encoding="utf-8"?>
 <p:sld xmlns:a="http://schemas.openxmlformats.org/drawingml/2006/main" xmlns:r="http://schemas.openxmlformats.org/officeDocument/2006/relationships" xmlns:p="http://schemas.openxmlformats.org/presentationml/2006/main">
   <p:cSld>
+    <p:bg>
+      <p:bgPr>
+        <a:solidFill>
+          <a:schemeClr val="bg1"/>
+        </a:solidFill>
+        <a:effectLst/>
+      </p:bgPr>
+    </p:bg>
     <p:spTree>
       <p:nvGrpSpPr>
         <p:cNvPr id="1" name=""/>
@@ -19270,6 +22426,66 @@
           <a:chExt cx="0" cy="0"/>
         </a:xfrm>
       </p:grpSpPr>
+      <p:sp useBgFill="1">
+        <p:nvSpPr>
+          <p:cNvPr id="36" name="Rectangle 25">
+            <a:extLst>
+              <a:ext uri="{FF2B5EF4-FFF2-40B4-BE49-F238E27FC236}">
+                <a16:creationId xmlns:a16="http://schemas.microsoft.com/office/drawing/2014/main" id="{F13C74B1-5B17-4795-BED0-7140497B445A}"/>
+              </a:ext>
+              <a:ext uri="{C183D7F6-B498-43B3-948B-1728B52AA6E4}">
+                <adec:decorative xmlns:adec="http://schemas.microsoft.com/office/drawing/2017/decorative" val="1"/>
+              </a:ext>
+            </a:extLst>
+          </p:cNvPr>
+          <p:cNvSpPr>
+            <a:spLocks noGrp="1" noRot="1" noChangeAspect="1" noMove="1" noResize="1" noEditPoints="1" noAdjustHandles="1" noChangeArrowheads="1" noChangeShapeType="1" noTextEdit="1"/>
+          </p:cNvSpPr>
+          <p:nvPr>
+            <p:extLst>
+              <p:ext uri="{386F3935-93C4-4BCD-93E2-E3B085C9AB24}">
+                <p16:designElem xmlns:p16="http://schemas.microsoft.com/office/powerpoint/2015/main" val="1"/>
+              </p:ext>
+            </p:extLst>
+          </p:nvPr>
+        </p:nvSpPr>
+        <p:spPr>
+          <a:xfrm>
+            <a:off x="0" y="0"/>
+            <a:ext cx="12188952" cy="6858000"/>
+          </a:xfrm>
+          <a:prstGeom prst="rect">
+            <a:avLst/>
+          </a:prstGeom>
+          <a:ln>
+            <a:noFill/>
+          </a:ln>
+        </p:spPr>
+        <p:style>
+          <a:lnRef idx="2">
+            <a:schemeClr val="accent1">
+              <a:shade val="50000"/>
+            </a:schemeClr>
+          </a:lnRef>
+          <a:fillRef idx="1">
+            <a:schemeClr val="accent1"/>
+          </a:fillRef>
+          <a:effectRef idx="0">
+            <a:schemeClr val="accent1"/>
+          </a:effectRef>
+          <a:fontRef idx="minor">
+            <a:schemeClr val="lt1"/>
+          </a:fontRef>
+        </p:style>
+        <p:txBody>
+          <a:bodyPr rtlCol="0" anchor="ctr"/>
+          <a:lstStyle/>
+          <a:p>
+            <a:pPr algn="ctr"/>
+            <a:endParaRPr lang="en-US"/>
+          </a:p>
+        </p:txBody>
+      </p:sp>
       <p:sp>
         <p:nvSpPr>
           <p:cNvPr id="2" name="Titre 1">
@@ -19286,25 +22502,315 @@
             <p:ph type="title"/>
           </p:nvPr>
         </p:nvSpPr>
-        <p:spPr/>
+        <p:spPr>
+          <a:xfrm>
+            <a:off x="640080" y="325369"/>
+            <a:ext cx="4368602" cy="1956841"/>
+          </a:xfrm>
+        </p:spPr>
         <p:txBody>
-          <a:bodyPr/>
+          <a:bodyPr anchor="b">
+            <a:normAutofit/>
+          </a:bodyPr>
           <a:lstStyle/>
           <a:p>
             <a:r>
-              <a:rPr lang="fr-FR" dirty="0"/>
+              <a:rPr lang="fr-FR" sz="5000" dirty="0"/>
               <a:t>Développement</a:t>
             </a:r>
-            <a:endParaRPr lang="en-GB" dirty="0"/>
+            <a:endParaRPr lang="en-GB" sz="5000" dirty="0"/>
           </a:p>
         </p:txBody>
       </p:sp>
       <p:sp>
         <p:nvSpPr>
-          <p:cNvPr id="3" name="Espace réservé du contenu 2">
+          <p:cNvPr id="37" name="sketchy line">
             <a:extLst>
               <a:ext uri="{FF2B5EF4-FFF2-40B4-BE49-F238E27FC236}">
-                <a16:creationId xmlns:a16="http://schemas.microsoft.com/office/drawing/2014/main" id="{43987A32-7E6B-264F-487B-C0C07B600E84}"/>
+                <a16:creationId xmlns:a16="http://schemas.microsoft.com/office/drawing/2014/main" id="{D4974D33-8DC5-464E-8C6D-BE58F0669C17}"/>
+              </a:ext>
+              <a:ext uri="{C183D7F6-B498-43B3-948B-1728B52AA6E4}">
+                <adec:decorative xmlns:adec="http://schemas.microsoft.com/office/drawing/2017/decorative" val="1"/>
+              </a:ext>
+            </a:extLst>
+          </p:cNvPr>
+          <p:cNvSpPr>
+            <a:spLocks noGrp="1" noRot="1" noChangeAspect="1" noMove="1" noResize="1" noEditPoints="1" noAdjustHandles="1" noChangeArrowheads="1" noChangeShapeType="1" noTextEdit="1"/>
+          </p:cNvSpPr>
+          <p:nvPr>
+            <p:extLst>
+              <p:ext uri="{386F3935-93C4-4BCD-93E2-E3B085C9AB24}">
+                <p16:designElem xmlns:p16="http://schemas.microsoft.com/office/powerpoint/2015/main" val="1"/>
+              </p:ext>
+            </p:extLst>
+          </p:nvPr>
+        </p:nvSpPr>
+        <p:spPr>
+          <a:xfrm>
+            <a:off x="640080" y="2586994"/>
+            <a:ext cx="3474720" cy="18288"/>
+          </a:xfrm>
+          <a:custGeom>
+            <a:avLst/>
+            <a:gdLst>
+              <a:gd name="connsiteX0" fmla="*/ 0 w 3474720"/>
+              <a:gd name="connsiteY0" fmla="*/ 0 h 18288"/>
+              <a:gd name="connsiteX1" fmla="*/ 694944 w 3474720"/>
+              <a:gd name="connsiteY1" fmla="*/ 0 h 18288"/>
+              <a:gd name="connsiteX2" fmla="*/ 1355141 w 3474720"/>
+              <a:gd name="connsiteY2" fmla="*/ 0 h 18288"/>
+              <a:gd name="connsiteX3" fmla="*/ 2015338 w 3474720"/>
+              <a:gd name="connsiteY3" fmla="*/ 0 h 18288"/>
+              <a:gd name="connsiteX4" fmla="*/ 2779776 w 3474720"/>
+              <a:gd name="connsiteY4" fmla="*/ 0 h 18288"/>
+              <a:gd name="connsiteX5" fmla="*/ 3474720 w 3474720"/>
+              <a:gd name="connsiteY5" fmla="*/ 0 h 18288"/>
+              <a:gd name="connsiteX6" fmla="*/ 3474720 w 3474720"/>
+              <a:gd name="connsiteY6" fmla="*/ 18288 h 18288"/>
+              <a:gd name="connsiteX7" fmla="*/ 2779776 w 3474720"/>
+              <a:gd name="connsiteY7" fmla="*/ 18288 h 18288"/>
+              <a:gd name="connsiteX8" fmla="*/ 2189074 w 3474720"/>
+              <a:gd name="connsiteY8" fmla="*/ 18288 h 18288"/>
+              <a:gd name="connsiteX9" fmla="*/ 1528877 w 3474720"/>
+              <a:gd name="connsiteY9" fmla="*/ 18288 h 18288"/>
+              <a:gd name="connsiteX10" fmla="*/ 868680 w 3474720"/>
+              <a:gd name="connsiteY10" fmla="*/ 18288 h 18288"/>
+              <a:gd name="connsiteX11" fmla="*/ 0 w 3474720"/>
+              <a:gd name="connsiteY11" fmla="*/ 18288 h 18288"/>
+              <a:gd name="connsiteX12" fmla="*/ 0 w 3474720"/>
+              <a:gd name="connsiteY12" fmla="*/ 0 h 18288"/>
+            </a:gdLst>
+            <a:ahLst/>
+            <a:cxnLst>
+              <a:cxn ang="0">
+                <a:pos x="connsiteX0" y="connsiteY0"/>
+              </a:cxn>
+              <a:cxn ang="0">
+                <a:pos x="connsiteX1" y="connsiteY1"/>
+              </a:cxn>
+              <a:cxn ang="0">
+                <a:pos x="connsiteX2" y="connsiteY2"/>
+              </a:cxn>
+              <a:cxn ang="0">
+                <a:pos x="connsiteX3" y="connsiteY3"/>
+              </a:cxn>
+              <a:cxn ang="0">
+                <a:pos x="connsiteX4" y="connsiteY4"/>
+              </a:cxn>
+              <a:cxn ang="0">
+                <a:pos x="connsiteX5" y="connsiteY5"/>
+              </a:cxn>
+              <a:cxn ang="0">
+                <a:pos x="connsiteX6" y="connsiteY6"/>
+              </a:cxn>
+              <a:cxn ang="0">
+                <a:pos x="connsiteX7" y="connsiteY7"/>
+              </a:cxn>
+              <a:cxn ang="0">
+                <a:pos x="connsiteX8" y="connsiteY8"/>
+              </a:cxn>
+              <a:cxn ang="0">
+                <a:pos x="connsiteX9" y="connsiteY9"/>
+              </a:cxn>
+              <a:cxn ang="0">
+                <a:pos x="connsiteX10" y="connsiteY10"/>
+              </a:cxn>
+              <a:cxn ang="0">
+                <a:pos x="connsiteX11" y="connsiteY11"/>
+              </a:cxn>
+              <a:cxn ang="0">
+                <a:pos x="connsiteX12" y="connsiteY12"/>
+              </a:cxn>
+            </a:cxnLst>
+            <a:rect l="l" t="t" r="r" b="b"/>
+            <a:pathLst>
+              <a:path w="3474720" h="18288" fill="none" extrusionOk="0">
+                <a:moveTo>
+                  <a:pt x="0" y="0"/>
+                </a:moveTo>
+                <a:cubicBezTo>
+                  <a:pt x="224454" y="-14544"/>
+                  <a:pt x="495407" y="26540"/>
+                  <a:pt x="694944" y="0"/>
+                </a:cubicBezTo>
+                <a:cubicBezTo>
+                  <a:pt x="894481" y="-26540"/>
+                  <a:pt x="1130063" y="24713"/>
+                  <a:pt x="1355141" y="0"/>
+                </a:cubicBezTo>
+                <a:cubicBezTo>
+                  <a:pt x="1580219" y="-24713"/>
+                  <a:pt x="1820099" y="26695"/>
+                  <a:pt x="2015338" y="0"/>
+                </a:cubicBezTo>
+                <a:cubicBezTo>
+                  <a:pt x="2210577" y="-26695"/>
+                  <a:pt x="2402045" y="165"/>
+                  <a:pt x="2779776" y="0"/>
+                </a:cubicBezTo>
+                <a:cubicBezTo>
+                  <a:pt x="3157507" y="-165"/>
+                  <a:pt x="3286859" y="-15571"/>
+                  <a:pt x="3474720" y="0"/>
+                </a:cubicBezTo>
+                <a:cubicBezTo>
+                  <a:pt x="3474286" y="7551"/>
+                  <a:pt x="3474253" y="9822"/>
+                  <a:pt x="3474720" y="18288"/>
+                </a:cubicBezTo>
+                <a:cubicBezTo>
+                  <a:pt x="3233904" y="29845"/>
+                  <a:pt x="2945134" y="-5256"/>
+                  <a:pt x="2779776" y="18288"/>
+                </a:cubicBezTo>
+                <a:cubicBezTo>
+                  <a:pt x="2614418" y="41832"/>
+                  <a:pt x="2339768" y="22709"/>
+                  <a:pt x="2189074" y="18288"/>
+                </a:cubicBezTo>
+                <a:cubicBezTo>
+                  <a:pt x="2038380" y="13867"/>
+                  <a:pt x="1817434" y="-4947"/>
+                  <a:pt x="1528877" y="18288"/>
+                </a:cubicBezTo>
+                <a:cubicBezTo>
+                  <a:pt x="1240320" y="41523"/>
+                  <a:pt x="1042447" y="37198"/>
+                  <a:pt x="868680" y="18288"/>
+                </a:cubicBezTo>
+                <a:cubicBezTo>
+                  <a:pt x="694913" y="-622"/>
+                  <a:pt x="233232" y="44909"/>
+                  <a:pt x="0" y="18288"/>
+                </a:cubicBezTo>
+                <a:cubicBezTo>
+                  <a:pt x="60" y="11696"/>
+                  <a:pt x="66" y="3758"/>
+                  <a:pt x="0" y="0"/>
+                </a:cubicBezTo>
+                <a:close/>
+              </a:path>
+              <a:path w="3474720" h="18288" stroke="0" extrusionOk="0">
+                <a:moveTo>
+                  <a:pt x="0" y="0"/>
+                </a:moveTo>
+                <a:cubicBezTo>
+                  <a:pt x="202328" y="-14716"/>
+                  <a:pt x="332722" y="-11499"/>
+                  <a:pt x="625450" y="0"/>
+                </a:cubicBezTo>
+                <a:cubicBezTo>
+                  <a:pt x="918178" y="11499"/>
+                  <a:pt x="1096688" y="5123"/>
+                  <a:pt x="1389888" y="0"/>
+                </a:cubicBezTo>
+                <a:cubicBezTo>
+                  <a:pt x="1683088" y="-5123"/>
+                  <a:pt x="1835981" y="-14038"/>
+                  <a:pt x="1980590" y="0"/>
+                </a:cubicBezTo>
+                <a:cubicBezTo>
+                  <a:pt x="2125199" y="14038"/>
+                  <a:pt x="2396099" y="-7203"/>
+                  <a:pt x="2571293" y="0"/>
+                </a:cubicBezTo>
+                <a:cubicBezTo>
+                  <a:pt x="2746487" y="7203"/>
+                  <a:pt x="3041609" y="-12036"/>
+                  <a:pt x="3474720" y="0"/>
+                </a:cubicBezTo>
+                <a:cubicBezTo>
+                  <a:pt x="3474638" y="4406"/>
+                  <a:pt x="3474631" y="9982"/>
+                  <a:pt x="3474720" y="18288"/>
+                </a:cubicBezTo>
+                <a:cubicBezTo>
+                  <a:pt x="3324873" y="21876"/>
+                  <a:pt x="3136771" y="12587"/>
+                  <a:pt x="2814523" y="18288"/>
+                </a:cubicBezTo>
+                <a:cubicBezTo>
+                  <a:pt x="2492275" y="23989"/>
+                  <a:pt x="2294402" y="47111"/>
+                  <a:pt x="2154326" y="18288"/>
+                </a:cubicBezTo>
+                <a:cubicBezTo>
+                  <a:pt x="2014250" y="-10535"/>
+                  <a:pt x="1820317" y="33903"/>
+                  <a:pt x="1494130" y="18288"/>
+                </a:cubicBezTo>
+                <a:cubicBezTo>
+                  <a:pt x="1167943" y="2673"/>
+                  <a:pt x="948432" y="14868"/>
+                  <a:pt x="729691" y="18288"/>
+                </a:cubicBezTo>
+                <a:cubicBezTo>
+                  <a:pt x="510950" y="21708"/>
+                  <a:pt x="264032" y="24354"/>
+                  <a:pt x="0" y="18288"/>
+                </a:cubicBezTo>
+                <a:cubicBezTo>
+                  <a:pt x="189" y="14288"/>
+                  <a:pt x="-703" y="3747"/>
+                  <a:pt x="0" y="0"/>
+                </a:cubicBezTo>
+                <a:close/>
+              </a:path>
+            </a:pathLst>
+          </a:custGeom>
+          <a:solidFill>
+            <a:schemeClr val="accent2"/>
+          </a:solidFill>
+          <a:ln w="44450" cap="rnd">
+            <a:solidFill>
+              <a:schemeClr val="accent2"/>
+            </a:solidFill>
+            <a:round/>
+            <a:extLst>
+              <a:ext uri="{C807C97D-BFC1-408E-A445-0C87EB9F89A2}">
+                <ask:lineSketchStyleProps xmlns:ask="http://schemas.microsoft.com/office/drawing/2018/sketchyshapes" sd="2863741219">
+                  <a:prstGeom prst="rect">
+                    <a:avLst/>
+                  </a:prstGeom>
+                  <ask:type>
+                    <ask:lineSketchFreehand/>
+                  </ask:type>
+                </ask:lineSketchStyleProps>
+              </a:ext>
+            </a:extLst>
+          </a:ln>
+        </p:spPr>
+        <p:style>
+          <a:lnRef idx="2">
+            <a:schemeClr val="accent1">
+              <a:shade val="50000"/>
+            </a:schemeClr>
+          </a:lnRef>
+          <a:fillRef idx="1">
+            <a:schemeClr val="accent1"/>
+          </a:fillRef>
+          <a:effectRef idx="0">
+            <a:schemeClr val="accent1"/>
+          </a:effectRef>
+          <a:fontRef idx="minor">
+            <a:schemeClr val="lt1"/>
+          </a:fontRef>
+        </p:style>
+        <p:txBody>
+          <a:bodyPr rtlCol="0" anchor="ctr"/>
+          <a:lstStyle/>
+          <a:p>
+            <a:pPr algn="ctr"/>
+            <a:endParaRPr lang="en-US"/>
+          </a:p>
+        </p:txBody>
+      </p:sp>
+      <p:sp>
+        <p:nvSpPr>
+          <p:cNvPr id="9" name="Content Placeholder 8">
+            <a:extLst>
+              <a:ext uri="{FF2B5EF4-FFF2-40B4-BE49-F238E27FC236}">
+                <a16:creationId xmlns:a16="http://schemas.microsoft.com/office/drawing/2014/main" id="{D86465BB-9C9F-E876-6F81-241C01083420}"/>
               </a:ext>
             </a:extLst>
           </p:cNvPr>
@@ -19315,15 +22821,202 @@
             <p:ph idx="1"/>
           </p:nvPr>
         </p:nvSpPr>
-        <p:spPr/>
+        <p:spPr>
+          <a:xfrm>
+            <a:off x="640080" y="2872899"/>
+            <a:ext cx="4243589" cy="3320668"/>
+          </a:xfrm>
+        </p:spPr>
         <p:txBody>
-          <a:bodyPr/>
+          <a:bodyPr>
+            <a:normAutofit/>
+          </a:bodyPr>
           <a:lstStyle/>
           <a:p>
-            <a:endParaRPr lang="en-GB"/>
+            <a:r>
+              <a:rPr lang="en-US" sz="2200"/>
+              <a:t>Création de la base</a:t>
+            </a:r>
+          </a:p>
+          <a:p>
+            <a:r>
+              <a:rPr lang="en-US" sz="2200"/>
+              <a:t>Création des views</a:t>
+            </a:r>
+          </a:p>
+          <a:p>
+            <a:r>
+              <a:rPr lang="en-US" sz="2200"/>
+              <a:t>Création des triggers</a:t>
+            </a:r>
+          </a:p>
+          <a:p>
+            <a:r>
+              <a:rPr lang="en-US" sz="2200"/>
+              <a:t>Création du jeu de données</a:t>
+            </a:r>
+          </a:p>
+          <a:p>
+            <a:pPr marL="0" indent="0">
+              <a:buNone/>
+            </a:pPr>
+            <a:endParaRPr lang="en-US" sz="2200"/>
+          </a:p>
+          <a:p>
+            <a:endParaRPr lang="en-US" sz="2200"/>
+          </a:p>
+          <a:p>
+            <a:endParaRPr lang="en-US" sz="2200" dirty="0"/>
           </a:p>
         </p:txBody>
       </p:sp>
+      <p:pic>
+        <p:nvPicPr>
+          <p:cNvPr id="5" name="Espace réservé du contenu 4" descr="Une image contenant texte, capture d’écran, logiciel, Logiciel multimédia&#10;&#10;Description générée automatiquement">
+            <a:extLst>
+              <a:ext uri="{FF2B5EF4-FFF2-40B4-BE49-F238E27FC236}">
+                <a16:creationId xmlns:a16="http://schemas.microsoft.com/office/drawing/2014/main" id="{4B6A1FE8-563C-17F3-14C3-56F1218AEFA1}"/>
+              </a:ext>
+            </a:extLst>
+          </p:cNvPr>
+          <p:cNvPicPr>
+            <a:picLocks noChangeAspect="1"/>
+          </p:cNvPicPr>
+          <p:nvPr/>
+        </p:nvPicPr>
+        <p:blipFill rotWithShape="1">
+          <a:blip r:embed="rId2">
+            <a:extLst>
+              <a:ext uri="{28A0092B-C50C-407E-A947-70E740481C1C}">
+                <a14:useLocalDpi xmlns:a14="http://schemas.microsoft.com/office/drawing/2010/main" val="0"/>
+              </a:ext>
+            </a:extLst>
+          </a:blip>
+          <a:srcRect r="44834" b="1"/>
+          <a:stretch/>
+        </p:blipFill>
+        <p:spPr>
+          <a:xfrm>
+            <a:off x="5311702" y="10"/>
+            <a:ext cx="6878775" cy="6857990"/>
+          </a:xfrm>
+          <a:custGeom>
+            <a:avLst/>
+            <a:gdLst/>
+            <a:ahLst/>
+            <a:cxnLst/>
+            <a:rect l="l" t="t" r="r" b="b"/>
+            <a:pathLst>
+              <a:path w="6878775" h="6858000">
+                <a:moveTo>
+                  <a:pt x="1102973" y="0"/>
+                </a:moveTo>
+                <a:lnTo>
+                  <a:pt x="1160688" y="0"/>
+                </a:lnTo>
+                <a:lnTo>
+                  <a:pt x="983189" y="331786"/>
+                </a:lnTo>
+                <a:cubicBezTo>
+                  <a:pt x="914866" y="469145"/>
+                  <a:pt x="850355" y="608712"/>
+                  <a:pt x="789261" y="750263"/>
+                </a:cubicBezTo>
+                <a:cubicBezTo>
+                  <a:pt x="774307" y="784928"/>
+                  <a:pt x="759992" y="819849"/>
+                  <a:pt x="745295" y="854514"/>
+                </a:cubicBezTo>
+                <a:cubicBezTo>
+                  <a:pt x="756682" y="845393"/>
+                  <a:pt x="765489" y="833492"/>
+                  <a:pt x="770857" y="819975"/>
+                </a:cubicBezTo>
+                <a:cubicBezTo>
+                  <a:pt x="879943" y="589569"/>
+                  <a:pt x="999605" y="365513"/>
+                  <a:pt x="1131329" y="148742"/>
+                </a:cubicBezTo>
+                <a:lnTo>
+                  <a:pt x="1227589" y="0"/>
+                </a:lnTo>
+                <a:lnTo>
+                  <a:pt x="6878775" y="0"/>
+                </a:lnTo>
+                <a:lnTo>
+                  <a:pt x="6878775" y="6858000"/>
+                </a:lnTo>
+                <a:lnTo>
+                  <a:pt x="713521" y="6858000"/>
+                </a:lnTo>
+                <a:lnTo>
+                  <a:pt x="625642" y="6670527"/>
+                </a:lnTo>
+                <a:cubicBezTo>
+                  <a:pt x="507232" y="6398531"/>
+                  <a:pt x="403083" y="6118381"/>
+                  <a:pt x="312785" y="5830359"/>
+                </a:cubicBezTo>
+                <a:cubicBezTo>
+                  <a:pt x="278149" y="5719759"/>
+                  <a:pt x="248879" y="5607635"/>
+                  <a:pt x="212198" y="5480401"/>
+                </a:cubicBezTo>
+                <a:cubicBezTo>
+                  <a:pt x="212208" y="5491601"/>
+                  <a:pt x="212803" y="5502788"/>
+                  <a:pt x="213988" y="5513923"/>
+                </a:cubicBezTo>
+                <a:cubicBezTo>
+                  <a:pt x="264089" y="5723695"/>
+                  <a:pt x="307290" y="5935370"/>
+                  <a:pt x="365826" y="6142729"/>
+                </a:cubicBezTo>
+                <a:cubicBezTo>
+                  <a:pt x="433152" y="6380817"/>
+                  <a:pt x="510068" y="6614016"/>
+                  <a:pt x="597975" y="6841549"/>
+                </a:cubicBezTo>
+                <a:lnTo>
+                  <a:pt x="604824" y="6858000"/>
+                </a:lnTo>
+                <a:lnTo>
+                  <a:pt x="552056" y="6858000"/>
+                </a:lnTo>
+                <a:lnTo>
+                  <a:pt x="539576" y="6828295"/>
+                </a:lnTo>
+                <a:cubicBezTo>
+                  <a:pt x="380597" y="6414594"/>
+                  <a:pt x="260223" y="5988893"/>
+                  <a:pt x="171555" y="5552906"/>
+                </a:cubicBezTo>
+                <a:cubicBezTo>
+                  <a:pt x="91163" y="5157998"/>
+                  <a:pt x="43746" y="4758899"/>
+                  <a:pt x="12305" y="4357388"/>
+                </a:cubicBezTo>
+                <a:cubicBezTo>
+                  <a:pt x="-14281" y="4013908"/>
+                  <a:pt x="4507" y="3672965"/>
+                  <a:pt x="46684" y="3331516"/>
+                </a:cubicBezTo>
+                <a:cubicBezTo>
+                  <a:pt x="127203" y="2664286"/>
+                  <a:pt x="277819" y="2007265"/>
+                  <a:pt x="496065" y="1371196"/>
+                </a:cubicBezTo>
+                <a:cubicBezTo>
+                  <a:pt x="636273" y="966066"/>
+                  <a:pt x="800445" y="573253"/>
+                  <a:pt x="995723" y="196614"/>
+                </a:cubicBezTo>
+                <a:close/>
+              </a:path>
+            </a:pathLst>
+          </a:custGeom>
+        </p:spPr>
+      </p:pic>
     </p:spTree>
     <p:extLst>
       <p:ext uri="{BB962C8B-B14F-4D97-AF65-F5344CB8AC3E}">
@@ -19337,9 +23030,17 @@
 </p:sld>
 </file>
 
-<file path=ppt/slides/slide8.xml><?xml version="1.0" encoding="utf-8"?>
+<file path=ppt/slides/slide9.xml><?xml version="1.0" encoding="utf-8"?>
 <p:sld xmlns:a="http://schemas.openxmlformats.org/drawingml/2006/main" xmlns:r="http://schemas.openxmlformats.org/officeDocument/2006/relationships" xmlns:p="http://schemas.openxmlformats.org/presentationml/2006/main">
   <p:cSld>
+    <p:bg>
+      <p:bgPr>
+        <a:solidFill>
+          <a:schemeClr val="bg1"/>
+        </a:solidFill>
+        <a:effectLst/>
+      </p:bgPr>
+    </p:bg>
     <p:spTree>
       <p:nvGrpSpPr>
         <p:cNvPr id="1" name=""/>
@@ -19354,6 +23055,66 @@
           <a:chExt cx="0" cy="0"/>
         </a:xfrm>
       </p:grpSpPr>
+      <p:sp useBgFill="1">
+        <p:nvSpPr>
+          <p:cNvPr id="71" name="Rectangle 70">
+            <a:extLst>
+              <a:ext uri="{FF2B5EF4-FFF2-40B4-BE49-F238E27FC236}">
+                <a16:creationId xmlns:a16="http://schemas.microsoft.com/office/drawing/2014/main" id="{47942995-B07F-4636-9A06-C6A104B260A8}"/>
+              </a:ext>
+              <a:ext uri="{C183D7F6-B498-43B3-948B-1728B52AA6E4}">
+                <adec:decorative xmlns:adec="http://schemas.microsoft.com/office/drawing/2017/decorative" val="1"/>
+              </a:ext>
+            </a:extLst>
+          </p:cNvPr>
+          <p:cNvSpPr>
+            <a:spLocks noGrp="1" noRot="1" noChangeAspect="1" noMove="1" noResize="1" noEditPoints="1" noAdjustHandles="1" noChangeArrowheads="1" noChangeShapeType="1" noTextEdit="1"/>
+          </p:cNvSpPr>
+          <p:nvPr>
+            <p:extLst>
+              <p:ext uri="{386F3935-93C4-4BCD-93E2-E3B085C9AB24}">
+                <p16:designElem xmlns:p16="http://schemas.microsoft.com/office/powerpoint/2015/main" val="1"/>
+              </p:ext>
+            </p:extLst>
+          </p:nvPr>
+        </p:nvSpPr>
+        <p:spPr>
+          <a:xfrm>
+            <a:off x="0" y="0"/>
+            <a:ext cx="12191999" cy="6857365"/>
+          </a:xfrm>
+          <a:prstGeom prst="rect">
+            <a:avLst/>
+          </a:prstGeom>
+          <a:ln>
+            <a:noFill/>
+          </a:ln>
+        </p:spPr>
+        <p:style>
+          <a:lnRef idx="2">
+            <a:schemeClr val="accent1">
+              <a:shade val="50000"/>
+            </a:schemeClr>
+          </a:lnRef>
+          <a:fillRef idx="1">
+            <a:schemeClr val="accent1"/>
+          </a:fillRef>
+          <a:effectRef idx="0">
+            <a:schemeClr val="accent1"/>
+          </a:effectRef>
+          <a:fontRef idx="minor">
+            <a:schemeClr val="lt1"/>
+          </a:fontRef>
+        </p:style>
+        <p:txBody>
+          <a:bodyPr rtlCol="0" anchor="ctr"/>
+          <a:lstStyle/>
+          <a:p>
+            <a:pPr algn="ctr"/>
+            <a:endParaRPr lang="en-US"/>
+          </a:p>
+        </p:txBody>
+      </p:sp>
       <p:sp>
         <p:nvSpPr>
           <p:cNvPr id="2" name="Titre 1">
@@ -19370,44 +23131,412 @@
             <p:ph type="title"/>
           </p:nvPr>
         </p:nvSpPr>
-        <p:spPr/>
+        <p:spPr>
+          <a:xfrm>
+            <a:off x="1113810" y="2960716"/>
+            <a:ext cx="4036334" cy="2387600"/>
+          </a:xfrm>
+        </p:spPr>
         <p:txBody>
-          <a:bodyPr/>
+          <a:bodyPr vert="horz" lIns="91440" tIns="45720" rIns="91440" bIns="45720" rtlCol="0" anchor="t">
+            <a:normAutofit/>
+          </a:bodyPr>
           <a:lstStyle/>
           <a:p>
             <a:r>
-              <a:rPr lang="fr-FR" dirty="0"/>
+              <a:rPr lang="en-US" sz="5000" kern="1200">
+                <a:solidFill>
+                  <a:schemeClr val="tx1"/>
+                </a:solidFill>
+                <a:latin typeface="+mj-lt"/>
+                <a:ea typeface="+mj-ea"/>
+                <a:cs typeface="+mj-cs"/>
+              </a:rPr>
               <a:t>Administration BDD</a:t>
             </a:r>
-            <a:endParaRPr lang="en-GB" dirty="0"/>
+          </a:p>
+        </p:txBody>
+      </p:sp>
+      <p:grpSp>
+        <p:nvGrpSpPr>
+          <p:cNvPr id="73" name="Group 72">
+            <a:extLst>
+              <a:ext uri="{FF2B5EF4-FFF2-40B4-BE49-F238E27FC236}">
+                <a16:creationId xmlns:a16="http://schemas.microsoft.com/office/drawing/2014/main" id="{032D8612-31EB-44CF-A1D0-14FD4C705424}"/>
+              </a:ext>
+              <a:ext uri="{C183D7F6-B498-43B3-948B-1728B52AA6E4}">
+                <adec:decorative xmlns:adec="http://schemas.microsoft.com/office/drawing/2017/decorative" val="1"/>
+              </a:ext>
+            </a:extLst>
+          </p:cNvPr>
+          <p:cNvGrpSpPr>
+            <a:grpSpLocks noGrp="1" noUngrp="1" noRot="1" noChangeAspect="1" noMove="1" noResize="1"/>
+          </p:cNvGrpSpPr>
+          <p:nvPr>
+            <p:extLst>
+              <p:ext uri="{386F3935-93C4-4BCD-93E2-E3B085C9AB24}">
+                <p16:designElem xmlns:p16="http://schemas.microsoft.com/office/powerpoint/2015/main" val="1"/>
+              </p:ext>
+            </p:extLst>
+          </p:nvPr>
+        </p:nvGrpSpPr>
+        <p:grpSpPr>
+          <a:xfrm>
+            <a:off x="0" y="2984992"/>
+            <a:ext cx="731521" cy="673460"/>
+            <a:chOff x="3940602" y="308034"/>
+            <a:chExt cx="2116791" cy="3428999"/>
+          </a:xfrm>
+          <a:solidFill>
+            <a:schemeClr val="accent4"/>
+          </a:solidFill>
+        </p:grpSpPr>
+        <p:sp>
+          <p:nvSpPr>
+            <p:cNvPr id="74" name="Rectangle 73">
+              <a:extLst>
+                <a:ext uri="{FF2B5EF4-FFF2-40B4-BE49-F238E27FC236}">
+                  <a16:creationId xmlns:a16="http://schemas.microsoft.com/office/drawing/2014/main" id="{F19A4A0F-1B59-4DB0-9764-D10936E98770}"/>
+                </a:ext>
+                <a:ext uri="{C183D7F6-B498-43B3-948B-1728B52AA6E4}">
+                  <adec:decorative xmlns:adec="http://schemas.microsoft.com/office/drawing/2017/decorative" val="1"/>
+                </a:ext>
+              </a:extLst>
+            </p:cNvPr>
+            <p:cNvSpPr/>
+            <p:nvPr>
+              <p:extLst>
+                <p:ext uri="{386F3935-93C4-4BCD-93E2-E3B085C9AB24}">
+                  <p16:designElem xmlns:p16="http://schemas.microsoft.com/office/powerpoint/2015/main" val="1"/>
+                </p:ext>
+              </p:extLst>
+            </p:nvPr>
+          </p:nvSpPr>
+          <p:spPr>
+            <a:xfrm>
+              <a:off x="3940602" y="308034"/>
+              <a:ext cx="566743" cy="3428999"/>
+            </a:xfrm>
+            <a:prstGeom prst="rect">
+              <a:avLst/>
+            </a:prstGeom>
+            <a:grpFill/>
+            <a:ln>
+              <a:noFill/>
+            </a:ln>
+          </p:spPr>
+          <p:style>
+            <a:lnRef idx="2">
+              <a:schemeClr val="accent1">
+                <a:shade val="50000"/>
+              </a:schemeClr>
+            </a:lnRef>
+            <a:fillRef idx="1">
+              <a:schemeClr val="accent1"/>
+            </a:fillRef>
+            <a:effectRef idx="0">
+              <a:schemeClr val="accent1"/>
+            </a:effectRef>
+            <a:fontRef idx="minor">
+              <a:schemeClr val="lt1"/>
+            </a:fontRef>
+          </p:style>
+          <p:txBody>
+            <a:bodyPr rtlCol="0" anchor="ctr"/>
+            <a:lstStyle/>
+            <a:p>
+              <a:pPr algn="ctr"/>
+              <a:endParaRPr lang="en-US"/>
+            </a:p>
+          </p:txBody>
+        </p:sp>
+        <p:sp>
+          <p:nvSpPr>
+            <p:cNvPr id="75" name="Rectangle 74">
+              <a:extLst>
+                <a:ext uri="{FF2B5EF4-FFF2-40B4-BE49-F238E27FC236}">
+                  <a16:creationId xmlns:a16="http://schemas.microsoft.com/office/drawing/2014/main" id="{F399A70F-F8CD-4992-9EF5-6CF15472E73F}"/>
+                </a:ext>
+                <a:ext uri="{C183D7F6-B498-43B3-948B-1728B52AA6E4}">
+                  <adec:decorative xmlns:adec="http://schemas.microsoft.com/office/drawing/2017/decorative" val="1"/>
+                </a:ext>
+              </a:extLst>
+            </p:cNvPr>
+            <p:cNvSpPr/>
+            <p:nvPr>
+              <p:extLst>
+                <p:ext uri="{386F3935-93C4-4BCD-93E2-E3B085C9AB24}">
+                  <p16:designElem xmlns:p16="http://schemas.microsoft.com/office/powerpoint/2015/main" val="1"/>
+                </p:ext>
+              </p:extLst>
+            </p:nvPr>
+          </p:nvSpPr>
+          <p:spPr>
+            <a:xfrm>
+              <a:off x="4715626" y="308034"/>
+              <a:ext cx="566743" cy="3428999"/>
+            </a:xfrm>
+            <a:prstGeom prst="rect">
+              <a:avLst/>
+            </a:prstGeom>
+            <a:grpFill/>
+            <a:ln>
+              <a:noFill/>
+            </a:ln>
+          </p:spPr>
+          <p:style>
+            <a:lnRef idx="2">
+              <a:schemeClr val="accent1">
+                <a:shade val="50000"/>
+              </a:schemeClr>
+            </a:lnRef>
+            <a:fillRef idx="1">
+              <a:schemeClr val="accent1"/>
+            </a:fillRef>
+            <a:effectRef idx="0">
+              <a:schemeClr val="accent1"/>
+            </a:effectRef>
+            <a:fontRef idx="minor">
+              <a:schemeClr val="lt1"/>
+            </a:fontRef>
+          </p:style>
+          <p:txBody>
+            <a:bodyPr rtlCol="0" anchor="ctr"/>
+            <a:lstStyle/>
+            <a:p>
+              <a:pPr algn="ctr"/>
+              <a:endParaRPr lang="en-US"/>
+            </a:p>
+          </p:txBody>
+        </p:sp>
+        <p:sp>
+          <p:nvSpPr>
+            <p:cNvPr id="76" name="Rectangle 75">
+              <a:extLst>
+                <a:ext uri="{FF2B5EF4-FFF2-40B4-BE49-F238E27FC236}">
+                  <a16:creationId xmlns:a16="http://schemas.microsoft.com/office/drawing/2014/main" id="{48F4FEDC-6D80-458C-A665-075D9B9500FD}"/>
+                </a:ext>
+                <a:ext uri="{C183D7F6-B498-43B3-948B-1728B52AA6E4}">
+                  <adec:decorative xmlns:adec="http://schemas.microsoft.com/office/drawing/2017/decorative" val="1"/>
+                </a:ext>
+              </a:extLst>
+            </p:cNvPr>
+            <p:cNvSpPr/>
+            <p:nvPr>
+              <p:extLst>
+                <p:ext uri="{386F3935-93C4-4BCD-93E2-E3B085C9AB24}">
+                  <p16:designElem xmlns:p16="http://schemas.microsoft.com/office/powerpoint/2015/main" val="1"/>
+                </p:ext>
+              </p:extLst>
+            </p:nvPr>
+          </p:nvSpPr>
+          <p:spPr>
+            <a:xfrm>
+              <a:off x="5490650" y="308034"/>
+              <a:ext cx="566743" cy="3428999"/>
+            </a:xfrm>
+            <a:prstGeom prst="rect">
+              <a:avLst/>
+            </a:prstGeom>
+            <a:grpFill/>
+            <a:ln>
+              <a:noFill/>
+            </a:ln>
+          </p:spPr>
+          <p:style>
+            <a:lnRef idx="2">
+              <a:schemeClr val="accent1">
+                <a:shade val="50000"/>
+              </a:schemeClr>
+            </a:lnRef>
+            <a:fillRef idx="1">
+              <a:schemeClr val="accent1"/>
+            </a:fillRef>
+            <a:effectRef idx="0">
+              <a:schemeClr val="accent1"/>
+            </a:effectRef>
+            <a:fontRef idx="minor">
+              <a:schemeClr val="lt1"/>
+            </a:fontRef>
+          </p:style>
+          <p:txBody>
+            <a:bodyPr rtlCol="0" anchor="ctr"/>
+            <a:lstStyle/>
+            <a:p>
+              <a:pPr algn="ctr"/>
+              <a:endParaRPr lang="en-US"/>
+            </a:p>
+          </p:txBody>
+        </p:sp>
+      </p:grpSp>
+      <p:sp>
+        <p:nvSpPr>
+          <p:cNvPr id="78" name="Rectangle 77">
+            <a:extLst>
+              <a:ext uri="{FF2B5EF4-FFF2-40B4-BE49-F238E27FC236}">
+                <a16:creationId xmlns:a16="http://schemas.microsoft.com/office/drawing/2014/main" id="{B81933D1-5615-42C7-9C0B-4EB7105CCE2D}"/>
+              </a:ext>
+              <a:ext uri="{C183D7F6-B498-43B3-948B-1728B52AA6E4}">
+                <adec:decorative xmlns:adec="http://schemas.microsoft.com/office/drawing/2017/decorative" val="1"/>
+              </a:ext>
+            </a:extLst>
+          </p:cNvPr>
+          <p:cNvSpPr>
+            <a:spLocks noGrp="1" noRot="1" noChangeAspect="1" noMove="1" noResize="1" noEditPoints="1" noAdjustHandles="1" noChangeArrowheads="1" noChangeShapeType="1" noTextEdit="1"/>
+          </p:cNvSpPr>
+          <p:nvPr>
+            <p:extLst>
+              <p:ext uri="{386F3935-93C4-4BCD-93E2-E3B085C9AB24}">
+                <p16:designElem xmlns:p16="http://schemas.microsoft.com/office/powerpoint/2015/main" val="1"/>
+              </p:ext>
+            </p:extLst>
+          </p:nvPr>
+        </p:nvSpPr>
+        <p:spPr>
+          <a:xfrm flipH="1">
+            <a:off x="10697670" y="0"/>
+            <a:ext cx="1494330" cy="6858000"/>
+          </a:xfrm>
+          <a:prstGeom prst="rect">
+            <a:avLst/>
+          </a:prstGeom>
+          <a:solidFill>
+            <a:schemeClr val="accent4"/>
+          </a:solidFill>
+          <a:ln>
+            <a:noFill/>
+          </a:ln>
+        </p:spPr>
+        <p:style>
+          <a:lnRef idx="2">
+            <a:schemeClr val="accent1">
+              <a:shade val="50000"/>
+            </a:schemeClr>
+          </a:lnRef>
+          <a:fillRef idx="1">
+            <a:schemeClr val="accent1"/>
+          </a:fillRef>
+          <a:effectRef idx="0">
+            <a:schemeClr val="accent1"/>
+          </a:effectRef>
+          <a:fontRef idx="minor">
+            <a:schemeClr val="lt1"/>
+          </a:fontRef>
+        </p:style>
+        <p:txBody>
+          <a:bodyPr rtlCol="0" anchor="ctr"/>
+          <a:lstStyle/>
+          <a:p>
+            <a:pPr algn="ctr"/>
+            <a:endParaRPr lang="en-US"/>
           </a:p>
         </p:txBody>
       </p:sp>
       <p:sp>
         <p:nvSpPr>
-          <p:cNvPr id="3" name="Espace réservé du contenu 2">
+          <p:cNvPr id="80" name="Rectangle 79">
             <a:extLst>
               <a:ext uri="{FF2B5EF4-FFF2-40B4-BE49-F238E27FC236}">
-                <a16:creationId xmlns:a16="http://schemas.microsoft.com/office/drawing/2014/main" id="{43987A32-7E6B-264F-487B-C0C07B600E84}"/>
+                <a16:creationId xmlns:a16="http://schemas.microsoft.com/office/drawing/2014/main" id="{19C9EAEA-39D0-4B0E-A0EB-51E7B26740B1}"/>
+              </a:ext>
+              <a:ext uri="{C183D7F6-B498-43B3-948B-1728B52AA6E4}">
+                <adec:decorative xmlns:adec="http://schemas.microsoft.com/office/drawing/2017/decorative" val="1"/>
               </a:ext>
             </a:extLst>
           </p:cNvPr>
           <p:cNvSpPr>
-            <a:spLocks noGrp="1"/>
+            <a:spLocks noGrp="1" noRot="1" noChangeAspect="1" noMove="1" noResize="1" noEditPoints="1" noAdjustHandles="1" noChangeArrowheads="1" noChangeShapeType="1" noTextEdit="1"/>
           </p:cNvSpPr>
           <p:nvPr>
-            <p:ph idx="1"/>
+            <p:extLst>
+              <p:ext uri="{386F3935-93C4-4BCD-93E2-E3B085C9AB24}">
+                <p16:designElem xmlns:p16="http://schemas.microsoft.com/office/powerpoint/2015/main" val="1"/>
+              </p:ext>
+            </p:extLst>
           </p:nvPr>
         </p:nvSpPr>
-        <p:spPr/>
+        <p:spPr>
+          <a:xfrm>
+            <a:off x="5685810" y="391886"/>
+            <a:ext cx="6009366" cy="6017078"/>
+          </a:xfrm>
+          <a:prstGeom prst="rect">
+            <a:avLst/>
+          </a:prstGeom>
+          <a:solidFill>
+            <a:schemeClr val="bg1"/>
+          </a:solidFill>
+          <a:ln>
+            <a:noFill/>
+          </a:ln>
+          <a:effectLst>
+            <a:outerShdw blurRad="139700" dist="127000" dir="5400000" algn="t" rotWithShape="0">
+              <a:prstClr val="black">
+                <a:alpha val="15000"/>
+              </a:prstClr>
+            </a:outerShdw>
+          </a:effectLst>
+        </p:spPr>
+        <p:style>
+          <a:lnRef idx="2">
+            <a:schemeClr val="accent1">
+              <a:shade val="50000"/>
+            </a:schemeClr>
+          </a:lnRef>
+          <a:fillRef idx="1">
+            <a:schemeClr val="accent1"/>
+          </a:fillRef>
+          <a:effectRef idx="0">
+            <a:schemeClr val="accent1"/>
+          </a:effectRef>
+          <a:fontRef idx="minor">
+            <a:schemeClr val="lt1"/>
+          </a:fontRef>
+        </p:style>
         <p:txBody>
-          <a:bodyPr/>
+          <a:bodyPr rtlCol="0" anchor="ctr"/>
           <a:lstStyle/>
           <a:p>
-            <a:endParaRPr lang="en-GB"/>
+            <a:pPr algn="ctr"/>
+            <a:endParaRPr lang="en-US"/>
           </a:p>
         </p:txBody>
       </p:sp>
+      <p:pic>
+        <p:nvPicPr>
+          <p:cNvPr id="21" name="Image 20" descr="Une image contenant texte, capture d’écran, Police&#10;&#10;Description générée automatiquement">
+            <a:extLst>
+              <a:ext uri="{FF2B5EF4-FFF2-40B4-BE49-F238E27FC236}">
+                <a16:creationId xmlns:a16="http://schemas.microsoft.com/office/drawing/2014/main" id="{99C90147-E90A-D34B-1D49-AD9A7ED536C7}"/>
+              </a:ext>
+            </a:extLst>
+          </p:cNvPr>
+          <p:cNvPicPr>
+            <a:picLocks noChangeAspect="1"/>
+          </p:cNvPicPr>
+          <p:nvPr/>
+        </p:nvPicPr>
+        <p:blipFill rotWithShape="1">
+          <a:blip r:embed="rId2">
+            <a:extLst>
+              <a:ext uri="{28A0092B-C50C-407E-A947-70E740481C1C}">
+                <a14:useLocalDpi xmlns:a14="http://schemas.microsoft.com/office/drawing/2010/main" val="0"/>
+              </a:ext>
+            </a:extLst>
+          </a:blip>
+          <a:srcRect r="6214"/>
+          <a:stretch/>
+        </p:blipFill>
+        <p:spPr>
+          <a:xfrm>
+            <a:off x="5922492" y="2066545"/>
+            <a:ext cx="5536001" cy="2666156"/>
+          </a:xfrm>
+          <a:prstGeom prst="rect">
+            <a:avLst/>
+          </a:prstGeom>
+        </p:spPr>
+      </p:pic>
     </p:spTree>
     <p:extLst>
       <p:ext uri="{BB962C8B-B14F-4D97-AF65-F5344CB8AC3E}">
@@ -19418,90 +23547,98 @@
   <p:clrMapOvr>
     <a:masterClrMapping/>
   </p:clrMapOvr>
-</p:sld>
-</file>
-
-<file path=ppt/slides/slide9.xml><?xml version="1.0" encoding="utf-8"?>
-<p:sld xmlns:a="http://schemas.openxmlformats.org/drawingml/2006/main" xmlns:r="http://schemas.openxmlformats.org/officeDocument/2006/relationships" xmlns:p="http://schemas.openxmlformats.org/presentationml/2006/main">
-  <p:cSld>
-    <p:spTree>
-      <p:nvGrpSpPr>
-        <p:cNvPr id="1" name=""/>
-        <p:cNvGrpSpPr/>
-        <p:nvPr/>
-      </p:nvGrpSpPr>
-      <p:grpSpPr>
-        <a:xfrm>
-          <a:off x="0" y="0"/>
-          <a:ext cx="0" cy="0"/>
-          <a:chOff x="0" y="0"/>
-          <a:chExt cx="0" cy="0"/>
-        </a:xfrm>
-      </p:grpSpPr>
-      <p:sp>
-        <p:nvSpPr>
-          <p:cNvPr id="2" name="Titre 1">
-            <a:extLst>
-              <a:ext uri="{FF2B5EF4-FFF2-40B4-BE49-F238E27FC236}">
-                <a16:creationId xmlns:a16="http://schemas.microsoft.com/office/drawing/2014/main" id="{812C0BD0-01E4-F55F-B2E2-2115856274E8}"/>
-              </a:ext>
-            </a:extLst>
-          </p:cNvPr>
-          <p:cNvSpPr>
-            <a:spLocks noGrp="1"/>
-          </p:cNvSpPr>
-          <p:nvPr>
-            <p:ph type="title"/>
-          </p:nvPr>
-        </p:nvSpPr>
-        <p:spPr/>
-        <p:txBody>
-          <a:bodyPr/>
-          <a:lstStyle/>
-          <a:p>
-            <a:r>
-              <a:rPr lang="fr-FR" dirty="0"/>
-              <a:t>Liste rapport et choix technique</a:t>
-            </a:r>
-            <a:endParaRPr lang="en-GB" dirty="0"/>
-          </a:p>
-        </p:txBody>
-      </p:sp>
-      <p:sp>
-        <p:nvSpPr>
-          <p:cNvPr id="3" name="Espace réservé du contenu 2">
-            <a:extLst>
-              <a:ext uri="{FF2B5EF4-FFF2-40B4-BE49-F238E27FC236}">
-                <a16:creationId xmlns:a16="http://schemas.microsoft.com/office/drawing/2014/main" id="{360062DA-0D22-C5F2-45CD-89B359AA39CA}"/>
-              </a:ext>
-            </a:extLst>
-          </p:cNvPr>
-          <p:cNvSpPr>
-            <a:spLocks noGrp="1"/>
-          </p:cNvSpPr>
-          <p:nvPr>
-            <p:ph idx="1"/>
-          </p:nvPr>
-        </p:nvSpPr>
-        <p:spPr/>
-        <p:txBody>
-          <a:bodyPr/>
-          <a:lstStyle/>
-          <a:p>
-            <a:endParaRPr lang="en-GB"/>
-          </a:p>
-        </p:txBody>
-      </p:sp>
-    </p:spTree>
-    <p:extLst>
-      <p:ext uri="{BB962C8B-B14F-4D97-AF65-F5344CB8AC3E}">
-        <p14:creationId xmlns:p14="http://schemas.microsoft.com/office/powerpoint/2010/main" val="4048880964"/>
-      </p:ext>
-    </p:extLst>
-  </p:cSld>
-  <p:clrMapOvr>
-    <a:masterClrMapping/>
-  </p:clrMapOvr>
+  <p:timing>
+    <p:tnLst>
+      <p:par>
+        <p:cTn id="1" dur="indefinite" restart="never" nodeType="tmRoot">
+          <p:childTnLst>
+            <p:seq concurrent="1" nextAc="seek">
+              <p:cTn id="2" dur="indefinite" nodeType="mainSeq">
+                <p:childTnLst>
+                  <p:par>
+                    <p:cTn id="3" fill="hold">
+                      <p:stCondLst>
+                        <p:cond delay="indefinite"/>
+                        <p:cond evt="onBegin" delay="0">
+                          <p:tn val="2"/>
+                        </p:cond>
+                      </p:stCondLst>
+                      <p:childTnLst>
+                        <p:par>
+                          <p:cTn id="4" fill="hold">
+                            <p:stCondLst>
+                              <p:cond delay="0"/>
+                            </p:stCondLst>
+                            <p:childTnLst>
+                              <p:par>
+                                <p:cTn id="5" presetID="10" presetClass="entr" presetSubtype="0" fill="hold" grpId="0" nodeType="withEffect">
+                                  <p:stCondLst>
+                                    <p:cond delay="1000"/>
+                                  </p:stCondLst>
+                                  <p:iterate>
+                                    <p:tmPct val="10000"/>
+                                  </p:iterate>
+                                  <p:childTnLst>
+                                    <p:set>
+                                      <p:cBhvr>
+                                        <p:cTn id="6" dur="1" fill="hold">
+                                          <p:stCondLst>
+                                            <p:cond delay="0"/>
+                                          </p:stCondLst>
+                                        </p:cTn>
+                                        <p:tgtEl>
+                                          <p:spTgt spid="2"/>
+                                        </p:tgtEl>
+                                        <p:attrNameLst>
+                                          <p:attrName>style.visibility</p:attrName>
+                                        </p:attrNameLst>
+                                      </p:cBhvr>
+                                      <p:to>
+                                        <p:strVal val="visible"/>
+                                      </p:to>
+                                    </p:set>
+                                    <p:animEffect transition="in" filter="fade">
+                                      <p:cBhvr>
+                                        <p:cTn id="7" dur="700"/>
+                                        <p:tgtEl>
+                                          <p:spTgt spid="2"/>
+                                        </p:tgtEl>
+                                      </p:cBhvr>
+                                    </p:animEffect>
+                                  </p:childTnLst>
+                                </p:cTn>
+                              </p:par>
+                            </p:childTnLst>
+                          </p:cTn>
+                        </p:par>
+                      </p:childTnLst>
+                    </p:cTn>
+                  </p:par>
+                </p:childTnLst>
+              </p:cTn>
+              <p:prevCondLst>
+                <p:cond evt="onPrev" delay="0">
+                  <p:tgtEl>
+                    <p:sldTgt/>
+                  </p:tgtEl>
+                </p:cond>
+              </p:prevCondLst>
+              <p:nextCondLst>
+                <p:cond evt="onNext" delay="0">
+                  <p:tgtEl>
+                    <p:sldTgt/>
+                  </p:tgtEl>
+                </p:cond>
+              </p:nextCondLst>
+            </p:seq>
+          </p:childTnLst>
+        </p:cTn>
+      </p:par>
+    </p:tnLst>
+    <p:bldLst>
+      <p:bldP spid="2" grpId="0"/>
+    </p:bldLst>
+  </p:timing>
 </p:sld>
 </file>
 

--- a/Soutenance_PT.pptx
+++ b/Soutenance_PT.pptx
@@ -14,19 +14,22 @@
     <p:sldId id="279" r:id="rId8"/>
     <p:sldId id="265" r:id="rId9"/>
     <p:sldId id="266" r:id="rId10"/>
-    <p:sldId id="267" r:id="rId11"/>
-    <p:sldId id="275" r:id="rId12"/>
-    <p:sldId id="273" r:id="rId13"/>
-    <p:sldId id="274" r:id="rId14"/>
-    <p:sldId id="268" r:id="rId15"/>
-    <p:sldId id="276" r:id="rId16"/>
-    <p:sldId id="277" r:id="rId17"/>
-    <p:sldId id="278" r:id="rId18"/>
-    <p:sldId id="259" r:id="rId19"/>
-    <p:sldId id="270" r:id="rId20"/>
-    <p:sldId id="271" r:id="rId21"/>
-    <p:sldId id="260" r:id="rId22"/>
-    <p:sldId id="261" r:id="rId23"/>
+    <p:sldId id="280" r:id="rId11"/>
+    <p:sldId id="281" r:id="rId12"/>
+    <p:sldId id="282" r:id="rId13"/>
+    <p:sldId id="267" r:id="rId14"/>
+    <p:sldId id="275" r:id="rId15"/>
+    <p:sldId id="273" r:id="rId16"/>
+    <p:sldId id="274" r:id="rId17"/>
+    <p:sldId id="268" r:id="rId18"/>
+    <p:sldId id="277" r:id="rId19"/>
+    <p:sldId id="276" r:id="rId20"/>
+    <p:sldId id="278" r:id="rId21"/>
+    <p:sldId id="259" r:id="rId22"/>
+    <p:sldId id="270" r:id="rId23"/>
+    <p:sldId id="271" r:id="rId24"/>
+    <p:sldId id="260" r:id="rId25"/>
+    <p:sldId id="261" r:id="rId26"/>
   </p:sldIdLst>
   <p:sldSz cx="12192000" cy="6858000"/>
   <p:notesSz cx="6858000" cy="9144000"/>
@@ -2553,6 +2556,927 @@
 </file>
 
 <file path=ppt/diagrams/colors4.xml><?xml version="1.0" encoding="utf-8"?>
+<dgm:colorsDef xmlns:dgm="http://schemas.openxmlformats.org/drawingml/2006/diagram" xmlns:a="http://schemas.openxmlformats.org/drawingml/2006/main" uniqueId="urn:microsoft.com/office/officeart/2018/5/colors/Iconchunking_neutralbg_colorful1">
+  <dgm:title val=""/>
+  <dgm:desc val=""/>
+  <dgm:catLst>
+    <dgm:cat type="colorful" pri="10100"/>
+  </dgm:catLst>
+  <dgm:styleLbl name="node0">
+    <dgm:fillClrLst meth="repeat">
+      <a:schemeClr val="accent1"/>
+    </dgm:fillClrLst>
+    <dgm:linClrLst meth="repeat">
+      <a:schemeClr val="lt1"/>
+    </dgm:linClrLst>
+    <dgm:effectClrLst/>
+    <dgm:txLinClrLst/>
+    <dgm:txFillClrLst/>
+    <dgm:txEffectClrLst/>
+  </dgm:styleLbl>
+  <dgm:styleLbl name="node1">
+    <dgm:fillClrLst meth="repeat">
+      <a:schemeClr val="accent2"/>
+      <a:schemeClr val="accent3"/>
+      <a:schemeClr val="accent4"/>
+      <a:schemeClr val="accent5"/>
+      <a:schemeClr val="accent6"/>
+    </dgm:fillClrLst>
+    <dgm:linClrLst meth="repeat">
+      <a:schemeClr val="lt1">
+        <a:alpha val="0"/>
+      </a:schemeClr>
+    </dgm:linClrLst>
+    <dgm:effectClrLst/>
+    <dgm:txLinClrLst/>
+    <dgm:txFillClrLst/>
+    <dgm:txEffectClrLst/>
+  </dgm:styleLbl>
+  <dgm:styleLbl name="alignNode1">
+    <dgm:fillClrLst meth="repeat">
+      <a:schemeClr val="accent2"/>
+      <a:schemeClr val="accent3"/>
+      <a:schemeClr val="accent4"/>
+      <a:schemeClr val="accent5"/>
+      <a:schemeClr val="accent6"/>
+    </dgm:fillClrLst>
+    <dgm:linClrLst meth="repeat">
+      <a:schemeClr val="accent2"/>
+      <a:schemeClr val="accent3"/>
+      <a:schemeClr val="accent4"/>
+      <a:schemeClr val="accent5"/>
+      <a:schemeClr val="accent6"/>
+    </dgm:linClrLst>
+    <dgm:effectClrLst/>
+    <dgm:txLinClrLst/>
+    <dgm:txFillClrLst/>
+    <dgm:txEffectClrLst/>
+  </dgm:styleLbl>
+  <dgm:styleLbl name="lnNode1">
+    <dgm:fillClrLst meth="repeat">
+      <a:schemeClr val="accent2"/>
+      <a:schemeClr val="accent3"/>
+      <a:schemeClr val="accent4"/>
+      <a:schemeClr val="accent5"/>
+      <a:schemeClr val="accent6"/>
+    </dgm:fillClrLst>
+    <dgm:linClrLst meth="repeat">
+      <a:schemeClr val="lt1"/>
+    </dgm:linClrLst>
+    <dgm:effectClrLst/>
+    <dgm:txLinClrLst/>
+    <dgm:txFillClrLst/>
+    <dgm:txEffectClrLst/>
+  </dgm:styleLbl>
+  <dgm:styleLbl name="vennNode1">
+    <dgm:fillClrLst meth="repeat">
+      <a:schemeClr val="accent2">
+        <a:alpha val="50000"/>
+      </a:schemeClr>
+      <a:schemeClr val="accent3">
+        <a:alpha val="50000"/>
+      </a:schemeClr>
+      <a:schemeClr val="accent4">
+        <a:alpha val="50000"/>
+      </a:schemeClr>
+      <a:schemeClr val="accent5">
+        <a:alpha val="50000"/>
+      </a:schemeClr>
+      <a:schemeClr val="accent6">
+        <a:alpha val="50000"/>
+      </a:schemeClr>
+    </dgm:fillClrLst>
+    <dgm:linClrLst meth="repeat">
+      <a:schemeClr val="lt1"/>
+    </dgm:linClrLst>
+    <dgm:effectClrLst/>
+    <dgm:txLinClrLst/>
+    <dgm:txFillClrLst/>
+    <dgm:txEffectClrLst/>
+  </dgm:styleLbl>
+  <dgm:styleLbl name="node2">
+    <dgm:fillClrLst>
+      <a:schemeClr val="accent2"/>
+    </dgm:fillClrLst>
+    <dgm:linClrLst meth="repeat">
+      <a:schemeClr val="lt1"/>
+    </dgm:linClrLst>
+    <dgm:effectClrLst/>
+    <dgm:txLinClrLst/>
+    <dgm:txFillClrLst/>
+    <dgm:txEffectClrLst/>
+  </dgm:styleLbl>
+  <dgm:styleLbl name="node3">
+    <dgm:fillClrLst>
+      <a:schemeClr val="accent3"/>
+    </dgm:fillClrLst>
+    <dgm:linClrLst meth="repeat">
+      <a:schemeClr val="lt1"/>
+    </dgm:linClrLst>
+    <dgm:effectClrLst/>
+    <dgm:txLinClrLst/>
+    <dgm:txFillClrLst/>
+    <dgm:txEffectClrLst/>
+  </dgm:styleLbl>
+  <dgm:styleLbl name="node4">
+    <dgm:fillClrLst>
+      <a:schemeClr val="accent4"/>
+    </dgm:fillClrLst>
+    <dgm:linClrLst meth="repeat">
+      <a:schemeClr val="lt1"/>
+    </dgm:linClrLst>
+    <dgm:effectClrLst/>
+    <dgm:txLinClrLst/>
+    <dgm:txFillClrLst/>
+    <dgm:txEffectClrLst/>
+  </dgm:styleLbl>
+  <dgm:styleLbl name="fgImgPlace1">
+    <dgm:fillClrLst meth="repeat">
+      <a:schemeClr val="accent2">
+        <a:tint val="50000"/>
+      </a:schemeClr>
+      <a:schemeClr val="accent3">
+        <a:tint val="50000"/>
+      </a:schemeClr>
+      <a:schemeClr val="accent4">
+        <a:tint val="50000"/>
+      </a:schemeClr>
+      <a:schemeClr val="accent5">
+        <a:tint val="50000"/>
+      </a:schemeClr>
+      <a:schemeClr val="accent6">
+        <a:tint val="50000"/>
+      </a:schemeClr>
+    </dgm:fillClrLst>
+    <dgm:linClrLst meth="repeat">
+      <a:schemeClr val="lt1"/>
+    </dgm:linClrLst>
+    <dgm:effectClrLst/>
+    <dgm:txLinClrLst/>
+    <dgm:txFillClrLst meth="repeat">
+      <a:schemeClr val="lt1"/>
+    </dgm:txFillClrLst>
+    <dgm:txEffectClrLst/>
+  </dgm:styleLbl>
+  <dgm:styleLbl name="alignImgPlace1">
+    <dgm:fillClrLst>
+      <a:schemeClr val="accent1">
+        <a:tint val="50000"/>
+      </a:schemeClr>
+      <a:schemeClr val="accent2">
+        <a:tint val="20000"/>
+      </a:schemeClr>
+    </dgm:fillClrLst>
+    <dgm:linClrLst meth="repeat">
+      <a:schemeClr val="lt1"/>
+    </dgm:linClrLst>
+    <dgm:effectClrLst/>
+    <dgm:txLinClrLst/>
+    <dgm:txFillClrLst meth="repeat">
+      <a:schemeClr val="lt1"/>
+    </dgm:txFillClrLst>
+    <dgm:txEffectClrLst/>
+  </dgm:styleLbl>
+  <dgm:styleLbl name="bgImgPlace1">
+    <dgm:fillClrLst>
+      <a:schemeClr val="accent1">
+        <a:tint val="50000"/>
+      </a:schemeClr>
+      <a:schemeClr val="accent2">
+        <a:tint val="20000"/>
+      </a:schemeClr>
+    </dgm:fillClrLst>
+    <dgm:linClrLst meth="repeat">
+      <a:schemeClr val="lt1"/>
+    </dgm:linClrLst>
+    <dgm:effectClrLst/>
+    <dgm:txLinClrLst/>
+    <dgm:txFillClrLst meth="repeat">
+      <a:schemeClr val="lt1"/>
+    </dgm:txFillClrLst>
+    <dgm:txEffectClrLst/>
+  </dgm:styleLbl>
+  <dgm:styleLbl name="sibTrans2D1">
+    <dgm:fillClrLst meth="repeat">
+      <a:schemeClr val="accent2"/>
+      <a:schemeClr val="accent3"/>
+      <a:schemeClr val="accent4"/>
+      <a:schemeClr val="accent5"/>
+      <a:schemeClr val="accent6"/>
+    </dgm:fillClrLst>
+    <dgm:linClrLst meth="cycle">
+      <a:schemeClr val="lt1"/>
+    </dgm:linClrLst>
+    <dgm:effectClrLst/>
+    <dgm:txLinClrLst/>
+    <dgm:txFillClrLst/>
+    <dgm:txEffectClrLst/>
+  </dgm:styleLbl>
+  <dgm:styleLbl name="fgSibTrans2D1">
+    <dgm:fillClrLst meth="repeat">
+      <a:schemeClr val="accent2"/>
+      <a:schemeClr val="accent3"/>
+      <a:schemeClr val="accent4"/>
+      <a:schemeClr val="accent5"/>
+      <a:schemeClr val="accent6"/>
+    </dgm:fillClrLst>
+    <dgm:linClrLst meth="cycle">
+      <a:schemeClr val="lt1"/>
+    </dgm:linClrLst>
+    <dgm:effectClrLst/>
+    <dgm:txLinClrLst/>
+    <dgm:txFillClrLst meth="repeat">
+      <a:schemeClr val="lt1"/>
+    </dgm:txFillClrLst>
+    <dgm:txEffectClrLst/>
+  </dgm:styleLbl>
+  <dgm:styleLbl name="bgSibTrans2D1">
+    <dgm:fillClrLst meth="repeat">
+      <a:schemeClr val="accent2"/>
+      <a:schemeClr val="accent3"/>
+      <a:schemeClr val="accent4"/>
+      <a:schemeClr val="accent5"/>
+      <a:schemeClr val="accent6"/>
+    </dgm:fillClrLst>
+    <dgm:linClrLst meth="cycle">
+      <a:schemeClr val="lt1"/>
+    </dgm:linClrLst>
+    <dgm:effectClrLst/>
+    <dgm:txLinClrLst/>
+    <dgm:txFillClrLst meth="repeat">
+      <a:schemeClr val="lt1"/>
+    </dgm:txFillClrLst>
+    <dgm:txEffectClrLst/>
+  </dgm:styleLbl>
+  <dgm:styleLbl name="sibTrans1D1">
+    <dgm:fillClrLst meth="repeat">
+      <a:schemeClr val="accent2"/>
+      <a:schemeClr val="accent3"/>
+      <a:schemeClr val="accent4"/>
+      <a:schemeClr val="accent5"/>
+      <a:schemeClr val="accent6"/>
+    </dgm:fillClrLst>
+    <dgm:linClrLst meth="repeat">
+      <a:schemeClr val="accent2"/>
+      <a:schemeClr val="accent3"/>
+      <a:schemeClr val="accent4"/>
+      <a:schemeClr val="accent5"/>
+      <a:schemeClr val="accent6"/>
+    </dgm:linClrLst>
+    <dgm:effectClrLst/>
+    <dgm:txLinClrLst/>
+    <dgm:txFillClrLst meth="repeat">
+      <a:schemeClr val="tx1"/>
+    </dgm:txFillClrLst>
+    <dgm:txEffectClrLst/>
+  </dgm:styleLbl>
+  <dgm:styleLbl name="callout">
+    <dgm:fillClrLst meth="repeat">
+      <a:schemeClr val="accent2"/>
+    </dgm:fillClrLst>
+    <dgm:linClrLst meth="repeat">
+      <a:schemeClr val="accent2">
+        <a:tint val="50000"/>
+      </a:schemeClr>
+    </dgm:linClrLst>
+    <dgm:effectClrLst/>
+    <dgm:txLinClrLst/>
+    <dgm:txFillClrLst meth="repeat">
+      <a:schemeClr val="tx1"/>
+    </dgm:txFillClrLst>
+    <dgm:txEffectClrLst/>
+  </dgm:styleLbl>
+  <dgm:styleLbl name="asst0">
+    <dgm:fillClrLst meth="repeat">
+      <a:schemeClr val="accent1"/>
+    </dgm:fillClrLst>
+    <dgm:linClrLst meth="repeat">
+      <a:schemeClr val="lt1"/>
+    </dgm:linClrLst>
+    <dgm:effectClrLst/>
+    <dgm:txLinClrLst/>
+    <dgm:txFillClrLst/>
+    <dgm:txEffectClrLst/>
+  </dgm:styleLbl>
+  <dgm:styleLbl name="asst1">
+    <dgm:fillClrLst meth="repeat">
+      <a:schemeClr val="accent2"/>
+    </dgm:fillClrLst>
+    <dgm:linClrLst meth="repeat">
+      <a:schemeClr val="lt1"/>
+    </dgm:linClrLst>
+    <dgm:effectClrLst/>
+    <dgm:txLinClrLst/>
+    <dgm:txFillClrLst/>
+    <dgm:txEffectClrLst/>
+  </dgm:styleLbl>
+  <dgm:styleLbl name="asst2">
+    <dgm:fillClrLst>
+      <a:schemeClr val="accent3"/>
+    </dgm:fillClrLst>
+    <dgm:linClrLst meth="repeat">
+      <a:schemeClr val="lt1"/>
+    </dgm:linClrLst>
+    <dgm:effectClrLst/>
+    <dgm:txLinClrLst/>
+    <dgm:txFillClrLst/>
+    <dgm:txEffectClrLst/>
+  </dgm:styleLbl>
+  <dgm:styleLbl name="asst3">
+    <dgm:fillClrLst>
+      <a:schemeClr val="accent4"/>
+    </dgm:fillClrLst>
+    <dgm:linClrLst meth="repeat">
+      <a:schemeClr val="lt1"/>
+    </dgm:linClrLst>
+    <dgm:effectClrLst/>
+    <dgm:txLinClrLst/>
+    <dgm:txFillClrLst/>
+    <dgm:txEffectClrLst/>
+  </dgm:styleLbl>
+  <dgm:styleLbl name="asst4">
+    <dgm:fillClrLst>
+      <a:schemeClr val="accent5"/>
+    </dgm:fillClrLst>
+    <dgm:linClrLst meth="repeat">
+      <a:schemeClr val="lt1"/>
+    </dgm:linClrLst>
+    <dgm:effectClrLst/>
+    <dgm:txLinClrLst/>
+    <dgm:txFillClrLst/>
+    <dgm:txEffectClrLst/>
+  </dgm:styleLbl>
+  <dgm:styleLbl name="parChTrans2D1">
+    <dgm:fillClrLst meth="repeat">
+      <a:schemeClr val="accent2"/>
+    </dgm:fillClrLst>
+    <dgm:linClrLst meth="repeat">
+      <a:schemeClr val="lt1"/>
+    </dgm:linClrLst>
+    <dgm:effectClrLst/>
+    <dgm:txLinClrLst/>
+    <dgm:txFillClrLst meth="repeat">
+      <a:schemeClr val="lt1"/>
+    </dgm:txFillClrLst>
+    <dgm:txEffectClrLst/>
+  </dgm:styleLbl>
+  <dgm:styleLbl name="parChTrans2D2">
+    <dgm:fillClrLst meth="repeat">
+      <a:schemeClr val="accent3"/>
+    </dgm:fillClrLst>
+    <dgm:linClrLst meth="repeat">
+      <a:schemeClr val="lt1"/>
+    </dgm:linClrLst>
+    <dgm:effectClrLst/>
+    <dgm:txLinClrLst/>
+    <dgm:txFillClrLst/>
+    <dgm:txEffectClrLst/>
+  </dgm:styleLbl>
+  <dgm:styleLbl name="parChTrans2D3">
+    <dgm:fillClrLst meth="repeat">
+      <a:schemeClr val="accent4"/>
+    </dgm:fillClrLst>
+    <dgm:linClrLst meth="repeat">
+      <a:schemeClr val="lt1"/>
+    </dgm:linClrLst>
+    <dgm:effectClrLst/>
+    <dgm:txLinClrLst/>
+    <dgm:txFillClrLst/>
+    <dgm:txEffectClrLst/>
+  </dgm:styleLbl>
+  <dgm:styleLbl name="parChTrans2D4">
+    <dgm:fillClrLst meth="repeat">
+      <a:schemeClr val="accent5"/>
+    </dgm:fillClrLst>
+    <dgm:linClrLst meth="repeat">
+      <a:schemeClr val="lt1"/>
+    </dgm:linClrLst>
+    <dgm:effectClrLst/>
+    <dgm:txLinClrLst/>
+    <dgm:txFillClrLst meth="repeat">
+      <a:schemeClr val="lt1"/>
+    </dgm:txFillClrLst>
+    <dgm:txEffectClrLst/>
+  </dgm:styleLbl>
+  <dgm:styleLbl name="parChTrans1D1">
+    <dgm:fillClrLst meth="repeat">
+      <a:schemeClr val="accent2"/>
+    </dgm:fillClrLst>
+    <dgm:linClrLst meth="repeat">
+      <a:schemeClr val="accent1"/>
+    </dgm:linClrLst>
+    <dgm:effectClrLst/>
+    <dgm:txLinClrLst/>
+    <dgm:txFillClrLst meth="repeat">
+      <a:schemeClr val="tx1"/>
+    </dgm:txFillClrLst>
+    <dgm:txEffectClrLst/>
+  </dgm:styleLbl>
+  <dgm:styleLbl name="parChTrans1D2">
+    <dgm:fillClrLst meth="repeat">
+      <a:schemeClr val="accent3">
+        <a:tint val="90000"/>
+      </a:schemeClr>
+    </dgm:fillClrLst>
+    <dgm:linClrLst meth="repeat">
+      <a:schemeClr val="accent2"/>
+    </dgm:linClrLst>
+    <dgm:effectClrLst/>
+    <dgm:txLinClrLst/>
+    <dgm:txFillClrLst meth="repeat">
+      <a:schemeClr val="tx1"/>
+    </dgm:txFillClrLst>
+    <dgm:txEffectClrLst/>
+  </dgm:styleLbl>
+  <dgm:styleLbl name="parChTrans1D3">
+    <dgm:fillClrLst meth="repeat">
+      <a:schemeClr val="accent4">
+        <a:tint val="70000"/>
+      </a:schemeClr>
+    </dgm:fillClrLst>
+    <dgm:linClrLst meth="repeat">
+      <a:schemeClr val="accent3"/>
+    </dgm:linClrLst>
+    <dgm:effectClrLst/>
+    <dgm:txLinClrLst/>
+    <dgm:txFillClrLst meth="repeat">
+      <a:schemeClr val="tx1"/>
+    </dgm:txFillClrLst>
+    <dgm:txEffectClrLst/>
+  </dgm:styleLbl>
+  <dgm:styleLbl name="parChTrans1D4">
+    <dgm:fillClrLst meth="repeat">
+      <a:schemeClr val="accent5">
+        <a:tint val="50000"/>
+      </a:schemeClr>
+    </dgm:fillClrLst>
+    <dgm:linClrLst meth="repeat">
+      <a:schemeClr val="accent4"/>
+    </dgm:linClrLst>
+    <dgm:effectClrLst/>
+    <dgm:txLinClrLst/>
+    <dgm:txFillClrLst meth="repeat">
+      <a:schemeClr val="tx1"/>
+    </dgm:txFillClrLst>
+    <dgm:txEffectClrLst/>
+  </dgm:styleLbl>
+  <dgm:styleLbl name="fgAcc1">
+    <dgm:fillClrLst meth="repeat">
+      <a:schemeClr val="lt1">
+        <a:alpha val="90000"/>
+      </a:schemeClr>
+    </dgm:fillClrLst>
+    <dgm:linClrLst meth="repeat">
+      <a:schemeClr val="accent2"/>
+      <a:schemeClr val="accent3"/>
+      <a:schemeClr val="accent4"/>
+      <a:schemeClr val="accent5"/>
+      <a:schemeClr val="accent6"/>
+    </dgm:linClrLst>
+    <dgm:effectClrLst/>
+    <dgm:txLinClrLst/>
+    <dgm:txFillClrLst meth="repeat">
+      <a:schemeClr val="dk1"/>
+    </dgm:txFillClrLst>
+    <dgm:txEffectClrLst/>
+  </dgm:styleLbl>
+  <dgm:styleLbl name="conFgAcc1">
+    <dgm:fillClrLst meth="repeat">
+      <a:schemeClr val="lt1">
+        <a:alpha val="90000"/>
+      </a:schemeClr>
+    </dgm:fillClrLst>
+    <dgm:linClrLst meth="repeat">
+      <a:schemeClr val="accent2"/>
+      <a:schemeClr val="accent3"/>
+      <a:schemeClr val="accent4"/>
+      <a:schemeClr val="accent5"/>
+      <a:schemeClr val="accent6"/>
+    </dgm:linClrLst>
+    <dgm:effectClrLst/>
+    <dgm:txLinClrLst/>
+    <dgm:txFillClrLst meth="repeat">
+      <a:schemeClr val="dk1"/>
+    </dgm:txFillClrLst>
+    <dgm:txEffectClrLst/>
+  </dgm:styleLbl>
+  <dgm:styleLbl name="alignAcc1">
+    <dgm:fillClrLst meth="repeat">
+      <a:schemeClr val="lt1">
+        <a:alpha val="90000"/>
+      </a:schemeClr>
+    </dgm:fillClrLst>
+    <dgm:linClrLst meth="repeat">
+      <a:schemeClr val="accent2"/>
+      <a:schemeClr val="accent3"/>
+      <a:schemeClr val="accent4"/>
+      <a:schemeClr val="accent5"/>
+      <a:schemeClr val="accent6"/>
+    </dgm:linClrLst>
+    <dgm:effectClrLst/>
+    <dgm:txLinClrLst/>
+    <dgm:txFillClrLst meth="repeat">
+      <a:schemeClr val="dk1"/>
+    </dgm:txFillClrLst>
+    <dgm:txEffectClrLst/>
+  </dgm:styleLbl>
+  <dgm:styleLbl name="trAlignAcc1">
+    <dgm:fillClrLst meth="repeat">
+      <a:schemeClr val="lt1">
+        <a:alpha val="40000"/>
+      </a:schemeClr>
+    </dgm:fillClrLst>
+    <dgm:linClrLst meth="repeat">
+      <a:schemeClr val="accent1"/>
+    </dgm:linClrLst>
+    <dgm:effectClrLst/>
+    <dgm:txLinClrLst/>
+    <dgm:txFillClrLst meth="repeat">
+      <a:schemeClr val="dk1"/>
+    </dgm:txFillClrLst>
+    <dgm:txEffectClrLst/>
+  </dgm:styleLbl>
+  <dgm:styleLbl name="bgAcc1">
+    <dgm:fillClrLst meth="repeat">
+      <a:schemeClr val="lt1">
+        <a:alpha val="90000"/>
+      </a:schemeClr>
+    </dgm:fillClrLst>
+    <dgm:linClrLst meth="repeat">
+      <a:schemeClr val="accent2"/>
+      <a:schemeClr val="accent3"/>
+      <a:schemeClr val="accent4"/>
+      <a:schemeClr val="accent5"/>
+      <a:schemeClr val="accent6"/>
+    </dgm:linClrLst>
+    <dgm:effectClrLst/>
+    <dgm:txLinClrLst/>
+    <dgm:txFillClrLst meth="repeat">
+      <a:schemeClr val="dk1"/>
+    </dgm:txFillClrLst>
+    <dgm:txEffectClrLst/>
+  </dgm:styleLbl>
+  <dgm:styleLbl name="solidFgAcc1">
+    <dgm:fillClrLst meth="repeat">
+      <a:schemeClr val="lt1"/>
+    </dgm:fillClrLst>
+    <dgm:linClrLst meth="repeat">
+      <a:schemeClr val="accent2"/>
+      <a:schemeClr val="accent3"/>
+      <a:schemeClr val="accent4"/>
+      <a:schemeClr val="accent5"/>
+      <a:schemeClr val="accent6"/>
+    </dgm:linClrLst>
+    <dgm:effectClrLst/>
+    <dgm:txLinClrLst/>
+    <dgm:txFillClrLst meth="repeat">
+      <a:schemeClr val="dk1"/>
+    </dgm:txFillClrLst>
+    <dgm:txEffectClrLst/>
+  </dgm:styleLbl>
+  <dgm:styleLbl name="solidAlignAcc1">
+    <dgm:fillClrLst meth="repeat">
+      <a:schemeClr val="lt1"/>
+    </dgm:fillClrLst>
+    <dgm:linClrLst meth="repeat">
+      <a:schemeClr val="accent2"/>
+      <a:schemeClr val="accent3"/>
+      <a:schemeClr val="accent4"/>
+      <a:schemeClr val="accent5"/>
+      <a:schemeClr val="accent6"/>
+    </dgm:linClrLst>
+    <dgm:effectClrLst/>
+    <dgm:txLinClrLst/>
+    <dgm:txFillClrLst meth="repeat">
+      <a:schemeClr val="dk1"/>
+    </dgm:txFillClrLst>
+    <dgm:txEffectClrLst/>
+  </dgm:styleLbl>
+  <dgm:styleLbl name="solidBgAcc1">
+    <dgm:fillClrLst meth="repeat">
+      <a:schemeClr val="lt1"/>
+    </dgm:fillClrLst>
+    <dgm:linClrLst meth="repeat">
+      <a:schemeClr val="accent2"/>
+      <a:schemeClr val="accent3"/>
+      <a:schemeClr val="accent4"/>
+      <a:schemeClr val="accent5"/>
+      <a:schemeClr val="accent6"/>
+    </dgm:linClrLst>
+    <dgm:effectClrLst/>
+    <dgm:txLinClrLst/>
+    <dgm:txFillClrLst meth="repeat">
+      <a:schemeClr val="dk1"/>
+    </dgm:txFillClrLst>
+    <dgm:txEffectClrLst/>
+  </dgm:styleLbl>
+  <dgm:styleLbl name="fgAccFollowNode1">
+    <dgm:fillClrLst meth="repeat">
+      <a:schemeClr val="accent2">
+        <a:tint val="40000"/>
+        <a:alpha val="90000"/>
+      </a:schemeClr>
+      <a:schemeClr val="accent3">
+        <a:tint val="40000"/>
+        <a:alpha val="90000"/>
+      </a:schemeClr>
+      <a:schemeClr val="accent4">
+        <a:tint val="40000"/>
+        <a:alpha val="90000"/>
+      </a:schemeClr>
+      <a:schemeClr val="accent5">
+        <a:tint val="40000"/>
+        <a:alpha val="90000"/>
+      </a:schemeClr>
+      <a:schemeClr val="accent6">
+        <a:tint val="40000"/>
+        <a:alpha val="90000"/>
+      </a:schemeClr>
+    </dgm:fillClrLst>
+    <dgm:linClrLst meth="repeat">
+      <a:schemeClr val="accent2">
+        <a:tint val="40000"/>
+        <a:alpha val="90000"/>
+      </a:schemeClr>
+      <a:schemeClr val="accent3">
+        <a:tint val="40000"/>
+        <a:alpha val="90000"/>
+      </a:schemeClr>
+      <a:schemeClr val="accent4">
+        <a:tint val="40000"/>
+        <a:alpha val="90000"/>
+      </a:schemeClr>
+      <a:schemeClr val="accent5">
+        <a:tint val="40000"/>
+        <a:alpha val="90000"/>
+      </a:schemeClr>
+      <a:schemeClr val="accent6">
+        <a:tint val="40000"/>
+        <a:alpha val="90000"/>
+      </a:schemeClr>
+    </dgm:linClrLst>
+    <dgm:effectClrLst/>
+    <dgm:txLinClrLst/>
+    <dgm:txFillClrLst meth="repeat">
+      <a:schemeClr val="dk1"/>
+    </dgm:txFillClrLst>
+    <dgm:txEffectClrLst/>
+  </dgm:styleLbl>
+  <dgm:styleLbl name="alignAccFollowNode1">
+    <dgm:fillClrLst meth="repeat">
+      <a:schemeClr val="accent2">
+        <a:tint val="40000"/>
+        <a:alpha val="90000"/>
+      </a:schemeClr>
+      <a:schemeClr val="accent3">
+        <a:tint val="40000"/>
+        <a:alpha val="90000"/>
+      </a:schemeClr>
+      <a:schemeClr val="accent4">
+        <a:tint val="40000"/>
+        <a:alpha val="90000"/>
+      </a:schemeClr>
+      <a:schemeClr val="accent5">
+        <a:tint val="40000"/>
+        <a:alpha val="90000"/>
+      </a:schemeClr>
+      <a:schemeClr val="accent6">
+        <a:tint val="40000"/>
+        <a:alpha val="90000"/>
+      </a:schemeClr>
+    </dgm:fillClrLst>
+    <dgm:linClrLst meth="repeat">
+      <a:schemeClr val="accent2">
+        <a:tint val="40000"/>
+        <a:alpha val="90000"/>
+      </a:schemeClr>
+      <a:schemeClr val="accent3">
+        <a:tint val="40000"/>
+        <a:alpha val="90000"/>
+      </a:schemeClr>
+      <a:schemeClr val="accent4">
+        <a:tint val="40000"/>
+        <a:alpha val="90000"/>
+      </a:schemeClr>
+      <a:schemeClr val="accent5">
+        <a:tint val="40000"/>
+        <a:alpha val="90000"/>
+      </a:schemeClr>
+      <a:schemeClr val="accent6">
+        <a:tint val="40000"/>
+        <a:alpha val="90000"/>
+      </a:schemeClr>
+    </dgm:linClrLst>
+    <dgm:effectClrLst/>
+    <dgm:txLinClrLst/>
+    <dgm:txFillClrLst meth="repeat">
+      <a:schemeClr val="dk1"/>
+    </dgm:txFillClrLst>
+    <dgm:txEffectClrLst/>
+  </dgm:styleLbl>
+  <dgm:styleLbl name="bgAccFollowNode1">
+    <dgm:fillClrLst meth="repeat">
+      <a:schemeClr val="accent2">
+        <a:tint val="40000"/>
+        <a:alpha val="90000"/>
+      </a:schemeClr>
+      <a:schemeClr val="accent3">
+        <a:tint val="40000"/>
+        <a:alpha val="90000"/>
+      </a:schemeClr>
+      <a:schemeClr val="accent4">
+        <a:tint val="40000"/>
+        <a:alpha val="90000"/>
+      </a:schemeClr>
+      <a:schemeClr val="accent5">
+        <a:tint val="40000"/>
+        <a:alpha val="90000"/>
+      </a:schemeClr>
+      <a:schemeClr val="accent6">
+        <a:tint val="40000"/>
+        <a:alpha val="90000"/>
+      </a:schemeClr>
+    </dgm:fillClrLst>
+    <dgm:linClrLst meth="repeat">
+      <a:schemeClr val="accent2">
+        <a:tint val="40000"/>
+        <a:alpha val="90000"/>
+      </a:schemeClr>
+      <a:schemeClr val="accent3">
+        <a:tint val="40000"/>
+        <a:alpha val="90000"/>
+      </a:schemeClr>
+      <a:schemeClr val="accent4">
+        <a:tint val="40000"/>
+        <a:alpha val="90000"/>
+      </a:schemeClr>
+      <a:schemeClr val="accent5">
+        <a:tint val="40000"/>
+        <a:alpha val="90000"/>
+      </a:schemeClr>
+      <a:schemeClr val="accent6">
+        <a:tint val="40000"/>
+        <a:alpha val="90000"/>
+      </a:schemeClr>
+    </dgm:linClrLst>
+    <dgm:effectClrLst/>
+    <dgm:txLinClrLst/>
+    <dgm:txFillClrLst meth="repeat">
+      <a:schemeClr val="dk1"/>
+    </dgm:txFillClrLst>
+    <dgm:txEffectClrLst/>
+  </dgm:styleLbl>
+  <dgm:styleLbl name="fgAcc0">
+    <dgm:fillClrLst meth="repeat">
+      <a:schemeClr val="lt1">
+        <a:alpha val="90000"/>
+      </a:schemeClr>
+    </dgm:fillClrLst>
+    <dgm:linClrLst>
+      <a:schemeClr val="accent1"/>
+    </dgm:linClrLst>
+    <dgm:effectClrLst/>
+    <dgm:txLinClrLst/>
+    <dgm:txFillClrLst meth="repeat">
+      <a:schemeClr val="dk1"/>
+    </dgm:txFillClrLst>
+    <dgm:txEffectClrLst/>
+  </dgm:styleLbl>
+  <dgm:styleLbl name="fgAcc2">
+    <dgm:fillClrLst meth="repeat">
+      <a:schemeClr val="lt1">
+        <a:alpha val="90000"/>
+      </a:schemeClr>
+    </dgm:fillClrLst>
+    <dgm:linClrLst>
+      <a:schemeClr val="accent2"/>
+    </dgm:linClrLst>
+    <dgm:effectClrLst/>
+    <dgm:txLinClrLst/>
+    <dgm:txFillClrLst meth="repeat">
+      <a:schemeClr val="dk1"/>
+    </dgm:txFillClrLst>
+    <dgm:txEffectClrLst/>
+  </dgm:styleLbl>
+  <dgm:styleLbl name="fgAcc3">
+    <dgm:fillClrLst meth="repeat">
+      <a:schemeClr val="lt1">
+        <a:alpha val="90000"/>
+      </a:schemeClr>
+    </dgm:fillClrLst>
+    <dgm:linClrLst>
+      <a:schemeClr val="accent3"/>
+    </dgm:linClrLst>
+    <dgm:effectClrLst/>
+    <dgm:txLinClrLst/>
+    <dgm:txFillClrLst meth="repeat">
+      <a:schemeClr val="dk1"/>
+    </dgm:txFillClrLst>
+    <dgm:txEffectClrLst/>
+  </dgm:styleLbl>
+  <dgm:styleLbl name="fgAcc4">
+    <dgm:fillClrLst meth="repeat">
+      <a:schemeClr val="lt1">
+        <a:alpha val="90000"/>
+      </a:schemeClr>
+    </dgm:fillClrLst>
+    <dgm:linClrLst>
+      <a:schemeClr val="accent4"/>
+    </dgm:linClrLst>
+    <dgm:effectClrLst/>
+    <dgm:txLinClrLst/>
+    <dgm:txFillClrLst meth="repeat">
+      <a:schemeClr val="dk1"/>
+    </dgm:txFillClrLst>
+    <dgm:txEffectClrLst/>
+  </dgm:styleLbl>
+  <dgm:styleLbl name="bgShp">
+    <dgm:fillClrLst meth="repeat">
+      <a:schemeClr val="bg1">
+        <a:lumMod val="95000"/>
+      </a:schemeClr>
+    </dgm:fillClrLst>
+    <dgm:linClrLst meth="repeat">
+      <a:schemeClr val="dk1"/>
+    </dgm:linClrLst>
+    <dgm:effectClrLst/>
+    <dgm:txLinClrLst/>
+    <dgm:txFillClrLst meth="repeat">
+      <a:schemeClr val="dk1"/>
+    </dgm:txFillClrLst>
+    <dgm:txEffectClrLst/>
+  </dgm:styleLbl>
+  <dgm:styleLbl name="dkBgShp">
+    <dgm:fillClrLst meth="repeat">
+      <a:schemeClr val="accent2">
+        <a:shade val="90000"/>
+      </a:schemeClr>
+    </dgm:fillClrLst>
+    <dgm:linClrLst meth="repeat">
+      <a:schemeClr val="dk1"/>
+    </dgm:linClrLst>
+    <dgm:effectClrLst/>
+    <dgm:txLinClrLst/>
+    <dgm:txFillClrLst meth="repeat">
+      <a:schemeClr val="lt1"/>
+    </dgm:txFillClrLst>
+    <dgm:txEffectClrLst/>
+  </dgm:styleLbl>
+  <dgm:styleLbl name="trBgShp">
+    <dgm:fillClrLst meth="repeat">
+      <a:schemeClr val="accent1">
+        <a:tint val="50000"/>
+        <a:alpha val="40000"/>
+      </a:schemeClr>
+    </dgm:fillClrLst>
+    <dgm:linClrLst meth="repeat">
+      <a:schemeClr val="accent2"/>
+    </dgm:linClrLst>
+    <dgm:effectClrLst/>
+    <dgm:txLinClrLst/>
+    <dgm:txFillClrLst meth="repeat">
+      <a:schemeClr val="lt1"/>
+    </dgm:txFillClrLst>
+    <dgm:txEffectClrLst/>
+  </dgm:styleLbl>
+  <dgm:styleLbl name="fgShp">
+    <dgm:fillClrLst meth="repeat">
+      <a:schemeClr val="accent2">
+        <a:tint val="40000"/>
+      </a:schemeClr>
+    </dgm:fillClrLst>
+    <dgm:linClrLst meth="repeat">
+      <a:schemeClr val="lt1"/>
+    </dgm:linClrLst>
+    <dgm:effectClrLst/>
+    <dgm:txLinClrLst/>
+    <dgm:txFillClrLst meth="repeat">
+      <a:schemeClr val="dk1"/>
+    </dgm:txFillClrLst>
+    <dgm:txEffectClrLst/>
+  </dgm:styleLbl>
+  <dgm:styleLbl name="revTx">
+    <dgm:fillClrLst meth="repeat">
+      <a:schemeClr val="lt1">
+        <a:alpha val="0"/>
+      </a:schemeClr>
+    </dgm:fillClrLst>
+    <dgm:linClrLst meth="repeat">
+      <a:schemeClr val="dk1">
+        <a:alpha val="0"/>
+      </a:schemeClr>
+    </dgm:linClrLst>
+    <dgm:effectClrLst/>
+    <dgm:txLinClrLst/>
+    <dgm:txFillClrLst meth="repeat">
+      <a:schemeClr val="tx1"/>
+    </dgm:txFillClrLst>
+    <dgm:txEffectClrLst/>
+  </dgm:styleLbl>
+</dgm:colorsDef>
+</file>
+
+<file path=ppt/diagrams/colors5.xml><?xml version="1.0" encoding="utf-8"?>
 <dgm:colorsDef xmlns:dgm="http://schemas.openxmlformats.org/drawingml/2006/diagram" xmlns:a="http://schemas.openxmlformats.org/drawingml/2006/main" uniqueId="urn:microsoft.com/office/officeart/2005/8/colors/accent1_2">
   <dgm:title val=""/>
   <dgm:desc val=""/>
@@ -4356,6 +5280,332 @@
 </file>
 
 <file path=ppt/diagrams/data4.xml><?xml version="1.0" encoding="utf-8"?>
+<dgm:dataModel xmlns:dgm="http://schemas.openxmlformats.org/drawingml/2006/diagram" xmlns:a="http://schemas.openxmlformats.org/drawingml/2006/main">
+  <dgm:ptLst>
+    <dgm:pt modelId="{FC5EF426-25B1-49EC-B2A8-A47698953B9E}" type="doc">
+      <dgm:prSet loTypeId="urn:microsoft.com/office/officeart/2018/2/layout/IconVerticalSolidList" loCatId="icon" qsTypeId="urn:microsoft.com/office/officeart/2005/8/quickstyle/simple1" qsCatId="simple" csTypeId="urn:microsoft.com/office/officeart/2018/5/colors/Iconchunking_neutralbg_colorful1" csCatId="colorful" phldr="1"/>
+      <dgm:spPr/>
+      <dgm:t>
+        <a:bodyPr/>
+        <a:lstStyle/>
+        <a:p>
+          <a:endParaRPr lang="en-US"/>
+        </a:p>
+      </dgm:t>
+    </dgm:pt>
+    <dgm:pt modelId="{78D83D02-2802-4EB7-B61C-AA9F8BE2AEB5}">
+      <dgm:prSet/>
+      <dgm:spPr/>
+      <dgm:t>
+        <a:bodyPr/>
+        <a:lstStyle/>
+        <a:p>
+          <a:r>
+            <a:rPr lang="en-GB"/>
+            <a:t>Solution OLAP</a:t>
+          </a:r>
+          <a:endParaRPr lang="en-US"/>
+        </a:p>
+      </dgm:t>
+    </dgm:pt>
+    <dgm:pt modelId="{66E057B7-04AC-452C-9C65-91C43303DFBD}" type="parTrans" cxnId="{AD298137-1006-4BF3-A7E4-4CBE8A6C8EF1}">
+      <dgm:prSet/>
+      <dgm:spPr/>
+      <dgm:t>
+        <a:bodyPr/>
+        <a:lstStyle/>
+        <a:p>
+          <a:endParaRPr lang="en-US"/>
+        </a:p>
+      </dgm:t>
+    </dgm:pt>
+    <dgm:pt modelId="{ACF812C6-0795-41A4-900D-057873571AAE}" type="sibTrans" cxnId="{AD298137-1006-4BF3-A7E4-4CBE8A6C8EF1}">
+      <dgm:prSet/>
+      <dgm:spPr/>
+      <dgm:t>
+        <a:bodyPr/>
+        <a:lstStyle/>
+        <a:p>
+          <a:endParaRPr lang="en-US"/>
+        </a:p>
+      </dgm:t>
+    </dgm:pt>
+    <dgm:pt modelId="{5BE499EF-13B6-41C0-B066-4402ECBBE276}">
+      <dgm:prSet/>
+      <dgm:spPr/>
+      <dgm:t>
+        <a:bodyPr/>
+        <a:lstStyle/>
+        <a:p>
+          <a:r>
+            <a:rPr lang="en-GB"/>
+            <a:t>Rapport liaison Cube</a:t>
+          </a:r>
+          <a:endParaRPr lang="en-US"/>
+        </a:p>
+      </dgm:t>
+    </dgm:pt>
+    <dgm:pt modelId="{F45190A9-B5F3-44ED-855E-A11E70D1EC95}" type="parTrans" cxnId="{9720E7C4-1D7B-4820-BE11-B42FE2AFE8B4}">
+      <dgm:prSet/>
+      <dgm:spPr/>
+      <dgm:t>
+        <a:bodyPr/>
+        <a:lstStyle/>
+        <a:p>
+          <a:endParaRPr lang="en-US"/>
+        </a:p>
+      </dgm:t>
+    </dgm:pt>
+    <dgm:pt modelId="{535B78F7-451B-4C02-BC53-FCDA8002C471}" type="sibTrans" cxnId="{9720E7C4-1D7B-4820-BE11-B42FE2AFE8B4}">
+      <dgm:prSet/>
+      <dgm:spPr/>
+      <dgm:t>
+        <a:bodyPr/>
+        <a:lstStyle/>
+        <a:p>
+          <a:endParaRPr lang="en-US"/>
+        </a:p>
+      </dgm:t>
+    </dgm:pt>
+    <dgm:pt modelId="{9FCB64AA-829A-4AC0-BB9C-5EAB27EDB076}">
+      <dgm:prSet/>
+      <dgm:spPr/>
+      <dgm:t>
+        <a:bodyPr/>
+        <a:lstStyle/>
+        <a:p>
+          <a:r>
+            <a:rPr lang="en-GB"/>
+            <a:t>Flux prochain SSIS</a:t>
+          </a:r>
+          <a:endParaRPr lang="en-US"/>
+        </a:p>
+      </dgm:t>
+    </dgm:pt>
+    <dgm:pt modelId="{BC75A17C-2D1C-4281-A6AD-F1B6AF34E66E}" type="parTrans" cxnId="{9EDCD5B6-A3EF-44F0-95C2-31F9BCA0EFBE}">
+      <dgm:prSet/>
+      <dgm:spPr/>
+      <dgm:t>
+        <a:bodyPr/>
+        <a:lstStyle/>
+        <a:p>
+          <a:endParaRPr lang="en-US"/>
+        </a:p>
+      </dgm:t>
+    </dgm:pt>
+    <dgm:pt modelId="{2F026FAF-E324-4F68-9367-CE0720BF03C8}" type="sibTrans" cxnId="{9EDCD5B6-A3EF-44F0-95C2-31F9BCA0EFBE}">
+      <dgm:prSet/>
+      <dgm:spPr/>
+      <dgm:t>
+        <a:bodyPr/>
+        <a:lstStyle/>
+        <a:p>
+          <a:endParaRPr lang="en-US"/>
+        </a:p>
+      </dgm:t>
+    </dgm:pt>
+    <dgm:pt modelId="{CA0041D8-9519-4C89-8DDD-E7122F64EBB5}" type="pres">
+      <dgm:prSet presAssocID="{FC5EF426-25B1-49EC-B2A8-A47698953B9E}" presName="root" presStyleCnt="0">
+        <dgm:presLayoutVars>
+          <dgm:dir/>
+          <dgm:resizeHandles val="exact"/>
+        </dgm:presLayoutVars>
+      </dgm:prSet>
+      <dgm:spPr/>
+    </dgm:pt>
+    <dgm:pt modelId="{1DCC65F8-865C-41CC-B607-62E62E94EA2A}" type="pres">
+      <dgm:prSet presAssocID="{78D83D02-2802-4EB7-B61C-AA9F8BE2AEB5}" presName="compNode" presStyleCnt="0"/>
+      <dgm:spPr/>
+    </dgm:pt>
+    <dgm:pt modelId="{215310F9-2E59-40B2-9717-540E84BEA450}" type="pres">
+      <dgm:prSet presAssocID="{78D83D02-2802-4EB7-B61C-AA9F8BE2AEB5}" presName="bgRect" presStyleLbl="bgShp" presStyleIdx="0" presStyleCnt="3"/>
+      <dgm:spPr/>
+    </dgm:pt>
+    <dgm:pt modelId="{C3DBE3A8-0E05-4198-BE83-7B6A9B4519F2}" type="pres">
+      <dgm:prSet presAssocID="{78D83D02-2802-4EB7-B61C-AA9F8BE2AEB5}" presName="iconRect" presStyleLbl="node1" presStyleIdx="0" presStyleCnt="3"/>
+      <dgm:spPr>
+        <a:blipFill>
+          <a:blip xmlns:r="http://schemas.openxmlformats.org/officeDocument/2006/relationships" r:embed="rId1">
+            <a:extLst>
+              <a:ext uri="{28A0092B-C50C-407E-A947-70E740481C1C}">
+                <a14:useLocalDpi xmlns:a14="http://schemas.microsoft.com/office/drawing/2010/main" val="0"/>
+              </a:ext>
+              <a:ext uri="{96DAC541-7B7A-43D3-8B79-37D633B846F1}">
+                <asvg:svgBlip xmlns:asvg="http://schemas.microsoft.com/office/drawing/2016/SVG/main" r:embed="rId2"/>
+              </a:ext>
+            </a:extLst>
+          </a:blip>
+          <a:stretch>
+            <a:fillRect/>
+          </a:stretch>
+        </a:blipFill>
+        <a:ln>
+          <a:noFill/>
+        </a:ln>
+      </dgm:spPr>
+      <dgm:extLst>
+        <a:ext uri="{E40237B7-FDA0-4F09-8148-C483321AD2D9}">
+          <dgm14:cNvPr xmlns:dgm14="http://schemas.microsoft.com/office/drawing/2010/diagram" id="0" name="" descr="Smart Phone"/>
+        </a:ext>
+      </dgm:extLst>
+    </dgm:pt>
+    <dgm:pt modelId="{8A88BF02-C14D-4DE6-B03B-CB4758DF46C4}" type="pres">
+      <dgm:prSet presAssocID="{78D83D02-2802-4EB7-B61C-AA9F8BE2AEB5}" presName="spaceRect" presStyleCnt="0"/>
+      <dgm:spPr/>
+    </dgm:pt>
+    <dgm:pt modelId="{693342D0-6CC6-43E4-8C88-2EAE15E24035}" type="pres">
+      <dgm:prSet presAssocID="{78D83D02-2802-4EB7-B61C-AA9F8BE2AEB5}" presName="parTx" presStyleLbl="revTx" presStyleIdx="0" presStyleCnt="3">
+        <dgm:presLayoutVars>
+          <dgm:chMax val="0"/>
+          <dgm:chPref val="0"/>
+        </dgm:presLayoutVars>
+      </dgm:prSet>
+      <dgm:spPr/>
+    </dgm:pt>
+    <dgm:pt modelId="{58B4A3EC-9ED7-4DD6-8558-229C67100540}" type="pres">
+      <dgm:prSet presAssocID="{ACF812C6-0795-41A4-900D-057873571AAE}" presName="sibTrans" presStyleCnt="0"/>
+      <dgm:spPr/>
+    </dgm:pt>
+    <dgm:pt modelId="{F3843B85-1872-4651-BAE9-210370351604}" type="pres">
+      <dgm:prSet presAssocID="{5BE499EF-13B6-41C0-B066-4402ECBBE276}" presName="compNode" presStyleCnt="0"/>
+      <dgm:spPr/>
+    </dgm:pt>
+    <dgm:pt modelId="{2623D5A1-6FA6-411D-AA80-2C31C0448964}" type="pres">
+      <dgm:prSet presAssocID="{5BE499EF-13B6-41C0-B066-4402ECBBE276}" presName="bgRect" presStyleLbl="bgShp" presStyleIdx="1" presStyleCnt="3"/>
+      <dgm:spPr/>
+    </dgm:pt>
+    <dgm:pt modelId="{17FF1C90-416C-493D-8F1B-629F450A58D8}" type="pres">
+      <dgm:prSet presAssocID="{5BE499EF-13B6-41C0-B066-4402ECBBE276}" presName="iconRect" presStyleLbl="node1" presStyleIdx="1" presStyleCnt="3"/>
+      <dgm:spPr>
+        <a:blipFill>
+          <a:blip xmlns:r="http://schemas.openxmlformats.org/officeDocument/2006/relationships" r:embed="rId3">
+            <a:extLst>
+              <a:ext uri="{28A0092B-C50C-407E-A947-70E740481C1C}">
+                <a14:useLocalDpi xmlns:a14="http://schemas.microsoft.com/office/drawing/2010/main" val="0"/>
+              </a:ext>
+              <a:ext uri="{96DAC541-7B7A-43D3-8B79-37D633B846F1}">
+                <asvg:svgBlip xmlns:asvg="http://schemas.microsoft.com/office/drawing/2016/SVG/main" r:embed="rId4"/>
+              </a:ext>
+            </a:extLst>
+          </a:blip>
+          <a:stretch>
+            <a:fillRect/>
+          </a:stretch>
+        </a:blipFill>
+        <a:ln>
+          <a:noFill/>
+        </a:ln>
+      </dgm:spPr>
+      <dgm:extLst>
+        <a:ext uri="{E40237B7-FDA0-4F09-8148-C483321AD2D9}">
+          <dgm14:cNvPr xmlns:dgm14="http://schemas.microsoft.com/office/drawing/2010/diagram" id="0" name="" descr="Utilisateur"/>
+        </a:ext>
+      </dgm:extLst>
+    </dgm:pt>
+    <dgm:pt modelId="{9BE2B9B3-908F-490A-BE1F-087869128A45}" type="pres">
+      <dgm:prSet presAssocID="{5BE499EF-13B6-41C0-B066-4402ECBBE276}" presName="spaceRect" presStyleCnt="0"/>
+      <dgm:spPr/>
+    </dgm:pt>
+    <dgm:pt modelId="{E8324D58-F762-4486-8FE7-50067B2B573A}" type="pres">
+      <dgm:prSet presAssocID="{5BE499EF-13B6-41C0-B066-4402ECBBE276}" presName="parTx" presStyleLbl="revTx" presStyleIdx="1" presStyleCnt="3">
+        <dgm:presLayoutVars>
+          <dgm:chMax val="0"/>
+          <dgm:chPref val="0"/>
+        </dgm:presLayoutVars>
+      </dgm:prSet>
+      <dgm:spPr/>
+    </dgm:pt>
+    <dgm:pt modelId="{19361974-F8B5-438D-AF71-5D40EBB48075}" type="pres">
+      <dgm:prSet presAssocID="{535B78F7-451B-4C02-BC53-FCDA8002C471}" presName="sibTrans" presStyleCnt="0"/>
+      <dgm:spPr/>
+    </dgm:pt>
+    <dgm:pt modelId="{C7EAF495-138E-4089-A11E-90BD893BD46D}" type="pres">
+      <dgm:prSet presAssocID="{9FCB64AA-829A-4AC0-BB9C-5EAB27EDB076}" presName="compNode" presStyleCnt="0"/>
+      <dgm:spPr/>
+    </dgm:pt>
+    <dgm:pt modelId="{782D5A32-B31A-49B4-8CA4-61ECAEA8598B}" type="pres">
+      <dgm:prSet presAssocID="{9FCB64AA-829A-4AC0-BB9C-5EAB27EDB076}" presName="bgRect" presStyleLbl="bgShp" presStyleIdx="2" presStyleCnt="3"/>
+      <dgm:spPr/>
+    </dgm:pt>
+    <dgm:pt modelId="{4A207E6B-6824-4B73-BEFB-1AC4FB693E4C}" type="pres">
+      <dgm:prSet presAssocID="{9FCB64AA-829A-4AC0-BB9C-5EAB27EDB076}" presName="iconRect" presStyleLbl="node1" presStyleIdx="2" presStyleCnt="3"/>
+      <dgm:spPr>
+        <a:blipFill>
+          <a:blip xmlns:r="http://schemas.openxmlformats.org/officeDocument/2006/relationships" r:embed="rId5">
+            <a:extLst>
+              <a:ext uri="{28A0092B-C50C-407E-A947-70E740481C1C}">
+                <a14:useLocalDpi xmlns:a14="http://schemas.microsoft.com/office/drawing/2010/main" val="0"/>
+              </a:ext>
+              <a:ext uri="{96DAC541-7B7A-43D3-8B79-37D633B846F1}">
+                <asvg:svgBlip xmlns:asvg="http://schemas.microsoft.com/office/drawing/2016/SVG/main" r:embed="rId6"/>
+              </a:ext>
+            </a:extLst>
+          </a:blip>
+          <a:stretch>
+            <a:fillRect/>
+          </a:stretch>
+        </a:blipFill>
+        <a:ln>
+          <a:noFill/>
+        </a:ln>
+      </dgm:spPr>
+      <dgm:extLst>
+        <a:ext uri="{E40237B7-FDA0-4F09-8148-C483321AD2D9}">
+          <dgm14:cNvPr xmlns:dgm14="http://schemas.microsoft.com/office/drawing/2010/diagram" id="0" name="" descr="Base de données"/>
+        </a:ext>
+      </dgm:extLst>
+    </dgm:pt>
+    <dgm:pt modelId="{32860CB3-707D-4FFD-BD99-297B37FD608F}" type="pres">
+      <dgm:prSet presAssocID="{9FCB64AA-829A-4AC0-BB9C-5EAB27EDB076}" presName="spaceRect" presStyleCnt="0"/>
+      <dgm:spPr/>
+    </dgm:pt>
+    <dgm:pt modelId="{A9D1E809-D827-430B-929B-E2BC81D182DF}" type="pres">
+      <dgm:prSet presAssocID="{9FCB64AA-829A-4AC0-BB9C-5EAB27EDB076}" presName="parTx" presStyleLbl="revTx" presStyleIdx="2" presStyleCnt="3">
+        <dgm:presLayoutVars>
+          <dgm:chMax val="0"/>
+          <dgm:chPref val="0"/>
+        </dgm:presLayoutVars>
+      </dgm:prSet>
+      <dgm:spPr/>
+    </dgm:pt>
+  </dgm:ptLst>
+  <dgm:cxnLst>
+    <dgm:cxn modelId="{751FC91B-314D-4D31-908C-EA44886D8DC7}" type="presOf" srcId="{9FCB64AA-829A-4AC0-BB9C-5EAB27EDB076}" destId="{A9D1E809-D827-430B-929B-E2BC81D182DF}" srcOrd="0" destOrd="0" presId="urn:microsoft.com/office/officeart/2018/2/layout/IconVerticalSolidList"/>
+    <dgm:cxn modelId="{AD298137-1006-4BF3-A7E4-4CBE8A6C8EF1}" srcId="{FC5EF426-25B1-49EC-B2A8-A47698953B9E}" destId="{78D83D02-2802-4EB7-B61C-AA9F8BE2AEB5}" srcOrd="0" destOrd="0" parTransId="{66E057B7-04AC-452C-9C65-91C43303DFBD}" sibTransId="{ACF812C6-0795-41A4-900D-057873571AAE}"/>
+    <dgm:cxn modelId="{5C3F09A5-4C67-4C11-9997-1B6EFE7210A9}" type="presOf" srcId="{78D83D02-2802-4EB7-B61C-AA9F8BE2AEB5}" destId="{693342D0-6CC6-43E4-8C88-2EAE15E24035}" srcOrd="0" destOrd="0" presId="urn:microsoft.com/office/officeart/2018/2/layout/IconVerticalSolidList"/>
+    <dgm:cxn modelId="{9EDCD5B6-A3EF-44F0-95C2-31F9BCA0EFBE}" srcId="{FC5EF426-25B1-49EC-B2A8-A47698953B9E}" destId="{9FCB64AA-829A-4AC0-BB9C-5EAB27EDB076}" srcOrd="2" destOrd="0" parTransId="{BC75A17C-2D1C-4281-A6AD-F1B6AF34E66E}" sibTransId="{2F026FAF-E324-4F68-9367-CE0720BF03C8}"/>
+    <dgm:cxn modelId="{CB2283B7-BC69-48BF-A3D2-B9448B916AAA}" type="presOf" srcId="{FC5EF426-25B1-49EC-B2A8-A47698953B9E}" destId="{CA0041D8-9519-4C89-8DDD-E7122F64EBB5}" srcOrd="0" destOrd="0" presId="urn:microsoft.com/office/officeart/2018/2/layout/IconVerticalSolidList"/>
+    <dgm:cxn modelId="{9720E7C4-1D7B-4820-BE11-B42FE2AFE8B4}" srcId="{FC5EF426-25B1-49EC-B2A8-A47698953B9E}" destId="{5BE499EF-13B6-41C0-B066-4402ECBBE276}" srcOrd="1" destOrd="0" parTransId="{F45190A9-B5F3-44ED-855E-A11E70D1EC95}" sibTransId="{535B78F7-451B-4C02-BC53-FCDA8002C471}"/>
+    <dgm:cxn modelId="{856053E9-50C0-46AE-81F7-30191EE80248}" type="presOf" srcId="{5BE499EF-13B6-41C0-B066-4402ECBBE276}" destId="{E8324D58-F762-4486-8FE7-50067B2B573A}" srcOrd="0" destOrd="0" presId="urn:microsoft.com/office/officeart/2018/2/layout/IconVerticalSolidList"/>
+    <dgm:cxn modelId="{2584A0C9-8BBE-40D6-8369-00D21DD0BC3F}" type="presParOf" srcId="{CA0041D8-9519-4C89-8DDD-E7122F64EBB5}" destId="{1DCC65F8-865C-41CC-B607-62E62E94EA2A}" srcOrd="0" destOrd="0" presId="urn:microsoft.com/office/officeart/2018/2/layout/IconVerticalSolidList"/>
+    <dgm:cxn modelId="{FB3BF888-C8E6-4C47-9639-37A889B0B6F6}" type="presParOf" srcId="{1DCC65F8-865C-41CC-B607-62E62E94EA2A}" destId="{215310F9-2E59-40B2-9717-540E84BEA450}" srcOrd="0" destOrd="0" presId="urn:microsoft.com/office/officeart/2018/2/layout/IconVerticalSolidList"/>
+    <dgm:cxn modelId="{0DD71306-83E3-47CD-A7A6-E12E9978ED0C}" type="presParOf" srcId="{1DCC65F8-865C-41CC-B607-62E62E94EA2A}" destId="{C3DBE3A8-0E05-4198-BE83-7B6A9B4519F2}" srcOrd="1" destOrd="0" presId="urn:microsoft.com/office/officeart/2018/2/layout/IconVerticalSolidList"/>
+    <dgm:cxn modelId="{DBF38192-A1D3-4FC0-AD86-34AFAF10096B}" type="presParOf" srcId="{1DCC65F8-865C-41CC-B607-62E62E94EA2A}" destId="{8A88BF02-C14D-4DE6-B03B-CB4758DF46C4}" srcOrd="2" destOrd="0" presId="urn:microsoft.com/office/officeart/2018/2/layout/IconVerticalSolidList"/>
+    <dgm:cxn modelId="{5BED4EF4-5EAD-4709-915A-7E3AACEACE31}" type="presParOf" srcId="{1DCC65F8-865C-41CC-B607-62E62E94EA2A}" destId="{693342D0-6CC6-43E4-8C88-2EAE15E24035}" srcOrd="3" destOrd="0" presId="urn:microsoft.com/office/officeart/2018/2/layout/IconVerticalSolidList"/>
+    <dgm:cxn modelId="{1C8356E9-E5A0-416B-A5FC-22E74629EC6C}" type="presParOf" srcId="{CA0041D8-9519-4C89-8DDD-E7122F64EBB5}" destId="{58B4A3EC-9ED7-4DD6-8558-229C67100540}" srcOrd="1" destOrd="0" presId="urn:microsoft.com/office/officeart/2018/2/layout/IconVerticalSolidList"/>
+    <dgm:cxn modelId="{F3B1559A-3F26-4625-9AD7-A701C25A605E}" type="presParOf" srcId="{CA0041D8-9519-4C89-8DDD-E7122F64EBB5}" destId="{F3843B85-1872-4651-BAE9-210370351604}" srcOrd="2" destOrd="0" presId="urn:microsoft.com/office/officeart/2018/2/layout/IconVerticalSolidList"/>
+    <dgm:cxn modelId="{B96DAB8D-A909-4682-8523-85488E214602}" type="presParOf" srcId="{F3843B85-1872-4651-BAE9-210370351604}" destId="{2623D5A1-6FA6-411D-AA80-2C31C0448964}" srcOrd="0" destOrd="0" presId="urn:microsoft.com/office/officeart/2018/2/layout/IconVerticalSolidList"/>
+    <dgm:cxn modelId="{BC4FFC4F-051B-4F98-BD4B-A3AA3714E63D}" type="presParOf" srcId="{F3843B85-1872-4651-BAE9-210370351604}" destId="{17FF1C90-416C-493D-8F1B-629F450A58D8}" srcOrd="1" destOrd="0" presId="urn:microsoft.com/office/officeart/2018/2/layout/IconVerticalSolidList"/>
+    <dgm:cxn modelId="{531B185C-07BC-4F10-A25D-EF7F45D02E21}" type="presParOf" srcId="{F3843B85-1872-4651-BAE9-210370351604}" destId="{9BE2B9B3-908F-490A-BE1F-087869128A45}" srcOrd="2" destOrd="0" presId="urn:microsoft.com/office/officeart/2018/2/layout/IconVerticalSolidList"/>
+    <dgm:cxn modelId="{156ED7D8-1AB2-4415-9C3A-4FCF53F3AB88}" type="presParOf" srcId="{F3843B85-1872-4651-BAE9-210370351604}" destId="{E8324D58-F762-4486-8FE7-50067B2B573A}" srcOrd="3" destOrd="0" presId="urn:microsoft.com/office/officeart/2018/2/layout/IconVerticalSolidList"/>
+    <dgm:cxn modelId="{4E5FC430-DA0A-4357-B8D0-EDAE989FCF37}" type="presParOf" srcId="{CA0041D8-9519-4C89-8DDD-E7122F64EBB5}" destId="{19361974-F8B5-438D-AF71-5D40EBB48075}" srcOrd="3" destOrd="0" presId="urn:microsoft.com/office/officeart/2018/2/layout/IconVerticalSolidList"/>
+    <dgm:cxn modelId="{7D69BA98-4892-44E8-8E0D-87715E1F9DBD}" type="presParOf" srcId="{CA0041D8-9519-4C89-8DDD-E7122F64EBB5}" destId="{C7EAF495-138E-4089-A11E-90BD893BD46D}" srcOrd="4" destOrd="0" presId="urn:microsoft.com/office/officeart/2018/2/layout/IconVerticalSolidList"/>
+    <dgm:cxn modelId="{2D1E8CE8-0FAC-46A5-AA38-F37D8BF9DF26}" type="presParOf" srcId="{C7EAF495-138E-4089-A11E-90BD893BD46D}" destId="{782D5A32-B31A-49B4-8CA4-61ECAEA8598B}" srcOrd="0" destOrd="0" presId="urn:microsoft.com/office/officeart/2018/2/layout/IconVerticalSolidList"/>
+    <dgm:cxn modelId="{8D9D5441-E6C9-40EF-8093-D6BE18E0F2E0}" type="presParOf" srcId="{C7EAF495-138E-4089-A11E-90BD893BD46D}" destId="{4A207E6B-6824-4B73-BEFB-1AC4FB693E4C}" srcOrd="1" destOrd="0" presId="urn:microsoft.com/office/officeart/2018/2/layout/IconVerticalSolidList"/>
+    <dgm:cxn modelId="{696C4F6A-4631-4A2D-A1B6-AD8D8E95C695}" type="presParOf" srcId="{C7EAF495-138E-4089-A11E-90BD893BD46D}" destId="{32860CB3-707D-4FFD-BD99-297B37FD608F}" srcOrd="2" destOrd="0" presId="urn:microsoft.com/office/officeart/2018/2/layout/IconVerticalSolidList"/>
+    <dgm:cxn modelId="{07351330-4BF8-441D-B25C-5B7239F8F498}" type="presParOf" srcId="{C7EAF495-138E-4089-A11E-90BD893BD46D}" destId="{A9D1E809-D827-430B-929B-E2BC81D182DF}" srcOrd="3" destOrd="0" presId="urn:microsoft.com/office/officeart/2018/2/layout/IconVerticalSolidList"/>
+  </dgm:cxnLst>
+  <dgm:bg/>
+  <dgm:whole/>
+  <dgm:extLst>
+    <a:ext uri="http://schemas.microsoft.com/office/drawing/2008/diagram">
+      <dsp:dataModelExt xmlns:dsp="http://schemas.microsoft.com/office/drawing/2008/diagram" relId="rId6" minVer="http://schemas.openxmlformats.org/drawingml/2006/diagram"/>
+    </a:ext>
+  </dgm:extLst>
+</dgm:dataModel>
+</file>
+
+<file path=ppt/diagrams/data5.xml><?xml version="1.0" encoding="utf-8"?>
 <dgm:dataModel xmlns:dgm="http://schemas.openxmlformats.org/drawingml/2006/diagram" xmlns:a="http://schemas.openxmlformats.org/drawingml/2006/main">
   <dgm:ptLst>
     <dgm:pt modelId="{25922DD8-8F8A-4320-9871-C2E29139E235}" type="doc">
@@ -6419,6 +7669,477 @@
       <dsp:cNvGrpSpPr/>
     </dsp:nvGrpSpPr>
     <dsp:grpSpPr/>
+    <dsp:sp modelId="{215310F9-2E59-40B2-9717-540E84BEA450}">
+      <dsp:nvSpPr>
+        <dsp:cNvPr id="0" name=""/>
+        <dsp:cNvSpPr/>
+      </dsp:nvSpPr>
+      <dsp:spPr>
+        <a:xfrm>
+          <a:off x="0" y="673"/>
+          <a:ext cx="6364224" cy="1574995"/>
+        </a:xfrm>
+        <a:prstGeom prst="roundRect">
+          <a:avLst>
+            <a:gd name="adj" fmla="val 10000"/>
+          </a:avLst>
+        </a:prstGeom>
+        <a:solidFill>
+          <a:schemeClr val="bg1">
+            <a:lumMod val="95000"/>
+            <a:hueOff val="0"/>
+            <a:satOff val="0"/>
+            <a:lumOff val="0"/>
+            <a:alphaOff val="0"/>
+          </a:schemeClr>
+        </a:solidFill>
+        <a:ln>
+          <a:noFill/>
+        </a:ln>
+        <a:effectLst/>
+      </dsp:spPr>
+      <dsp:style>
+        <a:lnRef idx="0">
+          <a:scrgbClr r="0" g="0" b="0"/>
+        </a:lnRef>
+        <a:fillRef idx="1">
+          <a:scrgbClr r="0" g="0" b="0"/>
+        </a:fillRef>
+        <a:effectRef idx="0">
+          <a:scrgbClr r="0" g="0" b="0"/>
+        </a:effectRef>
+        <a:fontRef idx="minor"/>
+      </dsp:style>
+    </dsp:sp>
+    <dsp:sp modelId="{C3DBE3A8-0E05-4198-BE83-7B6A9B4519F2}">
+      <dsp:nvSpPr>
+        <dsp:cNvPr id="0" name=""/>
+        <dsp:cNvSpPr/>
+      </dsp:nvSpPr>
+      <dsp:spPr>
+        <a:xfrm>
+          <a:off x="476436" y="355047"/>
+          <a:ext cx="866247" cy="866247"/>
+        </a:xfrm>
+        <a:prstGeom prst="rect">
+          <a:avLst/>
+        </a:prstGeom>
+        <a:blipFill>
+          <a:blip xmlns:r="http://schemas.openxmlformats.org/officeDocument/2006/relationships" r:embed="rId1">
+            <a:extLst>
+              <a:ext uri="{28A0092B-C50C-407E-A947-70E740481C1C}">
+                <a14:useLocalDpi xmlns:a14="http://schemas.microsoft.com/office/drawing/2010/main" val="0"/>
+              </a:ext>
+              <a:ext uri="{96DAC541-7B7A-43D3-8B79-37D633B846F1}">
+                <asvg:svgBlip xmlns:asvg="http://schemas.microsoft.com/office/drawing/2016/SVG/main" r:embed="rId2"/>
+              </a:ext>
+            </a:extLst>
+          </a:blip>
+          <a:stretch>
+            <a:fillRect/>
+          </a:stretch>
+        </a:blipFill>
+        <a:ln w="12700" cap="flat" cmpd="sng" algn="ctr">
+          <a:noFill/>
+          <a:prstDash val="solid"/>
+          <a:miter lim="800000"/>
+        </a:ln>
+        <a:effectLst/>
+      </dsp:spPr>
+      <dsp:style>
+        <a:lnRef idx="2">
+          <a:scrgbClr r="0" g="0" b="0"/>
+        </a:lnRef>
+        <a:fillRef idx="1">
+          <a:scrgbClr r="0" g="0" b="0"/>
+        </a:fillRef>
+        <a:effectRef idx="0">
+          <a:scrgbClr r="0" g="0" b="0"/>
+        </a:effectRef>
+        <a:fontRef idx="minor">
+          <a:schemeClr val="lt1"/>
+        </a:fontRef>
+      </dsp:style>
+    </dsp:sp>
+    <dsp:sp modelId="{693342D0-6CC6-43E4-8C88-2EAE15E24035}">
+      <dsp:nvSpPr>
+        <dsp:cNvPr id="0" name=""/>
+        <dsp:cNvSpPr/>
+      </dsp:nvSpPr>
+      <dsp:spPr>
+        <a:xfrm>
+          <a:off x="1819120" y="673"/>
+          <a:ext cx="4545103" cy="1574995"/>
+        </a:xfrm>
+        <a:prstGeom prst="rect">
+          <a:avLst/>
+        </a:prstGeom>
+        <a:noFill/>
+        <a:ln>
+          <a:noFill/>
+        </a:ln>
+        <a:effectLst/>
+      </dsp:spPr>
+      <dsp:style>
+        <a:lnRef idx="0">
+          <a:scrgbClr r="0" g="0" b="0"/>
+        </a:lnRef>
+        <a:fillRef idx="0">
+          <a:scrgbClr r="0" g="0" b="0"/>
+        </a:fillRef>
+        <a:effectRef idx="0">
+          <a:scrgbClr r="0" g="0" b="0"/>
+        </a:effectRef>
+        <a:fontRef idx="minor"/>
+      </dsp:style>
+      <dsp:txBody>
+        <a:bodyPr spcFirstLastPara="0" vert="horz" wrap="square" lIns="166687" tIns="166687" rIns="166687" bIns="166687" numCol="1" spcCol="1270" anchor="ctr" anchorCtr="0">
+          <a:noAutofit/>
+        </a:bodyPr>
+        <a:lstStyle/>
+        <a:p>
+          <a:pPr marL="0" lvl="0" indent="0" algn="l" defTabSz="1111250">
+            <a:lnSpc>
+              <a:spcPct val="90000"/>
+            </a:lnSpc>
+            <a:spcBef>
+              <a:spcPct val="0"/>
+            </a:spcBef>
+            <a:spcAft>
+              <a:spcPct val="35000"/>
+            </a:spcAft>
+            <a:buNone/>
+          </a:pPr>
+          <a:r>
+            <a:rPr lang="en-GB" sz="2500" kern="1200"/>
+            <a:t>Solution OLAP</a:t>
+          </a:r>
+          <a:endParaRPr lang="en-US" sz="2500" kern="1200"/>
+        </a:p>
+      </dsp:txBody>
+      <dsp:txXfrm>
+        <a:off x="1819120" y="673"/>
+        <a:ext cx="4545103" cy="1574995"/>
+      </dsp:txXfrm>
+    </dsp:sp>
+    <dsp:sp modelId="{2623D5A1-6FA6-411D-AA80-2C31C0448964}">
+      <dsp:nvSpPr>
+        <dsp:cNvPr id="0" name=""/>
+        <dsp:cNvSpPr/>
+      </dsp:nvSpPr>
+      <dsp:spPr>
+        <a:xfrm>
+          <a:off x="0" y="1969418"/>
+          <a:ext cx="6364224" cy="1574995"/>
+        </a:xfrm>
+        <a:prstGeom prst="roundRect">
+          <a:avLst>
+            <a:gd name="adj" fmla="val 10000"/>
+          </a:avLst>
+        </a:prstGeom>
+        <a:solidFill>
+          <a:schemeClr val="bg1">
+            <a:lumMod val="95000"/>
+            <a:hueOff val="0"/>
+            <a:satOff val="0"/>
+            <a:lumOff val="0"/>
+            <a:alphaOff val="0"/>
+          </a:schemeClr>
+        </a:solidFill>
+        <a:ln>
+          <a:noFill/>
+        </a:ln>
+        <a:effectLst/>
+      </dsp:spPr>
+      <dsp:style>
+        <a:lnRef idx="0">
+          <a:scrgbClr r="0" g="0" b="0"/>
+        </a:lnRef>
+        <a:fillRef idx="1">
+          <a:scrgbClr r="0" g="0" b="0"/>
+        </a:fillRef>
+        <a:effectRef idx="0">
+          <a:scrgbClr r="0" g="0" b="0"/>
+        </a:effectRef>
+        <a:fontRef idx="minor"/>
+      </dsp:style>
+    </dsp:sp>
+    <dsp:sp modelId="{17FF1C90-416C-493D-8F1B-629F450A58D8}">
+      <dsp:nvSpPr>
+        <dsp:cNvPr id="0" name=""/>
+        <dsp:cNvSpPr/>
+      </dsp:nvSpPr>
+      <dsp:spPr>
+        <a:xfrm>
+          <a:off x="476436" y="2323792"/>
+          <a:ext cx="866247" cy="866247"/>
+        </a:xfrm>
+        <a:prstGeom prst="rect">
+          <a:avLst/>
+        </a:prstGeom>
+        <a:blipFill>
+          <a:blip xmlns:r="http://schemas.openxmlformats.org/officeDocument/2006/relationships" r:embed="rId3">
+            <a:extLst>
+              <a:ext uri="{28A0092B-C50C-407E-A947-70E740481C1C}">
+                <a14:useLocalDpi xmlns:a14="http://schemas.microsoft.com/office/drawing/2010/main" val="0"/>
+              </a:ext>
+              <a:ext uri="{96DAC541-7B7A-43D3-8B79-37D633B846F1}">
+                <asvg:svgBlip xmlns:asvg="http://schemas.microsoft.com/office/drawing/2016/SVG/main" r:embed="rId4"/>
+              </a:ext>
+            </a:extLst>
+          </a:blip>
+          <a:stretch>
+            <a:fillRect/>
+          </a:stretch>
+        </a:blipFill>
+        <a:ln w="12700" cap="flat" cmpd="sng" algn="ctr">
+          <a:noFill/>
+          <a:prstDash val="solid"/>
+          <a:miter lim="800000"/>
+        </a:ln>
+        <a:effectLst/>
+      </dsp:spPr>
+      <dsp:style>
+        <a:lnRef idx="2">
+          <a:scrgbClr r="0" g="0" b="0"/>
+        </a:lnRef>
+        <a:fillRef idx="1">
+          <a:scrgbClr r="0" g="0" b="0"/>
+        </a:fillRef>
+        <a:effectRef idx="0">
+          <a:scrgbClr r="0" g="0" b="0"/>
+        </a:effectRef>
+        <a:fontRef idx="minor">
+          <a:schemeClr val="lt1"/>
+        </a:fontRef>
+      </dsp:style>
+    </dsp:sp>
+    <dsp:sp modelId="{E8324D58-F762-4486-8FE7-50067B2B573A}">
+      <dsp:nvSpPr>
+        <dsp:cNvPr id="0" name=""/>
+        <dsp:cNvSpPr/>
+      </dsp:nvSpPr>
+      <dsp:spPr>
+        <a:xfrm>
+          <a:off x="1819120" y="1969418"/>
+          <a:ext cx="4545103" cy="1574995"/>
+        </a:xfrm>
+        <a:prstGeom prst="rect">
+          <a:avLst/>
+        </a:prstGeom>
+        <a:noFill/>
+        <a:ln>
+          <a:noFill/>
+        </a:ln>
+        <a:effectLst/>
+      </dsp:spPr>
+      <dsp:style>
+        <a:lnRef idx="0">
+          <a:scrgbClr r="0" g="0" b="0"/>
+        </a:lnRef>
+        <a:fillRef idx="0">
+          <a:scrgbClr r="0" g="0" b="0"/>
+        </a:fillRef>
+        <a:effectRef idx="0">
+          <a:scrgbClr r="0" g="0" b="0"/>
+        </a:effectRef>
+        <a:fontRef idx="minor"/>
+      </dsp:style>
+      <dsp:txBody>
+        <a:bodyPr spcFirstLastPara="0" vert="horz" wrap="square" lIns="166687" tIns="166687" rIns="166687" bIns="166687" numCol="1" spcCol="1270" anchor="ctr" anchorCtr="0">
+          <a:noAutofit/>
+        </a:bodyPr>
+        <a:lstStyle/>
+        <a:p>
+          <a:pPr marL="0" lvl="0" indent="0" algn="l" defTabSz="1111250">
+            <a:lnSpc>
+              <a:spcPct val="90000"/>
+            </a:lnSpc>
+            <a:spcBef>
+              <a:spcPct val="0"/>
+            </a:spcBef>
+            <a:spcAft>
+              <a:spcPct val="35000"/>
+            </a:spcAft>
+            <a:buNone/>
+          </a:pPr>
+          <a:r>
+            <a:rPr lang="en-GB" sz="2500" kern="1200"/>
+            <a:t>Rapport liaison Cube</a:t>
+          </a:r>
+          <a:endParaRPr lang="en-US" sz="2500" kern="1200"/>
+        </a:p>
+      </dsp:txBody>
+      <dsp:txXfrm>
+        <a:off x="1819120" y="1969418"/>
+        <a:ext cx="4545103" cy="1574995"/>
+      </dsp:txXfrm>
+    </dsp:sp>
+    <dsp:sp modelId="{782D5A32-B31A-49B4-8CA4-61ECAEA8598B}">
+      <dsp:nvSpPr>
+        <dsp:cNvPr id="0" name=""/>
+        <dsp:cNvSpPr/>
+      </dsp:nvSpPr>
+      <dsp:spPr>
+        <a:xfrm>
+          <a:off x="0" y="3938162"/>
+          <a:ext cx="6364224" cy="1574995"/>
+        </a:xfrm>
+        <a:prstGeom prst="roundRect">
+          <a:avLst>
+            <a:gd name="adj" fmla="val 10000"/>
+          </a:avLst>
+        </a:prstGeom>
+        <a:solidFill>
+          <a:schemeClr val="bg1">
+            <a:lumMod val="95000"/>
+            <a:hueOff val="0"/>
+            <a:satOff val="0"/>
+            <a:lumOff val="0"/>
+            <a:alphaOff val="0"/>
+          </a:schemeClr>
+        </a:solidFill>
+        <a:ln>
+          <a:noFill/>
+        </a:ln>
+        <a:effectLst/>
+      </dsp:spPr>
+      <dsp:style>
+        <a:lnRef idx="0">
+          <a:scrgbClr r="0" g="0" b="0"/>
+        </a:lnRef>
+        <a:fillRef idx="1">
+          <a:scrgbClr r="0" g="0" b="0"/>
+        </a:fillRef>
+        <a:effectRef idx="0">
+          <a:scrgbClr r="0" g="0" b="0"/>
+        </a:effectRef>
+        <a:fontRef idx="minor"/>
+      </dsp:style>
+    </dsp:sp>
+    <dsp:sp modelId="{4A207E6B-6824-4B73-BEFB-1AC4FB693E4C}">
+      <dsp:nvSpPr>
+        <dsp:cNvPr id="0" name=""/>
+        <dsp:cNvSpPr/>
+      </dsp:nvSpPr>
+      <dsp:spPr>
+        <a:xfrm>
+          <a:off x="476436" y="4292537"/>
+          <a:ext cx="866247" cy="866247"/>
+        </a:xfrm>
+        <a:prstGeom prst="rect">
+          <a:avLst/>
+        </a:prstGeom>
+        <a:blipFill>
+          <a:blip xmlns:r="http://schemas.openxmlformats.org/officeDocument/2006/relationships" r:embed="rId5">
+            <a:extLst>
+              <a:ext uri="{28A0092B-C50C-407E-A947-70E740481C1C}">
+                <a14:useLocalDpi xmlns:a14="http://schemas.microsoft.com/office/drawing/2010/main" val="0"/>
+              </a:ext>
+              <a:ext uri="{96DAC541-7B7A-43D3-8B79-37D633B846F1}">
+                <asvg:svgBlip xmlns:asvg="http://schemas.microsoft.com/office/drawing/2016/SVG/main" r:embed="rId6"/>
+              </a:ext>
+            </a:extLst>
+          </a:blip>
+          <a:stretch>
+            <a:fillRect/>
+          </a:stretch>
+        </a:blipFill>
+        <a:ln w="12700" cap="flat" cmpd="sng" algn="ctr">
+          <a:noFill/>
+          <a:prstDash val="solid"/>
+          <a:miter lim="800000"/>
+        </a:ln>
+        <a:effectLst/>
+      </dsp:spPr>
+      <dsp:style>
+        <a:lnRef idx="2">
+          <a:scrgbClr r="0" g="0" b="0"/>
+        </a:lnRef>
+        <a:fillRef idx="1">
+          <a:scrgbClr r="0" g="0" b="0"/>
+        </a:fillRef>
+        <a:effectRef idx="0">
+          <a:scrgbClr r="0" g="0" b="0"/>
+        </a:effectRef>
+        <a:fontRef idx="minor">
+          <a:schemeClr val="lt1"/>
+        </a:fontRef>
+      </dsp:style>
+    </dsp:sp>
+    <dsp:sp modelId="{A9D1E809-D827-430B-929B-E2BC81D182DF}">
+      <dsp:nvSpPr>
+        <dsp:cNvPr id="0" name=""/>
+        <dsp:cNvSpPr/>
+      </dsp:nvSpPr>
+      <dsp:spPr>
+        <a:xfrm>
+          <a:off x="1819120" y="3938162"/>
+          <a:ext cx="4545103" cy="1574995"/>
+        </a:xfrm>
+        <a:prstGeom prst="rect">
+          <a:avLst/>
+        </a:prstGeom>
+        <a:noFill/>
+        <a:ln>
+          <a:noFill/>
+        </a:ln>
+        <a:effectLst/>
+      </dsp:spPr>
+      <dsp:style>
+        <a:lnRef idx="0">
+          <a:scrgbClr r="0" g="0" b="0"/>
+        </a:lnRef>
+        <a:fillRef idx="0">
+          <a:scrgbClr r="0" g="0" b="0"/>
+        </a:fillRef>
+        <a:effectRef idx="0">
+          <a:scrgbClr r="0" g="0" b="0"/>
+        </a:effectRef>
+        <a:fontRef idx="minor"/>
+      </dsp:style>
+      <dsp:txBody>
+        <a:bodyPr spcFirstLastPara="0" vert="horz" wrap="square" lIns="166687" tIns="166687" rIns="166687" bIns="166687" numCol="1" spcCol="1270" anchor="ctr" anchorCtr="0">
+          <a:noAutofit/>
+        </a:bodyPr>
+        <a:lstStyle/>
+        <a:p>
+          <a:pPr marL="0" lvl="0" indent="0" algn="l" defTabSz="1111250">
+            <a:lnSpc>
+              <a:spcPct val="90000"/>
+            </a:lnSpc>
+            <a:spcBef>
+              <a:spcPct val="0"/>
+            </a:spcBef>
+            <a:spcAft>
+              <a:spcPct val="35000"/>
+            </a:spcAft>
+            <a:buNone/>
+          </a:pPr>
+          <a:r>
+            <a:rPr lang="en-GB" sz="2500" kern="1200"/>
+            <a:t>Flux prochain SSIS</a:t>
+          </a:r>
+          <a:endParaRPr lang="en-US" sz="2500" kern="1200"/>
+        </a:p>
+      </dsp:txBody>
+      <dsp:txXfrm>
+        <a:off x="1819120" y="3938162"/>
+        <a:ext cx="4545103" cy="1574995"/>
+      </dsp:txXfrm>
+    </dsp:sp>
+  </dsp:spTree>
+</dsp:drawing>
+</file>
+
+<file path=ppt/diagrams/drawing5.xml><?xml version="1.0" encoding="utf-8"?>
+<dsp:drawing xmlns:dgm="http://schemas.openxmlformats.org/drawingml/2006/diagram" xmlns:dsp="http://schemas.microsoft.com/office/drawing/2008/diagram" xmlns:a="http://schemas.openxmlformats.org/drawingml/2006/main">
+  <dsp:spTree>
+    <dsp:nvGrpSpPr>
+      <dsp:cNvPr id="0" name=""/>
+      <dsp:cNvGrpSpPr/>
+    </dsp:nvGrpSpPr>
+    <dsp:grpSpPr/>
     <dsp:sp modelId="{87D803DC-6A14-4193-8EC8-F68014A05E85}">
       <dsp:nvSpPr>
         <dsp:cNvPr id="0" name=""/>
@@ -7685,6 +9406,300 @@
 </file>
 
 <file path=ppt/diagrams/layout4.xml><?xml version="1.0" encoding="utf-8"?>
+<dgm:layoutDef xmlns:dgm="http://schemas.openxmlformats.org/drawingml/2006/diagram" xmlns:a="http://schemas.openxmlformats.org/drawingml/2006/main" uniqueId="urn:microsoft.com/office/officeart/2018/2/layout/IconVerticalSolidList">
+  <dgm:title val="Icon Vertical Solid List"/>
+  <dgm:desc val="Use to show a series of visuals from top to bottom with Level 1 or Level 1 and Level 2 text grouped in a shape. Works best with icons or small pictures with lengthier descriptions."/>
+  <dgm:catLst>
+    <dgm:cat type="icon" pri="500"/>
+  </dgm:catLst>
+  <dgm:sampData useDef="1">
+    <dgm:dataModel>
+      <dgm:ptLst/>
+      <dgm:bg/>
+      <dgm:whole/>
+    </dgm:dataModel>
+  </dgm:sampData>
+  <dgm:styleData useDef="1">
+    <dgm:dataModel>
+      <dgm:ptLst/>
+      <dgm:bg/>
+      <dgm:whole/>
+    </dgm:dataModel>
+  </dgm:styleData>
+  <dgm:clrData useDef="1">
+    <dgm:dataModel>
+      <dgm:ptLst/>
+      <dgm:bg/>
+      <dgm:whole/>
+    </dgm:dataModel>
+  </dgm:clrData>
+  <dgm:layoutNode name="root">
+    <dgm:varLst>
+      <dgm:dir/>
+      <dgm:resizeHandles val="exact"/>
+    </dgm:varLst>
+    <dgm:choose name="Name0">
+      <dgm:if name="Name1" axis="self" func="var" arg="dir" op="equ" val="norm">
+        <dgm:alg type="lin">
+          <dgm:param type="linDir" val="fromT"/>
+          <dgm:param type="nodeHorzAlign" val="l"/>
+        </dgm:alg>
+      </dgm:if>
+      <dgm:else name="Name2">
+        <dgm:alg type="lin">
+          <dgm:param type="linDir" val="fromT"/>
+          <dgm:param type="nodeHorzAlign" val="r"/>
+        </dgm:alg>
+      </dgm:else>
+    </dgm:choose>
+    <dgm:shape xmlns:r="http://schemas.openxmlformats.org/officeDocument/2006/relationships" r:blip="">
+      <dgm:adjLst/>
+    </dgm:shape>
+    <dgm:presOf/>
+    <dgm:choose name="Name3">
+      <dgm:if name="Name4" axis="ch" ptType="node" func="cnt" op="lte" val="3">
+        <dgm:constrLst>
+          <dgm:constr type="h" for="ch" forName="compNode" refType="h" fact="0.3"/>
+          <dgm:constr type="w" for="ch" forName="compNode" refType="w"/>
+          <dgm:constr type="h" for="ch" forName="sibTrans" refType="h" refFor="ch" refForName="compNode" fact="0.25"/>
+          <dgm:constr type="primFontSz" for="des" forName="parTx" val="25"/>
+          <dgm:constr type="primFontSz" for="des" forName="desTx" refType="primFontSz" refFor="des" refForName="parTx" op="lte" fact="0.75"/>
+          <dgm:constr type="h" for="des" forName="compNode" op="equ"/>
+          <dgm:constr type="h" for="des" forName="bgRect" op="equ"/>
+          <dgm:constr type="h" for="des" forName="iconRect" op="equ"/>
+          <dgm:constr type="w" for="des" forName="iconRect" op="equ"/>
+          <dgm:constr type="h" for="des" forName="spaceRect" op="equ"/>
+          <dgm:constr type="h" for="des" forName="parTx" op="equ"/>
+          <dgm:constr type="h" for="des" forName="desTx" op="equ"/>
+        </dgm:constrLst>
+      </dgm:if>
+      <dgm:if name="Name5" axis="ch" ptType="node" func="cnt" op="lte" val="4">
+        <dgm:constrLst>
+          <dgm:constr type="h" for="ch" forName="compNode" refType="h" fact="0.3"/>
+          <dgm:constr type="w" for="ch" forName="compNode" refType="w"/>
+          <dgm:constr type="h" for="ch" forName="sibTrans" refType="h" refFor="ch" refForName="compNode" fact="0.25"/>
+          <dgm:constr type="primFontSz" for="des" forName="parTx" val="22"/>
+          <dgm:constr type="primFontSz" for="des" forName="desTx" refType="primFontSz" refFor="des" refForName="parTx" op="lte" fact="0.75"/>
+          <dgm:constr type="h" for="des" forName="compNode" op="equ"/>
+          <dgm:constr type="h" for="des" forName="bgRect" op="equ"/>
+          <dgm:constr type="h" for="des" forName="iconRect" op="equ"/>
+          <dgm:constr type="w" for="des" forName="iconRect" op="equ"/>
+          <dgm:constr type="h" for="des" forName="spaceRect" op="equ"/>
+          <dgm:constr type="h" for="des" forName="parTx" op="equ"/>
+          <dgm:constr type="h" for="des" forName="desTx" op="equ"/>
+        </dgm:constrLst>
+      </dgm:if>
+      <dgm:if name="Name6" axis="ch" ptType="node" func="cnt" op="lte" val="6">
+        <dgm:constrLst>
+          <dgm:constr type="h" for="ch" forName="compNode" refType="h" fact="0.3"/>
+          <dgm:constr type="w" for="ch" forName="compNode" refType="w"/>
+          <dgm:constr type="h" for="ch" forName="sibTrans" refType="h" refFor="ch" refForName="compNode" fact="0.25"/>
+          <dgm:constr type="primFontSz" for="des" forName="parTx" val="19"/>
+          <dgm:constr type="primFontSz" for="des" forName="desTx" refType="primFontSz" refFor="des" refForName="parTx" op="lte" fact="0.75"/>
+          <dgm:constr type="h" for="des" forName="compNode" op="equ"/>
+          <dgm:constr type="h" for="des" forName="bgRect" op="equ"/>
+          <dgm:constr type="h" for="des" forName="iconRect" op="equ"/>
+          <dgm:constr type="w" for="des" forName="iconRect" op="equ"/>
+          <dgm:constr type="h" for="des" forName="spaceRect" op="equ"/>
+          <dgm:constr type="h" for="des" forName="parTx" op="equ"/>
+          <dgm:constr type="h" for="des" forName="desTx" op="equ"/>
+        </dgm:constrLst>
+      </dgm:if>
+      <dgm:else name="Name7">
+        <dgm:constrLst>
+          <dgm:constr type="h" for="ch" forName="compNode" refType="h" fact="0.3"/>
+          <dgm:constr type="w" for="ch" forName="compNode" refType="w"/>
+          <dgm:constr type="h" for="ch" forName="sibTrans" refType="h" refFor="ch" refForName="compNode" fact="0.25"/>
+          <dgm:constr type="primFontSz" for="des" forName="parTx" val="16"/>
+          <dgm:constr type="primFontSz" for="des" forName="desTx" refType="primFontSz" refFor="des" refForName="parTx" op="lte" fact="0.75"/>
+          <dgm:constr type="h" for="des" forName="compNode" op="equ"/>
+          <dgm:constr type="h" for="des" forName="bgRect" op="equ"/>
+          <dgm:constr type="h" for="des" forName="iconRect" op="equ"/>
+          <dgm:constr type="w" for="des" forName="iconRect" op="equ"/>
+          <dgm:constr type="h" for="des" forName="spaceRect" op="equ"/>
+          <dgm:constr type="h" for="des" forName="parTx" op="equ"/>
+          <dgm:constr type="h" for="des" forName="desTx" op="equ"/>
+        </dgm:constrLst>
+      </dgm:else>
+    </dgm:choose>
+    <dgm:ruleLst>
+      <dgm:rule type="h" for="ch" forName="compNode" val="0" fact="NaN" max="NaN"/>
+    </dgm:ruleLst>
+    <dgm:forEach name="Name8" axis="ch" ptType="node">
+      <dgm:layoutNode name="compNode">
+        <dgm:alg type="composite"/>
+        <dgm:shape xmlns:r="http://schemas.openxmlformats.org/officeDocument/2006/relationships" r:blip="">
+          <dgm:adjLst/>
+        </dgm:shape>
+        <dgm:presOf axis="self"/>
+        <dgm:choose name="Name9">
+          <dgm:if name="Name10" axis="ch" ptType="node" func="cnt" op="gte" val="1">
+            <dgm:constrLst>
+              <dgm:constr type="w" for="ch" forName="bgRect" refType="w"/>
+              <dgm:constr type="h" for="ch" forName="bgRect" refType="h"/>
+              <dgm:constr type="l" for="ch" forName="bgRect"/>
+              <dgm:constr type="t" for="ch" forName="bgRect"/>
+              <dgm:constr type="h" for="ch" forName="iconRect" refType="h" fact="0.55"/>
+              <dgm:constr type="w" for="ch" forName="iconRect" refType="h" refFor="ch" refForName="iconRect"/>
+              <dgm:constr type="l" for="ch" forName="iconRect" refType="h" refFor="ch" refForName="iconRect" fact="0.55"/>
+              <dgm:constr type="ctrY" for="ch" forName="iconRect" refType="ctrY" refFor="ch" refForName="bgRect"/>
+              <dgm:constr type="w" for="ch" forName="spaceRect" refType="l" refFor="ch" refForName="iconRect"/>
+              <dgm:constr type="h" for="ch" forName="spaceRect" refType="h"/>
+              <dgm:constr type="l" for="ch" forName="spaceRect" refType="r" refFor="ch" refForName="iconRect"/>
+              <dgm:constr type="t" for="ch" forName="spaceRect"/>
+              <dgm:constr type="w" for="ch" forName="parTx" refType="w" fact="0.45"/>
+              <dgm:constr type="h" for="ch" forName="parTx" refType="h"/>
+              <dgm:constr type="l" for="ch" forName="parTx" refType="r" refFor="ch" refForName="spaceRect"/>
+              <dgm:constr type="t" for="ch" forName="parTx"/>
+              <dgm:constr type="h" for="ch" forName="desTx" refType="h"/>
+              <dgm:constr type="l" for="ch" forName="desTx" refType="r" refFor="ch" refForName="parTx"/>
+              <dgm:constr type="t" for="ch" forName="desTx"/>
+            </dgm:constrLst>
+          </dgm:if>
+          <dgm:else name="Name11">
+            <dgm:constrLst>
+              <dgm:constr type="w" for="ch" forName="bgRect" refType="w"/>
+              <dgm:constr type="h" for="ch" forName="bgRect" refType="h"/>
+              <dgm:constr type="l" for="ch" forName="bgRect"/>
+              <dgm:constr type="t" for="ch" forName="bgRect"/>
+              <dgm:constr type="h" for="ch" forName="iconRect" refType="h" fact="0.55"/>
+              <dgm:constr type="w" for="ch" forName="iconRect" refType="h" refFor="ch" refForName="iconRect"/>
+              <dgm:constr type="l" for="ch" forName="iconRect" refType="h" refFor="ch" refForName="iconRect" fact="0.55"/>
+              <dgm:constr type="ctrY" for="ch" forName="iconRect" refType="ctrY" refFor="ch" refForName="bgRect"/>
+              <dgm:constr type="w" for="ch" forName="spaceRect" refType="l" refFor="ch" refForName="iconRect"/>
+              <dgm:constr type="h" for="ch" forName="spaceRect" refType="h"/>
+              <dgm:constr type="l" for="ch" forName="spaceRect" refType="r" refFor="ch" refForName="iconRect"/>
+              <dgm:constr type="t" for="ch" forName="spaceRect"/>
+              <dgm:constr type="h" for="ch" forName="parTx" refType="h"/>
+              <dgm:constr type="l" for="ch" forName="parTx" refType="r" refFor="ch" refForName="spaceRect"/>
+              <dgm:constr type="t" for="ch" forName="parTx"/>
+            </dgm:constrLst>
+          </dgm:else>
+        </dgm:choose>
+        <dgm:ruleLst>
+          <dgm:rule type="h" val="INF" fact="NaN" max="NaN"/>
+        </dgm:ruleLst>
+        <dgm:layoutNode name="bgRect" styleLbl="bgShp">
+          <dgm:alg type="sp"/>
+          <dgm:shape xmlns:r="http://schemas.openxmlformats.org/officeDocument/2006/relationships" type="roundRect" r:blip="">
+            <dgm:adjLst>
+              <dgm:adj idx="1" val="0.1"/>
+            </dgm:adjLst>
+          </dgm:shape>
+          <dgm:presOf/>
+          <dgm:constrLst/>
+          <dgm:ruleLst/>
+        </dgm:layoutNode>
+        <dgm:layoutNode name="iconRect" styleLbl="node1">
+          <dgm:alg type="sp"/>
+          <dgm:shape xmlns:r="http://schemas.openxmlformats.org/officeDocument/2006/relationships" type="rect" r:blip="" blipPhldr="1">
+            <dgm:adjLst/>
+          </dgm:shape>
+          <dgm:presOf/>
+          <dgm:constrLst/>
+          <dgm:ruleLst/>
+        </dgm:layoutNode>
+        <dgm:layoutNode name="spaceRect">
+          <dgm:alg type="sp"/>
+          <dgm:shape xmlns:r="http://schemas.openxmlformats.org/officeDocument/2006/relationships" r:blip="">
+            <dgm:adjLst/>
+          </dgm:shape>
+          <dgm:presOf/>
+          <dgm:constrLst/>
+          <dgm:ruleLst/>
+        </dgm:layoutNode>
+        <dgm:layoutNode name="parTx" styleLbl="revTx">
+          <dgm:varLst>
+            <dgm:chMax val="0"/>
+            <dgm:chPref val="0"/>
+          </dgm:varLst>
+          <dgm:alg type="tx">
+            <dgm:param type="txAnchorVert" val="mid"/>
+            <dgm:param type="parTxLTRAlign" val="l"/>
+            <dgm:param type="shpTxLTRAlignCh" val="l"/>
+            <dgm:param type="parTxRTLAlign" val="r"/>
+            <dgm:param type="shpTxRTLAlignCh" val="r"/>
+          </dgm:alg>
+          <dgm:shape xmlns:r="http://schemas.openxmlformats.org/officeDocument/2006/relationships" type="rect" r:blip="">
+            <dgm:adjLst/>
+          </dgm:shape>
+          <dgm:presOf axis="self" ptType="node"/>
+          <dgm:constrLst>
+            <dgm:constr type="lMarg" refType="h" fact="0.3"/>
+            <dgm:constr type="rMarg" refType="h" fact="0.3"/>
+            <dgm:constr type="tMarg" refType="h" fact="0.3"/>
+            <dgm:constr type="bMarg" refType="h" fact="0.3"/>
+          </dgm:constrLst>
+          <dgm:ruleLst>
+            <dgm:rule type="primFontSz" val="14" fact="NaN" max="NaN"/>
+            <dgm:rule type="h" val="INF" fact="NaN" max="NaN"/>
+          </dgm:ruleLst>
+        </dgm:layoutNode>
+        <dgm:choose name="Name12">
+          <dgm:if name="Name13" axis="ch" ptType="node" func="cnt" op="gte" val="1">
+            <dgm:layoutNode name="desTx" styleLbl="revTx">
+              <dgm:varLst/>
+              <dgm:alg type="tx">
+                <dgm:param type="txAnchorVertCh" val="mid"/>
+                <dgm:param type="parTxLTRAlign" val="l"/>
+                <dgm:param type="shpTxLTRAlignCh" val="l"/>
+                <dgm:param type="parTxRTLAlign" val="r"/>
+                <dgm:param type="shpTxRTLAlignCh" val="r"/>
+                <dgm:param type="stBulletLvl" val="0"/>
+              </dgm:alg>
+              <dgm:shape xmlns:r="http://schemas.openxmlformats.org/officeDocument/2006/relationships" type="rect" r:blip="">
+                <dgm:adjLst/>
+              </dgm:shape>
+              <dgm:presOf axis="des" ptType="node"/>
+              <dgm:constrLst>
+                <dgm:constr type="primFontSz" val="18"/>
+                <dgm:constr type="secFontSz" refType="primFontSz"/>
+                <dgm:constr type="lMarg" refType="h" fact="0.3"/>
+                <dgm:constr type="rMarg" refType="h" fact="0.3"/>
+                <dgm:constr type="tMarg" refType="h" fact="0.3"/>
+                <dgm:constr type="bMarg" refType="h" fact="0.3"/>
+              </dgm:constrLst>
+              <dgm:ruleLst>
+                <dgm:rule type="primFontSz" val="11" fact="NaN" max="NaN"/>
+              </dgm:ruleLst>
+            </dgm:layoutNode>
+          </dgm:if>
+          <dgm:else name="Name14"/>
+        </dgm:choose>
+      </dgm:layoutNode>
+      <dgm:forEach name="Name15" axis="followSib" ptType="sibTrans" cnt="1">
+        <dgm:layoutNode name="sibTrans">
+          <dgm:alg type="sp"/>
+          <dgm:shape xmlns:r="http://schemas.openxmlformats.org/officeDocument/2006/relationships" r:blip="">
+            <dgm:adjLst/>
+          </dgm:shape>
+          <dgm:presOf axis="self"/>
+          <dgm:constrLst/>
+          <dgm:ruleLst/>
+        </dgm:layoutNode>
+      </dgm:forEach>
+    </dgm:forEach>
+  </dgm:layoutNode>
+  <dgm:extLst>
+    <a:ext uri="{68A01E43-0DF5-4B5B-8FA6-DAF915123BFB}">
+      <dgm1612:lstStyle xmlns:dgm1612="http://schemas.microsoft.com/office/drawing/2016/12/diagram">
+        <a:lvl1pPr>
+          <a:lnSpc>
+            <a:spcPct val="100000"/>
+          </a:lnSpc>
+        </a:lvl1pPr>
+        <a:lvl2pPr>
+          <a:lnSpc>
+            <a:spcPct val="100000"/>
+          </a:lnSpc>
+        </a:lvl2pPr>
+      </dgm1612:lstStyle>
+    </a:ext>
+  </dgm:extLst>
+</dgm:layoutDef>
+</file>
+
+<file path=ppt/diagrams/layout5.xml><?xml version="1.0" encoding="utf-8"?>
 <dgm:layoutDef xmlns:dgm="http://schemas.openxmlformats.org/drawingml/2006/diagram" xmlns:a="http://schemas.openxmlformats.org/drawingml/2006/main" uniqueId="urn:microsoft.com/office/officeart/2018/2/layout/IconLabelDescriptionList">
   <dgm:title val="Icon Label Description List"/>
   <dgm:desc val="Use to show non-sequential or grouped chunks of information. The placeholder holds an icon or small picture, and corresponding text boxes show Level 1 and Level 2 text respectively. Works well for minimal Level 1 text accompanied by lengthier Level two text."/>
@@ -10996,6 +13011,1040 @@
 </file>
 
 <file path=ppt/diagrams/quickStyle4.xml><?xml version="1.0" encoding="utf-8"?>
+<dgm:styleDef xmlns:dgm="http://schemas.openxmlformats.org/drawingml/2006/diagram" xmlns:a="http://schemas.openxmlformats.org/drawingml/2006/main" uniqueId="urn:microsoft.com/office/officeart/2005/8/quickstyle/simple1">
+  <dgm:title val=""/>
+  <dgm:desc val=""/>
+  <dgm:catLst>
+    <dgm:cat type="simple" pri="10100"/>
+  </dgm:catLst>
+  <dgm:scene3d>
+    <a:camera prst="orthographicFront"/>
+    <a:lightRig rig="threePt" dir="t"/>
+  </dgm:scene3d>
+  <dgm:styleLbl name="node0">
+    <dgm:scene3d>
+      <a:camera prst="orthographicFront"/>
+      <a:lightRig rig="threePt" dir="t"/>
+    </dgm:scene3d>
+    <dgm:sp3d/>
+    <dgm:txPr/>
+    <dgm:style>
+      <a:lnRef idx="2">
+        <a:scrgbClr r="0" g="0" b="0"/>
+      </a:lnRef>
+      <a:fillRef idx="1">
+        <a:scrgbClr r="0" g="0" b="0"/>
+      </a:fillRef>
+      <a:effectRef idx="0">
+        <a:scrgbClr r="0" g="0" b="0"/>
+      </a:effectRef>
+      <a:fontRef idx="minor">
+        <a:schemeClr val="lt1"/>
+      </a:fontRef>
+    </dgm:style>
+  </dgm:styleLbl>
+  <dgm:styleLbl name="lnNode1">
+    <dgm:scene3d>
+      <a:camera prst="orthographicFront"/>
+      <a:lightRig rig="threePt" dir="t"/>
+    </dgm:scene3d>
+    <dgm:sp3d/>
+    <dgm:txPr/>
+    <dgm:style>
+      <a:lnRef idx="2">
+        <a:scrgbClr r="0" g="0" b="0"/>
+      </a:lnRef>
+      <a:fillRef idx="1">
+        <a:scrgbClr r="0" g="0" b="0"/>
+      </a:fillRef>
+      <a:effectRef idx="0">
+        <a:scrgbClr r="0" g="0" b="0"/>
+      </a:effectRef>
+      <a:fontRef idx="minor">
+        <a:schemeClr val="lt1"/>
+      </a:fontRef>
+    </dgm:style>
+  </dgm:styleLbl>
+  <dgm:styleLbl name="vennNode1">
+    <dgm:scene3d>
+      <a:camera prst="orthographicFront"/>
+      <a:lightRig rig="threePt" dir="t"/>
+    </dgm:scene3d>
+    <dgm:sp3d/>
+    <dgm:txPr/>
+    <dgm:style>
+      <a:lnRef idx="2">
+        <a:scrgbClr r="0" g="0" b="0"/>
+      </a:lnRef>
+      <a:fillRef idx="1">
+        <a:scrgbClr r="0" g="0" b="0"/>
+      </a:fillRef>
+      <a:effectRef idx="0">
+        <a:scrgbClr r="0" g="0" b="0"/>
+      </a:effectRef>
+      <a:fontRef idx="minor">
+        <a:schemeClr val="tx1"/>
+      </a:fontRef>
+    </dgm:style>
+  </dgm:styleLbl>
+  <dgm:styleLbl name="alignNode1">
+    <dgm:scene3d>
+      <a:camera prst="orthographicFront"/>
+      <a:lightRig rig="threePt" dir="t"/>
+    </dgm:scene3d>
+    <dgm:sp3d/>
+    <dgm:txPr/>
+    <dgm:style>
+      <a:lnRef idx="2">
+        <a:scrgbClr r="0" g="0" b="0"/>
+      </a:lnRef>
+      <a:fillRef idx="1">
+        <a:scrgbClr r="0" g="0" b="0"/>
+      </a:fillRef>
+      <a:effectRef idx="0">
+        <a:scrgbClr r="0" g="0" b="0"/>
+      </a:effectRef>
+      <a:fontRef idx="minor">
+        <a:schemeClr val="lt1"/>
+      </a:fontRef>
+    </dgm:style>
+  </dgm:styleLbl>
+  <dgm:styleLbl name="node1">
+    <dgm:scene3d>
+      <a:camera prst="orthographicFront"/>
+      <a:lightRig rig="threePt" dir="t"/>
+    </dgm:scene3d>
+    <dgm:sp3d/>
+    <dgm:txPr/>
+    <dgm:style>
+      <a:lnRef idx="2">
+        <a:scrgbClr r="0" g="0" b="0"/>
+      </a:lnRef>
+      <a:fillRef idx="1">
+        <a:scrgbClr r="0" g="0" b="0"/>
+      </a:fillRef>
+      <a:effectRef idx="0">
+        <a:scrgbClr r="0" g="0" b="0"/>
+      </a:effectRef>
+      <a:fontRef idx="minor">
+        <a:schemeClr val="lt1"/>
+      </a:fontRef>
+    </dgm:style>
+  </dgm:styleLbl>
+  <dgm:styleLbl name="node2">
+    <dgm:scene3d>
+      <a:camera prst="orthographicFront"/>
+      <a:lightRig rig="threePt" dir="t"/>
+    </dgm:scene3d>
+    <dgm:sp3d/>
+    <dgm:txPr/>
+    <dgm:style>
+      <a:lnRef idx="2">
+        <a:scrgbClr r="0" g="0" b="0"/>
+      </a:lnRef>
+      <a:fillRef idx="1">
+        <a:scrgbClr r="0" g="0" b="0"/>
+      </a:fillRef>
+      <a:effectRef idx="0">
+        <a:scrgbClr r="0" g="0" b="0"/>
+      </a:effectRef>
+      <a:fontRef idx="minor">
+        <a:schemeClr val="lt1"/>
+      </a:fontRef>
+    </dgm:style>
+  </dgm:styleLbl>
+  <dgm:styleLbl name="node3">
+    <dgm:scene3d>
+      <a:camera prst="orthographicFront"/>
+      <a:lightRig rig="threePt" dir="t"/>
+    </dgm:scene3d>
+    <dgm:sp3d/>
+    <dgm:txPr/>
+    <dgm:style>
+      <a:lnRef idx="2">
+        <a:scrgbClr r="0" g="0" b="0"/>
+      </a:lnRef>
+      <a:fillRef idx="1">
+        <a:scrgbClr r="0" g="0" b="0"/>
+      </a:fillRef>
+      <a:effectRef idx="0">
+        <a:scrgbClr r="0" g="0" b="0"/>
+      </a:effectRef>
+      <a:fontRef idx="minor">
+        <a:schemeClr val="lt1"/>
+      </a:fontRef>
+    </dgm:style>
+  </dgm:styleLbl>
+  <dgm:styleLbl name="node4">
+    <dgm:scene3d>
+      <a:camera prst="orthographicFront"/>
+      <a:lightRig rig="threePt" dir="t"/>
+    </dgm:scene3d>
+    <dgm:sp3d/>
+    <dgm:txPr/>
+    <dgm:style>
+      <a:lnRef idx="2">
+        <a:scrgbClr r="0" g="0" b="0"/>
+      </a:lnRef>
+      <a:fillRef idx="1">
+        <a:scrgbClr r="0" g="0" b="0"/>
+      </a:fillRef>
+      <a:effectRef idx="0">
+        <a:scrgbClr r="0" g="0" b="0"/>
+      </a:effectRef>
+      <a:fontRef idx="minor">
+        <a:schemeClr val="lt1"/>
+      </a:fontRef>
+    </dgm:style>
+  </dgm:styleLbl>
+  <dgm:styleLbl name="fgImgPlace1">
+    <dgm:scene3d>
+      <a:camera prst="orthographicFront"/>
+      <a:lightRig rig="threePt" dir="t"/>
+    </dgm:scene3d>
+    <dgm:sp3d/>
+    <dgm:txPr/>
+    <dgm:style>
+      <a:lnRef idx="2">
+        <a:scrgbClr r="0" g="0" b="0"/>
+      </a:lnRef>
+      <a:fillRef idx="1">
+        <a:scrgbClr r="0" g="0" b="0"/>
+      </a:fillRef>
+      <a:effectRef idx="0">
+        <a:scrgbClr r="0" g="0" b="0"/>
+      </a:effectRef>
+      <a:fontRef idx="minor"/>
+    </dgm:style>
+  </dgm:styleLbl>
+  <dgm:styleLbl name="alignImgPlace1">
+    <dgm:scene3d>
+      <a:camera prst="orthographicFront"/>
+      <a:lightRig rig="threePt" dir="t"/>
+    </dgm:scene3d>
+    <dgm:sp3d/>
+    <dgm:txPr/>
+    <dgm:style>
+      <a:lnRef idx="2">
+        <a:scrgbClr r="0" g="0" b="0"/>
+      </a:lnRef>
+      <a:fillRef idx="1">
+        <a:scrgbClr r="0" g="0" b="0"/>
+      </a:fillRef>
+      <a:effectRef idx="0">
+        <a:scrgbClr r="0" g="0" b="0"/>
+      </a:effectRef>
+      <a:fontRef idx="minor"/>
+    </dgm:style>
+  </dgm:styleLbl>
+  <dgm:styleLbl name="bgImgPlace1">
+    <dgm:scene3d>
+      <a:camera prst="orthographicFront"/>
+      <a:lightRig rig="threePt" dir="t"/>
+    </dgm:scene3d>
+    <dgm:sp3d/>
+    <dgm:txPr/>
+    <dgm:style>
+      <a:lnRef idx="2">
+        <a:scrgbClr r="0" g="0" b="0"/>
+      </a:lnRef>
+      <a:fillRef idx="1">
+        <a:scrgbClr r="0" g="0" b="0"/>
+      </a:fillRef>
+      <a:effectRef idx="0">
+        <a:scrgbClr r="0" g="0" b="0"/>
+      </a:effectRef>
+      <a:fontRef idx="minor"/>
+    </dgm:style>
+  </dgm:styleLbl>
+  <dgm:styleLbl name="sibTrans2D1">
+    <dgm:scene3d>
+      <a:camera prst="orthographicFront"/>
+      <a:lightRig rig="threePt" dir="t"/>
+    </dgm:scene3d>
+    <dgm:sp3d/>
+    <dgm:txPr/>
+    <dgm:style>
+      <a:lnRef idx="0">
+        <a:scrgbClr r="0" g="0" b="0"/>
+      </a:lnRef>
+      <a:fillRef idx="1">
+        <a:scrgbClr r="0" g="0" b="0"/>
+      </a:fillRef>
+      <a:effectRef idx="0">
+        <a:scrgbClr r="0" g="0" b="0"/>
+      </a:effectRef>
+      <a:fontRef idx="minor">
+        <a:schemeClr val="lt1"/>
+      </a:fontRef>
+    </dgm:style>
+  </dgm:styleLbl>
+  <dgm:styleLbl name="fgSibTrans2D1">
+    <dgm:scene3d>
+      <a:camera prst="orthographicFront"/>
+      <a:lightRig rig="threePt" dir="t"/>
+    </dgm:scene3d>
+    <dgm:sp3d/>
+    <dgm:txPr/>
+    <dgm:style>
+      <a:lnRef idx="0">
+        <a:scrgbClr r="0" g="0" b="0"/>
+      </a:lnRef>
+      <a:fillRef idx="1">
+        <a:scrgbClr r="0" g="0" b="0"/>
+      </a:fillRef>
+      <a:effectRef idx="0">
+        <a:scrgbClr r="0" g="0" b="0"/>
+      </a:effectRef>
+      <a:fontRef idx="minor">
+        <a:schemeClr val="lt1"/>
+      </a:fontRef>
+    </dgm:style>
+  </dgm:styleLbl>
+  <dgm:styleLbl name="bgSibTrans2D1">
+    <dgm:scene3d>
+      <a:camera prst="orthographicFront"/>
+      <a:lightRig rig="threePt" dir="t"/>
+    </dgm:scene3d>
+    <dgm:sp3d/>
+    <dgm:txPr/>
+    <dgm:style>
+      <a:lnRef idx="0">
+        <a:scrgbClr r="0" g="0" b="0"/>
+      </a:lnRef>
+      <a:fillRef idx="1">
+        <a:scrgbClr r="0" g="0" b="0"/>
+      </a:fillRef>
+      <a:effectRef idx="0">
+        <a:scrgbClr r="0" g="0" b="0"/>
+      </a:effectRef>
+      <a:fontRef idx="minor">
+        <a:schemeClr val="lt1"/>
+      </a:fontRef>
+    </dgm:style>
+  </dgm:styleLbl>
+  <dgm:styleLbl name="sibTrans1D1">
+    <dgm:scene3d>
+      <a:camera prst="orthographicFront"/>
+      <a:lightRig rig="threePt" dir="t"/>
+    </dgm:scene3d>
+    <dgm:sp3d/>
+    <dgm:txPr/>
+    <dgm:style>
+      <a:lnRef idx="1">
+        <a:scrgbClr r="0" g="0" b="0"/>
+      </a:lnRef>
+      <a:fillRef idx="0">
+        <a:scrgbClr r="0" g="0" b="0"/>
+      </a:fillRef>
+      <a:effectRef idx="0">
+        <a:scrgbClr r="0" g="0" b="0"/>
+      </a:effectRef>
+      <a:fontRef idx="minor"/>
+    </dgm:style>
+  </dgm:styleLbl>
+  <dgm:styleLbl name="callout">
+    <dgm:scene3d>
+      <a:camera prst="orthographicFront"/>
+      <a:lightRig rig="threePt" dir="t"/>
+    </dgm:scene3d>
+    <dgm:sp3d/>
+    <dgm:txPr/>
+    <dgm:style>
+      <a:lnRef idx="2">
+        <a:scrgbClr r="0" g="0" b="0"/>
+      </a:lnRef>
+      <a:fillRef idx="1">
+        <a:scrgbClr r="0" g="0" b="0"/>
+      </a:fillRef>
+      <a:effectRef idx="0">
+        <a:scrgbClr r="0" g="0" b="0"/>
+      </a:effectRef>
+      <a:fontRef idx="minor"/>
+    </dgm:style>
+  </dgm:styleLbl>
+  <dgm:styleLbl name="asst0">
+    <dgm:scene3d>
+      <a:camera prst="orthographicFront"/>
+      <a:lightRig rig="threePt" dir="t"/>
+    </dgm:scene3d>
+    <dgm:sp3d/>
+    <dgm:txPr/>
+    <dgm:style>
+      <a:lnRef idx="2">
+        <a:scrgbClr r="0" g="0" b="0"/>
+      </a:lnRef>
+      <a:fillRef idx="1">
+        <a:scrgbClr r="0" g="0" b="0"/>
+      </a:fillRef>
+      <a:effectRef idx="0">
+        <a:scrgbClr r="0" g="0" b="0"/>
+      </a:effectRef>
+      <a:fontRef idx="minor">
+        <a:schemeClr val="lt1"/>
+      </a:fontRef>
+    </dgm:style>
+  </dgm:styleLbl>
+  <dgm:styleLbl name="asst1">
+    <dgm:scene3d>
+      <a:camera prst="orthographicFront"/>
+      <a:lightRig rig="threePt" dir="t"/>
+    </dgm:scene3d>
+    <dgm:sp3d/>
+    <dgm:txPr/>
+    <dgm:style>
+      <a:lnRef idx="2">
+        <a:scrgbClr r="0" g="0" b="0"/>
+      </a:lnRef>
+      <a:fillRef idx="1">
+        <a:scrgbClr r="0" g="0" b="0"/>
+      </a:fillRef>
+      <a:effectRef idx="0">
+        <a:scrgbClr r="0" g="0" b="0"/>
+      </a:effectRef>
+      <a:fontRef idx="minor">
+        <a:schemeClr val="lt1"/>
+      </a:fontRef>
+    </dgm:style>
+  </dgm:styleLbl>
+  <dgm:styleLbl name="asst2">
+    <dgm:scene3d>
+      <a:camera prst="orthographicFront"/>
+      <a:lightRig rig="threePt" dir="t"/>
+    </dgm:scene3d>
+    <dgm:sp3d/>
+    <dgm:txPr/>
+    <dgm:style>
+      <a:lnRef idx="2">
+        <a:scrgbClr r="0" g="0" b="0"/>
+      </a:lnRef>
+      <a:fillRef idx="1">
+        <a:scrgbClr r="0" g="0" b="0"/>
+      </a:fillRef>
+      <a:effectRef idx="0">
+        <a:scrgbClr r="0" g="0" b="0"/>
+      </a:effectRef>
+      <a:fontRef idx="minor">
+        <a:schemeClr val="lt1"/>
+      </a:fontRef>
+    </dgm:style>
+  </dgm:styleLbl>
+  <dgm:styleLbl name="asst3">
+    <dgm:scene3d>
+      <a:camera prst="orthographicFront"/>
+      <a:lightRig rig="threePt" dir="t"/>
+    </dgm:scene3d>
+    <dgm:sp3d/>
+    <dgm:txPr/>
+    <dgm:style>
+      <a:lnRef idx="2">
+        <a:scrgbClr r="0" g="0" b="0"/>
+      </a:lnRef>
+      <a:fillRef idx="1">
+        <a:scrgbClr r="0" g="0" b="0"/>
+      </a:fillRef>
+      <a:effectRef idx="0">
+        <a:scrgbClr r="0" g="0" b="0"/>
+      </a:effectRef>
+      <a:fontRef idx="minor">
+        <a:schemeClr val="lt1"/>
+      </a:fontRef>
+    </dgm:style>
+  </dgm:styleLbl>
+  <dgm:styleLbl name="asst4">
+    <dgm:scene3d>
+      <a:camera prst="orthographicFront"/>
+      <a:lightRig rig="threePt" dir="t"/>
+    </dgm:scene3d>
+    <dgm:sp3d/>
+    <dgm:txPr/>
+    <dgm:style>
+      <a:lnRef idx="2">
+        <a:scrgbClr r="0" g="0" b="0"/>
+      </a:lnRef>
+      <a:fillRef idx="1">
+        <a:scrgbClr r="0" g="0" b="0"/>
+      </a:fillRef>
+      <a:effectRef idx="0">
+        <a:scrgbClr r="0" g="0" b="0"/>
+      </a:effectRef>
+      <a:fontRef idx="minor">
+        <a:schemeClr val="lt1"/>
+      </a:fontRef>
+    </dgm:style>
+  </dgm:styleLbl>
+  <dgm:styleLbl name="parChTrans2D1">
+    <dgm:scene3d>
+      <a:camera prst="orthographicFront"/>
+      <a:lightRig rig="threePt" dir="t"/>
+    </dgm:scene3d>
+    <dgm:sp3d/>
+    <dgm:txPr/>
+    <dgm:style>
+      <a:lnRef idx="2">
+        <a:scrgbClr r="0" g="0" b="0"/>
+      </a:lnRef>
+      <a:fillRef idx="1">
+        <a:scrgbClr r="0" g="0" b="0"/>
+      </a:fillRef>
+      <a:effectRef idx="0">
+        <a:scrgbClr r="0" g="0" b="0"/>
+      </a:effectRef>
+      <a:fontRef idx="minor">
+        <a:schemeClr val="lt1"/>
+      </a:fontRef>
+    </dgm:style>
+  </dgm:styleLbl>
+  <dgm:styleLbl name="parChTrans2D2">
+    <dgm:scene3d>
+      <a:camera prst="orthographicFront"/>
+      <a:lightRig rig="threePt" dir="t"/>
+    </dgm:scene3d>
+    <dgm:sp3d/>
+    <dgm:txPr/>
+    <dgm:style>
+      <a:lnRef idx="2">
+        <a:scrgbClr r="0" g="0" b="0"/>
+      </a:lnRef>
+      <a:fillRef idx="1">
+        <a:scrgbClr r="0" g="0" b="0"/>
+      </a:fillRef>
+      <a:effectRef idx="0">
+        <a:scrgbClr r="0" g="0" b="0"/>
+      </a:effectRef>
+      <a:fontRef idx="minor">
+        <a:schemeClr val="lt1"/>
+      </a:fontRef>
+    </dgm:style>
+  </dgm:styleLbl>
+  <dgm:styleLbl name="parChTrans2D3">
+    <dgm:scene3d>
+      <a:camera prst="orthographicFront"/>
+      <a:lightRig rig="threePt" dir="t"/>
+    </dgm:scene3d>
+    <dgm:sp3d/>
+    <dgm:txPr/>
+    <dgm:style>
+      <a:lnRef idx="2">
+        <a:scrgbClr r="0" g="0" b="0"/>
+      </a:lnRef>
+      <a:fillRef idx="1">
+        <a:scrgbClr r="0" g="0" b="0"/>
+      </a:fillRef>
+      <a:effectRef idx="0">
+        <a:scrgbClr r="0" g="0" b="0"/>
+      </a:effectRef>
+      <a:fontRef idx="minor">
+        <a:schemeClr val="lt1"/>
+      </a:fontRef>
+    </dgm:style>
+  </dgm:styleLbl>
+  <dgm:styleLbl name="parChTrans2D4">
+    <dgm:scene3d>
+      <a:camera prst="orthographicFront"/>
+      <a:lightRig rig="threePt" dir="t"/>
+    </dgm:scene3d>
+    <dgm:sp3d/>
+    <dgm:txPr/>
+    <dgm:style>
+      <a:lnRef idx="2">
+        <a:scrgbClr r="0" g="0" b="0"/>
+      </a:lnRef>
+      <a:fillRef idx="1">
+        <a:scrgbClr r="0" g="0" b="0"/>
+      </a:fillRef>
+      <a:effectRef idx="0">
+        <a:scrgbClr r="0" g="0" b="0"/>
+      </a:effectRef>
+      <a:fontRef idx="minor">
+        <a:schemeClr val="lt1"/>
+      </a:fontRef>
+    </dgm:style>
+  </dgm:styleLbl>
+  <dgm:styleLbl name="parChTrans1D1">
+    <dgm:scene3d>
+      <a:camera prst="orthographicFront"/>
+      <a:lightRig rig="threePt" dir="t"/>
+    </dgm:scene3d>
+    <dgm:sp3d/>
+    <dgm:txPr/>
+    <dgm:style>
+      <a:lnRef idx="2">
+        <a:scrgbClr r="0" g="0" b="0"/>
+      </a:lnRef>
+      <a:fillRef idx="0">
+        <a:scrgbClr r="0" g="0" b="0"/>
+      </a:fillRef>
+      <a:effectRef idx="0">
+        <a:scrgbClr r="0" g="0" b="0"/>
+      </a:effectRef>
+      <a:fontRef idx="minor"/>
+    </dgm:style>
+  </dgm:styleLbl>
+  <dgm:styleLbl name="parChTrans1D2">
+    <dgm:scene3d>
+      <a:camera prst="orthographicFront"/>
+      <a:lightRig rig="threePt" dir="t"/>
+    </dgm:scene3d>
+    <dgm:sp3d/>
+    <dgm:txPr/>
+    <dgm:style>
+      <a:lnRef idx="2">
+        <a:scrgbClr r="0" g="0" b="0"/>
+      </a:lnRef>
+      <a:fillRef idx="0">
+        <a:scrgbClr r="0" g="0" b="0"/>
+      </a:fillRef>
+      <a:effectRef idx="0">
+        <a:scrgbClr r="0" g="0" b="0"/>
+      </a:effectRef>
+      <a:fontRef idx="minor"/>
+    </dgm:style>
+  </dgm:styleLbl>
+  <dgm:styleLbl name="parChTrans1D3">
+    <dgm:scene3d>
+      <a:camera prst="orthographicFront"/>
+      <a:lightRig rig="threePt" dir="t"/>
+    </dgm:scene3d>
+    <dgm:sp3d/>
+    <dgm:txPr/>
+    <dgm:style>
+      <a:lnRef idx="2">
+        <a:scrgbClr r="0" g="0" b="0"/>
+      </a:lnRef>
+      <a:fillRef idx="0">
+        <a:scrgbClr r="0" g="0" b="0"/>
+      </a:fillRef>
+      <a:effectRef idx="0">
+        <a:scrgbClr r="0" g="0" b="0"/>
+      </a:effectRef>
+      <a:fontRef idx="minor"/>
+    </dgm:style>
+  </dgm:styleLbl>
+  <dgm:styleLbl name="parChTrans1D4">
+    <dgm:scene3d>
+      <a:camera prst="orthographicFront"/>
+      <a:lightRig rig="threePt" dir="t"/>
+    </dgm:scene3d>
+    <dgm:sp3d/>
+    <dgm:txPr/>
+    <dgm:style>
+      <a:lnRef idx="2">
+        <a:scrgbClr r="0" g="0" b="0"/>
+      </a:lnRef>
+      <a:fillRef idx="0">
+        <a:scrgbClr r="0" g="0" b="0"/>
+      </a:fillRef>
+      <a:effectRef idx="0">
+        <a:scrgbClr r="0" g="0" b="0"/>
+      </a:effectRef>
+      <a:fontRef idx="minor"/>
+    </dgm:style>
+  </dgm:styleLbl>
+  <dgm:styleLbl name="fgAcc1">
+    <dgm:scene3d>
+      <a:camera prst="orthographicFront"/>
+      <a:lightRig rig="threePt" dir="t"/>
+    </dgm:scene3d>
+    <dgm:sp3d/>
+    <dgm:txPr/>
+    <dgm:style>
+      <a:lnRef idx="2">
+        <a:scrgbClr r="0" g="0" b="0"/>
+      </a:lnRef>
+      <a:fillRef idx="1">
+        <a:scrgbClr r="0" g="0" b="0"/>
+      </a:fillRef>
+      <a:effectRef idx="0">
+        <a:scrgbClr r="0" g="0" b="0"/>
+      </a:effectRef>
+      <a:fontRef idx="minor"/>
+    </dgm:style>
+  </dgm:styleLbl>
+  <dgm:styleLbl name="conFgAcc1">
+    <dgm:scene3d>
+      <a:camera prst="orthographicFront"/>
+      <a:lightRig rig="threePt" dir="t"/>
+    </dgm:scene3d>
+    <dgm:sp3d/>
+    <dgm:txPr/>
+    <dgm:style>
+      <a:lnRef idx="2">
+        <a:scrgbClr r="0" g="0" b="0"/>
+      </a:lnRef>
+      <a:fillRef idx="1">
+        <a:scrgbClr r="0" g="0" b="0"/>
+      </a:fillRef>
+      <a:effectRef idx="0">
+        <a:scrgbClr r="0" g="0" b="0"/>
+      </a:effectRef>
+      <a:fontRef idx="minor"/>
+    </dgm:style>
+  </dgm:styleLbl>
+  <dgm:styleLbl name="alignAcc1">
+    <dgm:scene3d>
+      <a:camera prst="orthographicFront"/>
+      <a:lightRig rig="threePt" dir="t"/>
+    </dgm:scene3d>
+    <dgm:sp3d/>
+    <dgm:txPr/>
+    <dgm:style>
+      <a:lnRef idx="2">
+        <a:scrgbClr r="0" g="0" b="0"/>
+      </a:lnRef>
+      <a:fillRef idx="1">
+        <a:scrgbClr r="0" g="0" b="0"/>
+      </a:fillRef>
+      <a:effectRef idx="0">
+        <a:scrgbClr r="0" g="0" b="0"/>
+      </a:effectRef>
+      <a:fontRef idx="minor"/>
+    </dgm:style>
+  </dgm:styleLbl>
+  <dgm:styleLbl name="trAlignAcc1">
+    <dgm:scene3d>
+      <a:camera prst="orthographicFront"/>
+      <a:lightRig rig="threePt" dir="t"/>
+    </dgm:scene3d>
+    <dgm:sp3d/>
+    <dgm:txPr/>
+    <dgm:style>
+      <a:lnRef idx="1">
+        <a:scrgbClr r="0" g="0" b="0"/>
+      </a:lnRef>
+      <a:fillRef idx="1">
+        <a:scrgbClr r="0" g="0" b="0"/>
+      </a:fillRef>
+      <a:effectRef idx="0">
+        <a:scrgbClr r="0" g="0" b="0"/>
+      </a:effectRef>
+      <a:fontRef idx="minor"/>
+    </dgm:style>
+  </dgm:styleLbl>
+  <dgm:styleLbl name="bgAcc1">
+    <dgm:scene3d>
+      <a:camera prst="orthographicFront"/>
+      <a:lightRig rig="threePt" dir="t"/>
+    </dgm:scene3d>
+    <dgm:sp3d/>
+    <dgm:txPr/>
+    <dgm:style>
+      <a:lnRef idx="2">
+        <a:scrgbClr r="0" g="0" b="0"/>
+      </a:lnRef>
+      <a:fillRef idx="1">
+        <a:scrgbClr r="0" g="0" b="0"/>
+      </a:fillRef>
+      <a:effectRef idx="0">
+        <a:scrgbClr r="0" g="0" b="0"/>
+      </a:effectRef>
+      <a:fontRef idx="minor"/>
+    </dgm:style>
+  </dgm:styleLbl>
+  <dgm:styleLbl name="solidFgAcc1">
+    <dgm:scene3d>
+      <a:camera prst="orthographicFront"/>
+      <a:lightRig rig="threePt" dir="t"/>
+    </dgm:scene3d>
+    <dgm:sp3d/>
+    <dgm:txPr/>
+    <dgm:style>
+      <a:lnRef idx="2">
+        <a:scrgbClr r="0" g="0" b="0"/>
+      </a:lnRef>
+      <a:fillRef idx="1">
+        <a:scrgbClr r="0" g="0" b="0"/>
+      </a:fillRef>
+      <a:effectRef idx="0">
+        <a:scrgbClr r="0" g="0" b="0"/>
+      </a:effectRef>
+      <a:fontRef idx="minor"/>
+    </dgm:style>
+  </dgm:styleLbl>
+  <dgm:styleLbl name="solidAlignAcc1">
+    <dgm:scene3d>
+      <a:camera prst="orthographicFront"/>
+      <a:lightRig rig="threePt" dir="t"/>
+    </dgm:scene3d>
+    <dgm:sp3d/>
+    <dgm:txPr/>
+    <dgm:style>
+      <a:lnRef idx="2">
+        <a:scrgbClr r="0" g="0" b="0"/>
+      </a:lnRef>
+      <a:fillRef idx="1">
+        <a:scrgbClr r="0" g="0" b="0"/>
+      </a:fillRef>
+      <a:effectRef idx="0">
+        <a:scrgbClr r="0" g="0" b="0"/>
+      </a:effectRef>
+      <a:fontRef idx="minor"/>
+    </dgm:style>
+  </dgm:styleLbl>
+  <dgm:styleLbl name="solidBgAcc1">
+    <dgm:scene3d>
+      <a:camera prst="orthographicFront"/>
+      <a:lightRig rig="threePt" dir="t"/>
+    </dgm:scene3d>
+    <dgm:sp3d/>
+    <dgm:txPr/>
+    <dgm:style>
+      <a:lnRef idx="2">
+        <a:scrgbClr r="0" g="0" b="0"/>
+      </a:lnRef>
+      <a:fillRef idx="1">
+        <a:scrgbClr r="0" g="0" b="0"/>
+      </a:fillRef>
+      <a:effectRef idx="0">
+        <a:scrgbClr r="0" g="0" b="0"/>
+      </a:effectRef>
+      <a:fontRef idx="minor"/>
+    </dgm:style>
+  </dgm:styleLbl>
+  <dgm:styleLbl name="fgAccFollowNode1">
+    <dgm:scene3d>
+      <a:camera prst="orthographicFront"/>
+      <a:lightRig rig="threePt" dir="t"/>
+    </dgm:scene3d>
+    <dgm:sp3d/>
+    <dgm:txPr/>
+    <dgm:style>
+      <a:lnRef idx="2">
+        <a:scrgbClr r="0" g="0" b="0"/>
+      </a:lnRef>
+      <a:fillRef idx="1">
+        <a:scrgbClr r="0" g="0" b="0"/>
+      </a:fillRef>
+      <a:effectRef idx="0">
+        <a:scrgbClr r="0" g="0" b="0"/>
+      </a:effectRef>
+      <a:fontRef idx="minor"/>
+    </dgm:style>
+  </dgm:styleLbl>
+  <dgm:styleLbl name="alignAccFollowNode1">
+    <dgm:scene3d>
+      <a:camera prst="orthographicFront"/>
+      <a:lightRig rig="threePt" dir="t"/>
+    </dgm:scene3d>
+    <dgm:sp3d/>
+    <dgm:txPr/>
+    <dgm:style>
+      <a:lnRef idx="2">
+        <a:scrgbClr r="0" g="0" b="0"/>
+      </a:lnRef>
+      <a:fillRef idx="1">
+        <a:scrgbClr r="0" g="0" b="0"/>
+      </a:fillRef>
+      <a:effectRef idx="0">
+        <a:scrgbClr r="0" g="0" b="0"/>
+      </a:effectRef>
+      <a:fontRef idx="minor"/>
+    </dgm:style>
+  </dgm:styleLbl>
+  <dgm:styleLbl name="bgAccFollowNode1">
+    <dgm:scene3d>
+      <a:camera prst="orthographicFront"/>
+      <a:lightRig rig="threePt" dir="t"/>
+    </dgm:scene3d>
+    <dgm:sp3d/>
+    <dgm:txPr/>
+    <dgm:style>
+      <a:lnRef idx="2">
+        <a:scrgbClr r="0" g="0" b="0"/>
+      </a:lnRef>
+      <a:fillRef idx="1">
+        <a:scrgbClr r="0" g="0" b="0"/>
+      </a:fillRef>
+      <a:effectRef idx="0">
+        <a:scrgbClr r="0" g="0" b="0"/>
+      </a:effectRef>
+      <a:fontRef idx="minor"/>
+    </dgm:style>
+  </dgm:styleLbl>
+  <dgm:styleLbl name="fgAcc0">
+    <dgm:scene3d>
+      <a:camera prst="orthographicFront"/>
+      <a:lightRig rig="threePt" dir="t"/>
+    </dgm:scene3d>
+    <dgm:sp3d/>
+    <dgm:txPr/>
+    <dgm:style>
+      <a:lnRef idx="2">
+        <a:scrgbClr r="0" g="0" b="0"/>
+      </a:lnRef>
+      <a:fillRef idx="1">
+        <a:scrgbClr r="0" g="0" b="0"/>
+      </a:fillRef>
+      <a:effectRef idx="0">
+        <a:scrgbClr r="0" g="0" b="0"/>
+      </a:effectRef>
+      <a:fontRef idx="minor"/>
+    </dgm:style>
+  </dgm:styleLbl>
+  <dgm:styleLbl name="fgAcc2">
+    <dgm:scene3d>
+      <a:camera prst="orthographicFront"/>
+      <a:lightRig rig="threePt" dir="t"/>
+    </dgm:scene3d>
+    <dgm:sp3d/>
+    <dgm:txPr/>
+    <dgm:style>
+      <a:lnRef idx="2">
+        <a:scrgbClr r="0" g="0" b="0"/>
+      </a:lnRef>
+      <a:fillRef idx="1">
+        <a:scrgbClr r="0" g="0" b="0"/>
+      </a:fillRef>
+      <a:effectRef idx="0">
+        <a:scrgbClr r="0" g="0" b="0"/>
+      </a:effectRef>
+      <a:fontRef idx="minor"/>
+    </dgm:style>
+  </dgm:styleLbl>
+  <dgm:styleLbl name="fgAcc3">
+    <dgm:scene3d>
+      <a:camera prst="orthographicFront"/>
+      <a:lightRig rig="threePt" dir="t"/>
+    </dgm:scene3d>
+    <dgm:sp3d/>
+    <dgm:txPr/>
+    <dgm:style>
+      <a:lnRef idx="2">
+        <a:scrgbClr r="0" g="0" b="0"/>
+      </a:lnRef>
+      <a:fillRef idx="1">
+        <a:scrgbClr r="0" g="0" b="0"/>
+      </a:fillRef>
+      <a:effectRef idx="0">
+        <a:scrgbClr r="0" g="0" b="0"/>
+      </a:effectRef>
+      <a:fontRef idx="minor"/>
+    </dgm:style>
+  </dgm:styleLbl>
+  <dgm:styleLbl name="fgAcc4">
+    <dgm:scene3d>
+      <a:camera prst="orthographicFront"/>
+      <a:lightRig rig="threePt" dir="t"/>
+    </dgm:scene3d>
+    <dgm:sp3d/>
+    <dgm:txPr/>
+    <dgm:style>
+      <a:lnRef idx="2">
+        <a:scrgbClr r="0" g="0" b="0"/>
+      </a:lnRef>
+      <a:fillRef idx="1">
+        <a:scrgbClr r="0" g="0" b="0"/>
+      </a:fillRef>
+      <a:effectRef idx="0">
+        <a:scrgbClr r="0" g="0" b="0"/>
+      </a:effectRef>
+      <a:fontRef idx="minor"/>
+    </dgm:style>
+  </dgm:styleLbl>
+  <dgm:styleLbl name="bgShp">
+    <dgm:scene3d>
+      <a:camera prst="orthographicFront"/>
+      <a:lightRig rig="threePt" dir="t"/>
+    </dgm:scene3d>
+    <dgm:sp3d/>
+    <dgm:txPr/>
+    <dgm:style>
+      <a:lnRef idx="0">
+        <a:scrgbClr r="0" g="0" b="0"/>
+      </a:lnRef>
+      <a:fillRef idx="1">
+        <a:scrgbClr r="0" g="0" b="0"/>
+      </a:fillRef>
+      <a:effectRef idx="0">
+        <a:scrgbClr r="0" g="0" b="0"/>
+      </a:effectRef>
+      <a:fontRef idx="minor"/>
+    </dgm:style>
+  </dgm:styleLbl>
+  <dgm:styleLbl name="dkBgShp">
+    <dgm:scene3d>
+      <a:camera prst="orthographicFront"/>
+      <a:lightRig rig="threePt" dir="t"/>
+    </dgm:scene3d>
+    <dgm:sp3d/>
+    <dgm:txPr/>
+    <dgm:style>
+      <a:lnRef idx="0">
+        <a:scrgbClr r="0" g="0" b="0"/>
+      </a:lnRef>
+      <a:fillRef idx="1">
+        <a:scrgbClr r="0" g="0" b="0"/>
+      </a:fillRef>
+      <a:effectRef idx="0">
+        <a:scrgbClr r="0" g="0" b="0"/>
+      </a:effectRef>
+      <a:fontRef idx="minor"/>
+    </dgm:style>
+  </dgm:styleLbl>
+  <dgm:styleLbl name="trBgShp">
+    <dgm:scene3d>
+      <a:camera prst="orthographicFront"/>
+      <a:lightRig rig="threePt" dir="t"/>
+    </dgm:scene3d>
+    <dgm:sp3d/>
+    <dgm:txPr/>
+    <dgm:style>
+      <a:lnRef idx="0">
+        <a:scrgbClr r="0" g="0" b="0"/>
+      </a:lnRef>
+      <a:fillRef idx="1">
+        <a:scrgbClr r="0" g="0" b="0"/>
+      </a:fillRef>
+      <a:effectRef idx="0">
+        <a:scrgbClr r="0" g="0" b="0"/>
+      </a:effectRef>
+      <a:fontRef idx="minor"/>
+    </dgm:style>
+  </dgm:styleLbl>
+  <dgm:styleLbl name="fgShp">
+    <dgm:scene3d>
+      <a:camera prst="orthographicFront"/>
+      <a:lightRig rig="threePt" dir="t"/>
+    </dgm:scene3d>
+    <dgm:sp3d/>
+    <dgm:txPr/>
+    <dgm:style>
+      <a:lnRef idx="2">
+        <a:scrgbClr r="0" g="0" b="0"/>
+      </a:lnRef>
+      <a:fillRef idx="1">
+        <a:scrgbClr r="0" g="0" b="0"/>
+      </a:fillRef>
+      <a:effectRef idx="0">
+        <a:scrgbClr r="0" g="0" b="0"/>
+      </a:effectRef>
+      <a:fontRef idx="minor"/>
+    </dgm:style>
+  </dgm:styleLbl>
+  <dgm:styleLbl name="revTx">
+    <dgm:scene3d>
+      <a:camera prst="orthographicFront"/>
+      <a:lightRig rig="threePt" dir="t"/>
+    </dgm:scene3d>
+    <dgm:sp3d/>
+    <dgm:txPr/>
+    <dgm:style>
+      <a:lnRef idx="0">
+        <a:scrgbClr r="0" g="0" b="0"/>
+      </a:lnRef>
+      <a:fillRef idx="0">
+        <a:scrgbClr r="0" g="0" b="0"/>
+      </a:fillRef>
+      <a:effectRef idx="0">
+        <a:scrgbClr r="0" g="0" b="0"/>
+      </a:effectRef>
+      <a:fontRef idx="minor"/>
+    </dgm:style>
+  </dgm:styleLbl>
+</dgm:styleDef>
+</file>
+
+<file path=ppt/diagrams/quickStyle5.xml><?xml version="1.0" encoding="utf-8"?>
 <dgm:styleDef xmlns:dgm="http://schemas.openxmlformats.org/drawingml/2006/diagram" xmlns:a="http://schemas.openxmlformats.org/drawingml/2006/main" uniqueId="urn:microsoft.com/office/officeart/2005/8/quickstyle/simple1">
   <dgm:title val=""/>
   <dgm:desc val=""/>
@@ -15703,6 +18752,1866 @@
       </p:grpSpPr>
       <p:sp useBgFill="1">
         <p:nvSpPr>
+          <p:cNvPr id="96" name="Rectangle 84">
+            <a:extLst>
+              <a:ext uri="{FF2B5EF4-FFF2-40B4-BE49-F238E27FC236}">
+                <a16:creationId xmlns:a16="http://schemas.microsoft.com/office/drawing/2014/main" id="{8CC66E84-2B42-463F-8329-75BA0D52127B}"/>
+              </a:ext>
+              <a:ext uri="{C183D7F6-B498-43B3-948B-1728B52AA6E4}">
+                <adec:decorative xmlns:adec="http://schemas.microsoft.com/office/drawing/2017/decorative" val="1"/>
+              </a:ext>
+            </a:extLst>
+          </p:cNvPr>
+          <p:cNvSpPr>
+            <a:spLocks noGrp="1" noRot="1" noChangeAspect="1" noMove="1" noResize="1" noEditPoints="1" noAdjustHandles="1" noChangeArrowheads="1" noChangeShapeType="1" noTextEdit="1"/>
+          </p:cNvSpPr>
+          <p:nvPr>
+            <p:extLst>
+              <p:ext uri="{386F3935-93C4-4BCD-93E2-E3B085C9AB24}">
+                <p16:designElem xmlns:p16="http://schemas.microsoft.com/office/powerpoint/2015/main" val="1"/>
+              </p:ext>
+            </p:extLst>
+          </p:nvPr>
+        </p:nvSpPr>
+        <p:spPr>
+          <a:xfrm>
+            <a:off x="0" y="0"/>
+            <a:ext cx="12191999" cy="6857365"/>
+          </a:xfrm>
+          <a:prstGeom prst="rect">
+            <a:avLst/>
+          </a:prstGeom>
+          <a:ln>
+            <a:noFill/>
+          </a:ln>
+        </p:spPr>
+        <p:style>
+          <a:lnRef idx="2">
+            <a:schemeClr val="accent1">
+              <a:shade val="50000"/>
+            </a:schemeClr>
+          </a:lnRef>
+          <a:fillRef idx="1">
+            <a:schemeClr val="accent1"/>
+          </a:fillRef>
+          <a:effectRef idx="0">
+            <a:schemeClr val="accent1"/>
+          </a:effectRef>
+          <a:fontRef idx="minor">
+            <a:schemeClr val="lt1"/>
+          </a:fontRef>
+        </p:style>
+        <p:txBody>
+          <a:bodyPr rtlCol="0" anchor="ctr"/>
+          <a:lstStyle/>
+          <a:p>
+            <a:pPr algn="ctr"/>
+            <a:endParaRPr lang="en-US"/>
+          </a:p>
+        </p:txBody>
+      </p:sp>
+      <p:sp>
+        <p:nvSpPr>
+          <p:cNvPr id="2" name="Titre 1">
+            <a:extLst>
+              <a:ext uri="{FF2B5EF4-FFF2-40B4-BE49-F238E27FC236}">
+                <a16:creationId xmlns:a16="http://schemas.microsoft.com/office/drawing/2014/main" id="{A9D3BC35-4DDC-856F-9C64-F81B58BB0C98}"/>
+              </a:ext>
+            </a:extLst>
+          </p:cNvPr>
+          <p:cNvSpPr>
+            <a:spLocks noGrp="1"/>
+          </p:cNvSpPr>
+          <p:nvPr>
+            <p:ph type="title"/>
+          </p:nvPr>
+        </p:nvSpPr>
+        <p:spPr>
+          <a:xfrm>
+            <a:off x="1113810" y="3130041"/>
+            <a:ext cx="4036334" cy="2387600"/>
+          </a:xfrm>
+        </p:spPr>
+        <p:txBody>
+          <a:bodyPr vert="horz" lIns="91440" tIns="45720" rIns="91440" bIns="45720" rtlCol="0" anchor="t">
+            <a:normAutofit/>
+          </a:bodyPr>
+          <a:lstStyle/>
+          <a:p>
+            <a:r>
+              <a:rPr lang="en-US" sz="4600"/>
+              <a:t>Développement – création trigger</a:t>
+            </a:r>
+          </a:p>
+        </p:txBody>
+      </p:sp>
+      <p:grpSp>
+        <p:nvGrpSpPr>
+          <p:cNvPr id="97" name="Group 86">
+            <a:extLst>
+              <a:ext uri="{FF2B5EF4-FFF2-40B4-BE49-F238E27FC236}">
+                <a16:creationId xmlns:a16="http://schemas.microsoft.com/office/drawing/2014/main" id="{032D8612-31EB-44CF-A1D0-14FD4C705424}"/>
+              </a:ext>
+              <a:ext uri="{C183D7F6-B498-43B3-948B-1728B52AA6E4}">
+                <adec:decorative xmlns:adec="http://schemas.microsoft.com/office/drawing/2017/decorative" val="1"/>
+              </a:ext>
+            </a:extLst>
+          </p:cNvPr>
+          <p:cNvGrpSpPr>
+            <a:grpSpLocks noGrp="1" noUngrp="1" noRot="1" noChangeAspect="1" noMove="1" noResize="1"/>
+          </p:cNvGrpSpPr>
+          <p:nvPr>
+            <p:extLst>
+              <p:ext uri="{386F3935-93C4-4BCD-93E2-E3B085C9AB24}">
+                <p16:designElem xmlns:p16="http://schemas.microsoft.com/office/powerpoint/2015/main" val="1"/>
+              </p:ext>
+            </p:extLst>
+          </p:nvPr>
+        </p:nvGrpSpPr>
+        <p:grpSpPr>
+          <a:xfrm>
+            <a:off x="0" y="3154317"/>
+            <a:ext cx="731521" cy="673460"/>
+            <a:chOff x="3940602" y="308034"/>
+            <a:chExt cx="2116791" cy="3428999"/>
+          </a:xfrm>
+          <a:solidFill>
+            <a:schemeClr val="accent4"/>
+          </a:solidFill>
+        </p:grpSpPr>
+        <p:sp>
+          <p:nvSpPr>
+            <p:cNvPr id="98" name="Rectangle 87">
+              <a:extLst>
+                <a:ext uri="{FF2B5EF4-FFF2-40B4-BE49-F238E27FC236}">
+                  <a16:creationId xmlns:a16="http://schemas.microsoft.com/office/drawing/2014/main" id="{F19A4A0F-1B59-4DB0-9764-D10936E98770}"/>
+                </a:ext>
+                <a:ext uri="{C183D7F6-B498-43B3-948B-1728B52AA6E4}">
+                  <adec:decorative xmlns:adec="http://schemas.microsoft.com/office/drawing/2017/decorative" val="1"/>
+                </a:ext>
+              </a:extLst>
+            </p:cNvPr>
+            <p:cNvSpPr/>
+            <p:nvPr>
+              <p:extLst>
+                <p:ext uri="{386F3935-93C4-4BCD-93E2-E3B085C9AB24}">
+                  <p16:designElem xmlns:p16="http://schemas.microsoft.com/office/powerpoint/2015/main" val="1"/>
+                </p:ext>
+              </p:extLst>
+            </p:nvPr>
+          </p:nvSpPr>
+          <p:spPr>
+            <a:xfrm>
+              <a:off x="3940602" y="308034"/>
+              <a:ext cx="566743" cy="3428999"/>
+            </a:xfrm>
+            <a:prstGeom prst="rect">
+              <a:avLst/>
+            </a:prstGeom>
+            <a:grpFill/>
+            <a:ln>
+              <a:noFill/>
+            </a:ln>
+          </p:spPr>
+          <p:style>
+            <a:lnRef idx="2">
+              <a:schemeClr val="accent1">
+                <a:shade val="50000"/>
+              </a:schemeClr>
+            </a:lnRef>
+            <a:fillRef idx="1">
+              <a:schemeClr val="accent1"/>
+            </a:fillRef>
+            <a:effectRef idx="0">
+              <a:schemeClr val="accent1"/>
+            </a:effectRef>
+            <a:fontRef idx="minor">
+              <a:schemeClr val="lt1"/>
+            </a:fontRef>
+          </p:style>
+          <p:txBody>
+            <a:bodyPr rtlCol="0" anchor="ctr"/>
+            <a:lstStyle/>
+            <a:p>
+              <a:pPr algn="ctr"/>
+              <a:endParaRPr lang="en-US"/>
+            </a:p>
+          </p:txBody>
+        </p:sp>
+        <p:sp>
+          <p:nvSpPr>
+            <p:cNvPr id="99" name="Rectangle 88">
+              <a:extLst>
+                <a:ext uri="{FF2B5EF4-FFF2-40B4-BE49-F238E27FC236}">
+                  <a16:creationId xmlns:a16="http://schemas.microsoft.com/office/drawing/2014/main" id="{F399A70F-F8CD-4992-9EF5-6CF15472E73F}"/>
+                </a:ext>
+                <a:ext uri="{C183D7F6-B498-43B3-948B-1728B52AA6E4}">
+                  <adec:decorative xmlns:adec="http://schemas.microsoft.com/office/drawing/2017/decorative" val="1"/>
+                </a:ext>
+              </a:extLst>
+            </p:cNvPr>
+            <p:cNvSpPr/>
+            <p:nvPr>
+              <p:extLst>
+                <p:ext uri="{386F3935-93C4-4BCD-93E2-E3B085C9AB24}">
+                  <p16:designElem xmlns:p16="http://schemas.microsoft.com/office/powerpoint/2015/main" val="1"/>
+                </p:ext>
+              </p:extLst>
+            </p:nvPr>
+          </p:nvSpPr>
+          <p:spPr>
+            <a:xfrm>
+              <a:off x="4715626" y="308034"/>
+              <a:ext cx="566743" cy="3428999"/>
+            </a:xfrm>
+            <a:prstGeom prst="rect">
+              <a:avLst/>
+            </a:prstGeom>
+            <a:grpFill/>
+            <a:ln>
+              <a:noFill/>
+            </a:ln>
+          </p:spPr>
+          <p:style>
+            <a:lnRef idx="2">
+              <a:schemeClr val="accent1">
+                <a:shade val="50000"/>
+              </a:schemeClr>
+            </a:lnRef>
+            <a:fillRef idx="1">
+              <a:schemeClr val="accent1"/>
+            </a:fillRef>
+            <a:effectRef idx="0">
+              <a:schemeClr val="accent1"/>
+            </a:effectRef>
+            <a:fontRef idx="minor">
+              <a:schemeClr val="lt1"/>
+            </a:fontRef>
+          </p:style>
+          <p:txBody>
+            <a:bodyPr rtlCol="0" anchor="ctr"/>
+            <a:lstStyle/>
+            <a:p>
+              <a:pPr algn="ctr"/>
+              <a:endParaRPr lang="en-US"/>
+            </a:p>
+          </p:txBody>
+        </p:sp>
+        <p:sp>
+          <p:nvSpPr>
+            <p:cNvPr id="100" name="Rectangle 89">
+              <a:extLst>
+                <a:ext uri="{FF2B5EF4-FFF2-40B4-BE49-F238E27FC236}">
+                  <a16:creationId xmlns:a16="http://schemas.microsoft.com/office/drawing/2014/main" id="{48F4FEDC-6D80-458C-A665-075D9B9500FD}"/>
+                </a:ext>
+                <a:ext uri="{C183D7F6-B498-43B3-948B-1728B52AA6E4}">
+                  <adec:decorative xmlns:adec="http://schemas.microsoft.com/office/drawing/2017/decorative" val="1"/>
+                </a:ext>
+              </a:extLst>
+            </p:cNvPr>
+            <p:cNvSpPr/>
+            <p:nvPr>
+              <p:extLst>
+                <p:ext uri="{386F3935-93C4-4BCD-93E2-E3B085C9AB24}">
+                  <p16:designElem xmlns:p16="http://schemas.microsoft.com/office/powerpoint/2015/main" val="1"/>
+                </p:ext>
+              </p:extLst>
+            </p:nvPr>
+          </p:nvSpPr>
+          <p:spPr>
+            <a:xfrm>
+              <a:off x="5490650" y="308034"/>
+              <a:ext cx="566743" cy="3428999"/>
+            </a:xfrm>
+            <a:prstGeom prst="rect">
+              <a:avLst/>
+            </a:prstGeom>
+            <a:grpFill/>
+            <a:ln>
+              <a:noFill/>
+            </a:ln>
+          </p:spPr>
+          <p:style>
+            <a:lnRef idx="2">
+              <a:schemeClr val="accent1">
+                <a:shade val="50000"/>
+              </a:schemeClr>
+            </a:lnRef>
+            <a:fillRef idx="1">
+              <a:schemeClr val="accent1"/>
+            </a:fillRef>
+            <a:effectRef idx="0">
+              <a:schemeClr val="accent1"/>
+            </a:effectRef>
+            <a:fontRef idx="minor">
+              <a:schemeClr val="lt1"/>
+            </a:fontRef>
+          </p:style>
+          <p:txBody>
+            <a:bodyPr rtlCol="0" anchor="ctr"/>
+            <a:lstStyle/>
+            <a:p>
+              <a:pPr algn="ctr"/>
+              <a:endParaRPr lang="en-US"/>
+            </a:p>
+          </p:txBody>
+        </p:sp>
+      </p:grpSp>
+      <p:sp>
+        <p:nvSpPr>
+          <p:cNvPr id="101" name="Rectangle 91">
+            <a:extLst>
+              <a:ext uri="{FF2B5EF4-FFF2-40B4-BE49-F238E27FC236}">
+                <a16:creationId xmlns:a16="http://schemas.microsoft.com/office/drawing/2014/main" id="{19C9EAEA-39D0-4B0E-A0EB-51E7B26740B1}"/>
+              </a:ext>
+              <a:ext uri="{C183D7F6-B498-43B3-948B-1728B52AA6E4}">
+                <adec:decorative xmlns:adec="http://schemas.microsoft.com/office/drawing/2017/decorative" val="1"/>
+              </a:ext>
+            </a:extLst>
+          </p:cNvPr>
+          <p:cNvSpPr>
+            <a:spLocks noGrp="1" noRot="1" noChangeAspect="1" noMove="1" noResize="1" noEditPoints="1" noAdjustHandles="1" noChangeArrowheads="1" noChangeShapeType="1" noTextEdit="1"/>
+          </p:cNvSpPr>
+          <p:nvPr>
+            <p:extLst>
+              <p:ext uri="{386F3935-93C4-4BCD-93E2-E3B085C9AB24}">
+                <p16:designElem xmlns:p16="http://schemas.microsoft.com/office/powerpoint/2015/main" val="1"/>
+              </p:ext>
+            </p:extLst>
+          </p:nvPr>
+        </p:nvSpPr>
+        <p:spPr>
+          <a:xfrm>
+            <a:off x="5685810" y="679732"/>
+            <a:ext cx="6009366" cy="5423880"/>
+          </a:xfrm>
+          <a:prstGeom prst="rect">
+            <a:avLst/>
+          </a:prstGeom>
+          <a:solidFill>
+            <a:schemeClr val="bg1"/>
+          </a:solidFill>
+          <a:ln>
+            <a:noFill/>
+          </a:ln>
+          <a:effectLst>
+            <a:outerShdw blurRad="139700" dist="127000" dir="5400000" algn="t" rotWithShape="0">
+              <a:prstClr val="black">
+                <a:alpha val="15000"/>
+              </a:prstClr>
+            </a:outerShdw>
+          </a:effectLst>
+        </p:spPr>
+        <p:style>
+          <a:lnRef idx="2">
+            <a:schemeClr val="accent1">
+              <a:shade val="50000"/>
+            </a:schemeClr>
+          </a:lnRef>
+          <a:fillRef idx="1">
+            <a:schemeClr val="accent1"/>
+          </a:fillRef>
+          <a:effectRef idx="0">
+            <a:schemeClr val="accent1"/>
+          </a:effectRef>
+          <a:fontRef idx="minor">
+            <a:schemeClr val="lt1"/>
+          </a:fontRef>
+        </p:style>
+        <p:txBody>
+          <a:bodyPr rtlCol="0" anchor="ctr"/>
+          <a:lstStyle/>
+          <a:p>
+            <a:pPr algn="ctr"/>
+            <a:endParaRPr lang="en-US"/>
+          </a:p>
+        </p:txBody>
+      </p:sp>
+      <p:pic>
+        <p:nvPicPr>
+          <p:cNvPr id="4" name="Image 3" descr="Une image contenant texte, capture d’écran, logiciel, affichage&#10;&#10;Description générée automatiquement">
+            <a:extLst>
+              <a:ext uri="{FF2B5EF4-FFF2-40B4-BE49-F238E27FC236}">
+                <a16:creationId xmlns:a16="http://schemas.microsoft.com/office/drawing/2014/main" id="{B4D4619C-D330-B082-7677-170C4B22FACA}"/>
+              </a:ext>
+            </a:extLst>
+          </p:cNvPr>
+          <p:cNvPicPr>
+            <a:picLocks noChangeAspect="1"/>
+          </p:cNvPicPr>
+          <p:nvPr/>
+        </p:nvPicPr>
+        <p:blipFill rotWithShape="1">
+          <a:blip r:embed="rId2">
+            <a:extLst>
+              <a:ext uri="{28A0092B-C50C-407E-A947-70E740481C1C}">
+                <a14:useLocalDpi xmlns:a14="http://schemas.microsoft.com/office/drawing/2010/main" val="0"/>
+              </a:ext>
+            </a:extLst>
+          </a:blip>
+          <a:srcRect l="5613" r="11912" b="2"/>
+          <a:stretch/>
+        </p:blipFill>
+        <p:spPr>
+          <a:xfrm>
+            <a:off x="5922492" y="928201"/>
+            <a:ext cx="5536001" cy="4926942"/>
+          </a:xfrm>
+          <a:prstGeom prst="rect">
+            <a:avLst/>
+          </a:prstGeom>
+        </p:spPr>
+      </p:pic>
+      <p:sp>
+        <p:nvSpPr>
+          <p:cNvPr id="102" name="Rectangle 93">
+            <a:extLst>
+              <a:ext uri="{FF2B5EF4-FFF2-40B4-BE49-F238E27FC236}">
+                <a16:creationId xmlns:a16="http://schemas.microsoft.com/office/drawing/2014/main" id="{3873B707-463F-40B0-8227-E8CC6C67EB25}"/>
+              </a:ext>
+              <a:ext uri="{C183D7F6-B498-43B3-948B-1728B52AA6E4}">
+                <adec:decorative xmlns:adec="http://schemas.microsoft.com/office/drawing/2017/decorative" val="1"/>
+              </a:ext>
+            </a:extLst>
+          </p:cNvPr>
+          <p:cNvSpPr>
+            <a:spLocks noGrp="1" noRot="1" noChangeAspect="1" noMove="1" noResize="1" noEditPoints="1" noAdjustHandles="1" noChangeArrowheads="1" noChangeShapeType="1" noTextEdit="1"/>
+          </p:cNvSpPr>
+          <p:nvPr>
+            <p:extLst>
+              <p:ext uri="{386F3935-93C4-4BCD-93E2-E3B085C9AB24}">
+                <p16:designElem xmlns:p16="http://schemas.microsoft.com/office/powerpoint/2015/main" val="1"/>
+              </p:ext>
+            </p:extLst>
+          </p:nvPr>
+        </p:nvSpPr>
+        <p:spPr>
+          <a:xfrm flipH="1">
+            <a:off x="5687568" y="6355073"/>
+            <a:ext cx="6007608" cy="45719"/>
+          </a:xfrm>
+          <a:prstGeom prst="rect">
+            <a:avLst/>
+          </a:prstGeom>
+          <a:solidFill>
+            <a:schemeClr val="accent4"/>
+          </a:solidFill>
+          <a:ln>
+            <a:noFill/>
+          </a:ln>
+        </p:spPr>
+        <p:style>
+          <a:lnRef idx="2">
+            <a:schemeClr val="accent1">
+              <a:shade val="50000"/>
+            </a:schemeClr>
+          </a:lnRef>
+          <a:fillRef idx="1">
+            <a:schemeClr val="accent1"/>
+          </a:fillRef>
+          <a:effectRef idx="0">
+            <a:schemeClr val="accent1"/>
+          </a:effectRef>
+          <a:fontRef idx="minor">
+            <a:schemeClr val="lt1"/>
+          </a:fontRef>
+        </p:style>
+        <p:txBody>
+          <a:bodyPr rtlCol="0" anchor="ctr"/>
+          <a:lstStyle/>
+          <a:p>
+            <a:pPr algn="ctr"/>
+            <a:endParaRPr lang="en-US"/>
+          </a:p>
+        </p:txBody>
+      </p:sp>
+    </p:spTree>
+    <p:extLst>
+      <p:ext uri="{BB962C8B-B14F-4D97-AF65-F5344CB8AC3E}">
+        <p14:creationId xmlns:p14="http://schemas.microsoft.com/office/powerpoint/2010/main" val="1525795418"/>
+      </p:ext>
+    </p:extLst>
+  </p:cSld>
+  <p:clrMapOvr>
+    <a:masterClrMapping/>
+  </p:clrMapOvr>
+  <p:timing>
+    <p:tnLst>
+      <p:par>
+        <p:cTn id="1" dur="indefinite" restart="never" nodeType="tmRoot">
+          <p:childTnLst>
+            <p:seq concurrent="1" nextAc="seek">
+              <p:cTn id="2" dur="indefinite" nodeType="mainSeq">
+                <p:childTnLst>
+                  <p:par>
+                    <p:cTn id="3" fill="hold">
+                      <p:stCondLst>
+                        <p:cond delay="indefinite"/>
+                        <p:cond evt="onBegin" delay="0">
+                          <p:tn val="2"/>
+                        </p:cond>
+                      </p:stCondLst>
+                      <p:childTnLst>
+                        <p:par>
+                          <p:cTn id="4" fill="hold">
+                            <p:stCondLst>
+                              <p:cond delay="0"/>
+                            </p:stCondLst>
+                            <p:childTnLst>
+                              <p:par>
+                                <p:cTn id="5" presetID="10" presetClass="entr" presetSubtype="0" fill="hold" grpId="0" nodeType="withEffect">
+                                  <p:stCondLst>
+                                    <p:cond delay="1000"/>
+                                  </p:stCondLst>
+                                  <p:iterate>
+                                    <p:tmPct val="10000"/>
+                                  </p:iterate>
+                                  <p:childTnLst>
+                                    <p:set>
+                                      <p:cBhvr>
+                                        <p:cTn id="6" dur="1" fill="hold">
+                                          <p:stCondLst>
+                                            <p:cond delay="0"/>
+                                          </p:stCondLst>
+                                        </p:cTn>
+                                        <p:tgtEl>
+                                          <p:spTgt spid="2"/>
+                                        </p:tgtEl>
+                                        <p:attrNameLst>
+                                          <p:attrName>style.visibility</p:attrName>
+                                        </p:attrNameLst>
+                                      </p:cBhvr>
+                                      <p:to>
+                                        <p:strVal val="visible"/>
+                                      </p:to>
+                                    </p:set>
+                                    <p:animEffect transition="in" filter="fade">
+                                      <p:cBhvr>
+                                        <p:cTn id="7" dur="700"/>
+                                        <p:tgtEl>
+                                          <p:spTgt spid="2"/>
+                                        </p:tgtEl>
+                                      </p:cBhvr>
+                                    </p:animEffect>
+                                  </p:childTnLst>
+                                </p:cTn>
+                              </p:par>
+                            </p:childTnLst>
+                          </p:cTn>
+                        </p:par>
+                      </p:childTnLst>
+                    </p:cTn>
+                  </p:par>
+                </p:childTnLst>
+              </p:cTn>
+              <p:prevCondLst>
+                <p:cond evt="onPrev" delay="0">
+                  <p:tgtEl>
+                    <p:sldTgt/>
+                  </p:tgtEl>
+                </p:cond>
+              </p:prevCondLst>
+              <p:nextCondLst>
+                <p:cond evt="onNext" delay="0">
+                  <p:tgtEl>
+                    <p:sldTgt/>
+                  </p:tgtEl>
+                </p:cond>
+              </p:nextCondLst>
+            </p:seq>
+          </p:childTnLst>
+        </p:cTn>
+      </p:par>
+    </p:tnLst>
+    <p:bldLst>
+      <p:bldP spid="2" grpId="0"/>
+    </p:bldLst>
+  </p:timing>
+</p:sld>
+</file>
+
+<file path=ppt/slides/slide11.xml><?xml version="1.0" encoding="utf-8"?>
+<p:sld xmlns:a="http://schemas.openxmlformats.org/drawingml/2006/main" xmlns:r="http://schemas.openxmlformats.org/officeDocument/2006/relationships" xmlns:p="http://schemas.openxmlformats.org/presentationml/2006/main">
+  <p:cSld>
+    <p:bg>
+      <p:bgPr>
+        <a:solidFill>
+          <a:schemeClr val="bg1"/>
+        </a:solidFill>
+        <a:effectLst/>
+      </p:bgPr>
+    </p:bg>
+    <p:spTree>
+      <p:nvGrpSpPr>
+        <p:cNvPr id="1" name=""/>
+        <p:cNvGrpSpPr/>
+        <p:nvPr/>
+      </p:nvGrpSpPr>
+      <p:grpSpPr>
+        <a:xfrm>
+          <a:off x="0" y="0"/>
+          <a:ext cx="0" cy="0"/>
+          <a:chOff x="0" y="0"/>
+          <a:chExt cx="0" cy="0"/>
+        </a:xfrm>
+      </p:grpSpPr>
+      <p:sp useBgFill="1">
+        <p:nvSpPr>
+          <p:cNvPr id="128" name="Rectangle 127">
+            <a:extLst>
+              <a:ext uri="{FF2B5EF4-FFF2-40B4-BE49-F238E27FC236}">
+                <a16:creationId xmlns:a16="http://schemas.microsoft.com/office/drawing/2014/main" id="{47942995-B07F-4636-9A06-C6A104B260A8}"/>
+              </a:ext>
+              <a:ext uri="{C183D7F6-B498-43B3-948B-1728B52AA6E4}">
+                <adec:decorative xmlns:adec="http://schemas.microsoft.com/office/drawing/2017/decorative" val="1"/>
+              </a:ext>
+            </a:extLst>
+          </p:cNvPr>
+          <p:cNvSpPr>
+            <a:spLocks noGrp="1" noRot="1" noChangeAspect="1" noMove="1" noResize="1" noEditPoints="1" noAdjustHandles="1" noChangeArrowheads="1" noChangeShapeType="1" noTextEdit="1"/>
+          </p:cNvSpPr>
+          <p:nvPr>
+            <p:extLst>
+              <p:ext uri="{386F3935-93C4-4BCD-93E2-E3B085C9AB24}">
+                <p16:designElem xmlns:p16="http://schemas.microsoft.com/office/powerpoint/2015/main" val="1"/>
+              </p:ext>
+            </p:extLst>
+          </p:nvPr>
+        </p:nvSpPr>
+        <p:spPr>
+          <a:xfrm>
+            <a:off x="0" y="0"/>
+            <a:ext cx="12191999" cy="6857365"/>
+          </a:xfrm>
+          <a:prstGeom prst="rect">
+            <a:avLst/>
+          </a:prstGeom>
+          <a:ln>
+            <a:noFill/>
+          </a:ln>
+        </p:spPr>
+        <p:style>
+          <a:lnRef idx="2">
+            <a:schemeClr val="accent1">
+              <a:shade val="50000"/>
+            </a:schemeClr>
+          </a:lnRef>
+          <a:fillRef idx="1">
+            <a:schemeClr val="accent1"/>
+          </a:fillRef>
+          <a:effectRef idx="0">
+            <a:schemeClr val="accent1"/>
+          </a:effectRef>
+          <a:fontRef idx="minor">
+            <a:schemeClr val="lt1"/>
+          </a:fontRef>
+        </p:style>
+        <p:txBody>
+          <a:bodyPr rtlCol="0" anchor="ctr"/>
+          <a:lstStyle/>
+          <a:p>
+            <a:pPr algn="ctr"/>
+            <a:endParaRPr lang="en-US"/>
+          </a:p>
+        </p:txBody>
+      </p:sp>
+      <p:sp>
+        <p:nvSpPr>
+          <p:cNvPr id="2" name="Titre 1">
+            <a:extLst>
+              <a:ext uri="{FF2B5EF4-FFF2-40B4-BE49-F238E27FC236}">
+                <a16:creationId xmlns:a16="http://schemas.microsoft.com/office/drawing/2014/main" id="{A9D3BC35-4DDC-856F-9C64-F81B58BB0C98}"/>
+              </a:ext>
+            </a:extLst>
+          </p:cNvPr>
+          <p:cNvSpPr>
+            <a:spLocks noGrp="1"/>
+          </p:cNvSpPr>
+          <p:nvPr>
+            <p:ph type="title"/>
+          </p:nvPr>
+        </p:nvSpPr>
+        <p:spPr>
+          <a:xfrm>
+            <a:off x="1113810" y="2960716"/>
+            <a:ext cx="4036334" cy="2387600"/>
+          </a:xfrm>
+        </p:spPr>
+        <p:txBody>
+          <a:bodyPr vert="horz" lIns="91440" tIns="45720" rIns="91440" bIns="45720" rtlCol="0" anchor="t">
+            <a:normAutofit/>
+          </a:bodyPr>
+          <a:lstStyle/>
+          <a:p>
+            <a:r>
+              <a:rPr lang="en-US" sz="4600" kern="1200">
+                <a:solidFill>
+                  <a:schemeClr val="tx1"/>
+                </a:solidFill>
+                <a:latin typeface="+mj-lt"/>
+                <a:ea typeface="+mj-ea"/>
+                <a:cs typeface="+mj-cs"/>
+              </a:rPr>
+              <a:t>Développement – création vue</a:t>
+            </a:r>
+          </a:p>
+        </p:txBody>
+      </p:sp>
+      <p:grpSp>
+        <p:nvGrpSpPr>
+          <p:cNvPr id="130" name="Group 129">
+            <a:extLst>
+              <a:ext uri="{FF2B5EF4-FFF2-40B4-BE49-F238E27FC236}">
+                <a16:creationId xmlns:a16="http://schemas.microsoft.com/office/drawing/2014/main" id="{032D8612-31EB-44CF-A1D0-14FD4C705424}"/>
+              </a:ext>
+              <a:ext uri="{C183D7F6-B498-43B3-948B-1728B52AA6E4}">
+                <adec:decorative xmlns:adec="http://schemas.microsoft.com/office/drawing/2017/decorative" val="1"/>
+              </a:ext>
+            </a:extLst>
+          </p:cNvPr>
+          <p:cNvGrpSpPr>
+            <a:grpSpLocks noGrp="1" noUngrp="1" noRot="1" noChangeAspect="1" noMove="1" noResize="1"/>
+          </p:cNvGrpSpPr>
+          <p:nvPr>
+            <p:extLst>
+              <p:ext uri="{386F3935-93C4-4BCD-93E2-E3B085C9AB24}">
+                <p16:designElem xmlns:p16="http://schemas.microsoft.com/office/powerpoint/2015/main" val="1"/>
+              </p:ext>
+            </p:extLst>
+          </p:nvPr>
+        </p:nvGrpSpPr>
+        <p:grpSpPr>
+          <a:xfrm>
+            <a:off x="0" y="2984992"/>
+            <a:ext cx="731521" cy="673460"/>
+            <a:chOff x="3940602" y="308034"/>
+            <a:chExt cx="2116791" cy="3428999"/>
+          </a:xfrm>
+          <a:solidFill>
+            <a:schemeClr val="accent4"/>
+          </a:solidFill>
+        </p:grpSpPr>
+        <p:sp>
+          <p:nvSpPr>
+            <p:cNvPr id="131" name="Rectangle 130">
+              <a:extLst>
+                <a:ext uri="{FF2B5EF4-FFF2-40B4-BE49-F238E27FC236}">
+                  <a16:creationId xmlns:a16="http://schemas.microsoft.com/office/drawing/2014/main" id="{F19A4A0F-1B59-4DB0-9764-D10936E98770}"/>
+                </a:ext>
+                <a:ext uri="{C183D7F6-B498-43B3-948B-1728B52AA6E4}">
+                  <adec:decorative xmlns:adec="http://schemas.microsoft.com/office/drawing/2017/decorative" val="1"/>
+                </a:ext>
+              </a:extLst>
+            </p:cNvPr>
+            <p:cNvSpPr/>
+            <p:nvPr>
+              <p:extLst>
+                <p:ext uri="{386F3935-93C4-4BCD-93E2-E3B085C9AB24}">
+                  <p16:designElem xmlns:p16="http://schemas.microsoft.com/office/powerpoint/2015/main" val="1"/>
+                </p:ext>
+              </p:extLst>
+            </p:nvPr>
+          </p:nvSpPr>
+          <p:spPr>
+            <a:xfrm>
+              <a:off x="3940602" y="308034"/>
+              <a:ext cx="566743" cy="3428999"/>
+            </a:xfrm>
+            <a:prstGeom prst="rect">
+              <a:avLst/>
+            </a:prstGeom>
+            <a:grpFill/>
+            <a:ln>
+              <a:noFill/>
+            </a:ln>
+          </p:spPr>
+          <p:style>
+            <a:lnRef idx="2">
+              <a:schemeClr val="accent1">
+                <a:shade val="50000"/>
+              </a:schemeClr>
+            </a:lnRef>
+            <a:fillRef idx="1">
+              <a:schemeClr val="accent1"/>
+            </a:fillRef>
+            <a:effectRef idx="0">
+              <a:schemeClr val="accent1"/>
+            </a:effectRef>
+            <a:fontRef idx="minor">
+              <a:schemeClr val="lt1"/>
+            </a:fontRef>
+          </p:style>
+          <p:txBody>
+            <a:bodyPr rtlCol="0" anchor="ctr"/>
+            <a:lstStyle/>
+            <a:p>
+              <a:pPr algn="ctr"/>
+              <a:endParaRPr lang="en-US"/>
+            </a:p>
+          </p:txBody>
+        </p:sp>
+        <p:sp>
+          <p:nvSpPr>
+            <p:cNvPr id="132" name="Rectangle 131">
+              <a:extLst>
+                <a:ext uri="{FF2B5EF4-FFF2-40B4-BE49-F238E27FC236}">
+                  <a16:creationId xmlns:a16="http://schemas.microsoft.com/office/drawing/2014/main" id="{F399A70F-F8CD-4992-9EF5-6CF15472E73F}"/>
+                </a:ext>
+                <a:ext uri="{C183D7F6-B498-43B3-948B-1728B52AA6E4}">
+                  <adec:decorative xmlns:adec="http://schemas.microsoft.com/office/drawing/2017/decorative" val="1"/>
+                </a:ext>
+              </a:extLst>
+            </p:cNvPr>
+            <p:cNvSpPr/>
+            <p:nvPr>
+              <p:extLst>
+                <p:ext uri="{386F3935-93C4-4BCD-93E2-E3B085C9AB24}">
+                  <p16:designElem xmlns:p16="http://schemas.microsoft.com/office/powerpoint/2015/main" val="1"/>
+                </p:ext>
+              </p:extLst>
+            </p:nvPr>
+          </p:nvSpPr>
+          <p:spPr>
+            <a:xfrm>
+              <a:off x="4715626" y="308034"/>
+              <a:ext cx="566743" cy="3428999"/>
+            </a:xfrm>
+            <a:prstGeom prst="rect">
+              <a:avLst/>
+            </a:prstGeom>
+            <a:grpFill/>
+            <a:ln>
+              <a:noFill/>
+            </a:ln>
+          </p:spPr>
+          <p:style>
+            <a:lnRef idx="2">
+              <a:schemeClr val="accent1">
+                <a:shade val="50000"/>
+              </a:schemeClr>
+            </a:lnRef>
+            <a:fillRef idx="1">
+              <a:schemeClr val="accent1"/>
+            </a:fillRef>
+            <a:effectRef idx="0">
+              <a:schemeClr val="accent1"/>
+            </a:effectRef>
+            <a:fontRef idx="minor">
+              <a:schemeClr val="lt1"/>
+            </a:fontRef>
+          </p:style>
+          <p:txBody>
+            <a:bodyPr rtlCol="0" anchor="ctr"/>
+            <a:lstStyle/>
+            <a:p>
+              <a:pPr algn="ctr"/>
+              <a:endParaRPr lang="en-US"/>
+            </a:p>
+          </p:txBody>
+        </p:sp>
+        <p:sp>
+          <p:nvSpPr>
+            <p:cNvPr id="133" name="Rectangle 132">
+              <a:extLst>
+                <a:ext uri="{FF2B5EF4-FFF2-40B4-BE49-F238E27FC236}">
+                  <a16:creationId xmlns:a16="http://schemas.microsoft.com/office/drawing/2014/main" id="{48F4FEDC-6D80-458C-A665-075D9B9500FD}"/>
+                </a:ext>
+                <a:ext uri="{C183D7F6-B498-43B3-948B-1728B52AA6E4}">
+                  <adec:decorative xmlns:adec="http://schemas.microsoft.com/office/drawing/2017/decorative" val="1"/>
+                </a:ext>
+              </a:extLst>
+            </p:cNvPr>
+            <p:cNvSpPr/>
+            <p:nvPr>
+              <p:extLst>
+                <p:ext uri="{386F3935-93C4-4BCD-93E2-E3B085C9AB24}">
+                  <p16:designElem xmlns:p16="http://schemas.microsoft.com/office/powerpoint/2015/main" val="1"/>
+                </p:ext>
+              </p:extLst>
+            </p:nvPr>
+          </p:nvSpPr>
+          <p:spPr>
+            <a:xfrm>
+              <a:off x="5490650" y="308034"/>
+              <a:ext cx="566743" cy="3428999"/>
+            </a:xfrm>
+            <a:prstGeom prst="rect">
+              <a:avLst/>
+            </a:prstGeom>
+            <a:grpFill/>
+            <a:ln>
+              <a:noFill/>
+            </a:ln>
+          </p:spPr>
+          <p:style>
+            <a:lnRef idx="2">
+              <a:schemeClr val="accent1">
+                <a:shade val="50000"/>
+              </a:schemeClr>
+            </a:lnRef>
+            <a:fillRef idx="1">
+              <a:schemeClr val="accent1"/>
+            </a:fillRef>
+            <a:effectRef idx="0">
+              <a:schemeClr val="accent1"/>
+            </a:effectRef>
+            <a:fontRef idx="minor">
+              <a:schemeClr val="lt1"/>
+            </a:fontRef>
+          </p:style>
+          <p:txBody>
+            <a:bodyPr rtlCol="0" anchor="ctr"/>
+            <a:lstStyle/>
+            <a:p>
+              <a:pPr algn="ctr"/>
+              <a:endParaRPr lang="en-US"/>
+            </a:p>
+          </p:txBody>
+        </p:sp>
+      </p:grpSp>
+      <p:sp>
+        <p:nvSpPr>
+          <p:cNvPr id="135" name="Rectangle 134">
+            <a:extLst>
+              <a:ext uri="{FF2B5EF4-FFF2-40B4-BE49-F238E27FC236}">
+                <a16:creationId xmlns:a16="http://schemas.microsoft.com/office/drawing/2014/main" id="{B81933D1-5615-42C7-9C0B-4EB7105CCE2D}"/>
+              </a:ext>
+              <a:ext uri="{C183D7F6-B498-43B3-948B-1728B52AA6E4}">
+                <adec:decorative xmlns:adec="http://schemas.microsoft.com/office/drawing/2017/decorative" val="1"/>
+              </a:ext>
+            </a:extLst>
+          </p:cNvPr>
+          <p:cNvSpPr>
+            <a:spLocks noGrp="1" noRot="1" noChangeAspect="1" noMove="1" noResize="1" noEditPoints="1" noAdjustHandles="1" noChangeArrowheads="1" noChangeShapeType="1" noTextEdit="1"/>
+          </p:cNvSpPr>
+          <p:nvPr>
+            <p:extLst>
+              <p:ext uri="{386F3935-93C4-4BCD-93E2-E3B085C9AB24}">
+                <p16:designElem xmlns:p16="http://schemas.microsoft.com/office/powerpoint/2015/main" val="1"/>
+              </p:ext>
+            </p:extLst>
+          </p:nvPr>
+        </p:nvSpPr>
+        <p:spPr>
+          <a:xfrm flipH="1">
+            <a:off x="10697670" y="0"/>
+            <a:ext cx="1494330" cy="6858000"/>
+          </a:xfrm>
+          <a:prstGeom prst="rect">
+            <a:avLst/>
+          </a:prstGeom>
+          <a:solidFill>
+            <a:schemeClr val="accent4"/>
+          </a:solidFill>
+          <a:ln>
+            <a:noFill/>
+          </a:ln>
+        </p:spPr>
+        <p:style>
+          <a:lnRef idx="2">
+            <a:schemeClr val="accent1">
+              <a:shade val="50000"/>
+            </a:schemeClr>
+          </a:lnRef>
+          <a:fillRef idx="1">
+            <a:schemeClr val="accent1"/>
+          </a:fillRef>
+          <a:effectRef idx="0">
+            <a:schemeClr val="accent1"/>
+          </a:effectRef>
+          <a:fontRef idx="minor">
+            <a:schemeClr val="lt1"/>
+          </a:fontRef>
+        </p:style>
+        <p:txBody>
+          <a:bodyPr rtlCol="0" anchor="ctr"/>
+          <a:lstStyle/>
+          <a:p>
+            <a:pPr algn="ctr"/>
+            <a:endParaRPr lang="en-US"/>
+          </a:p>
+        </p:txBody>
+      </p:sp>
+      <p:sp>
+        <p:nvSpPr>
+          <p:cNvPr id="137" name="Rectangle 136">
+            <a:extLst>
+              <a:ext uri="{FF2B5EF4-FFF2-40B4-BE49-F238E27FC236}">
+                <a16:creationId xmlns:a16="http://schemas.microsoft.com/office/drawing/2014/main" id="{19C9EAEA-39D0-4B0E-A0EB-51E7B26740B1}"/>
+              </a:ext>
+              <a:ext uri="{C183D7F6-B498-43B3-948B-1728B52AA6E4}">
+                <adec:decorative xmlns:adec="http://schemas.microsoft.com/office/drawing/2017/decorative" val="1"/>
+              </a:ext>
+            </a:extLst>
+          </p:cNvPr>
+          <p:cNvSpPr>
+            <a:spLocks noGrp="1" noRot="1" noChangeAspect="1" noMove="1" noResize="1" noEditPoints="1" noAdjustHandles="1" noChangeArrowheads="1" noChangeShapeType="1" noTextEdit="1"/>
+          </p:cNvSpPr>
+          <p:nvPr>
+            <p:extLst>
+              <p:ext uri="{386F3935-93C4-4BCD-93E2-E3B085C9AB24}">
+                <p16:designElem xmlns:p16="http://schemas.microsoft.com/office/powerpoint/2015/main" val="1"/>
+              </p:ext>
+            </p:extLst>
+          </p:nvPr>
+        </p:nvSpPr>
+        <p:spPr>
+          <a:xfrm>
+            <a:off x="5685810" y="391886"/>
+            <a:ext cx="6009366" cy="6017078"/>
+          </a:xfrm>
+          <a:prstGeom prst="rect">
+            <a:avLst/>
+          </a:prstGeom>
+          <a:solidFill>
+            <a:schemeClr val="bg1"/>
+          </a:solidFill>
+          <a:ln>
+            <a:noFill/>
+          </a:ln>
+          <a:effectLst>
+            <a:outerShdw blurRad="139700" dist="127000" dir="5400000" algn="t" rotWithShape="0">
+              <a:prstClr val="black">
+                <a:alpha val="15000"/>
+              </a:prstClr>
+            </a:outerShdw>
+          </a:effectLst>
+        </p:spPr>
+        <p:style>
+          <a:lnRef idx="2">
+            <a:schemeClr val="accent1">
+              <a:shade val="50000"/>
+            </a:schemeClr>
+          </a:lnRef>
+          <a:fillRef idx="1">
+            <a:schemeClr val="accent1"/>
+          </a:fillRef>
+          <a:effectRef idx="0">
+            <a:schemeClr val="accent1"/>
+          </a:effectRef>
+          <a:fontRef idx="minor">
+            <a:schemeClr val="lt1"/>
+          </a:fontRef>
+        </p:style>
+        <p:txBody>
+          <a:bodyPr rtlCol="0" anchor="ctr"/>
+          <a:lstStyle/>
+          <a:p>
+            <a:pPr algn="ctr"/>
+            <a:endParaRPr lang="en-US"/>
+          </a:p>
+        </p:txBody>
+      </p:sp>
+      <p:pic>
+        <p:nvPicPr>
+          <p:cNvPr id="5" name="Image 4" descr="Une image contenant texte, capture d’écran, Police&#10;&#10;Description générée automatiquement">
+            <a:extLst>
+              <a:ext uri="{FF2B5EF4-FFF2-40B4-BE49-F238E27FC236}">
+                <a16:creationId xmlns:a16="http://schemas.microsoft.com/office/drawing/2014/main" id="{4034270D-B852-8C4C-D46C-B21DA3390D05}"/>
+              </a:ext>
+            </a:extLst>
+          </p:cNvPr>
+          <p:cNvPicPr>
+            <a:picLocks noChangeAspect="1"/>
+          </p:cNvPicPr>
+          <p:nvPr/>
+        </p:nvPicPr>
+        <p:blipFill rotWithShape="1">
+          <a:blip r:embed="rId2">
+            <a:extLst>
+              <a:ext uri="{28A0092B-C50C-407E-A947-70E740481C1C}">
+                <a14:useLocalDpi xmlns:a14="http://schemas.microsoft.com/office/drawing/2010/main" val="0"/>
+              </a:ext>
+            </a:extLst>
+          </a:blip>
+          <a:srcRect l="-181" r="45002"/>
+          <a:stretch/>
+        </p:blipFill>
+        <p:spPr>
+          <a:xfrm>
+            <a:off x="5685810" y="1503446"/>
+            <a:ext cx="5772684" cy="3792355"/>
+          </a:xfrm>
+          <a:prstGeom prst="rect">
+            <a:avLst/>
+          </a:prstGeom>
+        </p:spPr>
+      </p:pic>
+    </p:spTree>
+    <p:extLst>
+      <p:ext uri="{BB962C8B-B14F-4D97-AF65-F5344CB8AC3E}">
+        <p14:creationId xmlns:p14="http://schemas.microsoft.com/office/powerpoint/2010/main" val="1829329583"/>
+      </p:ext>
+    </p:extLst>
+  </p:cSld>
+  <p:clrMapOvr>
+    <a:masterClrMapping/>
+  </p:clrMapOvr>
+  <p:timing>
+    <p:tnLst>
+      <p:par>
+        <p:cTn id="1" dur="indefinite" restart="never" nodeType="tmRoot">
+          <p:childTnLst>
+            <p:seq concurrent="1" nextAc="seek">
+              <p:cTn id="2" dur="indefinite" nodeType="mainSeq">
+                <p:childTnLst>
+                  <p:par>
+                    <p:cTn id="3" fill="hold">
+                      <p:stCondLst>
+                        <p:cond delay="indefinite"/>
+                        <p:cond evt="onBegin" delay="0">
+                          <p:tn val="2"/>
+                        </p:cond>
+                      </p:stCondLst>
+                      <p:childTnLst>
+                        <p:par>
+                          <p:cTn id="4" fill="hold">
+                            <p:stCondLst>
+                              <p:cond delay="0"/>
+                            </p:stCondLst>
+                            <p:childTnLst>
+                              <p:par>
+                                <p:cTn id="5" presetID="10" presetClass="entr" presetSubtype="0" fill="hold" grpId="0" nodeType="withEffect">
+                                  <p:stCondLst>
+                                    <p:cond delay="1000"/>
+                                  </p:stCondLst>
+                                  <p:iterate>
+                                    <p:tmPct val="10000"/>
+                                  </p:iterate>
+                                  <p:childTnLst>
+                                    <p:set>
+                                      <p:cBhvr>
+                                        <p:cTn id="6" dur="1" fill="hold">
+                                          <p:stCondLst>
+                                            <p:cond delay="0"/>
+                                          </p:stCondLst>
+                                        </p:cTn>
+                                        <p:tgtEl>
+                                          <p:spTgt spid="2"/>
+                                        </p:tgtEl>
+                                        <p:attrNameLst>
+                                          <p:attrName>style.visibility</p:attrName>
+                                        </p:attrNameLst>
+                                      </p:cBhvr>
+                                      <p:to>
+                                        <p:strVal val="visible"/>
+                                      </p:to>
+                                    </p:set>
+                                    <p:animEffect transition="in" filter="fade">
+                                      <p:cBhvr>
+                                        <p:cTn id="7" dur="700"/>
+                                        <p:tgtEl>
+                                          <p:spTgt spid="2"/>
+                                        </p:tgtEl>
+                                      </p:cBhvr>
+                                    </p:animEffect>
+                                  </p:childTnLst>
+                                </p:cTn>
+                              </p:par>
+                            </p:childTnLst>
+                          </p:cTn>
+                        </p:par>
+                      </p:childTnLst>
+                    </p:cTn>
+                  </p:par>
+                </p:childTnLst>
+              </p:cTn>
+              <p:prevCondLst>
+                <p:cond evt="onPrev" delay="0">
+                  <p:tgtEl>
+                    <p:sldTgt/>
+                  </p:tgtEl>
+                </p:cond>
+              </p:prevCondLst>
+              <p:nextCondLst>
+                <p:cond evt="onNext" delay="0">
+                  <p:tgtEl>
+                    <p:sldTgt/>
+                  </p:tgtEl>
+                </p:cond>
+              </p:nextCondLst>
+            </p:seq>
+          </p:childTnLst>
+        </p:cTn>
+      </p:par>
+    </p:tnLst>
+    <p:bldLst>
+      <p:bldP spid="2" grpId="0"/>
+    </p:bldLst>
+  </p:timing>
+</p:sld>
+</file>
+
+<file path=ppt/slides/slide12.xml><?xml version="1.0" encoding="utf-8"?>
+<p:sld xmlns:a="http://schemas.openxmlformats.org/drawingml/2006/main" xmlns:r="http://schemas.openxmlformats.org/officeDocument/2006/relationships" xmlns:p="http://schemas.openxmlformats.org/presentationml/2006/main">
+  <p:cSld>
+    <p:bg>
+      <p:bgPr>
+        <a:solidFill>
+          <a:schemeClr val="bg1"/>
+        </a:solidFill>
+        <a:effectLst/>
+      </p:bgPr>
+    </p:bg>
+    <p:spTree>
+      <p:nvGrpSpPr>
+        <p:cNvPr id="1" name=""/>
+        <p:cNvGrpSpPr/>
+        <p:nvPr/>
+      </p:nvGrpSpPr>
+      <p:grpSpPr>
+        <a:xfrm>
+          <a:off x="0" y="0"/>
+          <a:ext cx="0" cy="0"/>
+          <a:chOff x="0" y="0"/>
+          <a:chExt cx="0" cy="0"/>
+        </a:xfrm>
+      </p:grpSpPr>
+      <p:sp useBgFill="1">
+        <p:nvSpPr>
+          <p:cNvPr id="142" name="Rectangle 141">
+            <a:extLst>
+              <a:ext uri="{FF2B5EF4-FFF2-40B4-BE49-F238E27FC236}">
+                <a16:creationId xmlns:a16="http://schemas.microsoft.com/office/drawing/2014/main" id="{47942995-B07F-4636-9A06-C6A104B260A8}"/>
+              </a:ext>
+              <a:ext uri="{C183D7F6-B498-43B3-948B-1728B52AA6E4}">
+                <adec:decorative xmlns:adec="http://schemas.microsoft.com/office/drawing/2017/decorative" val="1"/>
+              </a:ext>
+            </a:extLst>
+          </p:cNvPr>
+          <p:cNvSpPr>
+            <a:spLocks noGrp="1" noRot="1" noChangeAspect="1" noMove="1" noResize="1" noEditPoints="1" noAdjustHandles="1" noChangeArrowheads="1" noChangeShapeType="1" noTextEdit="1"/>
+          </p:cNvSpPr>
+          <p:nvPr>
+            <p:extLst>
+              <p:ext uri="{386F3935-93C4-4BCD-93E2-E3B085C9AB24}">
+                <p16:designElem xmlns:p16="http://schemas.microsoft.com/office/powerpoint/2015/main" val="1"/>
+              </p:ext>
+            </p:extLst>
+          </p:nvPr>
+        </p:nvSpPr>
+        <p:spPr>
+          <a:xfrm>
+            <a:off x="0" y="0"/>
+            <a:ext cx="12191999" cy="6857365"/>
+          </a:xfrm>
+          <a:prstGeom prst="rect">
+            <a:avLst/>
+          </a:prstGeom>
+          <a:ln>
+            <a:noFill/>
+          </a:ln>
+        </p:spPr>
+        <p:style>
+          <a:lnRef idx="2">
+            <a:schemeClr val="accent1">
+              <a:shade val="50000"/>
+            </a:schemeClr>
+          </a:lnRef>
+          <a:fillRef idx="1">
+            <a:schemeClr val="accent1"/>
+          </a:fillRef>
+          <a:effectRef idx="0">
+            <a:schemeClr val="accent1"/>
+          </a:effectRef>
+          <a:fontRef idx="minor">
+            <a:schemeClr val="lt1"/>
+          </a:fontRef>
+        </p:style>
+        <p:txBody>
+          <a:bodyPr rtlCol="0" anchor="ctr"/>
+          <a:lstStyle/>
+          <a:p>
+            <a:pPr algn="ctr"/>
+            <a:endParaRPr lang="en-US"/>
+          </a:p>
+        </p:txBody>
+      </p:sp>
+      <p:sp>
+        <p:nvSpPr>
+          <p:cNvPr id="2" name="Titre 1">
+            <a:extLst>
+              <a:ext uri="{FF2B5EF4-FFF2-40B4-BE49-F238E27FC236}">
+                <a16:creationId xmlns:a16="http://schemas.microsoft.com/office/drawing/2014/main" id="{A9D3BC35-4DDC-856F-9C64-F81B58BB0C98}"/>
+              </a:ext>
+            </a:extLst>
+          </p:cNvPr>
+          <p:cNvSpPr>
+            <a:spLocks noGrp="1"/>
+          </p:cNvSpPr>
+          <p:nvPr>
+            <p:ph type="title"/>
+          </p:nvPr>
+        </p:nvSpPr>
+        <p:spPr>
+          <a:xfrm>
+            <a:off x="1113810" y="2960716"/>
+            <a:ext cx="4036334" cy="2387600"/>
+          </a:xfrm>
+        </p:spPr>
+        <p:txBody>
+          <a:bodyPr vert="horz" lIns="91440" tIns="45720" rIns="91440" bIns="45720" rtlCol="0" anchor="t">
+            <a:normAutofit/>
+          </a:bodyPr>
+          <a:lstStyle/>
+          <a:p>
+            <a:r>
+              <a:rPr lang="en-US" sz="4600" kern="1200">
+                <a:solidFill>
+                  <a:schemeClr val="tx1"/>
+                </a:solidFill>
+                <a:latin typeface="+mj-lt"/>
+                <a:ea typeface="+mj-ea"/>
+                <a:cs typeface="+mj-cs"/>
+              </a:rPr>
+              <a:t>Développement</a:t>
+            </a:r>
+            <a:r>
+              <a:rPr lang="en-US" sz="4600" kern="1200" dirty="0">
+                <a:solidFill>
+                  <a:schemeClr val="tx1"/>
+                </a:solidFill>
+                <a:latin typeface="+mj-lt"/>
+                <a:ea typeface="+mj-ea"/>
+                <a:cs typeface="+mj-cs"/>
+              </a:rPr>
+              <a:t> – </a:t>
+            </a:r>
+            <a:r>
+              <a:rPr lang="en-US" sz="4600" kern="1200">
+                <a:solidFill>
+                  <a:schemeClr val="tx1"/>
+                </a:solidFill>
+                <a:latin typeface="+mj-lt"/>
+                <a:ea typeface="+mj-ea"/>
+                <a:cs typeface="+mj-cs"/>
+              </a:rPr>
+              <a:t>Insert</a:t>
+            </a:r>
+            <a:endParaRPr lang="en-US" sz="4600" kern="1200" dirty="0">
+              <a:solidFill>
+                <a:schemeClr val="tx1"/>
+              </a:solidFill>
+              <a:latin typeface="+mj-lt"/>
+              <a:ea typeface="+mj-ea"/>
+              <a:cs typeface="+mj-cs"/>
+            </a:endParaRPr>
+          </a:p>
+        </p:txBody>
+      </p:sp>
+      <p:grpSp>
+        <p:nvGrpSpPr>
+          <p:cNvPr id="144" name="Group 143">
+            <a:extLst>
+              <a:ext uri="{FF2B5EF4-FFF2-40B4-BE49-F238E27FC236}">
+                <a16:creationId xmlns:a16="http://schemas.microsoft.com/office/drawing/2014/main" id="{032D8612-31EB-44CF-A1D0-14FD4C705424}"/>
+              </a:ext>
+              <a:ext uri="{C183D7F6-B498-43B3-948B-1728B52AA6E4}">
+                <adec:decorative xmlns:adec="http://schemas.microsoft.com/office/drawing/2017/decorative" val="1"/>
+              </a:ext>
+            </a:extLst>
+          </p:cNvPr>
+          <p:cNvGrpSpPr>
+            <a:grpSpLocks noGrp="1" noUngrp="1" noRot="1" noChangeAspect="1" noMove="1" noResize="1"/>
+          </p:cNvGrpSpPr>
+          <p:nvPr>
+            <p:extLst>
+              <p:ext uri="{386F3935-93C4-4BCD-93E2-E3B085C9AB24}">
+                <p16:designElem xmlns:p16="http://schemas.microsoft.com/office/powerpoint/2015/main" val="1"/>
+              </p:ext>
+            </p:extLst>
+          </p:nvPr>
+        </p:nvGrpSpPr>
+        <p:grpSpPr>
+          <a:xfrm>
+            <a:off x="0" y="2984992"/>
+            <a:ext cx="731521" cy="673460"/>
+            <a:chOff x="3940602" y="308034"/>
+            <a:chExt cx="2116791" cy="3428999"/>
+          </a:xfrm>
+          <a:solidFill>
+            <a:schemeClr val="accent4"/>
+          </a:solidFill>
+        </p:grpSpPr>
+        <p:sp>
+          <p:nvSpPr>
+            <p:cNvPr id="145" name="Rectangle 144">
+              <a:extLst>
+                <a:ext uri="{FF2B5EF4-FFF2-40B4-BE49-F238E27FC236}">
+                  <a16:creationId xmlns:a16="http://schemas.microsoft.com/office/drawing/2014/main" id="{F19A4A0F-1B59-4DB0-9764-D10936E98770}"/>
+                </a:ext>
+                <a:ext uri="{C183D7F6-B498-43B3-948B-1728B52AA6E4}">
+                  <adec:decorative xmlns:adec="http://schemas.microsoft.com/office/drawing/2017/decorative" val="1"/>
+                </a:ext>
+              </a:extLst>
+            </p:cNvPr>
+            <p:cNvSpPr/>
+            <p:nvPr>
+              <p:extLst>
+                <p:ext uri="{386F3935-93C4-4BCD-93E2-E3B085C9AB24}">
+                  <p16:designElem xmlns:p16="http://schemas.microsoft.com/office/powerpoint/2015/main" val="1"/>
+                </p:ext>
+              </p:extLst>
+            </p:nvPr>
+          </p:nvSpPr>
+          <p:spPr>
+            <a:xfrm>
+              <a:off x="3940602" y="308034"/>
+              <a:ext cx="566743" cy="3428999"/>
+            </a:xfrm>
+            <a:prstGeom prst="rect">
+              <a:avLst/>
+            </a:prstGeom>
+            <a:grpFill/>
+            <a:ln>
+              <a:noFill/>
+            </a:ln>
+          </p:spPr>
+          <p:style>
+            <a:lnRef idx="2">
+              <a:schemeClr val="accent1">
+                <a:shade val="50000"/>
+              </a:schemeClr>
+            </a:lnRef>
+            <a:fillRef idx="1">
+              <a:schemeClr val="accent1"/>
+            </a:fillRef>
+            <a:effectRef idx="0">
+              <a:schemeClr val="accent1"/>
+            </a:effectRef>
+            <a:fontRef idx="minor">
+              <a:schemeClr val="lt1"/>
+            </a:fontRef>
+          </p:style>
+          <p:txBody>
+            <a:bodyPr rtlCol="0" anchor="ctr"/>
+            <a:lstStyle/>
+            <a:p>
+              <a:pPr algn="ctr"/>
+              <a:endParaRPr lang="en-US"/>
+            </a:p>
+          </p:txBody>
+        </p:sp>
+        <p:sp>
+          <p:nvSpPr>
+            <p:cNvPr id="146" name="Rectangle 145">
+              <a:extLst>
+                <a:ext uri="{FF2B5EF4-FFF2-40B4-BE49-F238E27FC236}">
+                  <a16:creationId xmlns:a16="http://schemas.microsoft.com/office/drawing/2014/main" id="{F399A70F-F8CD-4992-9EF5-6CF15472E73F}"/>
+                </a:ext>
+                <a:ext uri="{C183D7F6-B498-43B3-948B-1728B52AA6E4}">
+                  <adec:decorative xmlns:adec="http://schemas.microsoft.com/office/drawing/2017/decorative" val="1"/>
+                </a:ext>
+              </a:extLst>
+            </p:cNvPr>
+            <p:cNvSpPr/>
+            <p:nvPr>
+              <p:extLst>
+                <p:ext uri="{386F3935-93C4-4BCD-93E2-E3B085C9AB24}">
+                  <p16:designElem xmlns:p16="http://schemas.microsoft.com/office/powerpoint/2015/main" val="1"/>
+                </p:ext>
+              </p:extLst>
+            </p:nvPr>
+          </p:nvSpPr>
+          <p:spPr>
+            <a:xfrm>
+              <a:off x="4715626" y="308034"/>
+              <a:ext cx="566743" cy="3428999"/>
+            </a:xfrm>
+            <a:prstGeom prst="rect">
+              <a:avLst/>
+            </a:prstGeom>
+            <a:grpFill/>
+            <a:ln>
+              <a:noFill/>
+            </a:ln>
+          </p:spPr>
+          <p:style>
+            <a:lnRef idx="2">
+              <a:schemeClr val="accent1">
+                <a:shade val="50000"/>
+              </a:schemeClr>
+            </a:lnRef>
+            <a:fillRef idx="1">
+              <a:schemeClr val="accent1"/>
+            </a:fillRef>
+            <a:effectRef idx="0">
+              <a:schemeClr val="accent1"/>
+            </a:effectRef>
+            <a:fontRef idx="minor">
+              <a:schemeClr val="lt1"/>
+            </a:fontRef>
+          </p:style>
+          <p:txBody>
+            <a:bodyPr rtlCol="0" anchor="ctr"/>
+            <a:lstStyle/>
+            <a:p>
+              <a:pPr algn="ctr"/>
+              <a:endParaRPr lang="en-US"/>
+            </a:p>
+          </p:txBody>
+        </p:sp>
+        <p:sp>
+          <p:nvSpPr>
+            <p:cNvPr id="147" name="Rectangle 146">
+              <a:extLst>
+                <a:ext uri="{FF2B5EF4-FFF2-40B4-BE49-F238E27FC236}">
+                  <a16:creationId xmlns:a16="http://schemas.microsoft.com/office/drawing/2014/main" id="{48F4FEDC-6D80-458C-A665-075D9B9500FD}"/>
+                </a:ext>
+                <a:ext uri="{C183D7F6-B498-43B3-948B-1728B52AA6E4}">
+                  <adec:decorative xmlns:adec="http://schemas.microsoft.com/office/drawing/2017/decorative" val="1"/>
+                </a:ext>
+              </a:extLst>
+            </p:cNvPr>
+            <p:cNvSpPr/>
+            <p:nvPr>
+              <p:extLst>
+                <p:ext uri="{386F3935-93C4-4BCD-93E2-E3B085C9AB24}">
+                  <p16:designElem xmlns:p16="http://schemas.microsoft.com/office/powerpoint/2015/main" val="1"/>
+                </p:ext>
+              </p:extLst>
+            </p:nvPr>
+          </p:nvSpPr>
+          <p:spPr>
+            <a:xfrm>
+              <a:off x="5490650" y="308034"/>
+              <a:ext cx="566743" cy="3428999"/>
+            </a:xfrm>
+            <a:prstGeom prst="rect">
+              <a:avLst/>
+            </a:prstGeom>
+            <a:grpFill/>
+            <a:ln>
+              <a:noFill/>
+            </a:ln>
+          </p:spPr>
+          <p:style>
+            <a:lnRef idx="2">
+              <a:schemeClr val="accent1">
+                <a:shade val="50000"/>
+              </a:schemeClr>
+            </a:lnRef>
+            <a:fillRef idx="1">
+              <a:schemeClr val="accent1"/>
+            </a:fillRef>
+            <a:effectRef idx="0">
+              <a:schemeClr val="accent1"/>
+            </a:effectRef>
+            <a:fontRef idx="minor">
+              <a:schemeClr val="lt1"/>
+            </a:fontRef>
+          </p:style>
+          <p:txBody>
+            <a:bodyPr rtlCol="0" anchor="ctr"/>
+            <a:lstStyle/>
+            <a:p>
+              <a:pPr algn="ctr"/>
+              <a:endParaRPr lang="en-US"/>
+            </a:p>
+          </p:txBody>
+        </p:sp>
+      </p:grpSp>
+      <p:sp>
+        <p:nvSpPr>
+          <p:cNvPr id="149" name="Rectangle 148">
+            <a:extLst>
+              <a:ext uri="{FF2B5EF4-FFF2-40B4-BE49-F238E27FC236}">
+                <a16:creationId xmlns:a16="http://schemas.microsoft.com/office/drawing/2014/main" id="{B81933D1-5615-42C7-9C0B-4EB7105CCE2D}"/>
+              </a:ext>
+              <a:ext uri="{C183D7F6-B498-43B3-948B-1728B52AA6E4}">
+                <adec:decorative xmlns:adec="http://schemas.microsoft.com/office/drawing/2017/decorative" val="1"/>
+              </a:ext>
+            </a:extLst>
+          </p:cNvPr>
+          <p:cNvSpPr>
+            <a:spLocks noGrp="1" noRot="1" noChangeAspect="1" noMove="1" noResize="1" noEditPoints="1" noAdjustHandles="1" noChangeArrowheads="1" noChangeShapeType="1" noTextEdit="1"/>
+          </p:cNvSpPr>
+          <p:nvPr>
+            <p:extLst>
+              <p:ext uri="{386F3935-93C4-4BCD-93E2-E3B085C9AB24}">
+                <p16:designElem xmlns:p16="http://schemas.microsoft.com/office/powerpoint/2015/main" val="1"/>
+              </p:ext>
+            </p:extLst>
+          </p:nvPr>
+        </p:nvSpPr>
+        <p:spPr>
+          <a:xfrm flipH="1">
+            <a:off x="10697670" y="0"/>
+            <a:ext cx="1494330" cy="6858000"/>
+          </a:xfrm>
+          <a:prstGeom prst="rect">
+            <a:avLst/>
+          </a:prstGeom>
+          <a:solidFill>
+            <a:schemeClr val="accent4"/>
+          </a:solidFill>
+          <a:ln>
+            <a:noFill/>
+          </a:ln>
+        </p:spPr>
+        <p:style>
+          <a:lnRef idx="2">
+            <a:schemeClr val="accent1">
+              <a:shade val="50000"/>
+            </a:schemeClr>
+          </a:lnRef>
+          <a:fillRef idx="1">
+            <a:schemeClr val="accent1"/>
+          </a:fillRef>
+          <a:effectRef idx="0">
+            <a:schemeClr val="accent1"/>
+          </a:effectRef>
+          <a:fontRef idx="minor">
+            <a:schemeClr val="lt1"/>
+          </a:fontRef>
+        </p:style>
+        <p:txBody>
+          <a:bodyPr rtlCol="0" anchor="ctr"/>
+          <a:lstStyle/>
+          <a:p>
+            <a:pPr algn="ctr"/>
+            <a:endParaRPr lang="en-US"/>
+          </a:p>
+        </p:txBody>
+      </p:sp>
+      <p:sp>
+        <p:nvSpPr>
+          <p:cNvPr id="151" name="Rectangle 150">
+            <a:extLst>
+              <a:ext uri="{FF2B5EF4-FFF2-40B4-BE49-F238E27FC236}">
+                <a16:creationId xmlns:a16="http://schemas.microsoft.com/office/drawing/2014/main" id="{19C9EAEA-39D0-4B0E-A0EB-51E7B26740B1}"/>
+              </a:ext>
+              <a:ext uri="{C183D7F6-B498-43B3-948B-1728B52AA6E4}">
+                <adec:decorative xmlns:adec="http://schemas.microsoft.com/office/drawing/2017/decorative" val="1"/>
+              </a:ext>
+            </a:extLst>
+          </p:cNvPr>
+          <p:cNvSpPr>
+            <a:spLocks noGrp="1" noRot="1" noChangeAspect="1" noMove="1" noResize="1" noEditPoints="1" noAdjustHandles="1" noChangeArrowheads="1" noChangeShapeType="1" noTextEdit="1"/>
+          </p:cNvSpPr>
+          <p:nvPr>
+            <p:extLst>
+              <p:ext uri="{386F3935-93C4-4BCD-93E2-E3B085C9AB24}">
+                <p16:designElem xmlns:p16="http://schemas.microsoft.com/office/powerpoint/2015/main" val="1"/>
+              </p:ext>
+            </p:extLst>
+          </p:nvPr>
+        </p:nvSpPr>
+        <p:spPr>
+          <a:xfrm>
+            <a:off x="5685810" y="391886"/>
+            <a:ext cx="6009366" cy="6017078"/>
+          </a:xfrm>
+          <a:prstGeom prst="rect">
+            <a:avLst/>
+          </a:prstGeom>
+          <a:solidFill>
+            <a:schemeClr val="bg1"/>
+          </a:solidFill>
+          <a:ln>
+            <a:noFill/>
+          </a:ln>
+          <a:effectLst>
+            <a:outerShdw blurRad="139700" dist="127000" dir="5400000" algn="t" rotWithShape="0">
+              <a:prstClr val="black">
+                <a:alpha val="15000"/>
+              </a:prstClr>
+            </a:outerShdw>
+          </a:effectLst>
+        </p:spPr>
+        <p:style>
+          <a:lnRef idx="2">
+            <a:schemeClr val="accent1">
+              <a:shade val="50000"/>
+            </a:schemeClr>
+          </a:lnRef>
+          <a:fillRef idx="1">
+            <a:schemeClr val="accent1"/>
+          </a:fillRef>
+          <a:effectRef idx="0">
+            <a:schemeClr val="accent1"/>
+          </a:effectRef>
+          <a:fontRef idx="minor">
+            <a:schemeClr val="lt1"/>
+          </a:fontRef>
+        </p:style>
+        <p:txBody>
+          <a:bodyPr rtlCol="0" anchor="ctr"/>
+          <a:lstStyle/>
+          <a:p>
+            <a:pPr algn="ctr"/>
+            <a:endParaRPr lang="en-US"/>
+          </a:p>
+        </p:txBody>
+      </p:sp>
+      <p:pic>
+        <p:nvPicPr>
+          <p:cNvPr id="4" name="Image 3" descr="Une image contenant texte, capture d’écran, Police&#10;&#10;Description générée automatiquement">
+            <a:extLst>
+              <a:ext uri="{FF2B5EF4-FFF2-40B4-BE49-F238E27FC236}">
+                <a16:creationId xmlns:a16="http://schemas.microsoft.com/office/drawing/2014/main" id="{ADCBE81D-4030-3F75-1274-4B1BC0F23912}"/>
+              </a:ext>
+            </a:extLst>
+          </p:cNvPr>
+          <p:cNvPicPr>
+            <a:picLocks noChangeAspect="1"/>
+          </p:cNvPicPr>
+          <p:nvPr/>
+        </p:nvPicPr>
+        <p:blipFill>
+          <a:blip r:embed="rId2">
+            <a:extLst>
+              <a:ext uri="{28A0092B-C50C-407E-A947-70E740481C1C}">
+                <a14:useLocalDpi xmlns:a14="http://schemas.microsoft.com/office/drawing/2010/main" val="0"/>
+              </a:ext>
+            </a:extLst>
+          </a:blip>
+          <a:stretch>
+            <a:fillRect/>
+          </a:stretch>
+        </p:blipFill>
+        <p:spPr>
+          <a:xfrm>
+            <a:off x="5922492" y="2678241"/>
+            <a:ext cx="5536001" cy="1442764"/>
+          </a:xfrm>
+          <a:prstGeom prst="rect">
+            <a:avLst/>
+          </a:prstGeom>
+        </p:spPr>
+      </p:pic>
+    </p:spTree>
+    <p:extLst>
+      <p:ext uri="{BB962C8B-B14F-4D97-AF65-F5344CB8AC3E}">
+        <p14:creationId xmlns:p14="http://schemas.microsoft.com/office/powerpoint/2010/main" val="710936128"/>
+      </p:ext>
+    </p:extLst>
+  </p:cSld>
+  <p:clrMapOvr>
+    <a:masterClrMapping/>
+  </p:clrMapOvr>
+  <p:timing>
+    <p:tnLst>
+      <p:par>
+        <p:cTn id="1" dur="indefinite" restart="never" nodeType="tmRoot">
+          <p:childTnLst>
+            <p:seq concurrent="1" nextAc="seek">
+              <p:cTn id="2" dur="indefinite" nodeType="mainSeq">
+                <p:childTnLst>
+                  <p:par>
+                    <p:cTn id="3" fill="hold">
+                      <p:stCondLst>
+                        <p:cond delay="indefinite"/>
+                        <p:cond evt="onBegin" delay="0">
+                          <p:tn val="2"/>
+                        </p:cond>
+                      </p:stCondLst>
+                      <p:childTnLst>
+                        <p:par>
+                          <p:cTn id="4" fill="hold">
+                            <p:stCondLst>
+                              <p:cond delay="0"/>
+                            </p:stCondLst>
+                            <p:childTnLst>
+                              <p:par>
+                                <p:cTn id="5" presetID="10" presetClass="entr" presetSubtype="0" fill="hold" grpId="0" nodeType="withEffect">
+                                  <p:stCondLst>
+                                    <p:cond delay="1000"/>
+                                  </p:stCondLst>
+                                  <p:iterate>
+                                    <p:tmPct val="10000"/>
+                                  </p:iterate>
+                                  <p:childTnLst>
+                                    <p:set>
+                                      <p:cBhvr>
+                                        <p:cTn id="6" dur="1" fill="hold">
+                                          <p:stCondLst>
+                                            <p:cond delay="0"/>
+                                          </p:stCondLst>
+                                        </p:cTn>
+                                        <p:tgtEl>
+                                          <p:spTgt spid="2"/>
+                                        </p:tgtEl>
+                                        <p:attrNameLst>
+                                          <p:attrName>style.visibility</p:attrName>
+                                        </p:attrNameLst>
+                                      </p:cBhvr>
+                                      <p:to>
+                                        <p:strVal val="visible"/>
+                                      </p:to>
+                                    </p:set>
+                                    <p:animEffect transition="in" filter="fade">
+                                      <p:cBhvr>
+                                        <p:cTn id="7" dur="700"/>
+                                        <p:tgtEl>
+                                          <p:spTgt spid="2"/>
+                                        </p:tgtEl>
+                                      </p:cBhvr>
+                                    </p:animEffect>
+                                  </p:childTnLst>
+                                </p:cTn>
+                              </p:par>
+                            </p:childTnLst>
+                          </p:cTn>
+                        </p:par>
+                      </p:childTnLst>
+                    </p:cTn>
+                  </p:par>
+                </p:childTnLst>
+              </p:cTn>
+              <p:prevCondLst>
+                <p:cond evt="onPrev" delay="0">
+                  <p:tgtEl>
+                    <p:sldTgt/>
+                  </p:tgtEl>
+                </p:cond>
+              </p:prevCondLst>
+              <p:nextCondLst>
+                <p:cond evt="onNext" delay="0">
+                  <p:tgtEl>
+                    <p:sldTgt/>
+                  </p:tgtEl>
+                </p:cond>
+              </p:nextCondLst>
+            </p:seq>
+          </p:childTnLst>
+        </p:cTn>
+      </p:par>
+    </p:tnLst>
+    <p:bldLst>
+      <p:bldP spid="2" grpId="0"/>
+    </p:bldLst>
+  </p:timing>
+</p:sld>
+</file>
+
+<file path=ppt/slides/slide13.xml><?xml version="1.0" encoding="utf-8"?>
+<p:sld xmlns:a="http://schemas.openxmlformats.org/drawingml/2006/main" xmlns:r="http://schemas.openxmlformats.org/officeDocument/2006/relationships" xmlns:p="http://schemas.openxmlformats.org/presentationml/2006/main">
+  <p:cSld>
+    <p:bg>
+      <p:bgPr>
+        <a:solidFill>
+          <a:schemeClr val="bg1"/>
+        </a:solidFill>
+        <a:effectLst/>
+      </p:bgPr>
+    </p:bg>
+    <p:spTree>
+      <p:nvGrpSpPr>
+        <p:cNvPr id="1" name=""/>
+        <p:cNvGrpSpPr/>
+        <p:nvPr/>
+      </p:nvGrpSpPr>
+      <p:grpSpPr>
+        <a:xfrm>
+          <a:off x="0" y="0"/>
+          <a:ext cx="0" cy="0"/>
+          <a:chOff x="0" y="0"/>
+          <a:chExt cx="0" cy="0"/>
+        </a:xfrm>
+      </p:grpSpPr>
+      <p:sp useBgFill="1">
+        <p:nvSpPr>
           <p:cNvPr id="71" name="Rectangle 70">
             <a:extLst>
               <a:ext uri="{FF2B5EF4-FFF2-40B4-BE49-F238E27FC236}">
@@ -16288,7 +21197,7 @@
 </p:sld>
 </file>
 
-<file path=ppt/slides/slide11.xml><?xml version="1.0" encoding="utf-8"?>
+<file path=ppt/slides/slide14.xml><?xml version="1.0" encoding="utf-8"?>
 <p:sld xmlns:a="http://schemas.openxmlformats.org/drawingml/2006/main" xmlns:r="http://schemas.openxmlformats.org/officeDocument/2006/relationships" xmlns:p="http://schemas.openxmlformats.org/presentationml/2006/main">
   <p:cSld>
     <p:bg>
@@ -16792,7 +21701,7 @@
 </p:sld>
 </file>
 
-<file path=ppt/slides/slide12.xml><?xml version="1.0" encoding="utf-8"?>
+<file path=ppt/slides/slide15.xml><?xml version="1.0" encoding="utf-8"?>
 <p:sld xmlns:a="http://schemas.openxmlformats.org/drawingml/2006/main" xmlns:r="http://schemas.openxmlformats.org/officeDocument/2006/relationships" xmlns:p="http://schemas.openxmlformats.org/presentationml/2006/main">
   <p:cSld>
     <p:bg>
@@ -17304,7 +22213,7 @@
 </p:sld>
 </file>
 
-<file path=ppt/slides/slide13.xml><?xml version="1.0" encoding="utf-8"?>
+<file path=ppt/slides/slide16.xml><?xml version="1.0" encoding="utf-8"?>
 <p:sld xmlns:a="http://schemas.openxmlformats.org/drawingml/2006/main" xmlns:r="http://schemas.openxmlformats.org/officeDocument/2006/relationships" xmlns:p="http://schemas.openxmlformats.org/presentationml/2006/main">
   <p:cSld>
     <p:bg>
@@ -17779,7 +22688,7 @@
 </p:sld>
 </file>
 
-<file path=ppt/slides/slide14.xml><?xml version="1.0" encoding="utf-8"?>
+<file path=ppt/slides/slide17.xml><?xml version="1.0" encoding="utf-8"?>
 <p:sld xmlns:a="http://schemas.openxmlformats.org/drawingml/2006/main" xmlns:r="http://schemas.openxmlformats.org/officeDocument/2006/relationships" xmlns:p="http://schemas.openxmlformats.org/presentationml/2006/main">
   <p:cSld>
     <p:bg>
@@ -18299,379 +23208,7 @@
 </p:sld>
 </file>
 
-<file path=ppt/slides/slide15.xml><?xml version="1.0" encoding="utf-8"?>
-<p:sld xmlns:a="http://schemas.openxmlformats.org/drawingml/2006/main" xmlns:r="http://schemas.openxmlformats.org/officeDocument/2006/relationships" xmlns:p="http://schemas.openxmlformats.org/presentationml/2006/main">
-  <p:cSld>
-    <p:bg>
-      <p:bgPr>
-        <a:solidFill>
-          <a:schemeClr val="bg1"/>
-        </a:solidFill>
-        <a:effectLst/>
-      </p:bgPr>
-    </p:bg>
-    <p:spTree>
-      <p:nvGrpSpPr>
-        <p:cNvPr id="1" name=""/>
-        <p:cNvGrpSpPr/>
-        <p:nvPr/>
-      </p:nvGrpSpPr>
-      <p:grpSpPr>
-        <a:xfrm>
-          <a:off x="0" y="0"/>
-          <a:ext cx="0" cy="0"/>
-          <a:chOff x="0" y="0"/>
-          <a:chExt cx="0" cy="0"/>
-        </a:xfrm>
-      </p:grpSpPr>
-      <p:sp useBgFill="1">
-        <p:nvSpPr>
-          <p:cNvPr id="15" name="Rectangle 9">
-            <a:extLst>
-              <a:ext uri="{FF2B5EF4-FFF2-40B4-BE49-F238E27FC236}">
-                <a16:creationId xmlns:a16="http://schemas.microsoft.com/office/drawing/2014/main" id="{BA79A7CF-01AF-4178-9369-94E0C90EB046}"/>
-              </a:ext>
-              <a:ext uri="{C183D7F6-B498-43B3-948B-1728B52AA6E4}">
-                <adec:decorative xmlns:adec="http://schemas.microsoft.com/office/drawing/2017/decorative" val="1"/>
-              </a:ext>
-            </a:extLst>
-          </p:cNvPr>
-          <p:cNvSpPr>
-            <a:spLocks noGrp="1" noRot="1" noChangeAspect="1" noMove="1" noResize="1" noEditPoints="1" noAdjustHandles="1" noChangeArrowheads="1" noChangeShapeType="1" noTextEdit="1"/>
-          </p:cNvSpPr>
-          <p:nvPr>
-            <p:extLst>
-              <p:ext uri="{386F3935-93C4-4BCD-93E2-E3B085C9AB24}">
-                <p16:designElem xmlns:p16="http://schemas.microsoft.com/office/powerpoint/2015/main" val="1"/>
-              </p:ext>
-            </p:extLst>
-          </p:nvPr>
-        </p:nvSpPr>
-        <p:spPr>
-          <a:xfrm>
-            <a:off x="0" y="0"/>
-            <a:ext cx="12191999" cy="6857365"/>
-          </a:xfrm>
-          <a:prstGeom prst="rect">
-            <a:avLst/>
-          </a:prstGeom>
-          <a:ln>
-            <a:noFill/>
-          </a:ln>
-        </p:spPr>
-        <p:style>
-          <a:lnRef idx="2">
-            <a:schemeClr val="accent1">
-              <a:shade val="50000"/>
-            </a:schemeClr>
-          </a:lnRef>
-          <a:fillRef idx="1">
-            <a:schemeClr val="accent1"/>
-          </a:fillRef>
-          <a:effectRef idx="0">
-            <a:schemeClr val="accent1"/>
-          </a:effectRef>
-          <a:fontRef idx="minor">
-            <a:schemeClr val="lt1"/>
-          </a:fontRef>
-        </p:style>
-        <p:txBody>
-          <a:bodyPr rtlCol="0" anchor="ctr"/>
-          <a:lstStyle/>
-          <a:p>
-            <a:pPr algn="ctr"/>
-            <a:endParaRPr lang="en-US"/>
-          </a:p>
-        </p:txBody>
-      </p:sp>
-      <p:sp>
-        <p:nvSpPr>
-          <p:cNvPr id="2" name="Titre 1">
-            <a:extLst>
-              <a:ext uri="{FF2B5EF4-FFF2-40B4-BE49-F238E27FC236}">
-                <a16:creationId xmlns:a16="http://schemas.microsoft.com/office/drawing/2014/main" id="{812C0BD0-01E4-F55F-B2E2-2115856274E8}"/>
-              </a:ext>
-            </a:extLst>
-          </p:cNvPr>
-          <p:cNvSpPr>
-            <a:spLocks noGrp="1"/>
-          </p:cNvSpPr>
-          <p:nvPr>
-            <p:ph type="title"/>
-          </p:nvPr>
-        </p:nvSpPr>
-        <p:spPr>
-          <a:xfrm>
-            <a:off x="9267909" y="2023110"/>
-            <a:ext cx="2469624" cy="2846070"/>
-          </a:xfrm>
-        </p:spPr>
-        <p:txBody>
-          <a:bodyPr vert="horz" lIns="91440" tIns="45720" rIns="91440" bIns="45720" rtlCol="0" anchor="ctr">
-            <a:normAutofit/>
-          </a:bodyPr>
-          <a:lstStyle/>
-          <a:p>
-            <a:r>
-              <a:rPr lang="en-US" sz="3100" kern="1200">
-                <a:solidFill>
-                  <a:schemeClr val="tx1"/>
-                </a:solidFill>
-                <a:latin typeface="+mj-lt"/>
-                <a:ea typeface="+mj-ea"/>
-                <a:cs typeface="+mj-cs"/>
-              </a:rPr>
-              <a:t>Rapport Power Bi – Affichage des marges par type d’actions</a:t>
-            </a:r>
-          </a:p>
-        </p:txBody>
-      </p:sp>
-      <p:sp>
-        <p:nvSpPr>
-          <p:cNvPr id="17" name="Rectangle 11">
-            <a:extLst>
-              <a:ext uri="{FF2B5EF4-FFF2-40B4-BE49-F238E27FC236}">
-                <a16:creationId xmlns:a16="http://schemas.microsoft.com/office/drawing/2014/main" id="{99413ED5-9ED4-4772-BCE4-2BCAE6B12E35}"/>
-              </a:ext>
-              <a:ext uri="{C183D7F6-B498-43B3-948B-1728B52AA6E4}">
-                <adec:decorative xmlns:adec="http://schemas.microsoft.com/office/drawing/2017/decorative" val="1"/>
-              </a:ext>
-            </a:extLst>
-          </p:cNvPr>
-          <p:cNvSpPr>
-            <a:spLocks noGrp="1" noRot="1" noChangeAspect="1" noMove="1" noResize="1" noEditPoints="1" noAdjustHandles="1" noChangeArrowheads="1" noChangeShapeType="1" noTextEdit="1"/>
-          </p:cNvSpPr>
-          <p:nvPr>
-            <p:extLst>
-              <p:ext uri="{386F3935-93C4-4BCD-93E2-E3B085C9AB24}">
-                <p16:designElem xmlns:p16="http://schemas.microsoft.com/office/powerpoint/2015/main" val="1"/>
-              </p:ext>
-            </p:extLst>
-          </p:nvPr>
-        </p:nvSpPr>
-        <p:spPr>
-          <a:xfrm rot="16200000">
-            <a:off x="3433973" y="-827233"/>
-            <a:ext cx="1715478" cy="8583421"/>
-          </a:xfrm>
-          <a:prstGeom prst="rect">
-            <a:avLst/>
-          </a:prstGeom>
-          <a:solidFill>
-            <a:schemeClr val="accent4"/>
-          </a:solidFill>
-          <a:ln>
-            <a:noFill/>
-          </a:ln>
-        </p:spPr>
-        <p:style>
-          <a:lnRef idx="2">
-            <a:schemeClr val="accent1">
-              <a:shade val="50000"/>
-            </a:schemeClr>
-          </a:lnRef>
-          <a:fillRef idx="1">
-            <a:schemeClr val="accent1"/>
-          </a:fillRef>
-          <a:effectRef idx="0">
-            <a:schemeClr val="accent1"/>
-          </a:effectRef>
-          <a:fontRef idx="minor">
-            <a:schemeClr val="lt1"/>
-          </a:fontRef>
-        </p:style>
-        <p:txBody>
-          <a:bodyPr rtlCol="0" anchor="ctr"/>
-          <a:lstStyle/>
-          <a:p>
-            <a:pPr algn="ctr"/>
-            <a:endParaRPr lang="en-US" dirty="0"/>
-          </a:p>
-        </p:txBody>
-      </p:sp>
-      <p:sp>
-        <p:nvSpPr>
-          <p:cNvPr id="14" name="Rectangle 13">
-            <a:extLst>
-              <a:ext uri="{FF2B5EF4-FFF2-40B4-BE49-F238E27FC236}">
-                <a16:creationId xmlns:a16="http://schemas.microsoft.com/office/drawing/2014/main" id="{04357C93-F0CB-4A1C-8F77-4E9063789819}"/>
-              </a:ext>
-              <a:ext uri="{C183D7F6-B498-43B3-948B-1728B52AA6E4}">
-                <adec:decorative xmlns:adec="http://schemas.microsoft.com/office/drawing/2017/decorative" val="1"/>
-              </a:ext>
-            </a:extLst>
-          </p:cNvPr>
-          <p:cNvSpPr>
-            <a:spLocks noGrp="1" noRot="1" noChangeAspect="1" noMove="1" noResize="1" noEditPoints="1" noAdjustHandles="1" noChangeArrowheads="1" noChangeShapeType="1" noTextEdit="1"/>
-          </p:cNvSpPr>
-          <p:nvPr>
-            <p:extLst>
-              <p:ext uri="{386F3935-93C4-4BCD-93E2-E3B085C9AB24}">
-                <p16:designElem xmlns:p16="http://schemas.microsoft.com/office/powerpoint/2015/main" val="1"/>
-              </p:ext>
-            </p:extLst>
-          </p:nvPr>
-        </p:nvSpPr>
-        <p:spPr>
-          <a:xfrm>
-            <a:off x="302085" y="664308"/>
-            <a:ext cx="8082632" cy="5600340"/>
-          </a:xfrm>
-          <a:prstGeom prst="rect">
-            <a:avLst/>
-          </a:prstGeom>
-          <a:solidFill>
-            <a:schemeClr val="bg1"/>
-          </a:solidFill>
-          <a:ln>
-            <a:noFill/>
-          </a:ln>
-          <a:effectLst>
-            <a:outerShdw blurRad="139700" dist="127000" dir="5400000" algn="t" rotWithShape="0">
-              <a:prstClr val="black">
-                <a:alpha val="15000"/>
-              </a:prstClr>
-            </a:outerShdw>
-          </a:effectLst>
-        </p:spPr>
-        <p:style>
-          <a:lnRef idx="2">
-            <a:schemeClr val="accent1">
-              <a:shade val="50000"/>
-            </a:schemeClr>
-          </a:lnRef>
-          <a:fillRef idx="1">
-            <a:schemeClr val="accent1"/>
-          </a:fillRef>
-          <a:effectRef idx="0">
-            <a:schemeClr val="accent1"/>
-          </a:effectRef>
-          <a:fontRef idx="minor">
-            <a:schemeClr val="lt1"/>
-          </a:fontRef>
-        </p:style>
-        <p:txBody>
-          <a:bodyPr rtlCol="0" anchor="ctr"/>
-          <a:lstStyle/>
-          <a:p>
-            <a:pPr algn="ctr"/>
-            <a:endParaRPr lang="en-US"/>
-          </a:p>
-        </p:txBody>
-      </p:sp>
-      <p:pic>
-        <p:nvPicPr>
-          <p:cNvPr id="5" name="Image 4" descr="Une image contenant texte, capture d’écran, Police, logiciel&#10;&#10;Description générée automatiquement">
-            <a:extLst>
-              <a:ext uri="{FF2B5EF4-FFF2-40B4-BE49-F238E27FC236}">
-                <a16:creationId xmlns:a16="http://schemas.microsoft.com/office/drawing/2014/main" id="{9BFFF2BF-A449-30EA-8A6F-C69AB97962B9}"/>
-              </a:ext>
-            </a:extLst>
-          </p:cNvPr>
-          <p:cNvPicPr>
-            <a:picLocks noChangeAspect="1"/>
-          </p:cNvPicPr>
-          <p:nvPr/>
-        </p:nvPicPr>
-        <p:blipFill>
-          <a:blip r:embed="rId2">
-            <a:extLst>
-              <a:ext uri="{28A0092B-C50C-407E-A947-70E740481C1C}">
-                <a14:useLocalDpi xmlns:a14="http://schemas.microsoft.com/office/drawing/2010/main" val="0"/>
-              </a:ext>
-            </a:extLst>
-          </a:blip>
-          <a:stretch>
-            <a:fillRect/>
-          </a:stretch>
-        </p:blipFill>
-        <p:spPr>
-          <a:xfrm>
-            <a:off x="545238" y="1362684"/>
-            <a:ext cx="7608304" cy="4203588"/>
-          </a:xfrm>
-          <a:prstGeom prst="rect">
-            <a:avLst/>
-          </a:prstGeom>
-        </p:spPr>
-      </p:pic>
-      <p:sp>
-        <p:nvSpPr>
-          <p:cNvPr id="16" name="Rectangle 15">
-            <a:extLst>
-              <a:ext uri="{FF2B5EF4-FFF2-40B4-BE49-F238E27FC236}">
-                <a16:creationId xmlns:a16="http://schemas.microsoft.com/office/drawing/2014/main" id="{90F533E9-6690-41A8-A372-4C6C622D028D}"/>
-              </a:ext>
-              <a:ext uri="{C183D7F6-B498-43B3-948B-1728B52AA6E4}">
-                <adec:decorative xmlns:adec="http://schemas.microsoft.com/office/drawing/2017/decorative" val="1"/>
-              </a:ext>
-            </a:extLst>
-          </p:cNvPr>
-          <p:cNvSpPr>
-            <a:spLocks noGrp="1" noRot="1" noChangeAspect="1" noMove="1" noResize="1" noEditPoints="1" noAdjustHandles="1" noChangeArrowheads="1" noChangeShapeType="1" noTextEdit="1"/>
-          </p:cNvSpPr>
-          <p:nvPr>
-            <p:extLst>
-              <p:ext uri="{386F3935-93C4-4BCD-93E2-E3B085C9AB24}">
-                <p16:designElem xmlns:p16="http://schemas.microsoft.com/office/powerpoint/2015/main" val="1"/>
-              </p:ext>
-            </p:extLst>
-          </p:nvPr>
-        </p:nvSpPr>
-        <p:spPr>
-          <a:xfrm rot="5400000">
-            <a:off x="7950447" y="3392097"/>
-            <a:ext cx="1719072" cy="152382"/>
-          </a:xfrm>
-          <a:prstGeom prst="rect">
-            <a:avLst/>
-          </a:prstGeom>
-          <a:solidFill>
-            <a:schemeClr val="accent4"/>
-          </a:solidFill>
-          <a:ln>
-            <a:noFill/>
-          </a:ln>
-        </p:spPr>
-        <p:style>
-          <a:lnRef idx="2">
-            <a:schemeClr val="accent1">
-              <a:shade val="50000"/>
-            </a:schemeClr>
-          </a:lnRef>
-          <a:fillRef idx="1">
-            <a:schemeClr val="accent1"/>
-          </a:fillRef>
-          <a:effectRef idx="0">
-            <a:schemeClr val="accent1"/>
-          </a:effectRef>
-          <a:fontRef idx="minor">
-            <a:schemeClr val="lt1"/>
-          </a:fontRef>
-        </p:style>
-        <p:txBody>
-          <a:bodyPr rtlCol="0" anchor="ctr"/>
-          <a:lstStyle/>
-          <a:p>
-            <a:pPr algn="ctr"/>
-            <a:endParaRPr lang="en-US"/>
-          </a:p>
-        </p:txBody>
-      </p:sp>
-    </p:spTree>
-    <p:extLst>
-      <p:ext uri="{BB962C8B-B14F-4D97-AF65-F5344CB8AC3E}">
-        <p14:creationId xmlns:p14="http://schemas.microsoft.com/office/powerpoint/2010/main" val="3264623373"/>
-      </p:ext>
-    </p:extLst>
-  </p:cSld>
-  <p:clrMapOvr>
-    <a:masterClrMapping/>
-  </p:clrMapOvr>
-</p:sld>
-</file>
-
-<file path=ppt/slides/slide16.xml><?xml version="1.0" encoding="utf-8"?>
+<file path=ppt/slides/slide18.xml><?xml version="1.0" encoding="utf-8"?>
 <p:sld xmlns:a="http://schemas.openxmlformats.org/drawingml/2006/main" xmlns:r="http://schemas.openxmlformats.org/officeDocument/2006/relationships" xmlns:p="http://schemas.openxmlformats.org/presentationml/2006/main">
   <p:cSld>
     <p:bg>
@@ -19192,7 +23729,7 @@
 </p:sld>
 </file>
 
-<file path=ppt/slides/slide17.xml><?xml version="1.0" encoding="utf-8"?>
+<file path=ppt/slides/slide19.xml><?xml version="1.0" encoding="utf-8"?>
 <p:sld xmlns:a="http://schemas.openxmlformats.org/drawingml/2006/main" xmlns:r="http://schemas.openxmlformats.org/officeDocument/2006/relationships" xmlns:p="http://schemas.openxmlformats.org/presentationml/2006/main">
   <p:cSld>
     <p:bg>
@@ -19219,10 +23756,10 @@
       </p:grpSpPr>
       <p:sp useBgFill="1">
         <p:nvSpPr>
-          <p:cNvPr id="17" name="Rectangle 16">
+          <p:cNvPr id="15" name="Rectangle 9">
             <a:extLst>
               <a:ext uri="{FF2B5EF4-FFF2-40B4-BE49-F238E27FC236}">
-                <a16:creationId xmlns:a16="http://schemas.microsoft.com/office/drawing/2014/main" id="{47942995-B07F-4636-9A06-C6A104B260A8}"/>
+                <a16:creationId xmlns:a16="http://schemas.microsoft.com/office/drawing/2014/main" id="{BA79A7CF-01AF-4178-9369-94E0C90EB046}"/>
               </a:ext>
               <a:ext uri="{C183D7F6-B498-43B3-948B-1728B52AA6E4}">
                 <adec:decorative xmlns:adec="http://schemas.microsoft.com/office/drawing/2017/decorative" val="1"/>
@@ -19295,18 +23832,18 @@
         </p:nvSpPr>
         <p:spPr>
           <a:xfrm>
-            <a:off x="1113810" y="2960716"/>
-            <a:ext cx="4036334" cy="2387600"/>
+            <a:off x="9267909" y="2023110"/>
+            <a:ext cx="2469624" cy="2846070"/>
           </a:xfrm>
         </p:spPr>
         <p:txBody>
-          <a:bodyPr vert="horz" lIns="91440" tIns="45720" rIns="91440" bIns="45720" rtlCol="0" anchor="t">
+          <a:bodyPr vert="horz" lIns="91440" tIns="45720" rIns="91440" bIns="45720" rtlCol="0" anchor="ctr">
             <a:normAutofit/>
           </a:bodyPr>
           <a:lstStyle/>
           <a:p>
             <a:r>
-              <a:rPr lang="en-US" sz="4200" kern="1200">
+              <a:rPr lang="en-US" sz="3100" kern="1200">
                 <a:solidFill>
                   <a:schemeClr val="tx1"/>
                 </a:solidFill>
@@ -19314,229 +23851,17 @@
                 <a:ea typeface="+mj-ea"/>
                 <a:cs typeface="+mj-cs"/>
               </a:rPr>
-              <a:t>Rapport Power Bi – Délai moyen d’un prestataire</a:t>
+              <a:t>Rapport Power Bi – Affichage des marges par type d’actions</a:t>
             </a:r>
           </a:p>
         </p:txBody>
       </p:sp>
-      <p:grpSp>
-        <p:nvGrpSpPr>
-          <p:cNvPr id="19" name="Group 18">
+      <p:sp>
+        <p:nvSpPr>
+          <p:cNvPr id="17" name="Rectangle 11">
             <a:extLst>
               <a:ext uri="{FF2B5EF4-FFF2-40B4-BE49-F238E27FC236}">
-                <a16:creationId xmlns:a16="http://schemas.microsoft.com/office/drawing/2014/main" id="{032D8612-31EB-44CF-A1D0-14FD4C705424}"/>
-              </a:ext>
-              <a:ext uri="{C183D7F6-B498-43B3-948B-1728B52AA6E4}">
-                <adec:decorative xmlns:adec="http://schemas.microsoft.com/office/drawing/2017/decorative" val="1"/>
-              </a:ext>
-            </a:extLst>
-          </p:cNvPr>
-          <p:cNvGrpSpPr>
-            <a:grpSpLocks noGrp="1" noUngrp="1" noRot="1" noChangeAspect="1" noMove="1" noResize="1"/>
-          </p:cNvGrpSpPr>
-          <p:nvPr>
-            <p:extLst>
-              <p:ext uri="{386F3935-93C4-4BCD-93E2-E3B085C9AB24}">
-                <p16:designElem xmlns:p16="http://schemas.microsoft.com/office/powerpoint/2015/main" val="1"/>
-              </p:ext>
-            </p:extLst>
-          </p:nvPr>
-        </p:nvGrpSpPr>
-        <p:grpSpPr>
-          <a:xfrm>
-            <a:off x="0" y="2984992"/>
-            <a:ext cx="731521" cy="673460"/>
-            <a:chOff x="3940602" y="308034"/>
-            <a:chExt cx="2116791" cy="3428999"/>
-          </a:xfrm>
-          <a:solidFill>
-            <a:schemeClr val="accent4"/>
-          </a:solidFill>
-        </p:grpSpPr>
-        <p:sp>
-          <p:nvSpPr>
-            <p:cNvPr id="20" name="Rectangle 19">
-              <a:extLst>
-                <a:ext uri="{FF2B5EF4-FFF2-40B4-BE49-F238E27FC236}">
-                  <a16:creationId xmlns:a16="http://schemas.microsoft.com/office/drawing/2014/main" id="{F19A4A0F-1B59-4DB0-9764-D10936E98770}"/>
-                </a:ext>
-                <a:ext uri="{C183D7F6-B498-43B3-948B-1728B52AA6E4}">
-                  <adec:decorative xmlns:adec="http://schemas.microsoft.com/office/drawing/2017/decorative" val="1"/>
-                </a:ext>
-              </a:extLst>
-            </p:cNvPr>
-            <p:cNvSpPr/>
-            <p:nvPr>
-              <p:extLst>
-                <p:ext uri="{386F3935-93C4-4BCD-93E2-E3B085C9AB24}">
-                  <p16:designElem xmlns:p16="http://schemas.microsoft.com/office/powerpoint/2015/main" val="1"/>
-                </p:ext>
-              </p:extLst>
-            </p:nvPr>
-          </p:nvSpPr>
-          <p:spPr>
-            <a:xfrm>
-              <a:off x="3940602" y="308034"/>
-              <a:ext cx="566743" cy="3428999"/>
-            </a:xfrm>
-            <a:prstGeom prst="rect">
-              <a:avLst/>
-            </a:prstGeom>
-            <a:grpFill/>
-            <a:ln>
-              <a:noFill/>
-            </a:ln>
-          </p:spPr>
-          <p:style>
-            <a:lnRef idx="2">
-              <a:schemeClr val="accent1">
-                <a:shade val="50000"/>
-              </a:schemeClr>
-            </a:lnRef>
-            <a:fillRef idx="1">
-              <a:schemeClr val="accent1"/>
-            </a:fillRef>
-            <a:effectRef idx="0">
-              <a:schemeClr val="accent1"/>
-            </a:effectRef>
-            <a:fontRef idx="minor">
-              <a:schemeClr val="lt1"/>
-            </a:fontRef>
-          </p:style>
-          <p:txBody>
-            <a:bodyPr rtlCol="0" anchor="ctr"/>
-            <a:lstStyle/>
-            <a:p>
-              <a:pPr algn="ctr"/>
-              <a:endParaRPr lang="en-US"/>
-            </a:p>
-          </p:txBody>
-        </p:sp>
-        <p:sp>
-          <p:nvSpPr>
-            <p:cNvPr id="21" name="Rectangle 20">
-              <a:extLst>
-                <a:ext uri="{FF2B5EF4-FFF2-40B4-BE49-F238E27FC236}">
-                  <a16:creationId xmlns:a16="http://schemas.microsoft.com/office/drawing/2014/main" id="{F399A70F-F8CD-4992-9EF5-6CF15472E73F}"/>
-                </a:ext>
-                <a:ext uri="{C183D7F6-B498-43B3-948B-1728B52AA6E4}">
-                  <adec:decorative xmlns:adec="http://schemas.microsoft.com/office/drawing/2017/decorative" val="1"/>
-                </a:ext>
-              </a:extLst>
-            </p:cNvPr>
-            <p:cNvSpPr/>
-            <p:nvPr>
-              <p:extLst>
-                <p:ext uri="{386F3935-93C4-4BCD-93E2-E3B085C9AB24}">
-                  <p16:designElem xmlns:p16="http://schemas.microsoft.com/office/powerpoint/2015/main" val="1"/>
-                </p:ext>
-              </p:extLst>
-            </p:nvPr>
-          </p:nvSpPr>
-          <p:spPr>
-            <a:xfrm>
-              <a:off x="4715626" y="308034"/>
-              <a:ext cx="566743" cy="3428999"/>
-            </a:xfrm>
-            <a:prstGeom prst="rect">
-              <a:avLst/>
-            </a:prstGeom>
-            <a:grpFill/>
-            <a:ln>
-              <a:noFill/>
-            </a:ln>
-          </p:spPr>
-          <p:style>
-            <a:lnRef idx="2">
-              <a:schemeClr val="accent1">
-                <a:shade val="50000"/>
-              </a:schemeClr>
-            </a:lnRef>
-            <a:fillRef idx="1">
-              <a:schemeClr val="accent1"/>
-            </a:fillRef>
-            <a:effectRef idx="0">
-              <a:schemeClr val="accent1"/>
-            </a:effectRef>
-            <a:fontRef idx="minor">
-              <a:schemeClr val="lt1"/>
-            </a:fontRef>
-          </p:style>
-          <p:txBody>
-            <a:bodyPr rtlCol="0" anchor="ctr"/>
-            <a:lstStyle/>
-            <a:p>
-              <a:pPr algn="ctr"/>
-              <a:endParaRPr lang="en-US"/>
-            </a:p>
-          </p:txBody>
-        </p:sp>
-        <p:sp>
-          <p:nvSpPr>
-            <p:cNvPr id="22" name="Rectangle 21">
-              <a:extLst>
-                <a:ext uri="{FF2B5EF4-FFF2-40B4-BE49-F238E27FC236}">
-                  <a16:creationId xmlns:a16="http://schemas.microsoft.com/office/drawing/2014/main" id="{48F4FEDC-6D80-458C-A665-075D9B9500FD}"/>
-                </a:ext>
-                <a:ext uri="{C183D7F6-B498-43B3-948B-1728B52AA6E4}">
-                  <adec:decorative xmlns:adec="http://schemas.microsoft.com/office/drawing/2017/decorative" val="1"/>
-                </a:ext>
-              </a:extLst>
-            </p:cNvPr>
-            <p:cNvSpPr/>
-            <p:nvPr>
-              <p:extLst>
-                <p:ext uri="{386F3935-93C4-4BCD-93E2-E3B085C9AB24}">
-                  <p16:designElem xmlns:p16="http://schemas.microsoft.com/office/powerpoint/2015/main" val="1"/>
-                </p:ext>
-              </p:extLst>
-            </p:nvPr>
-          </p:nvSpPr>
-          <p:spPr>
-            <a:xfrm>
-              <a:off x="5490650" y="308034"/>
-              <a:ext cx="566743" cy="3428999"/>
-            </a:xfrm>
-            <a:prstGeom prst="rect">
-              <a:avLst/>
-            </a:prstGeom>
-            <a:grpFill/>
-            <a:ln>
-              <a:noFill/>
-            </a:ln>
-          </p:spPr>
-          <p:style>
-            <a:lnRef idx="2">
-              <a:schemeClr val="accent1">
-                <a:shade val="50000"/>
-              </a:schemeClr>
-            </a:lnRef>
-            <a:fillRef idx="1">
-              <a:schemeClr val="accent1"/>
-            </a:fillRef>
-            <a:effectRef idx="0">
-              <a:schemeClr val="accent1"/>
-            </a:effectRef>
-            <a:fontRef idx="minor">
-              <a:schemeClr val="lt1"/>
-            </a:fontRef>
-          </p:style>
-          <p:txBody>
-            <a:bodyPr rtlCol="0" anchor="ctr"/>
-            <a:lstStyle/>
-            <a:p>
-              <a:pPr algn="ctr"/>
-              <a:endParaRPr lang="en-US"/>
-            </a:p>
-          </p:txBody>
-        </p:sp>
-      </p:grpSp>
-      <p:sp>
-        <p:nvSpPr>
-          <p:cNvPr id="24" name="Rectangle 23">
-            <a:extLst>
-              <a:ext uri="{FF2B5EF4-FFF2-40B4-BE49-F238E27FC236}">
-                <a16:creationId xmlns:a16="http://schemas.microsoft.com/office/drawing/2014/main" id="{B81933D1-5615-42C7-9C0B-4EB7105CCE2D}"/>
+                <a16:creationId xmlns:a16="http://schemas.microsoft.com/office/drawing/2014/main" id="{99413ED5-9ED4-4772-BCE4-2BCAE6B12E35}"/>
               </a:ext>
               <a:ext uri="{C183D7F6-B498-43B3-948B-1728B52AA6E4}">
                 <adec:decorative xmlns:adec="http://schemas.microsoft.com/office/drawing/2017/decorative" val="1"/>
@@ -19555,9 +23880,9 @@
           </p:nvPr>
         </p:nvSpPr>
         <p:spPr>
-          <a:xfrm flipH="1">
-            <a:off x="10697670" y="0"/>
-            <a:ext cx="1494330" cy="6858000"/>
+          <a:xfrm rot="16200000">
+            <a:off x="3433973" y="-827233"/>
+            <a:ext cx="1715478" cy="8583421"/>
           </a:xfrm>
           <a:prstGeom prst="rect">
             <a:avLst/>
@@ -19590,16 +23915,16 @@
           <a:lstStyle/>
           <a:p>
             <a:pPr algn="ctr"/>
-            <a:endParaRPr lang="en-US"/>
+            <a:endParaRPr lang="en-US" dirty="0"/>
           </a:p>
         </p:txBody>
       </p:sp>
       <p:sp>
         <p:nvSpPr>
-          <p:cNvPr id="26" name="Rectangle 25">
+          <p:cNvPr id="14" name="Rectangle 13">
             <a:extLst>
               <a:ext uri="{FF2B5EF4-FFF2-40B4-BE49-F238E27FC236}">
-                <a16:creationId xmlns:a16="http://schemas.microsoft.com/office/drawing/2014/main" id="{19C9EAEA-39D0-4B0E-A0EB-51E7B26740B1}"/>
+                <a16:creationId xmlns:a16="http://schemas.microsoft.com/office/drawing/2014/main" id="{04357C93-F0CB-4A1C-8F77-4E9063789819}"/>
               </a:ext>
               <a:ext uri="{C183D7F6-B498-43B3-948B-1728B52AA6E4}">
                 <adec:decorative xmlns:adec="http://schemas.microsoft.com/office/drawing/2017/decorative" val="1"/>
@@ -19619,8 +23944,8 @@
         </p:nvSpPr>
         <p:spPr>
           <a:xfrm>
-            <a:off x="5685810" y="391886"/>
-            <a:ext cx="6009366" cy="6017078"/>
+            <a:off x="302085" y="664308"/>
+            <a:ext cx="8082632" cy="5600340"/>
           </a:xfrm>
           <a:prstGeom prst="rect">
             <a:avLst/>
@@ -19666,10 +23991,10 @@
       </p:sp>
       <p:pic>
         <p:nvPicPr>
-          <p:cNvPr id="5" name="Image 4" descr="Une image contenant texte, capture d’écran, Police, nombre&#10;&#10;Description générée automatiquement">
+          <p:cNvPr id="5" name="Image 4" descr="Une image contenant texte, capture d’écran, Police, logiciel&#10;&#10;Description générée automatiquement">
             <a:extLst>
               <a:ext uri="{FF2B5EF4-FFF2-40B4-BE49-F238E27FC236}">
-                <a16:creationId xmlns:a16="http://schemas.microsoft.com/office/drawing/2014/main" id="{AC08463A-A1D0-3B71-6AA6-73E566AD3CAF}"/>
+                <a16:creationId xmlns:a16="http://schemas.microsoft.com/office/drawing/2014/main" id="{9BFFF2BF-A449-30EA-8A6F-C69AB97962B9}"/>
               </a:ext>
             </a:extLst>
           </p:cNvPr>
@@ -19692,58 +24017,20 @@
         </p:blipFill>
         <p:spPr>
           <a:xfrm>
-            <a:off x="5922492" y="1821863"/>
-            <a:ext cx="5536001" cy="3155520"/>
+            <a:off x="545238" y="1362684"/>
+            <a:ext cx="7608304" cy="4203588"/>
           </a:xfrm>
           <a:prstGeom prst="rect">
             <a:avLst/>
           </a:prstGeom>
         </p:spPr>
       </p:pic>
-    </p:spTree>
-    <p:extLst>
-      <p:ext uri="{BB962C8B-B14F-4D97-AF65-F5344CB8AC3E}">
-        <p14:creationId xmlns:p14="http://schemas.microsoft.com/office/powerpoint/2010/main" val="2716853351"/>
-      </p:ext>
-    </p:extLst>
-  </p:cSld>
-  <p:clrMapOvr>
-    <a:masterClrMapping/>
-  </p:clrMapOvr>
-</p:sld>
-</file>
-
-<file path=ppt/slides/slide18.xml><?xml version="1.0" encoding="utf-8"?>
-<p:sld xmlns:a="http://schemas.openxmlformats.org/drawingml/2006/main" xmlns:r="http://schemas.openxmlformats.org/officeDocument/2006/relationships" xmlns:p="http://schemas.openxmlformats.org/presentationml/2006/main">
-  <p:cSld>
-    <p:bg>
-      <p:bgPr>
-        <a:solidFill>
-          <a:schemeClr val="bg1"/>
-        </a:solidFill>
-        <a:effectLst/>
-      </p:bgPr>
-    </p:bg>
-    <p:spTree>
-      <p:nvGrpSpPr>
-        <p:cNvPr id="1" name=""/>
-        <p:cNvGrpSpPr/>
-        <p:nvPr/>
-      </p:nvGrpSpPr>
-      <p:grpSpPr>
-        <a:xfrm>
-          <a:off x="0" y="0"/>
-          <a:ext cx="0" cy="0"/>
-          <a:chOff x="0" y="0"/>
-          <a:chExt cx="0" cy="0"/>
-        </a:xfrm>
-      </p:grpSpPr>
-      <p:sp useBgFill="1">
+      <p:sp>
         <p:nvSpPr>
-          <p:cNvPr id="29" name="Rectangle 28">
+          <p:cNvPr id="16" name="Rectangle 15">
             <a:extLst>
               <a:ext uri="{FF2B5EF4-FFF2-40B4-BE49-F238E27FC236}">
-                <a16:creationId xmlns:a16="http://schemas.microsoft.com/office/drawing/2014/main" id="{2F687420-BEB4-45CD-8226-339BE553B8E6}"/>
+                <a16:creationId xmlns:a16="http://schemas.microsoft.com/office/drawing/2014/main" id="{90F533E9-6690-41A8-A372-4C6C622D028D}"/>
               </a:ext>
               <a:ext uri="{C183D7F6-B498-43B3-948B-1728B52AA6E4}">
                 <adec:decorative xmlns:adec="http://schemas.microsoft.com/office/drawing/2017/decorative" val="1"/>
@@ -19762,104 +24049,9 @@
           </p:nvPr>
         </p:nvSpPr>
         <p:spPr>
-          <a:xfrm>
-            <a:off x="0" y="0"/>
-            <a:ext cx="12191999" cy="6857365"/>
-          </a:xfrm>
-          <a:prstGeom prst="rect">
-            <a:avLst/>
-          </a:prstGeom>
-          <a:ln>
-            <a:noFill/>
-          </a:ln>
-        </p:spPr>
-        <p:style>
-          <a:lnRef idx="2">
-            <a:schemeClr val="accent1">
-              <a:shade val="50000"/>
-            </a:schemeClr>
-          </a:lnRef>
-          <a:fillRef idx="1">
-            <a:schemeClr val="accent1"/>
-          </a:fillRef>
-          <a:effectRef idx="0">
-            <a:schemeClr val="accent1"/>
-          </a:effectRef>
-          <a:fontRef idx="minor">
-            <a:schemeClr val="lt1"/>
-          </a:fontRef>
-        </p:style>
-        <p:txBody>
-          <a:bodyPr rtlCol="0" anchor="ctr"/>
-          <a:lstStyle/>
-          <a:p>
-            <a:pPr algn="ctr"/>
-            <a:endParaRPr lang="en-US"/>
-          </a:p>
-        </p:txBody>
-      </p:sp>
-      <p:sp>
-        <p:nvSpPr>
-          <p:cNvPr id="2" name="Titre 1">
-            <a:extLst>
-              <a:ext uri="{FF2B5EF4-FFF2-40B4-BE49-F238E27FC236}">
-                <a16:creationId xmlns:a16="http://schemas.microsoft.com/office/drawing/2014/main" id="{6A5F1385-B275-4BB5-A5D2-88ACFDCABED3}"/>
-              </a:ext>
-            </a:extLst>
-          </p:cNvPr>
-          <p:cNvSpPr>
-            <a:spLocks noGrp="1"/>
-          </p:cNvSpPr>
-          <p:nvPr>
-            <p:ph type="title"/>
-          </p:nvPr>
-        </p:nvSpPr>
-        <p:spPr>
-          <a:xfrm>
-            <a:off x="645064" y="525982"/>
-            <a:ext cx="4282983" cy="1200361"/>
-          </a:xfrm>
-        </p:spPr>
-        <p:txBody>
-          <a:bodyPr anchor="b">
-            <a:normAutofit/>
-          </a:bodyPr>
-          <a:lstStyle/>
-          <a:p>
-            <a:r>
-              <a:rPr lang="fr-FR" sz="3600"/>
-              <a:t>Base OLAP</a:t>
-            </a:r>
-          </a:p>
-        </p:txBody>
-      </p:sp>
-      <p:sp>
-        <p:nvSpPr>
-          <p:cNvPr id="31" name="Rectangle 30">
-            <a:extLst>
-              <a:ext uri="{FF2B5EF4-FFF2-40B4-BE49-F238E27FC236}">
-                <a16:creationId xmlns:a16="http://schemas.microsoft.com/office/drawing/2014/main" id="{169CC832-2974-4E8D-90ED-3E2941BA7336}"/>
-              </a:ext>
-              <a:ext uri="{C183D7F6-B498-43B3-948B-1728B52AA6E4}">
-                <adec:decorative xmlns:adec="http://schemas.microsoft.com/office/drawing/2017/decorative" val="1"/>
-              </a:ext>
-            </a:extLst>
-          </p:cNvPr>
-          <p:cNvSpPr>
-            <a:spLocks noGrp="1" noRot="1" noChangeAspect="1" noMove="1" noResize="1" noEditPoints="1" noAdjustHandles="1" noChangeArrowheads="1" noChangeShapeType="1" noTextEdit="1"/>
-          </p:cNvSpPr>
-          <p:nvPr>
-            <p:extLst>
-              <p:ext uri="{386F3935-93C4-4BCD-93E2-E3B085C9AB24}">
-                <p16:designElem xmlns:p16="http://schemas.microsoft.com/office/powerpoint/2015/main" val="1"/>
-              </p:ext>
-            </p:extLst>
-          </p:nvPr>
-        </p:nvSpPr>
-        <p:spPr>
-          <a:xfrm flipH="1">
-            <a:off x="616533" y="1944913"/>
-            <a:ext cx="4023360" cy="27432"/>
+          <a:xfrm rot="5400000">
+            <a:off x="7950447" y="3392097"/>
+            <a:ext cx="1719072" cy="152382"/>
           </a:xfrm>
           <a:prstGeom prst="rect">
             <a:avLst/>
@@ -19896,357 +24088,10 @@
           </a:p>
         </p:txBody>
       </p:sp>
-      <p:sp>
-        <p:nvSpPr>
-          <p:cNvPr id="33" name="Rectangle 32">
-            <a:extLst>
-              <a:ext uri="{FF2B5EF4-FFF2-40B4-BE49-F238E27FC236}">
-                <a16:creationId xmlns:a16="http://schemas.microsoft.com/office/drawing/2014/main" id="{55222F96-971A-4F90-B841-6BAB416C7AC1}"/>
-              </a:ext>
-              <a:ext uri="{C183D7F6-B498-43B3-948B-1728B52AA6E4}">
-                <adec:decorative xmlns:adec="http://schemas.microsoft.com/office/drawing/2017/decorative" val="1"/>
-              </a:ext>
-            </a:extLst>
-          </p:cNvPr>
-          <p:cNvSpPr>
-            <a:spLocks noGrp="1" noRot="1" noChangeAspect="1" noMove="1" noResize="1" noEditPoints="1" noAdjustHandles="1" noChangeArrowheads="1" noChangeShapeType="1" noTextEdit="1"/>
-          </p:cNvSpPr>
-          <p:nvPr>
-            <p:extLst>
-              <p:ext uri="{386F3935-93C4-4BCD-93E2-E3B085C9AB24}">
-                <p16:designElem xmlns:p16="http://schemas.microsoft.com/office/powerpoint/2015/main" val="1"/>
-              </p:ext>
-            </p:extLst>
-          </p:nvPr>
-        </p:nvSpPr>
-        <p:spPr>
-          <a:xfrm rot="5400000">
-            <a:off x="-225843" y="6053360"/>
-            <a:ext cx="740664" cy="154124"/>
-          </a:xfrm>
-          <a:prstGeom prst="rect">
-            <a:avLst/>
-          </a:prstGeom>
-          <a:solidFill>
-            <a:schemeClr val="accent4"/>
-          </a:solidFill>
-          <a:ln>
-            <a:noFill/>
-          </a:ln>
-        </p:spPr>
-        <p:style>
-          <a:lnRef idx="2">
-            <a:schemeClr val="accent1">
-              <a:shade val="50000"/>
-            </a:schemeClr>
-          </a:lnRef>
-          <a:fillRef idx="1">
-            <a:schemeClr val="accent1"/>
-          </a:fillRef>
-          <a:effectRef idx="0">
-            <a:schemeClr val="accent1"/>
-          </a:effectRef>
-          <a:fontRef idx="minor">
-            <a:schemeClr val="lt1"/>
-          </a:fontRef>
-        </p:style>
-        <p:txBody>
-          <a:bodyPr rtlCol="0" anchor="ctr"/>
-          <a:lstStyle/>
-          <a:p>
-            <a:pPr algn="ctr"/>
-            <a:endParaRPr lang="en-US"/>
-          </a:p>
-        </p:txBody>
-      </p:sp>
-      <p:sp>
-        <p:nvSpPr>
-          <p:cNvPr id="35" name="Rectangle 34">
-            <a:extLst>
-              <a:ext uri="{FF2B5EF4-FFF2-40B4-BE49-F238E27FC236}">
-                <a16:creationId xmlns:a16="http://schemas.microsoft.com/office/drawing/2014/main" id="{08980754-6F4B-43C9-B9BE-127B6BED6586}"/>
-              </a:ext>
-              <a:ext uri="{C183D7F6-B498-43B3-948B-1728B52AA6E4}">
-                <adec:decorative xmlns:adec="http://schemas.microsoft.com/office/drawing/2017/decorative" val="1"/>
-              </a:ext>
-            </a:extLst>
-          </p:cNvPr>
-          <p:cNvSpPr>
-            <a:spLocks noGrp="1" noRot="1" noChangeAspect="1" noMove="1" noResize="1" noEditPoints="1" noAdjustHandles="1" noChangeArrowheads="1" noChangeShapeType="1" noTextEdit="1"/>
-          </p:cNvSpPr>
-          <p:nvPr>
-            <p:extLst>
-              <p:ext uri="{386F3935-93C4-4BCD-93E2-E3B085C9AB24}">
-                <p16:designElem xmlns:p16="http://schemas.microsoft.com/office/powerpoint/2015/main" val="1"/>
-              </p:ext>
-            </p:extLst>
-          </p:nvPr>
-        </p:nvSpPr>
-        <p:spPr>
-          <a:xfrm rot="5400000">
-            <a:off x="5904923" y="215201"/>
-            <a:ext cx="740664" cy="11833491"/>
-          </a:xfrm>
-          <a:prstGeom prst="rect">
-            <a:avLst/>
-          </a:prstGeom>
-          <a:solidFill>
-            <a:schemeClr val="accent4"/>
-          </a:solidFill>
-          <a:ln>
-            <a:noFill/>
-          </a:ln>
-        </p:spPr>
-        <p:style>
-          <a:lnRef idx="2">
-            <a:schemeClr val="accent1">
-              <a:shade val="50000"/>
-            </a:schemeClr>
-          </a:lnRef>
-          <a:fillRef idx="1">
-            <a:schemeClr val="accent1"/>
-          </a:fillRef>
-          <a:effectRef idx="0">
-            <a:schemeClr val="accent1"/>
-          </a:effectRef>
-          <a:fontRef idx="minor">
-            <a:schemeClr val="lt1"/>
-          </a:fontRef>
-        </p:style>
-        <p:txBody>
-          <a:bodyPr rtlCol="0" anchor="ctr"/>
-          <a:lstStyle/>
-          <a:p>
-            <a:pPr algn="ctr"/>
-            <a:endParaRPr lang="en-US"/>
-          </a:p>
-        </p:txBody>
-      </p:sp>
-      <p:sp>
-        <p:nvSpPr>
-          <p:cNvPr id="37" name="Rectangle 36">
-            <a:extLst>
-              <a:ext uri="{FF2B5EF4-FFF2-40B4-BE49-F238E27FC236}">
-                <a16:creationId xmlns:a16="http://schemas.microsoft.com/office/drawing/2014/main" id="{2C1BBA94-3F40-40AA-8BB9-E69E25E537C1}"/>
-              </a:ext>
-              <a:ext uri="{C183D7F6-B498-43B3-948B-1728B52AA6E4}">
-                <adec:decorative xmlns:adec="http://schemas.microsoft.com/office/drawing/2017/decorative" val="1"/>
-              </a:ext>
-            </a:extLst>
-          </p:cNvPr>
-          <p:cNvSpPr>
-            <a:spLocks noGrp="1" noRot="1" noChangeAspect="1" noMove="1" noResize="1" noEditPoints="1" noAdjustHandles="1" noChangeArrowheads="1" noChangeShapeType="1" noTextEdit="1"/>
-          </p:cNvSpPr>
-          <p:nvPr>
-            <p:extLst>
-              <p:ext uri="{386F3935-93C4-4BCD-93E2-E3B085C9AB24}">
-                <p16:designElem xmlns:p16="http://schemas.microsoft.com/office/powerpoint/2015/main" val="1"/>
-              </p:ext>
-            </p:extLst>
-          </p:nvPr>
-        </p:nvSpPr>
-        <p:spPr>
-          <a:xfrm>
-            <a:off x="5696793" y="354959"/>
-            <a:ext cx="6184973" cy="5915212"/>
-          </a:xfrm>
-          <a:prstGeom prst="rect">
-            <a:avLst/>
-          </a:prstGeom>
-          <a:solidFill>
-            <a:schemeClr val="bg1"/>
-          </a:solidFill>
-          <a:ln>
-            <a:noFill/>
-          </a:ln>
-          <a:effectLst>
-            <a:outerShdw blurRad="139700" dist="127000" dir="5400000" algn="t" rotWithShape="0">
-              <a:prstClr val="black">
-                <a:alpha val="15000"/>
-              </a:prstClr>
-            </a:outerShdw>
-          </a:effectLst>
-        </p:spPr>
-        <p:style>
-          <a:lnRef idx="2">
-            <a:schemeClr val="accent1">
-              <a:shade val="50000"/>
-            </a:schemeClr>
-          </a:lnRef>
-          <a:fillRef idx="1">
-            <a:schemeClr val="accent1"/>
-          </a:fillRef>
-          <a:effectRef idx="0">
-            <a:schemeClr val="accent1"/>
-          </a:effectRef>
-          <a:fontRef idx="minor">
-            <a:schemeClr val="lt1"/>
-          </a:fontRef>
-        </p:style>
-        <p:txBody>
-          <a:bodyPr rtlCol="0" anchor="ctr"/>
-          <a:lstStyle/>
-          <a:p>
-            <a:pPr algn="ctr"/>
-            <a:endParaRPr lang="en-US"/>
-          </a:p>
-        </p:txBody>
-      </p:sp>
-      <p:pic>
-        <p:nvPicPr>
-          <p:cNvPr id="6" name="Picture 5" descr="Une image contenant flou, Caractère coloré, léger, bleu&#10;&#10;Description générée automatiquement">
-            <a:extLst>
-              <a:ext uri="{FF2B5EF4-FFF2-40B4-BE49-F238E27FC236}">
-                <a16:creationId xmlns:a16="http://schemas.microsoft.com/office/drawing/2014/main" id="{8F35FB72-AD77-3726-6750-BE490854E552}"/>
-              </a:ext>
-            </a:extLst>
-          </p:cNvPr>
-          <p:cNvPicPr>
-            <a:picLocks noChangeAspect="1"/>
-          </p:cNvPicPr>
-          <p:nvPr/>
-        </p:nvPicPr>
-        <p:blipFill rotWithShape="1">
-          <a:blip r:embed="rId2"/>
-          <a:srcRect l="24412" r="17713" b="-1"/>
-          <a:stretch/>
-        </p:blipFill>
-        <p:spPr>
-          <a:xfrm>
-            <a:off x="5987738" y="650494"/>
-            <a:ext cx="5628018" cy="5324142"/>
-          </a:xfrm>
-          <a:prstGeom prst="rect">
-            <a:avLst/>
-          </a:prstGeom>
-        </p:spPr>
-      </p:pic>
-      <p:graphicFrame>
-        <p:nvGraphicFramePr>
-          <p:cNvPr id="5" name="Espace réservé du contenu 2">
-            <a:extLst>
-              <a:ext uri="{FF2B5EF4-FFF2-40B4-BE49-F238E27FC236}">
-                <a16:creationId xmlns:a16="http://schemas.microsoft.com/office/drawing/2014/main" id="{55EF570E-01E7-4E42-0D35-3A9EAF1A1098}"/>
-              </a:ext>
-            </a:extLst>
-          </p:cNvPr>
-          <p:cNvGraphicFramePr>
-            <a:graphicFrameLocks noGrp="1"/>
-          </p:cNvGraphicFramePr>
-          <p:nvPr>
-            <p:ph idx="1"/>
-            <p:extLst>
-              <p:ext uri="{D42A27DB-BD31-4B8C-83A1-F6EECF244321}">
-                <p14:modId xmlns:p14="http://schemas.microsoft.com/office/powerpoint/2010/main" val="2648577523"/>
-              </p:ext>
-            </p:extLst>
-          </p:nvPr>
-        </p:nvGraphicFramePr>
-        <p:xfrm>
-          <a:off x="645066" y="2031101"/>
-          <a:ext cx="4282984" cy="3511943"/>
-        </p:xfrm>
-        <a:graphic>
-          <a:graphicData uri="http://schemas.openxmlformats.org/drawingml/2006/diagram">
-            <dgm:relIds xmlns:dgm="http://schemas.openxmlformats.org/drawingml/2006/diagram" xmlns:r="http://schemas.openxmlformats.org/officeDocument/2006/relationships" r:dm="rId3" r:lo="rId4" r:qs="rId5" r:cs="rId6"/>
-          </a:graphicData>
-        </a:graphic>
-      </p:graphicFrame>
     </p:spTree>
     <p:extLst>
       <p:ext uri="{BB962C8B-B14F-4D97-AF65-F5344CB8AC3E}">
-        <p14:creationId xmlns:p14="http://schemas.microsoft.com/office/powerpoint/2010/main" val="4250079724"/>
-      </p:ext>
-    </p:extLst>
-  </p:cSld>
-  <p:clrMapOvr>
-    <a:masterClrMapping/>
-  </p:clrMapOvr>
-</p:sld>
-</file>
-
-<file path=ppt/slides/slide19.xml><?xml version="1.0" encoding="utf-8"?>
-<p:sld xmlns:a="http://schemas.openxmlformats.org/drawingml/2006/main" xmlns:r="http://schemas.openxmlformats.org/officeDocument/2006/relationships" xmlns:p="http://schemas.openxmlformats.org/presentationml/2006/main">
-  <p:cSld>
-    <p:spTree>
-      <p:nvGrpSpPr>
-        <p:cNvPr id="1" name=""/>
-        <p:cNvGrpSpPr/>
-        <p:nvPr/>
-      </p:nvGrpSpPr>
-      <p:grpSpPr>
-        <a:xfrm>
-          <a:off x="0" y="0"/>
-          <a:ext cx="0" cy="0"/>
-          <a:chOff x="0" y="0"/>
-          <a:chExt cx="0" cy="0"/>
-        </a:xfrm>
-      </p:grpSpPr>
-      <p:sp>
-        <p:nvSpPr>
-          <p:cNvPr id="2" name="Titre 1">
-            <a:extLst>
-              <a:ext uri="{FF2B5EF4-FFF2-40B4-BE49-F238E27FC236}">
-                <a16:creationId xmlns:a16="http://schemas.microsoft.com/office/drawing/2014/main" id="{812C0BD0-01E4-F55F-B2E2-2115856274E8}"/>
-              </a:ext>
-            </a:extLst>
-          </p:cNvPr>
-          <p:cNvSpPr>
-            <a:spLocks noGrp="1"/>
-          </p:cNvSpPr>
-          <p:nvPr>
-            <p:ph type="title"/>
-          </p:nvPr>
-        </p:nvSpPr>
-        <p:spPr/>
-        <p:txBody>
-          <a:bodyPr/>
-          <a:lstStyle/>
-          <a:p>
-            <a:r>
-              <a:rPr lang="fr-FR" dirty="0"/>
-              <a:t>Conception</a:t>
-            </a:r>
-            <a:endParaRPr lang="en-GB" dirty="0"/>
-          </a:p>
-        </p:txBody>
-      </p:sp>
-      <p:sp>
-        <p:nvSpPr>
-          <p:cNvPr id="3" name="Espace réservé du contenu 2">
-            <a:extLst>
-              <a:ext uri="{FF2B5EF4-FFF2-40B4-BE49-F238E27FC236}">
-                <a16:creationId xmlns:a16="http://schemas.microsoft.com/office/drawing/2014/main" id="{360062DA-0D22-C5F2-45CD-89B359AA39CA}"/>
-              </a:ext>
-            </a:extLst>
-          </p:cNvPr>
-          <p:cNvSpPr>
-            <a:spLocks noGrp="1"/>
-          </p:cNvSpPr>
-          <p:nvPr>
-            <p:ph idx="1"/>
-          </p:nvPr>
-        </p:nvSpPr>
-        <p:spPr/>
-        <p:txBody>
-          <a:bodyPr/>
-          <a:lstStyle/>
-          <a:p>
-            <a:r>
-              <a:rPr lang="fr-FR" dirty="0"/>
-              <a:t>(schéma étoiles/flocon -&gt; constellation dans notre cas)</a:t>
-            </a:r>
-            <a:endParaRPr lang="en-GB" dirty="0"/>
-          </a:p>
-          <a:p>
-            <a:endParaRPr lang="en-GB" dirty="0"/>
-          </a:p>
-        </p:txBody>
-      </p:sp>
-    </p:spTree>
-    <p:extLst>
-      <p:ext uri="{BB962C8B-B14F-4D97-AF65-F5344CB8AC3E}">
-        <p14:creationId xmlns:p14="http://schemas.microsoft.com/office/powerpoint/2010/main" val="28938470"/>
+        <p14:creationId xmlns:p14="http://schemas.microsoft.com/office/powerpoint/2010/main" val="3264623373"/>
       </p:ext>
     </p:extLst>
   </p:cSld>
@@ -20908,6 +24753,14 @@
 <file path=ppt/slides/slide20.xml><?xml version="1.0" encoding="utf-8"?>
 <p:sld xmlns:a="http://schemas.openxmlformats.org/drawingml/2006/main" xmlns:r="http://schemas.openxmlformats.org/officeDocument/2006/relationships" xmlns:p="http://schemas.openxmlformats.org/presentationml/2006/main">
   <p:cSld>
+    <p:bg>
+      <p:bgPr>
+        <a:solidFill>
+          <a:schemeClr val="bg1"/>
+        </a:solidFill>
+        <a:effectLst/>
+      </p:bgPr>
+    </p:bg>
     <p:spTree>
       <p:nvGrpSpPr>
         <p:cNvPr id="1" name=""/>
@@ -20922,6 +24775,66 @@
           <a:chExt cx="0" cy="0"/>
         </a:xfrm>
       </p:grpSpPr>
+      <p:sp useBgFill="1">
+        <p:nvSpPr>
+          <p:cNvPr id="17" name="Rectangle 16">
+            <a:extLst>
+              <a:ext uri="{FF2B5EF4-FFF2-40B4-BE49-F238E27FC236}">
+                <a16:creationId xmlns:a16="http://schemas.microsoft.com/office/drawing/2014/main" id="{47942995-B07F-4636-9A06-C6A104B260A8}"/>
+              </a:ext>
+              <a:ext uri="{C183D7F6-B498-43B3-948B-1728B52AA6E4}">
+                <adec:decorative xmlns:adec="http://schemas.microsoft.com/office/drawing/2017/decorative" val="1"/>
+              </a:ext>
+            </a:extLst>
+          </p:cNvPr>
+          <p:cNvSpPr>
+            <a:spLocks noGrp="1" noRot="1" noChangeAspect="1" noMove="1" noResize="1" noEditPoints="1" noAdjustHandles="1" noChangeArrowheads="1" noChangeShapeType="1" noTextEdit="1"/>
+          </p:cNvSpPr>
+          <p:nvPr>
+            <p:extLst>
+              <p:ext uri="{386F3935-93C4-4BCD-93E2-E3B085C9AB24}">
+                <p16:designElem xmlns:p16="http://schemas.microsoft.com/office/powerpoint/2015/main" val="1"/>
+              </p:ext>
+            </p:extLst>
+          </p:nvPr>
+        </p:nvSpPr>
+        <p:spPr>
+          <a:xfrm>
+            <a:off x="0" y="0"/>
+            <a:ext cx="12191999" cy="6857365"/>
+          </a:xfrm>
+          <a:prstGeom prst="rect">
+            <a:avLst/>
+          </a:prstGeom>
+          <a:ln>
+            <a:noFill/>
+          </a:ln>
+        </p:spPr>
+        <p:style>
+          <a:lnRef idx="2">
+            <a:schemeClr val="accent1">
+              <a:shade val="50000"/>
+            </a:schemeClr>
+          </a:lnRef>
+          <a:fillRef idx="1">
+            <a:schemeClr val="accent1"/>
+          </a:fillRef>
+          <a:effectRef idx="0">
+            <a:schemeClr val="accent1"/>
+          </a:effectRef>
+          <a:fontRef idx="minor">
+            <a:schemeClr val="lt1"/>
+          </a:fontRef>
+        </p:style>
+        <p:txBody>
+          <a:bodyPr rtlCol="0" anchor="ctr"/>
+          <a:lstStyle/>
+          <a:p>
+            <a:pPr algn="ctr"/>
+            <a:endParaRPr lang="en-US"/>
+          </a:p>
+        </p:txBody>
+      </p:sp>
       <p:sp>
         <p:nvSpPr>
           <p:cNvPr id="2" name="Titre 1">
@@ -20938,25 +24851,517 @@
             <p:ph type="title"/>
           </p:nvPr>
         </p:nvSpPr>
-        <p:spPr/>
+        <p:spPr>
+          <a:xfrm>
+            <a:off x="1113810" y="2960716"/>
+            <a:ext cx="4036334" cy="2387600"/>
+          </a:xfrm>
+        </p:spPr>
         <p:txBody>
-          <a:bodyPr/>
+          <a:bodyPr vert="horz" lIns="91440" tIns="45720" rIns="91440" bIns="45720" rtlCol="0" anchor="t">
+            <a:normAutofit/>
+          </a:bodyPr>
           <a:lstStyle/>
           <a:p>
             <a:r>
-              <a:rPr lang="fr-FR" dirty="0" err="1"/>
-              <a:t>Developpement</a:t>
+              <a:rPr lang="en-US" sz="4200" kern="1200">
+                <a:solidFill>
+                  <a:schemeClr val="tx1"/>
+                </a:solidFill>
+                <a:latin typeface="+mj-lt"/>
+                <a:ea typeface="+mj-ea"/>
+                <a:cs typeface="+mj-cs"/>
+              </a:rPr>
+              <a:t>Rapport Power Bi – Délai moyen d’un prestataire</a:t>
             </a:r>
-            <a:endParaRPr lang="en-GB" dirty="0"/>
+          </a:p>
+        </p:txBody>
+      </p:sp>
+      <p:grpSp>
+        <p:nvGrpSpPr>
+          <p:cNvPr id="19" name="Group 18">
+            <a:extLst>
+              <a:ext uri="{FF2B5EF4-FFF2-40B4-BE49-F238E27FC236}">
+                <a16:creationId xmlns:a16="http://schemas.microsoft.com/office/drawing/2014/main" id="{032D8612-31EB-44CF-A1D0-14FD4C705424}"/>
+              </a:ext>
+              <a:ext uri="{C183D7F6-B498-43B3-948B-1728B52AA6E4}">
+                <adec:decorative xmlns:adec="http://schemas.microsoft.com/office/drawing/2017/decorative" val="1"/>
+              </a:ext>
+            </a:extLst>
+          </p:cNvPr>
+          <p:cNvGrpSpPr>
+            <a:grpSpLocks noGrp="1" noUngrp="1" noRot="1" noChangeAspect="1" noMove="1" noResize="1"/>
+          </p:cNvGrpSpPr>
+          <p:nvPr>
+            <p:extLst>
+              <p:ext uri="{386F3935-93C4-4BCD-93E2-E3B085C9AB24}">
+                <p16:designElem xmlns:p16="http://schemas.microsoft.com/office/powerpoint/2015/main" val="1"/>
+              </p:ext>
+            </p:extLst>
+          </p:nvPr>
+        </p:nvGrpSpPr>
+        <p:grpSpPr>
+          <a:xfrm>
+            <a:off x="0" y="2984992"/>
+            <a:ext cx="731521" cy="673460"/>
+            <a:chOff x="3940602" y="308034"/>
+            <a:chExt cx="2116791" cy="3428999"/>
+          </a:xfrm>
+          <a:solidFill>
+            <a:schemeClr val="accent4"/>
+          </a:solidFill>
+        </p:grpSpPr>
+        <p:sp>
+          <p:nvSpPr>
+            <p:cNvPr id="20" name="Rectangle 19">
+              <a:extLst>
+                <a:ext uri="{FF2B5EF4-FFF2-40B4-BE49-F238E27FC236}">
+                  <a16:creationId xmlns:a16="http://schemas.microsoft.com/office/drawing/2014/main" id="{F19A4A0F-1B59-4DB0-9764-D10936E98770}"/>
+                </a:ext>
+                <a:ext uri="{C183D7F6-B498-43B3-948B-1728B52AA6E4}">
+                  <adec:decorative xmlns:adec="http://schemas.microsoft.com/office/drawing/2017/decorative" val="1"/>
+                </a:ext>
+              </a:extLst>
+            </p:cNvPr>
+            <p:cNvSpPr/>
+            <p:nvPr>
+              <p:extLst>
+                <p:ext uri="{386F3935-93C4-4BCD-93E2-E3B085C9AB24}">
+                  <p16:designElem xmlns:p16="http://schemas.microsoft.com/office/powerpoint/2015/main" val="1"/>
+                </p:ext>
+              </p:extLst>
+            </p:nvPr>
+          </p:nvSpPr>
+          <p:spPr>
+            <a:xfrm>
+              <a:off x="3940602" y="308034"/>
+              <a:ext cx="566743" cy="3428999"/>
+            </a:xfrm>
+            <a:prstGeom prst="rect">
+              <a:avLst/>
+            </a:prstGeom>
+            <a:grpFill/>
+            <a:ln>
+              <a:noFill/>
+            </a:ln>
+          </p:spPr>
+          <p:style>
+            <a:lnRef idx="2">
+              <a:schemeClr val="accent1">
+                <a:shade val="50000"/>
+              </a:schemeClr>
+            </a:lnRef>
+            <a:fillRef idx="1">
+              <a:schemeClr val="accent1"/>
+            </a:fillRef>
+            <a:effectRef idx="0">
+              <a:schemeClr val="accent1"/>
+            </a:effectRef>
+            <a:fontRef idx="minor">
+              <a:schemeClr val="lt1"/>
+            </a:fontRef>
+          </p:style>
+          <p:txBody>
+            <a:bodyPr rtlCol="0" anchor="ctr"/>
+            <a:lstStyle/>
+            <a:p>
+              <a:pPr algn="ctr"/>
+              <a:endParaRPr lang="en-US"/>
+            </a:p>
+          </p:txBody>
+        </p:sp>
+        <p:sp>
+          <p:nvSpPr>
+            <p:cNvPr id="21" name="Rectangle 20">
+              <a:extLst>
+                <a:ext uri="{FF2B5EF4-FFF2-40B4-BE49-F238E27FC236}">
+                  <a16:creationId xmlns:a16="http://schemas.microsoft.com/office/drawing/2014/main" id="{F399A70F-F8CD-4992-9EF5-6CF15472E73F}"/>
+                </a:ext>
+                <a:ext uri="{C183D7F6-B498-43B3-948B-1728B52AA6E4}">
+                  <adec:decorative xmlns:adec="http://schemas.microsoft.com/office/drawing/2017/decorative" val="1"/>
+                </a:ext>
+              </a:extLst>
+            </p:cNvPr>
+            <p:cNvSpPr/>
+            <p:nvPr>
+              <p:extLst>
+                <p:ext uri="{386F3935-93C4-4BCD-93E2-E3B085C9AB24}">
+                  <p16:designElem xmlns:p16="http://schemas.microsoft.com/office/powerpoint/2015/main" val="1"/>
+                </p:ext>
+              </p:extLst>
+            </p:nvPr>
+          </p:nvSpPr>
+          <p:spPr>
+            <a:xfrm>
+              <a:off x="4715626" y="308034"/>
+              <a:ext cx="566743" cy="3428999"/>
+            </a:xfrm>
+            <a:prstGeom prst="rect">
+              <a:avLst/>
+            </a:prstGeom>
+            <a:grpFill/>
+            <a:ln>
+              <a:noFill/>
+            </a:ln>
+          </p:spPr>
+          <p:style>
+            <a:lnRef idx="2">
+              <a:schemeClr val="accent1">
+                <a:shade val="50000"/>
+              </a:schemeClr>
+            </a:lnRef>
+            <a:fillRef idx="1">
+              <a:schemeClr val="accent1"/>
+            </a:fillRef>
+            <a:effectRef idx="0">
+              <a:schemeClr val="accent1"/>
+            </a:effectRef>
+            <a:fontRef idx="minor">
+              <a:schemeClr val="lt1"/>
+            </a:fontRef>
+          </p:style>
+          <p:txBody>
+            <a:bodyPr rtlCol="0" anchor="ctr"/>
+            <a:lstStyle/>
+            <a:p>
+              <a:pPr algn="ctr"/>
+              <a:endParaRPr lang="en-US"/>
+            </a:p>
+          </p:txBody>
+        </p:sp>
+        <p:sp>
+          <p:nvSpPr>
+            <p:cNvPr id="22" name="Rectangle 21">
+              <a:extLst>
+                <a:ext uri="{FF2B5EF4-FFF2-40B4-BE49-F238E27FC236}">
+                  <a16:creationId xmlns:a16="http://schemas.microsoft.com/office/drawing/2014/main" id="{48F4FEDC-6D80-458C-A665-075D9B9500FD}"/>
+                </a:ext>
+                <a:ext uri="{C183D7F6-B498-43B3-948B-1728B52AA6E4}">
+                  <adec:decorative xmlns:adec="http://schemas.microsoft.com/office/drawing/2017/decorative" val="1"/>
+                </a:ext>
+              </a:extLst>
+            </p:cNvPr>
+            <p:cNvSpPr/>
+            <p:nvPr>
+              <p:extLst>
+                <p:ext uri="{386F3935-93C4-4BCD-93E2-E3B085C9AB24}">
+                  <p16:designElem xmlns:p16="http://schemas.microsoft.com/office/powerpoint/2015/main" val="1"/>
+                </p:ext>
+              </p:extLst>
+            </p:nvPr>
+          </p:nvSpPr>
+          <p:spPr>
+            <a:xfrm>
+              <a:off x="5490650" y="308034"/>
+              <a:ext cx="566743" cy="3428999"/>
+            </a:xfrm>
+            <a:prstGeom prst="rect">
+              <a:avLst/>
+            </a:prstGeom>
+            <a:grpFill/>
+            <a:ln>
+              <a:noFill/>
+            </a:ln>
+          </p:spPr>
+          <p:style>
+            <a:lnRef idx="2">
+              <a:schemeClr val="accent1">
+                <a:shade val="50000"/>
+              </a:schemeClr>
+            </a:lnRef>
+            <a:fillRef idx="1">
+              <a:schemeClr val="accent1"/>
+            </a:fillRef>
+            <a:effectRef idx="0">
+              <a:schemeClr val="accent1"/>
+            </a:effectRef>
+            <a:fontRef idx="minor">
+              <a:schemeClr val="lt1"/>
+            </a:fontRef>
+          </p:style>
+          <p:txBody>
+            <a:bodyPr rtlCol="0" anchor="ctr"/>
+            <a:lstStyle/>
+            <a:p>
+              <a:pPr algn="ctr"/>
+              <a:endParaRPr lang="en-US"/>
+            </a:p>
+          </p:txBody>
+        </p:sp>
+      </p:grpSp>
+      <p:sp>
+        <p:nvSpPr>
+          <p:cNvPr id="24" name="Rectangle 23">
+            <a:extLst>
+              <a:ext uri="{FF2B5EF4-FFF2-40B4-BE49-F238E27FC236}">
+                <a16:creationId xmlns:a16="http://schemas.microsoft.com/office/drawing/2014/main" id="{B81933D1-5615-42C7-9C0B-4EB7105CCE2D}"/>
+              </a:ext>
+              <a:ext uri="{C183D7F6-B498-43B3-948B-1728B52AA6E4}">
+                <adec:decorative xmlns:adec="http://schemas.microsoft.com/office/drawing/2017/decorative" val="1"/>
+              </a:ext>
+            </a:extLst>
+          </p:cNvPr>
+          <p:cNvSpPr>
+            <a:spLocks noGrp="1" noRot="1" noChangeAspect="1" noMove="1" noResize="1" noEditPoints="1" noAdjustHandles="1" noChangeArrowheads="1" noChangeShapeType="1" noTextEdit="1"/>
+          </p:cNvSpPr>
+          <p:nvPr>
+            <p:extLst>
+              <p:ext uri="{386F3935-93C4-4BCD-93E2-E3B085C9AB24}">
+                <p16:designElem xmlns:p16="http://schemas.microsoft.com/office/powerpoint/2015/main" val="1"/>
+              </p:ext>
+            </p:extLst>
+          </p:nvPr>
+        </p:nvSpPr>
+        <p:spPr>
+          <a:xfrm flipH="1">
+            <a:off x="10697670" y="0"/>
+            <a:ext cx="1494330" cy="6858000"/>
+          </a:xfrm>
+          <a:prstGeom prst="rect">
+            <a:avLst/>
+          </a:prstGeom>
+          <a:solidFill>
+            <a:schemeClr val="accent4"/>
+          </a:solidFill>
+          <a:ln>
+            <a:noFill/>
+          </a:ln>
+        </p:spPr>
+        <p:style>
+          <a:lnRef idx="2">
+            <a:schemeClr val="accent1">
+              <a:shade val="50000"/>
+            </a:schemeClr>
+          </a:lnRef>
+          <a:fillRef idx="1">
+            <a:schemeClr val="accent1"/>
+          </a:fillRef>
+          <a:effectRef idx="0">
+            <a:schemeClr val="accent1"/>
+          </a:effectRef>
+          <a:fontRef idx="minor">
+            <a:schemeClr val="lt1"/>
+          </a:fontRef>
+        </p:style>
+        <p:txBody>
+          <a:bodyPr rtlCol="0" anchor="ctr"/>
+          <a:lstStyle/>
+          <a:p>
+            <a:pPr algn="ctr"/>
+            <a:endParaRPr lang="en-US"/>
           </a:p>
         </p:txBody>
       </p:sp>
       <p:sp>
         <p:nvSpPr>
-          <p:cNvPr id="3" name="Espace réservé du contenu 2">
+          <p:cNvPr id="26" name="Rectangle 25">
             <a:extLst>
               <a:ext uri="{FF2B5EF4-FFF2-40B4-BE49-F238E27FC236}">
-                <a16:creationId xmlns:a16="http://schemas.microsoft.com/office/drawing/2014/main" id="{360062DA-0D22-C5F2-45CD-89B359AA39CA}"/>
+                <a16:creationId xmlns:a16="http://schemas.microsoft.com/office/drawing/2014/main" id="{19C9EAEA-39D0-4B0E-A0EB-51E7B26740B1}"/>
+              </a:ext>
+              <a:ext uri="{C183D7F6-B498-43B3-948B-1728B52AA6E4}">
+                <adec:decorative xmlns:adec="http://schemas.microsoft.com/office/drawing/2017/decorative" val="1"/>
+              </a:ext>
+            </a:extLst>
+          </p:cNvPr>
+          <p:cNvSpPr>
+            <a:spLocks noGrp="1" noRot="1" noChangeAspect="1" noMove="1" noResize="1" noEditPoints="1" noAdjustHandles="1" noChangeArrowheads="1" noChangeShapeType="1" noTextEdit="1"/>
+          </p:cNvSpPr>
+          <p:nvPr>
+            <p:extLst>
+              <p:ext uri="{386F3935-93C4-4BCD-93E2-E3B085C9AB24}">
+                <p16:designElem xmlns:p16="http://schemas.microsoft.com/office/powerpoint/2015/main" val="1"/>
+              </p:ext>
+            </p:extLst>
+          </p:nvPr>
+        </p:nvSpPr>
+        <p:spPr>
+          <a:xfrm>
+            <a:off x="5685810" y="391886"/>
+            <a:ext cx="6009366" cy="6017078"/>
+          </a:xfrm>
+          <a:prstGeom prst="rect">
+            <a:avLst/>
+          </a:prstGeom>
+          <a:solidFill>
+            <a:schemeClr val="bg1"/>
+          </a:solidFill>
+          <a:ln>
+            <a:noFill/>
+          </a:ln>
+          <a:effectLst>
+            <a:outerShdw blurRad="139700" dist="127000" dir="5400000" algn="t" rotWithShape="0">
+              <a:prstClr val="black">
+                <a:alpha val="15000"/>
+              </a:prstClr>
+            </a:outerShdw>
+          </a:effectLst>
+        </p:spPr>
+        <p:style>
+          <a:lnRef idx="2">
+            <a:schemeClr val="accent1">
+              <a:shade val="50000"/>
+            </a:schemeClr>
+          </a:lnRef>
+          <a:fillRef idx="1">
+            <a:schemeClr val="accent1"/>
+          </a:fillRef>
+          <a:effectRef idx="0">
+            <a:schemeClr val="accent1"/>
+          </a:effectRef>
+          <a:fontRef idx="minor">
+            <a:schemeClr val="lt1"/>
+          </a:fontRef>
+        </p:style>
+        <p:txBody>
+          <a:bodyPr rtlCol="0" anchor="ctr"/>
+          <a:lstStyle/>
+          <a:p>
+            <a:pPr algn="ctr"/>
+            <a:endParaRPr lang="en-US"/>
+          </a:p>
+        </p:txBody>
+      </p:sp>
+      <p:pic>
+        <p:nvPicPr>
+          <p:cNvPr id="5" name="Image 4" descr="Une image contenant texte, capture d’écran, Police, nombre&#10;&#10;Description générée automatiquement">
+            <a:extLst>
+              <a:ext uri="{FF2B5EF4-FFF2-40B4-BE49-F238E27FC236}">
+                <a16:creationId xmlns:a16="http://schemas.microsoft.com/office/drawing/2014/main" id="{AC08463A-A1D0-3B71-6AA6-73E566AD3CAF}"/>
+              </a:ext>
+            </a:extLst>
+          </p:cNvPr>
+          <p:cNvPicPr>
+            <a:picLocks noChangeAspect="1"/>
+          </p:cNvPicPr>
+          <p:nvPr/>
+        </p:nvPicPr>
+        <p:blipFill>
+          <a:blip r:embed="rId2">
+            <a:extLst>
+              <a:ext uri="{28A0092B-C50C-407E-A947-70E740481C1C}">
+                <a14:useLocalDpi xmlns:a14="http://schemas.microsoft.com/office/drawing/2010/main" val="0"/>
+              </a:ext>
+            </a:extLst>
+          </a:blip>
+          <a:stretch>
+            <a:fillRect/>
+          </a:stretch>
+        </p:blipFill>
+        <p:spPr>
+          <a:xfrm>
+            <a:off x="5922492" y="1821863"/>
+            <a:ext cx="5536001" cy="3155520"/>
+          </a:xfrm>
+          <a:prstGeom prst="rect">
+            <a:avLst/>
+          </a:prstGeom>
+        </p:spPr>
+      </p:pic>
+    </p:spTree>
+    <p:extLst>
+      <p:ext uri="{BB962C8B-B14F-4D97-AF65-F5344CB8AC3E}">
+        <p14:creationId xmlns:p14="http://schemas.microsoft.com/office/powerpoint/2010/main" val="2716853351"/>
+      </p:ext>
+    </p:extLst>
+  </p:cSld>
+  <p:clrMapOvr>
+    <a:masterClrMapping/>
+  </p:clrMapOvr>
+</p:sld>
+</file>
+
+<file path=ppt/slides/slide21.xml><?xml version="1.0" encoding="utf-8"?>
+<p:sld xmlns:a="http://schemas.openxmlformats.org/drawingml/2006/main" xmlns:r="http://schemas.openxmlformats.org/officeDocument/2006/relationships" xmlns:p="http://schemas.openxmlformats.org/presentationml/2006/main">
+  <p:cSld>
+    <p:bg>
+      <p:bgPr>
+        <a:solidFill>
+          <a:schemeClr val="bg1"/>
+        </a:solidFill>
+        <a:effectLst/>
+      </p:bgPr>
+    </p:bg>
+    <p:spTree>
+      <p:nvGrpSpPr>
+        <p:cNvPr id="1" name=""/>
+        <p:cNvGrpSpPr/>
+        <p:nvPr/>
+      </p:nvGrpSpPr>
+      <p:grpSpPr>
+        <a:xfrm>
+          <a:off x="0" y="0"/>
+          <a:ext cx="0" cy="0"/>
+          <a:chOff x="0" y="0"/>
+          <a:chExt cx="0" cy="0"/>
+        </a:xfrm>
+      </p:grpSpPr>
+      <p:sp useBgFill="1">
+        <p:nvSpPr>
+          <p:cNvPr id="29" name="Rectangle 28">
+            <a:extLst>
+              <a:ext uri="{FF2B5EF4-FFF2-40B4-BE49-F238E27FC236}">
+                <a16:creationId xmlns:a16="http://schemas.microsoft.com/office/drawing/2014/main" id="{2F687420-BEB4-45CD-8226-339BE553B8E6}"/>
+              </a:ext>
+              <a:ext uri="{C183D7F6-B498-43B3-948B-1728B52AA6E4}">
+                <adec:decorative xmlns:adec="http://schemas.microsoft.com/office/drawing/2017/decorative" val="1"/>
+              </a:ext>
+            </a:extLst>
+          </p:cNvPr>
+          <p:cNvSpPr>
+            <a:spLocks noGrp="1" noRot="1" noChangeAspect="1" noMove="1" noResize="1" noEditPoints="1" noAdjustHandles="1" noChangeArrowheads="1" noChangeShapeType="1" noTextEdit="1"/>
+          </p:cNvSpPr>
+          <p:nvPr>
+            <p:extLst>
+              <p:ext uri="{386F3935-93C4-4BCD-93E2-E3B085C9AB24}">
+                <p16:designElem xmlns:p16="http://schemas.microsoft.com/office/powerpoint/2015/main" val="1"/>
+              </p:ext>
+            </p:extLst>
+          </p:nvPr>
+        </p:nvSpPr>
+        <p:spPr>
+          <a:xfrm>
+            <a:off x="0" y="0"/>
+            <a:ext cx="12191999" cy="6857365"/>
+          </a:xfrm>
+          <a:prstGeom prst="rect">
+            <a:avLst/>
+          </a:prstGeom>
+          <a:ln>
+            <a:noFill/>
+          </a:ln>
+        </p:spPr>
+        <p:style>
+          <a:lnRef idx="2">
+            <a:schemeClr val="accent1">
+              <a:shade val="50000"/>
+            </a:schemeClr>
+          </a:lnRef>
+          <a:fillRef idx="1">
+            <a:schemeClr val="accent1"/>
+          </a:fillRef>
+          <a:effectRef idx="0">
+            <a:schemeClr val="accent1"/>
+          </a:effectRef>
+          <a:fontRef idx="minor">
+            <a:schemeClr val="lt1"/>
+          </a:fontRef>
+        </p:style>
+        <p:txBody>
+          <a:bodyPr rtlCol="0" anchor="ctr"/>
+          <a:lstStyle/>
+          <a:p>
+            <a:pPr algn="ctr"/>
+            <a:endParaRPr lang="en-US"/>
+          </a:p>
+        </p:txBody>
+      </p:sp>
+      <p:sp>
+        <p:nvSpPr>
+          <p:cNvPr id="2" name="Titre 1">
+            <a:extLst>
+              <a:ext uri="{FF2B5EF4-FFF2-40B4-BE49-F238E27FC236}">
+                <a16:creationId xmlns:a16="http://schemas.microsoft.com/office/drawing/2014/main" id="{6A5F1385-B275-4BB5-A5D2-88ACFDCABED3}"/>
               </a:ext>
             </a:extLst>
           </p:cNvPr>
@@ -20964,25 +25369,1287 @@
             <a:spLocks noGrp="1"/>
           </p:cNvSpPr>
           <p:nvPr>
-            <p:ph idx="1"/>
+            <p:ph type="title"/>
           </p:nvPr>
         </p:nvSpPr>
-        <p:spPr/>
+        <p:spPr>
+          <a:xfrm>
+            <a:off x="645064" y="525982"/>
+            <a:ext cx="4282983" cy="1200361"/>
+          </a:xfrm>
+        </p:spPr>
         <p:txBody>
-          <a:bodyPr/>
+          <a:bodyPr anchor="b">
+            <a:normAutofit/>
+          </a:bodyPr>
           <a:lstStyle/>
           <a:p>
             <a:r>
-              <a:rPr lang="fr-FR" dirty="0"/>
-              <a:t>Alimentation OLTP -&gt; OLAP (flux SSIS à expliquer. Si t’as pas fait pas grave : mais met une diapo pour dire ce qu’on a prévu. FAUT RESTE POSITIF et penser aux solutions</a:t>
+              <a:rPr lang="fr-FR" sz="3600"/>
+              <a:t>Base OLAP</a:t>
             </a:r>
-            <a:endParaRPr lang="en-GB" dirty="0"/>
-          </a:p>
-          <a:p>
-            <a:endParaRPr lang="en-GB" dirty="0"/>
           </a:p>
         </p:txBody>
       </p:sp>
+      <p:sp>
+        <p:nvSpPr>
+          <p:cNvPr id="31" name="Rectangle 30">
+            <a:extLst>
+              <a:ext uri="{FF2B5EF4-FFF2-40B4-BE49-F238E27FC236}">
+                <a16:creationId xmlns:a16="http://schemas.microsoft.com/office/drawing/2014/main" id="{169CC832-2974-4E8D-90ED-3E2941BA7336}"/>
+              </a:ext>
+              <a:ext uri="{C183D7F6-B498-43B3-948B-1728B52AA6E4}">
+                <adec:decorative xmlns:adec="http://schemas.microsoft.com/office/drawing/2017/decorative" val="1"/>
+              </a:ext>
+            </a:extLst>
+          </p:cNvPr>
+          <p:cNvSpPr>
+            <a:spLocks noGrp="1" noRot="1" noChangeAspect="1" noMove="1" noResize="1" noEditPoints="1" noAdjustHandles="1" noChangeArrowheads="1" noChangeShapeType="1" noTextEdit="1"/>
+          </p:cNvSpPr>
+          <p:nvPr>
+            <p:extLst>
+              <p:ext uri="{386F3935-93C4-4BCD-93E2-E3B085C9AB24}">
+                <p16:designElem xmlns:p16="http://schemas.microsoft.com/office/powerpoint/2015/main" val="1"/>
+              </p:ext>
+            </p:extLst>
+          </p:nvPr>
+        </p:nvSpPr>
+        <p:spPr>
+          <a:xfrm flipH="1">
+            <a:off x="616533" y="1944913"/>
+            <a:ext cx="4023360" cy="27432"/>
+          </a:xfrm>
+          <a:prstGeom prst="rect">
+            <a:avLst/>
+          </a:prstGeom>
+          <a:solidFill>
+            <a:schemeClr val="accent4"/>
+          </a:solidFill>
+          <a:ln>
+            <a:noFill/>
+          </a:ln>
+        </p:spPr>
+        <p:style>
+          <a:lnRef idx="2">
+            <a:schemeClr val="accent1">
+              <a:shade val="50000"/>
+            </a:schemeClr>
+          </a:lnRef>
+          <a:fillRef idx="1">
+            <a:schemeClr val="accent1"/>
+          </a:fillRef>
+          <a:effectRef idx="0">
+            <a:schemeClr val="accent1"/>
+          </a:effectRef>
+          <a:fontRef idx="minor">
+            <a:schemeClr val="lt1"/>
+          </a:fontRef>
+        </p:style>
+        <p:txBody>
+          <a:bodyPr rtlCol="0" anchor="ctr"/>
+          <a:lstStyle/>
+          <a:p>
+            <a:pPr algn="ctr"/>
+            <a:endParaRPr lang="en-US"/>
+          </a:p>
+        </p:txBody>
+      </p:sp>
+      <p:sp>
+        <p:nvSpPr>
+          <p:cNvPr id="33" name="Rectangle 32">
+            <a:extLst>
+              <a:ext uri="{FF2B5EF4-FFF2-40B4-BE49-F238E27FC236}">
+                <a16:creationId xmlns:a16="http://schemas.microsoft.com/office/drawing/2014/main" id="{55222F96-971A-4F90-B841-6BAB416C7AC1}"/>
+              </a:ext>
+              <a:ext uri="{C183D7F6-B498-43B3-948B-1728B52AA6E4}">
+                <adec:decorative xmlns:adec="http://schemas.microsoft.com/office/drawing/2017/decorative" val="1"/>
+              </a:ext>
+            </a:extLst>
+          </p:cNvPr>
+          <p:cNvSpPr>
+            <a:spLocks noGrp="1" noRot="1" noChangeAspect="1" noMove="1" noResize="1" noEditPoints="1" noAdjustHandles="1" noChangeArrowheads="1" noChangeShapeType="1" noTextEdit="1"/>
+          </p:cNvSpPr>
+          <p:nvPr>
+            <p:extLst>
+              <p:ext uri="{386F3935-93C4-4BCD-93E2-E3B085C9AB24}">
+                <p16:designElem xmlns:p16="http://schemas.microsoft.com/office/powerpoint/2015/main" val="1"/>
+              </p:ext>
+            </p:extLst>
+          </p:nvPr>
+        </p:nvSpPr>
+        <p:spPr>
+          <a:xfrm rot="5400000">
+            <a:off x="-225843" y="6053360"/>
+            <a:ext cx="740664" cy="154124"/>
+          </a:xfrm>
+          <a:prstGeom prst="rect">
+            <a:avLst/>
+          </a:prstGeom>
+          <a:solidFill>
+            <a:schemeClr val="accent4"/>
+          </a:solidFill>
+          <a:ln>
+            <a:noFill/>
+          </a:ln>
+        </p:spPr>
+        <p:style>
+          <a:lnRef idx="2">
+            <a:schemeClr val="accent1">
+              <a:shade val="50000"/>
+            </a:schemeClr>
+          </a:lnRef>
+          <a:fillRef idx="1">
+            <a:schemeClr val="accent1"/>
+          </a:fillRef>
+          <a:effectRef idx="0">
+            <a:schemeClr val="accent1"/>
+          </a:effectRef>
+          <a:fontRef idx="minor">
+            <a:schemeClr val="lt1"/>
+          </a:fontRef>
+        </p:style>
+        <p:txBody>
+          <a:bodyPr rtlCol="0" anchor="ctr"/>
+          <a:lstStyle/>
+          <a:p>
+            <a:pPr algn="ctr"/>
+            <a:endParaRPr lang="en-US"/>
+          </a:p>
+        </p:txBody>
+      </p:sp>
+      <p:sp>
+        <p:nvSpPr>
+          <p:cNvPr id="35" name="Rectangle 34">
+            <a:extLst>
+              <a:ext uri="{FF2B5EF4-FFF2-40B4-BE49-F238E27FC236}">
+                <a16:creationId xmlns:a16="http://schemas.microsoft.com/office/drawing/2014/main" id="{08980754-6F4B-43C9-B9BE-127B6BED6586}"/>
+              </a:ext>
+              <a:ext uri="{C183D7F6-B498-43B3-948B-1728B52AA6E4}">
+                <adec:decorative xmlns:adec="http://schemas.microsoft.com/office/drawing/2017/decorative" val="1"/>
+              </a:ext>
+            </a:extLst>
+          </p:cNvPr>
+          <p:cNvSpPr>
+            <a:spLocks noGrp="1" noRot="1" noChangeAspect="1" noMove="1" noResize="1" noEditPoints="1" noAdjustHandles="1" noChangeArrowheads="1" noChangeShapeType="1" noTextEdit="1"/>
+          </p:cNvSpPr>
+          <p:nvPr>
+            <p:extLst>
+              <p:ext uri="{386F3935-93C4-4BCD-93E2-E3B085C9AB24}">
+                <p16:designElem xmlns:p16="http://schemas.microsoft.com/office/powerpoint/2015/main" val="1"/>
+              </p:ext>
+            </p:extLst>
+          </p:nvPr>
+        </p:nvSpPr>
+        <p:spPr>
+          <a:xfrm rot="5400000">
+            <a:off x="5904923" y="215201"/>
+            <a:ext cx="740664" cy="11833491"/>
+          </a:xfrm>
+          <a:prstGeom prst="rect">
+            <a:avLst/>
+          </a:prstGeom>
+          <a:solidFill>
+            <a:schemeClr val="accent4"/>
+          </a:solidFill>
+          <a:ln>
+            <a:noFill/>
+          </a:ln>
+        </p:spPr>
+        <p:style>
+          <a:lnRef idx="2">
+            <a:schemeClr val="accent1">
+              <a:shade val="50000"/>
+            </a:schemeClr>
+          </a:lnRef>
+          <a:fillRef idx="1">
+            <a:schemeClr val="accent1"/>
+          </a:fillRef>
+          <a:effectRef idx="0">
+            <a:schemeClr val="accent1"/>
+          </a:effectRef>
+          <a:fontRef idx="minor">
+            <a:schemeClr val="lt1"/>
+          </a:fontRef>
+        </p:style>
+        <p:txBody>
+          <a:bodyPr rtlCol="0" anchor="ctr"/>
+          <a:lstStyle/>
+          <a:p>
+            <a:pPr algn="ctr"/>
+            <a:endParaRPr lang="en-US"/>
+          </a:p>
+        </p:txBody>
+      </p:sp>
+      <p:sp>
+        <p:nvSpPr>
+          <p:cNvPr id="37" name="Rectangle 36">
+            <a:extLst>
+              <a:ext uri="{FF2B5EF4-FFF2-40B4-BE49-F238E27FC236}">
+                <a16:creationId xmlns:a16="http://schemas.microsoft.com/office/drawing/2014/main" id="{2C1BBA94-3F40-40AA-8BB9-E69E25E537C1}"/>
+              </a:ext>
+              <a:ext uri="{C183D7F6-B498-43B3-948B-1728B52AA6E4}">
+                <adec:decorative xmlns:adec="http://schemas.microsoft.com/office/drawing/2017/decorative" val="1"/>
+              </a:ext>
+            </a:extLst>
+          </p:cNvPr>
+          <p:cNvSpPr>
+            <a:spLocks noGrp="1" noRot="1" noChangeAspect="1" noMove="1" noResize="1" noEditPoints="1" noAdjustHandles="1" noChangeArrowheads="1" noChangeShapeType="1" noTextEdit="1"/>
+          </p:cNvSpPr>
+          <p:nvPr>
+            <p:extLst>
+              <p:ext uri="{386F3935-93C4-4BCD-93E2-E3B085C9AB24}">
+                <p16:designElem xmlns:p16="http://schemas.microsoft.com/office/powerpoint/2015/main" val="1"/>
+              </p:ext>
+            </p:extLst>
+          </p:nvPr>
+        </p:nvSpPr>
+        <p:spPr>
+          <a:xfrm>
+            <a:off x="5696793" y="354959"/>
+            <a:ext cx="6184973" cy="5915212"/>
+          </a:xfrm>
+          <a:prstGeom prst="rect">
+            <a:avLst/>
+          </a:prstGeom>
+          <a:solidFill>
+            <a:schemeClr val="bg1"/>
+          </a:solidFill>
+          <a:ln>
+            <a:noFill/>
+          </a:ln>
+          <a:effectLst>
+            <a:outerShdw blurRad="139700" dist="127000" dir="5400000" algn="t" rotWithShape="0">
+              <a:prstClr val="black">
+                <a:alpha val="15000"/>
+              </a:prstClr>
+            </a:outerShdw>
+          </a:effectLst>
+        </p:spPr>
+        <p:style>
+          <a:lnRef idx="2">
+            <a:schemeClr val="accent1">
+              <a:shade val="50000"/>
+            </a:schemeClr>
+          </a:lnRef>
+          <a:fillRef idx="1">
+            <a:schemeClr val="accent1"/>
+          </a:fillRef>
+          <a:effectRef idx="0">
+            <a:schemeClr val="accent1"/>
+          </a:effectRef>
+          <a:fontRef idx="minor">
+            <a:schemeClr val="lt1"/>
+          </a:fontRef>
+        </p:style>
+        <p:txBody>
+          <a:bodyPr rtlCol="0" anchor="ctr"/>
+          <a:lstStyle/>
+          <a:p>
+            <a:pPr algn="ctr"/>
+            <a:endParaRPr lang="en-US"/>
+          </a:p>
+        </p:txBody>
+      </p:sp>
+      <p:pic>
+        <p:nvPicPr>
+          <p:cNvPr id="6" name="Picture 5" descr="Une image contenant flou, Caractère coloré, léger, bleu&#10;&#10;Description générée automatiquement">
+            <a:extLst>
+              <a:ext uri="{FF2B5EF4-FFF2-40B4-BE49-F238E27FC236}">
+                <a16:creationId xmlns:a16="http://schemas.microsoft.com/office/drawing/2014/main" id="{8F35FB72-AD77-3726-6750-BE490854E552}"/>
+              </a:ext>
+            </a:extLst>
+          </p:cNvPr>
+          <p:cNvPicPr>
+            <a:picLocks noChangeAspect="1"/>
+          </p:cNvPicPr>
+          <p:nvPr/>
+        </p:nvPicPr>
+        <p:blipFill rotWithShape="1">
+          <a:blip r:embed="rId2"/>
+          <a:srcRect l="24412" r="17713" b="-1"/>
+          <a:stretch/>
+        </p:blipFill>
+        <p:spPr>
+          <a:xfrm>
+            <a:off x="5987738" y="650494"/>
+            <a:ext cx="5628018" cy="5324142"/>
+          </a:xfrm>
+          <a:prstGeom prst="rect">
+            <a:avLst/>
+          </a:prstGeom>
+        </p:spPr>
+      </p:pic>
+      <p:graphicFrame>
+        <p:nvGraphicFramePr>
+          <p:cNvPr id="5" name="Espace réservé du contenu 2">
+            <a:extLst>
+              <a:ext uri="{FF2B5EF4-FFF2-40B4-BE49-F238E27FC236}">
+                <a16:creationId xmlns:a16="http://schemas.microsoft.com/office/drawing/2014/main" id="{55EF570E-01E7-4E42-0D35-3A9EAF1A1098}"/>
+              </a:ext>
+            </a:extLst>
+          </p:cNvPr>
+          <p:cNvGraphicFramePr>
+            <a:graphicFrameLocks noGrp="1"/>
+          </p:cNvGraphicFramePr>
+          <p:nvPr>
+            <p:ph idx="1"/>
+            <p:extLst>
+              <p:ext uri="{D42A27DB-BD31-4B8C-83A1-F6EECF244321}">
+                <p14:modId xmlns:p14="http://schemas.microsoft.com/office/powerpoint/2010/main" val="2648577523"/>
+              </p:ext>
+            </p:extLst>
+          </p:nvPr>
+        </p:nvGraphicFramePr>
+        <p:xfrm>
+          <a:off x="645066" y="2031101"/>
+          <a:ext cx="4282984" cy="3511943"/>
+        </p:xfrm>
+        <a:graphic>
+          <a:graphicData uri="http://schemas.openxmlformats.org/drawingml/2006/diagram">
+            <dgm:relIds xmlns:dgm="http://schemas.openxmlformats.org/drawingml/2006/diagram" xmlns:r="http://schemas.openxmlformats.org/officeDocument/2006/relationships" r:dm="rId3" r:lo="rId4" r:qs="rId5" r:cs="rId6"/>
+          </a:graphicData>
+        </a:graphic>
+      </p:graphicFrame>
+    </p:spTree>
+    <p:extLst>
+      <p:ext uri="{BB962C8B-B14F-4D97-AF65-F5344CB8AC3E}">
+        <p14:creationId xmlns:p14="http://schemas.microsoft.com/office/powerpoint/2010/main" val="4250079724"/>
+      </p:ext>
+    </p:extLst>
+  </p:cSld>
+  <p:clrMapOvr>
+    <a:masterClrMapping/>
+  </p:clrMapOvr>
+</p:sld>
+</file>
+
+<file path=ppt/slides/slide22.xml><?xml version="1.0" encoding="utf-8"?>
+<p:sld xmlns:a="http://schemas.openxmlformats.org/drawingml/2006/main" xmlns:r="http://schemas.openxmlformats.org/officeDocument/2006/relationships" xmlns:p="http://schemas.openxmlformats.org/presentationml/2006/main">
+  <p:cSld>
+    <p:bg>
+      <p:bgPr>
+        <a:solidFill>
+          <a:schemeClr val="bg1"/>
+        </a:solidFill>
+        <a:effectLst/>
+      </p:bgPr>
+    </p:bg>
+    <p:spTree>
+      <p:nvGrpSpPr>
+        <p:cNvPr id="1" name=""/>
+        <p:cNvGrpSpPr/>
+        <p:nvPr/>
+      </p:nvGrpSpPr>
+      <p:grpSpPr>
+        <a:xfrm>
+          <a:off x="0" y="0"/>
+          <a:ext cx="0" cy="0"/>
+          <a:chOff x="0" y="0"/>
+          <a:chExt cx="0" cy="0"/>
+        </a:xfrm>
+      </p:grpSpPr>
+      <p:sp useBgFill="1">
+        <p:nvSpPr>
+          <p:cNvPr id="16" name="Rectangle 15">
+            <a:extLst>
+              <a:ext uri="{FF2B5EF4-FFF2-40B4-BE49-F238E27FC236}">
+                <a16:creationId xmlns:a16="http://schemas.microsoft.com/office/drawing/2014/main" id="{BA79A7CF-01AF-4178-9369-94E0C90EB046}"/>
+              </a:ext>
+              <a:ext uri="{C183D7F6-B498-43B3-948B-1728B52AA6E4}">
+                <adec:decorative xmlns:adec="http://schemas.microsoft.com/office/drawing/2017/decorative" val="1"/>
+              </a:ext>
+            </a:extLst>
+          </p:cNvPr>
+          <p:cNvSpPr>
+            <a:spLocks noGrp="1" noRot="1" noChangeAspect="1" noMove="1" noResize="1" noEditPoints="1" noAdjustHandles="1" noChangeArrowheads="1" noChangeShapeType="1" noTextEdit="1"/>
+          </p:cNvSpPr>
+          <p:nvPr>
+            <p:extLst>
+              <p:ext uri="{386F3935-93C4-4BCD-93E2-E3B085C9AB24}">
+                <p16:designElem xmlns:p16="http://schemas.microsoft.com/office/powerpoint/2015/main" val="1"/>
+              </p:ext>
+            </p:extLst>
+          </p:nvPr>
+        </p:nvSpPr>
+        <p:spPr>
+          <a:xfrm>
+            <a:off x="0" y="0"/>
+            <a:ext cx="12191999" cy="6857365"/>
+          </a:xfrm>
+          <a:prstGeom prst="rect">
+            <a:avLst/>
+          </a:prstGeom>
+          <a:ln>
+            <a:noFill/>
+          </a:ln>
+        </p:spPr>
+        <p:style>
+          <a:lnRef idx="2">
+            <a:schemeClr val="accent1">
+              <a:shade val="50000"/>
+            </a:schemeClr>
+          </a:lnRef>
+          <a:fillRef idx="1">
+            <a:schemeClr val="accent1"/>
+          </a:fillRef>
+          <a:effectRef idx="0">
+            <a:schemeClr val="accent1"/>
+          </a:effectRef>
+          <a:fontRef idx="minor">
+            <a:schemeClr val="lt1"/>
+          </a:fontRef>
+        </p:style>
+        <p:txBody>
+          <a:bodyPr rtlCol="0" anchor="ctr"/>
+          <a:lstStyle/>
+          <a:p>
+            <a:pPr algn="ctr"/>
+            <a:endParaRPr lang="en-US"/>
+          </a:p>
+        </p:txBody>
+      </p:sp>
+      <p:sp>
+        <p:nvSpPr>
+          <p:cNvPr id="2" name="Titre 1">
+            <a:extLst>
+              <a:ext uri="{FF2B5EF4-FFF2-40B4-BE49-F238E27FC236}">
+                <a16:creationId xmlns:a16="http://schemas.microsoft.com/office/drawing/2014/main" id="{812C0BD0-01E4-F55F-B2E2-2115856274E8}"/>
+              </a:ext>
+            </a:extLst>
+          </p:cNvPr>
+          <p:cNvSpPr>
+            <a:spLocks noGrp="1"/>
+          </p:cNvSpPr>
+          <p:nvPr>
+            <p:ph type="title"/>
+          </p:nvPr>
+        </p:nvSpPr>
+        <p:spPr>
+          <a:xfrm>
+            <a:off x="9267909" y="2023110"/>
+            <a:ext cx="2469624" cy="2846070"/>
+          </a:xfrm>
+        </p:spPr>
+        <p:txBody>
+          <a:bodyPr vert="horz" lIns="91440" tIns="45720" rIns="91440" bIns="45720" rtlCol="0" anchor="ctr">
+            <a:normAutofit/>
+          </a:bodyPr>
+          <a:lstStyle/>
+          <a:p>
+            <a:r>
+              <a:rPr lang="en-US" sz="3700" kern="1200">
+                <a:solidFill>
+                  <a:schemeClr val="tx1"/>
+                </a:solidFill>
+                <a:latin typeface="+mj-lt"/>
+                <a:ea typeface="+mj-ea"/>
+                <a:cs typeface="+mj-cs"/>
+              </a:rPr>
+              <a:t>Conception</a:t>
+            </a:r>
+          </a:p>
+        </p:txBody>
+      </p:sp>
+      <p:sp>
+        <p:nvSpPr>
+          <p:cNvPr id="18" name="Rectangle 17">
+            <a:extLst>
+              <a:ext uri="{FF2B5EF4-FFF2-40B4-BE49-F238E27FC236}">
+                <a16:creationId xmlns:a16="http://schemas.microsoft.com/office/drawing/2014/main" id="{99413ED5-9ED4-4772-BCE4-2BCAE6B12E35}"/>
+              </a:ext>
+              <a:ext uri="{C183D7F6-B498-43B3-948B-1728B52AA6E4}">
+                <adec:decorative xmlns:adec="http://schemas.microsoft.com/office/drawing/2017/decorative" val="1"/>
+              </a:ext>
+            </a:extLst>
+          </p:cNvPr>
+          <p:cNvSpPr>
+            <a:spLocks noGrp="1" noRot="1" noChangeAspect="1" noMove="1" noResize="1" noEditPoints="1" noAdjustHandles="1" noChangeArrowheads="1" noChangeShapeType="1" noTextEdit="1"/>
+          </p:cNvSpPr>
+          <p:nvPr>
+            <p:extLst>
+              <p:ext uri="{386F3935-93C4-4BCD-93E2-E3B085C9AB24}">
+                <p16:designElem xmlns:p16="http://schemas.microsoft.com/office/powerpoint/2015/main" val="1"/>
+              </p:ext>
+            </p:extLst>
+          </p:nvPr>
+        </p:nvSpPr>
+        <p:spPr>
+          <a:xfrm rot="16200000">
+            <a:off x="3433973" y="-827233"/>
+            <a:ext cx="1715478" cy="8583421"/>
+          </a:xfrm>
+          <a:prstGeom prst="rect">
+            <a:avLst/>
+          </a:prstGeom>
+          <a:solidFill>
+            <a:schemeClr val="accent4"/>
+          </a:solidFill>
+          <a:ln>
+            <a:noFill/>
+          </a:ln>
+        </p:spPr>
+        <p:style>
+          <a:lnRef idx="2">
+            <a:schemeClr val="accent1">
+              <a:shade val="50000"/>
+            </a:schemeClr>
+          </a:lnRef>
+          <a:fillRef idx="1">
+            <a:schemeClr val="accent1"/>
+          </a:fillRef>
+          <a:effectRef idx="0">
+            <a:schemeClr val="accent1"/>
+          </a:effectRef>
+          <a:fontRef idx="minor">
+            <a:schemeClr val="lt1"/>
+          </a:fontRef>
+        </p:style>
+        <p:txBody>
+          <a:bodyPr rtlCol="0" anchor="ctr"/>
+          <a:lstStyle/>
+          <a:p>
+            <a:pPr algn="ctr"/>
+            <a:endParaRPr lang="en-US" dirty="0"/>
+          </a:p>
+        </p:txBody>
+      </p:sp>
+      <p:sp>
+        <p:nvSpPr>
+          <p:cNvPr id="20" name="Rectangle 19">
+            <a:extLst>
+              <a:ext uri="{FF2B5EF4-FFF2-40B4-BE49-F238E27FC236}">
+                <a16:creationId xmlns:a16="http://schemas.microsoft.com/office/drawing/2014/main" id="{04357C93-F0CB-4A1C-8F77-4E9063789819}"/>
+              </a:ext>
+              <a:ext uri="{C183D7F6-B498-43B3-948B-1728B52AA6E4}">
+                <adec:decorative xmlns:adec="http://schemas.microsoft.com/office/drawing/2017/decorative" val="1"/>
+              </a:ext>
+            </a:extLst>
+          </p:cNvPr>
+          <p:cNvSpPr>
+            <a:spLocks noGrp="1" noRot="1" noChangeAspect="1" noMove="1" noResize="1" noEditPoints="1" noAdjustHandles="1" noChangeArrowheads="1" noChangeShapeType="1" noTextEdit="1"/>
+          </p:cNvSpPr>
+          <p:nvPr>
+            <p:extLst>
+              <p:ext uri="{386F3935-93C4-4BCD-93E2-E3B085C9AB24}">
+                <p16:designElem xmlns:p16="http://schemas.microsoft.com/office/powerpoint/2015/main" val="1"/>
+              </p:ext>
+            </p:extLst>
+          </p:nvPr>
+        </p:nvSpPr>
+        <p:spPr>
+          <a:xfrm>
+            <a:off x="302085" y="664308"/>
+            <a:ext cx="8082632" cy="5600340"/>
+          </a:xfrm>
+          <a:prstGeom prst="rect">
+            <a:avLst/>
+          </a:prstGeom>
+          <a:solidFill>
+            <a:schemeClr val="bg1"/>
+          </a:solidFill>
+          <a:ln>
+            <a:noFill/>
+          </a:ln>
+          <a:effectLst>
+            <a:outerShdw blurRad="139700" dist="127000" dir="5400000" algn="t" rotWithShape="0">
+              <a:prstClr val="black">
+                <a:alpha val="15000"/>
+              </a:prstClr>
+            </a:outerShdw>
+          </a:effectLst>
+        </p:spPr>
+        <p:style>
+          <a:lnRef idx="2">
+            <a:schemeClr val="accent1">
+              <a:shade val="50000"/>
+            </a:schemeClr>
+          </a:lnRef>
+          <a:fillRef idx="1">
+            <a:schemeClr val="accent1"/>
+          </a:fillRef>
+          <a:effectRef idx="0">
+            <a:schemeClr val="accent1"/>
+          </a:effectRef>
+          <a:fontRef idx="minor">
+            <a:schemeClr val="lt1"/>
+          </a:fontRef>
+        </p:style>
+        <p:txBody>
+          <a:bodyPr rtlCol="0" anchor="ctr"/>
+          <a:lstStyle/>
+          <a:p>
+            <a:pPr algn="ctr"/>
+            <a:endParaRPr lang="en-US"/>
+          </a:p>
+        </p:txBody>
+      </p:sp>
+      <p:pic>
+        <p:nvPicPr>
+          <p:cNvPr id="11" name="Image 10" descr="Une image contenant texte, capture d’écran, conception&#10;&#10;Description générée automatiquement">
+            <a:extLst>
+              <a:ext uri="{FF2B5EF4-FFF2-40B4-BE49-F238E27FC236}">
+                <a16:creationId xmlns:a16="http://schemas.microsoft.com/office/drawing/2014/main" id="{0E919704-BA1B-0F33-0AB4-C67C5A52D943}"/>
+              </a:ext>
+            </a:extLst>
+          </p:cNvPr>
+          <p:cNvPicPr>
+            <a:picLocks noChangeAspect="1"/>
+          </p:cNvPicPr>
+          <p:nvPr/>
+        </p:nvPicPr>
+        <p:blipFill>
+          <a:blip r:embed="rId2">
+            <a:extLst>
+              <a:ext uri="{28A0092B-C50C-407E-A947-70E740481C1C}">
+                <a14:useLocalDpi xmlns:a14="http://schemas.microsoft.com/office/drawing/2010/main" val="0"/>
+              </a:ext>
+            </a:extLst>
+          </a:blip>
+          <a:stretch>
+            <a:fillRect/>
+          </a:stretch>
+        </p:blipFill>
+        <p:spPr>
+          <a:xfrm>
+            <a:off x="545238" y="1733589"/>
+            <a:ext cx="7608304" cy="3461778"/>
+          </a:xfrm>
+          <a:prstGeom prst="rect">
+            <a:avLst/>
+          </a:prstGeom>
+        </p:spPr>
+      </p:pic>
+      <p:sp>
+        <p:nvSpPr>
+          <p:cNvPr id="22" name="Rectangle 21">
+            <a:extLst>
+              <a:ext uri="{FF2B5EF4-FFF2-40B4-BE49-F238E27FC236}">
+                <a16:creationId xmlns:a16="http://schemas.microsoft.com/office/drawing/2014/main" id="{90F533E9-6690-41A8-A372-4C6C622D028D}"/>
+              </a:ext>
+              <a:ext uri="{C183D7F6-B498-43B3-948B-1728B52AA6E4}">
+                <adec:decorative xmlns:adec="http://schemas.microsoft.com/office/drawing/2017/decorative" val="1"/>
+              </a:ext>
+            </a:extLst>
+          </p:cNvPr>
+          <p:cNvSpPr>
+            <a:spLocks noGrp="1" noRot="1" noChangeAspect="1" noMove="1" noResize="1" noEditPoints="1" noAdjustHandles="1" noChangeArrowheads="1" noChangeShapeType="1" noTextEdit="1"/>
+          </p:cNvSpPr>
+          <p:nvPr>
+            <p:extLst>
+              <p:ext uri="{386F3935-93C4-4BCD-93E2-E3B085C9AB24}">
+                <p16:designElem xmlns:p16="http://schemas.microsoft.com/office/powerpoint/2015/main" val="1"/>
+              </p:ext>
+            </p:extLst>
+          </p:nvPr>
+        </p:nvSpPr>
+        <p:spPr>
+          <a:xfrm rot="5400000">
+            <a:off x="7950447" y="3392097"/>
+            <a:ext cx="1719072" cy="152382"/>
+          </a:xfrm>
+          <a:prstGeom prst="rect">
+            <a:avLst/>
+          </a:prstGeom>
+          <a:solidFill>
+            <a:schemeClr val="accent4"/>
+          </a:solidFill>
+          <a:ln>
+            <a:noFill/>
+          </a:ln>
+        </p:spPr>
+        <p:style>
+          <a:lnRef idx="2">
+            <a:schemeClr val="accent1">
+              <a:shade val="50000"/>
+            </a:schemeClr>
+          </a:lnRef>
+          <a:fillRef idx="1">
+            <a:schemeClr val="accent1"/>
+          </a:fillRef>
+          <a:effectRef idx="0">
+            <a:schemeClr val="accent1"/>
+          </a:effectRef>
+          <a:fontRef idx="minor">
+            <a:schemeClr val="lt1"/>
+          </a:fontRef>
+        </p:style>
+        <p:txBody>
+          <a:bodyPr rtlCol="0" anchor="ctr"/>
+          <a:lstStyle/>
+          <a:p>
+            <a:pPr algn="ctr"/>
+            <a:endParaRPr lang="en-US"/>
+          </a:p>
+        </p:txBody>
+      </p:sp>
+    </p:spTree>
+    <p:extLst>
+      <p:ext uri="{BB962C8B-B14F-4D97-AF65-F5344CB8AC3E}">
+        <p14:creationId xmlns:p14="http://schemas.microsoft.com/office/powerpoint/2010/main" val="28938470"/>
+      </p:ext>
+    </p:extLst>
+  </p:cSld>
+  <p:clrMapOvr>
+    <a:masterClrMapping/>
+  </p:clrMapOvr>
+</p:sld>
+</file>
+
+<file path=ppt/slides/slide23.xml><?xml version="1.0" encoding="utf-8"?>
+<p:sld xmlns:a="http://schemas.openxmlformats.org/drawingml/2006/main" xmlns:r="http://schemas.openxmlformats.org/officeDocument/2006/relationships" xmlns:p="http://schemas.openxmlformats.org/presentationml/2006/main">
+  <p:cSld>
+    <p:bg>
+      <p:bgPr>
+        <a:solidFill>
+          <a:schemeClr val="bg1"/>
+        </a:solidFill>
+        <a:effectLst/>
+      </p:bgPr>
+    </p:bg>
+    <p:spTree>
+      <p:nvGrpSpPr>
+        <p:cNvPr id="1" name=""/>
+        <p:cNvGrpSpPr/>
+        <p:nvPr/>
+      </p:nvGrpSpPr>
+      <p:grpSpPr>
+        <a:xfrm>
+          <a:off x="0" y="0"/>
+          <a:ext cx="0" cy="0"/>
+          <a:chOff x="0" y="0"/>
+          <a:chExt cx="0" cy="0"/>
+        </a:xfrm>
+      </p:grpSpPr>
+      <p:sp useBgFill="1">
+        <p:nvSpPr>
+          <p:cNvPr id="14" name="Rectangle 8">
+            <a:extLst>
+              <a:ext uri="{FF2B5EF4-FFF2-40B4-BE49-F238E27FC236}">
+                <a16:creationId xmlns:a16="http://schemas.microsoft.com/office/drawing/2014/main" id="{7517A47C-B2E5-4B79-8061-D74B1311AF6E}"/>
+              </a:ext>
+              <a:ext uri="{C183D7F6-B498-43B3-948B-1728B52AA6E4}">
+                <adec:decorative xmlns:adec="http://schemas.microsoft.com/office/drawing/2017/decorative" val="1"/>
+              </a:ext>
+            </a:extLst>
+          </p:cNvPr>
+          <p:cNvSpPr>
+            <a:spLocks noGrp="1" noRot="1" noChangeAspect="1" noMove="1" noResize="1" noEditPoints="1" noAdjustHandles="1" noChangeArrowheads="1" noChangeShapeType="1" noTextEdit="1"/>
+          </p:cNvSpPr>
+          <p:nvPr>
+            <p:extLst>
+              <p:ext uri="{386F3935-93C4-4BCD-93E2-E3B085C9AB24}">
+                <p16:designElem xmlns:p16="http://schemas.microsoft.com/office/powerpoint/2015/main" val="1"/>
+              </p:ext>
+            </p:extLst>
+          </p:nvPr>
+        </p:nvSpPr>
+        <p:spPr>
+          <a:xfrm>
+            <a:off x="0" y="0"/>
+            <a:ext cx="12192000" cy="6858000"/>
+          </a:xfrm>
+          <a:prstGeom prst="rect">
+            <a:avLst/>
+          </a:prstGeom>
+          <a:ln>
+            <a:noFill/>
+          </a:ln>
+        </p:spPr>
+        <p:style>
+          <a:lnRef idx="2">
+            <a:schemeClr val="accent1">
+              <a:shade val="50000"/>
+            </a:schemeClr>
+          </a:lnRef>
+          <a:fillRef idx="1">
+            <a:schemeClr val="accent1"/>
+          </a:fillRef>
+          <a:effectRef idx="0">
+            <a:schemeClr val="accent1"/>
+          </a:effectRef>
+          <a:fontRef idx="minor">
+            <a:schemeClr val="lt1"/>
+          </a:fontRef>
+        </p:style>
+        <p:txBody>
+          <a:bodyPr rtlCol="0" anchor="ctr"/>
+          <a:lstStyle/>
+          <a:p>
+            <a:pPr algn="ctr"/>
+            <a:endParaRPr lang="en-US"/>
+          </a:p>
+        </p:txBody>
+      </p:sp>
+      <p:sp useBgFill="1">
+        <p:nvSpPr>
+          <p:cNvPr id="16" name="Freeform: Shape 10">
+            <a:extLst>
+              <a:ext uri="{FF2B5EF4-FFF2-40B4-BE49-F238E27FC236}">
+                <a16:creationId xmlns:a16="http://schemas.microsoft.com/office/drawing/2014/main" id="{C505E780-2083-4CB5-A42A-5E0E2908ECC3}"/>
+              </a:ext>
+              <a:ext uri="{C183D7F6-B498-43B3-948B-1728B52AA6E4}">
+                <adec:decorative xmlns:adec="http://schemas.microsoft.com/office/drawing/2017/decorative" val="1"/>
+              </a:ext>
+            </a:extLst>
+          </p:cNvPr>
+          <p:cNvSpPr>
+            <a:spLocks noGrp="1" noRot="1" noChangeAspect="1" noMove="1" noResize="1" noEditPoints="1" noAdjustHandles="1" noChangeArrowheads="1" noChangeShapeType="1" noTextEdit="1"/>
+          </p:cNvSpPr>
+          <p:nvPr>
+            <p:extLst>
+              <p:ext uri="{386F3935-93C4-4BCD-93E2-E3B085C9AB24}">
+                <p16:designElem xmlns:p16="http://schemas.microsoft.com/office/powerpoint/2015/main" val="1"/>
+              </p:ext>
+            </p:extLst>
+          </p:nvPr>
+        </p:nvSpPr>
+        <p:spPr>
+          <a:xfrm>
+            <a:off x="-1" y="0"/>
+            <a:ext cx="4818889" cy="6858000"/>
+          </a:xfrm>
+          <a:custGeom>
+            <a:avLst/>
+            <a:gdLst>
+              <a:gd name="connsiteX0" fmla="*/ 0 w 4818889"/>
+              <a:gd name="connsiteY0" fmla="*/ 0 h 6858000"/>
+              <a:gd name="connsiteX1" fmla="*/ 3605911 w 4818889"/>
+              <a:gd name="connsiteY1" fmla="*/ 0 h 6858000"/>
+              <a:gd name="connsiteX2" fmla="*/ 3668894 w 4818889"/>
+              <a:gd name="connsiteY2" fmla="*/ 69271 h 6858000"/>
+              <a:gd name="connsiteX3" fmla="*/ 4818889 w 4818889"/>
+              <a:gd name="connsiteY3" fmla="*/ 3429000 h 6858000"/>
+              <a:gd name="connsiteX4" fmla="*/ 3668894 w 4818889"/>
+              <a:gd name="connsiteY4" fmla="*/ 6788730 h 6858000"/>
+              <a:gd name="connsiteX5" fmla="*/ 3605911 w 4818889"/>
+              <a:gd name="connsiteY5" fmla="*/ 6858000 h 6858000"/>
+              <a:gd name="connsiteX6" fmla="*/ 0 w 4818889"/>
+              <a:gd name="connsiteY6" fmla="*/ 6858000 h 6858000"/>
+            </a:gdLst>
+            <a:ahLst/>
+            <a:cxnLst>
+              <a:cxn ang="0">
+                <a:pos x="connsiteX0" y="connsiteY0"/>
+              </a:cxn>
+              <a:cxn ang="0">
+                <a:pos x="connsiteX1" y="connsiteY1"/>
+              </a:cxn>
+              <a:cxn ang="0">
+                <a:pos x="connsiteX2" y="connsiteY2"/>
+              </a:cxn>
+              <a:cxn ang="0">
+                <a:pos x="connsiteX3" y="connsiteY3"/>
+              </a:cxn>
+              <a:cxn ang="0">
+                <a:pos x="connsiteX4" y="connsiteY4"/>
+              </a:cxn>
+              <a:cxn ang="0">
+                <a:pos x="connsiteX5" y="connsiteY5"/>
+              </a:cxn>
+              <a:cxn ang="0">
+                <a:pos x="connsiteX6" y="connsiteY6"/>
+              </a:cxn>
+            </a:cxnLst>
+            <a:rect l="l" t="t" r="r" b="b"/>
+            <a:pathLst>
+              <a:path w="4818889" h="6858000">
+                <a:moveTo>
+                  <a:pt x="0" y="0"/>
+                </a:moveTo>
+                <a:lnTo>
+                  <a:pt x="3605911" y="0"/>
+                </a:lnTo>
+                <a:lnTo>
+                  <a:pt x="3668894" y="69271"/>
+                </a:lnTo>
+                <a:cubicBezTo>
+                  <a:pt x="4379420" y="929100"/>
+                  <a:pt x="4818889" y="2116944"/>
+                  <a:pt x="4818889" y="3429000"/>
+                </a:cubicBezTo>
+                <a:cubicBezTo>
+                  <a:pt x="4818889" y="4741056"/>
+                  <a:pt x="4379420" y="5928900"/>
+                  <a:pt x="3668894" y="6788730"/>
+                </a:cubicBezTo>
+                <a:lnTo>
+                  <a:pt x="3605911" y="6858000"/>
+                </a:lnTo>
+                <a:lnTo>
+                  <a:pt x="0" y="6858000"/>
+                </a:lnTo>
+                <a:close/>
+              </a:path>
+            </a:pathLst>
+          </a:custGeom>
+          <a:ln w="9525">
+            <a:solidFill>
+              <a:srgbClr val="EFEFEF"/>
+            </a:solidFill>
+          </a:ln>
+          <a:effectLst>
+            <a:outerShdw blurRad="88900" dist="38100" algn="l" rotWithShape="0">
+              <a:schemeClr val="bg1">
+                <a:lumMod val="85000"/>
+                <a:alpha val="50000"/>
+              </a:schemeClr>
+            </a:outerShdw>
+          </a:effectLst>
+        </p:spPr>
+        <p:style>
+          <a:lnRef idx="2">
+            <a:schemeClr val="accent1">
+              <a:shade val="50000"/>
+            </a:schemeClr>
+          </a:lnRef>
+          <a:fillRef idx="1">
+            <a:schemeClr val="accent1"/>
+          </a:fillRef>
+          <a:effectRef idx="0">
+            <a:schemeClr val="accent1"/>
+          </a:effectRef>
+          <a:fontRef idx="minor">
+            <a:schemeClr val="lt1"/>
+          </a:fontRef>
+        </p:style>
+        <p:txBody>
+          <a:bodyPr wrap="square" rtlCol="0" anchor="ctr">
+            <a:noAutofit/>
+          </a:bodyPr>
+          <a:lstStyle/>
+          <a:p>
+            <a:pPr marL="0" marR="0" lvl="0" indent="0" algn="ctr" defTabSz="914400" rtl="0" eaLnBrk="1" fontAlgn="auto" latinLnBrk="0" hangingPunct="1">
+              <a:lnSpc>
+                <a:spcPct val="100000"/>
+              </a:lnSpc>
+              <a:spcBef>
+                <a:spcPts val="0"/>
+              </a:spcBef>
+              <a:spcAft>
+                <a:spcPts val="0"/>
+              </a:spcAft>
+              <a:buClrTx/>
+              <a:buSzTx/>
+              <a:buFontTx/>
+              <a:buNone/>
+              <a:tabLst/>
+              <a:defRPr/>
+            </a:pPr>
+            <a:endParaRPr kumimoji="0" lang="en-US" sz="1800" b="0" i="0" u="none" strike="noStrike" kern="1200" cap="none" spc="0" normalizeH="0" baseline="0" noProof="0">
+              <a:ln>
+                <a:noFill/>
+              </a:ln>
+              <a:solidFill>
+                <a:prstClr val="white"/>
+              </a:solidFill>
+              <a:effectLst/>
+              <a:uLnTx/>
+              <a:uFillTx/>
+              <a:latin typeface="Calibri" panose="020F0502020204030204"/>
+              <a:ea typeface="+mn-ea"/>
+              <a:cs typeface="+mn-cs"/>
+            </a:endParaRPr>
+          </a:p>
+        </p:txBody>
+      </p:sp>
+      <p:sp useBgFill="1">
+        <p:nvSpPr>
+          <p:cNvPr id="13" name="Freeform: Shape 12">
+            <a:extLst>
+              <a:ext uri="{FF2B5EF4-FFF2-40B4-BE49-F238E27FC236}">
+                <a16:creationId xmlns:a16="http://schemas.microsoft.com/office/drawing/2014/main" id="{D2C0AE1C-0118-41AE-8A10-7CDCBF10E96F}"/>
+              </a:ext>
+              <a:ext uri="{C183D7F6-B498-43B3-948B-1728B52AA6E4}">
+                <adec:decorative xmlns:adec="http://schemas.microsoft.com/office/drawing/2017/decorative" val="1"/>
+              </a:ext>
+            </a:extLst>
+          </p:cNvPr>
+          <p:cNvSpPr>
+            <a:spLocks noGrp="1" noRot="1" noChangeAspect="1" noMove="1" noResize="1" noEditPoints="1" noAdjustHandles="1" noChangeArrowheads="1" noChangeShapeType="1" noTextEdit="1"/>
+          </p:cNvSpPr>
+          <p:nvPr>
+            <p:extLst>
+              <p:ext uri="{386F3935-93C4-4BCD-93E2-E3B085C9AB24}">
+                <p16:designElem xmlns:p16="http://schemas.microsoft.com/office/powerpoint/2015/main" val="1"/>
+              </p:ext>
+            </p:extLst>
+          </p:nvPr>
+        </p:nvSpPr>
+        <p:spPr>
+          <a:xfrm>
+            <a:off x="1" y="0"/>
+            <a:ext cx="4811477" cy="6858000"/>
+          </a:xfrm>
+          <a:custGeom>
+            <a:avLst/>
+            <a:gdLst>
+              <a:gd name="connsiteX0" fmla="*/ 0 w 4811477"/>
+              <a:gd name="connsiteY0" fmla="*/ 0 h 6858000"/>
+              <a:gd name="connsiteX1" fmla="*/ 3598499 w 4811477"/>
+              <a:gd name="connsiteY1" fmla="*/ 0 h 6858000"/>
+              <a:gd name="connsiteX2" fmla="*/ 3661482 w 4811477"/>
+              <a:gd name="connsiteY2" fmla="*/ 69271 h 6858000"/>
+              <a:gd name="connsiteX3" fmla="*/ 4811477 w 4811477"/>
+              <a:gd name="connsiteY3" fmla="*/ 3429000 h 6858000"/>
+              <a:gd name="connsiteX4" fmla="*/ 3661482 w 4811477"/>
+              <a:gd name="connsiteY4" fmla="*/ 6788730 h 6858000"/>
+              <a:gd name="connsiteX5" fmla="*/ 3598499 w 4811477"/>
+              <a:gd name="connsiteY5" fmla="*/ 6858000 h 6858000"/>
+              <a:gd name="connsiteX6" fmla="*/ 0 w 4811477"/>
+              <a:gd name="connsiteY6" fmla="*/ 6858000 h 6858000"/>
+            </a:gdLst>
+            <a:ahLst/>
+            <a:cxnLst>
+              <a:cxn ang="0">
+                <a:pos x="connsiteX0" y="connsiteY0"/>
+              </a:cxn>
+              <a:cxn ang="0">
+                <a:pos x="connsiteX1" y="connsiteY1"/>
+              </a:cxn>
+              <a:cxn ang="0">
+                <a:pos x="connsiteX2" y="connsiteY2"/>
+              </a:cxn>
+              <a:cxn ang="0">
+                <a:pos x="connsiteX3" y="connsiteY3"/>
+              </a:cxn>
+              <a:cxn ang="0">
+                <a:pos x="connsiteX4" y="connsiteY4"/>
+              </a:cxn>
+              <a:cxn ang="0">
+                <a:pos x="connsiteX5" y="connsiteY5"/>
+              </a:cxn>
+              <a:cxn ang="0">
+                <a:pos x="connsiteX6" y="connsiteY6"/>
+              </a:cxn>
+            </a:cxnLst>
+            <a:rect l="l" t="t" r="r" b="b"/>
+            <a:pathLst>
+              <a:path w="4811477" h="6858000">
+                <a:moveTo>
+                  <a:pt x="0" y="0"/>
+                </a:moveTo>
+                <a:lnTo>
+                  <a:pt x="3598499" y="0"/>
+                </a:lnTo>
+                <a:lnTo>
+                  <a:pt x="3661482" y="69271"/>
+                </a:lnTo>
+                <a:cubicBezTo>
+                  <a:pt x="4372008" y="929100"/>
+                  <a:pt x="4811477" y="2116944"/>
+                  <a:pt x="4811477" y="3429000"/>
+                </a:cubicBezTo>
+                <a:cubicBezTo>
+                  <a:pt x="4811477" y="4741056"/>
+                  <a:pt x="4372008" y="5928900"/>
+                  <a:pt x="3661482" y="6788730"/>
+                </a:cubicBezTo>
+                <a:lnTo>
+                  <a:pt x="3598499" y="6858000"/>
+                </a:lnTo>
+                <a:lnTo>
+                  <a:pt x="0" y="6858000"/>
+                </a:lnTo>
+                <a:close/>
+              </a:path>
+            </a:pathLst>
+          </a:custGeom>
+          <a:ln w="9525">
+            <a:noFill/>
+          </a:ln>
+          <a:effectLst/>
+        </p:spPr>
+        <p:style>
+          <a:lnRef idx="2">
+            <a:schemeClr val="accent1">
+              <a:shade val="50000"/>
+            </a:schemeClr>
+          </a:lnRef>
+          <a:fillRef idx="1">
+            <a:schemeClr val="accent1"/>
+          </a:fillRef>
+          <a:effectRef idx="0">
+            <a:schemeClr val="accent1"/>
+          </a:effectRef>
+          <a:fontRef idx="minor">
+            <a:schemeClr val="lt1"/>
+          </a:fontRef>
+        </p:style>
+        <p:txBody>
+          <a:bodyPr wrap="square" rtlCol="0" anchor="ctr">
+            <a:noAutofit/>
+          </a:bodyPr>
+          <a:lstStyle/>
+          <a:p>
+            <a:pPr marL="0" marR="0" lvl="0" indent="0" algn="ctr" defTabSz="914400" rtl="0" eaLnBrk="1" fontAlgn="auto" latinLnBrk="0" hangingPunct="1">
+              <a:lnSpc>
+                <a:spcPct val="100000"/>
+              </a:lnSpc>
+              <a:spcBef>
+                <a:spcPts val="0"/>
+              </a:spcBef>
+              <a:spcAft>
+                <a:spcPts val="0"/>
+              </a:spcAft>
+              <a:buClrTx/>
+              <a:buSzTx/>
+              <a:buFontTx/>
+              <a:buNone/>
+              <a:tabLst/>
+              <a:defRPr/>
+            </a:pPr>
+            <a:endParaRPr kumimoji="0" lang="en-US" sz="1800" b="0" i="0" u="none" strike="noStrike" kern="1200" cap="none" spc="0" normalizeH="0" baseline="0" noProof="0">
+              <a:ln>
+                <a:noFill/>
+              </a:ln>
+              <a:solidFill>
+                <a:prstClr val="white"/>
+              </a:solidFill>
+              <a:effectLst/>
+              <a:uLnTx/>
+              <a:uFillTx/>
+              <a:latin typeface="Calibri" panose="020F0502020204030204"/>
+              <a:ea typeface="+mn-ea"/>
+              <a:cs typeface="+mn-cs"/>
+            </a:endParaRPr>
+          </a:p>
+        </p:txBody>
+      </p:sp>
+      <p:sp>
+        <p:nvSpPr>
+          <p:cNvPr id="2" name="Titre 1">
+            <a:extLst>
+              <a:ext uri="{FF2B5EF4-FFF2-40B4-BE49-F238E27FC236}">
+                <a16:creationId xmlns:a16="http://schemas.microsoft.com/office/drawing/2014/main" id="{812C0BD0-01E4-F55F-B2E2-2115856274E8}"/>
+              </a:ext>
+            </a:extLst>
+          </p:cNvPr>
+          <p:cNvSpPr>
+            <a:spLocks noGrp="1"/>
+          </p:cNvSpPr>
+          <p:nvPr>
+            <p:ph type="title"/>
+          </p:nvPr>
+        </p:nvSpPr>
+        <p:spPr>
+          <a:xfrm>
+            <a:off x="621792" y="1161288"/>
+            <a:ext cx="3602736" cy="4526280"/>
+          </a:xfrm>
+        </p:spPr>
+        <p:txBody>
+          <a:bodyPr>
+            <a:normAutofit/>
+          </a:bodyPr>
+          <a:lstStyle/>
+          <a:p>
+            <a:r>
+              <a:rPr lang="fr-FR" sz="4000"/>
+              <a:t>Développement - Futur</a:t>
+            </a:r>
+            <a:endParaRPr lang="en-GB" sz="4000"/>
+          </a:p>
+        </p:txBody>
+      </p:sp>
+      <p:sp>
+        <p:nvSpPr>
+          <p:cNvPr id="15" name="Rectangle 14">
+            <a:extLst>
+              <a:ext uri="{FF2B5EF4-FFF2-40B4-BE49-F238E27FC236}">
+                <a16:creationId xmlns:a16="http://schemas.microsoft.com/office/drawing/2014/main" id="{463EEC44-1BA3-44ED-81FC-A644B04B2A44}"/>
+              </a:ext>
+              <a:ext uri="{C183D7F6-B498-43B3-948B-1728B52AA6E4}">
+                <adec:decorative xmlns:adec="http://schemas.microsoft.com/office/drawing/2017/decorative" val="1"/>
+              </a:ext>
+            </a:extLst>
+          </p:cNvPr>
+          <p:cNvSpPr>
+            <a:spLocks noGrp="1" noRot="1" noChangeAspect="1" noMove="1" noResize="1" noEditPoints="1" noAdjustHandles="1" noChangeArrowheads="1" noChangeShapeType="1" noTextEdit="1"/>
+          </p:cNvSpPr>
+          <p:nvPr>
+            <p:extLst>
+              <p:ext uri="{386F3935-93C4-4BCD-93E2-E3B085C9AB24}">
+                <p16:designElem xmlns:p16="http://schemas.microsoft.com/office/powerpoint/2015/main" val="1"/>
+              </p:ext>
+            </p:extLst>
+          </p:nvPr>
+        </p:nvSpPr>
+        <p:spPr>
+          <a:xfrm>
+            <a:off x="0" y="3081528"/>
+            <a:ext cx="128016" cy="704088"/>
+          </a:xfrm>
+          <a:prstGeom prst="rect">
+            <a:avLst/>
+          </a:prstGeom>
+          <a:solidFill>
+            <a:schemeClr val="accent2"/>
+          </a:solidFill>
+          <a:ln>
+            <a:noFill/>
+          </a:ln>
+        </p:spPr>
+        <p:style>
+          <a:lnRef idx="2">
+            <a:schemeClr val="accent1">
+              <a:shade val="50000"/>
+            </a:schemeClr>
+          </a:lnRef>
+          <a:fillRef idx="1">
+            <a:schemeClr val="accent1"/>
+          </a:fillRef>
+          <a:effectRef idx="0">
+            <a:schemeClr val="accent1"/>
+          </a:effectRef>
+          <a:fontRef idx="minor">
+            <a:schemeClr val="lt1"/>
+          </a:fontRef>
+        </p:style>
+        <p:txBody>
+          <a:bodyPr rtlCol="0" anchor="ctr"/>
+          <a:lstStyle/>
+          <a:p>
+            <a:pPr algn="ctr"/>
+            <a:endParaRPr lang="en-US">
+              <a:solidFill>
+                <a:prstClr val="white"/>
+              </a:solidFill>
+              <a:latin typeface="Calibri" panose="020F0502020204030204"/>
+            </a:endParaRPr>
+          </a:p>
+        </p:txBody>
+      </p:sp>
+      <p:graphicFrame>
+        <p:nvGraphicFramePr>
+          <p:cNvPr id="17" name="Espace réservé du contenu 2">
+            <a:extLst>
+              <a:ext uri="{FF2B5EF4-FFF2-40B4-BE49-F238E27FC236}">
+                <a16:creationId xmlns:a16="http://schemas.microsoft.com/office/drawing/2014/main" id="{057E90AC-266C-E286-AC64-4303A33F6302}"/>
+              </a:ext>
+            </a:extLst>
+          </p:cNvPr>
+          <p:cNvGraphicFramePr>
+            <a:graphicFrameLocks noGrp="1"/>
+          </p:cNvGraphicFramePr>
+          <p:nvPr>
+            <p:ph idx="1"/>
+            <p:extLst>
+              <p:ext uri="{D42A27DB-BD31-4B8C-83A1-F6EECF244321}">
+                <p14:modId xmlns:p14="http://schemas.microsoft.com/office/powerpoint/2010/main" val="454406551"/>
+              </p:ext>
+            </p:extLst>
+          </p:nvPr>
+        </p:nvGraphicFramePr>
+        <p:xfrm>
+          <a:off x="5303520" y="676656"/>
+          <a:ext cx="6364224" cy="5513832"/>
+        </p:xfrm>
+        <a:graphic>
+          <a:graphicData uri="http://schemas.openxmlformats.org/drawingml/2006/diagram">
+            <dgm:relIds xmlns:dgm="http://schemas.openxmlformats.org/drawingml/2006/diagram" xmlns:r="http://schemas.openxmlformats.org/officeDocument/2006/relationships" r:dm="rId2" r:lo="rId3" r:qs="rId4" r:cs="rId5"/>
+          </a:graphicData>
+        </a:graphic>
+      </p:graphicFrame>
     </p:spTree>
     <p:extLst>
       <p:ext uri="{BB962C8B-B14F-4D97-AF65-F5344CB8AC3E}">
@@ -20996,7 +26663,7 @@
 </p:sld>
 </file>
 
-<file path=ppt/slides/slide21.xml><?xml version="1.0" encoding="utf-8"?>
+<file path=ppt/slides/slide24.xml><?xml version="1.0" encoding="utf-8"?>
 <p:sld xmlns:a="http://schemas.openxmlformats.org/drawingml/2006/main" xmlns:r="http://schemas.openxmlformats.org/officeDocument/2006/relationships" xmlns:p="http://schemas.openxmlformats.org/presentationml/2006/main">
   <p:cSld>
     <p:bg>
@@ -21459,7 +27126,7 @@
 </p:sld>
 </file>
 
-<file path=ppt/slides/slide22.xml><?xml version="1.0" encoding="utf-8"?>
+<file path=ppt/slides/slide25.xml><?xml version="1.0" encoding="utf-8"?>
 <p:sld xmlns:a="http://schemas.openxmlformats.org/drawingml/2006/main" xmlns:r="http://schemas.openxmlformats.org/officeDocument/2006/relationships" xmlns:p="http://schemas.openxmlformats.org/presentationml/2006/main">
   <p:cSld>
     <p:bg>
@@ -25001,15 +30668,15 @@
         </p:spPr>
         <p:txBody>
           <a:bodyPr anchor="b">
-            <a:normAutofit/>
+            <a:normAutofit fontScale="90000"/>
           </a:bodyPr>
           <a:lstStyle/>
           <a:p>
             <a:r>
-              <a:rPr lang="fr-FR" sz="3800"/>
-              <a:t>Développement</a:t>
+              <a:rPr lang="fr-FR" sz="3800" dirty="0"/>
+              <a:t>Développement – création base</a:t>
             </a:r>
-            <a:endParaRPr lang="en-GB" sz="3800"/>
+            <a:endParaRPr lang="en-GB" sz="3800" dirty="0"/>
           </a:p>
         </p:txBody>
       </p:sp>
@@ -25105,39 +30772,25 @@
           <a:lstStyle/>
           <a:p>
             <a:r>
-              <a:rPr lang="en-US" sz="2000"/>
-              <a:t>Création de la base</a:t>
+              <a:rPr lang="en-US" sz="2000" dirty="0" err="1"/>
+              <a:t>Création</a:t>
             </a:r>
-          </a:p>
-          <a:p>
             <a:r>
-              <a:rPr lang="en-US" sz="2000"/>
-              <a:t>Création des views</a:t>
-            </a:r>
-          </a:p>
-          <a:p>
-            <a:r>
-              <a:rPr lang="en-US" sz="2000"/>
-              <a:t>Création des triggers</a:t>
-            </a:r>
-          </a:p>
-          <a:p>
-            <a:r>
-              <a:rPr lang="en-US" sz="2000"/>
-              <a:t>Création du jeu de données</a:t>
+              <a:rPr lang="en-US" sz="2000" dirty="0"/>
+              <a:t> de la base</a:t>
             </a:r>
           </a:p>
           <a:p>
             <a:pPr marL="0" indent="0">
               <a:buNone/>
             </a:pPr>
-            <a:endParaRPr lang="en-US" sz="2000"/>
+            <a:endParaRPr lang="en-US" sz="2000" dirty="0"/>
           </a:p>
           <a:p>
-            <a:endParaRPr lang="en-US" sz="2000"/>
+            <a:endParaRPr lang="en-US" sz="2000" dirty="0"/>
           </a:p>
           <a:p>
-            <a:endParaRPr lang="en-US" sz="2000"/>
+            <a:endParaRPr lang="en-US" sz="2000" dirty="0"/>
           </a:p>
         </p:txBody>
       </p:sp>

--- a/Soutenance_PT.pptx
+++ b/Soutenance_PT.pptx
@@ -1807,15 +1807,15 @@
 </file>
 
 <file path=ppt/diagrams/colors3.xml><?xml version="1.0" encoding="utf-8"?>
-<dgm:colorsDef xmlns:dgm="http://schemas.openxmlformats.org/drawingml/2006/diagram" xmlns:a="http://schemas.openxmlformats.org/drawingml/2006/main" uniqueId="urn:microsoft.com/office/officeart/2018/5/colors/Iconchunking_neutralicon_accent6_2">
+<dgm:colorsDef xmlns:dgm="http://schemas.openxmlformats.org/drawingml/2006/diagram" xmlns:a="http://schemas.openxmlformats.org/drawingml/2006/main" uniqueId="urn:microsoft.com/office/officeart/2005/8/colors/accent2_2">
   <dgm:title val=""/>
   <dgm:desc val=""/>
   <dgm:catLst>
-    <dgm:cat type="accent6" pri="16200"/>
+    <dgm:cat type="accent2" pri="11200"/>
   </dgm:catLst>
   <dgm:styleLbl name="node0">
     <dgm:fillClrLst meth="repeat">
-      <a:schemeClr val="accent6"/>
+      <a:schemeClr val="accent2"/>
     </dgm:fillClrLst>
     <dgm:linClrLst meth="repeat">
       <a:schemeClr val="lt1"/>
@@ -1827,35 +1827,7 @@
   </dgm:styleLbl>
   <dgm:styleLbl name="node1">
     <dgm:fillClrLst meth="repeat">
-      <a:schemeClr val="bg1"/>
-    </dgm:fillClrLst>
-    <dgm:linClrLst meth="repeat">
-      <a:schemeClr val="lt1">
-        <a:alpha val="0"/>
-      </a:schemeClr>
-    </dgm:linClrLst>
-    <dgm:effectClrLst/>
-    <dgm:txLinClrLst/>
-    <dgm:txFillClrLst meth="repeat">
-      <a:schemeClr val="dk1"/>
-    </dgm:txFillClrLst>
-    <dgm:txEffectClrLst/>
-  </dgm:styleLbl>
-  <dgm:styleLbl name="alignNode1">
-    <dgm:fillClrLst meth="repeat">
-      <a:schemeClr val="accent6"/>
-    </dgm:fillClrLst>
-    <dgm:linClrLst meth="repeat">
-      <a:schemeClr val="accent6"/>
-    </dgm:linClrLst>
-    <dgm:effectClrLst/>
-    <dgm:txLinClrLst/>
-    <dgm:txFillClrLst/>
-    <dgm:txEffectClrLst/>
-  </dgm:styleLbl>
-  <dgm:styleLbl name="lnNode1">
-    <dgm:fillClrLst meth="repeat">
-      <a:schemeClr val="accent6"/>
+      <a:schemeClr val="accent2"/>
     </dgm:fillClrLst>
     <dgm:linClrLst meth="repeat">
       <a:schemeClr val="lt1"/>
@@ -1865,9 +1837,33 @@
     <dgm:txFillClrLst/>
     <dgm:txEffectClrLst/>
   </dgm:styleLbl>
+  <dgm:styleLbl name="alignNode1">
+    <dgm:fillClrLst meth="repeat">
+      <a:schemeClr val="accent2"/>
+    </dgm:fillClrLst>
+    <dgm:linClrLst meth="repeat">
+      <a:schemeClr val="accent2"/>
+    </dgm:linClrLst>
+    <dgm:effectClrLst/>
+    <dgm:txLinClrLst/>
+    <dgm:txFillClrLst/>
+    <dgm:txEffectClrLst/>
+  </dgm:styleLbl>
+  <dgm:styleLbl name="lnNode1">
+    <dgm:fillClrLst meth="repeat">
+      <a:schemeClr val="accent2"/>
+    </dgm:fillClrLst>
+    <dgm:linClrLst meth="repeat">
+      <a:schemeClr val="lt1"/>
+    </dgm:linClrLst>
+    <dgm:effectClrLst/>
+    <dgm:txLinClrLst/>
+    <dgm:txFillClrLst/>
+    <dgm:txEffectClrLst/>
+  </dgm:styleLbl>
   <dgm:styleLbl name="vennNode1">
     <dgm:fillClrLst meth="repeat">
-      <a:schemeClr val="accent6">
+      <a:schemeClr val="accent2">
         <a:alpha val="50000"/>
       </a:schemeClr>
     </dgm:fillClrLst>
@@ -1881,7 +1877,7 @@
   </dgm:styleLbl>
   <dgm:styleLbl name="node2">
     <dgm:fillClrLst meth="repeat">
-      <a:schemeClr val="accent6"/>
+      <a:schemeClr val="accent2"/>
     </dgm:fillClrLst>
     <dgm:linClrLst meth="repeat">
       <a:schemeClr val="lt1"/>
@@ -1893,7 +1889,7 @@
   </dgm:styleLbl>
   <dgm:styleLbl name="node3">
     <dgm:fillClrLst meth="repeat">
-      <a:schemeClr val="accent6"/>
+      <a:schemeClr val="accent2"/>
     </dgm:fillClrLst>
     <dgm:linClrLst meth="repeat">
       <a:schemeClr val="lt1"/>
@@ -1905,7 +1901,7 @@
   </dgm:styleLbl>
   <dgm:styleLbl name="node4">
     <dgm:fillClrLst meth="repeat">
-      <a:schemeClr val="accent6"/>
+      <a:schemeClr val="accent2"/>
     </dgm:fillClrLst>
     <dgm:linClrLst meth="repeat">
       <a:schemeClr val="lt1"/>
@@ -1917,7 +1913,7 @@
   </dgm:styleLbl>
   <dgm:styleLbl name="fgImgPlace1">
     <dgm:fillClrLst meth="repeat">
-      <a:schemeClr val="accent6">
+      <a:schemeClr val="accent2">
         <a:tint val="50000"/>
       </a:schemeClr>
     </dgm:fillClrLst>
@@ -1933,7 +1929,7 @@
   </dgm:styleLbl>
   <dgm:styleLbl name="alignImgPlace1">
     <dgm:fillClrLst meth="repeat">
-      <a:schemeClr val="accent6">
+      <a:schemeClr val="accent2">
         <a:tint val="50000"/>
       </a:schemeClr>
     </dgm:fillClrLst>
@@ -1949,7 +1945,7 @@
   </dgm:styleLbl>
   <dgm:styleLbl name="bgImgPlace1">
     <dgm:fillClrLst meth="repeat">
-      <a:schemeClr val="accent6">
+      <a:schemeClr val="accent2">
         <a:tint val="50000"/>
       </a:schemeClr>
     </dgm:fillClrLst>
@@ -1965,12 +1961,12 @@
   </dgm:styleLbl>
   <dgm:styleLbl name="sibTrans2D1">
     <dgm:fillClrLst meth="repeat">
-      <a:schemeClr val="accent6">
+      <a:schemeClr val="accent2">
         <a:tint val="60000"/>
       </a:schemeClr>
     </dgm:fillClrLst>
     <dgm:linClrLst meth="repeat">
-      <a:schemeClr val="accent6">
+      <a:schemeClr val="accent2">
         <a:tint val="60000"/>
       </a:schemeClr>
     </dgm:linClrLst>
@@ -1981,12 +1977,12 @@
   </dgm:styleLbl>
   <dgm:styleLbl name="fgSibTrans2D1">
     <dgm:fillClrLst meth="repeat">
-      <a:schemeClr val="accent6">
+      <a:schemeClr val="accent2">
         <a:tint val="60000"/>
       </a:schemeClr>
     </dgm:fillClrLst>
     <dgm:linClrLst meth="repeat">
-      <a:schemeClr val="accent6">
+      <a:schemeClr val="accent2">
         <a:tint val="60000"/>
       </a:schemeClr>
     </dgm:linClrLst>
@@ -1997,12 +1993,12 @@
   </dgm:styleLbl>
   <dgm:styleLbl name="bgSibTrans2D1">
     <dgm:fillClrLst meth="repeat">
-      <a:schemeClr val="accent6">
+      <a:schemeClr val="accent2">
         <a:tint val="60000"/>
       </a:schemeClr>
     </dgm:fillClrLst>
     <dgm:linClrLst meth="repeat">
-      <a:schemeClr val="accent6">
+      <a:schemeClr val="accent2">
         <a:tint val="60000"/>
       </a:schemeClr>
     </dgm:linClrLst>
@@ -2013,10 +2009,10 @@
   </dgm:styleLbl>
   <dgm:styleLbl name="sibTrans1D1">
     <dgm:fillClrLst meth="repeat">
-      <a:schemeClr val="accent6"/>
+      <a:schemeClr val="accent2"/>
     </dgm:fillClrLst>
     <dgm:linClrLst meth="repeat">
-      <a:schemeClr val="accent6"/>
+      <a:schemeClr val="accent2"/>
     </dgm:linClrLst>
     <dgm:effectClrLst/>
     <dgm:txLinClrLst/>
@@ -2027,10 +2023,10 @@
   </dgm:styleLbl>
   <dgm:styleLbl name="callout">
     <dgm:fillClrLst meth="repeat">
-      <a:schemeClr val="accent6"/>
+      <a:schemeClr val="accent2"/>
     </dgm:fillClrLst>
     <dgm:linClrLst meth="repeat">
-      <a:schemeClr val="accent6">
+      <a:schemeClr val="accent2">
         <a:tint val="50000"/>
       </a:schemeClr>
     </dgm:linClrLst>
@@ -2043,7 +2039,7 @@
   </dgm:styleLbl>
   <dgm:styleLbl name="asst0">
     <dgm:fillClrLst meth="repeat">
-      <a:schemeClr val="accent6"/>
+      <a:schemeClr val="accent2"/>
     </dgm:fillClrLst>
     <dgm:linClrLst meth="repeat">
       <a:schemeClr val="lt1"/>
@@ -2055,7 +2051,7 @@
   </dgm:styleLbl>
   <dgm:styleLbl name="asst1">
     <dgm:fillClrLst meth="repeat">
-      <a:schemeClr val="accent6"/>
+      <a:schemeClr val="accent2"/>
     </dgm:fillClrLst>
     <dgm:linClrLst meth="repeat">
       <a:schemeClr val="lt1"/>
@@ -2067,7 +2063,7 @@
   </dgm:styleLbl>
   <dgm:styleLbl name="asst2">
     <dgm:fillClrLst meth="repeat">
-      <a:schemeClr val="accent6"/>
+      <a:schemeClr val="accent2"/>
     </dgm:fillClrLst>
     <dgm:linClrLst meth="repeat">
       <a:schemeClr val="lt1"/>
@@ -2079,7 +2075,7 @@
   </dgm:styleLbl>
   <dgm:styleLbl name="asst3">
     <dgm:fillClrLst meth="repeat">
-      <a:schemeClr val="accent6"/>
+      <a:schemeClr val="accent2"/>
     </dgm:fillClrLst>
     <dgm:linClrLst meth="repeat">
       <a:schemeClr val="lt1"/>
@@ -2091,7 +2087,7 @@
   </dgm:styleLbl>
   <dgm:styleLbl name="asst4">
     <dgm:fillClrLst meth="repeat">
-      <a:schemeClr val="accent6"/>
+      <a:schemeClr val="accent2"/>
     </dgm:fillClrLst>
     <dgm:linClrLst meth="repeat">
       <a:schemeClr val="lt1"/>
@@ -2103,12 +2099,12 @@
   </dgm:styleLbl>
   <dgm:styleLbl name="parChTrans2D1">
     <dgm:fillClrLst meth="repeat">
-      <a:schemeClr val="accent6">
+      <a:schemeClr val="accent2">
         <a:tint val="60000"/>
       </a:schemeClr>
     </dgm:fillClrLst>
     <dgm:linClrLst meth="repeat">
-      <a:schemeClr val="accent6">
+      <a:schemeClr val="accent2">
         <a:tint val="60000"/>
       </a:schemeClr>
     </dgm:linClrLst>
@@ -2121,10 +2117,10 @@
   </dgm:styleLbl>
   <dgm:styleLbl name="parChTrans2D2">
     <dgm:fillClrLst meth="repeat">
-      <a:schemeClr val="accent6"/>
+      <a:schemeClr val="accent2"/>
     </dgm:fillClrLst>
     <dgm:linClrLst meth="repeat">
-      <a:schemeClr val="accent6"/>
+      <a:schemeClr val="accent2"/>
     </dgm:linClrLst>
     <dgm:effectClrLst/>
     <dgm:txLinClrLst/>
@@ -2135,10 +2131,10 @@
   </dgm:styleLbl>
   <dgm:styleLbl name="parChTrans2D3">
     <dgm:fillClrLst meth="repeat">
-      <a:schemeClr val="accent6"/>
+      <a:schemeClr val="accent2"/>
     </dgm:fillClrLst>
     <dgm:linClrLst meth="repeat">
-      <a:schemeClr val="accent6"/>
+      <a:schemeClr val="accent2"/>
     </dgm:linClrLst>
     <dgm:effectClrLst/>
     <dgm:txLinClrLst/>
@@ -2149,10 +2145,10 @@
   </dgm:styleLbl>
   <dgm:styleLbl name="parChTrans2D4">
     <dgm:fillClrLst meth="repeat">
-      <a:schemeClr val="accent6"/>
+      <a:schemeClr val="accent2"/>
     </dgm:fillClrLst>
     <dgm:linClrLst meth="repeat">
-      <a:schemeClr val="accent6"/>
+      <a:schemeClr val="accent2"/>
     </dgm:linClrLst>
     <dgm:effectClrLst/>
     <dgm:txLinClrLst/>
@@ -2163,10 +2159,10 @@
   </dgm:styleLbl>
   <dgm:styleLbl name="parChTrans1D1">
     <dgm:fillClrLst meth="repeat">
-      <a:schemeClr val="accent6"/>
+      <a:schemeClr val="accent2"/>
     </dgm:fillClrLst>
     <dgm:linClrLst meth="repeat">
-      <a:schemeClr val="accent6">
+      <a:schemeClr val="accent2">
         <a:shade val="60000"/>
       </a:schemeClr>
     </dgm:linClrLst>
@@ -2179,10 +2175,10 @@
   </dgm:styleLbl>
   <dgm:styleLbl name="parChTrans1D2">
     <dgm:fillClrLst meth="repeat">
-      <a:schemeClr val="accent6"/>
+      <a:schemeClr val="accent2"/>
     </dgm:fillClrLst>
     <dgm:linClrLst meth="repeat">
-      <a:schemeClr val="accent6">
+      <a:schemeClr val="accent2">
         <a:shade val="60000"/>
       </a:schemeClr>
     </dgm:linClrLst>
@@ -2195,10 +2191,10 @@
   </dgm:styleLbl>
   <dgm:styleLbl name="parChTrans1D3">
     <dgm:fillClrLst meth="repeat">
-      <a:schemeClr val="accent6"/>
+      <a:schemeClr val="accent2"/>
     </dgm:fillClrLst>
     <dgm:linClrLst meth="repeat">
-      <a:schemeClr val="accent6">
+      <a:schemeClr val="accent2">
         <a:shade val="80000"/>
       </a:schemeClr>
     </dgm:linClrLst>
@@ -2211,10 +2207,10 @@
   </dgm:styleLbl>
   <dgm:styleLbl name="parChTrans1D4">
     <dgm:fillClrLst meth="repeat">
-      <a:schemeClr val="accent6"/>
+      <a:schemeClr val="accent2"/>
     </dgm:fillClrLst>
     <dgm:linClrLst meth="repeat">
-      <a:schemeClr val="accent6">
+      <a:schemeClr val="accent2">
         <a:shade val="80000"/>
       </a:schemeClr>
     </dgm:linClrLst>
@@ -2232,7 +2228,7 @@
       </a:schemeClr>
     </dgm:fillClrLst>
     <dgm:linClrLst meth="repeat">
-      <a:schemeClr val="accent6"/>
+      <a:schemeClr val="accent2"/>
     </dgm:linClrLst>
     <dgm:effectClrLst/>
     <dgm:txLinClrLst/>
@@ -2248,7 +2244,7 @@
       </a:schemeClr>
     </dgm:fillClrLst>
     <dgm:linClrLst meth="repeat">
-      <a:schemeClr val="accent6"/>
+      <a:schemeClr val="accent2"/>
     </dgm:linClrLst>
     <dgm:effectClrLst/>
     <dgm:txLinClrLst/>
@@ -2264,7 +2260,7 @@
       </a:schemeClr>
     </dgm:fillClrLst>
     <dgm:linClrLst meth="repeat">
-      <a:schemeClr val="accent6"/>
+      <a:schemeClr val="accent2"/>
     </dgm:linClrLst>
     <dgm:effectClrLst/>
     <dgm:txLinClrLst/>
@@ -2280,7 +2276,7 @@
       </a:schemeClr>
     </dgm:fillClrLst>
     <dgm:linClrLst meth="repeat">
-      <a:schemeClr val="accent6"/>
+      <a:schemeClr val="accent2"/>
     </dgm:linClrLst>
     <dgm:effectClrLst/>
     <dgm:txLinClrLst/>
@@ -2296,7 +2292,7 @@
       </a:schemeClr>
     </dgm:fillClrLst>
     <dgm:linClrLst meth="repeat">
-      <a:schemeClr val="accent6"/>
+      <a:schemeClr val="accent2"/>
     </dgm:linClrLst>
     <dgm:effectClrLst/>
     <dgm:txLinClrLst/>
@@ -2310,7 +2306,7 @@
       <a:schemeClr val="lt1"/>
     </dgm:fillClrLst>
     <dgm:linClrLst meth="repeat">
-      <a:schemeClr val="accent6"/>
+      <a:schemeClr val="accent2"/>
     </dgm:linClrLst>
     <dgm:effectClrLst/>
     <dgm:txLinClrLst/>
@@ -2324,7 +2320,7 @@
       <a:schemeClr val="lt1"/>
     </dgm:fillClrLst>
     <dgm:linClrLst meth="repeat">
-      <a:schemeClr val="accent6"/>
+      <a:schemeClr val="accent2"/>
     </dgm:linClrLst>
     <dgm:effectClrLst/>
     <dgm:txLinClrLst/>
@@ -2338,7 +2334,7 @@
       <a:schemeClr val="lt1"/>
     </dgm:fillClrLst>
     <dgm:linClrLst meth="repeat">
-      <a:schemeClr val="accent6"/>
+      <a:schemeClr val="accent2"/>
     </dgm:linClrLst>
     <dgm:effectClrLst/>
     <dgm:txLinClrLst/>
@@ -2349,13 +2345,13 @@
   </dgm:styleLbl>
   <dgm:styleLbl name="fgAccFollowNode1">
     <dgm:fillClrLst meth="repeat">
-      <a:schemeClr val="accent6">
+      <a:schemeClr val="accent2">
         <a:alpha val="90000"/>
         <a:tint val="40000"/>
       </a:schemeClr>
     </dgm:fillClrLst>
     <dgm:linClrLst meth="repeat">
-      <a:schemeClr val="accent6">
+      <a:schemeClr val="accent2">
         <a:alpha val="90000"/>
         <a:tint val="40000"/>
       </a:schemeClr>
@@ -2369,13 +2365,13 @@
   </dgm:styleLbl>
   <dgm:styleLbl name="alignAccFollowNode1">
     <dgm:fillClrLst meth="repeat">
-      <a:schemeClr val="accent6">
+      <a:schemeClr val="accent2">
         <a:alpha val="90000"/>
         <a:tint val="40000"/>
       </a:schemeClr>
     </dgm:fillClrLst>
     <dgm:linClrLst meth="repeat">
-      <a:schemeClr val="accent6">
+      <a:schemeClr val="accent2">
         <a:alpha val="90000"/>
         <a:tint val="40000"/>
       </a:schemeClr>
@@ -2389,13 +2385,13 @@
   </dgm:styleLbl>
   <dgm:styleLbl name="bgAccFollowNode1">
     <dgm:fillClrLst meth="repeat">
-      <a:schemeClr val="accent6">
+      <a:schemeClr val="accent2">
         <a:alpha val="90000"/>
         <a:tint val="40000"/>
       </a:schemeClr>
     </dgm:fillClrLst>
     <dgm:linClrLst meth="repeat">
-      <a:schemeClr val="accent6">
+      <a:schemeClr val="accent2">
         <a:alpha val="90000"/>
         <a:tint val="40000"/>
       </a:schemeClr>
@@ -2414,7 +2410,7 @@
       </a:schemeClr>
     </dgm:fillClrLst>
     <dgm:linClrLst meth="repeat">
-      <a:schemeClr val="accent6"/>
+      <a:schemeClr val="accent2"/>
     </dgm:linClrLst>
     <dgm:effectClrLst/>
     <dgm:txLinClrLst/>
@@ -2430,7 +2426,7 @@
       </a:schemeClr>
     </dgm:fillClrLst>
     <dgm:linClrLst meth="repeat">
-      <a:schemeClr val="accent6"/>
+      <a:schemeClr val="accent2"/>
     </dgm:linClrLst>
     <dgm:effectClrLst/>
     <dgm:txLinClrLst/>
@@ -2446,7 +2442,7 @@
       </a:schemeClr>
     </dgm:fillClrLst>
     <dgm:linClrLst meth="repeat">
-      <a:schemeClr val="accent6"/>
+      <a:schemeClr val="accent2"/>
     </dgm:linClrLst>
     <dgm:effectClrLst/>
     <dgm:txLinClrLst/>
@@ -2462,7 +2458,7 @@
       </a:schemeClr>
     </dgm:fillClrLst>
     <dgm:linClrLst meth="repeat">
-      <a:schemeClr val="accent6"/>
+      <a:schemeClr val="accent2"/>
     </dgm:linClrLst>
     <dgm:effectClrLst/>
     <dgm:txLinClrLst/>
@@ -2473,26 +2469,28 @@
   </dgm:styleLbl>
   <dgm:styleLbl name="bgShp">
     <dgm:fillClrLst meth="repeat">
-      <a:schemeClr val="accent6"/>
+      <a:schemeClr val="accent2">
+        <a:tint val="40000"/>
+      </a:schemeClr>
     </dgm:fillClrLst>
     <dgm:linClrLst meth="repeat">
-      <a:schemeClr val="lt1">
-        <a:alpha val="0"/>
-      </a:schemeClr>
+      <a:schemeClr val="accent2"/>
     </dgm:linClrLst>
     <dgm:effectClrLst/>
     <dgm:txLinClrLst/>
-    <dgm:txFillClrLst/>
+    <dgm:txFillClrLst meth="repeat">
+      <a:schemeClr val="dk1"/>
+    </dgm:txFillClrLst>
     <dgm:txEffectClrLst/>
   </dgm:styleLbl>
   <dgm:styleLbl name="dkBgShp">
     <dgm:fillClrLst meth="repeat">
-      <a:schemeClr val="accent6">
+      <a:schemeClr val="accent2">
         <a:shade val="80000"/>
       </a:schemeClr>
     </dgm:fillClrLst>
     <dgm:linClrLst meth="repeat">
-      <a:schemeClr val="accent6"/>
+      <a:schemeClr val="accent2"/>
     </dgm:linClrLst>
     <dgm:effectClrLst/>
     <dgm:txLinClrLst/>
@@ -2503,13 +2501,13 @@
   </dgm:styleLbl>
   <dgm:styleLbl name="trBgShp">
     <dgm:fillClrLst meth="repeat">
-      <a:schemeClr val="accent6">
+      <a:schemeClr val="accent2">
         <a:tint val="50000"/>
         <a:alpha val="40000"/>
       </a:schemeClr>
     </dgm:fillClrLst>
     <dgm:linClrLst meth="repeat">
-      <a:schemeClr val="accent6"/>
+      <a:schemeClr val="accent2"/>
     </dgm:linClrLst>
     <dgm:effectClrLst/>
     <dgm:txLinClrLst/>
@@ -2520,7 +2518,7 @@
   </dgm:styleLbl>
   <dgm:styleLbl name="fgShp">
     <dgm:fillClrLst meth="repeat">
-      <a:schemeClr val="accent6">
+      <a:schemeClr val="accent2">
         <a:tint val="60000"/>
       </a:schemeClr>
     </dgm:fillClrLst>
@@ -5043,7 +5041,7 @@
 <dgm:dataModel xmlns:dgm="http://schemas.openxmlformats.org/drawingml/2006/diagram" xmlns:a="http://schemas.openxmlformats.org/drawingml/2006/main">
   <dgm:ptLst>
     <dgm:pt modelId="{044CD578-E6CF-4C71-A0F4-4EC3BE775CBE}" type="doc">
-      <dgm:prSet loTypeId="urn:microsoft.com/office/officeart/2018/5/layout/IconCircleLabelList" loCatId="icon" qsTypeId="urn:microsoft.com/office/officeart/2005/8/quickstyle/simple1" qsCatId="simple" csTypeId="urn:microsoft.com/office/officeart/2018/5/colors/Iconchunking_neutralicon_accent6_2" csCatId="accent6" phldr="1"/>
+      <dgm:prSet loTypeId="urn:microsoft.com/office/officeart/2018/5/layout/IconCircleLabelList" loCatId="icon" qsTypeId="urn:microsoft.com/office/officeart/2005/8/quickstyle/simple1" qsCatId="simple" csTypeId="urn:microsoft.com/office/officeart/2005/8/colors/accent2_2" csCatId="accent2" phldr="1"/>
       <dgm:spPr/>
       <dgm:t>
         <a:bodyPr/>
@@ -5174,9 +5172,6 @@
             <a:fillRect/>
           </a:stretch>
         </a:blipFill>
-        <a:ln>
-          <a:noFill/>
-        </a:ln>
       </dgm:spPr>
       <dgm:extLst>
         <a:ext uri="{E40237B7-FDA0-4F09-8148-C483321AD2D9}">
@@ -5227,9 +5222,6 @@
             <a:fillRect/>
           </a:stretch>
         </a:blipFill>
-        <a:ln>
-          <a:noFill/>
-        </a:ln>
       </dgm:spPr>
       <dgm:extLst>
         <a:ext uri="{E40237B7-FDA0-4F09-8148-C483321AD2D9}">
@@ -7369,7 +7361,8 @@
           <a:avLst/>
         </a:prstGeom>
         <a:solidFill>
-          <a:schemeClr val="accent6">
+          <a:schemeClr val="accent2">
+            <a:tint val="40000"/>
             <a:hueOff val="0"/>
             <a:satOff val="0"/>
             <a:lumOff val="0"/>
@@ -7423,7 +7416,14 @@
           </a:stretch>
         </a:blipFill>
         <a:ln w="12700" cap="flat" cmpd="sng" algn="ctr">
-          <a:noFill/>
+          <a:solidFill>
+            <a:schemeClr val="lt1">
+              <a:hueOff val="0"/>
+              <a:satOff val="0"/>
+              <a:lumOff val="0"/>
+              <a:alphaOff val="0"/>
+            </a:schemeClr>
+          </a:solidFill>
           <a:prstDash val="solid"/>
           <a:miter lim="800000"/>
         </a:ln>
@@ -7520,7 +7520,8 @@
           <a:avLst/>
         </a:prstGeom>
         <a:solidFill>
-          <a:schemeClr val="accent6">
+          <a:schemeClr val="accent2">
+            <a:tint val="40000"/>
             <a:hueOff val="0"/>
             <a:satOff val="0"/>
             <a:lumOff val="0"/>
@@ -7574,7 +7575,14 @@
           </a:stretch>
         </a:blipFill>
         <a:ln w="12700" cap="flat" cmpd="sng" algn="ctr">
-          <a:noFill/>
+          <a:solidFill>
+            <a:schemeClr val="lt1">
+              <a:hueOff val="0"/>
+              <a:satOff val="0"/>
+              <a:lumOff val="0"/>
+              <a:alphaOff val="0"/>
+            </a:schemeClr>
+          </a:solidFill>
           <a:prstDash val="solid"/>
           <a:miter lim="800000"/>
         </a:ln>
@@ -18839,8 +18847,20 @@
           <a:lstStyle/>
           <a:p>
             <a:r>
-              <a:rPr lang="en-US" sz="4600"/>
-              <a:t>Développement – création trigger</a:t>
+              <a:rPr lang="en-US" sz="4600" dirty="0" err="1"/>
+              <a:t>Développement</a:t>
+            </a:r>
+            <a:r>
+              <a:rPr lang="en-US" sz="4600" dirty="0"/>
+              <a:t> – </a:t>
+            </a:r>
+            <a:r>
+              <a:rPr lang="en-US" sz="4600" dirty="0" err="1"/>
+              <a:t>création</a:t>
+            </a:r>
+            <a:r>
+              <a:rPr lang="en-US" sz="4600" dirty="0"/>
+              <a:t> trigger</a:t>
             </a:r>
           </a:p>
         </p:txBody>
@@ -19235,98 +19255,6 @@
   <p:clrMapOvr>
     <a:masterClrMapping/>
   </p:clrMapOvr>
-  <p:timing>
-    <p:tnLst>
-      <p:par>
-        <p:cTn id="1" dur="indefinite" restart="never" nodeType="tmRoot">
-          <p:childTnLst>
-            <p:seq concurrent="1" nextAc="seek">
-              <p:cTn id="2" dur="indefinite" nodeType="mainSeq">
-                <p:childTnLst>
-                  <p:par>
-                    <p:cTn id="3" fill="hold">
-                      <p:stCondLst>
-                        <p:cond delay="indefinite"/>
-                        <p:cond evt="onBegin" delay="0">
-                          <p:tn val="2"/>
-                        </p:cond>
-                      </p:stCondLst>
-                      <p:childTnLst>
-                        <p:par>
-                          <p:cTn id="4" fill="hold">
-                            <p:stCondLst>
-                              <p:cond delay="0"/>
-                            </p:stCondLst>
-                            <p:childTnLst>
-                              <p:par>
-                                <p:cTn id="5" presetID="10" presetClass="entr" presetSubtype="0" fill="hold" grpId="0" nodeType="withEffect">
-                                  <p:stCondLst>
-                                    <p:cond delay="1000"/>
-                                  </p:stCondLst>
-                                  <p:iterate>
-                                    <p:tmPct val="10000"/>
-                                  </p:iterate>
-                                  <p:childTnLst>
-                                    <p:set>
-                                      <p:cBhvr>
-                                        <p:cTn id="6" dur="1" fill="hold">
-                                          <p:stCondLst>
-                                            <p:cond delay="0"/>
-                                          </p:stCondLst>
-                                        </p:cTn>
-                                        <p:tgtEl>
-                                          <p:spTgt spid="2"/>
-                                        </p:tgtEl>
-                                        <p:attrNameLst>
-                                          <p:attrName>style.visibility</p:attrName>
-                                        </p:attrNameLst>
-                                      </p:cBhvr>
-                                      <p:to>
-                                        <p:strVal val="visible"/>
-                                      </p:to>
-                                    </p:set>
-                                    <p:animEffect transition="in" filter="fade">
-                                      <p:cBhvr>
-                                        <p:cTn id="7" dur="700"/>
-                                        <p:tgtEl>
-                                          <p:spTgt spid="2"/>
-                                        </p:tgtEl>
-                                      </p:cBhvr>
-                                    </p:animEffect>
-                                  </p:childTnLst>
-                                </p:cTn>
-                              </p:par>
-                            </p:childTnLst>
-                          </p:cTn>
-                        </p:par>
-                      </p:childTnLst>
-                    </p:cTn>
-                  </p:par>
-                </p:childTnLst>
-              </p:cTn>
-              <p:prevCondLst>
-                <p:cond evt="onPrev" delay="0">
-                  <p:tgtEl>
-                    <p:sldTgt/>
-                  </p:tgtEl>
-                </p:cond>
-              </p:prevCondLst>
-              <p:nextCondLst>
-                <p:cond evt="onNext" delay="0">
-                  <p:tgtEl>
-                    <p:sldTgt/>
-                  </p:tgtEl>
-                </p:cond>
-              </p:nextCondLst>
-            </p:seq>
-          </p:childTnLst>
-        </p:cTn>
-      </p:par>
-    </p:tnLst>
-    <p:bldLst>
-      <p:bldP spid="2" grpId="0"/>
-    </p:bldLst>
-  </p:timing>
 </p:sld>
 </file>
 
@@ -19444,7 +19372,7 @@
           <a:lstStyle/>
           <a:p>
             <a:r>
-              <a:rPr lang="en-US" sz="4600" kern="1200">
+              <a:rPr lang="en-US" sz="4600" kern="1200" dirty="0" err="1">
                 <a:solidFill>
                   <a:schemeClr val="tx1"/>
                 </a:solidFill>
@@ -19452,8 +19380,60 @@
                 <a:ea typeface="+mj-ea"/>
                 <a:cs typeface="+mj-cs"/>
               </a:rPr>
-              <a:t>Développement – création vue</a:t>
+              <a:t>Développement</a:t>
             </a:r>
+            <a:r>
+              <a:rPr lang="en-US" sz="4600" kern="1200" dirty="0">
+                <a:solidFill>
+                  <a:schemeClr val="tx1"/>
+                </a:solidFill>
+                <a:latin typeface="+mj-lt"/>
+                <a:ea typeface="+mj-ea"/>
+                <a:cs typeface="+mj-cs"/>
+              </a:rPr>
+              <a:t> – </a:t>
+            </a:r>
+            <a:r>
+              <a:rPr lang="en-US" sz="4600" kern="1200" dirty="0" err="1">
+                <a:solidFill>
+                  <a:schemeClr val="tx1"/>
+                </a:solidFill>
+                <a:latin typeface="+mj-lt"/>
+                <a:ea typeface="+mj-ea"/>
+                <a:cs typeface="+mj-cs"/>
+              </a:rPr>
+              <a:t>création</a:t>
+            </a:r>
+            <a:r>
+              <a:rPr lang="en-US" sz="4600" kern="1200" dirty="0">
+                <a:solidFill>
+                  <a:schemeClr val="tx1"/>
+                </a:solidFill>
+                <a:latin typeface="+mj-lt"/>
+                <a:ea typeface="+mj-ea"/>
+                <a:cs typeface="+mj-cs"/>
+              </a:rPr>
+              <a:t> </a:t>
+            </a:r>
+            <a:r>
+              <a:rPr lang="en-US" sz="4600" kern="1200" dirty="0" err="1">
+                <a:solidFill>
+                  <a:schemeClr val="tx1"/>
+                </a:solidFill>
+                <a:latin typeface="+mj-lt"/>
+                <a:ea typeface="+mj-ea"/>
+                <a:cs typeface="+mj-cs"/>
+              </a:rPr>
+              <a:t>vue</a:t>
+            </a:r>
+            <a:endParaRPr lang="en-US" sz="4600" kern="1200" dirty="0">
+              <a:solidFill>
+                <a:schemeClr val="tx1"/>
+              </a:solidFill>
+              <a:latin typeface="+mj-lt"/>
+              <a:ea typeface="+mj-ea"/>
+              <a:cs typeface="+mj-cs"/>
+            </a:endParaRPr>
           </a:p>
         </p:txBody>
       </p:sp>
@@ -19847,98 +19827,6 @@
   <p:clrMapOvr>
     <a:masterClrMapping/>
   </p:clrMapOvr>
-  <p:timing>
-    <p:tnLst>
-      <p:par>
-        <p:cTn id="1" dur="indefinite" restart="never" nodeType="tmRoot">
-          <p:childTnLst>
-            <p:seq concurrent="1" nextAc="seek">
-              <p:cTn id="2" dur="indefinite" nodeType="mainSeq">
-                <p:childTnLst>
-                  <p:par>
-                    <p:cTn id="3" fill="hold">
-                      <p:stCondLst>
-                        <p:cond delay="indefinite"/>
-                        <p:cond evt="onBegin" delay="0">
-                          <p:tn val="2"/>
-                        </p:cond>
-                      </p:stCondLst>
-                      <p:childTnLst>
-                        <p:par>
-                          <p:cTn id="4" fill="hold">
-                            <p:stCondLst>
-                              <p:cond delay="0"/>
-                            </p:stCondLst>
-                            <p:childTnLst>
-                              <p:par>
-                                <p:cTn id="5" presetID="10" presetClass="entr" presetSubtype="0" fill="hold" grpId="0" nodeType="withEffect">
-                                  <p:stCondLst>
-                                    <p:cond delay="1000"/>
-                                  </p:stCondLst>
-                                  <p:iterate>
-                                    <p:tmPct val="10000"/>
-                                  </p:iterate>
-                                  <p:childTnLst>
-                                    <p:set>
-                                      <p:cBhvr>
-                                        <p:cTn id="6" dur="1" fill="hold">
-                                          <p:stCondLst>
-                                            <p:cond delay="0"/>
-                                          </p:stCondLst>
-                                        </p:cTn>
-                                        <p:tgtEl>
-                                          <p:spTgt spid="2"/>
-                                        </p:tgtEl>
-                                        <p:attrNameLst>
-                                          <p:attrName>style.visibility</p:attrName>
-                                        </p:attrNameLst>
-                                      </p:cBhvr>
-                                      <p:to>
-                                        <p:strVal val="visible"/>
-                                      </p:to>
-                                    </p:set>
-                                    <p:animEffect transition="in" filter="fade">
-                                      <p:cBhvr>
-                                        <p:cTn id="7" dur="700"/>
-                                        <p:tgtEl>
-                                          <p:spTgt spid="2"/>
-                                        </p:tgtEl>
-                                      </p:cBhvr>
-                                    </p:animEffect>
-                                  </p:childTnLst>
-                                </p:cTn>
-                              </p:par>
-                            </p:childTnLst>
-                          </p:cTn>
-                        </p:par>
-                      </p:childTnLst>
-                    </p:cTn>
-                  </p:par>
-                </p:childTnLst>
-              </p:cTn>
-              <p:prevCondLst>
-                <p:cond evt="onPrev" delay="0">
-                  <p:tgtEl>
-                    <p:sldTgt/>
-                  </p:tgtEl>
-                </p:cond>
-              </p:prevCondLst>
-              <p:nextCondLst>
-                <p:cond evt="onNext" delay="0">
-                  <p:tgtEl>
-                    <p:sldTgt/>
-                  </p:tgtEl>
-                </p:cond>
-              </p:nextCondLst>
-            </p:seq>
-          </p:childTnLst>
-        </p:cTn>
-      </p:par>
-    </p:tnLst>
-    <p:bldLst>
-      <p:bldP spid="2" grpId="0"/>
-    </p:bldLst>
-  </p:timing>
 </p:sld>
 </file>
 
@@ -20056,7 +19944,7 @@
           <a:lstStyle/>
           <a:p>
             <a:r>
-              <a:rPr lang="en-US" sz="4600" kern="1200">
+              <a:rPr lang="en-US" sz="4600" kern="1200" dirty="0" err="1">
                 <a:solidFill>
                   <a:schemeClr val="tx1"/>
                 </a:solidFill>
@@ -20075,27 +19963,8 @@
                 <a:ea typeface="+mj-ea"/>
                 <a:cs typeface="+mj-cs"/>
               </a:rPr>
-              <a:t> – </a:t>
+              <a:t> – Insert</a:t>
             </a:r>
-            <a:r>
-              <a:rPr lang="en-US" sz="4600" kern="1200">
-                <a:solidFill>
-                  <a:schemeClr val="tx1"/>
-                </a:solidFill>
-                <a:latin typeface="+mj-lt"/>
-                <a:ea typeface="+mj-ea"/>
-                <a:cs typeface="+mj-cs"/>
-              </a:rPr>
-              <a:t>Insert</a:t>
-            </a:r>
-            <a:endParaRPr lang="en-US" sz="4600" kern="1200" dirty="0">
-              <a:solidFill>
-                <a:schemeClr val="tx1"/>
-              </a:solidFill>
-              <a:latin typeface="+mj-lt"/>
-              <a:ea typeface="+mj-ea"/>
-              <a:cs typeface="+mj-cs"/>
-            </a:endParaRPr>
           </a:p>
         </p:txBody>
       </p:sp>
@@ -20490,98 +20359,6 @@
   <p:clrMapOvr>
     <a:masterClrMapping/>
   </p:clrMapOvr>
-  <p:timing>
-    <p:tnLst>
-      <p:par>
-        <p:cTn id="1" dur="indefinite" restart="never" nodeType="tmRoot">
-          <p:childTnLst>
-            <p:seq concurrent="1" nextAc="seek">
-              <p:cTn id="2" dur="indefinite" nodeType="mainSeq">
-                <p:childTnLst>
-                  <p:par>
-                    <p:cTn id="3" fill="hold">
-                      <p:stCondLst>
-                        <p:cond delay="indefinite"/>
-                        <p:cond evt="onBegin" delay="0">
-                          <p:tn val="2"/>
-                        </p:cond>
-                      </p:stCondLst>
-                      <p:childTnLst>
-                        <p:par>
-                          <p:cTn id="4" fill="hold">
-                            <p:stCondLst>
-                              <p:cond delay="0"/>
-                            </p:stCondLst>
-                            <p:childTnLst>
-                              <p:par>
-                                <p:cTn id="5" presetID="10" presetClass="entr" presetSubtype="0" fill="hold" grpId="0" nodeType="withEffect">
-                                  <p:stCondLst>
-                                    <p:cond delay="1000"/>
-                                  </p:stCondLst>
-                                  <p:iterate>
-                                    <p:tmPct val="10000"/>
-                                  </p:iterate>
-                                  <p:childTnLst>
-                                    <p:set>
-                                      <p:cBhvr>
-                                        <p:cTn id="6" dur="1" fill="hold">
-                                          <p:stCondLst>
-                                            <p:cond delay="0"/>
-                                          </p:stCondLst>
-                                        </p:cTn>
-                                        <p:tgtEl>
-                                          <p:spTgt spid="2"/>
-                                        </p:tgtEl>
-                                        <p:attrNameLst>
-                                          <p:attrName>style.visibility</p:attrName>
-                                        </p:attrNameLst>
-                                      </p:cBhvr>
-                                      <p:to>
-                                        <p:strVal val="visible"/>
-                                      </p:to>
-                                    </p:set>
-                                    <p:animEffect transition="in" filter="fade">
-                                      <p:cBhvr>
-                                        <p:cTn id="7" dur="700"/>
-                                        <p:tgtEl>
-                                          <p:spTgt spid="2"/>
-                                        </p:tgtEl>
-                                      </p:cBhvr>
-                                    </p:animEffect>
-                                  </p:childTnLst>
-                                </p:cTn>
-                              </p:par>
-                            </p:childTnLst>
-                          </p:cTn>
-                        </p:par>
-                      </p:childTnLst>
-                    </p:cTn>
-                  </p:par>
-                </p:childTnLst>
-              </p:cTn>
-              <p:prevCondLst>
-                <p:cond evt="onPrev" delay="0">
-                  <p:tgtEl>
-                    <p:sldTgt/>
-                  </p:tgtEl>
-                </p:cond>
-              </p:prevCondLst>
-              <p:nextCondLst>
-                <p:cond evt="onNext" delay="0">
-                  <p:tgtEl>
-                    <p:sldTgt/>
-                  </p:tgtEl>
-                </p:cond>
-              </p:nextCondLst>
-            </p:seq>
-          </p:childTnLst>
-        </p:cTn>
-      </p:par>
-    </p:tnLst>
-    <p:bldLst>
-      <p:bldP spid="2" grpId="0"/>
-    </p:bldLst>
-  </p:timing>
 </p:sld>
 </file>
 
@@ -20699,7 +20476,7 @@
           <a:lstStyle/>
           <a:p>
             <a:r>
-              <a:rPr lang="en-US" sz="5000" kern="1200">
+              <a:rPr lang="en-US" sz="5000" kern="1200" dirty="0">
                 <a:solidFill>
                   <a:schemeClr val="tx1"/>
                 </a:solidFill>
@@ -21102,98 +20879,6 @@
   <p:clrMapOvr>
     <a:masterClrMapping/>
   </p:clrMapOvr>
-  <p:timing>
-    <p:tnLst>
-      <p:par>
-        <p:cTn id="1" dur="indefinite" restart="never" nodeType="tmRoot">
-          <p:childTnLst>
-            <p:seq concurrent="1" nextAc="seek">
-              <p:cTn id="2" dur="indefinite" nodeType="mainSeq">
-                <p:childTnLst>
-                  <p:par>
-                    <p:cTn id="3" fill="hold">
-                      <p:stCondLst>
-                        <p:cond delay="indefinite"/>
-                        <p:cond evt="onBegin" delay="0">
-                          <p:tn val="2"/>
-                        </p:cond>
-                      </p:stCondLst>
-                      <p:childTnLst>
-                        <p:par>
-                          <p:cTn id="4" fill="hold">
-                            <p:stCondLst>
-                              <p:cond delay="0"/>
-                            </p:stCondLst>
-                            <p:childTnLst>
-                              <p:par>
-                                <p:cTn id="5" presetID="10" presetClass="entr" presetSubtype="0" fill="hold" grpId="0" nodeType="withEffect">
-                                  <p:stCondLst>
-                                    <p:cond delay="1000"/>
-                                  </p:stCondLst>
-                                  <p:iterate>
-                                    <p:tmPct val="10000"/>
-                                  </p:iterate>
-                                  <p:childTnLst>
-                                    <p:set>
-                                      <p:cBhvr>
-                                        <p:cTn id="6" dur="1" fill="hold">
-                                          <p:stCondLst>
-                                            <p:cond delay="0"/>
-                                          </p:stCondLst>
-                                        </p:cTn>
-                                        <p:tgtEl>
-                                          <p:spTgt spid="2"/>
-                                        </p:tgtEl>
-                                        <p:attrNameLst>
-                                          <p:attrName>style.visibility</p:attrName>
-                                        </p:attrNameLst>
-                                      </p:cBhvr>
-                                      <p:to>
-                                        <p:strVal val="visible"/>
-                                      </p:to>
-                                    </p:set>
-                                    <p:animEffect transition="in" filter="fade">
-                                      <p:cBhvr>
-                                        <p:cTn id="7" dur="700"/>
-                                        <p:tgtEl>
-                                          <p:spTgt spid="2"/>
-                                        </p:tgtEl>
-                                      </p:cBhvr>
-                                    </p:animEffect>
-                                  </p:childTnLst>
-                                </p:cTn>
-                              </p:par>
-                            </p:childTnLst>
-                          </p:cTn>
-                        </p:par>
-                      </p:childTnLst>
-                    </p:cTn>
-                  </p:par>
-                </p:childTnLst>
-              </p:cTn>
-              <p:prevCondLst>
-                <p:cond evt="onPrev" delay="0">
-                  <p:tgtEl>
-                    <p:sldTgt/>
-                  </p:tgtEl>
-                </p:cond>
-              </p:prevCondLst>
-              <p:nextCondLst>
-                <p:cond evt="onNext" delay="0">
-                  <p:tgtEl>
-                    <p:sldTgt/>
-                  </p:tgtEl>
-                </p:cond>
-              </p:nextCondLst>
-            </p:seq>
-          </p:childTnLst>
-        </p:cTn>
-      </p:par>
-    </p:tnLst>
-    <p:bldLst>
-      <p:bldP spid="2" grpId="0"/>
-    </p:bldLst>
-  </p:timing>
 </p:sld>
 </file>
 
@@ -21410,7 +21095,7 @@
           <a:lstStyle/>
           <a:p>
             <a:r>
-              <a:rPr lang="en-US" sz="4000" kern="1200">
+              <a:rPr lang="en-US" sz="4000" kern="1200" dirty="0">
                 <a:solidFill>
                   <a:schemeClr val="tx1"/>
                 </a:solidFill>
@@ -21606,98 +21291,6 @@
   <p:clrMapOvr>
     <a:masterClrMapping/>
   </p:clrMapOvr>
-  <p:timing>
-    <p:tnLst>
-      <p:par>
-        <p:cTn id="1" dur="indefinite" restart="never" nodeType="tmRoot">
-          <p:childTnLst>
-            <p:seq concurrent="1" nextAc="seek">
-              <p:cTn id="2" dur="indefinite" nodeType="mainSeq">
-                <p:childTnLst>
-                  <p:par>
-                    <p:cTn id="3" fill="hold">
-                      <p:stCondLst>
-                        <p:cond delay="indefinite"/>
-                        <p:cond evt="onBegin" delay="0">
-                          <p:tn val="2"/>
-                        </p:cond>
-                      </p:stCondLst>
-                      <p:childTnLst>
-                        <p:par>
-                          <p:cTn id="4" fill="hold">
-                            <p:stCondLst>
-                              <p:cond delay="0"/>
-                            </p:stCondLst>
-                            <p:childTnLst>
-                              <p:par>
-                                <p:cTn id="5" presetID="10" presetClass="entr" presetSubtype="0" fill="hold" grpId="0" nodeType="withEffect">
-                                  <p:stCondLst>
-                                    <p:cond delay="1000"/>
-                                  </p:stCondLst>
-                                  <p:iterate>
-                                    <p:tmPct val="10000"/>
-                                  </p:iterate>
-                                  <p:childTnLst>
-                                    <p:set>
-                                      <p:cBhvr>
-                                        <p:cTn id="6" dur="1" fill="hold">
-                                          <p:stCondLst>
-                                            <p:cond delay="0"/>
-                                          </p:stCondLst>
-                                        </p:cTn>
-                                        <p:tgtEl>
-                                          <p:spTgt spid="2"/>
-                                        </p:tgtEl>
-                                        <p:attrNameLst>
-                                          <p:attrName>style.visibility</p:attrName>
-                                        </p:attrNameLst>
-                                      </p:cBhvr>
-                                      <p:to>
-                                        <p:strVal val="visible"/>
-                                      </p:to>
-                                    </p:set>
-                                    <p:animEffect transition="in" filter="fade">
-                                      <p:cBhvr>
-                                        <p:cTn id="7" dur="700"/>
-                                        <p:tgtEl>
-                                          <p:spTgt spid="2"/>
-                                        </p:tgtEl>
-                                      </p:cBhvr>
-                                    </p:animEffect>
-                                  </p:childTnLst>
-                                </p:cTn>
-                              </p:par>
-                            </p:childTnLst>
-                          </p:cTn>
-                        </p:par>
-                      </p:childTnLst>
-                    </p:cTn>
-                  </p:par>
-                </p:childTnLst>
-              </p:cTn>
-              <p:prevCondLst>
-                <p:cond evt="onPrev" delay="0">
-                  <p:tgtEl>
-                    <p:sldTgt/>
-                  </p:tgtEl>
-                </p:cond>
-              </p:prevCondLst>
-              <p:nextCondLst>
-                <p:cond evt="onNext" delay="0">
-                  <p:tgtEl>
-                    <p:sldTgt/>
-                  </p:tgtEl>
-                </p:cond>
-              </p:nextCondLst>
-            </p:seq>
-          </p:childTnLst>
-        </p:cTn>
-      </p:par>
-    </p:tnLst>
-    <p:bldLst>
-      <p:bldP spid="2" grpId="0"/>
-    </p:bldLst>
-  </p:timing>
 </p:sld>
 </file>
 
@@ -21815,7 +21408,7 @@
           <a:lstStyle/>
           <a:p>
             <a:r>
-              <a:rPr lang="en-US" sz="3900"/>
+              <a:rPr lang="en-US" sz="3900" dirty="0"/>
               <a:t>Administration BDD Suite</a:t>
             </a:r>
           </a:p>
@@ -22118,98 +21711,6 @@
   <p:clrMapOvr>
     <a:masterClrMapping/>
   </p:clrMapOvr>
-  <p:timing>
-    <p:tnLst>
-      <p:par>
-        <p:cTn id="1" dur="indefinite" restart="never" nodeType="tmRoot">
-          <p:childTnLst>
-            <p:seq concurrent="1" nextAc="seek">
-              <p:cTn id="2" dur="indefinite" nodeType="mainSeq">
-                <p:childTnLst>
-                  <p:par>
-                    <p:cTn id="3" fill="hold">
-                      <p:stCondLst>
-                        <p:cond delay="indefinite"/>
-                        <p:cond evt="onBegin" delay="0">
-                          <p:tn val="2"/>
-                        </p:cond>
-                      </p:stCondLst>
-                      <p:childTnLst>
-                        <p:par>
-                          <p:cTn id="4" fill="hold">
-                            <p:stCondLst>
-                              <p:cond delay="0"/>
-                            </p:stCondLst>
-                            <p:childTnLst>
-                              <p:par>
-                                <p:cTn id="5" presetID="10" presetClass="entr" presetSubtype="0" fill="hold" grpId="0" nodeType="withEffect">
-                                  <p:stCondLst>
-                                    <p:cond delay="1000"/>
-                                  </p:stCondLst>
-                                  <p:iterate>
-                                    <p:tmPct val="10000"/>
-                                  </p:iterate>
-                                  <p:childTnLst>
-                                    <p:set>
-                                      <p:cBhvr>
-                                        <p:cTn id="6" dur="1" fill="hold">
-                                          <p:stCondLst>
-                                            <p:cond delay="0"/>
-                                          </p:stCondLst>
-                                        </p:cTn>
-                                        <p:tgtEl>
-                                          <p:spTgt spid="2"/>
-                                        </p:tgtEl>
-                                        <p:attrNameLst>
-                                          <p:attrName>style.visibility</p:attrName>
-                                        </p:attrNameLst>
-                                      </p:cBhvr>
-                                      <p:to>
-                                        <p:strVal val="visible"/>
-                                      </p:to>
-                                    </p:set>
-                                    <p:animEffect transition="in" filter="fade">
-                                      <p:cBhvr>
-                                        <p:cTn id="7" dur="700"/>
-                                        <p:tgtEl>
-                                          <p:spTgt spid="2"/>
-                                        </p:tgtEl>
-                                      </p:cBhvr>
-                                    </p:animEffect>
-                                  </p:childTnLst>
-                                </p:cTn>
-                              </p:par>
-                            </p:childTnLst>
-                          </p:cTn>
-                        </p:par>
-                      </p:childTnLst>
-                    </p:cTn>
-                  </p:par>
-                </p:childTnLst>
-              </p:cTn>
-              <p:prevCondLst>
-                <p:cond evt="onPrev" delay="0">
-                  <p:tgtEl>
-                    <p:sldTgt/>
-                  </p:tgtEl>
-                </p:cond>
-              </p:prevCondLst>
-              <p:nextCondLst>
-                <p:cond evt="onNext" delay="0">
-                  <p:tgtEl>
-                    <p:sldTgt/>
-                  </p:tgtEl>
-                </p:cond>
-              </p:nextCondLst>
-            </p:seq>
-          </p:childTnLst>
-        </p:cTn>
-      </p:par>
-    </p:tnLst>
-    <p:bldLst>
-      <p:bldP spid="2" grpId="0"/>
-    </p:bldLst>
-  </p:timing>
 </p:sld>
 </file>
 
@@ -22327,7 +21828,7 @@
           <a:lstStyle/>
           <a:p>
             <a:r>
-              <a:rPr lang="en-US" sz="5100"/>
+              <a:rPr lang="en-US" sz="5100" dirty="0"/>
               <a:t>Administration BDD Suite</a:t>
             </a:r>
           </a:p>
@@ -22593,98 +22094,6 @@
   <p:clrMapOvr>
     <a:masterClrMapping/>
   </p:clrMapOvr>
-  <p:timing>
-    <p:tnLst>
-      <p:par>
-        <p:cTn id="1" dur="indefinite" restart="never" nodeType="tmRoot">
-          <p:childTnLst>
-            <p:seq concurrent="1" nextAc="seek">
-              <p:cTn id="2" dur="indefinite" nodeType="mainSeq">
-                <p:childTnLst>
-                  <p:par>
-                    <p:cTn id="3" fill="hold">
-                      <p:stCondLst>
-                        <p:cond delay="indefinite"/>
-                        <p:cond evt="onBegin" delay="0">
-                          <p:tn val="2"/>
-                        </p:cond>
-                      </p:stCondLst>
-                      <p:childTnLst>
-                        <p:par>
-                          <p:cTn id="4" fill="hold">
-                            <p:stCondLst>
-                              <p:cond delay="0"/>
-                            </p:stCondLst>
-                            <p:childTnLst>
-                              <p:par>
-                                <p:cTn id="5" presetID="10" presetClass="entr" presetSubtype="0" fill="hold" grpId="0" nodeType="withEffect">
-                                  <p:stCondLst>
-                                    <p:cond delay="1000"/>
-                                  </p:stCondLst>
-                                  <p:iterate>
-                                    <p:tmPct val="10000"/>
-                                  </p:iterate>
-                                  <p:childTnLst>
-                                    <p:set>
-                                      <p:cBhvr>
-                                        <p:cTn id="6" dur="1" fill="hold">
-                                          <p:stCondLst>
-                                            <p:cond delay="0"/>
-                                          </p:stCondLst>
-                                        </p:cTn>
-                                        <p:tgtEl>
-                                          <p:spTgt spid="2"/>
-                                        </p:tgtEl>
-                                        <p:attrNameLst>
-                                          <p:attrName>style.visibility</p:attrName>
-                                        </p:attrNameLst>
-                                      </p:cBhvr>
-                                      <p:to>
-                                        <p:strVal val="visible"/>
-                                      </p:to>
-                                    </p:set>
-                                    <p:animEffect transition="in" filter="fade">
-                                      <p:cBhvr>
-                                        <p:cTn id="7" dur="700"/>
-                                        <p:tgtEl>
-                                          <p:spTgt spid="2"/>
-                                        </p:tgtEl>
-                                      </p:cBhvr>
-                                    </p:animEffect>
-                                  </p:childTnLst>
-                                </p:cTn>
-                              </p:par>
-                            </p:childTnLst>
-                          </p:cTn>
-                        </p:par>
-                      </p:childTnLst>
-                    </p:cTn>
-                  </p:par>
-                </p:childTnLst>
-              </p:cTn>
-              <p:prevCondLst>
-                <p:cond evt="onPrev" delay="0">
-                  <p:tgtEl>
-                    <p:sldTgt/>
-                  </p:tgtEl>
-                </p:cond>
-              </p:prevCondLst>
-              <p:nextCondLst>
-                <p:cond evt="onNext" delay="0">
-                  <p:tgtEl>
-                    <p:sldTgt/>
-                  </p:tgtEl>
-                </p:cond>
-              </p:nextCondLst>
-            </p:seq>
-          </p:childTnLst>
-        </p:cTn>
-      </p:par>
-    </p:tnLst>
-    <p:bldLst>
-      <p:bldP spid="2" grpId="0"/>
-    </p:bldLst>
-  </p:timing>
 </p:sld>
 </file>
 
@@ -25695,7 +25104,7 @@
             <p:ph idx="1"/>
             <p:extLst>
               <p:ext uri="{D42A27DB-BD31-4B8C-83A1-F6EECF244321}">
-                <p14:modId xmlns:p14="http://schemas.microsoft.com/office/powerpoint/2010/main" val="2648577523"/>
+                <p14:modId xmlns:p14="http://schemas.microsoft.com/office/powerpoint/2010/main" val="3194226841"/>
               </p:ext>
             </p:extLst>
           </p:nvPr>
@@ -26777,7 +26186,7 @@
           <a:lstStyle/>
           <a:p>
             <a:r>
-              <a:rPr lang="en-US" sz="3700" kern="1200">
+              <a:rPr lang="en-US" sz="3700" kern="1200" dirty="0" err="1">
                 <a:solidFill>
                   <a:schemeClr val="tx1"/>
                 </a:solidFill>
@@ -26785,7 +26194,18 @@
                 <a:ea typeface="+mj-ea"/>
                 <a:cs typeface="+mj-cs"/>
               </a:rPr>
-              <a:t>Méthode Agile</a:t>
+              <a:t>Méthode</a:t>
+            </a:r>
+            <a:r>
+              <a:rPr lang="en-US" sz="3700" kern="1200" dirty="0">
+                <a:solidFill>
+                  <a:schemeClr val="tx1"/>
+                </a:solidFill>
+                <a:latin typeface="+mj-lt"/>
+                <a:ea typeface="+mj-ea"/>
+                <a:cs typeface="+mj-cs"/>
+              </a:rPr>
+              <a:t> Agile</a:t>
             </a:r>
           </a:p>
         </p:txBody>
@@ -27031,98 +26451,6 @@
   <p:clrMapOvr>
     <a:masterClrMapping/>
   </p:clrMapOvr>
-  <p:timing>
-    <p:tnLst>
-      <p:par>
-        <p:cTn id="1" dur="indefinite" restart="never" nodeType="tmRoot">
-          <p:childTnLst>
-            <p:seq concurrent="1" nextAc="seek">
-              <p:cTn id="2" dur="indefinite" nodeType="mainSeq">
-                <p:childTnLst>
-                  <p:par>
-                    <p:cTn id="3" fill="hold">
-                      <p:stCondLst>
-                        <p:cond delay="indefinite"/>
-                        <p:cond evt="onBegin" delay="0">
-                          <p:tn val="2"/>
-                        </p:cond>
-                      </p:stCondLst>
-                      <p:childTnLst>
-                        <p:par>
-                          <p:cTn id="4" fill="hold">
-                            <p:stCondLst>
-                              <p:cond delay="0"/>
-                            </p:stCondLst>
-                            <p:childTnLst>
-                              <p:par>
-                                <p:cTn id="5" presetID="10" presetClass="entr" presetSubtype="0" fill="hold" grpId="0" nodeType="withEffect">
-                                  <p:stCondLst>
-                                    <p:cond delay="1000"/>
-                                  </p:stCondLst>
-                                  <p:iterate>
-                                    <p:tmPct val="10000"/>
-                                  </p:iterate>
-                                  <p:childTnLst>
-                                    <p:set>
-                                      <p:cBhvr>
-                                        <p:cTn id="6" dur="1" fill="hold">
-                                          <p:stCondLst>
-                                            <p:cond delay="0"/>
-                                          </p:stCondLst>
-                                        </p:cTn>
-                                        <p:tgtEl>
-                                          <p:spTgt spid="2"/>
-                                        </p:tgtEl>
-                                        <p:attrNameLst>
-                                          <p:attrName>style.visibility</p:attrName>
-                                        </p:attrNameLst>
-                                      </p:cBhvr>
-                                      <p:to>
-                                        <p:strVal val="visible"/>
-                                      </p:to>
-                                    </p:set>
-                                    <p:animEffect transition="in" filter="fade">
-                                      <p:cBhvr>
-                                        <p:cTn id="7" dur="700"/>
-                                        <p:tgtEl>
-                                          <p:spTgt spid="2"/>
-                                        </p:tgtEl>
-                                      </p:cBhvr>
-                                    </p:animEffect>
-                                  </p:childTnLst>
-                                </p:cTn>
-                              </p:par>
-                            </p:childTnLst>
-                          </p:cTn>
-                        </p:par>
-                      </p:childTnLst>
-                    </p:cTn>
-                  </p:par>
-                </p:childTnLst>
-              </p:cTn>
-              <p:prevCondLst>
-                <p:cond evt="onPrev" delay="0">
-                  <p:tgtEl>
-                    <p:sldTgt/>
-                  </p:tgtEl>
-                </p:cond>
-              </p:prevCondLst>
-              <p:nextCondLst>
-                <p:cond evt="onNext" delay="0">
-                  <p:tgtEl>
-                    <p:sldTgt/>
-                  </p:tgtEl>
-                </p:cond>
-              </p:nextCondLst>
-            </p:seq>
-          </p:childTnLst>
-        </p:cTn>
-      </p:par>
-    </p:tnLst>
-    <p:bldLst>
-      <p:bldP spid="2" grpId="0"/>
-    </p:bldLst>
-  </p:timing>
 </p:sld>
 </file>
 
@@ -29473,7 +28801,7 @@
           <a:lstStyle/>
           <a:p>
             <a:r>
-              <a:rPr lang="en-US" sz="3700" kern="1200">
+              <a:rPr lang="en-US" sz="3700" kern="1200" dirty="0">
                 <a:solidFill>
                   <a:schemeClr val="tx1"/>
                 </a:solidFill>
@@ -29845,7 +29173,7 @@
           <a:lstStyle/>
           <a:p>
             <a:r>
-              <a:rPr lang="en-US" sz="5400"/>
+              <a:rPr lang="en-US" sz="5400" dirty="0"/>
               <a:t>Conception - MLD</a:t>
             </a:r>
           </a:p>
@@ -30241,98 +29569,6 @@
   <p:clrMapOvr>
     <a:masterClrMapping/>
   </p:clrMapOvr>
-  <p:timing>
-    <p:tnLst>
-      <p:par>
-        <p:cTn id="1" dur="indefinite" restart="never" nodeType="tmRoot">
-          <p:childTnLst>
-            <p:seq concurrent="1" nextAc="seek">
-              <p:cTn id="2" dur="indefinite" nodeType="mainSeq">
-                <p:childTnLst>
-                  <p:par>
-                    <p:cTn id="3" fill="hold">
-                      <p:stCondLst>
-                        <p:cond delay="indefinite"/>
-                        <p:cond evt="onBegin" delay="0">
-                          <p:tn val="2"/>
-                        </p:cond>
-                      </p:stCondLst>
-                      <p:childTnLst>
-                        <p:par>
-                          <p:cTn id="4" fill="hold">
-                            <p:stCondLst>
-                              <p:cond delay="0"/>
-                            </p:stCondLst>
-                            <p:childTnLst>
-                              <p:par>
-                                <p:cTn id="5" presetID="10" presetClass="entr" presetSubtype="0" fill="hold" grpId="0" nodeType="withEffect">
-                                  <p:stCondLst>
-                                    <p:cond delay="1000"/>
-                                  </p:stCondLst>
-                                  <p:iterate type="lt">
-                                    <p:tmPct val="10000"/>
-                                  </p:iterate>
-                                  <p:childTnLst>
-                                    <p:set>
-                                      <p:cBhvr>
-                                        <p:cTn id="6" dur="1" fill="hold">
-                                          <p:stCondLst>
-                                            <p:cond delay="0"/>
-                                          </p:stCondLst>
-                                        </p:cTn>
-                                        <p:tgtEl>
-                                          <p:spTgt spid="2"/>
-                                        </p:tgtEl>
-                                        <p:attrNameLst>
-                                          <p:attrName>style.visibility</p:attrName>
-                                        </p:attrNameLst>
-                                      </p:cBhvr>
-                                      <p:to>
-                                        <p:strVal val="visible"/>
-                                      </p:to>
-                                    </p:set>
-                                    <p:animEffect transition="in" filter="fade">
-                                      <p:cBhvr>
-                                        <p:cTn id="7" dur="400"/>
-                                        <p:tgtEl>
-                                          <p:spTgt spid="2"/>
-                                        </p:tgtEl>
-                                      </p:cBhvr>
-                                    </p:animEffect>
-                                  </p:childTnLst>
-                                </p:cTn>
-                              </p:par>
-                            </p:childTnLst>
-                          </p:cTn>
-                        </p:par>
-                      </p:childTnLst>
-                    </p:cTn>
-                  </p:par>
-                </p:childTnLst>
-              </p:cTn>
-              <p:prevCondLst>
-                <p:cond evt="onPrev" delay="0">
-                  <p:tgtEl>
-                    <p:sldTgt/>
-                  </p:tgtEl>
-                </p:cond>
-              </p:prevCondLst>
-              <p:nextCondLst>
-                <p:cond evt="onNext" delay="0">
-                  <p:tgtEl>
-                    <p:sldTgt/>
-                  </p:tgtEl>
-                </p:cond>
-              </p:nextCondLst>
-            </p:seq>
-          </p:childTnLst>
-        </p:cTn>
-      </p:par>
-    </p:tnLst>
-    <p:bldLst>
-      <p:bldP spid="2" grpId="0"/>
-    </p:bldLst>
-  </p:timing>
 </p:sld>
 </file>
 

--- a/Soutenance_PT.pptx
+++ b/Soutenance_PT.pptx
@@ -30,6 +30,7 @@
     <p:sldId id="271" r:id="rId24"/>
     <p:sldId id="260" r:id="rId25"/>
     <p:sldId id="261" r:id="rId26"/>
+    <p:sldId id="283" r:id="rId27"/>
   </p:sldIdLst>
   <p:sldSz cx="12192000" cy="6858000"/>
   <p:notesSz cx="6858000" cy="9144000"/>
@@ -8155,7 +8156,7 @@
       </dsp:nvSpPr>
       <dsp:spPr>
         <a:xfrm>
-          <a:off x="3651566" y="855640"/>
+          <a:off x="3651566" y="874079"/>
           <a:ext cx="1110374" cy="1110374"/>
         </a:xfrm>
         <a:prstGeom prst="rect">
@@ -8213,7 +8214,7 @@
       </dsp:nvSpPr>
       <dsp:spPr>
         <a:xfrm>
-          <a:off x="3151" y="2120707"/>
+          <a:off x="3151" y="2137561"/>
           <a:ext cx="3172499" cy="475875"/>
         </a:xfrm>
         <a:prstGeom prst="rect">
@@ -8264,7 +8265,7 @@
         </a:p>
       </dsp:txBody>
       <dsp:txXfrm>
-        <a:off x="3151" y="2120707"/>
+        <a:off x="3151" y="2137561"/>
         <a:ext cx="3172499" cy="475875"/>
       </dsp:txXfrm>
     </dsp:sp>
@@ -8275,8 +8276,8 @@
       </dsp:nvSpPr>
       <dsp:spPr>
         <a:xfrm>
-          <a:off x="3151" y="2674590"/>
-          <a:ext cx="3172499" cy="2068413"/>
+          <a:off x="3151" y="2690706"/>
+          <a:ext cx="3172499" cy="2033857"/>
         </a:xfrm>
         <a:prstGeom prst="rect">
           <a:avLst/>
@@ -8339,8 +8340,8 @@
         </a:p>
       </dsp:txBody>
       <dsp:txXfrm>
-        <a:off x="3151" y="2674590"/>
-        <a:ext cx="3172499" cy="2068413"/>
+        <a:off x="3151" y="2690706"/>
+        <a:ext cx="3172499" cy="2033857"/>
       </dsp:txXfrm>
     </dsp:sp>
     <dsp:sp modelId="{D1D73B83-FBEE-4F26-9898-09C48182988C}">
@@ -8350,7 +8351,7 @@
       </dsp:nvSpPr>
       <dsp:spPr>
         <a:xfrm>
-          <a:off x="231070" y="851010"/>
+          <a:off x="231070" y="869449"/>
           <a:ext cx="1110374" cy="1110374"/>
         </a:xfrm>
         <a:prstGeom prst="rect">
@@ -8407,7 +8408,7 @@
       </dsp:nvSpPr>
       <dsp:spPr>
         <a:xfrm>
-          <a:off x="3730839" y="2120707"/>
+          <a:off x="3730839" y="2137561"/>
           <a:ext cx="3172499" cy="475875"/>
         </a:xfrm>
         <a:prstGeom prst="rect">
@@ -8458,7 +8459,7 @@
         </a:p>
       </dsp:txBody>
       <dsp:txXfrm>
-        <a:off x="3730839" y="2120707"/>
+        <a:off x="3730839" y="2137561"/>
         <a:ext cx="3172499" cy="475875"/>
       </dsp:txXfrm>
     </dsp:sp>
@@ -8469,8 +8470,8 @@
       </dsp:nvSpPr>
       <dsp:spPr>
         <a:xfrm>
-          <a:off x="3730839" y="2674590"/>
-          <a:ext cx="3172499" cy="2068413"/>
+          <a:off x="3730839" y="2690706"/>
+          <a:ext cx="3172499" cy="2033857"/>
         </a:xfrm>
         <a:prstGeom prst="rect">
           <a:avLst/>
@@ -8557,8 +8558,8 @@
         </a:p>
       </dsp:txBody>
       <dsp:txXfrm>
-        <a:off x="3730839" y="2674590"/>
-        <a:ext cx="3172499" cy="2068413"/>
+        <a:off x="3730839" y="2690706"/>
+        <a:ext cx="3172499" cy="2033857"/>
       </dsp:txXfrm>
     </dsp:sp>
   </dsp:spTree>
@@ -18628,6 +18629,61 @@
           </a:p>
         </p:txBody>
       </p:sp>
+      <p:sp>
+        <p:nvSpPr>
+          <p:cNvPr id="3" name="ZoneTexte 2">
+            <a:extLst>
+              <a:ext uri="{FF2B5EF4-FFF2-40B4-BE49-F238E27FC236}">
+                <a16:creationId xmlns:a16="http://schemas.microsoft.com/office/drawing/2014/main" id="{0EC594BB-46BF-404E-84B4-AB1D52B59DF4}"/>
+              </a:ext>
+            </a:extLst>
+          </p:cNvPr>
+          <p:cNvSpPr txBox="1"/>
+          <p:nvPr/>
+        </p:nvSpPr>
+        <p:spPr>
+          <a:xfrm>
+            <a:off x="174890" y="6376340"/>
+            <a:ext cx="7655814" cy="369332"/>
+          </a:xfrm>
+          <a:prstGeom prst="rect">
+            <a:avLst/>
+          </a:prstGeom>
+          <a:noFill/>
+        </p:spPr>
+        <p:txBody>
+          <a:bodyPr wrap="none" rtlCol="0">
+            <a:spAutoFit/>
+          </a:bodyPr>
+          <a:lstStyle/>
+          <a:p>
+            <a:r>
+              <a:rPr lang="fr-FR" dirty="0" err="1"/>
+              <a:t>Bevilacqua</a:t>
+            </a:r>
+            <a:r>
+              <a:rPr lang="fr-FR" dirty="0"/>
+              <a:t> Romain, Ducret Robin, Gantelet Mathis, </a:t>
+            </a:r>
+            <a:r>
+              <a:rPr lang="fr-FR" dirty="0" err="1"/>
+              <a:t>Hode</a:t>
+            </a:r>
+            <a:r>
+              <a:rPr lang="fr-FR" dirty="0"/>
+              <a:t> Thomas, </a:t>
+            </a:r>
+            <a:r>
+              <a:rPr lang="fr-FR" dirty="0" err="1"/>
+              <a:t>Pacalet</a:t>
+            </a:r>
+            <a:r>
+              <a:rPr lang="fr-FR" dirty="0"/>
+              <a:t> Hugo</a:t>
+            </a:r>
+          </a:p>
+        </p:txBody>
+      </p:sp>
     </p:spTree>
     <p:extLst>
       <p:ext uri="{BB962C8B-B14F-4D97-AF65-F5344CB8AC3E}">
@@ -24078,7 +24134,7 @@
             <a:round/>
             <a:extLst>
               <a:ext uri="{C807C97D-BFC1-408E-A445-0C87EB9F89A2}">
-                <ask:lineSketchStyleProps xmlns:ask="http://schemas.microsoft.com/office/drawing/2018/sketchyshapes" sd="2727557108">
+                <ask:lineSketchStyleProps xmlns:ask="http://schemas.microsoft.com/office/drawing/2018/sketchyshapes" xmlns="" sd="2727557108">
                   <a:prstGeom prst="rect">
                     <a:avLst/>
                   </a:prstGeom>
@@ -26808,6 +26864,334 @@
     <p:extLst>
       <p:ext uri="{BB962C8B-B14F-4D97-AF65-F5344CB8AC3E}">
         <p14:creationId xmlns:p14="http://schemas.microsoft.com/office/powerpoint/2010/main" val="1137461289"/>
+      </p:ext>
+    </p:extLst>
+  </p:cSld>
+  <p:clrMapOvr>
+    <a:masterClrMapping/>
+  </p:clrMapOvr>
+</p:sld>
+</file>
+
+<file path=ppt/slides/slide26.xml><?xml version="1.0" encoding="utf-8"?>
+<p:sld xmlns:a="http://schemas.openxmlformats.org/drawingml/2006/main" xmlns:r="http://schemas.openxmlformats.org/officeDocument/2006/relationships" xmlns:p="http://schemas.openxmlformats.org/presentationml/2006/main">
+  <p:cSld>
+    <p:bg>
+      <p:bgPr>
+        <a:solidFill>
+          <a:schemeClr val="bg1"/>
+        </a:solidFill>
+        <a:effectLst/>
+      </p:bgPr>
+    </p:bg>
+    <p:spTree>
+      <p:nvGrpSpPr>
+        <p:cNvPr id="1" name=""/>
+        <p:cNvGrpSpPr/>
+        <p:nvPr/>
+      </p:nvGrpSpPr>
+      <p:grpSpPr>
+        <a:xfrm>
+          <a:off x="0" y="0"/>
+          <a:ext cx="0" cy="0"/>
+          <a:chOff x="0" y="0"/>
+          <a:chExt cx="0" cy="0"/>
+        </a:xfrm>
+      </p:grpSpPr>
+      <p:sp useBgFill="1">
+        <p:nvSpPr>
+          <p:cNvPr id="8" name="Rectangle 7">
+            <a:extLst>
+              <a:ext uri="{FF2B5EF4-FFF2-40B4-BE49-F238E27FC236}">
+                <a16:creationId xmlns:a16="http://schemas.microsoft.com/office/drawing/2014/main" id="{907EF6B7-1338-4443-8C46-6A318D952DFD}"/>
+              </a:ext>
+              <a:ext uri="{C183D7F6-B498-43B3-948B-1728B52AA6E4}">
+                <adec:decorative xmlns:adec="http://schemas.microsoft.com/office/drawing/2017/decorative" val="1"/>
+              </a:ext>
+            </a:extLst>
+          </p:cNvPr>
+          <p:cNvSpPr>
+            <a:spLocks noGrp="1" noRot="1" noChangeAspect="1" noMove="1" noResize="1" noEditPoints="1" noAdjustHandles="1" noChangeArrowheads="1" noChangeShapeType="1" noTextEdit="1"/>
+          </p:cNvSpPr>
+          <p:nvPr>
+            <p:extLst>
+              <p:ext uri="{386F3935-93C4-4BCD-93E2-E3B085C9AB24}">
+                <p16:designElem xmlns:p16="http://schemas.microsoft.com/office/powerpoint/2015/main" val="1"/>
+              </p:ext>
+            </p:extLst>
+          </p:nvPr>
+        </p:nvSpPr>
+        <p:spPr>
+          <a:xfrm>
+            <a:off x="3048" y="0"/>
+            <a:ext cx="12188952" cy="6858000"/>
+          </a:xfrm>
+          <a:prstGeom prst="rect">
+            <a:avLst/>
+          </a:prstGeom>
+          <a:ln>
+            <a:noFill/>
+          </a:ln>
+        </p:spPr>
+        <p:style>
+          <a:lnRef idx="2">
+            <a:schemeClr val="accent1">
+              <a:shade val="50000"/>
+            </a:schemeClr>
+          </a:lnRef>
+          <a:fillRef idx="1">
+            <a:schemeClr val="accent1"/>
+          </a:fillRef>
+          <a:effectRef idx="0">
+            <a:schemeClr val="accent1"/>
+          </a:effectRef>
+          <a:fontRef idx="minor">
+            <a:schemeClr val="lt1"/>
+          </a:fontRef>
+        </p:style>
+        <p:txBody>
+          <a:bodyPr rtlCol="0" anchor="ctr"/>
+          <a:lstStyle/>
+          <a:p>
+            <a:pPr algn="ctr"/>
+            <a:endParaRPr lang="en-US"/>
+          </a:p>
+        </p:txBody>
+      </p:sp>
+      <p:sp>
+        <p:nvSpPr>
+          <p:cNvPr id="10" name="Freeform: Shape 9">
+            <a:extLst>
+              <a:ext uri="{FF2B5EF4-FFF2-40B4-BE49-F238E27FC236}">
+                <a16:creationId xmlns:a16="http://schemas.microsoft.com/office/drawing/2014/main" id="{DAAE4CDD-124C-4DCF-9584-B6033B545DD5}"/>
+              </a:ext>
+              <a:ext uri="{C183D7F6-B498-43B3-948B-1728B52AA6E4}">
+                <adec:decorative xmlns:adec="http://schemas.microsoft.com/office/drawing/2017/decorative" val="1"/>
+              </a:ext>
+            </a:extLst>
+          </p:cNvPr>
+          <p:cNvSpPr>
+            <a:spLocks noGrp="1" noRot="1" noChangeAspect="1" noMove="1" noResize="1" noEditPoints="1" noAdjustHandles="1" noChangeArrowheads="1" noChangeShapeType="1" noTextEdit="1"/>
+          </p:cNvSpPr>
+          <p:nvPr>
+            <p:extLst>
+              <p:ext uri="{386F3935-93C4-4BCD-93E2-E3B085C9AB24}">
+                <p16:designElem xmlns:p16="http://schemas.microsoft.com/office/powerpoint/2015/main" val="1"/>
+              </p:ext>
+            </p:extLst>
+          </p:nvPr>
+        </p:nvSpPr>
+        <p:spPr>
+          <a:xfrm>
+            <a:off x="1" y="0"/>
+            <a:ext cx="4167271" cy="6858000"/>
+          </a:xfrm>
+          <a:custGeom>
+            <a:avLst/>
+            <a:gdLst>
+              <a:gd name="connsiteX0" fmla="*/ 0 w 4167271"/>
+              <a:gd name="connsiteY0" fmla="*/ 0 h 6858000"/>
+              <a:gd name="connsiteX1" fmla="*/ 2259550 w 4167271"/>
+              <a:gd name="connsiteY1" fmla="*/ 0 h 6858000"/>
+              <a:gd name="connsiteX2" fmla="*/ 2387803 w 4167271"/>
+              <a:gd name="connsiteY2" fmla="*/ 82222 h 6858000"/>
+              <a:gd name="connsiteX3" fmla="*/ 4167271 w 4167271"/>
+              <a:gd name="connsiteY3" fmla="*/ 3429000 h 6858000"/>
+              <a:gd name="connsiteX4" fmla="*/ 2387803 w 4167271"/>
+              <a:gd name="connsiteY4" fmla="*/ 6775779 h 6858000"/>
+              <a:gd name="connsiteX5" fmla="*/ 2259550 w 4167271"/>
+              <a:gd name="connsiteY5" fmla="*/ 6858000 h 6858000"/>
+              <a:gd name="connsiteX6" fmla="*/ 0 w 4167271"/>
+              <a:gd name="connsiteY6" fmla="*/ 6858000 h 6858000"/>
+            </a:gdLst>
+            <a:ahLst/>
+            <a:cxnLst>
+              <a:cxn ang="0">
+                <a:pos x="connsiteX0" y="connsiteY0"/>
+              </a:cxn>
+              <a:cxn ang="0">
+                <a:pos x="connsiteX1" y="connsiteY1"/>
+              </a:cxn>
+              <a:cxn ang="0">
+                <a:pos x="connsiteX2" y="connsiteY2"/>
+              </a:cxn>
+              <a:cxn ang="0">
+                <a:pos x="connsiteX3" y="connsiteY3"/>
+              </a:cxn>
+              <a:cxn ang="0">
+                <a:pos x="connsiteX4" y="connsiteY4"/>
+              </a:cxn>
+              <a:cxn ang="0">
+                <a:pos x="connsiteX5" y="connsiteY5"/>
+              </a:cxn>
+              <a:cxn ang="0">
+                <a:pos x="connsiteX6" y="connsiteY6"/>
+              </a:cxn>
+            </a:cxnLst>
+            <a:rect l="l" t="t" r="r" b="b"/>
+            <a:pathLst>
+              <a:path w="4167271" h="6858000">
+                <a:moveTo>
+                  <a:pt x="0" y="0"/>
+                </a:moveTo>
+                <a:lnTo>
+                  <a:pt x="2259550" y="0"/>
+                </a:lnTo>
+                <a:lnTo>
+                  <a:pt x="2387803" y="82222"/>
+                </a:lnTo>
+                <a:cubicBezTo>
+                  <a:pt x="3461407" y="807534"/>
+                  <a:pt x="4167271" y="2035835"/>
+                  <a:pt x="4167271" y="3429000"/>
+                </a:cubicBezTo>
+                <a:cubicBezTo>
+                  <a:pt x="4167271" y="4822165"/>
+                  <a:pt x="3461407" y="6050467"/>
+                  <a:pt x="2387803" y="6775779"/>
+                </a:cubicBezTo>
+                <a:lnTo>
+                  <a:pt x="2259550" y="6858000"/>
+                </a:lnTo>
+                <a:lnTo>
+                  <a:pt x="0" y="6858000"/>
+                </a:lnTo>
+                <a:close/>
+              </a:path>
+            </a:pathLst>
+          </a:custGeom>
+          <a:solidFill>
+            <a:schemeClr val="accent2"/>
+          </a:solidFill>
+          <a:ln>
+            <a:noFill/>
+          </a:ln>
+        </p:spPr>
+        <p:style>
+          <a:lnRef idx="2">
+            <a:schemeClr val="accent1">
+              <a:shade val="50000"/>
+            </a:schemeClr>
+          </a:lnRef>
+          <a:fillRef idx="1">
+            <a:schemeClr val="accent1"/>
+          </a:fillRef>
+          <a:effectRef idx="0">
+            <a:schemeClr val="accent1"/>
+          </a:effectRef>
+          <a:fontRef idx="minor">
+            <a:schemeClr val="lt1"/>
+          </a:fontRef>
+        </p:style>
+        <p:txBody>
+          <a:bodyPr rtlCol="0" anchor="ctr"/>
+          <a:lstStyle/>
+          <a:p>
+            <a:pPr algn="ctr"/>
+            <a:endParaRPr lang="en-US"/>
+          </a:p>
+        </p:txBody>
+      </p:sp>
+      <p:sp>
+        <p:nvSpPr>
+          <p:cNvPr id="2" name="Titre 1">
+            <a:extLst>
+              <a:ext uri="{FF2B5EF4-FFF2-40B4-BE49-F238E27FC236}">
+                <a16:creationId xmlns:a16="http://schemas.microsoft.com/office/drawing/2014/main" id="{EB355393-2497-49F5-A018-D4969696430A}"/>
+              </a:ext>
+            </a:extLst>
+          </p:cNvPr>
+          <p:cNvSpPr>
+            <a:spLocks noGrp="1"/>
+          </p:cNvSpPr>
+          <p:nvPr>
+            <p:ph type="title"/>
+          </p:nvPr>
+        </p:nvSpPr>
+        <p:spPr>
+          <a:xfrm>
+            <a:off x="4623612" y="2612821"/>
+            <a:ext cx="5850534" cy="1632358"/>
+          </a:xfrm>
+        </p:spPr>
+        <p:txBody>
+          <a:bodyPr>
+            <a:normAutofit/>
+          </a:bodyPr>
+          <a:lstStyle/>
+          <a:p>
+            <a:r>
+              <a:rPr lang="fr-FR" dirty="0"/>
+              <a:t>Merci de votre attention</a:t>
+            </a:r>
+          </a:p>
+        </p:txBody>
+      </p:sp>
+      <p:sp>
+        <p:nvSpPr>
+          <p:cNvPr id="12" name="Arc 11">
+            <a:extLst>
+              <a:ext uri="{FF2B5EF4-FFF2-40B4-BE49-F238E27FC236}">
+                <a16:creationId xmlns:a16="http://schemas.microsoft.com/office/drawing/2014/main" id="{081E4A58-353D-44AE-B2FC-2A74E2E400F7}"/>
+              </a:ext>
+              <a:ext uri="{C183D7F6-B498-43B3-948B-1728B52AA6E4}">
+                <adec:decorative xmlns:adec="http://schemas.microsoft.com/office/drawing/2017/decorative" val="1"/>
+              </a:ext>
+            </a:extLst>
+          </p:cNvPr>
+          <p:cNvSpPr>
+            <a:spLocks noGrp="1" noRot="1" noChangeAspect="1" noMove="1" noResize="1" noEditPoints="1" noAdjustHandles="1" noChangeArrowheads="1" noChangeShapeType="1" noTextEdit="1"/>
+          </p:cNvSpPr>
+          <p:nvPr>
+            <p:extLst>
+              <p:ext uri="{386F3935-93C4-4BCD-93E2-E3B085C9AB24}">
+                <p16:designElem xmlns:p16="http://schemas.microsoft.com/office/powerpoint/2015/main" val="1"/>
+              </p:ext>
+            </p:extLst>
+          </p:nvPr>
+        </p:nvSpPr>
+        <p:spPr>
+          <a:xfrm flipV="1">
+            <a:off x="7550402" y="2455479"/>
+            <a:ext cx="4083433" cy="4083433"/>
+          </a:xfrm>
+          <a:prstGeom prst="arc">
+            <a:avLst/>
+          </a:prstGeom>
+          <a:ln w="127000" cap="rnd">
+            <a:solidFill>
+              <a:schemeClr val="accent4"/>
+            </a:solidFill>
+            <a:prstDash val="dash"/>
+          </a:ln>
+        </p:spPr>
+        <p:style>
+          <a:lnRef idx="1">
+            <a:schemeClr val="accent1"/>
+          </a:lnRef>
+          <a:fillRef idx="0">
+            <a:schemeClr val="accent1"/>
+          </a:fillRef>
+          <a:effectRef idx="0">
+            <a:schemeClr val="accent1"/>
+          </a:effectRef>
+          <a:fontRef idx="minor">
+            <a:schemeClr val="tx1"/>
+          </a:fontRef>
+        </p:style>
+        <p:txBody>
+          <a:bodyPr rtlCol="0" anchor="ctr"/>
+          <a:lstStyle/>
+          <a:p>
+            <a:pPr algn="ctr"/>
+            <a:endParaRPr lang="en-US" dirty="0"/>
+          </a:p>
+        </p:txBody>
+      </p:sp>
+    </p:spTree>
+    <p:extLst>
+      <p:ext uri="{BB962C8B-B14F-4D97-AF65-F5344CB8AC3E}">
+        <p14:creationId xmlns:p14="http://schemas.microsoft.com/office/powerpoint/2010/main" val="2685280397"/>
       </p:ext>
     </p:extLst>
   </p:cSld>
